--- a/Dokumente/Präsentationen/Abschlusspräsentation.pptx
+++ b/Dokumente/Präsentationen/Abschlusspräsentation.pptx
@@ -192,7 +192,7 @@
   </p:defaultTextStyle>
   <p:extLst>
     <p:ext uri="{EFAFB233-063F-42B5-8137-9DF3F51BA10A}">
-      <p15:sldGuideLst xmlns:p15="http://schemas.microsoft.com/office/powerpoint/2012/main" xmlns="">
+      <p15:sldGuideLst xmlns="" xmlns:p15="http://schemas.microsoft.com/office/powerpoint/2012/main">
         <p15:guide id="1" orient="horz" pos="4319">
           <p15:clr>
             <a:srgbClr val="A4A3A4"/>
@@ -206,7 +206,7 @@
       </p15:sldGuideLst>
     </p:ext>
     <p:ext uri="{2D200454-40CA-4A62-9FC3-DE9A4176ACB9}">
-      <p15:notesGuideLst xmlns:p15="http://schemas.microsoft.com/office/powerpoint/2012/main" xmlns="">
+      <p15:notesGuideLst xmlns="" xmlns:p15="http://schemas.microsoft.com/office/powerpoint/2012/main">
         <p15:guide id="1" orient="horz" pos="2874">
           <p15:clr>
             <a:srgbClr val="A4A3A4"/>
@@ -458,7 +458,7 @@
     </p:spTree>
     <p:extLst>
       <p:ext uri="{BB962C8B-B14F-4D97-AF65-F5344CB8AC3E}">
-        <p14:creationId xmlns:p14="http://schemas.microsoft.com/office/powerpoint/2010/main" xmlns="" val="3306506664"/>
+        <p14:creationId xmlns="" xmlns:p14="http://schemas.microsoft.com/office/powerpoint/2010/main" val="3306506664"/>
       </p:ext>
     </p:extLst>
   </p:cSld>
@@ -1034,7 +1034,7 @@
     </p:spTree>
     <p:extLst>
       <p:ext uri="{BB962C8B-B14F-4D97-AF65-F5344CB8AC3E}">
-        <p14:creationId xmlns:p14="http://schemas.microsoft.com/office/powerpoint/2010/main" xmlns="" val="3290858648"/>
+        <p14:creationId xmlns="" xmlns:p14="http://schemas.microsoft.com/office/powerpoint/2010/main" val="3290858648"/>
       </p:ext>
     </p:extLst>
   </p:cSld>
@@ -2005,7 +2005,7 @@
     </p:spTree>
     <p:extLst>
       <p:ext uri="{BB962C8B-B14F-4D97-AF65-F5344CB8AC3E}">
-        <p14:creationId xmlns:p14="http://schemas.microsoft.com/office/powerpoint/2010/main" xmlns="" val="3579872104"/>
+        <p14:creationId xmlns="" xmlns:p14="http://schemas.microsoft.com/office/powerpoint/2010/main" val="3579872104"/>
       </p:ext>
     </p:extLst>
   </p:cSld>
@@ -2141,7 +2141,7 @@
     </p:spTree>
     <p:extLst>
       <p:ext uri="{BB962C8B-B14F-4D97-AF65-F5344CB8AC3E}">
-        <p14:creationId xmlns:p14="http://schemas.microsoft.com/office/powerpoint/2010/main" xmlns="" val="4086205857"/>
+        <p14:creationId xmlns="" xmlns:p14="http://schemas.microsoft.com/office/powerpoint/2010/main" val="4086205857"/>
       </p:ext>
     </p:extLst>
   </p:cSld>
@@ -2277,7 +2277,7 @@
     </p:spTree>
     <p:extLst>
       <p:ext uri="{BB962C8B-B14F-4D97-AF65-F5344CB8AC3E}">
-        <p14:creationId xmlns:p14="http://schemas.microsoft.com/office/powerpoint/2010/main" xmlns="" val="3979630434"/>
+        <p14:creationId xmlns="" xmlns:p14="http://schemas.microsoft.com/office/powerpoint/2010/main" val="3979630434"/>
       </p:ext>
     </p:extLst>
   </p:cSld>
@@ -2413,7 +2413,7 @@
     </p:spTree>
     <p:extLst>
       <p:ext uri="{BB962C8B-B14F-4D97-AF65-F5344CB8AC3E}">
-        <p14:creationId xmlns:p14="http://schemas.microsoft.com/office/powerpoint/2010/main" xmlns="" val="894590783"/>
+        <p14:creationId xmlns="" xmlns:p14="http://schemas.microsoft.com/office/powerpoint/2010/main" val="894590783"/>
       </p:ext>
     </p:extLst>
   </p:cSld>
@@ -2549,7 +2549,7 @@
     </p:spTree>
     <p:extLst>
       <p:ext uri="{BB962C8B-B14F-4D97-AF65-F5344CB8AC3E}">
-        <p14:creationId xmlns:p14="http://schemas.microsoft.com/office/powerpoint/2010/main" xmlns="" val="894590783"/>
+        <p14:creationId xmlns="" xmlns:p14="http://schemas.microsoft.com/office/powerpoint/2010/main" val="894590783"/>
       </p:ext>
     </p:extLst>
   </p:cSld>
@@ -2685,7 +2685,7 @@
     </p:spTree>
     <p:extLst>
       <p:ext uri="{BB962C8B-B14F-4D97-AF65-F5344CB8AC3E}">
-        <p14:creationId xmlns:p14="http://schemas.microsoft.com/office/powerpoint/2010/main" xmlns="" val="894590783"/>
+        <p14:creationId xmlns="" xmlns:p14="http://schemas.microsoft.com/office/powerpoint/2010/main" val="894590783"/>
       </p:ext>
     </p:extLst>
   </p:cSld>
@@ -2821,7 +2821,7 @@
     </p:spTree>
     <p:extLst>
       <p:ext uri="{BB962C8B-B14F-4D97-AF65-F5344CB8AC3E}">
-        <p14:creationId xmlns:p14="http://schemas.microsoft.com/office/powerpoint/2010/main" xmlns="" val="894590783"/>
+        <p14:creationId xmlns="" xmlns:p14="http://schemas.microsoft.com/office/powerpoint/2010/main" val="894590783"/>
       </p:ext>
     </p:extLst>
   </p:cSld>
@@ -2957,7 +2957,7 @@
     </p:spTree>
     <p:extLst>
       <p:ext uri="{BB962C8B-B14F-4D97-AF65-F5344CB8AC3E}">
-        <p14:creationId xmlns:p14="http://schemas.microsoft.com/office/powerpoint/2010/main" xmlns="" val="894590783"/>
+        <p14:creationId xmlns="" xmlns:p14="http://schemas.microsoft.com/office/powerpoint/2010/main" val="894590783"/>
       </p:ext>
     </p:extLst>
   </p:cSld>
@@ -3093,7 +3093,7 @@
     </p:spTree>
     <p:extLst>
       <p:ext uri="{BB962C8B-B14F-4D97-AF65-F5344CB8AC3E}">
-        <p14:creationId xmlns:p14="http://schemas.microsoft.com/office/powerpoint/2010/main" xmlns="" val="1472061649"/>
+        <p14:creationId xmlns="" xmlns:p14="http://schemas.microsoft.com/office/powerpoint/2010/main" val="1472061649"/>
       </p:ext>
     </p:extLst>
   </p:cSld>
@@ -7613,7 +7613,7 @@
                 <a:buFont typeface="Arial" pitchFamily="34" charset="0"/>
                 <a:buNone/>
               </a:pPr>
-              <a:t>25. Februar 2019</a:t>
+              <a:t>26. Februar 2019</a:t>
             </a:fld>
             <a:r>
               <a:rPr kumimoji="0" lang="en-US" sz="1100" b="0" i="0" u="none" strike="noStrike" kern="1200" cap="none" spc="0" normalizeH="0" baseline="0" noProof="0" dirty="0">
@@ -8581,7 +8581,7 @@
           <p:cNvPr id="2" name="Titel 1">
             <a:extLst>
               <a:ext uri="{FF2B5EF4-FFF2-40B4-BE49-F238E27FC236}">
-                <a16:creationId xmlns:a16="http://schemas.microsoft.com/office/drawing/2014/main" xmlns="" id="{24452668-05B8-45C3-9C30-2FC567BF5B34}"/>
+                <a16:creationId xmlns="" xmlns:a16="http://schemas.microsoft.com/office/drawing/2014/main" id="{24452668-05B8-45C3-9C30-2FC567BF5B34}"/>
               </a:ext>
             </a:extLst>
           </p:cNvPr>
@@ -8610,7 +8610,7 @@
           <p:cNvPr id="3" name="Inhaltsplatzhalter 2">
             <a:extLst>
               <a:ext uri="{FF2B5EF4-FFF2-40B4-BE49-F238E27FC236}">
-                <a16:creationId xmlns:a16="http://schemas.microsoft.com/office/drawing/2014/main" xmlns="" id="{6F95FF9C-402A-4AAD-8E88-8EE33D2499FD}"/>
+                <a16:creationId xmlns="" xmlns:a16="http://schemas.microsoft.com/office/drawing/2014/main" id="{6F95FF9C-402A-4AAD-8E88-8EE33D2499FD}"/>
               </a:ext>
             </a:extLst>
           </p:cNvPr>
@@ -8701,7 +8701,7 @@
     </p:spTree>
     <p:extLst>
       <p:ext uri="{BB962C8B-B14F-4D97-AF65-F5344CB8AC3E}">
-        <p14:creationId xmlns:p14="http://schemas.microsoft.com/office/powerpoint/2010/main" xmlns="" val="2622745934"/>
+        <p14:creationId xmlns="" xmlns:p14="http://schemas.microsoft.com/office/powerpoint/2010/main" val="2622745934"/>
       </p:ext>
     </p:extLst>
   </p:cSld>
@@ -8780,7 +8780,15 @@
           <a:p>
             <a:r>
               <a:rPr lang="de-DE" dirty="0" smtClean="0"/>
-              <a:t>Mega geile Optik aufgrund von goldfarbenem Logo (es ist zwar Bronze, das halte ich aber für ungünstig, weil Bronze = 3. Platz)</a:t>
+              <a:t>Mega geile Optik aufgrund von goldfarbenem Logo (es ist </a:t>
+            </a:r>
+            <a:r>
+              <a:rPr lang="de-DE" dirty="0" smtClean="0"/>
+              <a:t>eigentlich Bronze</a:t>
+            </a:r>
+            <a:r>
+              <a:rPr lang="de-DE" dirty="0" smtClean="0"/>
+              <a:t>, das halte ich aber für ungünstig, weil Bronze = 3. Platz)</a:t>
             </a:r>
             <a:endParaRPr lang="de-DE" dirty="0"/>
           </a:p>
@@ -9009,14 +9017,55 @@
             <a:pPr lvl="1"/>
             <a:r>
               <a:rPr lang="de-DE" altLang="zh-CN" dirty="0" smtClean="0"/>
-              <a:t>Fahrmodus mit Hinderniserkennung und Spurwechsel</a:t>
-            </a:r>
+              <a:t>Fahrmodus mit Hinderniserkennung und </a:t>
+            </a:r>
+            <a:r>
+              <a:rPr lang="de-DE" altLang="zh-CN" dirty="0" smtClean="0"/>
+              <a:t>Spurwechsel („</a:t>
+            </a:r>
+            <a:r>
+              <a:rPr lang="de-DE" altLang="zh-CN" dirty="0" err="1" smtClean="0"/>
+              <a:t>drive</a:t>
+            </a:r>
+            <a:r>
+              <a:rPr lang="de-DE" altLang="zh-CN" dirty="0" smtClean="0"/>
+              <a:t> </a:t>
+            </a:r>
+            <a:r>
+              <a:rPr lang="de-DE" altLang="zh-CN" dirty="0" err="1" smtClean="0"/>
+              <a:t>mode</a:t>
+            </a:r>
+            <a:r>
+              <a:rPr lang="de-DE" altLang="zh-CN" dirty="0" smtClean="0"/>
+              <a:t>“)</a:t>
+            </a:r>
+            <a:endParaRPr lang="de-DE" altLang="zh-CN" dirty="0" smtClean="0"/>
           </a:p>
           <a:p>
             <a:pPr lvl="1"/>
             <a:r>
               <a:rPr lang="de-DE" altLang="zh-CN" dirty="0" smtClean="0"/>
-              <a:t>Fahrmodus mit optimierter Geschwindigkeit für das Rennen</a:t>
+              <a:t>Fahrmodus mit optimierter Geschwindigkeit für das </a:t>
+            </a:r>
+            <a:r>
+              <a:rPr lang="de-DE" altLang="zh-CN" dirty="0" smtClean="0"/>
+              <a:t>Rennen („</a:t>
+            </a:r>
+            <a:r>
+              <a:rPr lang="de-DE" altLang="zh-CN" dirty="0" err="1" smtClean="0"/>
+              <a:t>race</a:t>
+            </a:r>
+            <a:r>
+              <a:rPr lang="de-DE" altLang="zh-CN" dirty="0" smtClean="0"/>
+              <a:t> </a:t>
+            </a:r>
+            <a:r>
+              <a:rPr lang="de-DE" altLang="zh-CN" dirty="0" err="1" smtClean="0"/>
+              <a:t>mode</a:t>
+            </a:r>
+            <a:r>
+              <a:rPr lang="de-DE" altLang="zh-CN" dirty="0" smtClean="0"/>
+              <a:t>“)</a:t>
             </a:r>
             <a:endParaRPr lang="de-DE" altLang="zh-CN" dirty="0"/>
           </a:p>
@@ -9070,7 +9119,11 @@
             <a:pPr lvl="1"/>
             <a:r>
               <a:rPr lang="de-DE" altLang="zh-CN" dirty="0" smtClean="0"/>
-              <a:t>Parameter des PD-Reglers</a:t>
+              <a:t>Parametrierung des </a:t>
+            </a:r>
+            <a:r>
+              <a:rPr lang="de-DE" altLang="zh-CN" dirty="0" smtClean="0"/>
+              <a:t>PD-Reglers</a:t>
             </a:r>
           </a:p>
           <a:p>
@@ -9208,7 +9261,6 @@
               <a:rPr lang="de-DE" altLang="zh-CN" dirty="0" smtClean="0"/>
               <a:t>Kurvenaustritt</a:t>
             </a:r>
-            <a:endParaRPr lang="de-DE" altLang="zh-CN" dirty="0" smtClean="0"/>
           </a:p>
           <a:p>
             <a:r>
@@ -9398,8 +9450,29 @@
           <a:p>
             <a:r>
               <a:rPr lang="de-DE" altLang="zh-CN" dirty="0" smtClean="0"/>
-              <a:t>Fahrmodus 1: Hinderniserkennung und Spurwechsel</a:t>
-            </a:r>
+              <a:t>Fahrmodus 1: Hinderniserkennung und </a:t>
+            </a:r>
+            <a:r>
+              <a:rPr lang="de-DE" altLang="zh-CN" dirty="0" smtClean="0"/>
+              <a:t>Spurwechsel („</a:t>
+            </a:r>
+            <a:r>
+              <a:rPr lang="de-DE" altLang="zh-CN" dirty="0" err="1" smtClean="0"/>
+              <a:t>drive</a:t>
+            </a:r>
+            <a:r>
+              <a:rPr lang="de-DE" altLang="zh-CN" dirty="0" smtClean="0"/>
+              <a:t> </a:t>
+            </a:r>
+            <a:r>
+              <a:rPr lang="de-DE" altLang="zh-CN" dirty="0" err="1" smtClean="0"/>
+              <a:t>mode</a:t>
+            </a:r>
+            <a:r>
+              <a:rPr lang="de-DE" altLang="zh-CN" dirty="0" smtClean="0"/>
+              <a:t>“)</a:t>
+            </a:r>
+            <a:endParaRPr lang="de-DE" altLang="zh-CN" dirty="0" smtClean="0"/>
           </a:p>
         </p:txBody>
       </p:sp>
@@ -9469,11 +9542,19 @@
           <a:p>
             <a:r>
               <a:rPr lang="de-DE" altLang="zh-CN" dirty="0" smtClean="0"/>
-              <a:t>Fahrmodus 2: optimierte Geschwindigkeit („</a:t>
+              <a:t>Fahrmodus 2: optimierte Geschwindigkeit </a:t>
+            </a:r>
+            <a:r>
+              <a:rPr lang="de-DE" altLang="zh-CN" dirty="0" smtClean="0"/>
+              <a:t>(„</a:t>
             </a:r>
             <a:r>
               <a:rPr lang="de-DE" altLang="zh-CN" dirty="0" err="1" smtClean="0"/>
-              <a:t>Race</a:t>
+              <a:t>r</a:t>
+            </a:r>
+            <a:r>
+              <a:rPr lang="de-DE" altLang="zh-CN" dirty="0" err="1" smtClean="0"/>
+              <a:t>ace</a:t>
             </a:r>
             <a:r>
               <a:rPr lang="de-DE" altLang="zh-CN" dirty="0" smtClean="0"/>

--- a/Dokumente/Präsentationen/Abschlusspräsentation.pptx
+++ b/Dokumente/Präsentationen/Abschlusspräsentation.pptx
@@ -192,7 +192,7 @@
   </p:defaultTextStyle>
   <p:extLst>
     <p:ext uri="{EFAFB233-063F-42B5-8137-9DF3F51BA10A}">
-      <p15:sldGuideLst xmlns="" xmlns:p15="http://schemas.microsoft.com/office/powerpoint/2012/main">
+      <p15:sldGuideLst xmlns:p15="http://schemas.microsoft.com/office/powerpoint/2012/main" xmlns="">
         <p15:guide id="1" orient="horz" pos="4319">
           <p15:clr>
             <a:srgbClr val="A4A3A4"/>
@@ -206,7 +206,7 @@
       </p15:sldGuideLst>
     </p:ext>
     <p:ext uri="{2D200454-40CA-4A62-9FC3-DE9A4176ACB9}">
-      <p15:notesGuideLst xmlns="" xmlns:p15="http://schemas.microsoft.com/office/powerpoint/2012/main">
+      <p15:notesGuideLst xmlns:p15="http://schemas.microsoft.com/office/powerpoint/2012/main" xmlns="">
         <p15:guide id="1" orient="horz" pos="2874">
           <p15:clr>
             <a:srgbClr val="A4A3A4"/>
@@ -458,7 +458,7 @@
     </p:spTree>
     <p:extLst>
       <p:ext uri="{BB962C8B-B14F-4D97-AF65-F5344CB8AC3E}">
-        <p14:creationId xmlns="" xmlns:p14="http://schemas.microsoft.com/office/powerpoint/2010/main" val="3306506664"/>
+        <p14:creationId xmlns:p14="http://schemas.microsoft.com/office/powerpoint/2010/main" val="3306506664"/>
       </p:ext>
     </p:extLst>
   </p:cSld>
@@ -1034,7 +1034,7 @@
     </p:spTree>
     <p:extLst>
       <p:ext uri="{BB962C8B-B14F-4D97-AF65-F5344CB8AC3E}">
-        <p14:creationId xmlns="" xmlns:p14="http://schemas.microsoft.com/office/powerpoint/2010/main" val="3290858648"/>
+        <p14:creationId xmlns:p14="http://schemas.microsoft.com/office/powerpoint/2010/main" val="3290858648"/>
       </p:ext>
     </p:extLst>
   </p:cSld>
@@ -2005,7 +2005,7 @@
     </p:spTree>
     <p:extLst>
       <p:ext uri="{BB962C8B-B14F-4D97-AF65-F5344CB8AC3E}">
-        <p14:creationId xmlns="" xmlns:p14="http://schemas.microsoft.com/office/powerpoint/2010/main" val="3579872104"/>
+        <p14:creationId xmlns:p14="http://schemas.microsoft.com/office/powerpoint/2010/main" val="3579872104"/>
       </p:ext>
     </p:extLst>
   </p:cSld>
@@ -2141,7 +2141,7 @@
     </p:spTree>
     <p:extLst>
       <p:ext uri="{BB962C8B-B14F-4D97-AF65-F5344CB8AC3E}">
-        <p14:creationId xmlns="" xmlns:p14="http://schemas.microsoft.com/office/powerpoint/2010/main" val="4086205857"/>
+        <p14:creationId xmlns:p14="http://schemas.microsoft.com/office/powerpoint/2010/main" val="4086205857"/>
       </p:ext>
     </p:extLst>
   </p:cSld>
@@ -2277,7 +2277,7 @@
     </p:spTree>
     <p:extLst>
       <p:ext uri="{BB962C8B-B14F-4D97-AF65-F5344CB8AC3E}">
-        <p14:creationId xmlns="" xmlns:p14="http://schemas.microsoft.com/office/powerpoint/2010/main" val="3979630434"/>
+        <p14:creationId xmlns:p14="http://schemas.microsoft.com/office/powerpoint/2010/main" val="3979630434"/>
       </p:ext>
     </p:extLst>
   </p:cSld>
@@ -2413,7 +2413,7 @@
     </p:spTree>
     <p:extLst>
       <p:ext uri="{BB962C8B-B14F-4D97-AF65-F5344CB8AC3E}">
-        <p14:creationId xmlns="" xmlns:p14="http://schemas.microsoft.com/office/powerpoint/2010/main" val="894590783"/>
+        <p14:creationId xmlns:p14="http://schemas.microsoft.com/office/powerpoint/2010/main" val="894590783"/>
       </p:ext>
     </p:extLst>
   </p:cSld>
@@ -2549,7 +2549,7 @@
     </p:spTree>
     <p:extLst>
       <p:ext uri="{BB962C8B-B14F-4D97-AF65-F5344CB8AC3E}">
-        <p14:creationId xmlns="" xmlns:p14="http://schemas.microsoft.com/office/powerpoint/2010/main" val="894590783"/>
+        <p14:creationId xmlns:p14="http://schemas.microsoft.com/office/powerpoint/2010/main" val="894590783"/>
       </p:ext>
     </p:extLst>
   </p:cSld>
@@ -2685,7 +2685,7 @@
     </p:spTree>
     <p:extLst>
       <p:ext uri="{BB962C8B-B14F-4D97-AF65-F5344CB8AC3E}">
-        <p14:creationId xmlns="" xmlns:p14="http://schemas.microsoft.com/office/powerpoint/2010/main" val="894590783"/>
+        <p14:creationId xmlns:p14="http://schemas.microsoft.com/office/powerpoint/2010/main" val="894590783"/>
       </p:ext>
     </p:extLst>
   </p:cSld>
@@ -2821,7 +2821,7 @@
     </p:spTree>
     <p:extLst>
       <p:ext uri="{BB962C8B-B14F-4D97-AF65-F5344CB8AC3E}">
-        <p14:creationId xmlns="" xmlns:p14="http://schemas.microsoft.com/office/powerpoint/2010/main" val="894590783"/>
+        <p14:creationId xmlns:p14="http://schemas.microsoft.com/office/powerpoint/2010/main" val="894590783"/>
       </p:ext>
     </p:extLst>
   </p:cSld>
@@ -2957,7 +2957,7 @@
     </p:spTree>
     <p:extLst>
       <p:ext uri="{BB962C8B-B14F-4D97-AF65-F5344CB8AC3E}">
-        <p14:creationId xmlns="" xmlns:p14="http://schemas.microsoft.com/office/powerpoint/2010/main" val="894590783"/>
+        <p14:creationId xmlns:p14="http://schemas.microsoft.com/office/powerpoint/2010/main" val="894590783"/>
       </p:ext>
     </p:extLst>
   </p:cSld>
@@ -3093,7 +3093,7 @@
     </p:spTree>
     <p:extLst>
       <p:ext uri="{BB962C8B-B14F-4D97-AF65-F5344CB8AC3E}">
-        <p14:creationId xmlns="" xmlns:p14="http://schemas.microsoft.com/office/powerpoint/2010/main" val="1472061649"/>
+        <p14:creationId xmlns:p14="http://schemas.microsoft.com/office/powerpoint/2010/main" val="1472061649"/>
       </p:ext>
     </p:extLst>
   </p:cSld>
@@ -7613,7 +7613,7 @@
                 <a:buFont typeface="Arial" pitchFamily="34" charset="0"/>
                 <a:buNone/>
               </a:pPr>
-              <a:t>26. Februar 2019</a:t>
+              <a:t>27. Februar 2019</a:t>
             </a:fld>
             <a:r>
               <a:rPr kumimoji="0" lang="en-US" sz="1100" b="0" i="0" u="none" strike="noStrike" kern="1200" cap="none" spc="0" normalizeH="0" baseline="0" noProof="0" dirty="0">
@@ -8581,7 +8581,7 @@
           <p:cNvPr id="2" name="Titel 1">
             <a:extLst>
               <a:ext uri="{FF2B5EF4-FFF2-40B4-BE49-F238E27FC236}">
-                <a16:creationId xmlns="" xmlns:a16="http://schemas.microsoft.com/office/drawing/2014/main" id="{24452668-05B8-45C3-9C30-2FC567BF5B34}"/>
+                <a16:creationId xmlns:a16="http://schemas.microsoft.com/office/drawing/2014/main" xmlns="" id="{24452668-05B8-45C3-9C30-2FC567BF5B34}"/>
               </a:ext>
             </a:extLst>
           </p:cNvPr>
@@ -8610,7 +8610,7 @@
           <p:cNvPr id="3" name="Inhaltsplatzhalter 2">
             <a:extLst>
               <a:ext uri="{FF2B5EF4-FFF2-40B4-BE49-F238E27FC236}">
-                <a16:creationId xmlns="" xmlns:a16="http://schemas.microsoft.com/office/drawing/2014/main" id="{6F95FF9C-402A-4AAD-8E88-8EE33D2499FD}"/>
+                <a16:creationId xmlns:a16="http://schemas.microsoft.com/office/drawing/2014/main" xmlns="" id="{6F95FF9C-402A-4AAD-8E88-8EE33D2499FD}"/>
               </a:ext>
             </a:extLst>
           </p:cNvPr>
@@ -8701,7 +8701,7 @@
     </p:spTree>
     <p:extLst>
       <p:ext uri="{BB962C8B-B14F-4D97-AF65-F5344CB8AC3E}">
-        <p14:creationId xmlns="" xmlns:p14="http://schemas.microsoft.com/office/powerpoint/2010/main" val="2622745934"/>
+        <p14:creationId xmlns:p14="http://schemas.microsoft.com/office/powerpoint/2010/main" val="2622745934"/>
       </p:ext>
     </p:extLst>
   </p:cSld>
@@ -8780,15 +8780,7 @@
           <a:p>
             <a:r>
               <a:rPr lang="de-DE" dirty="0" smtClean="0"/>
-              <a:t>Mega geile Optik aufgrund von goldfarbenem Logo (es ist </a:t>
-            </a:r>
-            <a:r>
-              <a:rPr lang="de-DE" dirty="0" smtClean="0"/>
-              <a:t>eigentlich Bronze</a:t>
-            </a:r>
-            <a:r>
-              <a:rPr lang="de-DE" dirty="0" smtClean="0"/>
-              <a:t>, das halte ich aber für ungünstig, weil Bronze = 3. Platz)</a:t>
+              <a:t>Mega geile Optik aufgrund von goldfarbenem Logo (es ist eigentlich Bronze, das halte ich aber für ungünstig, weil Bronze = 3. Platz)</a:t>
             </a:r>
             <a:endParaRPr lang="de-DE" dirty="0"/>
           </a:p>
@@ -9017,11 +9009,7 @@
             <a:pPr lvl="1"/>
             <a:r>
               <a:rPr lang="de-DE" altLang="zh-CN" dirty="0" smtClean="0"/>
-              <a:t>Fahrmodus mit Hinderniserkennung und </a:t>
-            </a:r>
-            <a:r>
-              <a:rPr lang="de-DE" altLang="zh-CN" dirty="0" smtClean="0"/>
-              <a:t>Spurwechsel („</a:t>
+              <a:t>Fahrmodus mit Hinderniserkennung und Spurwechsel („</a:t>
             </a:r>
             <a:r>
               <a:rPr lang="de-DE" altLang="zh-CN" dirty="0" err="1" smtClean="0"/>
@@ -9039,17 +9027,12 @@
               <a:rPr lang="de-DE" altLang="zh-CN" dirty="0" smtClean="0"/>
               <a:t>“)</a:t>
             </a:r>
-            <a:endParaRPr lang="de-DE" altLang="zh-CN" dirty="0" smtClean="0"/>
           </a:p>
           <a:p>
             <a:pPr lvl="1"/>
             <a:r>
               <a:rPr lang="de-DE" altLang="zh-CN" dirty="0" smtClean="0"/>
-              <a:t>Fahrmodus mit optimierter Geschwindigkeit für das </a:t>
-            </a:r>
-            <a:r>
-              <a:rPr lang="de-DE" altLang="zh-CN" dirty="0" smtClean="0"/>
-              <a:t>Rennen („</a:t>
+              <a:t>Fahrmodus mit optimierter Geschwindigkeit für das Rennen („</a:t>
             </a:r>
             <a:r>
               <a:rPr lang="de-DE" altLang="zh-CN" dirty="0" err="1" smtClean="0"/>
@@ -9119,11 +9102,7 @@
             <a:pPr lvl="1"/>
             <a:r>
               <a:rPr lang="de-DE" altLang="zh-CN" dirty="0" smtClean="0"/>
-              <a:t>Parametrierung des </a:t>
-            </a:r>
-            <a:r>
-              <a:rPr lang="de-DE" altLang="zh-CN" dirty="0" smtClean="0"/>
-              <a:t>PD-Reglers</a:t>
+              <a:t>Parametrierung des PD-Reglers</a:t>
             </a:r>
           </a:p>
           <a:p>
@@ -9398,13 +9377,274 @@
             </a:r>
             <a:r>
               <a:rPr lang="de-DE" altLang="zh-CN" dirty="0" smtClean="0"/>
-              <a:t> irgendwie </a:t>
-            </a:r>
-            <a:r>
-              <a:rPr lang="de-DE" altLang="zh-CN" smtClean="0"/>
-              <a:t>grafisch darstellen</a:t>
-            </a:r>
-            <a:endParaRPr lang="de-DE" altLang="zh-CN" dirty="0" smtClean="0"/>
+              <a:t> irgendwie grafisch darstellen</a:t>
+            </a:r>
+          </a:p>
+        </p:txBody>
+      </p:sp>
+      <p:sp>
+        <p:nvSpPr>
+          <p:cNvPr id="2" name="Textfeld 1"/>
+          <p:cNvSpPr txBox="1"/>
+          <p:nvPr/>
+        </p:nvSpPr>
+        <p:spPr>
+          <a:xfrm>
+            <a:off x="611560" y="2060848"/>
+            <a:ext cx="8208912" cy="1895775"/>
+          </a:xfrm>
+          <a:prstGeom prst="rect">
+            <a:avLst/>
+          </a:prstGeom>
+          <a:noFill/>
+        </p:spPr>
+        <p:txBody>
+          <a:bodyPr wrap="square" rtlCol="0">
+            <a:spAutoFit/>
+          </a:bodyPr>
+          <a:lstStyle/>
+          <a:p>
+            <a:pPr algn="l"/>
+            <a:r>
+              <a:rPr lang="de-DE" b="1" dirty="0" err="1" smtClean="0">
+                <a:solidFill>
+                  <a:schemeClr val="tx1"/>
+                </a:solidFill>
+              </a:rPr>
+              <a:t>drive_state</a:t>
+            </a:r>
+            <a:r>
+              <a:rPr lang="de-DE" b="1" dirty="0" smtClean="0">
+                <a:solidFill>
+                  <a:schemeClr val="tx1"/>
+                </a:solidFill>
+              </a:rPr>
+              <a:t>:</a:t>
+            </a:r>
+          </a:p>
+          <a:p>
+            <a:pPr algn="l"/>
+            <a:r>
+              <a:rPr lang="de-DE" b="1" dirty="0">
+                <a:solidFill>
+                  <a:schemeClr val="tx1"/>
+                </a:solidFill>
+              </a:rPr>
+              <a:t>	</a:t>
+            </a:r>
+            <a:r>
+              <a:rPr lang="de-DE" b="1" dirty="0" err="1" smtClean="0">
+                <a:solidFill>
+                  <a:schemeClr val="tx1"/>
+                </a:solidFill>
+              </a:rPr>
+              <a:t>if</a:t>
+            </a:r>
+            <a:r>
+              <a:rPr lang="de-DE" b="1" dirty="0" smtClean="0">
+                <a:solidFill>
+                  <a:schemeClr val="tx1"/>
+                </a:solidFill>
+              </a:rPr>
+              <a:t> </a:t>
+            </a:r>
+            <a:r>
+              <a:rPr lang="de-DE" dirty="0" smtClean="0">
+                <a:solidFill>
+                  <a:schemeClr val="tx1"/>
+                </a:solidFill>
+              </a:rPr>
+              <a:t>(Differenz Linienpunkte groß genug &amp;&amp; vergangene Differenzen auch groß genug):</a:t>
+            </a:r>
+          </a:p>
+          <a:p>
+            <a:pPr algn="l"/>
+            <a:r>
+              <a:rPr lang="de-DE" b="1" dirty="0">
+                <a:solidFill>
+                  <a:schemeClr val="tx1"/>
+                </a:solidFill>
+              </a:rPr>
+              <a:t>	</a:t>
+            </a:r>
+            <a:r>
+              <a:rPr lang="de-DE" b="1" dirty="0" smtClean="0">
+                <a:solidFill>
+                  <a:schemeClr val="tx1"/>
+                </a:solidFill>
+              </a:rPr>
+              <a:t>	</a:t>
+            </a:r>
+            <a:r>
+              <a:rPr lang="de-DE" dirty="0" err="1" smtClean="0">
+                <a:solidFill>
+                  <a:schemeClr val="tx1"/>
+                </a:solidFill>
+              </a:rPr>
+              <a:t>curve</a:t>
+            </a:r>
+            <a:r>
+              <a:rPr lang="de-DE" dirty="0" smtClean="0">
+                <a:solidFill>
+                  <a:schemeClr val="tx1"/>
+                </a:solidFill>
+              </a:rPr>
+              <a:t>=</a:t>
+            </a:r>
+            <a:r>
+              <a:rPr lang="de-DE" dirty="0" err="1" smtClean="0">
+                <a:solidFill>
+                  <a:schemeClr val="tx1"/>
+                </a:solidFill>
+              </a:rPr>
+              <a:t>true</a:t>
+            </a:r>
+            <a:r>
+              <a:rPr lang="de-DE" dirty="0" smtClean="0">
+                <a:solidFill>
+                  <a:schemeClr val="tx1"/>
+                </a:solidFill>
+              </a:rPr>
+              <a:t>;</a:t>
+            </a:r>
+          </a:p>
+          <a:p>
+            <a:pPr algn="l"/>
+            <a:r>
+              <a:rPr lang="de-DE" dirty="0" smtClean="0">
+                <a:solidFill>
+                  <a:schemeClr val="tx1"/>
+                </a:solidFill>
+              </a:rPr>
+              <a:t>		</a:t>
+            </a:r>
+            <a:r>
+              <a:rPr lang="de-DE" dirty="0" err="1" smtClean="0">
+                <a:solidFill>
+                  <a:schemeClr val="tx1"/>
+                </a:solidFill>
+              </a:rPr>
+              <a:t>wait</a:t>
+            </a:r>
+            <a:r>
+              <a:rPr lang="de-DE" dirty="0" smtClean="0">
+                <a:solidFill>
+                  <a:schemeClr val="tx1"/>
+                </a:solidFill>
+              </a:rPr>
+              <a:t> </a:t>
+            </a:r>
+            <a:r>
+              <a:rPr lang="de-DE" dirty="0" err="1" smtClean="0">
+                <a:solidFill>
+                  <a:schemeClr val="tx1"/>
+                </a:solidFill>
+              </a:rPr>
+              <a:t>until</a:t>
+            </a:r>
+            <a:r>
+              <a:rPr lang="de-DE" dirty="0" smtClean="0">
+                <a:solidFill>
+                  <a:schemeClr val="tx1"/>
+                </a:solidFill>
+              </a:rPr>
+              <a:t> in </a:t>
+            </a:r>
+            <a:r>
+              <a:rPr lang="de-DE" dirty="0" err="1" smtClean="0">
+                <a:solidFill>
+                  <a:schemeClr val="tx1"/>
+                </a:solidFill>
+              </a:rPr>
+              <a:t>curve</a:t>
+            </a:r>
+            <a:r>
+              <a:rPr lang="de-DE" dirty="0" smtClean="0">
+                <a:solidFill>
+                  <a:schemeClr val="tx1"/>
+                </a:solidFill>
+              </a:rPr>
+              <a:t>: DS_CURVE_SLOW </a:t>
+            </a:r>
+            <a:r>
+              <a:rPr lang="de-DE" dirty="0" smtClean="0">
+                <a:solidFill>
+                  <a:schemeClr val="tx1"/>
+                </a:solidFill>
+                <a:sym typeface="Wingdings" panose="05000000000000000000" pitchFamily="2" charset="2"/>
+              </a:rPr>
+              <a:t> DS_CURVE_AP_SLOW</a:t>
+            </a:r>
+          </a:p>
+          <a:p>
+            <a:pPr algn="l"/>
+            <a:r>
+              <a:rPr lang="de-DE" dirty="0">
+                <a:solidFill>
+                  <a:schemeClr val="tx1"/>
+                </a:solidFill>
+                <a:sym typeface="Wingdings" panose="05000000000000000000" pitchFamily="2" charset="2"/>
+              </a:rPr>
+              <a:t>	</a:t>
+            </a:r>
+            <a:r>
+              <a:rPr lang="de-DE" dirty="0" smtClean="0">
+                <a:solidFill>
+                  <a:schemeClr val="tx1"/>
+                </a:solidFill>
+                <a:sym typeface="Wingdings" panose="05000000000000000000" pitchFamily="2" charset="2"/>
+              </a:rPr>
+              <a:t>	</a:t>
+            </a:r>
+            <a:r>
+              <a:rPr lang="de-DE" dirty="0" err="1" smtClean="0">
+                <a:solidFill>
+                  <a:schemeClr val="tx1"/>
+                </a:solidFill>
+                <a:sym typeface="Wingdings" panose="05000000000000000000" pitchFamily="2" charset="2"/>
+              </a:rPr>
+              <a:t>leave</a:t>
+            </a:r>
+            <a:r>
+              <a:rPr lang="de-DE" dirty="0" smtClean="0">
+                <a:solidFill>
+                  <a:schemeClr val="tx1"/>
+                </a:solidFill>
+                <a:sym typeface="Wingdings" panose="05000000000000000000" pitchFamily="2" charset="2"/>
+              </a:rPr>
+              <a:t> </a:t>
+            </a:r>
+            <a:r>
+              <a:rPr lang="de-DE" dirty="0" err="1" smtClean="0">
+                <a:solidFill>
+                  <a:schemeClr val="tx1"/>
+                </a:solidFill>
+                <a:sym typeface="Wingdings" panose="05000000000000000000" pitchFamily="2" charset="2"/>
+              </a:rPr>
+              <a:t>curve</a:t>
+            </a:r>
+            <a:r>
+              <a:rPr lang="de-DE" dirty="0" smtClean="0">
+                <a:solidFill>
+                  <a:schemeClr val="tx1"/>
+                </a:solidFill>
+                <a:sym typeface="Wingdings" panose="05000000000000000000" pitchFamily="2" charset="2"/>
+              </a:rPr>
+              <a:t>: DS_STRAIGHT_SLOW  DS_STRAIGHT_AP_SLOW</a:t>
+            </a:r>
+            <a:endParaRPr lang="de-DE" dirty="0" smtClean="0">
+              <a:solidFill>
+                <a:schemeClr val="tx1"/>
+              </a:solidFill>
+            </a:endParaRPr>
+          </a:p>
+          <a:p>
+            <a:pPr algn="l"/>
+            <a:endParaRPr lang="de-DE" dirty="0">
+              <a:solidFill>
+                <a:schemeClr val="tx1"/>
+              </a:solidFill>
+            </a:endParaRPr>
           </a:p>
         </p:txBody>
       </p:sp>
@@ -9450,11 +9690,7 @@
           <a:p>
             <a:r>
               <a:rPr lang="de-DE" altLang="zh-CN" dirty="0" smtClean="0"/>
-              <a:t>Fahrmodus 1: Hinderniserkennung und </a:t>
-            </a:r>
-            <a:r>
-              <a:rPr lang="de-DE" altLang="zh-CN" dirty="0" smtClean="0"/>
-              <a:t>Spurwechsel („</a:t>
+              <a:t>Fahrmodus 1: Hinderniserkennung und Spurwechsel („</a:t>
             </a:r>
             <a:r>
               <a:rPr lang="de-DE" altLang="zh-CN" dirty="0" err="1" smtClean="0"/>
@@ -9472,7 +9708,6 @@
               <a:rPr lang="de-DE" altLang="zh-CN" dirty="0" smtClean="0"/>
               <a:t>“)</a:t>
             </a:r>
-            <a:endParaRPr lang="de-DE" altLang="zh-CN" dirty="0" smtClean="0"/>
           </a:p>
         </p:txBody>
       </p:sp>
@@ -9542,19 +9777,11 @@
           <a:p>
             <a:r>
               <a:rPr lang="de-DE" altLang="zh-CN" dirty="0" smtClean="0"/>
-              <a:t>Fahrmodus 2: optimierte Geschwindigkeit </a:t>
-            </a:r>
-            <a:r>
-              <a:rPr lang="de-DE" altLang="zh-CN" dirty="0" smtClean="0"/>
-              <a:t>(„</a:t>
+              <a:t>Fahrmodus 2: optimierte Geschwindigkeit („</a:t>
             </a:r>
             <a:r>
               <a:rPr lang="de-DE" altLang="zh-CN" dirty="0" err="1" smtClean="0"/>
-              <a:t>r</a:t>
-            </a:r>
-            <a:r>
-              <a:rPr lang="de-DE" altLang="zh-CN" dirty="0" err="1" smtClean="0"/>
-              <a:t>ace</a:t>
+              <a:t>race</a:t>
             </a:r>
             <a:r>
               <a:rPr lang="de-DE" altLang="zh-CN" dirty="0" smtClean="0"/>
@@ -9591,6 +9818,30 @@
           <a:bodyPr/>
           <a:lstStyle/>
           <a:p>
+            <a:r>
+              <a:rPr lang="de-DE" altLang="zh-CN" dirty="0" smtClean="0"/>
+              <a:t>Keine Spurhaltung</a:t>
+            </a:r>
+          </a:p>
+          <a:p>
+            <a:r>
+              <a:rPr lang="de-DE" altLang="zh-CN" dirty="0" smtClean="0"/>
+              <a:t>Geraden erkennen und schneller werden</a:t>
+            </a:r>
+          </a:p>
+          <a:p>
+            <a:r>
+              <a:rPr lang="de-DE" altLang="zh-CN" dirty="0" smtClean="0"/>
+              <a:t>In Kurven </a:t>
+            </a:r>
+            <a:r>
+              <a:rPr lang="de-DE" altLang="zh-CN" dirty="0" err="1" smtClean="0"/>
+              <a:t>Reglerwerte</a:t>
+            </a:r>
+            <a:r>
+              <a:rPr lang="de-DE" altLang="zh-CN" smtClean="0"/>
+              <a:t> anpassen</a:t>
+            </a:r>
             <a:endParaRPr lang="de-DE" altLang="zh-CN" dirty="0" smtClean="0"/>
           </a:p>
         </p:txBody>

--- a/Dokumente/Präsentationen/Abschlusspräsentation.pptx
+++ b/Dokumente/Präsentationen/Abschlusspräsentation.pptx
@@ -237,6 +237,7484 @@
 </p1510:revInfo>
 </file>
 
+<file path=ppt/diagrams/colors1.xml><?xml version="1.0" encoding="utf-8"?>
+<dgm:colorsDef xmlns:dgm="http://schemas.openxmlformats.org/drawingml/2006/diagram" xmlns:a="http://schemas.openxmlformats.org/drawingml/2006/main" uniqueId="urn:microsoft.com/office/officeart/2005/8/colors/accent2_2">
+  <dgm:title val=""/>
+  <dgm:desc val=""/>
+  <dgm:catLst>
+    <dgm:cat type="accent2" pri="11200"/>
+  </dgm:catLst>
+  <dgm:styleLbl name="node0">
+    <dgm:fillClrLst meth="repeat">
+      <a:schemeClr val="accent2"/>
+    </dgm:fillClrLst>
+    <dgm:linClrLst meth="repeat">
+      <a:schemeClr val="lt1"/>
+    </dgm:linClrLst>
+    <dgm:effectClrLst/>
+    <dgm:txLinClrLst/>
+    <dgm:txFillClrLst/>
+    <dgm:txEffectClrLst/>
+  </dgm:styleLbl>
+  <dgm:styleLbl name="node1">
+    <dgm:fillClrLst meth="repeat">
+      <a:schemeClr val="accent2"/>
+    </dgm:fillClrLst>
+    <dgm:linClrLst meth="repeat">
+      <a:schemeClr val="lt1"/>
+    </dgm:linClrLst>
+    <dgm:effectClrLst/>
+    <dgm:txLinClrLst/>
+    <dgm:txFillClrLst/>
+    <dgm:txEffectClrLst/>
+  </dgm:styleLbl>
+  <dgm:styleLbl name="alignNode1">
+    <dgm:fillClrLst meth="repeat">
+      <a:schemeClr val="accent2"/>
+    </dgm:fillClrLst>
+    <dgm:linClrLst meth="repeat">
+      <a:schemeClr val="accent2"/>
+    </dgm:linClrLst>
+    <dgm:effectClrLst/>
+    <dgm:txLinClrLst/>
+    <dgm:txFillClrLst/>
+    <dgm:txEffectClrLst/>
+  </dgm:styleLbl>
+  <dgm:styleLbl name="lnNode1">
+    <dgm:fillClrLst meth="repeat">
+      <a:schemeClr val="accent2"/>
+    </dgm:fillClrLst>
+    <dgm:linClrLst meth="repeat">
+      <a:schemeClr val="lt1"/>
+    </dgm:linClrLst>
+    <dgm:effectClrLst/>
+    <dgm:txLinClrLst/>
+    <dgm:txFillClrLst/>
+    <dgm:txEffectClrLst/>
+  </dgm:styleLbl>
+  <dgm:styleLbl name="vennNode1">
+    <dgm:fillClrLst meth="repeat">
+      <a:schemeClr val="accent2">
+        <a:alpha val="50000"/>
+      </a:schemeClr>
+    </dgm:fillClrLst>
+    <dgm:linClrLst meth="repeat">
+      <a:schemeClr val="lt1"/>
+    </dgm:linClrLst>
+    <dgm:effectClrLst/>
+    <dgm:txLinClrLst/>
+    <dgm:txFillClrLst/>
+    <dgm:txEffectClrLst/>
+  </dgm:styleLbl>
+  <dgm:styleLbl name="node2">
+    <dgm:fillClrLst meth="repeat">
+      <a:schemeClr val="accent2"/>
+    </dgm:fillClrLst>
+    <dgm:linClrLst meth="repeat">
+      <a:schemeClr val="lt1"/>
+    </dgm:linClrLst>
+    <dgm:effectClrLst/>
+    <dgm:txLinClrLst/>
+    <dgm:txFillClrLst/>
+    <dgm:txEffectClrLst/>
+  </dgm:styleLbl>
+  <dgm:styleLbl name="node3">
+    <dgm:fillClrLst meth="repeat">
+      <a:schemeClr val="accent2"/>
+    </dgm:fillClrLst>
+    <dgm:linClrLst meth="repeat">
+      <a:schemeClr val="lt1"/>
+    </dgm:linClrLst>
+    <dgm:effectClrLst/>
+    <dgm:txLinClrLst/>
+    <dgm:txFillClrLst/>
+    <dgm:txEffectClrLst/>
+  </dgm:styleLbl>
+  <dgm:styleLbl name="node4">
+    <dgm:fillClrLst meth="repeat">
+      <a:schemeClr val="accent2"/>
+    </dgm:fillClrLst>
+    <dgm:linClrLst meth="repeat">
+      <a:schemeClr val="lt1"/>
+    </dgm:linClrLst>
+    <dgm:effectClrLst/>
+    <dgm:txLinClrLst/>
+    <dgm:txFillClrLst/>
+    <dgm:txEffectClrLst/>
+  </dgm:styleLbl>
+  <dgm:styleLbl name="fgImgPlace1">
+    <dgm:fillClrLst meth="repeat">
+      <a:schemeClr val="accent2">
+        <a:tint val="50000"/>
+      </a:schemeClr>
+    </dgm:fillClrLst>
+    <dgm:linClrLst meth="repeat">
+      <a:schemeClr val="lt1"/>
+    </dgm:linClrLst>
+    <dgm:effectClrLst/>
+    <dgm:txLinClrLst/>
+    <dgm:txFillClrLst meth="repeat">
+      <a:schemeClr val="lt1"/>
+    </dgm:txFillClrLst>
+    <dgm:txEffectClrLst/>
+  </dgm:styleLbl>
+  <dgm:styleLbl name="alignImgPlace1">
+    <dgm:fillClrLst meth="repeat">
+      <a:schemeClr val="accent2">
+        <a:tint val="50000"/>
+      </a:schemeClr>
+    </dgm:fillClrLst>
+    <dgm:linClrLst meth="repeat">
+      <a:schemeClr val="lt1"/>
+    </dgm:linClrLst>
+    <dgm:effectClrLst/>
+    <dgm:txLinClrLst/>
+    <dgm:txFillClrLst meth="repeat">
+      <a:schemeClr val="lt1"/>
+    </dgm:txFillClrLst>
+    <dgm:txEffectClrLst/>
+  </dgm:styleLbl>
+  <dgm:styleLbl name="bgImgPlace1">
+    <dgm:fillClrLst meth="repeat">
+      <a:schemeClr val="accent2">
+        <a:tint val="50000"/>
+      </a:schemeClr>
+    </dgm:fillClrLst>
+    <dgm:linClrLst meth="repeat">
+      <a:schemeClr val="lt1"/>
+    </dgm:linClrLst>
+    <dgm:effectClrLst/>
+    <dgm:txLinClrLst/>
+    <dgm:txFillClrLst meth="repeat">
+      <a:schemeClr val="lt1"/>
+    </dgm:txFillClrLst>
+    <dgm:txEffectClrLst/>
+  </dgm:styleLbl>
+  <dgm:styleLbl name="sibTrans2D1">
+    <dgm:fillClrLst meth="repeat">
+      <a:schemeClr val="accent2">
+        <a:tint val="60000"/>
+      </a:schemeClr>
+    </dgm:fillClrLst>
+    <dgm:linClrLst meth="repeat">
+      <a:schemeClr val="accent2">
+        <a:tint val="60000"/>
+      </a:schemeClr>
+    </dgm:linClrLst>
+    <dgm:effectClrLst/>
+    <dgm:txLinClrLst/>
+    <dgm:txFillClrLst/>
+    <dgm:txEffectClrLst/>
+  </dgm:styleLbl>
+  <dgm:styleLbl name="fgSibTrans2D1">
+    <dgm:fillClrLst meth="repeat">
+      <a:schemeClr val="accent2">
+        <a:tint val="60000"/>
+      </a:schemeClr>
+    </dgm:fillClrLst>
+    <dgm:linClrLst meth="repeat">
+      <a:schemeClr val="accent2">
+        <a:tint val="60000"/>
+      </a:schemeClr>
+    </dgm:linClrLst>
+    <dgm:effectClrLst/>
+    <dgm:txLinClrLst/>
+    <dgm:txFillClrLst/>
+    <dgm:txEffectClrLst/>
+  </dgm:styleLbl>
+  <dgm:styleLbl name="bgSibTrans2D1">
+    <dgm:fillClrLst meth="repeat">
+      <a:schemeClr val="accent2">
+        <a:tint val="60000"/>
+      </a:schemeClr>
+    </dgm:fillClrLst>
+    <dgm:linClrLst meth="repeat">
+      <a:schemeClr val="accent2">
+        <a:tint val="60000"/>
+      </a:schemeClr>
+    </dgm:linClrLst>
+    <dgm:effectClrLst/>
+    <dgm:txLinClrLst/>
+    <dgm:txFillClrLst/>
+    <dgm:txEffectClrLst/>
+  </dgm:styleLbl>
+  <dgm:styleLbl name="sibTrans1D1">
+    <dgm:fillClrLst meth="repeat">
+      <a:schemeClr val="accent2"/>
+    </dgm:fillClrLst>
+    <dgm:linClrLst meth="repeat">
+      <a:schemeClr val="accent2"/>
+    </dgm:linClrLst>
+    <dgm:effectClrLst/>
+    <dgm:txLinClrLst/>
+    <dgm:txFillClrLst meth="repeat">
+      <a:schemeClr val="tx1"/>
+    </dgm:txFillClrLst>
+    <dgm:txEffectClrLst/>
+  </dgm:styleLbl>
+  <dgm:styleLbl name="callout">
+    <dgm:fillClrLst meth="repeat">
+      <a:schemeClr val="accent2"/>
+    </dgm:fillClrLst>
+    <dgm:linClrLst meth="repeat">
+      <a:schemeClr val="accent2">
+        <a:tint val="50000"/>
+      </a:schemeClr>
+    </dgm:linClrLst>
+    <dgm:effectClrLst/>
+    <dgm:txLinClrLst/>
+    <dgm:txFillClrLst meth="repeat">
+      <a:schemeClr val="tx1"/>
+    </dgm:txFillClrLst>
+    <dgm:txEffectClrLst/>
+  </dgm:styleLbl>
+  <dgm:styleLbl name="asst0">
+    <dgm:fillClrLst meth="repeat">
+      <a:schemeClr val="accent2"/>
+    </dgm:fillClrLst>
+    <dgm:linClrLst meth="repeat">
+      <a:schemeClr val="lt1"/>
+    </dgm:linClrLst>
+    <dgm:effectClrLst/>
+    <dgm:txLinClrLst/>
+    <dgm:txFillClrLst/>
+    <dgm:txEffectClrLst/>
+  </dgm:styleLbl>
+  <dgm:styleLbl name="asst1">
+    <dgm:fillClrLst meth="repeat">
+      <a:schemeClr val="accent2"/>
+    </dgm:fillClrLst>
+    <dgm:linClrLst meth="repeat">
+      <a:schemeClr val="lt1"/>
+    </dgm:linClrLst>
+    <dgm:effectClrLst/>
+    <dgm:txLinClrLst/>
+    <dgm:txFillClrLst/>
+    <dgm:txEffectClrLst/>
+  </dgm:styleLbl>
+  <dgm:styleLbl name="asst2">
+    <dgm:fillClrLst meth="repeat">
+      <a:schemeClr val="accent2"/>
+    </dgm:fillClrLst>
+    <dgm:linClrLst meth="repeat">
+      <a:schemeClr val="lt1"/>
+    </dgm:linClrLst>
+    <dgm:effectClrLst/>
+    <dgm:txLinClrLst/>
+    <dgm:txFillClrLst/>
+    <dgm:txEffectClrLst/>
+  </dgm:styleLbl>
+  <dgm:styleLbl name="asst3">
+    <dgm:fillClrLst meth="repeat">
+      <a:schemeClr val="accent2"/>
+    </dgm:fillClrLst>
+    <dgm:linClrLst meth="repeat">
+      <a:schemeClr val="lt1"/>
+    </dgm:linClrLst>
+    <dgm:effectClrLst/>
+    <dgm:txLinClrLst/>
+    <dgm:txFillClrLst/>
+    <dgm:txEffectClrLst/>
+  </dgm:styleLbl>
+  <dgm:styleLbl name="asst4">
+    <dgm:fillClrLst meth="repeat">
+      <a:schemeClr val="accent2"/>
+    </dgm:fillClrLst>
+    <dgm:linClrLst meth="repeat">
+      <a:schemeClr val="lt1"/>
+    </dgm:linClrLst>
+    <dgm:effectClrLst/>
+    <dgm:txLinClrLst/>
+    <dgm:txFillClrLst/>
+    <dgm:txEffectClrLst/>
+  </dgm:styleLbl>
+  <dgm:styleLbl name="parChTrans2D1">
+    <dgm:fillClrLst meth="repeat">
+      <a:schemeClr val="accent2">
+        <a:tint val="60000"/>
+      </a:schemeClr>
+    </dgm:fillClrLst>
+    <dgm:linClrLst meth="repeat">
+      <a:schemeClr val="accent2">
+        <a:tint val="60000"/>
+      </a:schemeClr>
+    </dgm:linClrLst>
+    <dgm:effectClrLst/>
+    <dgm:txLinClrLst/>
+    <dgm:txFillClrLst meth="repeat">
+      <a:schemeClr val="lt1"/>
+    </dgm:txFillClrLst>
+    <dgm:txEffectClrLst/>
+  </dgm:styleLbl>
+  <dgm:styleLbl name="parChTrans2D2">
+    <dgm:fillClrLst meth="repeat">
+      <a:schemeClr val="accent2"/>
+    </dgm:fillClrLst>
+    <dgm:linClrLst meth="repeat">
+      <a:schemeClr val="accent2"/>
+    </dgm:linClrLst>
+    <dgm:effectClrLst/>
+    <dgm:txLinClrLst/>
+    <dgm:txFillClrLst meth="repeat">
+      <a:schemeClr val="lt1"/>
+    </dgm:txFillClrLst>
+    <dgm:txEffectClrLst/>
+  </dgm:styleLbl>
+  <dgm:styleLbl name="parChTrans2D3">
+    <dgm:fillClrLst meth="repeat">
+      <a:schemeClr val="accent2"/>
+    </dgm:fillClrLst>
+    <dgm:linClrLst meth="repeat">
+      <a:schemeClr val="accent2"/>
+    </dgm:linClrLst>
+    <dgm:effectClrLst/>
+    <dgm:txLinClrLst/>
+    <dgm:txFillClrLst meth="repeat">
+      <a:schemeClr val="lt1"/>
+    </dgm:txFillClrLst>
+    <dgm:txEffectClrLst/>
+  </dgm:styleLbl>
+  <dgm:styleLbl name="parChTrans2D4">
+    <dgm:fillClrLst meth="repeat">
+      <a:schemeClr val="accent2"/>
+    </dgm:fillClrLst>
+    <dgm:linClrLst meth="repeat">
+      <a:schemeClr val="accent2"/>
+    </dgm:linClrLst>
+    <dgm:effectClrLst/>
+    <dgm:txLinClrLst/>
+    <dgm:txFillClrLst meth="repeat">
+      <a:schemeClr val="lt1"/>
+    </dgm:txFillClrLst>
+    <dgm:txEffectClrLst/>
+  </dgm:styleLbl>
+  <dgm:styleLbl name="parChTrans1D1">
+    <dgm:fillClrLst meth="repeat">
+      <a:schemeClr val="accent2"/>
+    </dgm:fillClrLst>
+    <dgm:linClrLst meth="repeat">
+      <a:schemeClr val="accent2">
+        <a:shade val="60000"/>
+      </a:schemeClr>
+    </dgm:linClrLst>
+    <dgm:effectClrLst/>
+    <dgm:txLinClrLst/>
+    <dgm:txFillClrLst meth="repeat">
+      <a:schemeClr val="tx1"/>
+    </dgm:txFillClrLst>
+    <dgm:txEffectClrLst/>
+  </dgm:styleLbl>
+  <dgm:styleLbl name="parChTrans1D2">
+    <dgm:fillClrLst meth="repeat">
+      <a:schemeClr val="accent2"/>
+    </dgm:fillClrLst>
+    <dgm:linClrLst meth="repeat">
+      <a:schemeClr val="accent2">
+        <a:shade val="60000"/>
+      </a:schemeClr>
+    </dgm:linClrLst>
+    <dgm:effectClrLst/>
+    <dgm:txLinClrLst/>
+    <dgm:txFillClrLst meth="repeat">
+      <a:schemeClr val="tx1"/>
+    </dgm:txFillClrLst>
+    <dgm:txEffectClrLst/>
+  </dgm:styleLbl>
+  <dgm:styleLbl name="parChTrans1D3">
+    <dgm:fillClrLst meth="repeat">
+      <a:schemeClr val="accent2"/>
+    </dgm:fillClrLst>
+    <dgm:linClrLst meth="repeat">
+      <a:schemeClr val="accent2">
+        <a:shade val="80000"/>
+      </a:schemeClr>
+    </dgm:linClrLst>
+    <dgm:effectClrLst/>
+    <dgm:txLinClrLst/>
+    <dgm:txFillClrLst meth="repeat">
+      <a:schemeClr val="tx1"/>
+    </dgm:txFillClrLst>
+    <dgm:txEffectClrLst/>
+  </dgm:styleLbl>
+  <dgm:styleLbl name="parChTrans1D4">
+    <dgm:fillClrLst meth="repeat">
+      <a:schemeClr val="accent2"/>
+    </dgm:fillClrLst>
+    <dgm:linClrLst meth="repeat">
+      <a:schemeClr val="accent2">
+        <a:shade val="80000"/>
+      </a:schemeClr>
+    </dgm:linClrLst>
+    <dgm:effectClrLst/>
+    <dgm:txLinClrLst/>
+    <dgm:txFillClrLst meth="repeat">
+      <a:schemeClr val="tx1"/>
+    </dgm:txFillClrLst>
+    <dgm:txEffectClrLst/>
+  </dgm:styleLbl>
+  <dgm:styleLbl name="fgAcc1">
+    <dgm:fillClrLst meth="repeat">
+      <a:schemeClr val="lt1">
+        <a:alpha val="90000"/>
+      </a:schemeClr>
+    </dgm:fillClrLst>
+    <dgm:linClrLst meth="repeat">
+      <a:schemeClr val="accent2"/>
+    </dgm:linClrLst>
+    <dgm:effectClrLst/>
+    <dgm:txLinClrLst/>
+    <dgm:txFillClrLst meth="repeat">
+      <a:schemeClr val="dk1"/>
+    </dgm:txFillClrLst>
+    <dgm:txEffectClrLst/>
+  </dgm:styleLbl>
+  <dgm:styleLbl name="conFgAcc1">
+    <dgm:fillClrLst meth="repeat">
+      <a:schemeClr val="lt1">
+        <a:alpha val="90000"/>
+      </a:schemeClr>
+    </dgm:fillClrLst>
+    <dgm:linClrLst meth="repeat">
+      <a:schemeClr val="accent2"/>
+    </dgm:linClrLst>
+    <dgm:effectClrLst/>
+    <dgm:txLinClrLst/>
+    <dgm:txFillClrLst meth="repeat">
+      <a:schemeClr val="dk1"/>
+    </dgm:txFillClrLst>
+    <dgm:txEffectClrLst/>
+  </dgm:styleLbl>
+  <dgm:styleLbl name="alignAcc1">
+    <dgm:fillClrLst meth="repeat">
+      <a:schemeClr val="lt1">
+        <a:alpha val="90000"/>
+      </a:schemeClr>
+    </dgm:fillClrLst>
+    <dgm:linClrLst meth="repeat">
+      <a:schemeClr val="accent2"/>
+    </dgm:linClrLst>
+    <dgm:effectClrLst/>
+    <dgm:txLinClrLst/>
+    <dgm:txFillClrLst meth="repeat">
+      <a:schemeClr val="dk1"/>
+    </dgm:txFillClrLst>
+    <dgm:txEffectClrLst/>
+  </dgm:styleLbl>
+  <dgm:styleLbl name="trAlignAcc1">
+    <dgm:fillClrLst meth="repeat">
+      <a:schemeClr val="lt1">
+        <a:alpha val="40000"/>
+      </a:schemeClr>
+    </dgm:fillClrLst>
+    <dgm:linClrLst meth="repeat">
+      <a:schemeClr val="accent2"/>
+    </dgm:linClrLst>
+    <dgm:effectClrLst/>
+    <dgm:txLinClrLst/>
+    <dgm:txFillClrLst meth="repeat">
+      <a:schemeClr val="dk1"/>
+    </dgm:txFillClrLst>
+    <dgm:txEffectClrLst/>
+  </dgm:styleLbl>
+  <dgm:styleLbl name="bgAcc1">
+    <dgm:fillClrLst meth="repeat">
+      <a:schemeClr val="lt1">
+        <a:alpha val="90000"/>
+      </a:schemeClr>
+    </dgm:fillClrLst>
+    <dgm:linClrLst meth="repeat">
+      <a:schemeClr val="accent2"/>
+    </dgm:linClrLst>
+    <dgm:effectClrLst/>
+    <dgm:txLinClrLst/>
+    <dgm:txFillClrLst meth="repeat">
+      <a:schemeClr val="dk1"/>
+    </dgm:txFillClrLst>
+    <dgm:txEffectClrLst/>
+  </dgm:styleLbl>
+  <dgm:styleLbl name="solidFgAcc1">
+    <dgm:fillClrLst meth="repeat">
+      <a:schemeClr val="lt1"/>
+    </dgm:fillClrLst>
+    <dgm:linClrLst meth="repeat">
+      <a:schemeClr val="accent2"/>
+    </dgm:linClrLst>
+    <dgm:effectClrLst/>
+    <dgm:txLinClrLst/>
+    <dgm:txFillClrLst meth="repeat">
+      <a:schemeClr val="dk1"/>
+    </dgm:txFillClrLst>
+    <dgm:txEffectClrLst/>
+  </dgm:styleLbl>
+  <dgm:styleLbl name="solidAlignAcc1">
+    <dgm:fillClrLst meth="repeat">
+      <a:schemeClr val="lt1"/>
+    </dgm:fillClrLst>
+    <dgm:linClrLst meth="repeat">
+      <a:schemeClr val="accent2"/>
+    </dgm:linClrLst>
+    <dgm:effectClrLst/>
+    <dgm:txLinClrLst/>
+    <dgm:txFillClrLst meth="repeat">
+      <a:schemeClr val="dk1"/>
+    </dgm:txFillClrLst>
+    <dgm:txEffectClrLst/>
+  </dgm:styleLbl>
+  <dgm:styleLbl name="solidBgAcc1">
+    <dgm:fillClrLst meth="repeat">
+      <a:schemeClr val="lt1"/>
+    </dgm:fillClrLst>
+    <dgm:linClrLst meth="repeat">
+      <a:schemeClr val="accent2"/>
+    </dgm:linClrLst>
+    <dgm:effectClrLst/>
+    <dgm:txLinClrLst/>
+    <dgm:txFillClrLst meth="repeat">
+      <a:schemeClr val="dk1"/>
+    </dgm:txFillClrLst>
+    <dgm:txEffectClrLst/>
+  </dgm:styleLbl>
+  <dgm:styleLbl name="fgAccFollowNode1">
+    <dgm:fillClrLst meth="repeat">
+      <a:schemeClr val="accent2">
+        <a:alpha val="90000"/>
+        <a:tint val="40000"/>
+      </a:schemeClr>
+    </dgm:fillClrLst>
+    <dgm:linClrLst meth="repeat">
+      <a:schemeClr val="accent2">
+        <a:alpha val="90000"/>
+        <a:tint val="40000"/>
+      </a:schemeClr>
+    </dgm:linClrLst>
+    <dgm:effectClrLst/>
+    <dgm:txLinClrLst/>
+    <dgm:txFillClrLst meth="repeat">
+      <a:schemeClr val="dk1"/>
+    </dgm:txFillClrLst>
+    <dgm:txEffectClrLst/>
+  </dgm:styleLbl>
+  <dgm:styleLbl name="alignAccFollowNode1">
+    <dgm:fillClrLst meth="repeat">
+      <a:schemeClr val="accent2">
+        <a:alpha val="90000"/>
+        <a:tint val="40000"/>
+      </a:schemeClr>
+    </dgm:fillClrLst>
+    <dgm:linClrLst meth="repeat">
+      <a:schemeClr val="accent2">
+        <a:alpha val="90000"/>
+        <a:tint val="40000"/>
+      </a:schemeClr>
+    </dgm:linClrLst>
+    <dgm:effectClrLst/>
+    <dgm:txLinClrLst/>
+    <dgm:txFillClrLst meth="repeat">
+      <a:schemeClr val="dk1"/>
+    </dgm:txFillClrLst>
+    <dgm:txEffectClrLst/>
+  </dgm:styleLbl>
+  <dgm:styleLbl name="bgAccFollowNode1">
+    <dgm:fillClrLst meth="repeat">
+      <a:schemeClr val="accent2">
+        <a:alpha val="90000"/>
+        <a:tint val="40000"/>
+      </a:schemeClr>
+    </dgm:fillClrLst>
+    <dgm:linClrLst meth="repeat">
+      <a:schemeClr val="accent2">
+        <a:alpha val="90000"/>
+        <a:tint val="40000"/>
+      </a:schemeClr>
+    </dgm:linClrLst>
+    <dgm:effectClrLst/>
+    <dgm:txLinClrLst/>
+    <dgm:txFillClrLst meth="repeat">
+      <a:schemeClr val="dk1"/>
+    </dgm:txFillClrLst>
+    <dgm:txEffectClrLst/>
+  </dgm:styleLbl>
+  <dgm:styleLbl name="fgAcc0">
+    <dgm:fillClrLst meth="repeat">
+      <a:schemeClr val="lt1">
+        <a:alpha val="90000"/>
+      </a:schemeClr>
+    </dgm:fillClrLst>
+    <dgm:linClrLst meth="repeat">
+      <a:schemeClr val="accent2"/>
+    </dgm:linClrLst>
+    <dgm:effectClrLst/>
+    <dgm:txLinClrLst/>
+    <dgm:txFillClrLst meth="repeat">
+      <a:schemeClr val="dk1"/>
+    </dgm:txFillClrLst>
+    <dgm:txEffectClrLst/>
+  </dgm:styleLbl>
+  <dgm:styleLbl name="fgAcc2">
+    <dgm:fillClrLst meth="repeat">
+      <a:schemeClr val="lt1">
+        <a:alpha val="90000"/>
+      </a:schemeClr>
+    </dgm:fillClrLst>
+    <dgm:linClrLst meth="repeat">
+      <a:schemeClr val="accent2"/>
+    </dgm:linClrLst>
+    <dgm:effectClrLst/>
+    <dgm:txLinClrLst/>
+    <dgm:txFillClrLst meth="repeat">
+      <a:schemeClr val="dk1"/>
+    </dgm:txFillClrLst>
+    <dgm:txEffectClrLst/>
+  </dgm:styleLbl>
+  <dgm:styleLbl name="fgAcc3">
+    <dgm:fillClrLst meth="repeat">
+      <a:schemeClr val="lt1">
+        <a:alpha val="90000"/>
+      </a:schemeClr>
+    </dgm:fillClrLst>
+    <dgm:linClrLst meth="repeat">
+      <a:schemeClr val="accent2"/>
+    </dgm:linClrLst>
+    <dgm:effectClrLst/>
+    <dgm:txLinClrLst/>
+    <dgm:txFillClrLst meth="repeat">
+      <a:schemeClr val="dk1"/>
+    </dgm:txFillClrLst>
+    <dgm:txEffectClrLst/>
+  </dgm:styleLbl>
+  <dgm:styleLbl name="fgAcc4">
+    <dgm:fillClrLst meth="repeat">
+      <a:schemeClr val="lt1">
+        <a:alpha val="90000"/>
+      </a:schemeClr>
+    </dgm:fillClrLst>
+    <dgm:linClrLst meth="repeat">
+      <a:schemeClr val="accent2"/>
+    </dgm:linClrLst>
+    <dgm:effectClrLst/>
+    <dgm:txLinClrLst/>
+    <dgm:txFillClrLst meth="repeat">
+      <a:schemeClr val="dk1"/>
+    </dgm:txFillClrLst>
+    <dgm:txEffectClrLst/>
+  </dgm:styleLbl>
+  <dgm:styleLbl name="bgShp">
+    <dgm:fillClrLst meth="repeat">
+      <a:schemeClr val="accent2">
+        <a:tint val="40000"/>
+      </a:schemeClr>
+    </dgm:fillClrLst>
+    <dgm:linClrLst meth="repeat">
+      <a:schemeClr val="accent2"/>
+    </dgm:linClrLst>
+    <dgm:effectClrLst/>
+    <dgm:txLinClrLst/>
+    <dgm:txFillClrLst meth="repeat">
+      <a:schemeClr val="dk1"/>
+    </dgm:txFillClrLst>
+    <dgm:txEffectClrLst/>
+  </dgm:styleLbl>
+  <dgm:styleLbl name="dkBgShp">
+    <dgm:fillClrLst meth="repeat">
+      <a:schemeClr val="accent2">
+        <a:shade val="80000"/>
+      </a:schemeClr>
+    </dgm:fillClrLst>
+    <dgm:linClrLst meth="repeat">
+      <a:schemeClr val="accent2"/>
+    </dgm:linClrLst>
+    <dgm:effectClrLst/>
+    <dgm:txLinClrLst/>
+    <dgm:txFillClrLst meth="repeat">
+      <a:schemeClr val="lt1"/>
+    </dgm:txFillClrLst>
+    <dgm:txEffectClrLst/>
+  </dgm:styleLbl>
+  <dgm:styleLbl name="trBgShp">
+    <dgm:fillClrLst meth="repeat">
+      <a:schemeClr val="accent2">
+        <a:tint val="50000"/>
+        <a:alpha val="40000"/>
+      </a:schemeClr>
+    </dgm:fillClrLst>
+    <dgm:linClrLst meth="repeat">
+      <a:schemeClr val="accent2"/>
+    </dgm:linClrLst>
+    <dgm:effectClrLst/>
+    <dgm:txLinClrLst/>
+    <dgm:txFillClrLst meth="repeat">
+      <a:schemeClr val="lt1"/>
+    </dgm:txFillClrLst>
+    <dgm:txEffectClrLst/>
+  </dgm:styleLbl>
+  <dgm:styleLbl name="fgShp">
+    <dgm:fillClrLst meth="repeat">
+      <a:schemeClr val="accent2">
+        <a:tint val="60000"/>
+      </a:schemeClr>
+    </dgm:fillClrLst>
+    <dgm:linClrLst meth="repeat">
+      <a:schemeClr val="lt1"/>
+    </dgm:linClrLst>
+    <dgm:effectClrLst/>
+    <dgm:txLinClrLst/>
+    <dgm:txFillClrLst meth="repeat">
+      <a:schemeClr val="dk1"/>
+    </dgm:txFillClrLst>
+    <dgm:txEffectClrLst/>
+  </dgm:styleLbl>
+  <dgm:styleLbl name="revTx">
+    <dgm:fillClrLst meth="repeat">
+      <a:schemeClr val="lt1">
+        <a:alpha val="0"/>
+      </a:schemeClr>
+    </dgm:fillClrLst>
+    <dgm:linClrLst meth="repeat">
+      <a:schemeClr val="dk1">
+        <a:alpha val="0"/>
+      </a:schemeClr>
+    </dgm:linClrLst>
+    <dgm:effectClrLst/>
+    <dgm:txLinClrLst/>
+    <dgm:txFillClrLst meth="repeat">
+      <a:schemeClr val="tx1"/>
+    </dgm:txFillClrLst>
+    <dgm:txEffectClrLst/>
+  </dgm:styleLbl>
+</dgm:colorsDef>
+</file>
+
+<file path=ppt/diagrams/colors2.xml><?xml version="1.0" encoding="utf-8"?>
+<dgm:colorsDef xmlns:dgm="http://schemas.openxmlformats.org/drawingml/2006/diagram" xmlns:a="http://schemas.openxmlformats.org/drawingml/2006/main" uniqueId="urn:microsoft.com/office/officeart/2005/8/colors/accent2_2">
+  <dgm:title val=""/>
+  <dgm:desc val=""/>
+  <dgm:catLst>
+    <dgm:cat type="accent2" pri="11200"/>
+  </dgm:catLst>
+  <dgm:styleLbl name="node0">
+    <dgm:fillClrLst meth="repeat">
+      <a:schemeClr val="accent2"/>
+    </dgm:fillClrLst>
+    <dgm:linClrLst meth="repeat">
+      <a:schemeClr val="lt1"/>
+    </dgm:linClrLst>
+    <dgm:effectClrLst/>
+    <dgm:txLinClrLst/>
+    <dgm:txFillClrLst/>
+    <dgm:txEffectClrLst/>
+  </dgm:styleLbl>
+  <dgm:styleLbl name="node1">
+    <dgm:fillClrLst meth="repeat">
+      <a:schemeClr val="accent2"/>
+    </dgm:fillClrLst>
+    <dgm:linClrLst meth="repeat">
+      <a:schemeClr val="lt1"/>
+    </dgm:linClrLst>
+    <dgm:effectClrLst/>
+    <dgm:txLinClrLst/>
+    <dgm:txFillClrLst/>
+    <dgm:txEffectClrLst/>
+  </dgm:styleLbl>
+  <dgm:styleLbl name="alignNode1">
+    <dgm:fillClrLst meth="repeat">
+      <a:schemeClr val="accent2"/>
+    </dgm:fillClrLst>
+    <dgm:linClrLst meth="repeat">
+      <a:schemeClr val="accent2"/>
+    </dgm:linClrLst>
+    <dgm:effectClrLst/>
+    <dgm:txLinClrLst/>
+    <dgm:txFillClrLst/>
+    <dgm:txEffectClrLst/>
+  </dgm:styleLbl>
+  <dgm:styleLbl name="lnNode1">
+    <dgm:fillClrLst meth="repeat">
+      <a:schemeClr val="accent2"/>
+    </dgm:fillClrLst>
+    <dgm:linClrLst meth="repeat">
+      <a:schemeClr val="lt1"/>
+    </dgm:linClrLst>
+    <dgm:effectClrLst/>
+    <dgm:txLinClrLst/>
+    <dgm:txFillClrLst/>
+    <dgm:txEffectClrLst/>
+  </dgm:styleLbl>
+  <dgm:styleLbl name="vennNode1">
+    <dgm:fillClrLst meth="repeat">
+      <a:schemeClr val="accent2">
+        <a:alpha val="50000"/>
+      </a:schemeClr>
+    </dgm:fillClrLst>
+    <dgm:linClrLst meth="repeat">
+      <a:schemeClr val="lt1"/>
+    </dgm:linClrLst>
+    <dgm:effectClrLst/>
+    <dgm:txLinClrLst/>
+    <dgm:txFillClrLst/>
+    <dgm:txEffectClrLst/>
+  </dgm:styleLbl>
+  <dgm:styleLbl name="node2">
+    <dgm:fillClrLst meth="repeat">
+      <a:schemeClr val="accent2"/>
+    </dgm:fillClrLst>
+    <dgm:linClrLst meth="repeat">
+      <a:schemeClr val="lt1"/>
+    </dgm:linClrLst>
+    <dgm:effectClrLst/>
+    <dgm:txLinClrLst/>
+    <dgm:txFillClrLst/>
+    <dgm:txEffectClrLst/>
+  </dgm:styleLbl>
+  <dgm:styleLbl name="node3">
+    <dgm:fillClrLst meth="repeat">
+      <a:schemeClr val="accent2"/>
+    </dgm:fillClrLst>
+    <dgm:linClrLst meth="repeat">
+      <a:schemeClr val="lt1"/>
+    </dgm:linClrLst>
+    <dgm:effectClrLst/>
+    <dgm:txLinClrLst/>
+    <dgm:txFillClrLst/>
+    <dgm:txEffectClrLst/>
+  </dgm:styleLbl>
+  <dgm:styleLbl name="node4">
+    <dgm:fillClrLst meth="repeat">
+      <a:schemeClr val="accent2"/>
+    </dgm:fillClrLst>
+    <dgm:linClrLst meth="repeat">
+      <a:schemeClr val="lt1"/>
+    </dgm:linClrLst>
+    <dgm:effectClrLst/>
+    <dgm:txLinClrLst/>
+    <dgm:txFillClrLst/>
+    <dgm:txEffectClrLst/>
+  </dgm:styleLbl>
+  <dgm:styleLbl name="fgImgPlace1">
+    <dgm:fillClrLst meth="repeat">
+      <a:schemeClr val="accent2">
+        <a:tint val="50000"/>
+      </a:schemeClr>
+    </dgm:fillClrLst>
+    <dgm:linClrLst meth="repeat">
+      <a:schemeClr val="lt1"/>
+    </dgm:linClrLst>
+    <dgm:effectClrLst/>
+    <dgm:txLinClrLst/>
+    <dgm:txFillClrLst meth="repeat">
+      <a:schemeClr val="lt1"/>
+    </dgm:txFillClrLst>
+    <dgm:txEffectClrLst/>
+  </dgm:styleLbl>
+  <dgm:styleLbl name="alignImgPlace1">
+    <dgm:fillClrLst meth="repeat">
+      <a:schemeClr val="accent2">
+        <a:tint val="50000"/>
+      </a:schemeClr>
+    </dgm:fillClrLst>
+    <dgm:linClrLst meth="repeat">
+      <a:schemeClr val="lt1"/>
+    </dgm:linClrLst>
+    <dgm:effectClrLst/>
+    <dgm:txLinClrLst/>
+    <dgm:txFillClrLst meth="repeat">
+      <a:schemeClr val="lt1"/>
+    </dgm:txFillClrLst>
+    <dgm:txEffectClrLst/>
+  </dgm:styleLbl>
+  <dgm:styleLbl name="bgImgPlace1">
+    <dgm:fillClrLst meth="repeat">
+      <a:schemeClr val="accent2">
+        <a:tint val="50000"/>
+      </a:schemeClr>
+    </dgm:fillClrLst>
+    <dgm:linClrLst meth="repeat">
+      <a:schemeClr val="lt1"/>
+    </dgm:linClrLst>
+    <dgm:effectClrLst/>
+    <dgm:txLinClrLst/>
+    <dgm:txFillClrLst meth="repeat">
+      <a:schemeClr val="lt1"/>
+    </dgm:txFillClrLst>
+    <dgm:txEffectClrLst/>
+  </dgm:styleLbl>
+  <dgm:styleLbl name="sibTrans2D1">
+    <dgm:fillClrLst meth="repeat">
+      <a:schemeClr val="accent2">
+        <a:tint val="60000"/>
+      </a:schemeClr>
+    </dgm:fillClrLst>
+    <dgm:linClrLst meth="repeat">
+      <a:schemeClr val="accent2">
+        <a:tint val="60000"/>
+      </a:schemeClr>
+    </dgm:linClrLst>
+    <dgm:effectClrLst/>
+    <dgm:txLinClrLst/>
+    <dgm:txFillClrLst/>
+    <dgm:txEffectClrLst/>
+  </dgm:styleLbl>
+  <dgm:styleLbl name="fgSibTrans2D1">
+    <dgm:fillClrLst meth="repeat">
+      <a:schemeClr val="accent2">
+        <a:tint val="60000"/>
+      </a:schemeClr>
+    </dgm:fillClrLst>
+    <dgm:linClrLst meth="repeat">
+      <a:schemeClr val="accent2">
+        <a:tint val="60000"/>
+      </a:schemeClr>
+    </dgm:linClrLst>
+    <dgm:effectClrLst/>
+    <dgm:txLinClrLst/>
+    <dgm:txFillClrLst/>
+    <dgm:txEffectClrLst/>
+  </dgm:styleLbl>
+  <dgm:styleLbl name="bgSibTrans2D1">
+    <dgm:fillClrLst meth="repeat">
+      <a:schemeClr val="accent2">
+        <a:tint val="60000"/>
+      </a:schemeClr>
+    </dgm:fillClrLst>
+    <dgm:linClrLst meth="repeat">
+      <a:schemeClr val="accent2">
+        <a:tint val="60000"/>
+      </a:schemeClr>
+    </dgm:linClrLst>
+    <dgm:effectClrLst/>
+    <dgm:txLinClrLst/>
+    <dgm:txFillClrLst/>
+    <dgm:txEffectClrLst/>
+  </dgm:styleLbl>
+  <dgm:styleLbl name="sibTrans1D1">
+    <dgm:fillClrLst meth="repeat">
+      <a:schemeClr val="accent2"/>
+    </dgm:fillClrLst>
+    <dgm:linClrLst meth="repeat">
+      <a:schemeClr val="accent2"/>
+    </dgm:linClrLst>
+    <dgm:effectClrLst/>
+    <dgm:txLinClrLst/>
+    <dgm:txFillClrLst meth="repeat">
+      <a:schemeClr val="tx1"/>
+    </dgm:txFillClrLst>
+    <dgm:txEffectClrLst/>
+  </dgm:styleLbl>
+  <dgm:styleLbl name="callout">
+    <dgm:fillClrLst meth="repeat">
+      <a:schemeClr val="accent2"/>
+    </dgm:fillClrLst>
+    <dgm:linClrLst meth="repeat">
+      <a:schemeClr val="accent2">
+        <a:tint val="50000"/>
+      </a:schemeClr>
+    </dgm:linClrLst>
+    <dgm:effectClrLst/>
+    <dgm:txLinClrLst/>
+    <dgm:txFillClrLst meth="repeat">
+      <a:schemeClr val="tx1"/>
+    </dgm:txFillClrLst>
+    <dgm:txEffectClrLst/>
+  </dgm:styleLbl>
+  <dgm:styleLbl name="asst0">
+    <dgm:fillClrLst meth="repeat">
+      <a:schemeClr val="accent2"/>
+    </dgm:fillClrLst>
+    <dgm:linClrLst meth="repeat">
+      <a:schemeClr val="lt1"/>
+    </dgm:linClrLst>
+    <dgm:effectClrLst/>
+    <dgm:txLinClrLst/>
+    <dgm:txFillClrLst/>
+    <dgm:txEffectClrLst/>
+  </dgm:styleLbl>
+  <dgm:styleLbl name="asst1">
+    <dgm:fillClrLst meth="repeat">
+      <a:schemeClr val="accent2"/>
+    </dgm:fillClrLst>
+    <dgm:linClrLst meth="repeat">
+      <a:schemeClr val="lt1"/>
+    </dgm:linClrLst>
+    <dgm:effectClrLst/>
+    <dgm:txLinClrLst/>
+    <dgm:txFillClrLst/>
+    <dgm:txEffectClrLst/>
+  </dgm:styleLbl>
+  <dgm:styleLbl name="asst2">
+    <dgm:fillClrLst meth="repeat">
+      <a:schemeClr val="accent2"/>
+    </dgm:fillClrLst>
+    <dgm:linClrLst meth="repeat">
+      <a:schemeClr val="lt1"/>
+    </dgm:linClrLst>
+    <dgm:effectClrLst/>
+    <dgm:txLinClrLst/>
+    <dgm:txFillClrLst/>
+    <dgm:txEffectClrLst/>
+  </dgm:styleLbl>
+  <dgm:styleLbl name="asst3">
+    <dgm:fillClrLst meth="repeat">
+      <a:schemeClr val="accent2"/>
+    </dgm:fillClrLst>
+    <dgm:linClrLst meth="repeat">
+      <a:schemeClr val="lt1"/>
+    </dgm:linClrLst>
+    <dgm:effectClrLst/>
+    <dgm:txLinClrLst/>
+    <dgm:txFillClrLst/>
+    <dgm:txEffectClrLst/>
+  </dgm:styleLbl>
+  <dgm:styleLbl name="asst4">
+    <dgm:fillClrLst meth="repeat">
+      <a:schemeClr val="accent2"/>
+    </dgm:fillClrLst>
+    <dgm:linClrLst meth="repeat">
+      <a:schemeClr val="lt1"/>
+    </dgm:linClrLst>
+    <dgm:effectClrLst/>
+    <dgm:txLinClrLst/>
+    <dgm:txFillClrLst/>
+    <dgm:txEffectClrLst/>
+  </dgm:styleLbl>
+  <dgm:styleLbl name="parChTrans2D1">
+    <dgm:fillClrLst meth="repeat">
+      <a:schemeClr val="accent2">
+        <a:tint val="60000"/>
+      </a:schemeClr>
+    </dgm:fillClrLst>
+    <dgm:linClrLst meth="repeat">
+      <a:schemeClr val="accent2">
+        <a:tint val="60000"/>
+      </a:schemeClr>
+    </dgm:linClrLst>
+    <dgm:effectClrLst/>
+    <dgm:txLinClrLst/>
+    <dgm:txFillClrLst meth="repeat">
+      <a:schemeClr val="lt1"/>
+    </dgm:txFillClrLst>
+    <dgm:txEffectClrLst/>
+  </dgm:styleLbl>
+  <dgm:styleLbl name="parChTrans2D2">
+    <dgm:fillClrLst meth="repeat">
+      <a:schemeClr val="accent2"/>
+    </dgm:fillClrLst>
+    <dgm:linClrLst meth="repeat">
+      <a:schemeClr val="accent2"/>
+    </dgm:linClrLst>
+    <dgm:effectClrLst/>
+    <dgm:txLinClrLst/>
+    <dgm:txFillClrLst meth="repeat">
+      <a:schemeClr val="lt1"/>
+    </dgm:txFillClrLst>
+    <dgm:txEffectClrLst/>
+  </dgm:styleLbl>
+  <dgm:styleLbl name="parChTrans2D3">
+    <dgm:fillClrLst meth="repeat">
+      <a:schemeClr val="accent2"/>
+    </dgm:fillClrLst>
+    <dgm:linClrLst meth="repeat">
+      <a:schemeClr val="accent2"/>
+    </dgm:linClrLst>
+    <dgm:effectClrLst/>
+    <dgm:txLinClrLst/>
+    <dgm:txFillClrLst meth="repeat">
+      <a:schemeClr val="lt1"/>
+    </dgm:txFillClrLst>
+    <dgm:txEffectClrLst/>
+  </dgm:styleLbl>
+  <dgm:styleLbl name="parChTrans2D4">
+    <dgm:fillClrLst meth="repeat">
+      <a:schemeClr val="accent2"/>
+    </dgm:fillClrLst>
+    <dgm:linClrLst meth="repeat">
+      <a:schemeClr val="accent2"/>
+    </dgm:linClrLst>
+    <dgm:effectClrLst/>
+    <dgm:txLinClrLst/>
+    <dgm:txFillClrLst meth="repeat">
+      <a:schemeClr val="lt1"/>
+    </dgm:txFillClrLst>
+    <dgm:txEffectClrLst/>
+  </dgm:styleLbl>
+  <dgm:styleLbl name="parChTrans1D1">
+    <dgm:fillClrLst meth="repeat">
+      <a:schemeClr val="accent2"/>
+    </dgm:fillClrLst>
+    <dgm:linClrLst meth="repeat">
+      <a:schemeClr val="accent2">
+        <a:shade val="60000"/>
+      </a:schemeClr>
+    </dgm:linClrLst>
+    <dgm:effectClrLst/>
+    <dgm:txLinClrLst/>
+    <dgm:txFillClrLst meth="repeat">
+      <a:schemeClr val="tx1"/>
+    </dgm:txFillClrLst>
+    <dgm:txEffectClrLst/>
+  </dgm:styleLbl>
+  <dgm:styleLbl name="parChTrans1D2">
+    <dgm:fillClrLst meth="repeat">
+      <a:schemeClr val="accent2"/>
+    </dgm:fillClrLst>
+    <dgm:linClrLst meth="repeat">
+      <a:schemeClr val="accent2">
+        <a:shade val="60000"/>
+      </a:schemeClr>
+    </dgm:linClrLst>
+    <dgm:effectClrLst/>
+    <dgm:txLinClrLst/>
+    <dgm:txFillClrLst meth="repeat">
+      <a:schemeClr val="tx1"/>
+    </dgm:txFillClrLst>
+    <dgm:txEffectClrLst/>
+  </dgm:styleLbl>
+  <dgm:styleLbl name="parChTrans1D3">
+    <dgm:fillClrLst meth="repeat">
+      <a:schemeClr val="accent2"/>
+    </dgm:fillClrLst>
+    <dgm:linClrLst meth="repeat">
+      <a:schemeClr val="accent2">
+        <a:shade val="80000"/>
+      </a:schemeClr>
+    </dgm:linClrLst>
+    <dgm:effectClrLst/>
+    <dgm:txLinClrLst/>
+    <dgm:txFillClrLst meth="repeat">
+      <a:schemeClr val="tx1"/>
+    </dgm:txFillClrLst>
+    <dgm:txEffectClrLst/>
+  </dgm:styleLbl>
+  <dgm:styleLbl name="parChTrans1D4">
+    <dgm:fillClrLst meth="repeat">
+      <a:schemeClr val="accent2"/>
+    </dgm:fillClrLst>
+    <dgm:linClrLst meth="repeat">
+      <a:schemeClr val="accent2">
+        <a:shade val="80000"/>
+      </a:schemeClr>
+    </dgm:linClrLst>
+    <dgm:effectClrLst/>
+    <dgm:txLinClrLst/>
+    <dgm:txFillClrLst meth="repeat">
+      <a:schemeClr val="tx1"/>
+    </dgm:txFillClrLst>
+    <dgm:txEffectClrLst/>
+  </dgm:styleLbl>
+  <dgm:styleLbl name="fgAcc1">
+    <dgm:fillClrLst meth="repeat">
+      <a:schemeClr val="lt1">
+        <a:alpha val="90000"/>
+      </a:schemeClr>
+    </dgm:fillClrLst>
+    <dgm:linClrLst meth="repeat">
+      <a:schemeClr val="accent2"/>
+    </dgm:linClrLst>
+    <dgm:effectClrLst/>
+    <dgm:txLinClrLst/>
+    <dgm:txFillClrLst meth="repeat">
+      <a:schemeClr val="dk1"/>
+    </dgm:txFillClrLst>
+    <dgm:txEffectClrLst/>
+  </dgm:styleLbl>
+  <dgm:styleLbl name="conFgAcc1">
+    <dgm:fillClrLst meth="repeat">
+      <a:schemeClr val="lt1">
+        <a:alpha val="90000"/>
+      </a:schemeClr>
+    </dgm:fillClrLst>
+    <dgm:linClrLst meth="repeat">
+      <a:schemeClr val="accent2"/>
+    </dgm:linClrLst>
+    <dgm:effectClrLst/>
+    <dgm:txLinClrLst/>
+    <dgm:txFillClrLst meth="repeat">
+      <a:schemeClr val="dk1"/>
+    </dgm:txFillClrLst>
+    <dgm:txEffectClrLst/>
+  </dgm:styleLbl>
+  <dgm:styleLbl name="alignAcc1">
+    <dgm:fillClrLst meth="repeat">
+      <a:schemeClr val="lt1">
+        <a:alpha val="90000"/>
+      </a:schemeClr>
+    </dgm:fillClrLst>
+    <dgm:linClrLst meth="repeat">
+      <a:schemeClr val="accent2"/>
+    </dgm:linClrLst>
+    <dgm:effectClrLst/>
+    <dgm:txLinClrLst/>
+    <dgm:txFillClrLst meth="repeat">
+      <a:schemeClr val="dk1"/>
+    </dgm:txFillClrLst>
+    <dgm:txEffectClrLst/>
+  </dgm:styleLbl>
+  <dgm:styleLbl name="trAlignAcc1">
+    <dgm:fillClrLst meth="repeat">
+      <a:schemeClr val="lt1">
+        <a:alpha val="40000"/>
+      </a:schemeClr>
+    </dgm:fillClrLst>
+    <dgm:linClrLst meth="repeat">
+      <a:schemeClr val="accent2"/>
+    </dgm:linClrLst>
+    <dgm:effectClrLst/>
+    <dgm:txLinClrLst/>
+    <dgm:txFillClrLst meth="repeat">
+      <a:schemeClr val="dk1"/>
+    </dgm:txFillClrLst>
+    <dgm:txEffectClrLst/>
+  </dgm:styleLbl>
+  <dgm:styleLbl name="bgAcc1">
+    <dgm:fillClrLst meth="repeat">
+      <a:schemeClr val="lt1">
+        <a:alpha val="90000"/>
+      </a:schemeClr>
+    </dgm:fillClrLst>
+    <dgm:linClrLst meth="repeat">
+      <a:schemeClr val="accent2"/>
+    </dgm:linClrLst>
+    <dgm:effectClrLst/>
+    <dgm:txLinClrLst/>
+    <dgm:txFillClrLst meth="repeat">
+      <a:schemeClr val="dk1"/>
+    </dgm:txFillClrLst>
+    <dgm:txEffectClrLst/>
+  </dgm:styleLbl>
+  <dgm:styleLbl name="solidFgAcc1">
+    <dgm:fillClrLst meth="repeat">
+      <a:schemeClr val="lt1"/>
+    </dgm:fillClrLst>
+    <dgm:linClrLst meth="repeat">
+      <a:schemeClr val="accent2"/>
+    </dgm:linClrLst>
+    <dgm:effectClrLst/>
+    <dgm:txLinClrLst/>
+    <dgm:txFillClrLst meth="repeat">
+      <a:schemeClr val="dk1"/>
+    </dgm:txFillClrLst>
+    <dgm:txEffectClrLst/>
+  </dgm:styleLbl>
+  <dgm:styleLbl name="solidAlignAcc1">
+    <dgm:fillClrLst meth="repeat">
+      <a:schemeClr val="lt1"/>
+    </dgm:fillClrLst>
+    <dgm:linClrLst meth="repeat">
+      <a:schemeClr val="accent2"/>
+    </dgm:linClrLst>
+    <dgm:effectClrLst/>
+    <dgm:txLinClrLst/>
+    <dgm:txFillClrLst meth="repeat">
+      <a:schemeClr val="dk1"/>
+    </dgm:txFillClrLst>
+    <dgm:txEffectClrLst/>
+  </dgm:styleLbl>
+  <dgm:styleLbl name="solidBgAcc1">
+    <dgm:fillClrLst meth="repeat">
+      <a:schemeClr val="lt1"/>
+    </dgm:fillClrLst>
+    <dgm:linClrLst meth="repeat">
+      <a:schemeClr val="accent2"/>
+    </dgm:linClrLst>
+    <dgm:effectClrLst/>
+    <dgm:txLinClrLst/>
+    <dgm:txFillClrLst meth="repeat">
+      <a:schemeClr val="dk1"/>
+    </dgm:txFillClrLst>
+    <dgm:txEffectClrLst/>
+  </dgm:styleLbl>
+  <dgm:styleLbl name="fgAccFollowNode1">
+    <dgm:fillClrLst meth="repeat">
+      <a:schemeClr val="accent2">
+        <a:alpha val="90000"/>
+        <a:tint val="40000"/>
+      </a:schemeClr>
+    </dgm:fillClrLst>
+    <dgm:linClrLst meth="repeat">
+      <a:schemeClr val="accent2">
+        <a:alpha val="90000"/>
+        <a:tint val="40000"/>
+      </a:schemeClr>
+    </dgm:linClrLst>
+    <dgm:effectClrLst/>
+    <dgm:txLinClrLst/>
+    <dgm:txFillClrLst meth="repeat">
+      <a:schemeClr val="dk1"/>
+    </dgm:txFillClrLst>
+    <dgm:txEffectClrLst/>
+  </dgm:styleLbl>
+  <dgm:styleLbl name="alignAccFollowNode1">
+    <dgm:fillClrLst meth="repeat">
+      <a:schemeClr val="accent2">
+        <a:alpha val="90000"/>
+        <a:tint val="40000"/>
+      </a:schemeClr>
+    </dgm:fillClrLst>
+    <dgm:linClrLst meth="repeat">
+      <a:schemeClr val="accent2">
+        <a:alpha val="90000"/>
+        <a:tint val="40000"/>
+      </a:schemeClr>
+    </dgm:linClrLst>
+    <dgm:effectClrLst/>
+    <dgm:txLinClrLst/>
+    <dgm:txFillClrLst meth="repeat">
+      <a:schemeClr val="dk1"/>
+    </dgm:txFillClrLst>
+    <dgm:txEffectClrLst/>
+  </dgm:styleLbl>
+  <dgm:styleLbl name="bgAccFollowNode1">
+    <dgm:fillClrLst meth="repeat">
+      <a:schemeClr val="accent2">
+        <a:alpha val="90000"/>
+        <a:tint val="40000"/>
+      </a:schemeClr>
+    </dgm:fillClrLst>
+    <dgm:linClrLst meth="repeat">
+      <a:schemeClr val="accent2">
+        <a:alpha val="90000"/>
+        <a:tint val="40000"/>
+      </a:schemeClr>
+    </dgm:linClrLst>
+    <dgm:effectClrLst/>
+    <dgm:txLinClrLst/>
+    <dgm:txFillClrLst meth="repeat">
+      <a:schemeClr val="dk1"/>
+    </dgm:txFillClrLst>
+    <dgm:txEffectClrLst/>
+  </dgm:styleLbl>
+  <dgm:styleLbl name="fgAcc0">
+    <dgm:fillClrLst meth="repeat">
+      <a:schemeClr val="lt1">
+        <a:alpha val="90000"/>
+      </a:schemeClr>
+    </dgm:fillClrLst>
+    <dgm:linClrLst meth="repeat">
+      <a:schemeClr val="accent2"/>
+    </dgm:linClrLst>
+    <dgm:effectClrLst/>
+    <dgm:txLinClrLst/>
+    <dgm:txFillClrLst meth="repeat">
+      <a:schemeClr val="dk1"/>
+    </dgm:txFillClrLst>
+    <dgm:txEffectClrLst/>
+  </dgm:styleLbl>
+  <dgm:styleLbl name="fgAcc2">
+    <dgm:fillClrLst meth="repeat">
+      <a:schemeClr val="lt1">
+        <a:alpha val="90000"/>
+      </a:schemeClr>
+    </dgm:fillClrLst>
+    <dgm:linClrLst meth="repeat">
+      <a:schemeClr val="accent2"/>
+    </dgm:linClrLst>
+    <dgm:effectClrLst/>
+    <dgm:txLinClrLst/>
+    <dgm:txFillClrLst meth="repeat">
+      <a:schemeClr val="dk1"/>
+    </dgm:txFillClrLst>
+    <dgm:txEffectClrLst/>
+  </dgm:styleLbl>
+  <dgm:styleLbl name="fgAcc3">
+    <dgm:fillClrLst meth="repeat">
+      <a:schemeClr val="lt1">
+        <a:alpha val="90000"/>
+      </a:schemeClr>
+    </dgm:fillClrLst>
+    <dgm:linClrLst meth="repeat">
+      <a:schemeClr val="accent2"/>
+    </dgm:linClrLst>
+    <dgm:effectClrLst/>
+    <dgm:txLinClrLst/>
+    <dgm:txFillClrLst meth="repeat">
+      <a:schemeClr val="dk1"/>
+    </dgm:txFillClrLst>
+    <dgm:txEffectClrLst/>
+  </dgm:styleLbl>
+  <dgm:styleLbl name="fgAcc4">
+    <dgm:fillClrLst meth="repeat">
+      <a:schemeClr val="lt1">
+        <a:alpha val="90000"/>
+      </a:schemeClr>
+    </dgm:fillClrLst>
+    <dgm:linClrLst meth="repeat">
+      <a:schemeClr val="accent2"/>
+    </dgm:linClrLst>
+    <dgm:effectClrLst/>
+    <dgm:txLinClrLst/>
+    <dgm:txFillClrLst meth="repeat">
+      <a:schemeClr val="dk1"/>
+    </dgm:txFillClrLst>
+    <dgm:txEffectClrLst/>
+  </dgm:styleLbl>
+  <dgm:styleLbl name="bgShp">
+    <dgm:fillClrLst meth="repeat">
+      <a:schemeClr val="accent2">
+        <a:tint val="40000"/>
+      </a:schemeClr>
+    </dgm:fillClrLst>
+    <dgm:linClrLst meth="repeat">
+      <a:schemeClr val="accent2"/>
+    </dgm:linClrLst>
+    <dgm:effectClrLst/>
+    <dgm:txLinClrLst/>
+    <dgm:txFillClrLst meth="repeat">
+      <a:schemeClr val="dk1"/>
+    </dgm:txFillClrLst>
+    <dgm:txEffectClrLst/>
+  </dgm:styleLbl>
+  <dgm:styleLbl name="dkBgShp">
+    <dgm:fillClrLst meth="repeat">
+      <a:schemeClr val="accent2">
+        <a:shade val="80000"/>
+      </a:schemeClr>
+    </dgm:fillClrLst>
+    <dgm:linClrLst meth="repeat">
+      <a:schemeClr val="accent2"/>
+    </dgm:linClrLst>
+    <dgm:effectClrLst/>
+    <dgm:txLinClrLst/>
+    <dgm:txFillClrLst meth="repeat">
+      <a:schemeClr val="lt1"/>
+    </dgm:txFillClrLst>
+    <dgm:txEffectClrLst/>
+  </dgm:styleLbl>
+  <dgm:styleLbl name="trBgShp">
+    <dgm:fillClrLst meth="repeat">
+      <a:schemeClr val="accent2">
+        <a:tint val="50000"/>
+        <a:alpha val="40000"/>
+      </a:schemeClr>
+    </dgm:fillClrLst>
+    <dgm:linClrLst meth="repeat">
+      <a:schemeClr val="accent2"/>
+    </dgm:linClrLst>
+    <dgm:effectClrLst/>
+    <dgm:txLinClrLst/>
+    <dgm:txFillClrLst meth="repeat">
+      <a:schemeClr val="lt1"/>
+    </dgm:txFillClrLst>
+    <dgm:txEffectClrLst/>
+  </dgm:styleLbl>
+  <dgm:styleLbl name="fgShp">
+    <dgm:fillClrLst meth="repeat">
+      <a:schemeClr val="accent2">
+        <a:tint val="60000"/>
+      </a:schemeClr>
+    </dgm:fillClrLst>
+    <dgm:linClrLst meth="repeat">
+      <a:schemeClr val="lt1"/>
+    </dgm:linClrLst>
+    <dgm:effectClrLst/>
+    <dgm:txLinClrLst/>
+    <dgm:txFillClrLst meth="repeat">
+      <a:schemeClr val="dk1"/>
+    </dgm:txFillClrLst>
+    <dgm:txEffectClrLst/>
+  </dgm:styleLbl>
+  <dgm:styleLbl name="revTx">
+    <dgm:fillClrLst meth="repeat">
+      <a:schemeClr val="lt1">
+        <a:alpha val="0"/>
+      </a:schemeClr>
+    </dgm:fillClrLst>
+    <dgm:linClrLst meth="repeat">
+      <a:schemeClr val="dk1">
+        <a:alpha val="0"/>
+      </a:schemeClr>
+    </dgm:linClrLst>
+    <dgm:effectClrLst/>
+    <dgm:txLinClrLst/>
+    <dgm:txFillClrLst meth="repeat">
+      <a:schemeClr val="tx1"/>
+    </dgm:txFillClrLst>
+    <dgm:txEffectClrLst/>
+  </dgm:styleLbl>
+</dgm:colorsDef>
+</file>
+
+<file path=ppt/diagrams/data1.xml><?xml version="1.0" encoding="utf-8"?>
+<dgm:dataModel xmlns:dgm="http://schemas.openxmlformats.org/drawingml/2006/diagram" xmlns:a="http://schemas.openxmlformats.org/drawingml/2006/main">
+  <dgm:ptLst>
+    <dgm:pt modelId="{9C262D38-C23F-46A9-B2F7-AD02E33616FF}" type="doc">
+      <dgm:prSet loTypeId="urn:microsoft.com/office/officeart/2005/8/layout/cycle5" loCatId="cycle" qsTypeId="urn:microsoft.com/office/officeart/2005/8/quickstyle/3d3" qsCatId="3D" csTypeId="urn:microsoft.com/office/officeart/2005/8/colors/accent2_2" csCatId="accent2" phldr="1"/>
+      <dgm:spPr/>
+      <dgm:t>
+        <a:bodyPr/>
+        <a:lstStyle/>
+        <a:p>
+          <a:endParaRPr lang="de-DE"/>
+        </a:p>
+      </dgm:t>
+    </dgm:pt>
+    <dgm:pt modelId="{FF517022-E8A5-401C-BEFF-859908823049}">
+      <dgm:prSet phldrT="[Text]" custT="1"/>
+      <dgm:spPr/>
+      <dgm:t>
+        <a:bodyPr/>
+        <a:lstStyle/>
+        <a:p>
+          <a:r>
+            <a:rPr lang="de-DE" sz="1200" dirty="0" smtClean="0"/>
+            <a:t>Regler für Geradeausfahrt</a:t>
+          </a:r>
+          <a:endParaRPr lang="de-DE" sz="1200" dirty="0"/>
+        </a:p>
+      </dgm:t>
+    </dgm:pt>
+    <dgm:pt modelId="{DA34CBC9-6E5B-4881-9037-B6C720FFA15E}" type="parTrans" cxnId="{F148F9A0-762A-46AE-82B5-003BC8579357}">
+      <dgm:prSet/>
+      <dgm:spPr/>
+      <dgm:t>
+        <a:bodyPr/>
+        <a:lstStyle/>
+        <a:p>
+          <a:endParaRPr lang="de-DE"/>
+        </a:p>
+      </dgm:t>
+    </dgm:pt>
+    <dgm:pt modelId="{B14546C0-114D-408B-9FD0-5FFE00C38A13}" type="sibTrans" cxnId="{F148F9A0-762A-46AE-82B5-003BC8579357}">
+      <dgm:prSet/>
+      <dgm:spPr/>
+      <dgm:t>
+        <a:bodyPr/>
+        <a:lstStyle/>
+        <a:p>
+          <a:endParaRPr lang="de-DE"/>
+        </a:p>
+      </dgm:t>
+    </dgm:pt>
+    <dgm:pt modelId="{EAE6104A-0D3A-40D0-B9AA-3C115D31E63D}">
+      <dgm:prSet phldrT="[Text]" custT="1"/>
+      <dgm:spPr/>
+      <dgm:t>
+        <a:bodyPr/>
+        <a:lstStyle/>
+        <a:p>
+          <a:r>
+            <a:rPr lang="de-DE" sz="1050" dirty="0" smtClean="0"/>
+            <a:t>Differenz der Steigungen liegt unterhalb von Grenzwert</a:t>
+          </a:r>
+          <a:endParaRPr lang="de-DE" sz="1050" dirty="0"/>
+        </a:p>
+      </dgm:t>
+    </dgm:pt>
+    <dgm:pt modelId="{DF429748-4078-437E-91B8-F006D4A71A50}" type="parTrans" cxnId="{F2047F85-9621-4FCB-B383-604EB64D5252}">
+      <dgm:prSet/>
+      <dgm:spPr/>
+      <dgm:t>
+        <a:bodyPr/>
+        <a:lstStyle/>
+        <a:p>
+          <a:endParaRPr lang="de-DE"/>
+        </a:p>
+      </dgm:t>
+    </dgm:pt>
+    <dgm:pt modelId="{82834DA9-4A09-4E78-B60B-A67DACB77507}" type="sibTrans" cxnId="{F2047F85-9621-4FCB-B383-604EB64D5252}">
+      <dgm:prSet/>
+      <dgm:spPr/>
+      <dgm:t>
+        <a:bodyPr/>
+        <a:lstStyle/>
+        <a:p>
+          <a:endParaRPr lang="de-DE"/>
+        </a:p>
+      </dgm:t>
+    </dgm:pt>
+    <dgm:pt modelId="{8946F9DE-07C3-4686-9856-6B2582DD3106}">
+      <dgm:prSet phldrT="[Text]"/>
+      <dgm:spPr/>
+      <dgm:t>
+        <a:bodyPr/>
+        <a:lstStyle/>
+        <a:p>
+          <a:r>
+            <a:rPr lang="de-DE" dirty="0" smtClean="0"/>
+            <a:t>Differenz der Steigungen überschreitet Grenzwert</a:t>
+          </a:r>
+          <a:endParaRPr lang="de-DE" dirty="0"/>
+        </a:p>
+      </dgm:t>
+    </dgm:pt>
+    <dgm:pt modelId="{975B95CE-EE56-4169-AE2B-9ACD786ED702}" type="parTrans" cxnId="{3AB39C81-ACA0-4389-93FD-F278E26CC96D}">
+      <dgm:prSet/>
+      <dgm:spPr/>
+      <dgm:t>
+        <a:bodyPr/>
+        <a:lstStyle/>
+        <a:p>
+          <a:endParaRPr lang="de-DE"/>
+        </a:p>
+      </dgm:t>
+    </dgm:pt>
+    <dgm:pt modelId="{EFAA9E13-0438-42E3-A7FC-26537FB853BC}" type="sibTrans" cxnId="{3AB39C81-ACA0-4389-93FD-F278E26CC96D}">
+      <dgm:prSet/>
+      <dgm:spPr/>
+      <dgm:t>
+        <a:bodyPr/>
+        <a:lstStyle/>
+        <a:p>
+          <a:endParaRPr lang="de-DE"/>
+        </a:p>
+      </dgm:t>
+    </dgm:pt>
+    <dgm:pt modelId="{17393C64-41B8-4541-B793-D79216D0230D}">
+      <dgm:prSet phldrT="[Text]"/>
+      <dgm:spPr/>
+      <dgm:t>
+        <a:bodyPr/>
+        <a:lstStyle/>
+        <a:p>
+          <a:r>
+            <a:rPr lang="de-DE" dirty="0" smtClean="0"/>
+            <a:t>Wechsel zu Übergangsregler für Kurveneintritt</a:t>
+          </a:r>
+          <a:endParaRPr lang="de-DE" dirty="0"/>
+        </a:p>
+      </dgm:t>
+    </dgm:pt>
+    <dgm:pt modelId="{3C0033BF-238A-4AAE-BE08-3C2F777F0BAB}" type="parTrans" cxnId="{865AAAEF-C0D8-4B99-8355-9BA75E218C62}">
+      <dgm:prSet/>
+      <dgm:spPr/>
+      <dgm:t>
+        <a:bodyPr/>
+        <a:lstStyle/>
+        <a:p>
+          <a:endParaRPr lang="de-DE"/>
+        </a:p>
+      </dgm:t>
+    </dgm:pt>
+    <dgm:pt modelId="{256E034F-7A83-4132-AD3E-FC88A31B3171}" type="sibTrans" cxnId="{865AAAEF-C0D8-4B99-8355-9BA75E218C62}">
+      <dgm:prSet/>
+      <dgm:spPr/>
+      <dgm:t>
+        <a:bodyPr/>
+        <a:lstStyle/>
+        <a:p>
+          <a:endParaRPr lang="de-DE"/>
+        </a:p>
+      </dgm:t>
+    </dgm:pt>
+    <dgm:pt modelId="{097DC993-72A3-4244-AFD6-0815E77788A4}">
+      <dgm:prSet custT="1"/>
+      <dgm:spPr/>
+      <dgm:t>
+        <a:bodyPr/>
+        <a:lstStyle/>
+        <a:p>
+          <a:r>
+            <a:rPr lang="de-DE" sz="1200" dirty="0" smtClean="0"/>
+            <a:t>Regler für Kurvenfahrt</a:t>
+          </a:r>
+          <a:endParaRPr lang="de-DE" sz="1200" dirty="0"/>
+        </a:p>
+      </dgm:t>
+    </dgm:pt>
+    <dgm:pt modelId="{A9F536AC-C72D-492A-AE1B-9C1C204A8896}" type="parTrans" cxnId="{BC416615-A145-46B5-BFA3-B5DC7DB689E8}">
+      <dgm:prSet/>
+      <dgm:spPr/>
+      <dgm:t>
+        <a:bodyPr/>
+        <a:lstStyle/>
+        <a:p>
+          <a:endParaRPr lang="de-DE"/>
+        </a:p>
+      </dgm:t>
+    </dgm:pt>
+    <dgm:pt modelId="{12DBF135-D93E-4E14-AEB2-5C4A533E7B5D}" type="sibTrans" cxnId="{BC416615-A145-46B5-BFA3-B5DC7DB689E8}">
+      <dgm:prSet/>
+      <dgm:spPr/>
+      <dgm:t>
+        <a:bodyPr/>
+        <a:lstStyle/>
+        <a:p>
+          <a:endParaRPr lang="de-DE"/>
+        </a:p>
+      </dgm:t>
+    </dgm:pt>
+    <dgm:pt modelId="{D7962C6A-858D-4AB6-AAF5-72BB61C3BCC6}">
+      <dgm:prSet/>
+      <dgm:spPr/>
+      <dgm:t>
+        <a:bodyPr/>
+        <a:lstStyle/>
+        <a:p>
+          <a:r>
+            <a:rPr lang="de-DE" dirty="0" smtClean="0"/>
+            <a:t>Wechsel zu Übergangsregler für Kurvenaustritt</a:t>
+          </a:r>
+          <a:endParaRPr lang="de-DE" dirty="0"/>
+        </a:p>
+      </dgm:t>
+    </dgm:pt>
+    <dgm:pt modelId="{D726EDDA-5EDB-4813-8144-3C7BAC923A21}" type="parTrans" cxnId="{2BD4F86B-4469-454E-86A1-0BABCC4E1081}">
+      <dgm:prSet/>
+      <dgm:spPr/>
+      <dgm:t>
+        <a:bodyPr/>
+        <a:lstStyle/>
+        <a:p>
+          <a:endParaRPr lang="de-DE"/>
+        </a:p>
+      </dgm:t>
+    </dgm:pt>
+    <dgm:pt modelId="{477FC51F-3263-43C0-8AF5-0B7CB46EA1BD}" type="sibTrans" cxnId="{2BD4F86B-4469-454E-86A1-0BABCC4E1081}">
+      <dgm:prSet/>
+      <dgm:spPr/>
+      <dgm:t>
+        <a:bodyPr/>
+        <a:lstStyle/>
+        <a:p>
+          <a:endParaRPr lang="de-DE"/>
+        </a:p>
+      </dgm:t>
+    </dgm:pt>
+    <dgm:pt modelId="{EA98858B-2958-46B2-B90A-604982431D71}">
+      <dgm:prSet custT="1"/>
+      <dgm:spPr/>
+      <dgm:t>
+        <a:bodyPr/>
+        <a:lstStyle/>
+        <a:p>
+          <a:r>
+            <a:rPr lang="de-DE" sz="1050" dirty="0" smtClean="0"/>
+            <a:t>Permanente Berechnung der </a:t>
+          </a:r>
+          <a:r>
+            <a:rPr lang="de-DE" sz="1050" dirty="0" err="1" smtClean="0"/>
+            <a:t>Geradensteigungen</a:t>
+          </a:r>
+          <a:endParaRPr lang="de-DE" sz="1050" dirty="0"/>
+        </a:p>
+      </dgm:t>
+    </dgm:pt>
+    <dgm:pt modelId="{F0D89781-7E9B-42B4-9C21-DEAE5EC81703}" type="parTrans" cxnId="{47A7DB7C-BE0F-4751-A725-2CB710F1F10D}">
+      <dgm:prSet/>
+      <dgm:spPr/>
+      <dgm:t>
+        <a:bodyPr/>
+        <a:lstStyle/>
+        <a:p>
+          <a:endParaRPr lang="de-DE"/>
+        </a:p>
+      </dgm:t>
+    </dgm:pt>
+    <dgm:pt modelId="{4FAAD27D-EE34-40E4-9E67-FFAFB62FB61F}" type="sibTrans" cxnId="{47A7DB7C-BE0F-4751-A725-2CB710F1F10D}">
+      <dgm:prSet/>
+      <dgm:spPr/>
+      <dgm:t>
+        <a:bodyPr/>
+        <a:lstStyle/>
+        <a:p>
+          <a:endParaRPr lang="de-DE"/>
+        </a:p>
+      </dgm:t>
+    </dgm:pt>
+    <dgm:pt modelId="{D62CCB92-B222-40DF-8910-3148B3994A10}">
+      <dgm:prSet custT="1"/>
+      <dgm:spPr/>
+      <dgm:t>
+        <a:bodyPr/>
+        <a:lstStyle/>
+        <a:p>
+          <a:r>
+            <a:rPr lang="de-DE" sz="1050" dirty="0" smtClean="0"/>
+            <a:t>Permanente Berechnung der </a:t>
+          </a:r>
+          <a:r>
+            <a:rPr lang="de-DE" sz="1050" dirty="0" err="1" smtClean="0"/>
+            <a:t>Geradensteigungen</a:t>
+          </a:r>
+          <a:endParaRPr lang="de-DE" sz="1050" dirty="0"/>
+        </a:p>
+      </dgm:t>
+    </dgm:pt>
+    <dgm:pt modelId="{D152CB20-4ABC-4DDA-A92D-C16D4F2B7CD2}" type="parTrans" cxnId="{314F8DD0-0B29-4706-8EEE-BAAFD74FBEB6}">
+      <dgm:prSet/>
+      <dgm:spPr/>
+      <dgm:t>
+        <a:bodyPr/>
+        <a:lstStyle/>
+        <a:p>
+          <a:endParaRPr lang="de-DE"/>
+        </a:p>
+      </dgm:t>
+    </dgm:pt>
+    <dgm:pt modelId="{57CDC721-343F-44D8-90E2-558FDBF3070C}" type="sibTrans" cxnId="{314F8DD0-0B29-4706-8EEE-BAAFD74FBEB6}">
+      <dgm:prSet/>
+      <dgm:spPr/>
+      <dgm:t>
+        <a:bodyPr/>
+        <a:lstStyle/>
+        <a:p>
+          <a:endParaRPr lang="de-DE"/>
+        </a:p>
+      </dgm:t>
+    </dgm:pt>
+    <dgm:pt modelId="{ACE2CC2F-AAD9-4D05-8B40-547E3B539AA8}">
+      <dgm:prSet custT="1"/>
+      <dgm:spPr/>
+      <dgm:t>
+        <a:bodyPr/>
+        <a:lstStyle/>
+        <a:p>
+          <a:r>
+            <a:rPr lang="de-DE" sz="1050" dirty="0" smtClean="0"/>
+            <a:t>Differenz der Steigungen liegt oberhalb von Grenzwert</a:t>
+          </a:r>
+          <a:endParaRPr lang="de-DE" sz="1050" dirty="0"/>
+        </a:p>
+      </dgm:t>
+    </dgm:pt>
+    <dgm:pt modelId="{247F8999-C927-44AD-A8A4-ACF4DF7446C5}" type="parTrans" cxnId="{7C9F5033-8032-4928-BA9F-5E3EA4B9BF79}">
+      <dgm:prSet/>
+      <dgm:spPr/>
+      <dgm:t>
+        <a:bodyPr/>
+        <a:lstStyle/>
+        <a:p>
+          <a:endParaRPr lang="de-DE"/>
+        </a:p>
+      </dgm:t>
+    </dgm:pt>
+    <dgm:pt modelId="{8B9E9675-B7D5-4D3D-AA5A-60329BC021AC}" type="sibTrans" cxnId="{7C9F5033-8032-4928-BA9F-5E3EA4B9BF79}">
+      <dgm:prSet/>
+      <dgm:spPr/>
+      <dgm:t>
+        <a:bodyPr/>
+        <a:lstStyle/>
+        <a:p>
+          <a:endParaRPr lang="de-DE"/>
+        </a:p>
+      </dgm:t>
+    </dgm:pt>
+    <dgm:pt modelId="{5B0E89E7-AC0B-4EB0-A717-91ED139CDD67}">
+      <dgm:prSet/>
+      <dgm:spPr/>
+      <dgm:t>
+        <a:bodyPr/>
+        <a:lstStyle/>
+        <a:p>
+          <a:r>
+            <a:rPr lang="de-DE" dirty="0" smtClean="0"/>
+            <a:t>Differenz der Steigungen unterschreitet Grenzwert</a:t>
+          </a:r>
+          <a:endParaRPr lang="de-DE" dirty="0"/>
+        </a:p>
+      </dgm:t>
+    </dgm:pt>
+    <dgm:pt modelId="{BA3E99B5-3D07-45F0-9FD6-DBF9FBFAFCB3}" type="parTrans" cxnId="{ECE19E7E-DAB2-4039-85CD-2A4A148F666B}">
+      <dgm:prSet/>
+      <dgm:spPr/>
+      <dgm:t>
+        <a:bodyPr/>
+        <a:lstStyle/>
+        <a:p>
+          <a:endParaRPr lang="de-DE"/>
+        </a:p>
+      </dgm:t>
+    </dgm:pt>
+    <dgm:pt modelId="{2D86A2BF-5B6A-4D76-94CC-99797484151B}" type="sibTrans" cxnId="{ECE19E7E-DAB2-4039-85CD-2A4A148F666B}">
+      <dgm:prSet/>
+      <dgm:spPr/>
+      <dgm:t>
+        <a:bodyPr/>
+        <a:lstStyle/>
+        <a:p>
+          <a:endParaRPr lang="de-DE"/>
+        </a:p>
+      </dgm:t>
+    </dgm:pt>
+    <dgm:pt modelId="{ADCC66F3-B14D-44B1-8B1E-5A57D0293F83}" type="pres">
+      <dgm:prSet presAssocID="{9C262D38-C23F-46A9-B2F7-AD02E33616FF}" presName="cycle" presStyleCnt="0">
+        <dgm:presLayoutVars>
+          <dgm:dir/>
+          <dgm:resizeHandles val="exact"/>
+        </dgm:presLayoutVars>
+      </dgm:prSet>
+      <dgm:spPr/>
+    </dgm:pt>
+    <dgm:pt modelId="{322F2889-427F-4255-96FE-7A663EF3A95F}" type="pres">
+      <dgm:prSet presAssocID="{FF517022-E8A5-401C-BEFF-859908823049}" presName="node" presStyleLbl="node1" presStyleIdx="0" presStyleCnt="6" custScaleX="163525" custScaleY="125976" custRadScaleRad="94162" custRadScaleInc="-9979">
+        <dgm:presLayoutVars>
+          <dgm:bulletEnabled val="1"/>
+        </dgm:presLayoutVars>
+      </dgm:prSet>
+      <dgm:spPr/>
+      <dgm:t>
+        <a:bodyPr/>
+        <a:lstStyle/>
+        <a:p>
+          <a:endParaRPr lang="de-DE"/>
+        </a:p>
+      </dgm:t>
+    </dgm:pt>
+    <dgm:pt modelId="{BBF5FDF9-DFFC-4812-ACBB-83C47312AC25}" type="pres">
+      <dgm:prSet presAssocID="{FF517022-E8A5-401C-BEFF-859908823049}" presName="spNode" presStyleCnt="0"/>
+      <dgm:spPr/>
+    </dgm:pt>
+    <dgm:pt modelId="{E04CC487-1C5B-45B6-8D5E-C8D4066D0943}" type="pres">
+      <dgm:prSet presAssocID="{B14546C0-114D-408B-9FD0-5FFE00C38A13}" presName="sibTrans" presStyleLbl="sibTrans1D1" presStyleIdx="0" presStyleCnt="6"/>
+      <dgm:spPr/>
+    </dgm:pt>
+    <dgm:pt modelId="{0EC62B5A-E703-4913-9127-81806E8ABEC7}" type="pres">
+      <dgm:prSet presAssocID="{8946F9DE-07C3-4686-9856-6B2582DD3106}" presName="node" presStyleLbl="node1" presStyleIdx="1" presStyleCnt="6" custScaleX="141874" custRadScaleRad="107605" custRadScaleInc="43942">
+        <dgm:presLayoutVars>
+          <dgm:bulletEnabled val="1"/>
+        </dgm:presLayoutVars>
+      </dgm:prSet>
+      <dgm:spPr/>
+      <dgm:t>
+        <a:bodyPr/>
+        <a:lstStyle/>
+        <a:p>
+          <a:endParaRPr lang="de-DE"/>
+        </a:p>
+      </dgm:t>
+    </dgm:pt>
+    <dgm:pt modelId="{D289D028-6B23-4048-9E7A-0AB953815F41}" type="pres">
+      <dgm:prSet presAssocID="{8946F9DE-07C3-4686-9856-6B2582DD3106}" presName="spNode" presStyleCnt="0"/>
+      <dgm:spPr/>
+    </dgm:pt>
+    <dgm:pt modelId="{5627CC50-5788-4218-BE49-84D13277FE07}" type="pres">
+      <dgm:prSet presAssocID="{EFAA9E13-0438-42E3-A7FC-26537FB853BC}" presName="sibTrans" presStyleLbl="sibTrans1D1" presStyleIdx="1" presStyleCnt="6"/>
+      <dgm:spPr/>
+    </dgm:pt>
+    <dgm:pt modelId="{7DF9A944-9651-4414-985F-9C465760A763}" type="pres">
+      <dgm:prSet presAssocID="{17393C64-41B8-4541-B793-D79216D0230D}" presName="node" presStyleLbl="node1" presStyleIdx="2" presStyleCnt="6" custScaleX="128693" custRadScaleRad="102747" custRadScaleInc="-78648">
+        <dgm:presLayoutVars>
+          <dgm:bulletEnabled val="1"/>
+        </dgm:presLayoutVars>
+      </dgm:prSet>
+      <dgm:spPr/>
+      <dgm:t>
+        <a:bodyPr/>
+        <a:lstStyle/>
+        <a:p>
+          <a:endParaRPr lang="de-DE"/>
+        </a:p>
+      </dgm:t>
+    </dgm:pt>
+    <dgm:pt modelId="{40E33FF3-03F5-491C-9E74-A6AF4F751A59}" type="pres">
+      <dgm:prSet presAssocID="{17393C64-41B8-4541-B793-D79216D0230D}" presName="spNode" presStyleCnt="0"/>
+      <dgm:spPr/>
+    </dgm:pt>
+    <dgm:pt modelId="{C2088CE8-813B-404D-9C15-5986F4B492B7}" type="pres">
+      <dgm:prSet presAssocID="{256E034F-7A83-4132-AD3E-FC88A31B3171}" presName="sibTrans" presStyleLbl="sibTrans1D1" presStyleIdx="2" presStyleCnt="6"/>
+      <dgm:spPr/>
+    </dgm:pt>
+    <dgm:pt modelId="{51070C73-9ABB-4CBE-BF7F-197499FA4E9F}" type="pres">
+      <dgm:prSet presAssocID="{097DC993-72A3-4244-AFD6-0815E77788A4}" presName="node" presStyleLbl="node1" presStyleIdx="3" presStyleCnt="6" custScaleX="170260" custScaleY="130813" custRadScaleRad="88999" custRadScaleInc="3471">
+        <dgm:presLayoutVars>
+          <dgm:bulletEnabled val="1"/>
+        </dgm:presLayoutVars>
+      </dgm:prSet>
+      <dgm:spPr/>
+      <dgm:t>
+        <a:bodyPr/>
+        <a:lstStyle/>
+        <a:p>
+          <a:endParaRPr lang="de-DE"/>
+        </a:p>
+      </dgm:t>
+    </dgm:pt>
+    <dgm:pt modelId="{17C53291-6AFC-420A-BFB7-15D4E485E34D}" type="pres">
+      <dgm:prSet presAssocID="{097DC993-72A3-4244-AFD6-0815E77788A4}" presName="spNode" presStyleCnt="0"/>
+      <dgm:spPr/>
+    </dgm:pt>
+    <dgm:pt modelId="{0E8FB463-07BE-482A-BC43-61AF7FD595C1}" type="pres">
+      <dgm:prSet presAssocID="{12DBF135-D93E-4E14-AEB2-5C4A533E7B5D}" presName="sibTrans" presStyleLbl="sibTrans1D1" presStyleIdx="3" presStyleCnt="6"/>
+      <dgm:spPr/>
+    </dgm:pt>
+    <dgm:pt modelId="{F289F93E-06E5-4979-920E-3478F87B263A}" type="pres">
+      <dgm:prSet presAssocID="{5B0E89E7-AC0B-4EB0-A717-91ED139CDD67}" presName="node" presStyleLbl="node1" presStyleIdx="4" presStyleCnt="6" custScaleX="155752" custRadScaleRad="94940" custRadScaleInc="72639">
+        <dgm:presLayoutVars>
+          <dgm:bulletEnabled val="1"/>
+        </dgm:presLayoutVars>
+      </dgm:prSet>
+      <dgm:spPr/>
+      <dgm:t>
+        <a:bodyPr/>
+        <a:lstStyle/>
+        <a:p>
+          <a:endParaRPr lang="de-DE"/>
+        </a:p>
+      </dgm:t>
+    </dgm:pt>
+    <dgm:pt modelId="{A5B5E408-8D36-455D-921A-13B641BA8B57}" type="pres">
+      <dgm:prSet presAssocID="{5B0E89E7-AC0B-4EB0-A717-91ED139CDD67}" presName="spNode" presStyleCnt="0"/>
+      <dgm:spPr/>
+    </dgm:pt>
+    <dgm:pt modelId="{92E93751-1EDC-4F0A-98BC-A5C9AA6C1D5F}" type="pres">
+      <dgm:prSet presAssocID="{2D86A2BF-5B6A-4D76-94CC-99797484151B}" presName="sibTrans" presStyleLbl="sibTrans1D1" presStyleIdx="4" presStyleCnt="6"/>
+      <dgm:spPr/>
+    </dgm:pt>
+    <dgm:pt modelId="{06095F51-3C94-4EFF-917D-25EAB90C3F30}" type="pres">
+      <dgm:prSet presAssocID="{D7962C6A-858D-4AB6-AAF5-72BB61C3BCC6}" presName="node" presStyleLbl="node1" presStyleIdx="5" presStyleCnt="6" custScaleX="138416" custRadScaleRad="102617" custRadScaleInc="-38518">
+        <dgm:presLayoutVars>
+          <dgm:bulletEnabled val="1"/>
+        </dgm:presLayoutVars>
+      </dgm:prSet>
+      <dgm:spPr/>
+      <dgm:t>
+        <a:bodyPr/>
+        <a:lstStyle/>
+        <a:p>
+          <a:endParaRPr lang="de-DE"/>
+        </a:p>
+      </dgm:t>
+    </dgm:pt>
+    <dgm:pt modelId="{8B14069D-A9EB-4CED-9AAB-7A5A3E9692F4}" type="pres">
+      <dgm:prSet presAssocID="{D7962C6A-858D-4AB6-AAF5-72BB61C3BCC6}" presName="spNode" presStyleCnt="0"/>
+      <dgm:spPr/>
+    </dgm:pt>
+    <dgm:pt modelId="{21E62269-EC77-4B92-819E-7AD572501D51}" type="pres">
+      <dgm:prSet presAssocID="{477FC51F-3263-43C0-8AF5-0B7CB46EA1BD}" presName="sibTrans" presStyleLbl="sibTrans1D1" presStyleIdx="5" presStyleCnt="6"/>
+      <dgm:spPr/>
+    </dgm:pt>
+  </dgm:ptLst>
+  <dgm:cxnLst>
+    <dgm:cxn modelId="{0AEE111E-0CF7-46B6-B51F-F81DA5D8D01F}" type="presOf" srcId="{D62CCB92-B222-40DF-8910-3148B3994A10}" destId="{51070C73-9ABB-4CBE-BF7F-197499FA4E9F}" srcOrd="0" destOrd="1" presId="urn:microsoft.com/office/officeart/2005/8/layout/cycle5"/>
+    <dgm:cxn modelId="{3AB39C81-ACA0-4389-93FD-F278E26CC96D}" srcId="{9C262D38-C23F-46A9-B2F7-AD02E33616FF}" destId="{8946F9DE-07C3-4686-9856-6B2582DD3106}" srcOrd="1" destOrd="0" parTransId="{975B95CE-EE56-4169-AE2B-9ACD786ED702}" sibTransId="{EFAA9E13-0438-42E3-A7FC-26537FB853BC}"/>
+    <dgm:cxn modelId="{9350CCA3-652E-4BF3-9834-DDA1168358CB}" type="presOf" srcId="{097DC993-72A3-4244-AFD6-0815E77788A4}" destId="{51070C73-9ABB-4CBE-BF7F-197499FA4E9F}" srcOrd="0" destOrd="0" presId="urn:microsoft.com/office/officeart/2005/8/layout/cycle5"/>
+    <dgm:cxn modelId="{7BAC0309-2F85-440B-A73B-E46466658077}" type="presOf" srcId="{256E034F-7A83-4132-AD3E-FC88A31B3171}" destId="{C2088CE8-813B-404D-9C15-5986F4B492B7}" srcOrd="0" destOrd="0" presId="urn:microsoft.com/office/officeart/2005/8/layout/cycle5"/>
+    <dgm:cxn modelId="{7C9F5033-8032-4928-BA9F-5E3EA4B9BF79}" srcId="{097DC993-72A3-4244-AFD6-0815E77788A4}" destId="{ACE2CC2F-AAD9-4D05-8B40-547E3B539AA8}" srcOrd="1" destOrd="0" parTransId="{247F8999-C927-44AD-A8A4-ACF4DF7446C5}" sibTransId="{8B9E9675-B7D5-4D3D-AA5A-60329BC021AC}"/>
+    <dgm:cxn modelId="{DBE0F657-601C-4DD8-A03D-5355C31A7FDF}" type="presOf" srcId="{D7962C6A-858D-4AB6-AAF5-72BB61C3BCC6}" destId="{06095F51-3C94-4EFF-917D-25EAB90C3F30}" srcOrd="0" destOrd="0" presId="urn:microsoft.com/office/officeart/2005/8/layout/cycle5"/>
+    <dgm:cxn modelId="{ECE19E7E-DAB2-4039-85CD-2A4A148F666B}" srcId="{9C262D38-C23F-46A9-B2F7-AD02E33616FF}" destId="{5B0E89E7-AC0B-4EB0-A717-91ED139CDD67}" srcOrd="4" destOrd="0" parTransId="{BA3E99B5-3D07-45F0-9FD6-DBF9FBFAFCB3}" sibTransId="{2D86A2BF-5B6A-4D76-94CC-99797484151B}"/>
+    <dgm:cxn modelId="{24394471-5ADE-4691-8F52-2F36A64596C8}" type="presOf" srcId="{477FC51F-3263-43C0-8AF5-0B7CB46EA1BD}" destId="{21E62269-EC77-4B92-819E-7AD572501D51}" srcOrd="0" destOrd="0" presId="urn:microsoft.com/office/officeart/2005/8/layout/cycle5"/>
+    <dgm:cxn modelId="{8B41DED6-B2BA-4000-9CC0-7E8CC3DEB9EE}" type="presOf" srcId="{5B0E89E7-AC0B-4EB0-A717-91ED139CDD67}" destId="{F289F93E-06E5-4979-920E-3478F87B263A}" srcOrd="0" destOrd="0" presId="urn:microsoft.com/office/officeart/2005/8/layout/cycle5"/>
+    <dgm:cxn modelId="{6749EC41-312E-4702-AE93-417101E72446}" type="presOf" srcId="{12DBF135-D93E-4E14-AEB2-5C4A533E7B5D}" destId="{0E8FB463-07BE-482A-BC43-61AF7FD595C1}" srcOrd="0" destOrd="0" presId="urn:microsoft.com/office/officeart/2005/8/layout/cycle5"/>
+    <dgm:cxn modelId="{866FAEBD-B319-41E9-8E07-12BC3EDA4B0E}" type="presOf" srcId="{FF517022-E8A5-401C-BEFF-859908823049}" destId="{322F2889-427F-4255-96FE-7A663EF3A95F}" srcOrd="0" destOrd="0" presId="urn:microsoft.com/office/officeart/2005/8/layout/cycle5"/>
+    <dgm:cxn modelId="{47A7DB7C-BE0F-4751-A725-2CB710F1F10D}" srcId="{FF517022-E8A5-401C-BEFF-859908823049}" destId="{EA98858B-2958-46B2-B90A-604982431D71}" srcOrd="0" destOrd="0" parTransId="{F0D89781-7E9B-42B4-9C21-DEAE5EC81703}" sibTransId="{4FAAD27D-EE34-40E4-9E67-FFAFB62FB61F}"/>
+    <dgm:cxn modelId="{3E697076-F8A8-4CD1-B192-113D0F0FC04A}" type="presOf" srcId="{ACE2CC2F-AAD9-4D05-8B40-547E3B539AA8}" destId="{51070C73-9ABB-4CBE-BF7F-197499FA4E9F}" srcOrd="0" destOrd="2" presId="urn:microsoft.com/office/officeart/2005/8/layout/cycle5"/>
+    <dgm:cxn modelId="{F4874C69-53D7-4214-A10B-196EA99201CB}" type="presOf" srcId="{EA98858B-2958-46B2-B90A-604982431D71}" destId="{322F2889-427F-4255-96FE-7A663EF3A95F}" srcOrd="0" destOrd="1" presId="urn:microsoft.com/office/officeart/2005/8/layout/cycle5"/>
+    <dgm:cxn modelId="{C247594F-E5B6-4B62-830C-92DEEA205355}" type="presOf" srcId="{EFAA9E13-0438-42E3-A7FC-26537FB853BC}" destId="{5627CC50-5788-4218-BE49-84D13277FE07}" srcOrd="0" destOrd="0" presId="urn:microsoft.com/office/officeart/2005/8/layout/cycle5"/>
+    <dgm:cxn modelId="{A8A36C32-F17B-4246-9A36-013688B8CADE}" type="presOf" srcId="{17393C64-41B8-4541-B793-D79216D0230D}" destId="{7DF9A944-9651-4414-985F-9C465760A763}" srcOrd="0" destOrd="0" presId="urn:microsoft.com/office/officeart/2005/8/layout/cycle5"/>
+    <dgm:cxn modelId="{314F8DD0-0B29-4706-8EEE-BAAFD74FBEB6}" srcId="{097DC993-72A3-4244-AFD6-0815E77788A4}" destId="{D62CCB92-B222-40DF-8910-3148B3994A10}" srcOrd="0" destOrd="0" parTransId="{D152CB20-4ABC-4DDA-A92D-C16D4F2B7CD2}" sibTransId="{57CDC721-343F-44D8-90E2-558FDBF3070C}"/>
+    <dgm:cxn modelId="{F2047F85-9621-4FCB-B383-604EB64D5252}" srcId="{FF517022-E8A5-401C-BEFF-859908823049}" destId="{EAE6104A-0D3A-40D0-B9AA-3C115D31E63D}" srcOrd="1" destOrd="0" parTransId="{DF429748-4078-437E-91B8-F006D4A71A50}" sibTransId="{82834DA9-4A09-4E78-B60B-A67DACB77507}"/>
+    <dgm:cxn modelId="{8E92716F-26B5-48CB-9A00-5C3373317CD3}" type="presOf" srcId="{8946F9DE-07C3-4686-9856-6B2582DD3106}" destId="{0EC62B5A-E703-4913-9127-81806E8ABEC7}" srcOrd="0" destOrd="0" presId="urn:microsoft.com/office/officeart/2005/8/layout/cycle5"/>
+    <dgm:cxn modelId="{2F84FA07-936E-4B7E-A03B-A194E9052312}" type="presOf" srcId="{B14546C0-114D-408B-9FD0-5FFE00C38A13}" destId="{E04CC487-1C5B-45B6-8D5E-C8D4066D0943}" srcOrd="0" destOrd="0" presId="urn:microsoft.com/office/officeart/2005/8/layout/cycle5"/>
+    <dgm:cxn modelId="{F148F9A0-762A-46AE-82B5-003BC8579357}" srcId="{9C262D38-C23F-46A9-B2F7-AD02E33616FF}" destId="{FF517022-E8A5-401C-BEFF-859908823049}" srcOrd="0" destOrd="0" parTransId="{DA34CBC9-6E5B-4881-9037-B6C720FFA15E}" sibTransId="{B14546C0-114D-408B-9FD0-5FFE00C38A13}"/>
+    <dgm:cxn modelId="{865AAAEF-C0D8-4B99-8355-9BA75E218C62}" srcId="{9C262D38-C23F-46A9-B2F7-AD02E33616FF}" destId="{17393C64-41B8-4541-B793-D79216D0230D}" srcOrd="2" destOrd="0" parTransId="{3C0033BF-238A-4AAE-BE08-3C2F777F0BAB}" sibTransId="{256E034F-7A83-4132-AD3E-FC88A31B3171}"/>
+    <dgm:cxn modelId="{6F7BB68A-0B71-491E-8D6E-DC8B76730EB3}" type="presOf" srcId="{9C262D38-C23F-46A9-B2F7-AD02E33616FF}" destId="{ADCC66F3-B14D-44B1-8B1E-5A57D0293F83}" srcOrd="0" destOrd="0" presId="urn:microsoft.com/office/officeart/2005/8/layout/cycle5"/>
+    <dgm:cxn modelId="{BC416615-A145-46B5-BFA3-B5DC7DB689E8}" srcId="{9C262D38-C23F-46A9-B2F7-AD02E33616FF}" destId="{097DC993-72A3-4244-AFD6-0815E77788A4}" srcOrd="3" destOrd="0" parTransId="{A9F536AC-C72D-492A-AE1B-9C1C204A8896}" sibTransId="{12DBF135-D93E-4E14-AEB2-5C4A533E7B5D}"/>
+    <dgm:cxn modelId="{521A4830-26D1-4BA7-AC54-7A0EEFE775FD}" type="presOf" srcId="{EAE6104A-0D3A-40D0-B9AA-3C115D31E63D}" destId="{322F2889-427F-4255-96FE-7A663EF3A95F}" srcOrd="0" destOrd="2" presId="urn:microsoft.com/office/officeart/2005/8/layout/cycle5"/>
+    <dgm:cxn modelId="{2BD4F86B-4469-454E-86A1-0BABCC4E1081}" srcId="{9C262D38-C23F-46A9-B2F7-AD02E33616FF}" destId="{D7962C6A-858D-4AB6-AAF5-72BB61C3BCC6}" srcOrd="5" destOrd="0" parTransId="{D726EDDA-5EDB-4813-8144-3C7BAC923A21}" sibTransId="{477FC51F-3263-43C0-8AF5-0B7CB46EA1BD}"/>
+    <dgm:cxn modelId="{92C98818-1344-408C-BB49-BB4B253A5100}" type="presOf" srcId="{2D86A2BF-5B6A-4D76-94CC-99797484151B}" destId="{92E93751-1EDC-4F0A-98BC-A5C9AA6C1D5F}" srcOrd="0" destOrd="0" presId="urn:microsoft.com/office/officeart/2005/8/layout/cycle5"/>
+    <dgm:cxn modelId="{801764BC-29FB-4785-96D9-841BC3CBC9A2}" type="presParOf" srcId="{ADCC66F3-B14D-44B1-8B1E-5A57D0293F83}" destId="{322F2889-427F-4255-96FE-7A663EF3A95F}" srcOrd="0" destOrd="0" presId="urn:microsoft.com/office/officeart/2005/8/layout/cycle5"/>
+    <dgm:cxn modelId="{5CD37A18-92DD-4ACF-BC50-73AE0766C367}" type="presParOf" srcId="{ADCC66F3-B14D-44B1-8B1E-5A57D0293F83}" destId="{BBF5FDF9-DFFC-4812-ACBB-83C47312AC25}" srcOrd="1" destOrd="0" presId="urn:microsoft.com/office/officeart/2005/8/layout/cycle5"/>
+    <dgm:cxn modelId="{2589A008-D537-4A14-9AA3-9F201D07A230}" type="presParOf" srcId="{ADCC66F3-B14D-44B1-8B1E-5A57D0293F83}" destId="{E04CC487-1C5B-45B6-8D5E-C8D4066D0943}" srcOrd="2" destOrd="0" presId="urn:microsoft.com/office/officeart/2005/8/layout/cycle5"/>
+    <dgm:cxn modelId="{2BBACDC8-6261-48B8-832C-4BD97C485FB1}" type="presParOf" srcId="{ADCC66F3-B14D-44B1-8B1E-5A57D0293F83}" destId="{0EC62B5A-E703-4913-9127-81806E8ABEC7}" srcOrd="3" destOrd="0" presId="urn:microsoft.com/office/officeart/2005/8/layout/cycle5"/>
+    <dgm:cxn modelId="{2521EFFC-DC78-4560-9216-B92AF8DFE995}" type="presParOf" srcId="{ADCC66F3-B14D-44B1-8B1E-5A57D0293F83}" destId="{D289D028-6B23-4048-9E7A-0AB953815F41}" srcOrd="4" destOrd="0" presId="urn:microsoft.com/office/officeart/2005/8/layout/cycle5"/>
+    <dgm:cxn modelId="{BEB8AA86-7C04-49E5-B115-03875053B812}" type="presParOf" srcId="{ADCC66F3-B14D-44B1-8B1E-5A57D0293F83}" destId="{5627CC50-5788-4218-BE49-84D13277FE07}" srcOrd="5" destOrd="0" presId="urn:microsoft.com/office/officeart/2005/8/layout/cycle5"/>
+    <dgm:cxn modelId="{370F77CE-70ED-4D6F-BFBB-C851920EC482}" type="presParOf" srcId="{ADCC66F3-B14D-44B1-8B1E-5A57D0293F83}" destId="{7DF9A944-9651-4414-985F-9C465760A763}" srcOrd="6" destOrd="0" presId="urn:microsoft.com/office/officeart/2005/8/layout/cycle5"/>
+    <dgm:cxn modelId="{42D7DE7A-49CD-423D-8FC6-23B867DCA525}" type="presParOf" srcId="{ADCC66F3-B14D-44B1-8B1E-5A57D0293F83}" destId="{40E33FF3-03F5-491C-9E74-A6AF4F751A59}" srcOrd="7" destOrd="0" presId="urn:microsoft.com/office/officeart/2005/8/layout/cycle5"/>
+    <dgm:cxn modelId="{D44184C7-43A1-449B-BDA5-395BC726C485}" type="presParOf" srcId="{ADCC66F3-B14D-44B1-8B1E-5A57D0293F83}" destId="{C2088CE8-813B-404D-9C15-5986F4B492B7}" srcOrd="8" destOrd="0" presId="urn:microsoft.com/office/officeart/2005/8/layout/cycle5"/>
+    <dgm:cxn modelId="{E2DC4E60-0028-4D99-A93C-C9BEF6B6A789}" type="presParOf" srcId="{ADCC66F3-B14D-44B1-8B1E-5A57D0293F83}" destId="{51070C73-9ABB-4CBE-BF7F-197499FA4E9F}" srcOrd="9" destOrd="0" presId="urn:microsoft.com/office/officeart/2005/8/layout/cycle5"/>
+    <dgm:cxn modelId="{3F78706F-5F73-4795-A6EA-3DA724DB2C05}" type="presParOf" srcId="{ADCC66F3-B14D-44B1-8B1E-5A57D0293F83}" destId="{17C53291-6AFC-420A-BFB7-15D4E485E34D}" srcOrd="10" destOrd="0" presId="urn:microsoft.com/office/officeart/2005/8/layout/cycle5"/>
+    <dgm:cxn modelId="{5D601BCC-93A9-498E-BF17-A73974EF0AD6}" type="presParOf" srcId="{ADCC66F3-B14D-44B1-8B1E-5A57D0293F83}" destId="{0E8FB463-07BE-482A-BC43-61AF7FD595C1}" srcOrd="11" destOrd="0" presId="urn:microsoft.com/office/officeart/2005/8/layout/cycle5"/>
+    <dgm:cxn modelId="{87C5105B-7A1D-47B3-BF50-0F1791180501}" type="presParOf" srcId="{ADCC66F3-B14D-44B1-8B1E-5A57D0293F83}" destId="{F289F93E-06E5-4979-920E-3478F87B263A}" srcOrd="12" destOrd="0" presId="urn:microsoft.com/office/officeart/2005/8/layout/cycle5"/>
+    <dgm:cxn modelId="{3D3F4964-3805-4B82-B828-C4B118FA8E68}" type="presParOf" srcId="{ADCC66F3-B14D-44B1-8B1E-5A57D0293F83}" destId="{A5B5E408-8D36-455D-921A-13B641BA8B57}" srcOrd="13" destOrd="0" presId="urn:microsoft.com/office/officeart/2005/8/layout/cycle5"/>
+    <dgm:cxn modelId="{544E077F-A6D2-455B-8885-85DEBDE648F6}" type="presParOf" srcId="{ADCC66F3-B14D-44B1-8B1E-5A57D0293F83}" destId="{92E93751-1EDC-4F0A-98BC-A5C9AA6C1D5F}" srcOrd="14" destOrd="0" presId="urn:microsoft.com/office/officeart/2005/8/layout/cycle5"/>
+    <dgm:cxn modelId="{554841CA-3792-460A-BC2F-F566CACD51A1}" type="presParOf" srcId="{ADCC66F3-B14D-44B1-8B1E-5A57D0293F83}" destId="{06095F51-3C94-4EFF-917D-25EAB90C3F30}" srcOrd="15" destOrd="0" presId="urn:microsoft.com/office/officeart/2005/8/layout/cycle5"/>
+    <dgm:cxn modelId="{A8BB4773-97C5-4990-B5E2-7F5A4CB6B2CA}" type="presParOf" srcId="{ADCC66F3-B14D-44B1-8B1E-5A57D0293F83}" destId="{8B14069D-A9EB-4CED-9AAB-7A5A3E9692F4}" srcOrd="16" destOrd="0" presId="urn:microsoft.com/office/officeart/2005/8/layout/cycle5"/>
+    <dgm:cxn modelId="{613BDC87-E116-466F-BE7A-320025F6EF94}" type="presParOf" srcId="{ADCC66F3-B14D-44B1-8B1E-5A57D0293F83}" destId="{21E62269-EC77-4B92-819E-7AD572501D51}" srcOrd="17" destOrd="0" presId="urn:microsoft.com/office/officeart/2005/8/layout/cycle5"/>
+  </dgm:cxnLst>
+  <dgm:bg/>
+  <dgm:whole/>
+  <dgm:extLst>
+    <a:ext uri="http://schemas.microsoft.com/office/drawing/2008/diagram">
+      <dsp:dataModelExt xmlns:dsp="http://schemas.microsoft.com/office/drawing/2008/diagram" xmlns="" relId="rId9" minVer="http://schemas.openxmlformats.org/drawingml/2006/diagram"/>
+    </a:ext>
+  </dgm:extLst>
+</dgm:dataModel>
+</file>
+
+<file path=ppt/diagrams/data2.xml><?xml version="1.0" encoding="utf-8"?>
+<dgm:dataModel xmlns:dgm="http://schemas.openxmlformats.org/drawingml/2006/diagram" xmlns:a="http://schemas.openxmlformats.org/drawingml/2006/main">
+  <dgm:ptLst>
+    <dgm:pt modelId="{F6E47ECC-1CC7-4BF8-A40F-F7C26A4BFA09}" type="doc">
+      <dgm:prSet loTypeId="urn:microsoft.com/office/officeart/2005/8/layout/process5" loCatId="process" qsTypeId="urn:microsoft.com/office/officeart/2005/8/quickstyle/3d3" qsCatId="3D" csTypeId="urn:microsoft.com/office/officeart/2005/8/colors/accent2_2" csCatId="accent2" phldr="1"/>
+      <dgm:spPr/>
+    </dgm:pt>
+    <dgm:pt modelId="{D9C1DE2A-C919-439D-83D8-65D74A775FB6}">
+      <dgm:prSet phldrT="[Text]" custT="1"/>
+      <dgm:spPr/>
+      <dgm:t>
+        <a:bodyPr/>
+        <a:lstStyle/>
+        <a:p>
+          <a:r>
+            <a:rPr lang="de-DE" sz="1600" dirty="0" smtClean="0"/>
+            <a:t>Hindernis im Sichtfeld der Kamera</a:t>
+          </a:r>
+          <a:endParaRPr lang="de-DE" sz="1600" dirty="0"/>
+        </a:p>
+      </dgm:t>
+    </dgm:pt>
+    <dgm:pt modelId="{24F33364-C041-4A46-9A2C-3365A4B35E4A}" type="parTrans" cxnId="{6BBD4478-0FC8-4791-837D-3B86DC444DFA}">
+      <dgm:prSet/>
+      <dgm:spPr/>
+      <dgm:t>
+        <a:bodyPr/>
+        <a:lstStyle/>
+        <a:p>
+          <a:endParaRPr lang="de-DE" sz="1600"/>
+        </a:p>
+      </dgm:t>
+    </dgm:pt>
+    <dgm:pt modelId="{0A5440AC-4116-4C27-9264-16AACB669E12}" type="sibTrans" cxnId="{6BBD4478-0FC8-4791-837D-3B86DC444DFA}">
+      <dgm:prSet custT="1"/>
+      <dgm:spPr/>
+      <dgm:t>
+        <a:bodyPr/>
+        <a:lstStyle/>
+        <a:p>
+          <a:endParaRPr lang="de-DE" sz="2000"/>
+        </a:p>
+      </dgm:t>
+    </dgm:pt>
+    <dgm:pt modelId="{6883C271-93CE-4F53-B3DB-E78414E06855}">
+      <dgm:prSet phldrT="[Text]" custT="1"/>
+      <dgm:spPr/>
+      <dgm:t>
+        <a:bodyPr/>
+        <a:lstStyle/>
+        <a:p>
+          <a:r>
+            <a:rPr lang="de-DE" sz="1600" dirty="0" smtClean="0"/>
+            <a:t>Vergleich der Position von Hindernis und Fahrspur</a:t>
+          </a:r>
+          <a:endParaRPr lang="de-DE" sz="1600" dirty="0"/>
+        </a:p>
+      </dgm:t>
+    </dgm:pt>
+    <dgm:pt modelId="{64D99E33-9629-4119-A130-DF85747D2256}" type="parTrans" cxnId="{A9D5091A-B7FB-49D9-9E39-33E16E32D6E5}">
+      <dgm:prSet/>
+      <dgm:spPr/>
+      <dgm:t>
+        <a:bodyPr/>
+        <a:lstStyle/>
+        <a:p>
+          <a:endParaRPr lang="de-DE" sz="1600"/>
+        </a:p>
+      </dgm:t>
+    </dgm:pt>
+    <dgm:pt modelId="{FE6047D0-FF2D-42A2-B389-DB220F2BDF26}" type="sibTrans" cxnId="{A9D5091A-B7FB-49D9-9E39-33E16E32D6E5}">
+      <dgm:prSet custT="1"/>
+      <dgm:spPr/>
+      <dgm:t>
+        <a:bodyPr/>
+        <a:lstStyle/>
+        <a:p>
+          <a:endParaRPr lang="de-DE" sz="2000"/>
+        </a:p>
+      </dgm:t>
+    </dgm:pt>
+    <dgm:pt modelId="{D2E27AEE-DE18-437E-8ED4-085C407B02F4}">
+      <dgm:prSet phldrT="[Text]" custT="1"/>
+      <dgm:spPr/>
+      <dgm:t>
+        <a:bodyPr/>
+        <a:lstStyle/>
+        <a:p>
+          <a:r>
+            <a:rPr lang="de-DE" sz="1600" dirty="0" smtClean="0"/>
+            <a:t>Wenn Hindernis auf Fahrspur: Einleitung </a:t>
+          </a:r>
+          <a:r>
+            <a:rPr lang="de-DE" sz="1600" smtClean="0"/>
+            <a:t>des Spurwechsels</a:t>
+          </a:r>
+          <a:endParaRPr lang="de-DE" sz="1600" dirty="0"/>
+        </a:p>
+      </dgm:t>
+    </dgm:pt>
+    <dgm:pt modelId="{6C0F99BB-1AE8-491E-9E77-BB81EC71D0A5}" type="parTrans" cxnId="{26DB8064-CA9A-49BF-B110-4A1EB040AF44}">
+      <dgm:prSet/>
+      <dgm:spPr/>
+      <dgm:t>
+        <a:bodyPr/>
+        <a:lstStyle/>
+        <a:p>
+          <a:endParaRPr lang="de-DE" sz="1600"/>
+        </a:p>
+      </dgm:t>
+    </dgm:pt>
+    <dgm:pt modelId="{AF275174-F4D7-4107-9340-9F31FFAE84C6}" type="sibTrans" cxnId="{26DB8064-CA9A-49BF-B110-4A1EB040AF44}">
+      <dgm:prSet custT="1"/>
+      <dgm:spPr/>
+      <dgm:t>
+        <a:bodyPr/>
+        <a:lstStyle/>
+        <a:p>
+          <a:endParaRPr lang="de-DE" sz="2000"/>
+        </a:p>
+      </dgm:t>
+    </dgm:pt>
+    <dgm:pt modelId="{7D600DAC-9587-44B5-AA91-D1DB1E8AF259}">
+      <dgm:prSet custT="1"/>
+      <dgm:spPr/>
+      <dgm:t>
+        <a:bodyPr/>
+        <a:lstStyle/>
+        <a:p>
+          <a:r>
+            <a:rPr lang="de-DE" sz="1600" dirty="0" smtClean="0"/>
+            <a:t>Maximaler Lenkeinschlag in die gewünschte Richtung</a:t>
+          </a:r>
+          <a:endParaRPr lang="de-DE" sz="1600" dirty="0"/>
+        </a:p>
+      </dgm:t>
+    </dgm:pt>
+    <dgm:pt modelId="{DD3CB5CF-4595-4EEC-846B-6102664F2F05}" type="sibTrans" cxnId="{F8FCC4ED-399C-4EBC-8501-E7E94B934A37}">
+      <dgm:prSet/>
+      <dgm:spPr/>
+      <dgm:t>
+        <a:bodyPr/>
+        <a:lstStyle/>
+        <a:p>
+          <a:endParaRPr lang="de-DE" sz="1600"/>
+        </a:p>
+      </dgm:t>
+    </dgm:pt>
+    <dgm:pt modelId="{C6630763-DE36-4591-8A63-8451E61C4B79}" type="parTrans" cxnId="{F8FCC4ED-399C-4EBC-8501-E7E94B934A37}">
+      <dgm:prSet/>
+      <dgm:spPr/>
+      <dgm:t>
+        <a:bodyPr/>
+        <a:lstStyle/>
+        <a:p>
+          <a:endParaRPr lang="de-DE" sz="1600"/>
+        </a:p>
+      </dgm:t>
+    </dgm:pt>
+    <dgm:pt modelId="{BA46942A-95B1-4525-A038-6C19F1DA6537}">
+      <dgm:prSet custT="1"/>
+      <dgm:spPr/>
+      <dgm:t>
+        <a:bodyPr/>
+        <a:lstStyle/>
+        <a:p>
+          <a:r>
+            <a:rPr lang="de-DE" sz="1600" dirty="0" smtClean="0"/>
+            <a:t>Kurzzeitige Umschaltung auf aggressiveren Regler</a:t>
+          </a:r>
+          <a:endParaRPr lang="de-DE" sz="1600" dirty="0"/>
+        </a:p>
+      </dgm:t>
+    </dgm:pt>
+    <dgm:pt modelId="{F92269B3-4B49-4BEA-BE93-2AC05ED4A544}" type="parTrans" cxnId="{47CCF4E1-A68F-439A-BB94-DD05FAF1E159}">
+      <dgm:prSet/>
+      <dgm:spPr/>
+      <dgm:t>
+        <a:bodyPr/>
+        <a:lstStyle/>
+        <a:p>
+          <a:endParaRPr lang="de-DE"/>
+        </a:p>
+      </dgm:t>
+    </dgm:pt>
+    <dgm:pt modelId="{7762B7C6-4F36-4B61-B445-F6FF0509CF25}" type="sibTrans" cxnId="{47CCF4E1-A68F-439A-BB94-DD05FAF1E159}">
+      <dgm:prSet/>
+      <dgm:spPr/>
+      <dgm:t>
+        <a:bodyPr/>
+        <a:lstStyle/>
+        <a:p>
+          <a:endParaRPr lang="de-DE"/>
+        </a:p>
+      </dgm:t>
+    </dgm:pt>
+    <dgm:pt modelId="{685F4625-0840-46FA-B858-0C8623E3CC8D}">
+      <dgm:prSet custT="1"/>
+      <dgm:spPr/>
+      <dgm:t>
+        <a:bodyPr/>
+        <a:lstStyle/>
+        <a:p>
+          <a:r>
+            <a:rPr lang="de-DE" sz="1600" dirty="0" smtClean="0"/>
+            <a:t>Umschaltung auf Standardregler</a:t>
+          </a:r>
+          <a:endParaRPr lang="de-DE" sz="1600" dirty="0"/>
+        </a:p>
+      </dgm:t>
+    </dgm:pt>
+    <dgm:pt modelId="{7D57000E-778C-4CFD-B686-F2117CC1C858}" type="parTrans" cxnId="{BF074302-ADFE-4998-83F4-B5B8D4077EC4}">
+      <dgm:prSet/>
+      <dgm:spPr/>
+      <dgm:t>
+        <a:bodyPr/>
+        <a:lstStyle/>
+        <a:p>
+          <a:endParaRPr lang="de-DE"/>
+        </a:p>
+      </dgm:t>
+    </dgm:pt>
+    <dgm:pt modelId="{067EF79F-A2B5-4E85-B591-BE8A5BA165D0}" type="sibTrans" cxnId="{BF074302-ADFE-4998-83F4-B5B8D4077EC4}">
+      <dgm:prSet/>
+      <dgm:spPr/>
+      <dgm:t>
+        <a:bodyPr/>
+        <a:lstStyle/>
+        <a:p>
+          <a:endParaRPr lang="de-DE"/>
+        </a:p>
+      </dgm:t>
+    </dgm:pt>
+    <dgm:pt modelId="{B40BC887-7121-4751-9ED6-13E8470945BB}" type="pres">
+      <dgm:prSet presAssocID="{F6E47ECC-1CC7-4BF8-A40F-F7C26A4BFA09}" presName="diagram" presStyleCnt="0">
+        <dgm:presLayoutVars>
+          <dgm:dir/>
+          <dgm:resizeHandles val="exact"/>
+        </dgm:presLayoutVars>
+      </dgm:prSet>
+      <dgm:spPr/>
+    </dgm:pt>
+    <dgm:pt modelId="{F750DCCB-0DB3-4943-9436-F897320A4A5D}" type="pres">
+      <dgm:prSet presAssocID="{D9C1DE2A-C919-439D-83D8-65D74A775FB6}" presName="node" presStyleLbl="node1" presStyleIdx="0" presStyleCnt="6" custScaleX="63401" custScaleY="70028" custLinFactNeighborX="-34860" custLinFactNeighborY="-2654">
+        <dgm:presLayoutVars>
+          <dgm:bulletEnabled val="1"/>
+        </dgm:presLayoutVars>
+      </dgm:prSet>
+      <dgm:spPr/>
+    </dgm:pt>
+    <dgm:pt modelId="{07284E07-4408-4BF2-9E53-8B0D5A353C3A}" type="pres">
+      <dgm:prSet presAssocID="{0A5440AC-4116-4C27-9264-16AACB669E12}" presName="sibTrans" presStyleLbl="sibTrans2D1" presStyleIdx="0" presStyleCnt="5"/>
+      <dgm:spPr/>
+    </dgm:pt>
+    <dgm:pt modelId="{F8FFB6C0-E03E-4022-8398-9AFF5BF916E4}" type="pres">
+      <dgm:prSet presAssocID="{0A5440AC-4116-4C27-9264-16AACB669E12}" presName="connectorText" presStyleLbl="sibTrans2D1" presStyleIdx="0" presStyleCnt="5"/>
+      <dgm:spPr/>
+    </dgm:pt>
+    <dgm:pt modelId="{EB0F924E-08B8-4496-8F7C-D75A9D314B30}" type="pres">
+      <dgm:prSet presAssocID="{6883C271-93CE-4F53-B3DB-E78414E06855}" presName="node" presStyleLbl="node1" presStyleIdx="1" presStyleCnt="6" custScaleX="102074" custScaleY="73700" custLinFactNeighborX="-11371" custLinFactNeighborY="-818">
+        <dgm:presLayoutVars>
+          <dgm:bulletEnabled val="1"/>
+        </dgm:presLayoutVars>
+      </dgm:prSet>
+      <dgm:spPr/>
+    </dgm:pt>
+    <dgm:pt modelId="{87601AF7-0F9F-46ED-B4EE-1B62860D4BA5}" type="pres">
+      <dgm:prSet presAssocID="{FE6047D0-FF2D-42A2-B389-DB220F2BDF26}" presName="sibTrans" presStyleLbl="sibTrans2D1" presStyleIdx="1" presStyleCnt="5"/>
+      <dgm:spPr/>
+    </dgm:pt>
+    <dgm:pt modelId="{8EE4ED0A-418E-4458-84B0-1C7F6B4889D0}" type="pres">
+      <dgm:prSet presAssocID="{FE6047D0-FF2D-42A2-B389-DB220F2BDF26}" presName="connectorText" presStyleLbl="sibTrans2D1" presStyleIdx="1" presStyleCnt="5"/>
+      <dgm:spPr/>
+    </dgm:pt>
+    <dgm:pt modelId="{3ECB9AC3-8324-4FBC-8785-044F1DD81182}" type="pres">
+      <dgm:prSet presAssocID="{D2E27AEE-DE18-437E-8ED4-085C407B02F4}" presName="node" presStyleLbl="node1" presStyleIdx="2" presStyleCnt="6" custScaleY="80152" custLinFactNeighborX="-3780" custLinFactNeighborY="-3015">
+        <dgm:presLayoutVars>
+          <dgm:bulletEnabled val="1"/>
+        </dgm:presLayoutVars>
+      </dgm:prSet>
+      <dgm:spPr/>
+      <dgm:t>
+        <a:bodyPr/>
+        <a:lstStyle/>
+        <a:p>
+          <a:endParaRPr lang="de-DE"/>
+        </a:p>
+      </dgm:t>
+    </dgm:pt>
+    <dgm:pt modelId="{57D1F035-83D0-404D-822E-A0E9FF1B02F1}" type="pres">
+      <dgm:prSet presAssocID="{AF275174-F4D7-4107-9340-9F31FFAE84C6}" presName="sibTrans" presStyleLbl="sibTrans2D1" presStyleIdx="2" presStyleCnt="5"/>
+      <dgm:spPr/>
+    </dgm:pt>
+    <dgm:pt modelId="{B064BFA8-682D-4757-ADFC-2CABBAA0A8B1}" type="pres">
+      <dgm:prSet presAssocID="{AF275174-F4D7-4107-9340-9F31FFAE84C6}" presName="connectorText" presStyleLbl="sibTrans2D1" presStyleIdx="2" presStyleCnt="5"/>
+      <dgm:spPr/>
+    </dgm:pt>
+    <dgm:pt modelId="{0C959095-7882-4471-98AD-EDED72A06E2D}" type="pres">
+      <dgm:prSet presAssocID="{7D600DAC-9587-44B5-AA91-D1DB1E8AF259}" presName="node" presStyleLbl="node1" presStyleIdx="3" presStyleCnt="6" custScaleY="80325" custLinFactNeighborX="-3780" custLinFactNeighborY="-25113">
+        <dgm:presLayoutVars>
+          <dgm:bulletEnabled val="1"/>
+        </dgm:presLayoutVars>
+      </dgm:prSet>
+      <dgm:spPr/>
+      <dgm:t>
+        <a:bodyPr/>
+        <a:lstStyle/>
+        <a:p>
+          <a:endParaRPr lang="de-DE"/>
+        </a:p>
+      </dgm:t>
+    </dgm:pt>
+    <dgm:pt modelId="{C187702E-51EF-4FC5-95AA-90B3C81FA086}" type="pres">
+      <dgm:prSet presAssocID="{DD3CB5CF-4595-4EEC-846B-6102664F2F05}" presName="sibTrans" presStyleLbl="sibTrans2D1" presStyleIdx="3" presStyleCnt="5"/>
+      <dgm:spPr/>
+    </dgm:pt>
+    <dgm:pt modelId="{CAFDA7F7-B46C-4359-A129-AB4E2CE5A598}" type="pres">
+      <dgm:prSet presAssocID="{DD3CB5CF-4595-4EEC-846B-6102664F2F05}" presName="connectorText" presStyleLbl="sibTrans2D1" presStyleIdx="3" presStyleCnt="5"/>
+      <dgm:spPr/>
+    </dgm:pt>
+    <dgm:pt modelId="{FAC03DC4-EE0B-4F48-810D-D7D90D29CDA7}" type="pres">
+      <dgm:prSet presAssocID="{BA46942A-95B1-4525-A038-6C19F1DA6537}" presName="node" presStyleLbl="node1" presStyleIdx="4" presStyleCnt="6" custScaleY="77420" custLinFactNeighborX="-3684" custLinFactNeighborY="-26565">
+        <dgm:presLayoutVars>
+          <dgm:bulletEnabled val="1"/>
+        </dgm:presLayoutVars>
+      </dgm:prSet>
+      <dgm:spPr/>
+      <dgm:t>
+        <a:bodyPr/>
+        <a:lstStyle/>
+        <a:p>
+          <a:endParaRPr lang="de-DE"/>
+        </a:p>
+      </dgm:t>
+    </dgm:pt>
+    <dgm:pt modelId="{B11A5A4A-6892-4B2E-B725-ECE29BCF5F77}" type="pres">
+      <dgm:prSet presAssocID="{7762B7C6-4F36-4B61-B445-F6FF0509CF25}" presName="sibTrans" presStyleLbl="sibTrans2D1" presStyleIdx="4" presStyleCnt="5"/>
+      <dgm:spPr/>
+    </dgm:pt>
+    <dgm:pt modelId="{4CD77A7A-0F40-4ABE-A7EB-ED19FB09158A}" type="pres">
+      <dgm:prSet presAssocID="{7762B7C6-4F36-4B61-B445-F6FF0509CF25}" presName="connectorText" presStyleLbl="sibTrans2D1" presStyleIdx="4" presStyleCnt="5"/>
+      <dgm:spPr/>
+    </dgm:pt>
+    <dgm:pt modelId="{25B326A3-A87D-4B61-8CBD-2F11BDEA96BC}" type="pres">
+      <dgm:prSet presAssocID="{685F4625-0840-46FA-B858-0C8623E3CC8D}" presName="node" presStyleLbl="node1" presStyleIdx="5" presStyleCnt="6" custScaleY="75395" custLinFactNeighborX="-335" custLinFactNeighborY="-27578">
+        <dgm:presLayoutVars>
+          <dgm:bulletEnabled val="1"/>
+        </dgm:presLayoutVars>
+      </dgm:prSet>
+      <dgm:spPr/>
+    </dgm:pt>
+  </dgm:ptLst>
+  <dgm:cxnLst>
+    <dgm:cxn modelId="{F8FCC4ED-399C-4EBC-8501-E7E94B934A37}" srcId="{F6E47ECC-1CC7-4BF8-A40F-F7C26A4BFA09}" destId="{7D600DAC-9587-44B5-AA91-D1DB1E8AF259}" srcOrd="3" destOrd="0" parTransId="{C6630763-DE36-4591-8A63-8451E61C4B79}" sibTransId="{DD3CB5CF-4595-4EEC-846B-6102664F2F05}"/>
+    <dgm:cxn modelId="{BF074302-ADFE-4998-83F4-B5B8D4077EC4}" srcId="{F6E47ECC-1CC7-4BF8-A40F-F7C26A4BFA09}" destId="{685F4625-0840-46FA-B858-0C8623E3CC8D}" srcOrd="5" destOrd="0" parTransId="{7D57000E-778C-4CFD-B686-F2117CC1C858}" sibTransId="{067EF79F-A2B5-4E85-B591-BE8A5BA165D0}"/>
+    <dgm:cxn modelId="{5D1DC38D-36E9-4345-9BDA-5F37D04D90AB}" type="presOf" srcId="{FE6047D0-FF2D-42A2-B389-DB220F2BDF26}" destId="{87601AF7-0F9F-46ED-B4EE-1B62860D4BA5}" srcOrd="0" destOrd="0" presId="urn:microsoft.com/office/officeart/2005/8/layout/process5"/>
+    <dgm:cxn modelId="{D877C6B4-A0E6-4AC1-AF28-FDA315E921DB}" type="presOf" srcId="{FE6047D0-FF2D-42A2-B389-DB220F2BDF26}" destId="{8EE4ED0A-418E-4458-84B0-1C7F6B4889D0}" srcOrd="1" destOrd="0" presId="urn:microsoft.com/office/officeart/2005/8/layout/process5"/>
+    <dgm:cxn modelId="{6BBD4478-0FC8-4791-837D-3B86DC444DFA}" srcId="{F6E47ECC-1CC7-4BF8-A40F-F7C26A4BFA09}" destId="{D9C1DE2A-C919-439D-83D8-65D74A775FB6}" srcOrd="0" destOrd="0" parTransId="{24F33364-C041-4A46-9A2C-3365A4B35E4A}" sibTransId="{0A5440AC-4116-4C27-9264-16AACB669E12}"/>
+    <dgm:cxn modelId="{47CCF4E1-A68F-439A-BB94-DD05FAF1E159}" srcId="{F6E47ECC-1CC7-4BF8-A40F-F7C26A4BFA09}" destId="{BA46942A-95B1-4525-A038-6C19F1DA6537}" srcOrd="4" destOrd="0" parTransId="{F92269B3-4B49-4BEA-BE93-2AC05ED4A544}" sibTransId="{7762B7C6-4F36-4B61-B445-F6FF0509CF25}"/>
+    <dgm:cxn modelId="{A9D5091A-B7FB-49D9-9E39-33E16E32D6E5}" srcId="{F6E47ECC-1CC7-4BF8-A40F-F7C26A4BFA09}" destId="{6883C271-93CE-4F53-B3DB-E78414E06855}" srcOrd="1" destOrd="0" parTransId="{64D99E33-9629-4119-A130-DF85747D2256}" sibTransId="{FE6047D0-FF2D-42A2-B389-DB220F2BDF26}"/>
+    <dgm:cxn modelId="{2D69BF81-3E5F-4B08-8400-18604264860E}" type="presOf" srcId="{7762B7C6-4F36-4B61-B445-F6FF0509CF25}" destId="{4CD77A7A-0F40-4ABE-A7EB-ED19FB09158A}" srcOrd="1" destOrd="0" presId="urn:microsoft.com/office/officeart/2005/8/layout/process5"/>
+    <dgm:cxn modelId="{1B9E96C9-9538-4A4B-916B-D10B947B15ED}" type="presOf" srcId="{685F4625-0840-46FA-B858-0C8623E3CC8D}" destId="{25B326A3-A87D-4B61-8CBD-2F11BDEA96BC}" srcOrd="0" destOrd="0" presId="urn:microsoft.com/office/officeart/2005/8/layout/process5"/>
+    <dgm:cxn modelId="{1B4527FB-7E8B-4D52-83EC-FCCF26383C20}" type="presOf" srcId="{7D600DAC-9587-44B5-AA91-D1DB1E8AF259}" destId="{0C959095-7882-4471-98AD-EDED72A06E2D}" srcOrd="0" destOrd="0" presId="urn:microsoft.com/office/officeart/2005/8/layout/process5"/>
+    <dgm:cxn modelId="{574CD3E9-96D9-455C-8E2F-35597C85EA16}" type="presOf" srcId="{D2E27AEE-DE18-437E-8ED4-085C407B02F4}" destId="{3ECB9AC3-8324-4FBC-8785-044F1DD81182}" srcOrd="0" destOrd="0" presId="urn:microsoft.com/office/officeart/2005/8/layout/process5"/>
+    <dgm:cxn modelId="{EB029169-2D09-4502-A4F8-18C1302FF6FA}" type="presOf" srcId="{AF275174-F4D7-4107-9340-9F31FFAE84C6}" destId="{B064BFA8-682D-4757-ADFC-2CABBAA0A8B1}" srcOrd="1" destOrd="0" presId="urn:microsoft.com/office/officeart/2005/8/layout/process5"/>
+    <dgm:cxn modelId="{122B0E85-1F4F-4FBF-88BC-60F4A6515555}" type="presOf" srcId="{D9C1DE2A-C919-439D-83D8-65D74A775FB6}" destId="{F750DCCB-0DB3-4943-9436-F897320A4A5D}" srcOrd="0" destOrd="0" presId="urn:microsoft.com/office/officeart/2005/8/layout/process5"/>
+    <dgm:cxn modelId="{3452DE59-B5DB-4659-B582-F21A0FA1069E}" type="presOf" srcId="{6883C271-93CE-4F53-B3DB-E78414E06855}" destId="{EB0F924E-08B8-4496-8F7C-D75A9D314B30}" srcOrd="0" destOrd="0" presId="urn:microsoft.com/office/officeart/2005/8/layout/process5"/>
+    <dgm:cxn modelId="{26DB8064-CA9A-49BF-B110-4A1EB040AF44}" srcId="{F6E47ECC-1CC7-4BF8-A40F-F7C26A4BFA09}" destId="{D2E27AEE-DE18-437E-8ED4-085C407B02F4}" srcOrd="2" destOrd="0" parTransId="{6C0F99BB-1AE8-491E-9E77-BB81EC71D0A5}" sibTransId="{AF275174-F4D7-4107-9340-9F31FFAE84C6}"/>
+    <dgm:cxn modelId="{A1CD72F6-11A0-4594-87FC-291C4A70D512}" type="presOf" srcId="{7762B7C6-4F36-4B61-B445-F6FF0509CF25}" destId="{B11A5A4A-6892-4B2E-B725-ECE29BCF5F77}" srcOrd="0" destOrd="0" presId="urn:microsoft.com/office/officeart/2005/8/layout/process5"/>
+    <dgm:cxn modelId="{F128F62D-D92C-4CC8-B306-60C9D8EEAB3A}" type="presOf" srcId="{0A5440AC-4116-4C27-9264-16AACB669E12}" destId="{F8FFB6C0-E03E-4022-8398-9AFF5BF916E4}" srcOrd="1" destOrd="0" presId="urn:microsoft.com/office/officeart/2005/8/layout/process5"/>
+    <dgm:cxn modelId="{C5AF9FAD-37EE-43C3-A9CC-1DE309D0D09C}" type="presOf" srcId="{BA46942A-95B1-4525-A038-6C19F1DA6537}" destId="{FAC03DC4-EE0B-4F48-810D-D7D90D29CDA7}" srcOrd="0" destOrd="0" presId="urn:microsoft.com/office/officeart/2005/8/layout/process5"/>
+    <dgm:cxn modelId="{74C58CEF-53B4-4388-82CD-0CB7A6CAA27A}" type="presOf" srcId="{DD3CB5CF-4595-4EEC-846B-6102664F2F05}" destId="{C187702E-51EF-4FC5-95AA-90B3C81FA086}" srcOrd="0" destOrd="0" presId="urn:microsoft.com/office/officeart/2005/8/layout/process5"/>
+    <dgm:cxn modelId="{DFD6F5FA-8A31-42F7-BF3C-456A1F4586B1}" type="presOf" srcId="{AF275174-F4D7-4107-9340-9F31FFAE84C6}" destId="{57D1F035-83D0-404D-822E-A0E9FF1B02F1}" srcOrd="0" destOrd="0" presId="urn:microsoft.com/office/officeart/2005/8/layout/process5"/>
+    <dgm:cxn modelId="{562BB721-6EDC-4053-B596-0A411EFAF9D6}" type="presOf" srcId="{F6E47ECC-1CC7-4BF8-A40F-F7C26A4BFA09}" destId="{B40BC887-7121-4751-9ED6-13E8470945BB}" srcOrd="0" destOrd="0" presId="urn:microsoft.com/office/officeart/2005/8/layout/process5"/>
+    <dgm:cxn modelId="{F1423178-391C-4B6B-8F65-8CA9DBD94E60}" type="presOf" srcId="{DD3CB5CF-4595-4EEC-846B-6102664F2F05}" destId="{CAFDA7F7-B46C-4359-A129-AB4E2CE5A598}" srcOrd="1" destOrd="0" presId="urn:microsoft.com/office/officeart/2005/8/layout/process5"/>
+    <dgm:cxn modelId="{F1B9939C-663B-47F3-A7C2-D59B6CD8ABAD}" type="presOf" srcId="{0A5440AC-4116-4C27-9264-16AACB669E12}" destId="{07284E07-4408-4BF2-9E53-8B0D5A353C3A}" srcOrd="0" destOrd="0" presId="urn:microsoft.com/office/officeart/2005/8/layout/process5"/>
+    <dgm:cxn modelId="{77C33F04-EC4C-4CB4-9EDE-8EF7E2C47CCA}" type="presParOf" srcId="{B40BC887-7121-4751-9ED6-13E8470945BB}" destId="{F750DCCB-0DB3-4943-9436-F897320A4A5D}" srcOrd="0" destOrd="0" presId="urn:microsoft.com/office/officeart/2005/8/layout/process5"/>
+    <dgm:cxn modelId="{24402445-5195-4B9A-B6CD-28CA16B8D05E}" type="presParOf" srcId="{B40BC887-7121-4751-9ED6-13E8470945BB}" destId="{07284E07-4408-4BF2-9E53-8B0D5A353C3A}" srcOrd="1" destOrd="0" presId="urn:microsoft.com/office/officeart/2005/8/layout/process5"/>
+    <dgm:cxn modelId="{D8BFFAC4-70EB-44CF-B73B-532597EF203E}" type="presParOf" srcId="{07284E07-4408-4BF2-9E53-8B0D5A353C3A}" destId="{F8FFB6C0-E03E-4022-8398-9AFF5BF916E4}" srcOrd="0" destOrd="0" presId="urn:microsoft.com/office/officeart/2005/8/layout/process5"/>
+    <dgm:cxn modelId="{FBA5A5C1-C0EA-4C73-883C-1E1795189C44}" type="presParOf" srcId="{B40BC887-7121-4751-9ED6-13E8470945BB}" destId="{EB0F924E-08B8-4496-8F7C-D75A9D314B30}" srcOrd="2" destOrd="0" presId="urn:microsoft.com/office/officeart/2005/8/layout/process5"/>
+    <dgm:cxn modelId="{2F6A1A44-618D-47F4-8734-7C0E99A33853}" type="presParOf" srcId="{B40BC887-7121-4751-9ED6-13E8470945BB}" destId="{87601AF7-0F9F-46ED-B4EE-1B62860D4BA5}" srcOrd="3" destOrd="0" presId="urn:microsoft.com/office/officeart/2005/8/layout/process5"/>
+    <dgm:cxn modelId="{2C96C795-67AA-4E25-B735-F1FA7FF434A9}" type="presParOf" srcId="{87601AF7-0F9F-46ED-B4EE-1B62860D4BA5}" destId="{8EE4ED0A-418E-4458-84B0-1C7F6B4889D0}" srcOrd="0" destOrd="0" presId="urn:microsoft.com/office/officeart/2005/8/layout/process5"/>
+    <dgm:cxn modelId="{444D3511-980E-49DD-915D-9DACD90E5D88}" type="presParOf" srcId="{B40BC887-7121-4751-9ED6-13E8470945BB}" destId="{3ECB9AC3-8324-4FBC-8785-044F1DD81182}" srcOrd="4" destOrd="0" presId="urn:microsoft.com/office/officeart/2005/8/layout/process5"/>
+    <dgm:cxn modelId="{7AF7D6E8-7EDC-4D22-8644-826BC604A022}" type="presParOf" srcId="{B40BC887-7121-4751-9ED6-13E8470945BB}" destId="{57D1F035-83D0-404D-822E-A0E9FF1B02F1}" srcOrd="5" destOrd="0" presId="urn:microsoft.com/office/officeart/2005/8/layout/process5"/>
+    <dgm:cxn modelId="{2C5432D5-B843-4F96-BC78-D0350269E40F}" type="presParOf" srcId="{57D1F035-83D0-404D-822E-A0E9FF1B02F1}" destId="{B064BFA8-682D-4757-ADFC-2CABBAA0A8B1}" srcOrd="0" destOrd="0" presId="urn:microsoft.com/office/officeart/2005/8/layout/process5"/>
+    <dgm:cxn modelId="{B9CE06BA-124D-4428-9083-E6C2F3EAE888}" type="presParOf" srcId="{B40BC887-7121-4751-9ED6-13E8470945BB}" destId="{0C959095-7882-4471-98AD-EDED72A06E2D}" srcOrd="6" destOrd="0" presId="urn:microsoft.com/office/officeart/2005/8/layout/process5"/>
+    <dgm:cxn modelId="{FCEB7683-5B2D-4AED-8D59-917FCC4D0CE3}" type="presParOf" srcId="{B40BC887-7121-4751-9ED6-13E8470945BB}" destId="{C187702E-51EF-4FC5-95AA-90B3C81FA086}" srcOrd="7" destOrd="0" presId="urn:microsoft.com/office/officeart/2005/8/layout/process5"/>
+    <dgm:cxn modelId="{E52FD6B2-4DE8-4967-8406-A585A1CD1EC6}" type="presParOf" srcId="{C187702E-51EF-4FC5-95AA-90B3C81FA086}" destId="{CAFDA7F7-B46C-4359-A129-AB4E2CE5A598}" srcOrd="0" destOrd="0" presId="urn:microsoft.com/office/officeart/2005/8/layout/process5"/>
+    <dgm:cxn modelId="{78BC5A58-2933-491A-8E86-792BB27D971D}" type="presParOf" srcId="{B40BC887-7121-4751-9ED6-13E8470945BB}" destId="{FAC03DC4-EE0B-4F48-810D-D7D90D29CDA7}" srcOrd="8" destOrd="0" presId="urn:microsoft.com/office/officeart/2005/8/layout/process5"/>
+    <dgm:cxn modelId="{9EF21CD3-8074-4AD1-89C7-194A29D87374}" type="presParOf" srcId="{B40BC887-7121-4751-9ED6-13E8470945BB}" destId="{B11A5A4A-6892-4B2E-B725-ECE29BCF5F77}" srcOrd="9" destOrd="0" presId="urn:microsoft.com/office/officeart/2005/8/layout/process5"/>
+    <dgm:cxn modelId="{C263CB1A-1C34-49CA-AE11-82A4FEF31F39}" type="presParOf" srcId="{B11A5A4A-6892-4B2E-B725-ECE29BCF5F77}" destId="{4CD77A7A-0F40-4ABE-A7EB-ED19FB09158A}" srcOrd="0" destOrd="0" presId="urn:microsoft.com/office/officeart/2005/8/layout/process5"/>
+    <dgm:cxn modelId="{C9740F91-B156-408A-BE74-3437ED70A7EE}" type="presParOf" srcId="{B40BC887-7121-4751-9ED6-13E8470945BB}" destId="{25B326A3-A87D-4B61-8CBD-2F11BDEA96BC}" srcOrd="10" destOrd="0" presId="urn:microsoft.com/office/officeart/2005/8/layout/process5"/>
+  </dgm:cxnLst>
+  <dgm:bg/>
+  <dgm:whole/>
+  <dgm:extLst>
+    <a:ext uri="http://schemas.microsoft.com/office/drawing/2008/diagram">
+      <dsp:dataModelExt xmlns:dsp="http://schemas.microsoft.com/office/drawing/2008/diagram" xmlns="" relId="rId7" minVer="http://schemas.openxmlformats.org/drawingml/2006/diagram"/>
+    </a:ext>
+  </dgm:extLst>
+</dgm:dataModel>
+</file>
+
+<file path=ppt/diagrams/drawing1.xml><?xml version="1.0" encoding="utf-8"?>
+<dsp:drawing xmlns:dgm="http://schemas.openxmlformats.org/drawingml/2006/diagram" xmlns:a="http://schemas.openxmlformats.org/drawingml/2006/main" xmlns:dsp="http://schemas.microsoft.com/office/drawing/2008/diagram">
+  <dsp:spTree>
+    <dsp:nvGrpSpPr>
+      <dsp:cNvPr id="0" name=""/>
+      <dsp:cNvGrpSpPr/>
+    </dsp:nvGrpSpPr>
+    <dsp:grpSpPr/>
+    <dsp:sp modelId="{322F2889-427F-4255-96FE-7A663EF3A95F}">
+      <dsp:nvSpPr>
+        <dsp:cNvPr id="0" name=""/>
+        <dsp:cNvSpPr/>
+      </dsp:nvSpPr>
+      <dsp:spPr>
+        <a:xfrm>
+          <a:off x="2123729" y="-7"/>
+          <a:ext cx="2155945" cy="1079579"/>
+        </a:xfrm>
+        <a:prstGeom prst="roundRect">
+          <a:avLst/>
+        </a:prstGeom>
+        <a:solidFill>
+          <a:schemeClr val="accent2">
+            <a:hueOff val="0"/>
+            <a:satOff val="0"/>
+            <a:lumOff val="0"/>
+            <a:alphaOff val="0"/>
+          </a:schemeClr>
+        </a:solidFill>
+        <a:ln>
+          <a:noFill/>
+        </a:ln>
+        <a:effectLst>
+          <a:outerShdw blurRad="40000" dist="23000" dir="5400000" rotWithShape="0">
+            <a:srgbClr val="000000">
+              <a:alpha val="35000"/>
+            </a:srgbClr>
+          </a:outerShdw>
+        </a:effectLst>
+        <a:scene3d>
+          <a:camera prst="orthographicFront">
+            <a:rot lat="0" lon="0" rev="0"/>
+          </a:camera>
+          <a:lightRig rig="contrasting" dir="t">
+            <a:rot lat="0" lon="0" rev="1200000"/>
+          </a:lightRig>
+        </a:scene3d>
+        <a:sp3d contourW="19050" prstMaterial="metal">
+          <a:bevelT w="88900" h="203200"/>
+          <a:bevelB w="165100" h="254000"/>
+        </a:sp3d>
+      </dsp:spPr>
+      <dsp:style>
+        <a:lnRef idx="0">
+          <a:scrgbClr r="0" g="0" b="0"/>
+        </a:lnRef>
+        <a:fillRef idx="1">
+          <a:scrgbClr r="0" g="0" b="0"/>
+        </a:fillRef>
+        <a:effectRef idx="2">
+          <a:scrgbClr r="0" g="0" b="0"/>
+        </a:effectRef>
+        <a:fontRef idx="minor">
+          <a:schemeClr val="lt1"/>
+        </a:fontRef>
+      </dsp:style>
+      <dsp:txBody>
+        <a:bodyPr spcFirstLastPara="0" vert="horz" wrap="square" lIns="45720" tIns="45720" rIns="45720" bIns="45720" numCol="1" spcCol="1270" anchor="t" anchorCtr="0">
+          <a:noAutofit/>
+        </a:bodyPr>
+        <a:lstStyle/>
+        <a:p>
+          <a:pPr lvl="0" algn="l" defTabSz="533400">
+            <a:lnSpc>
+              <a:spcPct val="90000"/>
+            </a:lnSpc>
+            <a:spcBef>
+              <a:spcPct val="0"/>
+            </a:spcBef>
+            <a:spcAft>
+              <a:spcPct val="35000"/>
+            </a:spcAft>
+          </a:pPr>
+          <a:r>
+            <a:rPr lang="de-DE" sz="1200" kern="1200" dirty="0" smtClean="0"/>
+            <a:t>Regler für Geradeausfahrt</a:t>
+          </a:r>
+          <a:endParaRPr lang="de-DE" sz="1200" kern="1200" dirty="0"/>
+        </a:p>
+        <a:p>
+          <a:pPr marL="57150" lvl="1" indent="-57150" algn="l" defTabSz="466725">
+            <a:lnSpc>
+              <a:spcPct val="90000"/>
+            </a:lnSpc>
+            <a:spcBef>
+              <a:spcPct val="0"/>
+            </a:spcBef>
+            <a:spcAft>
+              <a:spcPct val="15000"/>
+            </a:spcAft>
+            <a:buChar char="••"/>
+          </a:pPr>
+          <a:r>
+            <a:rPr lang="de-DE" sz="1050" kern="1200" dirty="0" smtClean="0"/>
+            <a:t>Permanente Berechnung der </a:t>
+          </a:r>
+          <a:r>
+            <a:rPr lang="de-DE" sz="1050" kern="1200" dirty="0" err="1" smtClean="0"/>
+            <a:t>Geradensteigungen</a:t>
+          </a:r>
+          <a:endParaRPr lang="de-DE" sz="1050" kern="1200" dirty="0"/>
+        </a:p>
+        <a:p>
+          <a:pPr marL="57150" lvl="1" indent="-57150" algn="l" defTabSz="466725">
+            <a:lnSpc>
+              <a:spcPct val="90000"/>
+            </a:lnSpc>
+            <a:spcBef>
+              <a:spcPct val="0"/>
+            </a:spcBef>
+            <a:spcAft>
+              <a:spcPct val="15000"/>
+            </a:spcAft>
+            <a:buChar char="••"/>
+          </a:pPr>
+          <a:r>
+            <a:rPr lang="de-DE" sz="1050" kern="1200" dirty="0" smtClean="0"/>
+            <a:t>Differenz der Steigungen liegt unterhalb von Grenzwert</a:t>
+          </a:r>
+          <a:endParaRPr lang="de-DE" sz="1050" kern="1200" dirty="0"/>
+        </a:p>
+      </dsp:txBody>
+      <dsp:txXfrm>
+        <a:off x="2123729" y="-7"/>
+        <a:ext cx="2155945" cy="1079579"/>
+      </dsp:txXfrm>
+    </dsp:sp>
+    <dsp:sp modelId="{E04CC487-1C5B-45B6-8D5E-C8D4066D0943}">
+      <dsp:nvSpPr>
+        <dsp:cNvPr id="0" name=""/>
+        <dsp:cNvSpPr/>
+      </dsp:nvSpPr>
+      <dsp:spPr>
+        <a:xfrm>
+          <a:off x="1776435" y="771116"/>
+          <a:ext cx="4034066" cy="4034066"/>
+        </a:xfrm>
+        <a:custGeom>
+          <a:avLst/>
+          <a:gdLst/>
+          <a:ahLst/>
+          <a:cxnLst/>
+          <a:rect l="0" t="0" r="0" b="0"/>
+          <a:pathLst>
+            <a:path>
+              <a:moveTo>
+                <a:pt x="2672047" y="109317"/>
+              </a:moveTo>
+              <a:arcTo wR="2017033" hR="2017033" stAng="17336994" swAng="912420"/>
+            </a:path>
+          </a:pathLst>
+        </a:custGeom>
+        <a:noFill/>
+        <a:ln w="9525" cap="flat" cmpd="sng" algn="ctr">
+          <a:solidFill>
+            <a:schemeClr val="accent2">
+              <a:hueOff val="0"/>
+              <a:satOff val="0"/>
+              <a:lumOff val="0"/>
+              <a:alphaOff val="0"/>
+            </a:schemeClr>
+          </a:solidFill>
+          <a:prstDash val="solid"/>
+          <a:tailEnd type="arrow"/>
+        </a:ln>
+        <a:effectLst/>
+        <a:scene3d>
+          <a:camera prst="orthographicFront">
+            <a:rot lat="0" lon="0" rev="0"/>
+          </a:camera>
+          <a:lightRig rig="contrasting" dir="t">
+            <a:rot lat="0" lon="0" rev="1200000"/>
+          </a:lightRig>
+        </a:scene3d>
+        <a:sp3d z="-110000"/>
+      </dsp:spPr>
+      <dsp:style>
+        <a:lnRef idx="1">
+          <a:scrgbClr r="0" g="0" b="0"/>
+        </a:lnRef>
+        <a:fillRef idx="0">
+          <a:scrgbClr r="0" g="0" b="0"/>
+        </a:fillRef>
+        <a:effectRef idx="0">
+          <a:scrgbClr r="0" g="0" b="0"/>
+        </a:effectRef>
+        <a:fontRef idx="minor"/>
+      </dsp:style>
+    </dsp:sp>
+    <dsp:sp modelId="{0EC62B5A-E703-4913-9127-81806E8ABEC7}">
+      <dsp:nvSpPr>
+        <dsp:cNvPr id="0" name=""/>
+        <dsp:cNvSpPr/>
+      </dsp:nvSpPr>
+      <dsp:spPr>
+        <a:xfrm>
+          <a:off x="4355982" y="1224132"/>
+          <a:ext cx="1870494" cy="856972"/>
+        </a:xfrm>
+        <a:prstGeom prst="roundRect">
+          <a:avLst/>
+        </a:prstGeom>
+        <a:solidFill>
+          <a:schemeClr val="accent2">
+            <a:hueOff val="0"/>
+            <a:satOff val="0"/>
+            <a:lumOff val="0"/>
+            <a:alphaOff val="0"/>
+          </a:schemeClr>
+        </a:solidFill>
+        <a:ln>
+          <a:noFill/>
+        </a:ln>
+        <a:effectLst>
+          <a:outerShdw blurRad="40000" dist="23000" dir="5400000" rotWithShape="0">
+            <a:srgbClr val="000000">
+              <a:alpha val="35000"/>
+            </a:srgbClr>
+          </a:outerShdw>
+        </a:effectLst>
+        <a:scene3d>
+          <a:camera prst="orthographicFront">
+            <a:rot lat="0" lon="0" rev="0"/>
+          </a:camera>
+          <a:lightRig rig="contrasting" dir="t">
+            <a:rot lat="0" lon="0" rev="1200000"/>
+          </a:lightRig>
+        </a:scene3d>
+        <a:sp3d contourW="19050" prstMaterial="metal">
+          <a:bevelT w="88900" h="203200"/>
+          <a:bevelB w="165100" h="254000"/>
+        </a:sp3d>
+      </dsp:spPr>
+      <dsp:style>
+        <a:lnRef idx="0">
+          <a:scrgbClr r="0" g="0" b="0"/>
+        </a:lnRef>
+        <a:fillRef idx="1">
+          <a:scrgbClr r="0" g="0" b="0"/>
+        </a:fillRef>
+        <a:effectRef idx="2">
+          <a:scrgbClr r="0" g="0" b="0"/>
+        </a:effectRef>
+        <a:fontRef idx="minor">
+          <a:schemeClr val="lt1"/>
+        </a:fontRef>
+      </dsp:style>
+      <dsp:txBody>
+        <a:bodyPr spcFirstLastPara="0" vert="horz" wrap="square" lIns="45720" tIns="45720" rIns="45720" bIns="45720" numCol="1" spcCol="1270" anchor="ctr" anchorCtr="0">
+          <a:noAutofit/>
+        </a:bodyPr>
+        <a:lstStyle/>
+        <a:p>
+          <a:pPr lvl="0" algn="ctr" defTabSz="533400">
+            <a:lnSpc>
+              <a:spcPct val="90000"/>
+            </a:lnSpc>
+            <a:spcBef>
+              <a:spcPct val="0"/>
+            </a:spcBef>
+            <a:spcAft>
+              <a:spcPct val="35000"/>
+            </a:spcAft>
+          </a:pPr>
+          <a:r>
+            <a:rPr lang="de-DE" sz="1200" kern="1200" dirty="0" smtClean="0"/>
+            <a:t>Differenz der Steigungen überschreitet Grenzwert</a:t>
+          </a:r>
+          <a:endParaRPr lang="de-DE" sz="1200" kern="1200" dirty="0"/>
+        </a:p>
+      </dsp:txBody>
+      <dsp:txXfrm>
+        <a:off x="4355982" y="1224132"/>
+        <a:ext cx="1870494" cy="856972"/>
+      </dsp:txXfrm>
+    </dsp:sp>
+    <dsp:sp modelId="{5627CC50-5788-4218-BE49-84D13277FE07}">
+      <dsp:nvSpPr>
+        <dsp:cNvPr id="0" name=""/>
+        <dsp:cNvSpPr/>
+      </dsp:nvSpPr>
+      <dsp:spPr>
+        <a:xfrm>
+          <a:off x="1376984" y="-32319"/>
+          <a:ext cx="4034066" cy="4034066"/>
+        </a:xfrm>
+        <a:custGeom>
+          <a:avLst/>
+          <a:gdLst/>
+          <a:ahLst/>
+          <a:cxnLst/>
+          <a:rect l="0" t="0" r="0" b="0"/>
+          <a:pathLst>
+            <a:path>
+              <a:moveTo>
+                <a:pt x="4025554" y="2202146"/>
+              </a:moveTo>
+              <a:arcTo wR="2017033" hR="2017033" stAng="315943" swAng="456331"/>
+            </a:path>
+          </a:pathLst>
+        </a:custGeom>
+        <a:noFill/>
+        <a:ln w="9525" cap="flat" cmpd="sng" algn="ctr">
+          <a:solidFill>
+            <a:schemeClr val="accent2">
+              <a:hueOff val="0"/>
+              <a:satOff val="0"/>
+              <a:lumOff val="0"/>
+              <a:alphaOff val="0"/>
+            </a:schemeClr>
+          </a:solidFill>
+          <a:prstDash val="solid"/>
+          <a:tailEnd type="arrow"/>
+        </a:ln>
+        <a:effectLst/>
+        <a:scene3d>
+          <a:camera prst="orthographicFront">
+            <a:rot lat="0" lon="0" rev="0"/>
+          </a:camera>
+          <a:lightRig rig="contrasting" dir="t">
+            <a:rot lat="0" lon="0" rev="1200000"/>
+          </a:lightRig>
+        </a:scene3d>
+        <a:sp3d z="-110000"/>
+      </dsp:spPr>
+      <dsp:style>
+        <a:lnRef idx="1">
+          <a:scrgbClr r="0" g="0" b="0"/>
+        </a:lnRef>
+        <a:fillRef idx="0">
+          <a:scrgbClr r="0" g="0" b="0"/>
+        </a:fillRef>
+        <a:effectRef idx="0">
+          <a:scrgbClr r="0" g="0" b="0"/>
+        </a:effectRef>
+        <a:fontRef idx="minor"/>
+      </dsp:style>
+    </dsp:sp>
+    <dsp:sp modelId="{7DF9A944-9651-4414-985F-9C465760A763}">
+      <dsp:nvSpPr>
+        <dsp:cNvPr id="0" name=""/>
+        <dsp:cNvSpPr/>
+      </dsp:nvSpPr>
+      <dsp:spPr>
+        <a:xfrm>
+          <a:off x="4427982" y="2520276"/>
+          <a:ext cx="1696713" cy="856972"/>
+        </a:xfrm>
+        <a:prstGeom prst="roundRect">
+          <a:avLst/>
+        </a:prstGeom>
+        <a:solidFill>
+          <a:schemeClr val="accent2">
+            <a:hueOff val="0"/>
+            <a:satOff val="0"/>
+            <a:lumOff val="0"/>
+            <a:alphaOff val="0"/>
+          </a:schemeClr>
+        </a:solidFill>
+        <a:ln>
+          <a:noFill/>
+        </a:ln>
+        <a:effectLst>
+          <a:outerShdw blurRad="40000" dist="23000" dir="5400000" rotWithShape="0">
+            <a:srgbClr val="000000">
+              <a:alpha val="35000"/>
+            </a:srgbClr>
+          </a:outerShdw>
+        </a:effectLst>
+        <a:scene3d>
+          <a:camera prst="orthographicFront">
+            <a:rot lat="0" lon="0" rev="0"/>
+          </a:camera>
+          <a:lightRig rig="contrasting" dir="t">
+            <a:rot lat="0" lon="0" rev="1200000"/>
+          </a:lightRig>
+        </a:scene3d>
+        <a:sp3d contourW="19050" prstMaterial="metal">
+          <a:bevelT w="88900" h="203200"/>
+          <a:bevelB w="165100" h="254000"/>
+        </a:sp3d>
+      </dsp:spPr>
+      <dsp:style>
+        <a:lnRef idx="0">
+          <a:scrgbClr r="0" g="0" b="0"/>
+        </a:lnRef>
+        <a:fillRef idx="1">
+          <a:scrgbClr r="0" g="0" b="0"/>
+        </a:fillRef>
+        <a:effectRef idx="2">
+          <a:scrgbClr r="0" g="0" b="0"/>
+        </a:effectRef>
+        <a:fontRef idx="minor">
+          <a:schemeClr val="lt1"/>
+        </a:fontRef>
+      </dsp:style>
+      <dsp:txBody>
+        <a:bodyPr spcFirstLastPara="0" vert="horz" wrap="square" lIns="45720" tIns="45720" rIns="45720" bIns="45720" numCol="1" spcCol="1270" anchor="ctr" anchorCtr="0">
+          <a:noAutofit/>
+        </a:bodyPr>
+        <a:lstStyle/>
+        <a:p>
+          <a:pPr lvl="0" algn="ctr" defTabSz="533400">
+            <a:lnSpc>
+              <a:spcPct val="90000"/>
+            </a:lnSpc>
+            <a:spcBef>
+              <a:spcPct val="0"/>
+            </a:spcBef>
+            <a:spcAft>
+              <a:spcPct val="35000"/>
+            </a:spcAft>
+          </a:pPr>
+          <a:r>
+            <a:rPr lang="de-DE" sz="1200" kern="1200" dirty="0" smtClean="0"/>
+            <a:t>Wechsel zu Übergangsregler für Kurveneintritt</a:t>
+          </a:r>
+          <a:endParaRPr lang="de-DE" sz="1200" kern="1200" dirty="0"/>
+        </a:p>
+      </dsp:txBody>
+      <dsp:txXfrm>
+        <a:off x="4427982" y="2520276"/>
+        <a:ext cx="1696713" cy="856972"/>
+      </dsp:txXfrm>
+    </dsp:sp>
+    <dsp:sp modelId="{C2088CE8-813B-404D-9C15-5986F4B492B7}">
+      <dsp:nvSpPr>
+        <dsp:cNvPr id="0" name=""/>
+        <dsp:cNvSpPr/>
+      </dsp:nvSpPr>
+      <dsp:spPr>
+        <a:xfrm>
+          <a:off x="1662673" y="-56764"/>
+          <a:ext cx="4034066" cy="4034066"/>
+        </a:xfrm>
+        <a:custGeom>
+          <a:avLst/>
+          <a:gdLst/>
+          <a:ahLst/>
+          <a:cxnLst/>
+          <a:rect l="0" t="0" r="0" b="0"/>
+          <a:pathLst>
+            <a:path>
+              <a:moveTo>
+                <a:pt x="3322490" y="3554630"/>
+              </a:moveTo>
+              <a:arcTo wR="2017033" hR="2017033" stAng="2980076" swAng="919561"/>
+            </a:path>
+          </a:pathLst>
+        </a:custGeom>
+        <a:noFill/>
+        <a:ln w="9525" cap="flat" cmpd="sng" algn="ctr">
+          <a:solidFill>
+            <a:schemeClr val="accent2">
+              <a:hueOff val="0"/>
+              <a:satOff val="0"/>
+              <a:lumOff val="0"/>
+              <a:alphaOff val="0"/>
+            </a:schemeClr>
+          </a:solidFill>
+          <a:prstDash val="solid"/>
+          <a:tailEnd type="arrow"/>
+        </a:ln>
+        <a:effectLst/>
+        <a:scene3d>
+          <a:camera prst="orthographicFront">
+            <a:rot lat="0" lon="0" rev="0"/>
+          </a:camera>
+          <a:lightRig rig="contrasting" dir="t">
+            <a:rot lat="0" lon="0" rev="1200000"/>
+          </a:lightRig>
+        </a:scene3d>
+        <a:sp3d z="-110000"/>
+      </dsp:spPr>
+      <dsp:style>
+        <a:lnRef idx="1">
+          <a:scrgbClr r="0" g="0" b="0"/>
+        </a:lnRef>
+        <a:fillRef idx="0">
+          <a:scrgbClr r="0" g="0" b="0"/>
+        </a:fillRef>
+        <a:effectRef idx="0">
+          <a:scrgbClr r="0" g="0" b="0"/>
+        </a:effectRef>
+        <a:fontRef idx="minor"/>
+      </dsp:style>
+    </dsp:sp>
+    <dsp:sp modelId="{51070C73-9ABB-4CBE-BF7F-197499FA4E9F}">
+      <dsp:nvSpPr>
+        <dsp:cNvPr id="0" name=""/>
+        <dsp:cNvSpPr/>
+      </dsp:nvSpPr>
+      <dsp:spPr>
+        <a:xfrm>
+          <a:off x="2123726" y="3672401"/>
+          <a:ext cx="2244741" cy="1121031"/>
+        </a:xfrm>
+        <a:prstGeom prst="roundRect">
+          <a:avLst/>
+        </a:prstGeom>
+        <a:solidFill>
+          <a:schemeClr val="accent2">
+            <a:hueOff val="0"/>
+            <a:satOff val="0"/>
+            <a:lumOff val="0"/>
+            <a:alphaOff val="0"/>
+          </a:schemeClr>
+        </a:solidFill>
+        <a:ln>
+          <a:noFill/>
+        </a:ln>
+        <a:effectLst>
+          <a:outerShdw blurRad="40000" dist="23000" dir="5400000" rotWithShape="0">
+            <a:srgbClr val="000000">
+              <a:alpha val="35000"/>
+            </a:srgbClr>
+          </a:outerShdw>
+        </a:effectLst>
+        <a:scene3d>
+          <a:camera prst="orthographicFront">
+            <a:rot lat="0" lon="0" rev="0"/>
+          </a:camera>
+          <a:lightRig rig="contrasting" dir="t">
+            <a:rot lat="0" lon="0" rev="1200000"/>
+          </a:lightRig>
+        </a:scene3d>
+        <a:sp3d contourW="19050" prstMaterial="metal">
+          <a:bevelT w="88900" h="203200"/>
+          <a:bevelB w="165100" h="254000"/>
+        </a:sp3d>
+      </dsp:spPr>
+      <dsp:style>
+        <a:lnRef idx="0">
+          <a:scrgbClr r="0" g="0" b="0"/>
+        </a:lnRef>
+        <a:fillRef idx="1">
+          <a:scrgbClr r="0" g="0" b="0"/>
+        </a:fillRef>
+        <a:effectRef idx="2">
+          <a:scrgbClr r="0" g="0" b="0"/>
+        </a:effectRef>
+        <a:fontRef idx="minor">
+          <a:schemeClr val="lt1"/>
+        </a:fontRef>
+      </dsp:style>
+      <dsp:txBody>
+        <a:bodyPr spcFirstLastPara="0" vert="horz" wrap="square" lIns="45720" tIns="45720" rIns="45720" bIns="45720" numCol="1" spcCol="1270" anchor="t" anchorCtr="0">
+          <a:noAutofit/>
+        </a:bodyPr>
+        <a:lstStyle/>
+        <a:p>
+          <a:pPr lvl="0" algn="l" defTabSz="533400">
+            <a:lnSpc>
+              <a:spcPct val="90000"/>
+            </a:lnSpc>
+            <a:spcBef>
+              <a:spcPct val="0"/>
+            </a:spcBef>
+            <a:spcAft>
+              <a:spcPct val="35000"/>
+            </a:spcAft>
+          </a:pPr>
+          <a:r>
+            <a:rPr lang="de-DE" sz="1200" kern="1200" dirty="0" smtClean="0"/>
+            <a:t>Regler für Kurvenfahrt</a:t>
+          </a:r>
+          <a:endParaRPr lang="de-DE" sz="1200" kern="1200" dirty="0"/>
+        </a:p>
+        <a:p>
+          <a:pPr marL="57150" lvl="1" indent="-57150" algn="l" defTabSz="466725">
+            <a:lnSpc>
+              <a:spcPct val="90000"/>
+            </a:lnSpc>
+            <a:spcBef>
+              <a:spcPct val="0"/>
+            </a:spcBef>
+            <a:spcAft>
+              <a:spcPct val="15000"/>
+            </a:spcAft>
+            <a:buChar char="••"/>
+          </a:pPr>
+          <a:r>
+            <a:rPr lang="de-DE" sz="1050" kern="1200" dirty="0" smtClean="0"/>
+            <a:t>Permanente Berechnung der </a:t>
+          </a:r>
+          <a:r>
+            <a:rPr lang="de-DE" sz="1050" kern="1200" dirty="0" err="1" smtClean="0"/>
+            <a:t>Geradensteigungen</a:t>
+          </a:r>
+          <a:endParaRPr lang="de-DE" sz="1050" kern="1200" dirty="0"/>
+        </a:p>
+        <a:p>
+          <a:pPr marL="57150" lvl="1" indent="-57150" algn="l" defTabSz="466725">
+            <a:lnSpc>
+              <a:spcPct val="90000"/>
+            </a:lnSpc>
+            <a:spcBef>
+              <a:spcPct val="0"/>
+            </a:spcBef>
+            <a:spcAft>
+              <a:spcPct val="15000"/>
+            </a:spcAft>
+            <a:buChar char="••"/>
+          </a:pPr>
+          <a:r>
+            <a:rPr lang="de-DE" sz="1050" kern="1200" dirty="0" smtClean="0"/>
+            <a:t>Differenz der Steigungen liegt oberhalb von Grenzwert</a:t>
+          </a:r>
+          <a:endParaRPr lang="de-DE" sz="1050" kern="1200" dirty="0"/>
+        </a:p>
+      </dsp:txBody>
+      <dsp:txXfrm>
+        <a:off x="2123726" y="3672401"/>
+        <a:ext cx="2244741" cy="1121031"/>
+      </dsp:txXfrm>
+    </dsp:sp>
+    <dsp:sp modelId="{0E8FB463-07BE-482A-BC43-61AF7FD595C1}">
+      <dsp:nvSpPr>
+        <dsp:cNvPr id="0" name=""/>
+        <dsp:cNvSpPr/>
+      </dsp:nvSpPr>
+      <dsp:spPr>
+        <a:xfrm>
+          <a:off x="1128267" y="64976"/>
+          <a:ext cx="4034066" cy="4034066"/>
+        </a:xfrm>
+        <a:custGeom>
+          <a:avLst/>
+          <a:gdLst/>
+          <a:ahLst/>
+          <a:cxnLst/>
+          <a:rect l="0" t="0" r="0" b="0"/>
+          <a:pathLst>
+            <a:path>
+              <a:moveTo>
+                <a:pt x="879401" y="3682631"/>
+              </a:moveTo>
+              <a:arcTo wR="2017033" hR="2017033" stAng="7460024" swAng="708553"/>
+            </a:path>
+          </a:pathLst>
+        </a:custGeom>
+        <a:noFill/>
+        <a:ln w="9525" cap="flat" cmpd="sng" algn="ctr">
+          <a:solidFill>
+            <a:schemeClr val="accent2">
+              <a:hueOff val="0"/>
+              <a:satOff val="0"/>
+              <a:lumOff val="0"/>
+              <a:alphaOff val="0"/>
+            </a:schemeClr>
+          </a:solidFill>
+          <a:prstDash val="solid"/>
+          <a:tailEnd type="arrow"/>
+        </a:ln>
+        <a:effectLst/>
+        <a:scene3d>
+          <a:camera prst="orthographicFront">
+            <a:rot lat="0" lon="0" rev="0"/>
+          </a:camera>
+          <a:lightRig rig="contrasting" dir="t">
+            <a:rot lat="0" lon="0" rev="1200000"/>
+          </a:lightRig>
+        </a:scene3d>
+        <a:sp3d z="-110000"/>
+      </dsp:spPr>
+      <dsp:style>
+        <a:lnRef idx="1">
+          <a:scrgbClr r="0" g="0" b="0"/>
+        </a:lnRef>
+        <a:fillRef idx="0">
+          <a:scrgbClr r="0" g="0" b="0"/>
+        </a:fillRef>
+        <a:effectRef idx="0">
+          <a:scrgbClr r="0" g="0" b="0"/>
+        </a:effectRef>
+        <a:fontRef idx="minor"/>
+      </dsp:style>
+    </dsp:sp>
+    <dsp:sp modelId="{F289F93E-06E5-4979-920E-3478F87B263A}">
+      <dsp:nvSpPr>
+        <dsp:cNvPr id="0" name=""/>
+        <dsp:cNvSpPr/>
+      </dsp:nvSpPr>
+      <dsp:spPr>
+        <a:xfrm>
+          <a:off x="395541" y="2520281"/>
+          <a:ext cx="2053464" cy="856972"/>
+        </a:xfrm>
+        <a:prstGeom prst="roundRect">
+          <a:avLst/>
+        </a:prstGeom>
+        <a:solidFill>
+          <a:schemeClr val="accent2">
+            <a:hueOff val="0"/>
+            <a:satOff val="0"/>
+            <a:lumOff val="0"/>
+            <a:alphaOff val="0"/>
+          </a:schemeClr>
+        </a:solidFill>
+        <a:ln>
+          <a:noFill/>
+        </a:ln>
+        <a:effectLst>
+          <a:outerShdw blurRad="40000" dist="23000" dir="5400000" rotWithShape="0">
+            <a:srgbClr val="000000">
+              <a:alpha val="35000"/>
+            </a:srgbClr>
+          </a:outerShdw>
+        </a:effectLst>
+        <a:scene3d>
+          <a:camera prst="orthographicFront">
+            <a:rot lat="0" lon="0" rev="0"/>
+          </a:camera>
+          <a:lightRig rig="contrasting" dir="t">
+            <a:rot lat="0" lon="0" rev="1200000"/>
+          </a:lightRig>
+        </a:scene3d>
+        <a:sp3d contourW="19050" prstMaterial="metal">
+          <a:bevelT w="88900" h="203200"/>
+          <a:bevelB w="165100" h="254000"/>
+        </a:sp3d>
+      </dsp:spPr>
+      <dsp:style>
+        <a:lnRef idx="0">
+          <a:scrgbClr r="0" g="0" b="0"/>
+        </a:lnRef>
+        <a:fillRef idx="1">
+          <a:scrgbClr r="0" g="0" b="0"/>
+        </a:fillRef>
+        <a:effectRef idx="2">
+          <a:scrgbClr r="0" g="0" b="0"/>
+        </a:effectRef>
+        <a:fontRef idx="minor">
+          <a:schemeClr val="lt1"/>
+        </a:fontRef>
+      </dsp:style>
+      <dsp:txBody>
+        <a:bodyPr spcFirstLastPara="0" vert="horz" wrap="square" lIns="45720" tIns="45720" rIns="45720" bIns="45720" numCol="1" spcCol="1270" anchor="ctr" anchorCtr="0">
+          <a:noAutofit/>
+        </a:bodyPr>
+        <a:lstStyle/>
+        <a:p>
+          <a:pPr lvl="0" algn="ctr" defTabSz="533400">
+            <a:lnSpc>
+              <a:spcPct val="90000"/>
+            </a:lnSpc>
+            <a:spcBef>
+              <a:spcPct val="0"/>
+            </a:spcBef>
+            <a:spcAft>
+              <a:spcPct val="35000"/>
+            </a:spcAft>
+          </a:pPr>
+          <a:r>
+            <a:rPr lang="de-DE" sz="1200" kern="1200" dirty="0" smtClean="0"/>
+            <a:t>Differenz der Steigungen unterschreitet Grenzwert</a:t>
+          </a:r>
+          <a:endParaRPr lang="de-DE" sz="1200" kern="1200" dirty="0"/>
+        </a:p>
+      </dsp:txBody>
+      <dsp:txXfrm>
+        <a:off x="395541" y="2520281"/>
+        <a:ext cx="2053464" cy="856972"/>
+      </dsp:txXfrm>
+    </dsp:sp>
+    <dsp:sp modelId="{92E93751-1EDC-4F0A-98BC-A5C9AA6C1D5F}">
+      <dsp:nvSpPr>
+        <dsp:cNvPr id="0" name=""/>
+        <dsp:cNvSpPr/>
+      </dsp:nvSpPr>
+      <dsp:spPr>
+        <a:xfrm>
+          <a:off x="1201565" y="-267536"/>
+          <a:ext cx="4034066" cy="4034066"/>
+        </a:xfrm>
+        <a:custGeom>
+          <a:avLst/>
+          <a:gdLst/>
+          <a:ahLst/>
+          <a:cxnLst/>
+          <a:rect l="0" t="0" r="0" b="0"/>
+          <a:pathLst>
+            <a:path>
+              <a:moveTo>
+                <a:pt x="120094" y="2702631"/>
+              </a:moveTo>
+              <a:arcTo wR="2017033" hR="2017033" stAng="9607738" swAng="468792"/>
+            </a:path>
+          </a:pathLst>
+        </a:custGeom>
+        <a:noFill/>
+        <a:ln w="9525" cap="flat" cmpd="sng" algn="ctr">
+          <a:solidFill>
+            <a:schemeClr val="accent2">
+              <a:hueOff val="0"/>
+              <a:satOff val="0"/>
+              <a:lumOff val="0"/>
+              <a:alphaOff val="0"/>
+            </a:schemeClr>
+          </a:solidFill>
+          <a:prstDash val="solid"/>
+          <a:tailEnd type="arrow"/>
+        </a:ln>
+        <a:effectLst/>
+        <a:scene3d>
+          <a:camera prst="orthographicFront">
+            <a:rot lat="0" lon="0" rev="0"/>
+          </a:camera>
+          <a:lightRig rig="contrasting" dir="t">
+            <a:rot lat="0" lon="0" rev="1200000"/>
+          </a:lightRig>
+        </a:scene3d>
+        <a:sp3d z="-110000"/>
+      </dsp:spPr>
+      <dsp:style>
+        <a:lnRef idx="1">
+          <a:scrgbClr r="0" g="0" b="0"/>
+        </a:lnRef>
+        <a:fillRef idx="0">
+          <a:scrgbClr r="0" g="0" b="0"/>
+        </a:fillRef>
+        <a:effectRef idx="0">
+          <a:scrgbClr r="0" g="0" b="0"/>
+        </a:effectRef>
+        <a:fontRef idx="minor"/>
+      </dsp:style>
+    </dsp:sp>
+    <dsp:sp modelId="{06095F51-3C94-4EFF-917D-25EAB90C3F30}">
+      <dsp:nvSpPr>
+        <dsp:cNvPr id="0" name=""/>
+        <dsp:cNvSpPr/>
+      </dsp:nvSpPr>
+      <dsp:spPr>
+        <a:xfrm>
+          <a:off x="440328" y="1224137"/>
+          <a:ext cx="1824903" cy="856972"/>
+        </a:xfrm>
+        <a:prstGeom prst="roundRect">
+          <a:avLst/>
+        </a:prstGeom>
+        <a:solidFill>
+          <a:schemeClr val="accent2">
+            <a:hueOff val="0"/>
+            <a:satOff val="0"/>
+            <a:lumOff val="0"/>
+            <a:alphaOff val="0"/>
+          </a:schemeClr>
+        </a:solidFill>
+        <a:ln>
+          <a:noFill/>
+        </a:ln>
+        <a:effectLst>
+          <a:outerShdw blurRad="40000" dist="23000" dir="5400000" rotWithShape="0">
+            <a:srgbClr val="000000">
+              <a:alpha val="35000"/>
+            </a:srgbClr>
+          </a:outerShdw>
+        </a:effectLst>
+        <a:scene3d>
+          <a:camera prst="orthographicFront">
+            <a:rot lat="0" lon="0" rev="0"/>
+          </a:camera>
+          <a:lightRig rig="contrasting" dir="t">
+            <a:rot lat="0" lon="0" rev="1200000"/>
+          </a:lightRig>
+        </a:scene3d>
+        <a:sp3d contourW="19050" prstMaterial="metal">
+          <a:bevelT w="88900" h="203200"/>
+          <a:bevelB w="165100" h="254000"/>
+        </a:sp3d>
+      </dsp:spPr>
+      <dsp:style>
+        <a:lnRef idx="0">
+          <a:scrgbClr r="0" g="0" b="0"/>
+        </a:lnRef>
+        <a:fillRef idx="1">
+          <a:scrgbClr r="0" g="0" b="0"/>
+        </a:fillRef>
+        <a:effectRef idx="2">
+          <a:scrgbClr r="0" g="0" b="0"/>
+        </a:effectRef>
+        <a:fontRef idx="minor">
+          <a:schemeClr val="lt1"/>
+        </a:fontRef>
+      </dsp:style>
+      <dsp:txBody>
+        <a:bodyPr spcFirstLastPara="0" vert="horz" wrap="square" lIns="45720" tIns="45720" rIns="45720" bIns="45720" numCol="1" spcCol="1270" anchor="ctr" anchorCtr="0">
+          <a:noAutofit/>
+        </a:bodyPr>
+        <a:lstStyle/>
+        <a:p>
+          <a:pPr lvl="0" algn="ctr" defTabSz="533400">
+            <a:lnSpc>
+              <a:spcPct val="90000"/>
+            </a:lnSpc>
+            <a:spcBef>
+              <a:spcPct val="0"/>
+            </a:spcBef>
+            <a:spcAft>
+              <a:spcPct val="35000"/>
+            </a:spcAft>
+          </a:pPr>
+          <a:r>
+            <a:rPr lang="de-DE" sz="1200" kern="1200" dirty="0" smtClean="0"/>
+            <a:t>Wechsel zu Übergangsregler für Kurvenaustritt</a:t>
+          </a:r>
+          <a:endParaRPr lang="de-DE" sz="1200" kern="1200" dirty="0"/>
+        </a:p>
+      </dsp:txBody>
+      <dsp:txXfrm>
+        <a:off x="440328" y="1224137"/>
+        <a:ext cx="1824903" cy="856972"/>
+      </dsp:txXfrm>
+    </dsp:sp>
+    <dsp:sp modelId="{21E62269-EC77-4B92-819E-7AD572501D51}">
+      <dsp:nvSpPr>
+        <dsp:cNvPr id="0" name=""/>
+        <dsp:cNvSpPr/>
+      </dsp:nvSpPr>
+      <dsp:spPr>
+        <a:xfrm>
+          <a:off x="824604" y="789824"/>
+          <a:ext cx="4034066" cy="4034066"/>
+        </a:xfrm>
+        <a:custGeom>
+          <a:avLst/>
+          <a:gdLst/>
+          <a:ahLst/>
+          <a:cxnLst/>
+          <a:rect l="0" t="0" r="0" b="0"/>
+          <a:pathLst>
+            <a:path>
+              <a:moveTo>
+                <a:pt x="864993" y="361367"/>
+              </a:moveTo>
+              <a:arcTo wR="2017033" hR="2017033" stAng="14110150" swAng="630148"/>
+            </a:path>
+          </a:pathLst>
+        </a:custGeom>
+        <a:noFill/>
+        <a:ln w="9525" cap="flat" cmpd="sng" algn="ctr">
+          <a:solidFill>
+            <a:schemeClr val="accent2">
+              <a:hueOff val="0"/>
+              <a:satOff val="0"/>
+              <a:lumOff val="0"/>
+              <a:alphaOff val="0"/>
+            </a:schemeClr>
+          </a:solidFill>
+          <a:prstDash val="solid"/>
+          <a:tailEnd type="arrow"/>
+        </a:ln>
+        <a:effectLst/>
+        <a:scene3d>
+          <a:camera prst="orthographicFront">
+            <a:rot lat="0" lon="0" rev="0"/>
+          </a:camera>
+          <a:lightRig rig="contrasting" dir="t">
+            <a:rot lat="0" lon="0" rev="1200000"/>
+          </a:lightRig>
+        </a:scene3d>
+        <a:sp3d z="-110000"/>
+      </dsp:spPr>
+      <dsp:style>
+        <a:lnRef idx="1">
+          <a:scrgbClr r="0" g="0" b="0"/>
+        </a:lnRef>
+        <a:fillRef idx="0">
+          <a:scrgbClr r="0" g="0" b="0"/>
+        </a:fillRef>
+        <a:effectRef idx="0">
+          <a:scrgbClr r="0" g="0" b="0"/>
+        </a:effectRef>
+        <a:fontRef idx="minor"/>
+      </dsp:style>
+    </dsp:sp>
+  </dsp:spTree>
+</dsp:drawing>
+</file>
+
+<file path=ppt/diagrams/drawing2.xml><?xml version="1.0" encoding="utf-8"?>
+<dsp:drawing xmlns:dgm="http://schemas.openxmlformats.org/drawingml/2006/diagram" xmlns:a="http://schemas.openxmlformats.org/drawingml/2006/main" xmlns:dsp="http://schemas.microsoft.com/office/drawing/2008/diagram">
+  <dsp:spTree>
+    <dsp:nvGrpSpPr>
+      <dsp:cNvPr id="0" name=""/>
+      <dsp:cNvGrpSpPr/>
+    </dsp:nvGrpSpPr>
+    <dsp:grpSpPr/>
+    <dsp:sp modelId="{F750DCCB-0DB3-4943-9436-F897320A4A5D}">
+      <dsp:nvSpPr>
+        <dsp:cNvPr id="0" name=""/>
+        <dsp:cNvSpPr/>
+      </dsp:nvSpPr>
+      <dsp:spPr>
+        <a:xfrm>
+          <a:off x="0" y="144019"/>
+          <a:ext cx="1403185" cy="929912"/>
+        </a:xfrm>
+        <a:prstGeom prst="roundRect">
+          <a:avLst>
+            <a:gd name="adj" fmla="val 10000"/>
+          </a:avLst>
+        </a:prstGeom>
+        <a:solidFill>
+          <a:schemeClr val="accent2">
+            <a:hueOff val="0"/>
+            <a:satOff val="0"/>
+            <a:lumOff val="0"/>
+            <a:alphaOff val="0"/>
+          </a:schemeClr>
+        </a:solidFill>
+        <a:ln>
+          <a:noFill/>
+        </a:ln>
+        <a:effectLst>
+          <a:outerShdw blurRad="40000" dist="23000" dir="5400000" rotWithShape="0">
+            <a:srgbClr val="000000">
+              <a:alpha val="35000"/>
+            </a:srgbClr>
+          </a:outerShdw>
+        </a:effectLst>
+        <a:scene3d>
+          <a:camera prst="orthographicFront">
+            <a:rot lat="0" lon="0" rev="0"/>
+          </a:camera>
+          <a:lightRig rig="contrasting" dir="t">
+            <a:rot lat="0" lon="0" rev="1200000"/>
+          </a:lightRig>
+        </a:scene3d>
+        <a:sp3d contourW="19050" prstMaterial="metal">
+          <a:bevelT w="88900" h="203200"/>
+          <a:bevelB w="165100" h="254000"/>
+        </a:sp3d>
+      </dsp:spPr>
+      <dsp:style>
+        <a:lnRef idx="0">
+          <a:scrgbClr r="0" g="0" b="0"/>
+        </a:lnRef>
+        <a:fillRef idx="1">
+          <a:scrgbClr r="0" g="0" b="0"/>
+        </a:fillRef>
+        <a:effectRef idx="2">
+          <a:scrgbClr r="0" g="0" b="0"/>
+        </a:effectRef>
+        <a:fontRef idx="minor">
+          <a:schemeClr val="lt1"/>
+        </a:fontRef>
+      </dsp:style>
+      <dsp:txBody>
+        <a:bodyPr spcFirstLastPara="0" vert="horz" wrap="square" lIns="60960" tIns="60960" rIns="60960" bIns="60960" numCol="1" spcCol="1270" anchor="ctr" anchorCtr="0">
+          <a:noAutofit/>
+        </a:bodyPr>
+        <a:lstStyle/>
+        <a:p>
+          <a:pPr lvl="0" algn="ctr" defTabSz="711200">
+            <a:lnSpc>
+              <a:spcPct val="90000"/>
+            </a:lnSpc>
+            <a:spcBef>
+              <a:spcPct val="0"/>
+            </a:spcBef>
+            <a:spcAft>
+              <a:spcPct val="35000"/>
+            </a:spcAft>
+          </a:pPr>
+          <a:r>
+            <a:rPr lang="de-DE" sz="1600" kern="1200" dirty="0" smtClean="0"/>
+            <a:t>Hindernis im Sichtfeld der Kamera</a:t>
+          </a:r>
+          <a:endParaRPr lang="de-DE" sz="1600" kern="1200" dirty="0"/>
+        </a:p>
+      </dsp:txBody>
+      <dsp:txXfrm>
+        <a:off x="0" y="144019"/>
+        <a:ext cx="1403185" cy="929912"/>
+      </dsp:txXfrm>
+    </dsp:sp>
+    <dsp:sp modelId="{07284E07-4408-4BF2-9E53-8B0D5A353C3A}">
+      <dsp:nvSpPr>
+        <dsp:cNvPr id="0" name=""/>
+        <dsp:cNvSpPr/>
+      </dsp:nvSpPr>
+      <dsp:spPr>
+        <a:xfrm rot="25898">
+          <a:off x="1712301" y="344958"/>
+          <a:ext cx="744736" cy="548871"/>
+        </a:xfrm>
+        <a:prstGeom prst="rightArrow">
+          <a:avLst>
+            <a:gd name="adj1" fmla="val 60000"/>
+            <a:gd name="adj2" fmla="val 50000"/>
+          </a:avLst>
+        </a:prstGeom>
+        <a:solidFill>
+          <a:schemeClr val="accent2">
+            <a:tint val="60000"/>
+            <a:hueOff val="0"/>
+            <a:satOff val="0"/>
+            <a:lumOff val="0"/>
+            <a:alphaOff val="0"/>
+          </a:schemeClr>
+        </a:solidFill>
+        <a:ln>
+          <a:noFill/>
+        </a:ln>
+        <a:effectLst/>
+        <a:scene3d>
+          <a:camera prst="orthographicFront">
+            <a:rot lat="0" lon="0" rev="0"/>
+          </a:camera>
+          <a:lightRig rig="contrasting" dir="t">
+            <a:rot lat="0" lon="0" rev="1200000"/>
+          </a:lightRig>
+        </a:scene3d>
+        <a:sp3d z="-182000" contourW="19050" prstMaterial="metal">
+          <a:bevelT w="88900" h="203200"/>
+          <a:bevelB w="165100" h="254000"/>
+        </a:sp3d>
+      </dsp:spPr>
+      <dsp:style>
+        <a:lnRef idx="0">
+          <a:scrgbClr r="0" g="0" b="0"/>
+        </a:lnRef>
+        <a:fillRef idx="1">
+          <a:scrgbClr r="0" g="0" b="0"/>
+        </a:fillRef>
+        <a:effectRef idx="0">
+          <a:scrgbClr r="0" g="0" b="0"/>
+        </a:effectRef>
+        <a:fontRef idx="minor">
+          <a:schemeClr val="lt1"/>
+        </a:fontRef>
+      </dsp:style>
+      <dsp:txBody>
+        <a:bodyPr spcFirstLastPara="0" vert="horz" wrap="square" lIns="0" tIns="0" rIns="0" bIns="0" numCol="1" spcCol="1270" anchor="ctr" anchorCtr="0">
+          <a:noAutofit/>
+        </a:bodyPr>
+        <a:lstStyle/>
+        <a:p>
+          <a:pPr lvl="0" algn="ctr" defTabSz="889000">
+            <a:lnSpc>
+              <a:spcPct val="90000"/>
+            </a:lnSpc>
+            <a:spcBef>
+              <a:spcPct val="0"/>
+            </a:spcBef>
+            <a:spcAft>
+              <a:spcPct val="35000"/>
+            </a:spcAft>
+          </a:pPr>
+          <a:endParaRPr lang="de-DE" sz="2000" kern="1200"/>
+        </a:p>
+      </dsp:txBody>
+      <dsp:txXfrm rot="25898">
+        <a:off x="1712301" y="344958"/>
+        <a:ext cx="744736" cy="548871"/>
+      </dsp:txXfrm>
+    </dsp:sp>
+    <dsp:sp modelId="{EB0F924E-08B8-4496-8F7C-D75A9D314B30}">
+      <dsp:nvSpPr>
+        <dsp:cNvPr id="0" name=""/>
+        <dsp:cNvSpPr/>
+      </dsp:nvSpPr>
+      <dsp:spPr>
+        <a:xfrm>
+          <a:off x="2808308" y="144019"/>
+          <a:ext cx="2259092" cy="978673"/>
+        </a:xfrm>
+        <a:prstGeom prst="roundRect">
+          <a:avLst>
+            <a:gd name="adj" fmla="val 10000"/>
+          </a:avLst>
+        </a:prstGeom>
+        <a:solidFill>
+          <a:schemeClr val="accent2">
+            <a:hueOff val="0"/>
+            <a:satOff val="0"/>
+            <a:lumOff val="0"/>
+            <a:alphaOff val="0"/>
+          </a:schemeClr>
+        </a:solidFill>
+        <a:ln>
+          <a:noFill/>
+        </a:ln>
+        <a:effectLst>
+          <a:outerShdw blurRad="40000" dist="23000" dir="5400000" rotWithShape="0">
+            <a:srgbClr val="000000">
+              <a:alpha val="35000"/>
+            </a:srgbClr>
+          </a:outerShdw>
+        </a:effectLst>
+        <a:scene3d>
+          <a:camera prst="orthographicFront">
+            <a:rot lat="0" lon="0" rev="0"/>
+          </a:camera>
+          <a:lightRig rig="contrasting" dir="t">
+            <a:rot lat="0" lon="0" rev="1200000"/>
+          </a:lightRig>
+        </a:scene3d>
+        <a:sp3d contourW="19050" prstMaterial="metal">
+          <a:bevelT w="88900" h="203200"/>
+          <a:bevelB w="165100" h="254000"/>
+        </a:sp3d>
+      </dsp:spPr>
+      <dsp:style>
+        <a:lnRef idx="0">
+          <a:scrgbClr r="0" g="0" b="0"/>
+        </a:lnRef>
+        <a:fillRef idx="1">
+          <a:scrgbClr r="0" g="0" b="0"/>
+        </a:fillRef>
+        <a:effectRef idx="2">
+          <a:scrgbClr r="0" g="0" b="0"/>
+        </a:effectRef>
+        <a:fontRef idx="minor">
+          <a:schemeClr val="lt1"/>
+        </a:fontRef>
+      </dsp:style>
+      <dsp:txBody>
+        <a:bodyPr spcFirstLastPara="0" vert="horz" wrap="square" lIns="60960" tIns="60960" rIns="60960" bIns="60960" numCol="1" spcCol="1270" anchor="ctr" anchorCtr="0">
+          <a:noAutofit/>
+        </a:bodyPr>
+        <a:lstStyle/>
+        <a:p>
+          <a:pPr lvl="0" algn="ctr" defTabSz="711200">
+            <a:lnSpc>
+              <a:spcPct val="90000"/>
+            </a:lnSpc>
+            <a:spcBef>
+              <a:spcPct val="0"/>
+            </a:spcBef>
+            <a:spcAft>
+              <a:spcPct val="35000"/>
+            </a:spcAft>
+          </a:pPr>
+          <a:r>
+            <a:rPr lang="de-DE" sz="1600" kern="1200" dirty="0" smtClean="0"/>
+            <a:t>Vergleich der Position von Hindernis und Fahrspur</a:t>
+          </a:r>
+          <a:endParaRPr lang="de-DE" sz="1600" kern="1200" dirty="0"/>
+        </a:p>
+      </dsp:txBody>
+      <dsp:txXfrm>
+        <a:off x="2808308" y="144019"/>
+        <a:ext cx="2259092" cy="978673"/>
+      </dsp:txXfrm>
+    </dsp:sp>
+    <dsp:sp modelId="{87601AF7-0F9F-46ED-B4EE-1B62860D4BA5}">
+      <dsp:nvSpPr>
+        <dsp:cNvPr id="0" name=""/>
+        <dsp:cNvSpPr/>
+      </dsp:nvSpPr>
+      <dsp:spPr>
+        <a:xfrm rot="21569511">
+          <a:off x="5299112" y="344371"/>
+          <a:ext cx="558260" cy="548871"/>
+        </a:xfrm>
+        <a:prstGeom prst="rightArrow">
+          <a:avLst>
+            <a:gd name="adj1" fmla="val 60000"/>
+            <a:gd name="adj2" fmla="val 50000"/>
+          </a:avLst>
+        </a:prstGeom>
+        <a:solidFill>
+          <a:schemeClr val="accent2">
+            <a:tint val="60000"/>
+            <a:hueOff val="0"/>
+            <a:satOff val="0"/>
+            <a:lumOff val="0"/>
+            <a:alphaOff val="0"/>
+          </a:schemeClr>
+        </a:solidFill>
+        <a:ln>
+          <a:noFill/>
+        </a:ln>
+        <a:effectLst/>
+        <a:scene3d>
+          <a:camera prst="orthographicFront">
+            <a:rot lat="0" lon="0" rev="0"/>
+          </a:camera>
+          <a:lightRig rig="contrasting" dir="t">
+            <a:rot lat="0" lon="0" rev="1200000"/>
+          </a:lightRig>
+        </a:scene3d>
+        <a:sp3d z="-182000" contourW="19050" prstMaterial="metal">
+          <a:bevelT w="88900" h="203200"/>
+          <a:bevelB w="165100" h="254000"/>
+        </a:sp3d>
+      </dsp:spPr>
+      <dsp:style>
+        <a:lnRef idx="0">
+          <a:scrgbClr r="0" g="0" b="0"/>
+        </a:lnRef>
+        <a:fillRef idx="1">
+          <a:scrgbClr r="0" g="0" b="0"/>
+        </a:fillRef>
+        <a:effectRef idx="0">
+          <a:scrgbClr r="0" g="0" b="0"/>
+        </a:effectRef>
+        <a:fontRef idx="minor">
+          <a:schemeClr val="lt1"/>
+        </a:fontRef>
+      </dsp:style>
+      <dsp:txBody>
+        <a:bodyPr spcFirstLastPara="0" vert="horz" wrap="square" lIns="0" tIns="0" rIns="0" bIns="0" numCol="1" spcCol="1270" anchor="ctr" anchorCtr="0">
+          <a:noAutofit/>
+        </a:bodyPr>
+        <a:lstStyle/>
+        <a:p>
+          <a:pPr lvl="0" algn="ctr" defTabSz="889000">
+            <a:lnSpc>
+              <a:spcPct val="90000"/>
+            </a:lnSpc>
+            <a:spcBef>
+              <a:spcPct val="0"/>
+            </a:spcBef>
+            <a:spcAft>
+              <a:spcPct val="35000"/>
+            </a:spcAft>
+          </a:pPr>
+          <a:endParaRPr lang="de-DE" sz="2000" kern="1200"/>
+        </a:p>
+      </dsp:txBody>
+      <dsp:txXfrm rot="21569511">
+        <a:off x="5299112" y="344371"/>
+        <a:ext cx="558260" cy="548871"/>
+      </dsp:txXfrm>
+    </dsp:sp>
+    <dsp:sp modelId="{3ECB9AC3-8324-4FBC-8785-044F1DD81182}">
+      <dsp:nvSpPr>
+        <dsp:cNvPr id="0" name=""/>
+        <dsp:cNvSpPr/>
+      </dsp:nvSpPr>
+      <dsp:spPr>
+        <a:xfrm>
+          <a:off x="6120681" y="72006"/>
+          <a:ext cx="2213191" cy="1064350"/>
+        </a:xfrm>
+        <a:prstGeom prst="roundRect">
+          <a:avLst>
+            <a:gd name="adj" fmla="val 10000"/>
+          </a:avLst>
+        </a:prstGeom>
+        <a:solidFill>
+          <a:schemeClr val="accent2">
+            <a:hueOff val="0"/>
+            <a:satOff val="0"/>
+            <a:lumOff val="0"/>
+            <a:alphaOff val="0"/>
+          </a:schemeClr>
+        </a:solidFill>
+        <a:ln>
+          <a:noFill/>
+        </a:ln>
+        <a:effectLst>
+          <a:outerShdw blurRad="40000" dist="23000" dir="5400000" rotWithShape="0">
+            <a:srgbClr val="000000">
+              <a:alpha val="35000"/>
+            </a:srgbClr>
+          </a:outerShdw>
+        </a:effectLst>
+        <a:scene3d>
+          <a:camera prst="orthographicFront">
+            <a:rot lat="0" lon="0" rev="0"/>
+          </a:camera>
+          <a:lightRig rig="contrasting" dir="t">
+            <a:rot lat="0" lon="0" rev="1200000"/>
+          </a:lightRig>
+        </a:scene3d>
+        <a:sp3d contourW="19050" prstMaterial="metal">
+          <a:bevelT w="88900" h="203200"/>
+          <a:bevelB w="165100" h="254000"/>
+        </a:sp3d>
+      </dsp:spPr>
+      <dsp:style>
+        <a:lnRef idx="0">
+          <a:scrgbClr r="0" g="0" b="0"/>
+        </a:lnRef>
+        <a:fillRef idx="1">
+          <a:scrgbClr r="0" g="0" b="0"/>
+        </a:fillRef>
+        <a:effectRef idx="2">
+          <a:scrgbClr r="0" g="0" b="0"/>
+        </a:effectRef>
+        <a:fontRef idx="minor">
+          <a:schemeClr val="lt1"/>
+        </a:fontRef>
+      </dsp:style>
+      <dsp:txBody>
+        <a:bodyPr spcFirstLastPara="0" vert="horz" wrap="square" lIns="60960" tIns="60960" rIns="60960" bIns="60960" numCol="1" spcCol="1270" anchor="ctr" anchorCtr="0">
+          <a:noAutofit/>
+        </a:bodyPr>
+        <a:lstStyle/>
+        <a:p>
+          <a:pPr lvl="0" algn="ctr" defTabSz="711200">
+            <a:lnSpc>
+              <a:spcPct val="90000"/>
+            </a:lnSpc>
+            <a:spcBef>
+              <a:spcPct val="0"/>
+            </a:spcBef>
+            <a:spcAft>
+              <a:spcPct val="35000"/>
+            </a:spcAft>
+          </a:pPr>
+          <a:r>
+            <a:rPr lang="de-DE" sz="1600" kern="1200" dirty="0" smtClean="0"/>
+            <a:t>Wenn Hindernis auf Fahrspur: Einleitung </a:t>
+          </a:r>
+          <a:r>
+            <a:rPr lang="de-DE" sz="1600" kern="1200" smtClean="0"/>
+            <a:t>des Spurwechsels</a:t>
+          </a:r>
+          <a:endParaRPr lang="de-DE" sz="1600" kern="1200" dirty="0"/>
+        </a:p>
+      </dsp:txBody>
+      <dsp:txXfrm>
+        <a:off x="6120681" y="72006"/>
+        <a:ext cx="2213191" cy="1064350"/>
+      </dsp:txXfrm>
+    </dsp:sp>
+    <dsp:sp modelId="{57D1F035-83D0-404D-822E-A0E9FF1B02F1}">
+      <dsp:nvSpPr>
+        <dsp:cNvPr id="0" name=""/>
+        <dsp:cNvSpPr/>
+      </dsp:nvSpPr>
+      <dsp:spPr>
+        <a:xfrm rot="5400000">
+          <a:off x="7070441" y="1148960"/>
+          <a:ext cx="313671" cy="548871"/>
+        </a:xfrm>
+        <a:prstGeom prst="rightArrow">
+          <a:avLst>
+            <a:gd name="adj1" fmla="val 60000"/>
+            <a:gd name="adj2" fmla="val 50000"/>
+          </a:avLst>
+        </a:prstGeom>
+        <a:solidFill>
+          <a:schemeClr val="accent2">
+            <a:tint val="60000"/>
+            <a:hueOff val="0"/>
+            <a:satOff val="0"/>
+            <a:lumOff val="0"/>
+            <a:alphaOff val="0"/>
+          </a:schemeClr>
+        </a:solidFill>
+        <a:ln>
+          <a:noFill/>
+        </a:ln>
+        <a:effectLst/>
+        <a:scene3d>
+          <a:camera prst="orthographicFront">
+            <a:rot lat="0" lon="0" rev="0"/>
+          </a:camera>
+          <a:lightRig rig="contrasting" dir="t">
+            <a:rot lat="0" lon="0" rev="1200000"/>
+          </a:lightRig>
+        </a:scene3d>
+        <a:sp3d z="-182000" contourW="19050" prstMaterial="metal">
+          <a:bevelT w="88900" h="203200"/>
+          <a:bevelB w="165100" h="254000"/>
+        </a:sp3d>
+      </dsp:spPr>
+      <dsp:style>
+        <a:lnRef idx="0">
+          <a:scrgbClr r="0" g="0" b="0"/>
+        </a:lnRef>
+        <a:fillRef idx="1">
+          <a:scrgbClr r="0" g="0" b="0"/>
+        </a:fillRef>
+        <a:effectRef idx="0">
+          <a:scrgbClr r="0" g="0" b="0"/>
+        </a:effectRef>
+        <a:fontRef idx="minor">
+          <a:schemeClr val="lt1"/>
+        </a:fontRef>
+      </dsp:style>
+      <dsp:txBody>
+        <a:bodyPr spcFirstLastPara="0" vert="horz" wrap="square" lIns="0" tIns="0" rIns="0" bIns="0" numCol="1" spcCol="1270" anchor="ctr" anchorCtr="0">
+          <a:noAutofit/>
+        </a:bodyPr>
+        <a:lstStyle/>
+        <a:p>
+          <a:pPr lvl="0" algn="ctr" defTabSz="889000">
+            <a:lnSpc>
+              <a:spcPct val="90000"/>
+            </a:lnSpc>
+            <a:spcBef>
+              <a:spcPct val="0"/>
+            </a:spcBef>
+            <a:spcAft>
+              <a:spcPct val="35000"/>
+            </a:spcAft>
+          </a:pPr>
+          <a:endParaRPr lang="de-DE" sz="2000" kern="1200"/>
+        </a:p>
+      </dsp:txBody>
+      <dsp:txXfrm rot="5400000">
+        <a:off x="7070441" y="1148960"/>
+        <a:ext cx="313671" cy="548871"/>
+      </dsp:txXfrm>
+    </dsp:sp>
+    <dsp:sp modelId="{0C959095-7882-4471-98AD-EDED72A06E2D}">
+      <dsp:nvSpPr>
+        <dsp:cNvPr id="0" name=""/>
+        <dsp:cNvSpPr/>
+      </dsp:nvSpPr>
+      <dsp:spPr>
+        <a:xfrm>
+          <a:off x="6120681" y="1728190"/>
+          <a:ext cx="2213191" cy="1066647"/>
+        </a:xfrm>
+        <a:prstGeom prst="roundRect">
+          <a:avLst>
+            <a:gd name="adj" fmla="val 10000"/>
+          </a:avLst>
+        </a:prstGeom>
+        <a:solidFill>
+          <a:schemeClr val="accent2">
+            <a:hueOff val="0"/>
+            <a:satOff val="0"/>
+            <a:lumOff val="0"/>
+            <a:alphaOff val="0"/>
+          </a:schemeClr>
+        </a:solidFill>
+        <a:ln>
+          <a:noFill/>
+        </a:ln>
+        <a:effectLst>
+          <a:outerShdw blurRad="40000" dist="23000" dir="5400000" rotWithShape="0">
+            <a:srgbClr val="000000">
+              <a:alpha val="35000"/>
+            </a:srgbClr>
+          </a:outerShdw>
+        </a:effectLst>
+        <a:scene3d>
+          <a:camera prst="orthographicFront">
+            <a:rot lat="0" lon="0" rev="0"/>
+          </a:camera>
+          <a:lightRig rig="contrasting" dir="t">
+            <a:rot lat="0" lon="0" rev="1200000"/>
+          </a:lightRig>
+        </a:scene3d>
+        <a:sp3d contourW="19050" prstMaterial="metal">
+          <a:bevelT w="88900" h="203200"/>
+          <a:bevelB w="165100" h="254000"/>
+        </a:sp3d>
+      </dsp:spPr>
+      <dsp:style>
+        <a:lnRef idx="0">
+          <a:scrgbClr r="0" g="0" b="0"/>
+        </a:lnRef>
+        <a:fillRef idx="1">
+          <a:scrgbClr r="0" g="0" b="0"/>
+        </a:fillRef>
+        <a:effectRef idx="2">
+          <a:scrgbClr r="0" g="0" b="0"/>
+        </a:effectRef>
+        <a:fontRef idx="minor">
+          <a:schemeClr val="lt1"/>
+        </a:fontRef>
+      </dsp:style>
+      <dsp:txBody>
+        <a:bodyPr spcFirstLastPara="0" vert="horz" wrap="square" lIns="60960" tIns="60960" rIns="60960" bIns="60960" numCol="1" spcCol="1270" anchor="ctr" anchorCtr="0">
+          <a:noAutofit/>
+        </a:bodyPr>
+        <a:lstStyle/>
+        <a:p>
+          <a:pPr lvl="0" algn="ctr" defTabSz="711200">
+            <a:lnSpc>
+              <a:spcPct val="90000"/>
+            </a:lnSpc>
+            <a:spcBef>
+              <a:spcPct val="0"/>
+            </a:spcBef>
+            <a:spcAft>
+              <a:spcPct val="35000"/>
+            </a:spcAft>
+          </a:pPr>
+          <a:r>
+            <a:rPr lang="de-DE" sz="1600" kern="1200" dirty="0" smtClean="0"/>
+            <a:t>Maximaler Lenkeinschlag in die gewünschte Richtung</a:t>
+          </a:r>
+          <a:endParaRPr lang="de-DE" sz="1600" kern="1200" dirty="0"/>
+        </a:p>
+      </dsp:txBody>
+      <dsp:txXfrm>
+        <a:off x="6120681" y="1728190"/>
+        <a:ext cx="2213191" cy="1066647"/>
+      </dsp:txXfrm>
+    </dsp:sp>
+    <dsp:sp modelId="{C187702E-51EF-4FC5-95AA-90B3C81FA086}">
+      <dsp:nvSpPr>
+        <dsp:cNvPr id="0" name=""/>
+        <dsp:cNvSpPr/>
+      </dsp:nvSpPr>
+      <dsp:spPr>
+        <a:xfrm rot="10821407">
+          <a:off x="5458313" y="1977520"/>
+          <a:ext cx="468079" cy="548871"/>
+        </a:xfrm>
+        <a:prstGeom prst="rightArrow">
+          <a:avLst>
+            <a:gd name="adj1" fmla="val 60000"/>
+            <a:gd name="adj2" fmla="val 50000"/>
+          </a:avLst>
+        </a:prstGeom>
+        <a:solidFill>
+          <a:schemeClr val="accent2">
+            <a:tint val="60000"/>
+            <a:hueOff val="0"/>
+            <a:satOff val="0"/>
+            <a:lumOff val="0"/>
+            <a:alphaOff val="0"/>
+          </a:schemeClr>
+        </a:solidFill>
+        <a:ln>
+          <a:noFill/>
+        </a:ln>
+        <a:effectLst/>
+        <a:scene3d>
+          <a:camera prst="orthographicFront">
+            <a:rot lat="0" lon="0" rev="0"/>
+          </a:camera>
+          <a:lightRig rig="contrasting" dir="t">
+            <a:rot lat="0" lon="0" rev="1200000"/>
+          </a:lightRig>
+        </a:scene3d>
+        <a:sp3d z="-182000" contourW="19050" prstMaterial="metal">
+          <a:bevelT w="88900" h="203200"/>
+          <a:bevelB w="165100" h="254000"/>
+        </a:sp3d>
+      </dsp:spPr>
+      <dsp:style>
+        <a:lnRef idx="0">
+          <a:scrgbClr r="0" g="0" b="0"/>
+        </a:lnRef>
+        <a:fillRef idx="1">
+          <a:scrgbClr r="0" g="0" b="0"/>
+        </a:fillRef>
+        <a:effectRef idx="0">
+          <a:scrgbClr r="0" g="0" b="0"/>
+        </a:effectRef>
+        <a:fontRef idx="minor">
+          <a:schemeClr val="lt1"/>
+        </a:fontRef>
+      </dsp:style>
+      <dsp:txBody>
+        <a:bodyPr spcFirstLastPara="0" vert="horz" wrap="square" lIns="0" tIns="0" rIns="0" bIns="0" numCol="1" spcCol="1270" anchor="ctr" anchorCtr="0">
+          <a:noAutofit/>
+        </a:bodyPr>
+        <a:lstStyle/>
+        <a:p>
+          <a:pPr lvl="0" algn="ctr" defTabSz="1111250">
+            <a:lnSpc>
+              <a:spcPct val="90000"/>
+            </a:lnSpc>
+            <a:spcBef>
+              <a:spcPct val="0"/>
+            </a:spcBef>
+            <a:spcAft>
+              <a:spcPct val="35000"/>
+            </a:spcAft>
+          </a:pPr>
+          <a:endParaRPr lang="de-DE" sz="2500" kern="1200"/>
+        </a:p>
+      </dsp:txBody>
+      <dsp:txXfrm rot="10821407">
+        <a:off x="5458313" y="1977520"/>
+        <a:ext cx="468079" cy="548871"/>
+      </dsp:txXfrm>
+    </dsp:sp>
+    <dsp:sp modelId="{FAC03DC4-EE0B-4F48-810D-D7D90D29CDA7}">
+      <dsp:nvSpPr>
+        <dsp:cNvPr id="0" name=""/>
+        <dsp:cNvSpPr/>
+      </dsp:nvSpPr>
+      <dsp:spPr>
+        <a:xfrm>
+          <a:off x="3024338" y="1728197"/>
+          <a:ext cx="2213191" cy="1028071"/>
+        </a:xfrm>
+        <a:prstGeom prst="roundRect">
+          <a:avLst>
+            <a:gd name="adj" fmla="val 10000"/>
+          </a:avLst>
+        </a:prstGeom>
+        <a:solidFill>
+          <a:schemeClr val="accent2">
+            <a:hueOff val="0"/>
+            <a:satOff val="0"/>
+            <a:lumOff val="0"/>
+            <a:alphaOff val="0"/>
+          </a:schemeClr>
+        </a:solidFill>
+        <a:ln>
+          <a:noFill/>
+        </a:ln>
+        <a:effectLst>
+          <a:outerShdw blurRad="40000" dist="23000" dir="5400000" rotWithShape="0">
+            <a:srgbClr val="000000">
+              <a:alpha val="35000"/>
+            </a:srgbClr>
+          </a:outerShdw>
+        </a:effectLst>
+        <a:scene3d>
+          <a:camera prst="orthographicFront">
+            <a:rot lat="0" lon="0" rev="0"/>
+          </a:camera>
+          <a:lightRig rig="contrasting" dir="t">
+            <a:rot lat="0" lon="0" rev="1200000"/>
+          </a:lightRig>
+        </a:scene3d>
+        <a:sp3d contourW="19050" prstMaterial="metal">
+          <a:bevelT w="88900" h="203200"/>
+          <a:bevelB w="165100" h="254000"/>
+        </a:sp3d>
+      </dsp:spPr>
+      <dsp:style>
+        <a:lnRef idx="0">
+          <a:scrgbClr r="0" g="0" b="0"/>
+        </a:lnRef>
+        <a:fillRef idx="1">
+          <a:scrgbClr r="0" g="0" b="0"/>
+        </a:fillRef>
+        <a:effectRef idx="2">
+          <a:scrgbClr r="0" g="0" b="0"/>
+        </a:effectRef>
+        <a:fontRef idx="minor">
+          <a:schemeClr val="lt1"/>
+        </a:fontRef>
+      </dsp:style>
+      <dsp:txBody>
+        <a:bodyPr spcFirstLastPara="0" vert="horz" wrap="square" lIns="60960" tIns="60960" rIns="60960" bIns="60960" numCol="1" spcCol="1270" anchor="ctr" anchorCtr="0">
+          <a:noAutofit/>
+        </a:bodyPr>
+        <a:lstStyle/>
+        <a:p>
+          <a:pPr lvl="0" algn="ctr" defTabSz="711200">
+            <a:lnSpc>
+              <a:spcPct val="90000"/>
+            </a:lnSpc>
+            <a:spcBef>
+              <a:spcPct val="0"/>
+            </a:spcBef>
+            <a:spcAft>
+              <a:spcPct val="35000"/>
+            </a:spcAft>
+          </a:pPr>
+          <a:r>
+            <a:rPr lang="de-DE" sz="1600" kern="1200" dirty="0" smtClean="0"/>
+            <a:t>Kurzzeitige Umschaltung auf aggressiveren Regler</a:t>
+          </a:r>
+          <a:endParaRPr lang="de-DE" sz="1600" kern="1200" dirty="0"/>
+        </a:p>
+      </dsp:txBody>
+      <dsp:txXfrm>
+        <a:off x="3024338" y="1728197"/>
+        <a:ext cx="2213191" cy="1028071"/>
+      </dsp:txXfrm>
+    </dsp:sp>
+    <dsp:sp modelId="{B11A5A4A-6892-4B2E-B725-ECE29BCF5F77}">
+      <dsp:nvSpPr>
+        <dsp:cNvPr id="0" name=""/>
+        <dsp:cNvSpPr/>
+      </dsp:nvSpPr>
+      <dsp:spPr>
+        <a:xfrm rot="10815290">
+          <a:off x="2415975" y="1961125"/>
+          <a:ext cx="429912" cy="548871"/>
+        </a:xfrm>
+        <a:prstGeom prst="rightArrow">
+          <a:avLst>
+            <a:gd name="adj1" fmla="val 60000"/>
+            <a:gd name="adj2" fmla="val 50000"/>
+          </a:avLst>
+        </a:prstGeom>
+        <a:solidFill>
+          <a:schemeClr val="accent2">
+            <a:tint val="60000"/>
+            <a:hueOff val="0"/>
+            <a:satOff val="0"/>
+            <a:lumOff val="0"/>
+            <a:alphaOff val="0"/>
+          </a:schemeClr>
+        </a:solidFill>
+        <a:ln>
+          <a:noFill/>
+        </a:ln>
+        <a:effectLst/>
+        <a:scene3d>
+          <a:camera prst="orthographicFront">
+            <a:rot lat="0" lon="0" rev="0"/>
+          </a:camera>
+          <a:lightRig rig="contrasting" dir="t">
+            <a:rot lat="0" lon="0" rev="1200000"/>
+          </a:lightRig>
+        </a:scene3d>
+        <a:sp3d z="-182000" contourW="19050" prstMaterial="metal">
+          <a:bevelT w="88900" h="203200"/>
+          <a:bevelB w="165100" h="254000"/>
+        </a:sp3d>
+      </dsp:spPr>
+      <dsp:style>
+        <a:lnRef idx="0">
+          <a:scrgbClr r="0" g="0" b="0"/>
+        </a:lnRef>
+        <a:fillRef idx="1">
+          <a:scrgbClr r="0" g="0" b="0"/>
+        </a:fillRef>
+        <a:effectRef idx="0">
+          <a:scrgbClr r="0" g="0" b="0"/>
+        </a:effectRef>
+        <a:fontRef idx="minor">
+          <a:schemeClr val="lt1"/>
+        </a:fontRef>
+      </dsp:style>
+      <dsp:txBody>
+        <a:bodyPr spcFirstLastPara="0" vert="horz" wrap="square" lIns="0" tIns="0" rIns="0" bIns="0" numCol="1" spcCol="1270" anchor="ctr" anchorCtr="0">
+          <a:noAutofit/>
+        </a:bodyPr>
+        <a:lstStyle/>
+        <a:p>
+          <a:pPr lvl="0" algn="ctr" defTabSz="1111250">
+            <a:lnSpc>
+              <a:spcPct val="90000"/>
+            </a:lnSpc>
+            <a:spcBef>
+              <a:spcPct val="0"/>
+            </a:spcBef>
+            <a:spcAft>
+              <a:spcPct val="35000"/>
+            </a:spcAft>
+          </a:pPr>
+          <a:endParaRPr lang="de-DE" sz="2500" kern="1200"/>
+        </a:p>
+      </dsp:txBody>
+      <dsp:txXfrm rot="10815290">
+        <a:off x="2415975" y="1961125"/>
+        <a:ext cx="429912" cy="548871"/>
+      </dsp:txXfrm>
+    </dsp:sp>
+    <dsp:sp modelId="{25B326A3-A87D-4B61-8CBD-2F11BDEA96BC}">
+      <dsp:nvSpPr>
+        <dsp:cNvPr id="0" name=""/>
+        <dsp:cNvSpPr/>
+      </dsp:nvSpPr>
+      <dsp:spPr>
+        <a:xfrm>
+          <a:off x="0" y="1728190"/>
+          <a:ext cx="2213191" cy="1001181"/>
+        </a:xfrm>
+        <a:prstGeom prst="roundRect">
+          <a:avLst>
+            <a:gd name="adj" fmla="val 10000"/>
+          </a:avLst>
+        </a:prstGeom>
+        <a:solidFill>
+          <a:schemeClr val="accent2">
+            <a:hueOff val="0"/>
+            <a:satOff val="0"/>
+            <a:lumOff val="0"/>
+            <a:alphaOff val="0"/>
+          </a:schemeClr>
+        </a:solidFill>
+        <a:ln>
+          <a:noFill/>
+        </a:ln>
+        <a:effectLst>
+          <a:outerShdw blurRad="40000" dist="23000" dir="5400000" rotWithShape="0">
+            <a:srgbClr val="000000">
+              <a:alpha val="35000"/>
+            </a:srgbClr>
+          </a:outerShdw>
+        </a:effectLst>
+        <a:scene3d>
+          <a:camera prst="orthographicFront">
+            <a:rot lat="0" lon="0" rev="0"/>
+          </a:camera>
+          <a:lightRig rig="contrasting" dir="t">
+            <a:rot lat="0" lon="0" rev="1200000"/>
+          </a:lightRig>
+        </a:scene3d>
+        <a:sp3d contourW="19050" prstMaterial="metal">
+          <a:bevelT w="88900" h="203200"/>
+          <a:bevelB w="165100" h="254000"/>
+        </a:sp3d>
+      </dsp:spPr>
+      <dsp:style>
+        <a:lnRef idx="0">
+          <a:scrgbClr r="0" g="0" b="0"/>
+        </a:lnRef>
+        <a:fillRef idx="1">
+          <a:scrgbClr r="0" g="0" b="0"/>
+        </a:fillRef>
+        <a:effectRef idx="2">
+          <a:scrgbClr r="0" g="0" b="0"/>
+        </a:effectRef>
+        <a:fontRef idx="minor">
+          <a:schemeClr val="lt1"/>
+        </a:fontRef>
+      </dsp:style>
+      <dsp:txBody>
+        <a:bodyPr spcFirstLastPara="0" vert="horz" wrap="square" lIns="60960" tIns="60960" rIns="60960" bIns="60960" numCol="1" spcCol="1270" anchor="ctr" anchorCtr="0">
+          <a:noAutofit/>
+        </a:bodyPr>
+        <a:lstStyle/>
+        <a:p>
+          <a:pPr lvl="0" algn="ctr" defTabSz="711200">
+            <a:lnSpc>
+              <a:spcPct val="90000"/>
+            </a:lnSpc>
+            <a:spcBef>
+              <a:spcPct val="0"/>
+            </a:spcBef>
+            <a:spcAft>
+              <a:spcPct val="35000"/>
+            </a:spcAft>
+          </a:pPr>
+          <a:r>
+            <a:rPr lang="de-DE" sz="1600" kern="1200" dirty="0" smtClean="0"/>
+            <a:t>Umschaltung auf Standardregler</a:t>
+          </a:r>
+          <a:endParaRPr lang="de-DE" sz="1600" kern="1200" dirty="0"/>
+        </a:p>
+      </dsp:txBody>
+      <dsp:txXfrm>
+        <a:off x="0" y="1728190"/>
+        <a:ext cx="2213191" cy="1001181"/>
+      </dsp:txXfrm>
+    </dsp:sp>
+  </dsp:spTree>
+</dsp:drawing>
+</file>
+
+<file path=ppt/diagrams/layout1.xml><?xml version="1.0" encoding="utf-8"?>
+<dgm:layoutDef xmlns:dgm="http://schemas.openxmlformats.org/drawingml/2006/diagram" xmlns:a="http://schemas.openxmlformats.org/drawingml/2006/main" uniqueId="urn:microsoft.com/office/officeart/2005/8/layout/cycle5">
+  <dgm:title val=""/>
+  <dgm:desc val=""/>
+  <dgm:catLst>
+    <dgm:cat type="cycle" pri="3000"/>
+  </dgm:catLst>
+  <dgm:sampData>
+    <dgm:dataModel>
+      <dgm:ptLst>
+        <dgm:pt modelId="0" type="doc"/>
+        <dgm:pt modelId="1">
+          <dgm:prSet phldr="1"/>
+        </dgm:pt>
+        <dgm:pt modelId="2">
+          <dgm:prSet phldr="1"/>
+        </dgm:pt>
+        <dgm:pt modelId="3">
+          <dgm:prSet phldr="1"/>
+        </dgm:pt>
+        <dgm:pt modelId="4">
+          <dgm:prSet phldr="1"/>
+        </dgm:pt>
+        <dgm:pt modelId="5">
+          <dgm:prSet phldr="1"/>
+        </dgm:pt>
+      </dgm:ptLst>
+      <dgm:cxnLst>
+        <dgm:cxn modelId="6" srcId="0" destId="1" srcOrd="0" destOrd="0"/>
+        <dgm:cxn modelId="7" srcId="0" destId="2" srcOrd="1" destOrd="0"/>
+        <dgm:cxn modelId="8" srcId="0" destId="3" srcOrd="2" destOrd="0"/>
+        <dgm:cxn modelId="9" srcId="0" destId="4" srcOrd="3" destOrd="0"/>
+        <dgm:cxn modelId="10" srcId="0" destId="5" srcOrd="4" destOrd="0"/>
+      </dgm:cxnLst>
+      <dgm:bg/>
+      <dgm:whole/>
+    </dgm:dataModel>
+  </dgm:sampData>
+  <dgm:styleData>
+    <dgm:dataModel>
+      <dgm:ptLst>
+        <dgm:pt modelId="0" type="doc"/>
+        <dgm:pt modelId="1"/>
+        <dgm:pt modelId="2"/>
+        <dgm:pt modelId="3"/>
+      </dgm:ptLst>
+      <dgm:cxnLst>
+        <dgm:cxn modelId="4" srcId="0" destId="1" srcOrd="0" destOrd="0"/>
+        <dgm:cxn modelId="5" srcId="0" destId="2" srcOrd="1" destOrd="0"/>
+        <dgm:cxn modelId="6" srcId="0" destId="3" srcOrd="2" destOrd="0"/>
+      </dgm:cxnLst>
+      <dgm:bg/>
+      <dgm:whole/>
+    </dgm:dataModel>
+  </dgm:styleData>
+  <dgm:clrData>
+    <dgm:dataModel>
+      <dgm:ptLst>
+        <dgm:pt modelId="0" type="doc"/>
+        <dgm:pt modelId="1"/>
+        <dgm:pt modelId="2"/>
+        <dgm:pt modelId="3"/>
+        <dgm:pt modelId="4"/>
+        <dgm:pt modelId="5"/>
+        <dgm:pt modelId="6"/>
+      </dgm:ptLst>
+      <dgm:cxnLst>
+        <dgm:cxn modelId="7" srcId="0" destId="1" srcOrd="0" destOrd="0"/>
+        <dgm:cxn modelId="8" srcId="0" destId="2" srcOrd="1" destOrd="0"/>
+        <dgm:cxn modelId="9" srcId="0" destId="3" srcOrd="2" destOrd="0"/>
+        <dgm:cxn modelId="10" srcId="0" destId="4" srcOrd="3" destOrd="0"/>
+        <dgm:cxn modelId="11" srcId="0" destId="5" srcOrd="4" destOrd="0"/>
+        <dgm:cxn modelId="12" srcId="0" destId="6" srcOrd="5" destOrd="0"/>
+      </dgm:cxnLst>
+      <dgm:bg/>
+      <dgm:whole/>
+    </dgm:dataModel>
+  </dgm:clrData>
+  <dgm:layoutNode name="cycle">
+    <dgm:varLst>
+      <dgm:dir/>
+      <dgm:resizeHandles val="exact"/>
+    </dgm:varLst>
+    <dgm:choose name="Name0">
+      <dgm:if name="Name1" func="var" arg="dir" op="equ" val="norm">
+        <dgm:choose name="Name2">
+          <dgm:if name="Name3" axis="ch" ptType="node" func="cnt" op="gt" val="2">
+            <dgm:alg type="cycle">
+              <dgm:param type="stAng" val="0"/>
+              <dgm:param type="spanAng" val="360"/>
+            </dgm:alg>
+          </dgm:if>
+          <dgm:else name="Name4">
+            <dgm:alg type="cycle">
+              <dgm:param type="stAng" val="-90"/>
+              <dgm:param type="spanAng" val="360"/>
+            </dgm:alg>
+          </dgm:else>
+        </dgm:choose>
+      </dgm:if>
+      <dgm:else name="Name5">
+        <dgm:choose name="Name6">
+          <dgm:if name="Name7" axis="ch" ptType="node" func="cnt" op="gt" val="2">
+            <dgm:alg type="cycle">
+              <dgm:param type="stAng" val="0"/>
+              <dgm:param type="spanAng" val="-360"/>
+            </dgm:alg>
+          </dgm:if>
+          <dgm:else name="Name8">
+            <dgm:alg type="cycle">
+              <dgm:param type="stAng" val="90"/>
+              <dgm:param type="spanAng" val="-360"/>
+            </dgm:alg>
+          </dgm:else>
+        </dgm:choose>
+      </dgm:else>
+    </dgm:choose>
+    <dgm:shape xmlns:r="http://schemas.openxmlformats.org/officeDocument/2006/relationships" r:blip="">
+      <dgm:adjLst/>
+    </dgm:shape>
+    <dgm:presOf/>
+    <dgm:choose name="Name9">
+      <dgm:if name="Name10" func="var" arg="dir" op="equ" val="norm">
+        <dgm:constrLst>
+          <dgm:constr type="w" for="ch" forName="node" refType="w"/>
+          <dgm:constr type="w" for="ch" ptType="sibTrans" refType="w" refFor="ch" refForName="node" op="equ" fact="0.3"/>
+          <dgm:constr type="diam" for="ch" ptType="sibTrans" refType="diam" op="equ"/>
+          <dgm:constr type="sibSp" refType="w" refFor="ch" refForName="node" op="equ" fact="0.15"/>
+          <dgm:constr type="w" for="ch" forName="spNode" refType="sibSp" fact="1.6"/>
+          <dgm:constr type="primFontSz" for="ch" forName="node" op="equ" val="65"/>
+        </dgm:constrLst>
+      </dgm:if>
+      <dgm:else name="Name11">
+        <dgm:constrLst>
+          <dgm:constr type="w" for="ch" forName="node" refType="w"/>
+          <dgm:constr type="w" for="ch" ptType="sibTrans" refType="w" refFor="ch" refForName="node" op="equ" fact="0.3"/>
+          <dgm:constr type="diam" for="ch" ptType="sibTrans" refType="diam" fact="-1"/>
+          <dgm:constr type="diam" for="ch" refType="diam" op="equ" fact="-1"/>
+          <dgm:constr type="sibSp" refType="w" refFor="ch" refForName="node" op="equ" fact="0.15"/>
+          <dgm:constr type="w" for="ch" forName="spNode" refType="sibSp" fact="1.6"/>
+          <dgm:constr type="primFontSz" for="ch" forName="node" op="equ" val="65"/>
+        </dgm:constrLst>
+      </dgm:else>
+    </dgm:choose>
+    <dgm:ruleLst/>
+    <dgm:forEach name="Name12" axis="ch" ptType="node">
+      <dgm:layoutNode name="node">
+        <dgm:varLst>
+          <dgm:bulletEnabled val="1"/>
+        </dgm:varLst>
+        <dgm:alg type="tx"/>
+        <dgm:shape xmlns:r="http://schemas.openxmlformats.org/officeDocument/2006/relationships" type="roundRect" r:blip="">
+          <dgm:adjLst/>
+        </dgm:shape>
+        <dgm:presOf axis="desOrSelf" ptType="node"/>
+        <dgm:constrLst>
+          <dgm:constr type="h" refType="w" fact="0.65"/>
+          <dgm:constr type="tMarg" refType="primFontSz" fact="0.3"/>
+          <dgm:constr type="bMarg" refType="primFontSz" fact="0.3"/>
+          <dgm:constr type="lMarg" refType="primFontSz" fact="0.3"/>
+          <dgm:constr type="rMarg" refType="primFontSz" fact="0.3"/>
+        </dgm:constrLst>
+        <dgm:ruleLst>
+          <dgm:rule type="primFontSz" val="5" fact="NaN" max="NaN"/>
+        </dgm:ruleLst>
+      </dgm:layoutNode>
+      <dgm:choose name="Name13">
+        <dgm:if name="Name14" axis="par ch" ptType="doc node" func="cnt" op="gt" val="1">
+          <dgm:layoutNode name="spNode">
+            <dgm:alg type="sp"/>
+            <dgm:shape xmlns:r="http://schemas.openxmlformats.org/officeDocument/2006/relationships" r:blip="">
+              <dgm:adjLst/>
+            </dgm:shape>
+            <dgm:presOf/>
+            <dgm:constrLst>
+              <dgm:constr type="h" refType="w"/>
+            </dgm:constrLst>
+            <dgm:ruleLst/>
+          </dgm:layoutNode>
+          <dgm:forEach name="Name15" axis="followSib" ptType="sibTrans" hideLastTrans="0" cnt="1">
+            <dgm:layoutNode name="sibTrans">
+              <dgm:alg type="conn">
+                <dgm:param type="dim" val="1D"/>
+                <dgm:param type="connRout" val="curve"/>
+                <dgm:param type="begPts" val="radial"/>
+                <dgm:param type="endPts" val="radial"/>
+              </dgm:alg>
+              <dgm:shape xmlns:r="http://schemas.openxmlformats.org/officeDocument/2006/relationships" type="conn" r:blip="">
+                <dgm:adjLst/>
+              </dgm:shape>
+              <dgm:presOf axis="self"/>
+              <dgm:constrLst>
+                <dgm:constr type="h" refType="w" fact="0.65"/>
+                <dgm:constr type="connDist"/>
+                <dgm:constr type="begPad" refType="connDist" fact="0.2"/>
+                <dgm:constr type="endPad" refType="connDist" fact="0.2"/>
+              </dgm:constrLst>
+              <dgm:ruleLst/>
+            </dgm:layoutNode>
+          </dgm:forEach>
+        </dgm:if>
+        <dgm:else name="Name16"/>
+      </dgm:choose>
+    </dgm:forEach>
+  </dgm:layoutNode>
+</dgm:layoutDef>
+</file>
+
+<file path=ppt/diagrams/layout2.xml><?xml version="1.0" encoding="utf-8"?>
+<dgm:layoutDef xmlns:dgm="http://schemas.openxmlformats.org/drawingml/2006/diagram" xmlns:a="http://schemas.openxmlformats.org/drawingml/2006/main" uniqueId="urn:microsoft.com/office/officeart/2005/8/layout/process5">
+  <dgm:title val=""/>
+  <dgm:desc val=""/>
+  <dgm:catLst>
+    <dgm:cat type="process" pri="17000"/>
+  </dgm:catLst>
+  <dgm:sampData>
+    <dgm:dataModel>
+      <dgm:ptLst>
+        <dgm:pt modelId="0" type="doc"/>
+        <dgm:pt modelId="1">
+          <dgm:prSet phldr="1"/>
+        </dgm:pt>
+        <dgm:pt modelId="2">
+          <dgm:prSet phldr="1"/>
+        </dgm:pt>
+        <dgm:pt modelId="3">
+          <dgm:prSet phldr="1"/>
+        </dgm:pt>
+        <dgm:pt modelId="4">
+          <dgm:prSet phldr="1"/>
+        </dgm:pt>
+        <dgm:pt modelId="5">
+          <dgm:prSet phldr="1"/>
+        </dgm:pt>
+      </dgm:ptLst>
+      <dgm:cxnLst>
+        <dgm:cxn modelId="7" srcId="0" destId="1" srcOrd="0" destOrd="0"/>
+        <dgm:cxn modelId="8" srcId="0" destId="2" srcOrd="1" destOrd="0"/>
+        <dgm:cxn modelId="9" srcId="0" destId="3" srcOrd="2" destOrd="0"/>
+        <dgm:cxn modelId="10" srcId="0" destId="4" srcOrd="3" destOrd="0"/>
+        <dgm:cxn modelId="11" srcId="0" destId="5" srcOrd="4" destOrd="0"/>
+      </dgm:cxnLst>
+      <dgm:bg/>
+      <dgm:whole/>
+    </dgm:dataModel>
+  </dgm:sampData>
+  <dgm:styleData>
+    <dgm:dataModel>
+      <dgm:ptLst>
+        <dgm:pt modelId="0" type="doc"/>
+        <dgm:pt modelId="1"/>
+        <dgm:pt modelId="2"/>
+      </dgm:ptLst>
+      <dgm:cxnLst>
+        <dgm:cxn modelId="3" srcId="0" destId="1" srcOrd="0" destOrd="0"/>
+        <dgm:cxn modelId="4" srcId="0" destId="2" srcOrd="1" destOrd="0"/>
+      </dgm:cxnLst>
+      <dgm:bg/>
+      <dgm:whole/>
+    </dgm:dataModel>
+  </dgm:styleData>
+  <dgm:clrData>
+    <dgm:dataModel>
+      <dgm:ptLst>
+        <dgm:pt modelId="0" type="doc"/>
+        <dgm:pt modelId="1"/>
+        <dgm:pt modelId="2"/>
+        <dgm:pt modelId="3"/>
+        <dgm:pt modelId="4"/>
+      </dgm:ptLst>
+      <dgm:cxnLst>
+        <dgm:cxn modelId="5" srcId="0" destId="1" srcOrd="0" destOrd="0"/>
+        <dgm:cxn modelId="6" srcId="0" destId="2" srcOrd="1" destOrd="0"/>
+        <dgm:cxn modelId="7" srcId="0" destId="3" srcOrd="2" destOrd="0"/>
+        <dgm:cxn modelId="8" srcId="0" destId="4" srcOrd="3" destOrd="0"/>
+      </dgm:cxnLst>
+      <dgm:bg/>
+      <dgm:whole/>
+    </dgm:dataModel>
+  </dgm:clrData>
+  <dgm:layoutNode name="diagram">
+    <dgm:varLst>
+      <dgm:dir/>
+      <dgm:resizeHandles val="exact"/>
+    </dgm:varLst>
+    <dgm:choose name="Name0">
+      <dgm:if name="Name1" axis="self" func="var" arg="dir" op="equ" val="norm">
+        <dgm:alg type="snake">
+          <dgm:param type="grDir" val="tL"/>
+          <dgm:param type="flowDir" val="row"/>
+          <dgm:param type="contDir" val="revDir"/>
+          <dgm:param type="bkpt" val="endCnv"/>
+        </dgm:alg>
+      </dgm:if>
+      <dgm:else name="Name2">
+        <dgm:alg type="snake">
+          <dgm:param type="grDir" val="tR"/>
+          <dgm:param type="flowDir" val="row"/>
+          <dgm:param type="contDir" val="revDir"/>
+          <dgm:param type="bkpt" val="endCnv"/>
+        </dgm:alg>
+      </dgm:else>
+    </dgm:choose>
+    <dgm:shape xmlns:r="http://schemas.openxmlformats.org/officeDocument/2006/relationships" r:blip="">
+      <dgm:adjLst/>
+    </dgm:shape>
+    <dgm:presOf/>
+    <dgm:constrLst>
+      <dgm:constr type="w" for="ch" ptType="node" refType="w"/>
+      <dgm:constr type="w" for="ch" forName="sibTrans" refType="w" refFor="ch" refPtType="node" op="equ" fact="0.4"/>
+      <dgm:constr type="sp" refType="w" refFor="ch" refForName="sibTrans" op="equ"/>
+      <dgm:constr type="primFontSz" for="ch" ptType="node" op="equ" val="65"/>
+      <dgm:constr type="primFontSz" for="des" forName="connectorText" op="equ" val="55"/>
+      <dgm:constr type="primFontSz" for="des" forName="connectorText" refType="primFontSz" refFor="ch" refPtType="node" op="lte" fact="0.8"/>
+    </dgm:constrLst>
+    <dgm:ruleLst/>
+    <dgm:forEach name="nodesForEach" axis="ch" ptType="node">
+      <dgm:layoutNode name="node">
+        <dgm:varLst>
+          <dgm:bulletEnabled val="1"/>
+        </dgm:varLst>
+        <dgm:alg type="tx"/>
+        <dgm:shape xmlns:r="http://schemas.openxmlformats.org/officeDocument/2006/relationships" type="roundRect" r:blip="">
+          <dgm:adjLst>
+            <dgm:adj idx="1" val="0.1"/>
+          </dgm:adjLst>
+        </dgm:shape>
+        <dgm:presOf axis="desOrSelf" ptType="node"/>
+        <dgm:constrLst>
+          <dgm:constr type="h" refType="w" fact="0.6"/>
+          <dgm:constr type="tMarg" refType="primFontSz" fact="0.3"/>
+          <dgm:constr type="bMarg" refType="primFontSz" fact="0.3"/>
+          <dgm:constr type="lMarg" refType="primFontSz" fact="0.3"/>
+          <dgm:constr type="rMarg" refType="primFontSz" fact="0.3"/>
+        </dgm:constrLst>
+        <dgm:ruleLst>
+          <dgm:rule type="primFontSz" val="5" fact="NaN" max="NaN"/>
+        </dgm:ruleLst>
+      </dgm:layoutNode>
+      <dgm:forEach name="sibTransForEach" axis="followSib" ptType="sibTrans" cnt="1">
+        <dgm:layoutNode name="sibTrans">
+          <dgm:alg type="conn">
+            <dgm:param type="begPts" val="auto"/>
+            <dgm:param type="endPts" val="auto"/>
+          </dgm:alg>
+          <dgm:shape xmlns:r="http://schemas.openxmlformats.org/officeDocument/2006/relationships" type="conn" r:blip="">
+            <dgm:adjLst/>
+          </dgm:shape>
+          <dgm:presOf axis="self"/>
+          <dgm:constrLst>
+            <dgm:constr type="h" refType="w" fact="0.62"/>
+            <dgm:constr type="connDist"/>
+          </dgm:constrLst>
+          <dgm:ruleLst/>
+          <dgm:layoutNode name="connectorText">
+            <dgm:alg type="tx">
+              <dgm:param type="autoTxRot" val="upr"/>
+            </dgm:alg>
+            <dgm:shape xmlns:r="http://schemas.openxmlformats.org/officeDocument/2006/relationships" type="conn" r:blip="" hideGeom="1">
+              <dgm:adjLst/>
+            </dgm:shape>
+            <dgm:presOf axis="self"/>
+            <dgm:constrLst>
+              <dgm:constr type="lMarg"/>
+              <dgm:constr type="rMarg"/>
+              <dgm:constr type="tMarg"/>
+              <dgm:constr type="bMarg"/>
+            </dgm:constrLst>
+            <dgm:ruleLst>
+              <dgm:rule type="primFontSz" val="5" fact="NaN" max="NaN"/>
+            </dgm:ruleLst>
+          </dgm:layoutNode>
+        </dgm:layoutNode>
+      </dgm:forEach>
+    </dgm:forEach>
+  </dgm:layoutNode>
+</dgm:layoutDef>
+</file>
+
+<file path=ppt/diagrams/quickStyle1.xml><?xml version="1.0" encoding="utf-8"?>
+<dgm:styleDef xmlns:dgm="http://schemas.openxmlformats.org/drawingml/2006/diagram" xmlns:a="http://schemas.openxmlformats.org/drawingml/2006/main" uniqueId="urn:microsoft.com/office/officeart/2005/8/quickstyle/3d3">
+  <dgm:title val=""/>
+  <dgm:desc val=""/>
+  <dgm:catLst>
+    <dgm:cat type="3D" pri="11300"/>
+  </dgm:catLst>
+  <dgm:scene3d>
+    <a:camera prst="orthographicFront"/>
+    <a:lightRig rig="threePt" dir="t"/>
+  </dgm:scene3d>
+  <dgm:styleLbl name="node0">
+    <dgm:scene3d>
+      <a:camera prst="orthographicFront">
+        <a:rot lat="0" lon="0" rev="0"/>
+      </a:camera>
+      <a:lightRig rig="contrasting" dir="t">
+        <a:rot lat="0" lon="0" rev="1200000"/>
+      </a:lightRig>
+    </dgm:scene3d>
+    <dgm:sp3d contourW="19050" prstMaterial="metal">
+      <a:bevelT w="88900" h="203200"/>
+      <a:bevelB w="165100" h="254000"/>
+    </dgm:sp3d>
+    <dgm:txPr/>
+    <dgm:style>
+      <a:lnRef idx="0">
+        <a:scrgbClr r="0" g="0" b="0"/>
+      </a:lnRef>
+      <a:fillRef idx="1">
+        <a:scrgbClr r="0" g="0" b="0"/>
+      </a:fillRef>
+      <a:effectRef idx="1">
+        <a:scrgbClr r="0" g="0" b="0"/>
+      </a:effectRef>
+      <a:fontRef idx="minor">
+        <a:schemeClr val="lt1"/>
+      </a:fontRef>
+    </dgm:style>
+  </dgm:styleLbl>
+  <dgm:styleLbl name="lnNode1">
+    <dgm:scene3d>
+      <a:camera prst="orthographicFront">
+        <a:rot lat="0" lon="0" rev="0"/>
+      </a:camera>
+      <a:lightRig rig="contrasting" dir="t">
+        <a:rot lat="0" lon="0" rev="1200000"/>
+      </a:lightRig>
+    </dgm:scene3d>
+    <dgm:sp3d contourW="19050" prstMaterial="metal">
+      <a:bevelT w="88900" h="203200"/>
+      <a:bevelB w="165100" h="254000"/>
+    </dgm:sp3d>
+    <dgm:txPr/>
+    <dgm:style>
+      <a:lnRef idx="0">
+        <a:scrgbClr r="0" g="0" b="0"/>
+      </a:lnRef>
+      <a:fillRef idx="1">
+        <a:scrgbClr r="0" g="0" b="0"/>
+      </a:fillRef>
+      <a:effectRef idx="1">
+        <a:scrgbClr r="0" g="0" b="0"/>
+      </a:effectRef>
+      <a:fontRef idx="minor">
+        <a:schemeClr val="lt1"/>
+      </a:fontRef>
+    </dgm:style>
+  </dgm:styleLbl>
+  <dgm:styleLbl name="vennNode1">
+    <dgm:scene3d>
+      <a:camera prst="orthographicFront">
+        <a:rot lat="0" lon="0" rev="0"/>
+      </a:camera>
+      <a:lightRig rig="contrasting" dir="t">
+        <a:rot lat="0" lon="0" rev="1200000"/>
+      </a:lightRig>
+    </dgm:scene3d>
+    <dgm:sp3d contourW="12700" prstMaterial="clear">
+      <a:bevelT w="177800" h="254000"/>
+      <a:bevelB w="152400"/>
+    </dgm:sp3d>
+    <dgm:txPr/>
+    <dgm:style>
+      <a:lnRef idx="0">
+        <a:scrgbClr r="0" g="0" b="0"/>
+      </a:lnRef>
+      <a:fillRef idx="1">
+        <a:scrgbClr r="0" g="0" b="0"/>
+      </a:fillRef>
+      <a:effectRef idx="0">
+        <a:scrgbClr r="0" g="0" b="0"/>
+      </a:effectRef>
+      <a:fontRef idx="minor">
+        <a:schemeClr val="tx1"/>
+      </a:fontRef>
+    </dgm:style>
+  </dgm:styleLbl>
+  <dgm:styleLbl name="alignNode1">
+    <dgm:scene3d>
+      <a:camera prst="orthographicFront">
+        <a:rot lat="0" lon="0" rev="0"/>
+      </a:camera>
+      <a:lightRig rig="contrasting" dir="t">
+        <a:rot lat="0" lon="0" rev="1200000"/>
+      </a:lightRig>
+    </dgm:scene3d>
+    <dgm:sp3d contourW="19050" prstMaterial="metal">
+      <a:bevelT w="88900" h="203200"/>
+      <a:bevelB w="165100" h="254000"/>
+    </dgm:sp3d>
+    <dgm:txPr/>
+    <dgm:style>
+      <a:lnRef idx="0">
+        <a:scrgbClr r="0" g="0" b="0"/>
+      </a:lnRef>
+      <a:fillRef idx="1">
+        <a:scrgbClr r="0" g="0" b="0"/>
+      </a:fillRef>
+      <a:effectRef idx="2">
+        <a:scrgbClr r="0" g="0" b="0"/>
+      </a:effectRef>
+      <a:fontRef idx="minor">
+        <a:schemeClr val="lt1"/>
+      </a:fontRef>
+    </dgm:style>
+  </dgm:styleLbl>
+  <dgm:styleLbl name="node1">
+    <dgm:scene3d>
+      <a:camera prst="orthographicFront">
+        <a:rot lat="0" lon="0" rev="0"/>
+      </a:camera>
+      <a:lightRig rig="contrasting" dir="t">
+        <a:rot lat="0" lon="0" rev="1200000"/>
+      </a:lightRig>
+    </dgm:scene3d>
+    <dgm:sp3d contourW="19050" prstMaterial="metal">
+      <a:bevelT w="88900" h="203200"/>
+      <a:bevelB w="165100" h="254000"/>
+    </dgm:sp3d>
+    <dgm:txPr/>
+    <dgm:style>
+      <a:lnRef idx="0">
+        <a:scrgbClr r="0" g="0" b="0"/>
+      </a:lnRef>
+      <a:fillRef idx="1">
+        <a:scrgbClr r="0" g="0" b="0"/>
+      </a:fillRef>
+      <a:effectRef idx="2">
+        <a:scrgbClr r="0" g="0" b="0"/>
+      </a:effectRef>
+      <a:fontRef idx="minor">
+        <a:schemeClr val="lt1"/>
+      </a:fontRef>
+    </dgm:style>
+  </dgm:styleLbl>
+  <dgm:styleLbl name="node2">
+    <dgm:scene3d>
+      <a:camera prst="orthographicFront">
+        <a:rot lat="0" lon="0" rev="0"/>
+      </a:camera>
+      <a:lightRig rig="contrasting" dir="t">
+        <a:rot lat="0" lon="0" rev="1200000"/>
+      </a:lightRig>
+    </dgm:scene3d>
+    <dgm:sp3d contourW="19050" prstMaterial="metal">
+      <a:bevelT w="88900" h="203200"/>
+      <a:bevelB w="165100" h="254000"/>
+    </dgm:sp3d>
+    <dgm:txPr/>
+    <dgm:style>
+      <a:lnRef idx="0">
+        <a:scrgbClr r="0" g="0" b="0"/>
+      </a:lnRef>
+      <a:fillRef idx="1">
+        <a:scrgbClr r="0" g="0" b="0"/>
+      </a:fillRef>
+      <a:effectRef idx="1">
+        <a:scrgbClr r="0" g="0" b="0"/>
+      </a:effectRef>
+      <a:fontRef idx="minor">
+        <a:schemeClr val="lt1"/>
+      </a:fontRef>
+    </dgm:style>
+  </dgm:styleLbl>
+  <dgm:styleLbl name="node3">
+    <dgm:scene3d>
+      <a:camera prst="orthographicFront">
+        <a:rot lat="0" lon="0" rev="0"/>
+      </a:camera>
+      <a:lightRig rig="contrasting" dir="t">
+        <a:rot lat="0" lon="0" rev="1200000"/>
+      </a:lightRig>
+    </dgm:scene3d>
+    <dgm:sp3d contourW="19050" prstMaterial="metal">
+      <a:bevelT w="88900" h="203200"/>
+      <a:bevelB w="165100" h="254000"/>
+    </dgm:sp3d>
+    <dgm:txPr/>
+    <dgm:style>
+      <a:lnRef idx="0">
+        <a:scrgbClr r="0" g="0" b="0"/>
+      </a:lnRef>
+      <a:fillRef idx="1">
+        <a:scrgbClr r="0" g="0" b="0"/>
+      </a:fillRef>
+      <a:effectRef idx="1">
+        <a:scrgbClr r="0" g="0" b="0"/>
+      </a:effectRef>
+      <a:fontRef idx="minor">
+        <a:schemeClr val="lt1"/>
+      </a:fontRef>
+    </dgm:style>
+  </dgm:styleLbl>
+  <dgm:styleLbl name="node4">
+    <dgm:scene3d>
+      <a:camera prst="orthographicFront">
+        <a:rot lat="0" lon="0" rev="0"/>
+      </a:camera>
+      <a:lightRig rig="contrasting" dir="t">
+        <a:rot lat="0" lon="0" rev="1200000"/>
+      </a:lightRig>
+    </dgm:scene3d>
+    <dgm:sp3d contourW="19050" prstMaterial="metal">
+      <a:bevelT w="88900" h="203200"/>
+      <a:bevelB w="165100" h="254000"/>
+    </dgm:sp3d>
+    <dgm:txPr/>
+    <dgm:style>
+      <a:lnRef idx="0">
+        <a:scrgbClr r="0" g="0" b="0"/>
+      </a:lnRef>
+      <a:fillRef idx="1">
+        <a:scrgbClr r="0" g="0" b="0"/>
+      </a:fillRef>
+      <a:effectRef idx="1">
+        <a:scrgbClr r="0" g="0" b="0"/>
+      </a:effectRef>
+      <a:fontRef idx="minor">
+        <a:schemeClr val="lt1"/>
+      </a:fontRef>
+    </dgm:style>
+  </dgm:styleLbl>
+  <dgm:styleLbl name="fgImgPlace1">
+    <dgm:scene3d>
+      <a:camera prst="orthographicFront">
+        <a:rot lat="0" lon="0" rev="0"/>
+      </a:camera>
+      <a:lightRig rig="contrasting" dir="t">
+        <a:rot lat="0" lon="0" rev="1200000"/>
+      </a:lightRig>
+    </dgm:scene3d>
+    <dgm:sp3d z="300000" contourW="19050" prstMaterial="metal">
+      <a:bevelT w="88900" h="203200"/>
+      <a:bevelB w="165100" h="254000"/>
+    </dgm:sp3d>
+    <dgm:txPr/>
+    <dgm:style>
+      <a:lnRef idx="0">
+        <a:scrgbClr r="0" g="0" b="0"/>
+      </a:lnRef>
+      <a:fillRef idx="1">
+        <a:scrgbClr r="0" g="0" b="0"/>
+      </a:fillRef>
+      <a:effectRef idx="1">
+        <a:scrgbClr r="0" g="0" b="0"/>
+      </a:effectRef>
+      <a:fontRef idx="minor"/>
+    </dgm:style>
+  </dgm:styleLbl>
+  <dgm:styleLbl name="alignImgPlace1">
+    <dgm:scene3d>
+      <a:camera prst="orthographicFront">
+        <a:rot lat="0" lon="0" rev="0"/>
+      </a:camera>
+      <a:lightRig rig="contrasting" dir="t">
+        <a:rot lat="0" lon="0" rev="1200000"/>
+      </a:lightRig>
+    </dgm:scene3d>
+    <dgm:sp3d contourW="12700" prstMaterial="flat">
+      <a:bevelT w="177800" h="254000"/>
+      <a:bevelB w="152400"/>
+    </dgm:sp3d>
+    <dgm:txPr/>
+    <dgm:style>
+      <a:lnRef idx="0">
+        <a:scrgbClr r="0" g="0" b="0"/>
+      </a:lnRef>
+      <a:fillRef idx="1">
+        <a:scrgbClr r="0" g="0" b="0"/>
+      </a:fillRef>
+      <a:effectRef idx="1">
+        <a:scrgbClr r="0" g="0" b="0"/>
+      </a:effectRef>
+      <a:fontRef idx="minor"/>
+    </dgm:style>
+  </dgm:styleLbl>
+  <dgm:styleLbl name="bgImgPlace1">
+    <dgm:scene3d>
+      <a:camera prst="orthographicFront">
+        <a:rot lat="0" lon="0" rev="0"/>
+      </a:camera>
+      <a:lightRig rig="contrasting" dir="t">
+        <a:rot lat="0" lon="0" rev="1200000"/>
+      </a:lightRig>
+    </dgm:scene3d>
+    <dgm:sp3d z="-300000" contourW="19050" prstMaterial="metal">
+      <a:bevelT w="88900" h="203200"/>
+      <a:bevelB w="165100" h="254000"/>
+    </dgm:sp3d>
+    <dgm:txPr/>
+    <dgm:style>
+      <a:lnRef idx="0">
+        <a:scrgbClr r="0" g="0" b="0"/>
+      </a:lnRef>
+      <a:fillRef idx="1">
+        <a:scrgbClr r="0" g="0" b="0"/>
+      </a:fillRef>
+      <a:effectRef idx="1">
+        <a:scrgbClr r="0" g="0" b="0"/>
+      </a:effectRef>
+      <a:fontRef idx="minor"/>
+    </dgm:style>
+  </dgm:styleLbl>
+  <dgm:styleLbl name="sibTrans2D1">
+    <dgm:scene3d>
+      <a:camera prst="orthographicFront">
+        <a:rot lat="0" lon="0" rev="0"/>
+      </a:camera>
+      <a:lightRig rig="contrasting" dir="t">
+        <a:rot lat="0" lon="0" rev="1200000"/>
+      </a:lightRig>
+    </dgm:scene3d>
+    <dgm:sp3d z="-182000" contourW="19050" prstMaterial="metal">
+      <a:bevelT w="88900" h="203200"/>
+      <a:bevelB w="165100" h="254000"/>
+    </dgm:sp3d>
+    <dgm:txPr/>
+    <dgm:style>
+      <a:lnRef idx="0">
+        <a:scrgbClr r="0" g="0" b="0"/>
+      </a:lnRef>
+      <a:fillRef idx="1">
+        <a:scrgbClr r="0" g="0" b="0"/>
+      </a:fillRef>
+      <a:effectRef idx="0">
+        <a:scrgbClr r="0" g="0" b="0"/>
+      </a:effectRef>
+      <a:fontRef idx="minor">
+        <a:schemeClr val="lt1"/>
+      </a:fontRef>
+    </dgm:style>
+  </dgm:styleLbl>
+  <dgm:styleLbl name="fgSibTrans2D1">
+    <dgm:scene3d>
+      <a:camera prst="orthographicFront">
+        <a:rot lat="0" lon="0" rev="0"/>
+      </a:camera>
+      <a:lightRig rig="contrasting" dir="t">
+        <a:rot lat="0" lon="0" rev="1200000"/>
+      </a:lightRig>
+    </dgm:scene3d>
+    <dgm:sp3d z="300000" contourW="19050" prstMaterial="metal">
+      <a:bevelT w="88900" h="203200"/>
+      <a:bevelB w="165100" h="254000"/>
+    </dgm:sp3d>
+    <dgm:txPr/>
+    <dgm:style>
+      <a:lnRef idx="0">
+        <a:scrgbClr r="0" g="0" b="0"/>
+      </a:lnRef>
+      <a:fillRef idx="1">
+        <a:scrgbClr r="0" g="0" b="0"/>
+      </a:fillRef>
+      <a:effectRef idx="0">
+        <a:scrgbClr r="0" g="0" b="0"/>
+      </a:effectRef>
+      <a:fontRef idx="minor"/>
+    </dgm:style>
+  </dgm:styleLbl>
+  <dgm:styleLbl name="bgSibTrans2D1">
+    <dgm:scene3d>
+      <a:camera prst="orthographicFront">
+        <a:rot lat="0" lon="0" rev="0"/>
+      </a:camera>
+      <a:lightRig rig="contrasting" dir="t">
+        <a:rot lat="0" lon="0" rev="1200000"/>
+      </a:lightRig>
+    </dgm:scene3d>
+    <dgm:sp3d z="-300000" contourW="19050" prstMaterial="metal">
+      <a:bevelT w="88900" h="203200"/>
+      <a:bevelB w="165100" h="254000"/>
+    </dgm:sp3d>
+    <dgm:txPr/>
+    <dgm:style>
+      <a:lnRef idx="0">
+        <a:scrgbClr r="0" g="0" b="0"/>
+      </a:lnRef>
+      <a:fillRef idx="1">
+        <a:scrgbClr r="0" g="0" b="0"/>
+      </a:fillRef>
+      <a:effectRef idx="0">
+        <a:scrgbClr r="0" g="0" b="0"/>
+      </a:effectRef>
+      <a:fontRef idx="minor"/>
+    </dgm:style>
+  </dgm:styleLbl>
+  <dgm:styleLbl name="sibTrans1D1">
+    <dgm:scene3d>
+      <a:camera prst="orthographicFront">
+        <a:rot lat="0" lon="0" rev="0"/>
+      </a:camera>
+      <a:lightRig rig="contrasting" dir="t">
+        <a:rot lat="0" lon="0" rev="1200000"/>
+      </a:lightRig>
+    </dgm:scene3d>
+    <dgm:sp3d z="-110000"/>
+    <dgm:txPr/>
+    <dgm:style>
+      <a:lnRef idx="1">
+        <a:scrgbClr r="0" g="0" b="0"/>
+      </a:lnRef>
+      <a:fillRef idx="0">
+        <a:scrgbClr r="0" g="0" b="0"/>
+      </a:fillRef>
+      <a:effectRef idx="0">
+        <a:scrgbClr r="0" g="0" b="0"/>
+      </a:effectRef>
+      <a:fontRef idx="minor"/>
+    </dgm:style>
+  </dgm:styleLbl>
+  <dgm:styleLbl name="callout">
+    <dgm:scene3d>
+      <a:camera prst="orthographicFront">
+        <a:rot lat="0" lon="0" rev="0"/>
+      </a:camera>
+      <a:lightRig rig="contrasting" dir="t">
+        <a:rot lat="0" lon="0" rev="1200000"/>
+      </a:lightRig>
+    </dgm:scene3d>
+    <dgm:sp3d z="10000"/>
+    <dgm:txPr/>
+    <dgm:style>
+      <a:lnRef idx="2">
+        <a:scrgbClr r="0" g="0" b="0"/>
+      </a:lnRef>
+      <a:fillRef idx="1">
+        <a:scrgbClr r="0" g="0" b="0"/>
+      </a:fillRef>
+      <a:effectRef idx="0">
+        <a:scrgbClr r="0" g="0" b="0"/>
+      </a:effectRef>
+      <a:fontRef idx="minor"/>
+    </dgm:style>
+  </dgm:styleLbl>
+  <dgm:styleLbl name="asst0">
+    <dgm:scene3d>
+      <a:camera prst="orthographicFront">
+        <a:rot lat="0" lon="0" rev="0"/>
+      </a:camera>
+      <a:lightRig rig="contrasting" dir="t">
+        <a:rot lat="0" lon="0" rev="1200000"/>
+      </a:lightRig>
+    </dgm:scene3d>
+    <dgm:sp3d contourW="19050" prstMaterial="metal">
+      <a:bevelT w="88900" h="203200"/>
+      <a:bevelB w="165100" h="254000"/>
+    </dgm:sp3d>
+    <dgm:txPr/>
+    <dgm:style>
+      <a:lnRef idx="0">
+        <a:scrgbClr r="0" g="0" b="0"/>
+      </a:lnRef>
+      <a:fillRef idx="1">
+        <a:scrgbClr r="0" g="0" b="0"/>
+      </a:fillRef>
+      <a:effectRef idx="1">
+        <a:scrgbClr r="0" g="0" b="0"/>
+      </a:effectRef>
+      <a:fontRef idx="minor">
+        <a:schemeClr val="lt1"/>
+      </a:fontRef>
+    </dgm:style>
+  </dgm:styleLbl>
+  <dgm:styleLbl name="asst1">
+    <dgm:scene3d>
+      <a:camera prst="orthographicFront">
+        <a:rot lat="0" lon="0" rev="0"/>
+      </a:camera>
+      <a:lightRig rig="contrasting" dir="t">
+        <a:rot lat="0" lon="0" rev="1200000"/>
+      </a:lightRig>
+    </dgm:scene3d>
+    <dgm:sp3d contourW="19050" prstMaterial="metal">
+      <a:bevelT w="88900" h="203200"/>
+      <a:bevelB w="165100" h="254000"/>
+    </dgm:sp3d>
+    <dgm:txPr/>
+    <dgm:style>
+      <a:lnRef idx="0">
+        <a:scrgbClr r="0" g="0" b="0"/>
+      </a:lnRef>
+      <a:fillRef idx="1">
+        <a:scrgbClr r="0" g="0" b="0"/>
+      </a:fillRef>
+      <a:effectRef idx="1">
+        <a:scrgbClr r="0" g="0" b="0"/>
+      </a:effectRef>
+      <a:fontRef idx="minor">
+        <a:schemeClr val="lt1"/>
+      </a:fontRef>
+    </dgm:style>
+  </dgm:styleLbl>
+  <dgm:styleLbl name="asst2">
+    <dgm:scene3d>
+      <a:camera prst="orthographicFront">
+        <a:rot lat="0" lon="0" rev="0"/>
+      </a:camera>
+      <a:lightRig rig="contrasting" dir="t">
+        <a:rot lat="0" lon="0" rev="1200000"/>
+      </a:lightRig>
+    </dgm:scene3d>
+    <dgm:sp3d contourW="19050" prstMaterial="metal">
+      <a:bevelT w="88900" h="203200"/>
+      <a:bevelB w="165100" h="254000"/>
+    </dgm:sp3d>
+    <dgm:txPr/>
+    <dgm:style>
+      <a:lnRef idx="0">
+        <a:scrgbClr r="0" g="0" b="0"/>
+      </a:lnRef>
+      <a:fillRef idx="1">
+        <a:scrgbClr r="0" g="0" b="0"/>
+      </a:fillRef>
+      <a:effectRef idx="1">
+        <a:scrgbClr r="0" g="0" b="0"/>
+      </a:effectRef>
+      <a:fontRef idx="minor">
+        <a:schemeClr val="lt1"/>
+      </a:fontRef>
+    </dgm:style>
+  </dgm:styleLbl>
+  <dgm:styleLbl name="asst3">
+    <dgm:scene3d>
+      <a:camera prst="orthographicFront">
+        <a:rot lat="0" lon="0" rev="0"/>
+      </a:camera>
+      <a:lightRig rig="contrasting" dir="t">
+        <a:rot lat="0" lon="0" rev="1200000"/>
+      </a:lightRig>
+    </dgm:scene3d>
+    <dgm:sp3d contourW="19050" prstMaterial="metal">
+      <a:bevelT w="88900" h="203200"/>
+      <a:bevelB w="165100" h="254000"/>
+    </dgm:sp3d>
+    <dgm:txPr/>
+    <dgm:style>
+      <a:lnRef idx="0">
+        <a:scrgbClr r="0" g="0" b="0"/>
+      </a:lnRef>
+      <a:fillRef idx="1">
+        <a:scrgbClr r="0" g="0" b="0"/>
+      </a:fillRef>
+      <a:effectRef idx="1">
+        <a:scrgbClr r="0" g="0" b="0"/>
+      </a:effectRef>
+      <a:fontRef idx="minor">
+        <a:schemeClr val="lt1"/>
+      </a:fontRef>
+    </dgm:style>
+  </dgm:styleLbl>
+  <dgm:styleLbl name="asst4">
+    <dgm:scene3d>
+      <a:camera prst="orthographicFront"/>
+      <a:lightRig rig="threePt" dir="t"/>
+    </dgm:scene3d>
+    <dgm:sp3d contourW="19050" prstMaterial="metal">
+      <a:bevelT w="88900" h="203200"/>
+      <a:bevelB w="165100" h="254000"/>
+    </dgm:sp3d>
+    <dgm:txPr/>
+    <dgm:style>
+      <a:lnRef idx="0">
+        <a:scrgbClr r="0" g="0" b="0"/>
+      </a:lnRef>
+      <a:fillRef idx="1">
+        <a:scrgbClr r="0" g="0" b="0"/>
+      </a:fillRef>
+      <a:effectRef idx="1">
+        <a:scrgbClr r="0" g="0" b="0"/>
+      </a:effectRef>
+      <a:fontRef idx="minor">
+        <a:schemeClr val="lt1"/>
+      </a:fontRef>
+    </dgm:style>
+  </dgm:styleLbl>
+  <dgm:styleLbl name="parChTrans2D1">
+    <dgm:scene3d>
+      <a:camera prst="orthographicFront">
+        <a:rot lat="0" lon="0" rev="0"/>
+      </a:camera>
+      <a:lightRig rig="contrasting" dir="t">
+        <a:rot lat="0" lon="0" rev="1200000"/>
+      </a:lightRig>
+    </dgm:scene3d>
+    <dgm:sp3d contourW="19050" prstMaterial="metal">
+      <a:bevelT w="88900" h="203200"/>
+      <a:bevelB w="165100" h="254000"/>
+    </dgm:sp3d>
+    <dgm:txPr/>
+    <dgm:style>
+      <a:lnRef idx="0">
+        <a:scrgbClr r="0" g="0" b="0"/>
+      </a:lnRef>
+      <a:fillRef idx="1">
+        <a:scrgbClr r="0" g="0" b="0"/>
+      </a:fillRef>
+      <a:effectRef idx="0">
+        <a:scrgbClr r="0" g="0" b="0"/>
+      </a:effectRef>
+      <a:fontRef idx="minor"/>
+    </dgm:style>
+  </dgm:styleLbl>
+  <dgm:styleLbl name="parChTrans2D2">
+    <dgm:scene3d>
+      <a:camera prst="orthographicFront">
+        <a:rot lat="0" lon="0" rev="0"/>
+      </a:camera>
+      <a:lightRig rig="contrasting" dir="t">
+        <a:rot lat="0" lon="0" rev="1200000"/>
+      </a:lightRig>
+    </dgm:scene3d>
+    <dgm:sp3d contourW="19050" prstMaterial="metal">
+      <a:bevelT w="88900" h="203200"/>
+      <a:bevelB w="165100" h="254000"/>
+    </dgm:sp3d>
+    <dgm:txPr/>
+    <dgm:style>
+      <a:lnRef idx="0">
+        <a:scrgbClr r="0" g="0" b="0"/>
+      </a:lnRef>
+      <a:fillRef idx="1">
+        <a:scrgbClr r="0" g="0" b="0"/>
+      </a:fillRef>
+      <a:effectRef idx="0">
+        <a:scrgbClr r="0" g="0" b="0"/>
+      </a:effectRef>
+      <a:fontRef idx="minor"/>
+    </dgm:style>
+  </dgm:styleLbl>
+  <dgm:styleLbl name="parChTrans2D3">
+    <dgm:scene3d>
+      <a:camera prst="orthographicFront">
+        <a:rot lat="0" lon="0" rev="0"/>
+      </a:camera>
+      <a:lightRig rig="contrasting" dir="t">
+        <a:rot lat="0" lon="0" rev="1200000"/>
+      </a:lightRig>
+    </dgm:scene3d>
+    <dgm:sp3d contourW="19050" prstMaterial="metal">
+      <a:bevelT w="88900" h="203200"/>
+      <a:bevelB w="165100" h="254000"/>
+    </dgm:sp3d>
+    <dgm:txPr/>
+    <dgm:style>
+      <a:lnRef idx="0">
+        <a:scrgbClr r="0" g="0" b="0"/>
+      </a:lnRef>
+      <a:fillRef idx="1">
+        <a:scrgbClr r="0" g="0" b="0"/>
+      </a:fillRef>
+      <a:effectRef idx="0">
+        <a:scrgbClr r="0" g="0" b="0"/>
+      </a:effectRef>
+      <a:fontRef idx="minor"/>
+    </dgm:style>
+  </dgm:styleLbl>
+  <dgm:styleLbl name="parChTrans2D4">
+    <dgm:scene3d>
+      <a:camera prst="orthographicFront">
+        <a:rot lat="0" lon="0" rev="0"/>
+      </a:camera>
+      <a:lightRig rig="contrasting" dir="t">
+        <a:rot lat="0" lon="0" rev="1200000"/>
+      </a:lightRig>
+    </dgm:scene3d>
+    <dgm:sp3d contourW="19050" prstMaterial="metal">
+      <a:bevelT w="88900" h="203200"/>
+      <a:bevelB w="165100" h="254000"/>
+    </dgm:sp3d>
+    <dgm:txPr/>
+    <dgm:style>
+      <a:lnRef idx="0">
+        <a:scrgbClr r="0" g="0" b="0"/>
+      </a:lnRef>
+      <a:fillRef idx="1">
+        <a:scrgbClr r="0" g="0" b="0"/>
+      </a:fillRef>
+      <a:effectRef idx="0">
+        <a:scrgbClr r="0" g="0" b="0"/>
+      </a:effectRef>
+      <a:fontRef idx="minor"/>
+    </dgm:style>
+  </dgm:styleLbl>
+  <dgm:styleLbl name="parChTrans1D1">
+    <dgm:scene3d>
+      <a:camera prst="orthographicFront">
+        <a:rot lat="0" lon="0" rev="0"/>
+      </a:camera>
+      <a:lightRig rig="contrasting" dir="t">
+        <a:rot lat="0" lon="0" rev="1200000"/>
+      </a:lightRig>
+    </dgm:scene3d>
+    <dgm:sp3d z="-110000"/>
+    <dgm:txPr/>
+    <dgm:style>
+      <a:lnRef idx="2">
+        <a:scrgbClr r="0" g="0" b="0"/>
+      </a:lnRef>
+      <a:fillRef idx="0">
+        <a:scrgbClr r="0" g="0" b="0"/>
+      </a:fillRef>
+      <a:effectRef idx="0">
+        <a:scrgbClr r="0" g="0" b="0"/>
+      </a:effectRef>
+      <a:fontRef idx="minor"/>
+    </dgm:style>
+  </dgm:styleLbl>
+  <dgm:styleLbl name="parChTrans1D2">
+    <dgm:scene3d>
+      <a:camera prst="orthographicFront">
+        <a:rot lat="0" lon="0" rev="0"/>
+      </a:camera>
+      <a:lightRig rig="contrasting" dir="t">
+        <a:rot lat="0" lon="0" rev="1200000"/>
+      </a:lightRig>
+    </dgm:scene3d>
+    <dgm:sp3d z="-110000"/>
+    <dgm:txPr/>
+    <dgm:style>
+      <a:lnRef idx="2">
+        <a:scrgbClr r="0" g="0" b="0"/>
+      </a:lnRef>
+      <a:fillRef idx="0">
+        <a:scrgbClr r="0" g="0" b="0"/>
+      </a:fillRef>
+      <a:effectRef idx="0">
+        <a:scrgbClr r="0" g="0" b="0"/>
+      </a:effectRef>
+      <a:fontRef idx="minor"/>
+    </dgm:style>
+  </dgm:styleLbl>
+  <dgm:styleLbl name="parChTrans1D3">
+    <dgm:scene3d>
+      <a:camera prst="orthographicFront">
+        <a:rot lat="0" lon="0" rev="0"/>
+      </a:camera>
+      <a:lightRig rig="contrasting" dir="t">
+        <a:rot lat="0" lon="0" rev="1200000"/>
+      </a:lightRig>
+    </dgm:scene3d>
+    <dgm:sp3d z="-110000"/>
+    <dgm:txPr/>
+    <dgm:style>
+      <a:lnRef idx="2">
+        <a:scrgbClr r="0" g="0" b="0"/>
+      </a:lnRef>
+      <a:fillRef idx="0">
+        <a:scrgbClr r="0" g="0" b="0"/>
+      </a:fillRef>
+      <a:effectRef idx="0">
+        <a:scrgbClr r="0" g="0" b="0"/>
+      </a:effectRef>
+      <a:fontRef idx="minor"/>
+    </dgm:style>
+  </dgm:styleLbl>
+  <dgm:styleLbl name="parChTrans1D4">
+    <dgm:scene3d>
+      <a:camera prst="orthographicFront">
+        <a:rot lat="0" lon="0" rev="0"/>
+      </a:camera>
+      <a:lightRig rig="contrasting" dir="t">
+        <a:rot lat="0" lon="0" rev="1200000"/>
+      </a:lightRig>
+    </dgm:scene3d>
+    <dgm:sp3d z="-110000"/>
+    <dgm:txPr/>
+    <dgm:style>
+      <a:lnRef idx="2">
+        <a:scrgbClr r="0" g="0" b="0"/>
+      </a:lnRef>
+      <a:fillRef idx="0">
+        <a:scrgbClr r="0" g="0" b="0"/>
+      </a:fillRef>
+      <a:effectRef idx="0">
+        <a:scrgbClr r="0" g="0" b="0"/>
+      </a:effectRef>
+      <a:fontRef idx="minor"/>
+    </dgm:style>
+  </dgm:styleLbl>
+  <dgm:styleLbl name="fgAcc1">
+    <dgm:scene3d>
+      <a:camera prst="orthographicFront">
+        <a:rot lat="0" lon="0" rev="0"/>
+      </a:camera>
+      <a:lightRig rig="contrasting" dir="t">
+        <a:rot lat="0" lon="0" rev="1200000"/>
+      </a:lightRig>
+    </dgm:scene3d>
+    <dgm:sp3d z="300000" contourW="19050" prstMaterial="metal">
+      <a:bevelT w="88900" h="203200"/>
+      <a:bevelB w="165100" h="254000"/>
+    </dgm:sp3d>
+    <dgm:txPr/>
+    <dgm:style>
+      <a:lnRef idx="0">
+        <a:scrgbClr r="0" g="0" b="0"/>
+      </a:lnRef>
+      <a:fillRef idx="1">
+        <a:scrgbClr r="0" g="0" b="0"/>
+      </a:fillRef>
+      <a:effectRef idx="0">
+        <a:scrgbClr r="0" g="0" b="0"/>
+      </a:effectRef>
+      <a:fontRef idx="minor"/>
+    </dgm:style>
+  </dgm:styleLbl>
+  <dgm:styleLbl name="conFgAcc1">
+    <dgm:scene3d>
+      <a:camera prst="orthographicFront">
+        <a:rot lat="0" lon="0" rev="0"/>
+      </a:camera>
+      <a:lightRig rig="contrasting" dir="t">
+        <a:rot lat="0" lon="0" rev="1200000"/>
+      </a:lightRig>
+    </dgm:scene3d>
+    <dgm:sp3d z="300000" contourW="19050" prstMaterial="metal">
+      <a:bevelT w="88900" h="203200"/>
+      <a:bevelB w="165100" h="254000"/>
+    </dgm:sp3d>
+    <dgm:txPr/>
+    <dgm:style>
+      <a:lnRef idx="0">
+        <a:scrgbClr r="0" g="0" b="0"/>
+      </a:lnRef>
+      <a:fillRef idx="1">
+        <a:scrgbClr r="0" g="0" b="0"/>
+      </a:fillRef>
+      <a:effectRef idx="0">
+        <a:scrgbClr r="0" g="0" b="0"/>
+      </a:effectRef>
+      <a:fontRef idx="minor"/>
+    </dgm:style>
+  </dgm:styleLbl>
+  <dgm:styleLbl name="alignAcc1">
+    <dgm:scene3d>
+      <a:camera prst="orthographicFront">
+        <a:rot lat="0" lon="0" rev="0"/>
+      </a:camera>
+      <a:lightRig rig="contrasting" dir="t">
+        <a:rot lat="0" lon="0" rev="1200000"/>
+      </a:lightRig>
+    </dgm:scene3d>
+    <dgm:sp3d contourW="19050" prstMaterial="metal">
+      <a:bevelT w="88900" h="203200"/>
+      <a:bevelB w="165100" h="254000"/>
+    </dgm:sp3d>
+    <dgm:txPr/>
+    <dgm:style>
+      <a:lnRef idx="0">
+        <a:scrgbClr r="0" g="0" b="0"/>
+      </a:lnRef>
+      <a:fillRef idx="1">
+        <a:scrgbClr r="0" g="0" b="0"/>
+      </a:fillRef>
+      <a:effectRef idx="0">
+        <a:scrgbClr r="0" g="0" b="0"/>
+      </a:effectRef>
+      <a:fontRef idx="minor"/>
+    </dgm:style>
+  </dgm:styleLbl>
+  <dgm:styleLbl name="trAlignAcc1">
+    <dgm:scene3d>
+      <a:camera prst="orthographicFront">
+        <a:rot lat="0" lon="0" rev="0"/>
+      </a:camera>
+      <a:lightRig rig="contrasting" dir="t">
+        <a:rot lat="0" lon="0" rev="1200000"/>
+      </a:lightRig>
+    </dgm:scene3d>
+    <dgm:sp3d contourW="19050" prstMaterial="metal">
+      <a:bevelT w="88900" h="203200"/>
+      <a:bevelB w="165100" h="254000"/>
+    </dgm:sp3d>
+    <dgm:txPr/>
+    <dgm:style>
+      <a:lnRef idx="0">
+        <a:scrgbClr r="0" g="0" b="0"/>
+      </a:lnRef>
+      <a:fillRef idx="1">
+        <a:scrgbClr r="0" g="0" b="0"/>
+      </a:fillRef>
+      <a:effectRef idx="1">
+        <a:scrgbClr r="0" g="0" b="0"/>
+      </a:effectRef>
+      <a:fontRef idx="minor"/>
+    </dgm:style>
+  </dgm:styleLbl>
+  <dgm:styleLbl name="bgAcc1">
+    <dgm:scene3d>
+      <a:camera prst="orthographicFront">
+        <a:rot lat="0" lon="0" rev="0"/>
+      </a:camera>
+      <a:lightRig rig="contrasting" dir="t">
+        <a:rot lat="0" lon="0" rev="1200000"/>
+      </a:lightRig>
+    </dgm:scene3d>
+    <dgm:sp3d z="-300000" contourW="19050" prstMaterial="metal">
+      <a:bevelT w="88900" h="203200"/>
+      <a:bevelB w="165100" h="254000"/>
+    </dgm:sp3d>
+    <dgm:txPr/>
+    <dgm:style>
+      <a:lnRef idx="0">
+        <a:scrgbClr r="0" g="0" b="0"/>
+      </a:lnRef>
+      <a:fillRef idx="1">
+        <a:scrgbClr r="0" g="0" b="0"/>
+      </a:fillRef>
+      <a:effectRef idx="0">
+        <a:scrgbClr r="0" g="0" b="0"/>
+      </a:effectRef>
+      <a:fontRef idx="minor"/>
+    </dgm:style>
+  </dgm:styleLbl>
+  <dgm:styleLbl name="solidFgAcc1">
+    <dgm:scene3d>
+      <a:camera prst="orthographicFront">
+        <a:rot lat="0" lon="0" rev="0"/>
+      </a:camera>
+      <a:lightRig rig="contrasting" dir="t">
+        <a:rot lat="0" lon="0" rev="1200000"/>
+      </a:lightRig>
+    </dgm:scene3d>
+    <dgm:sp3d z="300000" contourW="12700" prstMaterial="flat">
+      <a:bevelT w="177800" h="254000"/>
+      <a:bevelB w="152400"/>
+    </dgm:sp3d>
+    <dgm:txPr/>
+    <dgm:style>
+      <a:lnRef idx="0">
+        <a:scrgbClr r="0" g="0" b="0"/>
+      </a:lnRef>
+      <a:fillRef idx="1">
+        <a:scrgbClr r="0" g="0" b="0"/>
+      </a:fillRef>
+      <a:effectRef idx="0">
+        <a:scrgbClr r="0" g="0" b="0"/>
+      </a:effectRef>
+      <a:fontRef idx="minor"/>
+    </dgm:style>
+  </dgm:styleLbl>
+  <dgm:styleLbl name="solidAlignAcc1">
+    <dgm:scene3d>
+      <a:camera prst="orthographicFront">
+        <a:rot lat="0" lon="0" rev="0"/>
+      </a:camera>
+      <a:lightRig rig="contrasting" dir="t">
+        <a:rot lat="0" lon="0" rev="1200000"/>
+      </a:lightRig>
+    </dgm:scene3d>
+    <dgm:sp3d contourW="19050" prstMaterial="metal">
+      <a:bevelT w="88900" h="203200"/>
+      <a:bevelB w="165100" h="254000"/>
+    </dgm:sp3d>
+    <dgm:txPr/>
+    <dgm:style>
+      <a:lnRef idx="0">
+        <a:scrgbClr r="0" g="0" b="0"/>
+      </a:lnRef>
+      <a:fillRef idx="1">
+        <a:scrgbClr r="0" g="0" b="0"/>
+      </a:fillRef>
+      <a:effectRef idx="0">
+        <a:scrgbClr r="0" g="0" b="0"/>
+      </a:effectRef>
+      <a:fontRef idx="minor"/>
+    </dgm:style>
+  </dgm:styleLbl>
+  <dgm:styleLbl name="solidBgAcc1">
+    <dgm:scene3d>
+      <a:camera prst="orthographicFront">
+        <a:rot lat="0" lon="0" rev="0"/>
+      </a:camera>
+      <a:lightRig rig="contrasting" dir="t">
+        <a:rot lat="0" lon="0" rev="1200000"/>
+      </a:lightRig>
+    </dgm:scene3d>
+    <dgm:sp3d z="-300000" contourW="19050" prstMaterial="metal">
+      <a:bevelT w="88900" h="203200"/>
+      <a:bevelB w="165100" h="254000"/>
+    </dgm:sp3d>
+    <dgm:txPr/>
+    <dgm:style>
+      <a:lnRef idx="0">
+        <a:scrgbClr r="0" g="0" b="0"/>
+      </a:lnRef>
+      <a:fillRef idx="1">
+        <a:scrgbClr r="0" g="0" b="0"/>
+      </a:fillRef>
+      <a:effectRef idx="0">
+        <a:scrgbClr r="0" g="0" b="0"/>
+      </a:effectRef>
+      <a:fontRef idx="minor"/>
+    </dgm:style>
+  </dgm:styleLbl>
+  <dgm:styleLbl name="fgAccFollowNode1">
+    <dgm:scene3d>
+      <a:camera prst="orthographicFront">
+        <a:rot lat="0" lon="0" rev="0"/>
+      </a:camera>
+      <a:lightRig rig="contrasting" dir="t">
+        <a:rot lat="0" lon="0" rev="1200000"/>
+      </a:lightRig>
+    </dgm:scene3d>
+    <dgm:sp3d z="300000" contourW="19050" prstMaterial="metal">
+      <a:bevelT w="88900" h="203200"/>
+      <a:bevelB w="165100" h="254000"/>
+    </dgm:sp3d>
+    <dgm:txPr/>
+    <dgm:style>
+      <a:lnRef idx="0">
+        <a:scrgbClr r="0" g="0" b="0"/>
+      </a:lnRef>
+      <a:fillRef idx="1">
+        <a:scrgbClr r="0" g="0" b="0"/>
+      </a:fillRef>
+      <a:effectRef idx="0">
+        <a:scrgbClr r="0" g="0" b="0"/>
+      </a:effectRef>
+      <a:fontRef idx="minor"/>
+    </dgm:style>
+  </dgm:styleLbl>
+  <dgm:styleLbl name="alignAccFollowNode1">
+    <dgm:scene3d>
+      <a:camera prst="orthographicFront">
+        <a:rot lat="0" lon="0" rev="0"/>
+      </a:camera>
+      <a:lightRig rig="contrasting" dir="t">
+        <a:rot lat="0" lon="0" rev="1200000"/>
+      </a:lightRig>
+    </dgm:scene3d>
+    <dgm:sp3d contourW="19050" prstMaterial="metal">
+      <a:bevelT w="88900" h="203200"/>
+      <a:bevelB w="165100" h="254000"/>
+    </dgm:sp3d>
+    <dgm:txPr/>
+    <dgm:style>
+      <a:lnRef idx="0">
+        <a:scrgbClr r="0" g="0" b="0"/>
+      </a:lnRef>
+      <a:fillRef idx="1">
+        <a:scrgbClr r="0" g="0" b="0"/>
+      </a:fillRef>
+      <a:effectRef idx="0">
+        <a:scrgbClr r="0" g="0" b="0"/>
+      </a:effectRef>
+      <a:fontRef idx="minor"/>
+    </dgm:style>
+  </dgm:styleLbl>
+  <dgm:styleLbl name="bgAccFollowNode1">
+    <dgm:scene3d>
+      <a:camera prst="orthographicFront">
+        <a:rot lat="0" lon="0" rev="0"/>
+      </a:camera>
+      <a:lightRig rig="contrasting" dir="t">
+        <a:rot lat="0" lon="0" rev="1200000"/>
+      </a:lightRig>
+    </dgm:scene3d>
+    <dgm:sp3d z="-300000" contourW="19050" prstMaterial="metal">
+      <a:bevelT w="88900" h="203200"/>
+      <a:bevelB w="165100" h="254000"/>
+    </dgm:sp3d>
+    <dgm:txPr/>
+    <dgm:style>
+      <a:lnRef idx="0">
+        <a:scrgbClr r="0" g="0" b="0"/>
+      </a:lnRef>
+      <a:fillRef idx="1">
+        <a:scrgbClr r="0" g="0" b="0"/>
+      </a:fillRef>
+      <a:effectRef idx="0">
+        <a:scrgbClr r="0" g="0" b="0"/>
+      </a:effectRef>
+      <a:fontRef idx="minor"/>
+    </dgm:style>
+  </dgm:styleLbl>
+  <dgm:styleLbl name="fgAcc0">
+    <dgm:scene3d>
+      <a:camera prst="orthographicFront">
+        <a:rot lat="0" lon="0" rev="0"/>
+      </a:camera>
+      <a:lightRig rig="contrasting" dir="t">
+        <a:rot lat="0" lon="0" rev="1200000"/>
+      </a:lightRig>
+    </dgm:scene3d>
+    <dgm:sp3d z="300000" contourW="19050" prstMaterial="metal">
+      <a:bevelT w="88900" h="203200"/>
+      <a:bevelB w="165100" h="254000"/>
+    </dgm:sp3d>
+    <dgm:txPr/>
+    <dgm:style>
+      <a:lnRef idx="0">
+        <a:scrgbClr r="0" g="0" b="0"/>
+      </a:lnRef>
+      <a:fillRef idx="1">
+        <a:scrgbClr r="0" g="0" b="0"/>
+      </a:fillRef>
+      <a:effectRef idx="0">
+        <a:scrgbClr r="0" g="0" b="0"/>
+      </a:effectRef>
+      <a:fontRef idx="minor"/>
+    </dgm:style>
+  </dgm:styleLbl>
+  <dgm:styleLbl name="fgAcc2">
+    <dgm:scene3d>
+      <a:camera prst="orthographicFront">
+        <a:rot lat="0" lon="0" rev="0"/>
+      </a:camera>
+      <a:lightRig rig="contrasting" dir="t">
+        <a:rot lat="0" lon="0" rev="1200000"/>
+      </a:lightRig>
+    </dgm:scene3d>
+    <dgm:sp3d z="300000" contourW="19050" prstMaterial="metal">
+      <a:bevelT w="88900" h="203200"/>
+      <a:bevelB w="165100" h="254000"/>
+    </dgm:sp3d>
+    <dgm:txPr/>
+    <dgm:style>
+      <a:lnRef idx="0">
+        <a:scrgbClr r="0" g="0" b="0"/>
+      </a:lnRef>
+      <a:fillRef idx="1">
+        <a:scrgbClr r="0" g="0" b="0"/>
+      </a:fillRef>
+      <a:effectRef idx="0">
+        <a:scrgbClr r="0" g="0" b="0"/>
+      </a:effectRef>
+      <a:fontRef idx="minor"/>
+    </dgm:style>
+  </dgm:styleLbl>
+  <dgm:styleLbl name="fgAcc3">
+    <dgm:scene3d>
+      <a:camera prst="orthographicFront">
+        <a:rot lat="0" lon="0" rev="0"/>
+      </a:camera>
+      <a:lightRig rig="contrasting" dir="t">
+        <a:rot lat="0" lon="0" rev="1200000"/>
+      </a:lightRig>
+    </dgm:scene3d>
+    <dgm:sp3d z="300000" contourW="19050" prstMaterial="metal">
+      <a:bevelT w="88900" h="203200"/>
+      <a:bevelB w="165100" h="254000"/>
+    </dgm:sp3d>
+    <dgm:txPr/>
+    <dgm:style>
+      <a:lnRef idx="0">
+        <a:scrgbClr r="0" g="0" b="0"/>
+      </a:lnRef>
+      <a:fillRef idx="1">
+        <a:scrgbClr r="0" g="0" b="0"/>
+      </a:fillRef>
+      <a:effectRef idx="0">
+        <a:scrgbClr r="0" g="0" b="0"/>
+      </a:effectRef>
+      <a:fontRef idx="minor"/>
+    </dgm:style>
+  </dgm:styleLbl>
+  <dgm:styleLbl name="fgAcc4">
+    <dgm:scene3d>
+      <a:camera prst="orthographicFront">
+        <a:rot lat="0" lon="0" rev="0"/>
+      </a:camera>
+      <a:lightRig rig="contrasting" dir="t">
+        <a:rot lat="0" lon="0" rev="1200000"/>
+      </a:lightRig>
+    </dgm:scene3d>
+    <dgm:sp3d z="300000" contourW="19050" prstMaterial="metal">
+      <a:bevelT w="88900" h="203200"/>
+      <a:bevelB w="165100" h="254000"/>
+    </dgm:sp3d>
+    <dgm:txPr/>
+    <dgm:style>
+      <a:lnRef idx="0">
+        <a:scrgbClr r="0" g="0" b="0"/>
+      </a:lnRef>
+      <a:fillRef idx="1">
+        <a:scrgbClr r="0" g="0" b="0"/>
+      </a:fillRef>
+      <a:effectRef idx="0">
+        <a:scrgbClr r="0" g="0" b="0"/>
+      </a:effectRef>
+      <a:fontRef idx="minor"/>
+    </dgm:style>
+  </dgm:styleLbl>
+  <dgm:styleLbl name="bgShp">
+    <dgm:scene3d>
+      <a:camera prst="orthographicFront">
+        <a:rot lat="0" lon="0" rev="0"/>
+      </a:camera>
+      <a:lightRig rig="contrasting" dir="t">
+        <a:rot lat="0" lon="0" rev="1200000"/>
+      </a:lightRig>
+    </dgm:scene3d>
+    <dgm:sp3d z="-300000" prstMaterial="plastic"/>
+    <dgm:txPr/>
+    <dgm:style>
+      <a:lnRef idx="1">
+        <a:scrgbClr r="0" g="0" b="0"/>
+      </a:lnRef>
+      <a:fillRef idx="1">
+        <a:scrgbClr r="0" g="0" b="0"/>
+      </a:fillRef>
+      <a:effectRef idx="0">
+        <a:scrgbClr r="0" g="0" b="0"/>
+      </a:effectRef>
+      <a:fontRef idx="minor"/>
+    </dgm:style>
+  </dgm:styleLbl>
+  <dgm:styleLbl name="dkBgShp">
+    <dgm:scene3d>
+      <a:camera prst="orthographicFront">
+        <a:rot lat="0" lon="0" rev="0"/>
+      </a:camera>
+      <a:lightRig rig="contrasting" dir="t">
+        <a:rot lat="0" lon="0" rev="1200000"/>
+      </a:lightRig>
+    </dgm:scene3d>
+    <dgm:sp3d contourW="12700" prstMaterial="flat">
+      <a:bevelT w="100800" h="154000"/>
+      <a:bevelB w="152400"/>
+    </dgm:sp3d>
+    <dgm:txPr/>
+    <dgm:style>
+      <a:lnRef idx="0">
+        <a:scrgbClr r="0" g="0" b="0"/>
+      </a:lnRef>
+      <a:fillRef idx="1">
+        <a:scrgbClr r="0" g="0" b="0"/>
+      </a:fillRef>
+      <a:effectRef idx="0">
+        <a:scrgbClr r="0" g="0" b="0"/>
+      </a:effectRef>
+      <a:fontRef idx="minor"/>
+    </dgm:style>
+  </dgm:styleLbl>
+  <dgm:styleLbl name="trBgShp">
+    <dgm:scene3d>
+      <a:camera prst="orthographicFront">
+        <a:rot lat="0" lon="0" rev="0"/>
+      </a:camera>
+      <a:lightRig rig="contrasting" dir="t">
+        <a:rot lat="0" lon="0" rev="1200000"/>
+      </a:lightRig>
+    </dgm:scene3d>
+    <dgm:sp3d z="-152400" prstMaterial="matte"/>
+    <dgm:txPr/>
+    <dgm:style>
+      <a:lnRef idx="1">
+        <a:scrgbClr r="0" g="0" b="0"/>
+      </a:lnRef>
+      <a:fillRef idx="1">
+        <a:scrgbClr r="0" g="0" b="0"/>
+      </a:fillRef>
+      <a:effectRef idx="0">
+        <a:scrgbClr r="0" g="0" b="0"/>
+      </a:effectRef>
+      <a:fontRef idx="minor"/>
+    </dgm:style>
+  </dgm:styleLbl>
+  <dgm:styleLbl name="fgShp">
+    <dgm:scene3d>
+      <a:camera prst="orthographicFront">
+        <a:rot lat="0" lon="0" rev="0"/>
+      </a:camera>
+      <a:lightRig rig="contrasting" dir="t">
+        <a:rot lat="0" lon="0" rev="1200000"/>
+      </a:lightRig>
+    </dgm:scene3d>
+    <dgm:sp3d z="300000" contourW="19050" prstMaterial="metal">
+      <a:bevelT w="88900" h="203200"/>
+      <a:bevelB w="165100" h="254000"/>
+    </dgm:sp3d>
+    <dgm:txPr/>
+    <dgm:style>
+      <a:lnRef idx="0">
+        <a:scrgbClr r="0" g="0" b="0"/>
+      </a:lnRef>
+      <a:fillRef idx="1">
+        <a:scrgbClr r="0" g="0" b="0"/>
+      </a:fillRef>
+      <a:effectRef idx="0">
+        <a:scrgbClr r="0" g="0" b="0"/>
+      </a:effectRef>
+      <a:fontRef idx="minor"/>
+    </dgm:style>
+  </dgm:styleLbl>
+  <dgm:styleLbl name="revTx">
+    <dgm:scene3d>
+      <a:camera prst="orthographicFront"/>
+      <a:lightRig rig="threePt" dir="t"/>
+    </dgm:scene3d>
+    <dgm:sp3d/>
+    <dgm:txPr/>
+    <dgm:style>
+      <a:lnRef idx="1">
+        <a:scrgbClr r="0" g="0" b="0"/>
+      </a:lnRef>
+      <a:fillRef idx="0">
+        <a:scrgbClr r="0" g="0" b="0"/>
+      </a:fillRef>
+      <a:effectRef idx="0">
+        <a:scrgbClr r="0" g="0" b="0"/>
+      </a:effectRef>
+      <a:fontRef idx="minor"/>
+    </dgm:style>
+  </dgm:styleLbl>
+</dgm:styleDef>
+</file>
+
+<file path=ppt/diagrams/quickStyle2.xml><?xml version="1.0" encoding="utf-8"?>
+<dgm:styleDef xmlns:dgm="http://schemas.openxmlformats.org/drawingml/2006/diagram" xmlns:a="http://schemas.openxmlformats.org/drawingml/2006/main" uniqueId="urn:microsoft.com/office/officeart/2005/8/quickstyle/3d3">
+  <dgm:title val=""/>
+  <dgm:desc val=""/>
+  <dgm:catLst>
+    <dgm:cat type="3D" pri="11300"/>
+  </dgm:catLst>
+  <dgm:scene3d>
+    <a:camera prst="orthographicFront"/>
+    <a:lightRig rig="threePt" dir="t"/>
+  </dgm:scene3d>
+  <dgm:styleLbl name="node0">
+    <dgm:scene3d>
+      <a:camera prst="orthographicFront">
+        <a:rot lat="0" lon="0" rev="0"/>
+      </a:camera>
+      <a:lightRig rig="contrasting" dir="t">
+        <a:rot lat="0" lon="0" rev="1200000"/>
+      </a:lightRig>
+    </dgm:scene3d>
+    <dgm:sp3d contourW="19050" prstMaterial="metal">
+      <a:bevelT w="88900" h="203200"/>
+      <a:bevelB w="165100" h="254000"/>
+    </dgm:sp3d>
+    <dgm:txPr/>
+    <dgm:style>
+      <a:lnRef idx="0">
+        <a:scrgbClr r="0" g="0" b="0"/>
+      </a:lnRef>
+      <a:fillRef idx="1">
+        <a:scrgbClr r="0" g="0" b="0"/>
+      </a:fillRef>
+      <a:effectRef idx="1">
+        <a:scrgbClr r="0" g="0" b="0"/>
+      </a:effectRef>
+      <a:fontRef idx="minor">
+        <a:schemeClr val="lt1"/>
+      </a:fontRef>
+    </dgm:style>
+  </dgm:styleLbl>
+  <dgm:styleLbl name="lnNode1">
+    <dgm:scene3d>
+      <a:camera prst="orthographicFront">
+        <a:rot lat="0" lon="0" rev="0"/>
+      </a:camera>
+      <a:lightRig rig="contrasting" dir="t">
+        <a:rot lat="0" lon="0" rev="1200000"/>
+      </a:lightRig>
+    </dgm:scene3d>
+    <dgm:sp3d contourW="19050" prstMaterial="metal">
+      <a:bevelT w="88900" h="203200"/>
+      <a:bevelB w="165100" h="254000"/>
+    </dgm:sp3d>
+    <dgm:txPr/>
+    <dgm:style>
+      <a:lnRef idx="0">
+        <a:scrgbClr r="0" g="0" b="0"/>
+      </a:lnRef>
+      <a:fillRef idx="1">
+        <a:scrgbClr r="0" g="0" b="0"/>
+      </a:fillRef>
+      <a:effectRef idx="1">
+        <a:scrgbClr r="0" g="0" b="0"/>
+      </a:effectRef>
+      <a:fontRef idx="minor">
+        <a:schemeClr val="lt1"/>
+      </a:fontRef>
+    </dgm:style>
+  </dgm:styleLbl>
+  <dgm:styleLbl name="vennNode1">
+    <dgm:scene3d>
+      <a:camera prst="orthographicFront">
+        <a:rot lat="0" lon="0" rev="0"/>
+      </a:camera>
+      <a:lightRig rig="contrasting" dir="t">
+        <a:rot lat="0" lon="0" rev="1200000"/>
+      </a:lightRig>
+    </dgm:scene3d>
+    <dgm:sp3d contourW="12700" prstMaterial="clear">
+      <a:bevelT w="177800" h="254000"/>
+      <a:bevelB w="152400"/>
+    </dgm:sp3d>
+    <dgm:txPr/>
+    <dgm:style>
+      <a:lnRef idx="0">
+        <a:scrgbClr r="0" g="0" b="0"/>
+      </a:lnRef>
+      <a:fillRef idx="1">
+        <a:scrgbClr r="0" g="0" b="0"/>
+      </a:fillRef>
+      <a:effectRef idx="0">
+        <a:scrgbClr r="0" g="0" b="0"/>
+      </a:effectRef>
+      <a:fontRef idx="minor">
+        <a:schemeClr val="tx1"/>
+      </a:fontRef>
+    </dgm:style>
+  </dgm:styleLbl>
+  <dgm:styleLbl name="alignNode1">
+    <dgm:scene3d>
+      <a:camera prst="orthographicFront">
+        <a:rot lat="0" lon="0" rev="0"/>
+      </a:camera>
+      <a:lightRig rig="contrasting" dir="t">
+        <a:rot lat="0" lon="0" rev="1200000"/>
+      </a:lightRig>
+    </dgm:scene3d>
+    <dgm:sp3d contourW="19050" prstMaterial="metal">
+      <a:bevelT w="88900" h="203200"/>
+      <a:bevelB w="165100" h="254000"/>
+    </dgm:sp3d>
+    <dgm:txPr/>
+    <dgm:style>
+      <a:lnRef idx="0">
+        <a:scrgbClr r="0" g="0" b="0"/>
+      </a:lnRef>
+      <a:fillRef idx="1">
+        <a:scrgbClr r="0" g="0" b="0"/>
+      </a:fillRef>
+      <a:effectRef idx="2">
+        <a:scrgbClr r="0" g="0" b="0"/>
+      </a:effectRef>
+      <a:fontRef idx="minor">
+        <a:schemeClr val="lt1"/>
+      </a:fontRef>
+    </dgm:style>
+  </dgm:styleLbl>
+  <dgm:styleLbl name="node1">
+    <dgm:scene3d>
+      <a:camera prst="orthographicFront">
+        <a:rot lat="0" lon="0" rev="0"/>
+      </a:camera>
+      <a:lightRig rig="contrasting" dir="t">
+        <a:rot lat="0" lon="0" rev="1200000"/>
+      </a:lightRig>
+    </dgm:scene3d>
+    <dgm:sp3d contourW="19050" prstMaterial="metal">
+      <a:bevelT w="88900" h="203200"/>
+      <a:bevelB w="165100" h="254000"/>
+    </dgm:sp3d>
+    <dgm:txPr/>
+    <dgm:style>
+      <a:lnRef idx="0">
+        <a:scrgbClr r="0" g="0" b="0"/>
+      </a:lnRef>
+      <a:fillRef idx="1">
+        <a:scrgbClr r="0" g="0" b="0"/>
+      </a:fillRef>
+      <a:effectRef idx="2">
+        <a:scrgbClr r="0" g="0" b="0"/>
+      </a:effectRef>
+      <a:fontRef idx="minor">
+        <a:schemeClr val="lt1"/>
+      </a:fontRef>
+    </dgm:style>
+  </dgm:styleLbl>
+  <dgm:styleLbl name="node2">
+    <dgm:scene3d>
+      <a:camera prst="orthographicFront">
+        <a:rot lat="0" lon="0" rev="0"/>
+      </a:camera>
+      <a:lightRig rig="contrasting" dir="t">
+        <a:rot lat="0" lon="0" rev="1200000"/>
+      </a:lightRig>
+    </dgm:scene3d>
+    <dgm:sp3d contourW="19050" prstMaterial="metal">
+      <a:bevelT w="88900" h="203200"/>
+      <a:bevelB w="165100" h="254000"/>
+    </dgm:sp3d>
+    <dgm:txPr/>
+    <dgm:style>
+      <a:lnRef idx="0">
+        <a:scrgbClr r="0" g="0" b="0"/>
+      </a:lnRef>
+      <a:fillRef idx="1">
+        <a:scrgbClr r="0" g="0" b="0"/>
+      </a:fillRef>
+      <a:effectRef idx="1">
+        <a:scrgbClr r="0" g="0" b="0"/>
+      </a:effectRef>
+      <a:fontRef idx="minor">
+        <a:schemeClr val="lt1"/>
+      </a:fontRef>
+    </dgm:style>
+  </dgm:styleLbl>
+  <dgm:styleLbl name="node3">
+    <dgm:scene3d>
+      <a:camera prst="orthographicFront">
+        <a:rot lat="0" lon="0" rev="0"/>
+      </a:camera>
+      <a:lightRig rig="contrasting" dir="t">
+        <a:rot lat="0" lon="0" rev="1200000"/>
+      </a:lightRig>
+    </dgm:scene3d>
+    <dgm:sp3d contourW="19050" prstMaterial="metal">
+      <a:bevelT w="88900" h="203200"/>
+      <a:bevelB w="165100" h="254000"/>
+    </dgm:sp3d>
+    <dgm:txPr/>
+    <dgm:style>
+      <a:lnRef idx="0">
+        <a:scrgbClr r="0" g="0" b="0"/>
+      </a:lnRef>
+      <a:fillRef idx="1">
+        <a:scrgbClr r="0" g="0" b="0"/>
+      </a:fillRef>
+      <a:effectRef idx="1">
+        <a:scrgbClr r="0" g="0" b="0"/>
+      </a:effectRef>
+      <a:fontRef idx="minor">
+        <a:schemeClr val="lt1"/>
+      </a:fontRef>
+    </dgm:style>
+  </dgm:styleLbl>
+  <dgm:styleLbl name="node4">
+    <dgm:scene3d>
+      <a:camera prst="orthographicFront">
+        <a:rot lat="0" lon="0" rev="0"/>
+      </a:camera>
+      <a:lightRig rig="contrasting" dir="t">
+        <a:rot lat="0" lon="0" rev="1200000"/>
+      </a:lightRig>
+    </dgm:scene3d>
+    <dgm:sp3d contourW="19050" prstMaterial="metal">
+      <a:bevelT w="88900" h="203200"/>
+      <a:bevelB w="165100" h="254000"/>
+    </dgm:sp3d>
+    <dgm:txPr/>
+    <dgm:style>
+      <a:lnRef idx="0">
+        <a:scrgbClr r="0" g="0" b="0"/>
+      </a:lnRef>
+      <a:fillRef idx="1">
+        <a:scrgbClr r="0" g="0" b="0"/>
+      </a:fillRef>
+      <a:effectRef idx="1">
+        <a:scrgbClr r="0" g="0" b="0"/>
+      </a:effectRef>
+      <a:fontRef idx="minor">
+        <a:schemeClr val="lt1"/>
+      </a:fontRef>
+    </dgm:style>
+  </dgm:styleLbl>
+  <dgm:styleLbl name="fgImgPlace1">
+    <dgm:scene3d>
+      <a:camera prst="orthographicFront">
+        <a:rot lat="0" lon="0" rev="0"/>
+      </a:camera>
+      <a:lightRig rig="contrasting" dir="t">
+        <a:rot lat="0" lon="0" rev="1200000"/>
+      </a:lightRig>
+    </dgm:scene3d>
+    <dgm:sp3d z="300000" contourW="19050" prstMaterial="metal">
+      <a:bevelT w="88900" h="203200"/>
+      <a:bevelB w="165100" h="254000"/>
+    </dgm:sp3d>
+    <dgm:txPr/>
+    <dgm:style>
+      <a:lnRef idx="0">
+        <a:scrgbClr r="0" g="0" b="0"/>
+      </a:lnRef>
+      <a:fillRef idx="1">
+        <a:scrgbClr r="0" g="0" b="0"/>
+      </a:fillRef>
+      <a:effectRef idx="1">
+        <a:scrgbClr r="0" g="0" b="0"/>
+      </a:effectRef>
+      <a:fontRef idx="minor"/>
+    </dgm:style>
+  </dgm:styleLbl>
+  <dgm:styleLbl name="alignImgPlace1">
+    <dgm:scene3d>
+      <a:camera prst="orthographicFront">
+        <a:rot lat="0" lon="0" rev="0"/>
+      </a:camera>
+      <a:lightRig rig="contrasting" dir="t">
+        <a:rot lat="0" lon="0" rev="1200000"/>
+      </a:lightRig>
+    </dgm:scene3d>
+    <dgm:sp3d contourW="12700" prstMaterial="flat">
+      <a:bevelT w="177800" h="254000"/>
+      <a:bevelB w="152400"/>
+    </dgm:sp3d>
+    <dgm:txPr/>
+    <dgm:style>
+      <a:lnRef idx="0">
+        <a:scrgbClr r="0" g="0" b="0"/>
+      </a:lnRef>
+      <a:fillRef idx="1">
+        <a:scrgbClr r="0" g="0" b="0"/>
+      </a:fillRef>
+      <a:effectRef idx="1">
+        <a:scrgbClr r="0" g="0" b="0"/>
+      </a:effectRef>
+      <a:fontRef idx="minor"/>
+    </dgm:style>
+  </dgm:styleLbl>
+  <dgm:styleLbl name="bgImgPlace1">
+    <dgm:scene3d>
+      <a:camera prst="orthographicFront">
+        <a:rot lat="0" lon="0" rev="0"/>
+      </a:camera>
+      <a:lightRig rig="contrasting" dir="t">
+        <a:rot lat="0" lon="0" rev="1200000"/>
+      </a:lightRig>
+    </dgm:scene3d>
+    <dgm:sp3d z="-300000" contourW="19050" prstMaterial="metal">
+      <a:bevelT w="88900" h="203200"/>
+      <a:bevelB w="165100" h="254000"/>
+    </dgm:sp3d>
+    <dgm:txPr/>
+    <dgm:style>
+      <a:lnRef idx="0">
+        <a:scrgbClr r="0" g="0" b="0"/>
+      </a:lnRef>
+      <a:fillRef idx="1">
+        <a:scrgbClr r="0" g="0" b="0"/>
+      </a:fillRef>
+      <a:effectRef idx="1">
+        <a:scrgbClr r="0" g="0" b="0"/>
+      </a:effectRef>
+      <a:fontRef idx="minor"/>
+    </dgm:style>
+  </dgm:styleLbl>
+  <dgm:styleLbl name="sibTrans2D1">
+    <dgm:scene3d>
+      <a:camera prst="orthographicFront">
+        <a:rot lat="0" lon="0" rev="0"/>
+      </a:camera>
+      <a:lightRig rig="contrasting" dir="t">
+        <a:rot lat="0" lon="0" rev="1200000"/>
+      </a:lightRig>
+    </dgm:scene3d>
+    <dgm:sp3d z="-182000" contourW="19050" prstMaterial="metal">
+      <a:bevelT w="88900" h="203200"/>
+      <a:bevelB w="165100" h="254000"/>
+    </dgm:sp3d>
+    <dgm:txPr/>
+    <dgm:style>
+      <a:lnRef idx="0">
+        <a:scrgbClr r="0" g="0" b="0"/>
+      </a:lnRef>
+      <a:fillRef idx="1">
+        <a:scrgbClr r="0" g="0" b="0"/>
+      </a:fillRef>
+      <a:effectRef idx="0">
+        <a:scrgbClr r="0" g="0" b="0"/>
+      </a:effectRef>
+      <a:fontRef idx="minor">
+        <a:schemeClr val="lt1"/>
+      </a:fontRef>
+    </dgm:style>
+  </dgm:styleLbl>
+  <dgm:styleLbl name="fgSibTrans2D1">
+    <dgm:scene3d>
+      <a:camera prst="orthographicFront">
+        <a:rot lat="0" lon="0" rev="0"/>
+      </a:camera>
+      <a:lightRig rig="contrasting" dir="t">
+        <a:rot lat="0" lon="0" rev="1200000"/>
+      </a:lightRig>
+    </dgm:scene3d>
+    <dgm:sp3d z="300000" contourW="19050" prstMaterial="metal">
+      <a:bevelT w="88900" h="203200"/>
+      <a:bevelB w="165100" h="254000"/>
+    </dgm:sp3d>
+    <dgm:txPr/>
+    <dgm:style>
+      <a:lnRef idx="0">
+        <a:scrgbClr r="0" g="0" b="0"/>
+      </a:lnRef>
+      <a:fillRef idx="1">
+        <a:scrgbClr r="0" g="0" b="0"/>
+      </a:fillRef>
+      <a:effectRef idx="0">
+        <a:scrgbClr r="0" g="0" b="0"/>
+      </a:effectRef>
+      <a:fontRef idx="minor"/>
+    </dgm:style>
+  </dgm:styleLbl>
+  <dgm:styleLbl name="bgSibTrans2D1">
+    <dgm:scene3d>
+      <a:camera prst="orthographicFront">
+        <a:rot lat="0" lon="0" rev="0"/>
+      </a:camera>
+      <a:lightRig rig="contrasting" dir="t">
+        <a:rot lat="0" lon="0" rev="1200000"/>
+      </a:lightRig>
+    </dgm:scene3d>
+    <dgm:sp3d z="-300000" contourW="19050" prstMaterial="metal">
+      <a:bevelT w="88900" h="203200"/>
+      <a:bevelB w="165100" h="254000"/>
+    </dgm:sp3d>
+    <dgm:txPr/>
+    <dgm:style>
+      <a:lnRef idx="0">
+        <a:scrgbClr r="0" g="0" b="0"/>
+      </a:lnRef>
+      <a:fillRef idx="1">
+        <a:scrgbClr r="0" g="0" b="0"/>
+      </a:fillRef>
+      <a:effectRef idx="0">
+        <a:scrgbClr r="0" g="0" b="0"/>
+      </a:effectRef>
+      <a:fontRef idx="minor"/>
+    </dgm:style>
+  </dgm:styleLbl>
+  <dgm:styleLbl name="sibTrans1D1">
+    <dgm:scene3d>
+      <a:camera prst="orthographicFront">
+        <a:rot lat="0" lon="0" rev="0"/>
+      </a:camera>
+      <a:lightRig rig="contrasting" dir="t">
+        <a:rot lat="0" lon="0" rev="1200000"/>
+      </a:lightRig>
+    </dgm:scene3d>
+    <dgm:sp3d z="-110000"/>
+    <dgm:txPr/>
+    <dgm:style>
+      <a:lnRef idx="1">
+        <a:scrgbClr r="0" g="0" b="0"/>
+      </a:lnRef>
+      <a:fillRef idx="0">
+        <a:scrgbClr r="0" g="0" b="0"/>
+      </a:fillRef>
+      <a:effectRef idx="0">
+        <a:scrgbClr r="0" g="0" b="0"/>
+      </a:effectRef>
+      <a:fontRef idx="minor"/>
+    </dgm:style>
+  </dgm:styleLbl>
+  <dgm:styleLbl name="callout">
+    <dgm:scene3d>
+      <a:camera prst="orthographicFront">
+        <a:rot lat="0" lon="0" rev="0"/>
+      </a:camera>
+      <a:lightRig rig="contrasting" dir="t">
+        <a:rot lat="0" lon="0" rev="1200000"/>
+      </a:lightRig>
+    </dgm:scene3d>
+    <dgm:sp3d z="10000"/>
+    <dgm:txPr/>
+    <dgm:style>
+      <a:lnRef idx="2">
+        <a:scrgbClr r="0" g="0" b="0"/>
+      </a:lnRef>
+      <a:fillRef idx="1">
+        <a:scrgbClr r="0" g="0" b="0"/>
+      </a:fillRef>
+      <a:effectRef idx="0">
+        <a:scrgbClr r="0" g="0" b="0"/>
+      </a:effectRef>
+      <a:fontRef idx="minor"/>
+    </dgm:style>
+  </dgm:styleLbl>
+  <dgm:styleLbl name="asst0">
+    <dgm:scene3d>
+      <a:camera prst="orthographicFront">
+        <a:rot lat="0" lon="0" rev="0"/>
+      </a:camera>
+      <a:lightRig rig="contrasting" dir="t">
+        <a:rot lat="0" lon="0" rev="1200000"/>
+      </a:lightRig>
+    </dgm:scene3d>
+    <dgm:sp3d contourW="19050" prstMaterial="metal">
+      <a:bevelT w="88900" h="203200"/>
+      <a:bevelB w="165100" h="254000"/>
+    </dgm:sp3d>
+    <dgm:txPr/>
+    <dgm:style>
+      <a:lnRef idx="0">
+        <a:scrgbClr r="0" g="0" b="0"/>
+      </a:lnRef>
+      <a:fillRef idx="1">
+        <a:scrgbClr r="0" g="0" b="0"/>
+      </a:fillRef>
+      <a:effectRef idx="1">
+        <a:scrgbClr r="0" g="0" b="0"/>
+      </a:effectRef>
+      <a:fontRef idx="minor">
+        <a:schemeClr val="lt1"/>
+      </a:fontRef>
+    </dgm:style>
+  </dgm:styleLbl>
+  <dgm:styleLbl name="asst1">
+    <dgm:scene3d>
+      <a:camera prst="orthographicFront">
+        <a:rot lat="0" lon="0" rev="0"/>
+      </a:camera>
+      <a:lightRig rig="contrasting" dir="t">
+        <a:rot lat="0" lon="0" rev="1200000"/>
+      </a:lightRig>
+    </dgm:scene3d>
+    <dgm:sp3d contourW="19050" prstMaterial="metal">
+      <a:bevelT w="88900" h="203200"/>
+      <a:bevelB w="165100" h="254000"/>
+    </dgm:sp3d>
+    <dgm:txPr/>
+    <dgm:style>
+      <a:lnRef idx="0">
+        <a:scrgbClr r="0" g="0" b="0"/>
+      </a:lnRef>
+      <a:fillRef idx="1">
+        <a:scrgbClr r="0" g="0" b="0"/>
+      </a:fillRef>
+      <a:effectRef idx="1">
+        <a:scrgbClr r="0" g="0" b="0"/>
+      </a:effectRef>
+      <a:fontRef idx="minor">
+        <a:schemeClr val="lt1"/>
+      </a:fontRef>
+    </dgm:style>
+  </dgm:styleLbl>
+  <dgm:styleLbl name="asst2">
+    <dgm:scene3d>
+      <a:camera prst="orthographicFront">
+        <a:rot lat="0" lon="0" rev="0"/>
+      </a:camera>
+      <a:lightRig rig="contrasting" dir="t">
+        <a:rot lat="0" lon="0" rev="1200000"/>
+      </a:lightRig>
+    </dgm:scene3d>
+    <dgm:sp3d contourW="19050" prstMaterial="metal">
+      <a:bevelT w="88900" h="203200"/>
+      <a:bevelB w="165100" h="254000"/>
+    </dgm:sp3d>
+    <dgm:txPr/>
+    <dgm:style>
+      <a:lnRef idx="0">
+        <a:scrgbClr r="0" g="0" b="0"/>
+      </a:lnRef>
+      <a:fillRef idx="1">
+        <a:scrgbClr r="0" g="0" b="0"/>
+      </a:fillRef>
+      <a:effectRef idx="1">
+        <a:scrgbClr r="0" g="0" b="0"/>
+      </a:effectRef>
+      <a:fontRef idx="minor">
+        <a:schemeClr val="lt1"/>
+      </a:fontRef>
+    </dgm:style>
+  </dgm:styleLbl>
+  <dgm:styleLbl name="asst3">
+    <dgm:scene3d>
+      <a:camera prst="orthographicFront">
+        <a:rot lat="0" lon="0" rev="0"/>
+      </a:camera>
+      <a:lightRig rig="contrasting" dir="t">
+        <a:rot lat="0" lon="0" rev="1200000"/>
+      </a:lightRig>
+    </dgm:scene3d>
+    <dgm:sp3d contourW="19050" prstMaterial="metal">
+      <a:bevelT w="88900" h="203200"/>
+      <a:bevelB w="165100" h="254000"/>
+    </dgm:sp3d>
+    <dgm:txPr/>
+    <dgm:style>
+      <a:lnRef idx="0">
+        <a:scrgbClr r="0" g="0" b="0"/>
+      </a:lnRef>
+      <a:fillRef idx="1">
+        <a:scrgbClr r="0" g="0" b="0"/>
+      </a:fillRef>
+      <a:effectRef idx="1">
+        <a:scrgbClr r="0" g="0" b="0"/>
+      </a:effectRef>
+      <a:fontRef idx="minor">
+        <a:schemeClr val="lt1"/>
+      </a:fontRef>
+    </dgm:style>
+  </dgm:styleLbl>
+  <dgm:styleLbl name="asst4">
+    <dgm:scene3d>
+      <a:camera prst="orthographicFront"/>
+      <a:lightRig rig="threePt" dir="t"/>
+    </dgm:scene3d>
+    <dgm:sp3d contourW="19050" prstMaterial="metal">
+      <a:bevelT w="88900" h="203200"/>
+      <a:bevelB w="165100" h="254000"/>
+    </dgm:sp3d>
+    <dgm:txPr/>
+    <dgm:style>
+      <a:lnRef idx="0">
+        <a:scrgbClr r="0" g="0" b="0"/>
+      </a:lnRef>
+      <a:fillRef idx="1">
+        <a:scrgbClr r="0" g="0" b="0"/>
+      </a:fillRef>
+      <a:effectRef idx="1">
+        <a:scrgbClr r="0" g="0" b="0"/>
+      </a:effectRef>
+      <a:fontRef idx="minor">
+        <a:schemeClr val="lt1"/>
+      </a:fontRef>
+    </dgm:style>
+  </dgm:styleLbl>
+  <dgm:styleLbl name="parChTrans2D1">
+    <dgm:scene3d>
+      <a:camera prst="orthographicFront">
+        <a:rot lat="0" lon="0" rev="0"/>
+      </a:camera>
+      <a:lightRig rig="contrasting" dir="t">
+        <a:rot lat="0" lon="0" rev="1200000"/>
+      </a:lightRig>
+    </dgm:scene3d>
+    <dgm:sp3d contourW="19050" prstMaterial="metal">
+      <a:bevelT w="88900" h="203200"/>
+      <a:bevelB w="165100" h="254000"/>
+    </dgm:sp3d>
+    <dgm:txPr/>
+    <dgm:style>
+      <a:lnRef idx="0">
+        <a:scrgbClr r="0" g="0" b="0"/>
+      </a:lnRef>
+      <a:fillRef idx="1">
+        <a:scrgbClr r="0" g="0" b="0"/>
+      </a:fillRef>
+      <a:effectRef idx="0">
+        <a:scrgbClr r="0" g="0" b="0"/>
+      </a:effectRef>
+      <a:fontRef idx="minor"/>
+    </dgm:style>
+  </dgm:styleLbl>
+  <dgm:styleLbl name="parChTrans2D2">
+    <dgm:scene3d>
+      <a:camera prst="orthographicFront">
+        <a:rot lat="0" lon="0" rev="0"/>
+      </a:camera>
+      <a:lightRig rig="contrasting" dir="t">
+        <a:rot lat="0" lon="0" rev="1200000"/>
+      </a:lightRig>
+    </dgm:scene3d>
+    <dgm:sp3d contourW="19050" prstMaterial="metal">
+      <a:bevelT w="88900" h="203200"/>
+      <a:bevelB w="165100" h="254000"/>
+    </dgm:sp3d>
+    <dgm:txPr/>
+    <dgm:style>
+      <a:lnRef idx="0">
+        <a:scrgbClr r="0" g="0" b="0"/>
+      </a:lnRef>
+      <a:fillRef idx="1">
+        <a:scrgbClr r="0" g="0" b="0"/>
+      </a:fillRef>
+      <a:effectRef idx="0">
+        <a:scrgbClr r="0" g="0" b="0"/>
+      </a:effectRef>
+      <a:fontRef idx="minor"/>
+    </dgm:style>
+  </dgm:styleLbl>
+  <dgm:styleLbl name="parChTrans2D3">
+    <dgm:scene3d>
+      <a:camera prst="orthographicFront">
+        <a:rot lat="0" lon="0" rev="0"/>
+      </a:camera>
+      <a:lightRig rig="contrasting" dir="t">
+        <a:rot lat="0" lon="0" rev="1200000"/>
+      </a:lightRig>
+    </dgm:scene3d>
+    <dgm:sp3d contourW="19050" prstMaterial="metal">
+      <a:bevelT w="88900" h="203200"/>
+      <a:bevelB w="165100" h="254000"/>
+    </dgm:sp3d>
+    <dgm:txPr/>
+    <dgm:style>
+      <a:lnRef idx="0">
+        <a:scrgbClr r="0" g="0" b="0"/>
+      </a:lnRef>
+      <a:fillRef idx="1">
+        <a:scrgbClr r="0" g="0" b="0"/>
+      </a:fillRef>
+      <a:effectRef idx="0">
+        <a:scrgbClr r="0" g="0" b="0"/>
+      </a:effectRef>
+      <a:fontRef idx="minor"/>
+    </dgm:style>
+  </dgm:styleLbl>
+  <dgm:styleLbl name="parChTrans2D4">
+    <dgm:scene3d>
+      <a:camera prst="orthographicFront">
+        <a:rot lat="0" lon="0" rev="0"/>
+      </a:camera>
+      <a:lightRig rig="contrasting" dir="t">
+        <a:rot lat="0" lon="0" rev="1200000"/>
+      </a:lightRig>
+    </dgm:scene3d>
+    <dgm:sp3d contourW="19050" prstMaterial="metal">
+      <a:bevelT w="88900" h="203200"/>
+      <a:bevelB w="165100" h="254000"/>
+    </dgm:sp3d>
+    <dgm:txPr/>
+    <dgm:style>
+      <a:lnRef idx="0">
+        <a:scrgbClr r="0" g="0" b="0"/>
+      </a:lnRef>
+      <a:fillRef idx="1">
+        <a:scrgbClr r="0" g="0" b="0"/>
+      </a:fillRef>
+      <a:effectRef idx="0">
+        <a:scrgbClr r="0" g="0" b="0"/>
+      </a:effectRef>
+      <a:fontRef idx="minor"/>
+    </dgm:style>
+  </dgm:styleLbl>
+  <dgm:styleLbl name="parChTrans1D1">
+    <dgm:scene3d>
+      <a:camera prst="orthographicFront">
+        <a:rot lat="0" lon="0" rev="0"/>
+      </a:camera>
+      <a:lightRig rig="contrasting" dir="t">
+        <a:rot lat="0" lon="0" rev="1200000"/>
+      </a:lightRig>
+    </dgm:scene3d>
+    <dgm:sp3d z="-110000"/>
+    <dgm:txPr/>
+    <dgm:style>
+      <a:lnRef idx="2">
+        <a:scrgbClr r="0" g="0" b="0"/>
+      </a:lnRef>
+      <a:fillRef idx="0">
+        <a:scrgbClr r="0" g="0" b="0"/>
+      </a:fillRef>
+      <a:effectRef idx="0">
+        <a:scrgbClr r="0" g="0" b="0"/>
+      </a:effectRef>
+      <a:fontRef idx="minor"/>
+    </dgm:style>
+  </dgm:styleLbl>
+  <dgm:styleLbl name="parChTrans1D2">
+    <dgm:scene3d>
+      <a:camera prst="orthographicFront">
+        <a:rot lat="0" lon="0" rev="0"/>
+      </a:camera>
+      <a:lightRig rig="contrasting" dir="t">
+        <a:rot lat="0" lon="0" rev="1200000"/>
+      </a:lightRig>
+    </dgm:scene3d>
+    <dgm:sp3d z="-110000"/>
+    <dgm:txPr/>
+    <dgm:style>
+      <a:lnRef idx="2">
+        <a:scrgbClr r="0" g="0" b="0"/>
+      </a:lnRef>
+      <a:fillRef idx="0">
+        <a:scrgbClr r="0" g="0" b="0"/>
+      </a:fillRef>
+      <a:effectRef idx="0">
+        <a:scrgbClr r="0" g="0" b="0"/>
+      </a:effectRef>
+      <a:fontRef idx="minor"/>
+    </dgm:style>
+  </dgm:styleLbl>
+  <dgm:styleLbl name="parChTrans1D3">
+    <dgm:scene3d>
+      <a:camera prst="orthographicFront">
+        <a:rot lat="0" lon="0" rev="0"/>
+      </a:camera>
+      <a:lightRig rig="contrasting" dir="t">
+        <a:rot lat="0" lon="0" rev="1200000"/>
+      </a:lightRig>
+    </dgm:scene3d>
+    <dgm:sp3d z="-110000"/>
+    <dgm:txPr/>
+    <dgm:style>
+      <a:lnRef idx="2">
+        <a:scrgbClr r="0" g="0" b="0"/>
+      </a:lnRef>
+      <a:fillRef idx="0">
+        <a:scrgbClr r="0" g="0" b="0"/>
+      </a:fillRef>
+      <a:effectRef idx="0">
+        <a:scrgbClr r="0" g="0" b="0"/>
+      </a:effectRef>
+      <a:fontRef idx="minor"/>
+    </dgm:style>
+  </dgm:styleLbl>
+  <dgm:styleLbl name="parChTrans1D4">
+    <dgm:scene3d>
+      <a:camera prst="orthographicFront">
+        <a:rot lat="0" lon="0" rev="0"/>
+      </a:camera>
+      <a:lightRig rig="contrasting" dir="t">
+        <a:rot lat="0" lon="0" rev="1200000"/>
+      </a:lightRig>
+    </dgm:scene3d>
+    <dgm:sp3d z="-110000"/>
+    <dgm:txPr/>
+    <dgm:style>
+      <a:lnRef idx="2">
+        <a:scrgbClr r="0" g="0" b="0"/>
+      </a:lnRef>
+      <a:fillRef idx="0">
+        <a:scrgbClr r="0" g="0" b="0"/>
+      </a:fillRef>
+      <a:effectRef idx="0">
+        <a:scrgbClr r="0" g="0" b="0"/>
+      </a:effectRef>
+      <a:fontRef idx="minor"/>
+    </dgm:style>
+  </dgm:styleLbl>
+  <dgm:styleLbl name="fgAcc1">
+    <dgm:scene3d>
+      <a:camera prst="orthographicFront">
+        <a:rot lat="0" lon="0" rev="0"/>
+      </a:camera>
+      <a:lightRig rig="contrasting" dir="t">
+        <a:rot lat="0" lon="0" rev="1200000"/>
+      </a:lightRig>
+    </dgm:scene3d>
+    <dgm:sp3d z="300000" contourW="19050" prstMaterial="metal">
+      <a:bevelT w="88900" h="203200"/>
+      <a:bevelB w="165100" h="254000"/>
+    </dgm:sp3d>
+    <dgm:txPr/>
+    <dgm:style>
+      <a:lnRef idx="0">
+        <a:scrgbClr r="0" g="0" b="0"/>
+      </a:lnRef>
+      <a:fillRef idx="1">
+        <a:scrgbClr r="0" g="0" b="0"/>
+      </a:fillRef>
+      <a:effectRef idx="0">
+        <a:scrgbClr r="0" g="0" b="0"/>
+      </a:effectRef>
+      <a:fontRef idx="minor"/>
+    </dgm:style>
+  </dgm:styleLbl>
+  <dgm:styleLbl name="conFgAcc1">
+    <dgm:scene3d>
+      <a:camera prst="orthographicFront">
+        <a:rot lat="0" lon="0" rev="0"/>
+      </a:camera>
+      <a:lightRig rig="contrasting" dir="t">
+        <a:rot lat="0" lon="0" rev="1200000"/>
+      </a:lightRig>
+    </dgm:scene3d>
+    <dgm:sp3d z="300000" contourW="19050" prstMaterial="metal">
+      <a:bevelT w="88900" h="203200"/>
+      <a:bevelB w="165100" h="254000"/>
+    </dgm:sp3d>
+    <dgm:txPr/>
+    <dgm:style>
+      <a:lnRef idx="0">
+        <a:scrgbClr r="0" g="0" b="0"/>
+      </a:lnRef>
+      <a:fillRef idx="1">
+        <a:scrgbClr r="0" g="0" b="0"/>
+      </a:fillRef>
+      <a:effectRef idx="0">
+        <a:scrgbClr r="0" g="0" b="0"/>
+      </a:effectRef>
+      <a:fontRef idx="minor"/>
+    </dgm:style>
+  </dgm:styleLbl>
+  <dgm:styleLbl name="alignAcc1">
+    <dgm:scene3d>
+      <a:camera prst="orthographicFront">
+        <a:rot lat="0" lon="0" rev="0"/>
+      </a:camera>
+      <a:lightRig rig="contrasting" dir="t">
+        <a:rot lat="0" lon="0" rev="1200000"/>
+      </a:lightRig>
+    </dgm:scene3d>
+    <dgm:sp3d contourW="19050" prstMaterial="metal">
+      <a:bevelT w="88900" h="203200"/>
+      <a:bevelB w="165100" h="254000"/>
+    </dgm:sp3d>
+    <dgm:txPr/>
+    <dgm:style>
+      <a:lnRef idx="0">
+        <a:scrgbClr r="0" g="0" b="0"/>
+      </a:lnRef>
+      <a:fillRef idx="1">
+        <a:scrgbClr r="0" g="0" b="0"/>
+      </a:fillRef>
+      <a:effectRef idx="0">
+        <a:scrgbClr r="0" g="0" b="0"/>
+      </a:effectRef>
+      <a:fontRef idx="minor"/>
+    </dgm:style>
+  </dgm:styleLbl>
+  <dgm:styleLbl name="trAlignAcc1">
+    <dgm:scene3d>
+      <a:camera prst="orthographicFront">
+        <a:rot lat="0" lon="0" rev="0"/>
+      </a:camera>
+      <a:lightRig rig="contrasting" dir="t">
+        <a:rot lat="0" lon="0" rev="1200000"/>
+      </a:lightRig>
+    </dgm:scene3d>
+    <dgm:sp3d contourW="19050" prstMaterial="metal">
+      <a:bevelT w="88900" h="203200"/>
+      <a:bevelB w="165100" h="254000"/>
+    </dgm:sp3d>
+    <dgm:txPr/>
+    <dgm:style>
+      <a:lnRef idx="0">
+        <a:scrgbClr r="0" g="0" b="0"/>
+      </a:lnRef>
+      <a:fillRef idx="1">
+        <a:scrgbClr r="0" g="0" b="0"/>
+      </a:fillRef>
+      <a:effectRef idx="1">
+        <a:scrgbClr r="0" g="0" b="0"/>
+      </a:effectRef>
+      <a:fontRef idx="minor"/>
+    </dgm:style>
+  </dgm:styleLbl>
+  <dgm:styleLbl name="bgAcc1">
+    <dgm:scene3d>
+      <a:camera prst="orthographicFront">
+        <a:rot lat="0" lon="0" rev="0"/>
+      </a:camera>
+      <a:lightRig rig="contrasting" dir="t">
+        <a:rot lat="0" lon="0" rev="1200000"/>
+      </a:lightRig>
+    </dgm:scene3d>
+    <dgm:sp3d z="-300000" contourW="19050" prstMaterial="metal">
+      <a:bevelT w="88900" h="203200"/>
+      <a:bevelB w="165100" h="254000"/>
+    </dgm:sp3d>
+    <dgm:txPr/>
+    <dgm:style>
+      <a:lnRef idx="0">
+        <a:scrgbClr r="0" g="0" b="0"/>
+      </a:lnRef>
+      <a:fillRef idx="1">
+        <a:scrgbClr r="0" g="0" b="0"/>
+      </a:fillRef>
+      <a:effectRef idx="0">
+        <a:scrgbClr r="0" g="0" b="0"/>
+      </a:effectRef>
+      <a:fontRef idx="minor"/>
+    </dgm:style>
+  </dgm:styleLbl>
+  <dgm:styleLbl name="solidFgAcc1">
+    <dgm:scene3d>
+      <a:camera prst="orthographicFront">
+        <a:rot lat="0" lon="0" rev="0"/>
+      </a:camera>
+      <a:lightRig rig="contrasting" dir="t">
+        <a:rot lat="0" lon="0" rev="1200000"/>
+      </a:lightRig>
+    </dgm:scene3d>
+    <dgm:sp3d z="300000" contourW="12700" prstMaterial="flat">
+      <a:bevelT w="177800" h="254000"/>
+      <a:bevelB w="152400"/>
+    </dgm:sp3d>
+    <dgm:txPr/>
+    <dgm:style>
+      <a:lnRef idx="0">
+        <a:scrgbClr r="0" g="0" b="0"/>
+      </a:lnRef>
+      <a:fillRef idx="1">
+        <a:scrgbClr r="0" g="0" b="0"/>
+      </a:fillRef>
+      <a:effectRef idx="0">
+        <a:scrgbClr r="0" g="0" b="0"/>
+      </a:effectRef>
+      <a:fontRef idx="minor"/>
+    </dgm:style>
+  </dgm:styleLbl>
+  <dgm:styleLbl name="solidAlignAcc1">
+    <dgm:scene3d>
+      <a:camera prst="orthographicFront">
+        <a:rot lat="0" lon="0" rev="0"/>
+      </a:camera>
+      <a:lightRig rig="contrasting" dir="t">
+        <a:rot lat="0" lon="0" rev="1200000"/>
+      </a:lightRig>
+    </dgm:scene3d>
+    <dgm:sp3d contourW="19050" prstMaterial="metal">
+      <a:bevelT w="88900" h="203200"/>
+      <a:bevelB w="165100" h="254000"/>
+    </dgm:sp3d>
+    <dgm:txPr/>
+    <dgm:style>
+      <a:lnRef idx="0">
+        <a:scrgbClr r="0" g="0" b="0"/>
+      </a:lnRef>
+      <a:fillRef idx="1">
+        <a:scrgbClr r="0" g="0" b="0"/>
+      </a:fillRef>
+      <a:effectRef idx="0">
+        <a:scrgbClr r="0" g="0" b="0"/>
+      </a:effectRef>
+      <a:fontRef idx="minor"/>
+    </dgm:style>
+  </dgm:styleLbl>
+  <dgm:styleLbl name="solidBgAcc1">
+    <dgm:scene3d>
+      <a:camera prst="orthographicFront">
+        <a:rot lat="0" lon="0" rev="0"/>
+      </a:camera>
+      <a:lightRig rig="contrasting" dir="t">
+        <a:rot lat="0" lon="0" rev="1200000"/>
+      </a:lightRig>
+    </dgm:scene3d>
+    <dgm:sp3d z="-300000" contourW="19050" prstMaterial="metal">
+      <a:bevelT w="88900" h="203200"/>
+      <a:bevelB w="165100" h="254000"/>
+    </dgm:sp3d>
+    <dgm:txPr/>
+    <dgm:style>
+      <a:lnRef idx="0">
+        <a:scrgbClr r="0" g="0" b="0"/>
+      </a:lnRef>
+      <a:fillRef idx="1">
+        <a:scrgbClr r="0" g="0" b="0"/>
+      </a:fillRef>
+      <a:effectRef idx="0">
+        <a:scrgbClr r="0" g="0" b="0"/>
+      </a:effectRef>
+      <a:fontRef idx="minor"/>
+    </dgm:style>
+  </dgm:styleLbl>
+  <dgm:styleLbl name="fgAccFollowNode1">
+    <dgm:scene3d>
+      <a:camera prst="orthographicFront">
+        <a:rot lat="0" lon="0" rev="0"/>
+      </a:camera>
+      <a:lightRig rig="contrasting" dir="t">
+        <a:rot lat="0" lon="0" rev="1200000"/>
+      </a:lightRig>
+    </dgm:scene3d>
+    <dgm:sp3d z="300000" contourW="19050" prstMaterial="metal">
+      <a:bevelT w="88900" h="203200"/>
+      <a:bevelB w="165100" h="254000"/>
+    </dgm:sp3d>
+    <dgm:txPr/>
+    <dgm:style>
+      <a:lnRef idx="0">
+        <a:scrgbClr r="0" g="0" b="0"/>
+      </a:lnRef>
+      <a:fillRef idx="1">
+        <a:scrgbClr r="0" g="0" b="0"/>
+      </a:fillRef>
+      <a:effectRef idx="0">
+        <a:scrgbClr r="0" g="0" b="0"/>
+      </a:effectRef>
+      <a:fontRef idx="minor"/>
+    </dgm:style>
+  </dgm:styleLbl>
+  <dgm:styleLbl name="alignAccFollowNode1">
+    <dgm:scene3d>
+      <a:camera prst="orthographicFront">
+        <a:rot lat="0" lon="0" rev="0"/>
+      </a:camera>
+      <a:lightRig rig="contrasting" dir="t">
+        <a:rot lat="0" lon="0" rev="1200000"/>
+      </a:lightRig>
+    </dgm:scene3d>
+    <dgm:sp3d contourW="19050" prstMaterial="metal">
+      <a:bevelT w="88900" h="203200"/>
+      <a:bevelB w="165100" h="254000"/>
+    </dgm:sp3d>
+    <dgm:txPr/>
+    <dgm:style>
+      <a:lnRef idx="0">
+        <a:scrgbClr r="0" g="0" b="0"/>
+      </a:lnRef>
+      <a:fillRef idx="1">
+        <a:scrgbClr r="0" g="0" b="0"/>
+      </a:fillRef>
+      <a:effectRef idx="0">
+        <a:scrgbClr r="0" g="0" b="0"/>
+      </a:effectRef>
+      <a:fontRef idx="minor"/>
+    </dgm:style>
+  </dgm:styleLbl>
+  <dgm:styleLbl name="bgAccFollowNode1">
+    <dgm:scene3d>
+      <a:camera prst="orthographicFront">
+        <a:rot lat="0" lon="0" rev="0"/>
+      </a:camera>
+      <a:lightRig rig="contrasting" dir="t">
+        <a:rot lat="0" lon="0" rev="1200000"/>
+      </a:lightRig>
+    </dgm:scene3d>
+    <dgm:sp3d z="-300000" contourW="19050" prstMaterial="metal">
+      <a:bevelT w="88900" h="203200"/>
+      <a:bevelB w="165100" h="254000"/>
+    </dgm:sp3d>
+    <dgm:txPr/>
+    <dgm:style>
+      <a:lnRef idx="0">
+        <a:scrgbClr r="0" g="0" b="0"/>
+      </a:lnRef>
+      <a:fillRef idx="1">
+        <a:scrgbClr r="0" g="0" b="0"/>
+      </a:fillRef>
+      <a:effectRef idx="0">
+        <a:scrgbClr r="0" g="0" b="0"/>
+      </a:effectRef>
+      <a:fontRef idx="minor"/>
+    </dgm:style>
+  </dgm:styleLbl>
+  <dgm:styleLbl name="fgAcc0">
+    <dgm:scene3d>
+      <a:camera prst="orthographicFront">
+        <a:rot lat="0" lon="0" rev="0"/>
+      </a:camera>
+      <a:lightRig rig="contrasting" dir="t">
+        <a:rot lat="0" lon="0" rev="1200000"/>
+      </a:lightRig>
+    </dgm:scene3d>
+    <dgm:sp3d z="300000" contourW="19050" prstMaterial="metal">
+      <a:bevelT w="88900" h="203200"/>
+      <a:bevelB w="165100" h="254000"/>
+    </dgm:sp3d>
+    <dgm:txPr/>
+    <dgm:style>
+      <a:lnRef idx="0">
+        <a:scrgbClr r="0" g="0" b="0"/>
+      </a:lnRef>
+      <a:fillRef idx="1">
+        <a:scrgbClr r="0" g="0" b="0"/>
+      </a:fillRef>
+      <a:effectRef idx="0">
+        <a:scrgbClr r="0" g="0" b="0"/>
+      </a:effectRef>
+      <a:fontRef idx="minor"/>
+    </dgm:style>
+  </dgm:styleLbl>
+  <dgm:styleLbl name="fgAcc2">
+    <dgm:scene3d>
+      <a:camera prst="orthographicFront">
+        <a:rot lat="0" lon="0" rev="0"/>
+      </a:camera>
+      <a:lightRig rig="contrasting" dir="t">
+        <a:rot lat="0" lon="0" rev="1200000"/>
+      </a:lightRig>
+    </dgm:scene3d>
+    <dgm:sp3d z="300000" contourW="19050" prstMaterial="metal">
+      <a:bevelT w="88900" h="203200"/>
+      <a:bevelB w="165100" h="254000"/>
+    </dgm:sp3d>
+    <dgm:txPr/>
+    <dgm:style>
+      <a:lnRef idx="0">
+        <a:scrgbClr r="0" g="0" b="0"/>
+      </a:lnRef>
+      <a:fillRef idx="1">
+        <a:scrgbClr r="0" g="0" b="0"/>
+      </a:fillRef>
+      <a:effectRef idx="0">
+        <a:scrgbClr r="0" g="0" b="0"/>
+      </a:effectRef>
+      <a:fontRef idx="minor"/>
+    </dgm:style>
+  </dgm:styleLbl>
+  <dgm:styleLbl name="fgAcc3">
+    <dgm:scene3d>
+      <a:camera prst="orthographicFront">
+        <a:rot lat="0" lon="0" rev="0"/>
+      </a:camera>
+      <a:lightRig rig="contrasting" dir="t">
+        <a:rot lat="0" lon="0" rev="1200000"/>
+      </a:lightRig>
+    </dgm:scene3d>
+    <dgm:sp3d z="300000" contourW="19050" prstMaterial="metal">
+      <a:bevelT w="88900" h="203200"/>
+      <a:bevelB w="165100" h="254000"/>
+    </dgm:sp3d>
+    <dgm:txPr/>
+    <dgm:style>
+      <a:lnRef idx="0">
+        <a:scrgbClr r="0" g="0" b="0"/>
+      </a:lnRef>
+      <a:fillRef idx="1">
+        <a:scrgbClr r="0" g="0" b="0"/>
+      </a:fillRef>
+      <a:effectRef idx="0">
+        <a:scrgbClr r="0" g="0" b="0"/>
+      </a:effectRef>
+      <a:fontRef idx="minor"/>
+    </dgm:style>
+  </dgm:styleLbl>
+  <dgm:styleLbl name="fgAcc4">
+    <dgm:scene3d>
+      <a:camera prst="orthographicFront">
+        <a:rot lat="0" lon="0" rev="0"/>
+      </a:camera>
+      <a:lightRig rig="contrasting" dir="t">
+        <a:rot lat="0" lon="0" rev="1200000"/>
+      </a:lightRig>
+    </dgm:scene3d>
+    <dgm:sp3d z="300000" contourW="19050" prstMaterial="metal">
+      <a:bevelT w="88900" h="203200"/>
+      <a:bevelB w="165100" h="254000"/>
+    </dgm:sp3d>
+    <dgm:txPr/>
+    <dgm:style>
+      <a:lnRef idx="0">
+        <a:scrgbClr r="0" g="0" b="0"/>
+      </a:lnRef>
+      <a:fillRef idx="1">
+        <a:scrgbClr r="0" g="0" b="0"/>
+      </a:fillRef>
+      <a:effectRef idx="0">
+        <a:scrgbClr r="0" g="0" b="0"/>
+      </a:effectRef>
+      <a:fontRef idx="minor"/>
+    </dgm:style>
+  </dgm:styleLbl>
+  <dgm:styleLbl name="bgShp">
+    <dgm:scene3d>
+      <a:camera prst="orthographicFront">
+        <a:rot lat="0" lon="0" rev="0"/>
+      </a:camera>
+      <a:lightRig rig="contrasting" dir="t">
+        <a:rot lat="0" lon="0" rev="1200000"/>
+      </a:lightRig>
+    </dgm:scene3d>
+    <dgm:sp3d z="-300000" prstMaterial="plastic"/>
+    <dgm:txPr/>
+    <dgm:style>
+      <a:lnRef idx="1">
+        <a:scrgbClr r="0" g="0" b="0"/>
+      </a:lnRef>
+      <a:fillRef idx="1">
+        <a:scrgbClr r="0" g="0" b="0"/>
+      </a:fillRef>
+      <a:effectRef idx="0">
+        <a:scrgbClr r="0" g="0" b="0"/>
+      </a:effectRef>
+      <a:fontRef idx="minor"/>
+    </dgm:style>
+  </dgm:styleLbl>
+  <dgm:styleLbl name="dkBgShp">
+    <dgm:scene3d>
+      <a:camera prst="orthographicFront">
+        <a:rot lat="0" lon="0" rev="0"/>
+      </a:camera>
+      <a:lightRig rig="contrasting" dir="t">
+        <a:rot lat="0" lon="0" rev="1200000"/>
+      </a:lightRig>
+    </dgm:scene3d>
+    <dgm:sp3d contourW="12700" prstMaterial="flat">
+      <a:bevelT w="100800" h="154000"/>
+      <a:bevelB w="152400"/>
+    </dgm:sp3d>
+    <dgm:txPr/>
+    <dgm:style>
+      <a:lnRef idx="0">
+        <a:scrgbClr r="0" g="0" b="0"/>
+      </a:lnRef>
+      <a:fillRef idx="1">
+        <a:scrgbClr r="0" g="0" b="0"/>
+      </a:fillRef>
+      <a:effectRef idx="0">
+        <a:scrgbClr r="0" g="0" b="0"/>
+      </a:effectRef>
+      <a:fontRef idx="minor"/>
+    </dgm:style>
+  </dgm:styleLbl>
+  <dgm:styleLbl name="trBgShp">
+    <dgm:scene3d>
+      <a:camera prst="orthographicFront">
+        <a:rot lat="0" lon="0" rev="0"/>
+      </a:camera>
+      <a:lightRig rig="contrasting" dir="t">
+        <a:rot lat="0" lon="0" rev="1200000"/>
+      </a:lightRig>
+    </dgm:scene3d>
+    <dgm:sp3d z="-152400" prstMaterial="matte"/>
+    <dgm:txPr/>
+    <dgm:style>
+      <a:lnRef idx="1">
+        <a:scrgbClr r="0" g="0" b="0"/>
+      </a:lnRef>
+      <a:fillRef idx="1">
+        <a:scrgbClr r="0" g="0" b="0"/>
+      </a:fillRef>
+      <a:effectRef idx="0">
+        <a:scrgbClr r="0" g="0" b="0"/>
+      </a:effectRef>
+      <a:fontRef idx="minor"/>
+    </dgm:style>
+  </dgm:styleLbl>
+  <dgm:styleLbl name="fgShp">
+    <dgm:scene3d>
+      <a:camera prst="orthographicFront">
+        <a:rot lat="0" lon="0" rev="0"/>
+      </a:camera>
+      <a:lightRig rig="contrasting" dir="t">
+        <a:rot lat="0" lon="0" rev="1200000"/>
+      </a:lightRig>
+    </dgm:scene3d>
+    <dgm:sp3d z="300000" contourW="19050" prstMaterial="metal">
+      <a:bevelT w="88900" h="203200"/>
+      <a:bevelB w="165100" h="254000"/>
+    </dgm:sp3d>
+    <dgm:txPr/>
+    <dgm:style>
+      <a:lnRef idx="0">
+        <a:scrgbClr r="0" g="0" b="0"/>
+      </a:lnRef>
+      <a:fillRef idx="1">
+        <a:scrgbClr r="0" g="0" b="0"/>
+      </a:fillRef>
+      <a:effectRef idx="0">
+        <a:scrgbClr r="0" g="0" b="0"/>
+      </a:effectRef>
+      <a:fontRef idx="minor"/>
+    </dgm:style>
+  </dgm:styleLbl>
+  <dgm:styleLbl name="revTx">
+    <dgm:scene3d>
+      <a:camera prst="orthographicFront"/>
+      <a:lightRig rig="threePt" dir="t"/>
+    </dgm:scene3d>
+    <dgm:sp3d/>
+    <dgm:txPr/>
+    <dgm:style>
+      <a:lnRef idx="1">
+        <a:scrgbClr r="0" g="0" b="0"/>
+      </a:lnRef>
+      <a:fillRef idx="0">
+        <a:scrgbClr r="0" g="0" b="0"/>
+      </a:fillRef>
+      <a:effectRef idx="0">
+        <a:scrgbClr r="0" g="0" b="0"/>
+      </a:effectRef>
+      <a:fontRef idx="minor"/>
+    </dgm:style>
+  </dgm:styleLbl>
+</dgm:styleDef>
+</file>
+
 <file path=ppt/handoutMasters/handoutMaster1.xml><?xml version="1.0" encoding="utf-8"?>
 <p:handoutMaster xmlns:a="http://schemas.openxmlformats.org/drawingml/2006/main" xmlns:r="http://schemas.openxmlformats.org/officeDocument/2006/relationships" xmlns:p="http://schemas.openxmlformats.org/presentationml/2006/main">
   <p:cSld>
@@ -458,7 +7936,7 @@
     </p:spTree>
     <p:extLst>
       <p:ext uri="{BB962C8B-B14F-4D97-AF65-F5344CB8AC3E}">
-        <p14:creationId xmlns:p14="http://schemas.microsoft.com/office/powerpoint/2010/main" val="3306506664"/>
+        <p14:creationId xmlns:p14="http://schemas.microsoft.com/office/powerpoint/2010/main" xmlns="" val="3306506664"/>
       </p:ext>
     </p:extLst>
   </p:cSld>
@@ -1034,7 +8512,7 @@
     </p:spTree>
     <p:extLst>
       <p:ext uri="{BB962C8B-B14F-4D97-AF65-F5344CB8AC3E}">
-        <p14:creationId xmlns:p14="http://schemas.microsoft.com/office/powerpoint/2010/main" val="3290858648"/>
+        <p14:creationId xmlns:p14="http://schemas.microsoft.com/office/powerpoint/2010/main" xmlns="" val="3290858648"/>
       </p:ext>
     </p:extLst>
   </p:cSld>
@@ -2005,7 +9483,7 @@
     </p:spTree>
     <p:extLst>
       <p:ext uri="{BB962C8B-B14F-4D97-AF65-F5344CB8AC3E}">
-        <p14:creationId xmlns:p14="http://schemas.microsoft.com/office/powerpoint/2010/main" val="3579872104"/>
+        <p14:creationId xmlns:p14="http://schemas.microsoft.com/office/powerpoint/2010/main" xmlns="" val="3579872104"/>
       </p:ext>
     </p:extLst>
   </p:cSld>
@@ -2141,7 +9619,7 @@
     </p:spTree>
     <p:extLst>
       <p:ext uri="{BB962C8B-B14F-4D97-AF65-F5344CB8AC3E}">
-        <p14:creationId xmlns:p14="http://schemas.microsoft.com/office/powerpoint/2010/main" val="4086205857"/>
+        <p14:creationId xmlns:p14="http://schemas.microsoft.com/office/powerpoint/2010/main" xmlns="" val="4086205857"/>
       </p:ext>
     </p:extLst>
   </p:cSld>
@@ -2277,7 +9755,7 @@
     </p:spTree>
     <p:extLst>
       <p:ext uri="{BB962C8B-B14F-4D97-AF65-F5344CB8AC3E}">
-        <p14:creationId xmlns:p14="http://schemas.microsoft.com/office/powerpoint/2010/main" val="3979630434"/>
+        <p14:creationId xmlns:p14="http://schemas.microsoft.com/office/powerpoint/2010/main" xmlns="" val="3979630434"/>
       </p:ext>
     </p:extLst>
   </p:cSld>
@@ -2413,7 +9891,7 @@
     </p:spTree>
     <p:extLst>
       <p:ext uri="{BB962C8B-B14F-4D97-AF65-F5344CB8AC3E}">
-        <p14:creationId xmlns:p14="http://schemas.microsoft.com/office/powerpoint/2010/main" val="894590783"/>
+        <p14:creationId xmlns:p14="http://schemas.microsoft.com/office/powerpoint/2010/main" xmlns="" val="894590783"/>
       </p:ext>
     </p:extLst>
   </p:cSld>
@@ -2549,7 +10027,7 @@
     </p:spTree>
     <p:extLst>
       <p:ext uri="{BB962C8B-B14F-4D97-AF65-F5344CB8AC3E}">
-        <p14:creationId xmlns:p14="http://schemas.microsoft.com/office/powerpoint/2010/main" val="894590783"/>
+        <p14:creationId xmlns:p14="http://schemas.microsoft.com/office/powerpoint/2010/main" xmlns="" val="894590783"/>
       </p:ext>
     </p:extLst>
   </p:cSld>
@@ -2685,7 +10163,7 @@
     </p:spTree>
     <p:extLst>
       <p:ext uri="{BB962C8B-B14F-4D97-AF65-F5344CB8AC3E}">
-        <p14:creationId xmlns:p14="http://schemas.microsoft.com/office/powerpoint/2010/main" val="894590783"/>
+        <p14:creationId xmlns:p14="http://schemas.microsoft.com/office/powerpoint/2010/main" xmlns="" val="894590783"/>
       </p:ext>
     </p:extLst>
   </p:cSld>
@@ -2821,7 +10299,7 @@
     </p:spTree>
     <p:extLst>
       <p:ext uri="{BB962C8B-B14F-4D97-AF65-F5344CB8AC3E}">
-        <p14:creationId xmlns:p14="http://schemas.microsoft.com/office/powerpoint/2010/main" val="894590783"/>
+        <p14:creationId xmlns:p14="http://schemas.microsoft.com/office/powerpoint/2010/main" xmlns="" val="894590783"/>
       </p:ext>
     </p:extLst>
   </p:cSld>
@@ -2957,7 +10435,7 @@
     </p:spTree>
     <p:extLst>
       <p:ext uri="{BB962C8B-B14F-4D97-AF65-F5344CB8AC3E}">
-        <p14:creationId xmlns:p14="http://schemas.microsoft.com/office/powerpoint/2010/main" val="894590783"/>
+        <p14:creationId xmlns:p14="http://schemas.microsoft.com/office/powerpoint/2010/main" xmlns="" val="894590783"/>
       </p:ext>
     </p:extLst>
   </p:cSld>
@@ -3093,7 +10571,7 @@
     </p:spTree>
     <p:extLst>
       <p:ext uri="{BB962C8B-B14F-4D97-AF65-F5344CB8AC3E}">
-        <p14:creationId xmlns:p14="http://schemas.microsoft.com/office/powerpoint/2010/main" val="1472061649"/>
+        <p14:creationId xmlns:p14="http://schemas.microsoft.com/office/powerpoint/2010/main" xmlns="" val="1472061649"/>
       </p:ext>
     </p:extLst>
   </p:cSld>
@@ -5690,6 +13168,32 @@
           </a:p>
         </p:txBody>
       </p:sp>
+      <p:pic>
+        <p:nvPicPr>
+          <p:cNvPr id="43009" name="Picture 1" descr="D:\OneDrive\Uni\Projektseminar AUDO\Fotos\AUDO-logo.jpg"/>
+          <p:cNvPicPr>
+            <a:picLocks noChangeAspect="1" noChangeArrowheads="1"/>
+          </p:cNvPicPr>
+          <p:nvPr userDrawn="1"/>
+        </p:nvPicPr>
+        <p:blipFill>
+          <a:blip r:embed="rId2" cstate="print"/>
+          <a:srcRect/>
+          <a:stretch>
+            <a:fillRect/>
+          </a:stretch>
+        </p:blipFill>
+        <p:spPr bwMode="auto">
+          <a:xfrm>
+            <a:off x="7020272" y="6516049"/>
+            <a:ext cx="1103611" cy="341951"/>
+          </a:xfrm>
+          <a:prstGeom prst="rect">
+            <a:avLst/>
+          </a:prstGeom>
+          <a:noFill/>
+        </p:spPr>
+      </p:pic>
     </p:spTree>
   </p:cSld>
   <p:clrMapOvr>
@@ -8385,7 +15889,7 @@
       </p:sp>
       <p:pic>
         <p:nvPicPr>
-          <p:cNvPr id="1026" name="Picture 2" descr="C:\Users\Dell\Downloads\Audo\IMG_20190225_121825147.jpg"/>
+          <p:cNvPr id="22529" name="Picture 1" descr="D:\OneDrive\Uni\Projektseminar AUDO\Präsentationen\IMG_20190225_121857642.png"/>
           <p:cNvPicPr>
             <a:picLocks noChangeAspect="1" noChangeArrowheads="1"/>
           </p:cNvPicPr>
@@ -8400,8 +15904,8 @@
         </p:blipFill>
         <p:spPr bwMode="auto">
           <a:xfrm>
-            <a:off x="2555776" y="2636912"/>
-            <a:ext cx="3744416" cy="2808312"/>
+            <a:off x="3131840" y="2564904"/>
+            <a:ext cx="2664296" cy="3743336"/>
           </a:xfrm>
           <a:prstGeom prst="rect">
             <a:avLst/>
@@ -8701,7 +16205,7 @@
     </p:spTree>
     <p:extLst>
       <p:ext uri="{BB962C8B-B14F-4D97-AF65-F5344CB8AC3E}">
-        <p14:creationId xmlns:p14="http://schemas.microsoft.com/office/powerpoint/2010/main" val="2622745934"/>
+        <p14:creationId xmlns:p14="http://schemas.microsoft.com/office/powerpoint/2010/main" xmlns="" val="2622745934"/>
       </p:ext>
     </p:extLst>
   </p:cSld>
@@ -9337,7 +16841,15 @@
             </a:r>
             <a:r>
               <a:rPr lang="en-US" altLang="de-DE" dirty="0" err="1" smtClean="0"/>
-              <a:t>Fahrsituationen</a:t>
+              <a:t>Kurven</a:t>
+            </a:r>
+            <a:r>
+              <a:rPr lang="en-US" altLang="de-DE" dirty="0" smtClean="0"/>
+              <a:t>- und </a:t>
+            </a:r>
+            <a:r>
+              <a:rPr lang="en-US" altLang="de-DE" dirty="0" err="1" smtClean="0"/>
+              <a:t>Geradenregler</a:t>
             </a:r>
             <a:endParaRPr lang="de-DE" dirty="0"/>
           </a:p>
@@ -9345,53 +16857,16 @@
       </p:sp>
       <p:sp>
         <p:nvSpPr>
-          <p:cNvPr id="1048609" name="Inhaltsplatzhalter 2"/>
+          <p:cNvPr id="11266" name="AutoShape 2" descr="curve_bw.png"/>
           <p:cNvSpPr>
-            <a:spLocks noGrp="1"/>
+            <a:spLocks noChangeAspect="1" noChangeArrowheads="1"/>
           </p:cNvSpPr>
-          <p:nvPr>
-            <p:ph idx="1"/>
-          </p:nvPr>
-        </p:nvSpPr>
-        <p:spPr>
-          <a:xfrm>
-            <a:off x="323725" y="1484784"/>
-            <a:ext cx="8640763" cy="4968875"/>
-          </a:xfrm>
-        </p:spPr>
-        <p:txBody>
-          <a:bodyPr/>
-          <a:lstStyle/>
-          <a:p>
-            <a:r>
-              <a:rPr lang="de-DE" altLang="zh-CN" dirty="0" err="1" smtClean="0"/>
-              <a:t>Todo</a:t>
-            </a:r>
-            <a:r>
-              <a:rPr lang="de-DE" altLang="zh-CN" dirty="0" smtClean="0"/>
-              <a:t>: Funktion </a:t>
-            </a:r>
-            <a:r>
-              <a:rPr lang="de-DE" altLang="zh-CN" dirty="0" err="1" smtClean="0"/>
-              <a:t>drive_state</a:t>
-            </a:r>
-            <a:r>
-              <a:rPr lang="de-DE" altLang="zh-CN" dirty="0" smtClean="0"/>
-              <a:t> irgendwie grafisch darstellen</a:t>
-            </a:r>
-          </a:p>
-        </p:txBody>
-      </p:sp>
-      <p:sp>
-        <p:nvSpPr>
-          <p:cNvPr id="2" name="Textfeld 1"/>
-          <p:cNvSpPr txBox="1"/>
           <p:nvPr/>
         </p:nvSpPr>
-        <p:spPr>
+        <p:spPr bwMode="auto">
           <a:xfrm>
-            <a:off x="611560" y="2060848"/>
-            <a:ext cx="8208912" cy="1895775"/>
+            <a:off x="155575" y="-144463"/>
+            <a:ext cx="304800" cy="304801"/>
           </a:xfrm>
           <a:prstGeom prst="rect">
             <a:avLst/>
@@ -9399,260 +16874,243 @@
           <a:noFill/>
         </p:spPr>
         <p:txBody>
-          <a:bodyPr wrap="square" rtlCol="0">
-            <a:spAutoFit/>
+          <a:bodyPr vert="horz" wrap="square" lIns="91440" tIns="45720" rIns="91440" bIns="45720" numCol="1" anchor="t" anchorCtr="0" compatLnSpc="1">
+            <a:prstTxWarp prst="textNoShape">
+              <a:avLst/>
+            </a:prstTxWarp>
           </a:bodyPr>
           <a:lstStyle/>
           <a:p>
-            <a:pPr algn="l"/>
-            <a:r>
-              <a:rPr lang="de-DE" b="1" dirty="0" err="1" smtClean="0">
-                <a:solidFill>
-                  <a:schemeClr val="tx1"/>
-                </a:solidFill>
-              </a:rPr>
-              <a:t>drive_state</a:t>
-            </a:r>
-            <a:r>
-              <a:rPr lang="de-DE" b="1" dirty="0" smtClean="0">
-                <a:solidFill>
-                  <a:schemeClr val="tx1"/>
-                </a:solidFill>
-              </a:rPr>
-              <a:t>:</a:t>
-            </a:r>
-          </a:p>
-          <a:p>
-            <a:pPr algn="l"/>
-            <a:r>
-              <a:rPr lang="de-DE" b="1" dirty="0">
-                <a:solidFill>
-                  <a:schemeClr val="tx1"/>
-                </a:solidFill>
-              </a:rPr>
-              <a:t>	</a:t>
-            </a:r>
-            <a:r>
-              <a:rPr lang="de-DE" b="1" dirty="0" err="1" smtClean="0">
-                <a:solidFill>
-                  <a:schemeClr val="tx1"/>
-                </a:solidFill>
-              </a:rPr>
-              <a:t>if</a:t>
-            </a:r>
-            <a:r>
-              <a:rPr lang="de-DE" b="1" dirty="0" smtClean="0">
-                <a:solidFill>
-                  <a:schemeClr val="tx1"/>
-                </a:solidFill>
-              </a:rPr>
-              <a:t> </a:t>
-            </a:r>
-            <a:r>
-              <a:rPr lang="de-DE" dirty="0" smtClean="0">
-                <a:solidFill>
-                  <a:schemeClr val="tx1"/>
-                </a:solidFill>
-              </a:rPr>
-              <a:t>(Differenz Linienpunkte groß genug &amp;&amp; vergangene Differenzen auch groß genug):</a:t>
-            </a:r>
-          </a:p>
-          <a:p>
-            <a:pPr algn="l"/>
-            <a:r>
-              <a:rPr lang="de-DE" b="1" dirty="0">
-                <a:solidFill>
-                  <a:schemeClr val="tx1"/>
-                </a:solidFill>
-              </a:rPr>
-              <a:t>	</a:t>
-            </a:r>
-            <a:r>
-              <a:rPr lang="de-DE" b="1" dirty="0" smtClean="0">
-                <a:solidFill>
-                  <a:schemeClr val="tx1"/>
-                </a:solidFill>
-              </a:rPr>
-              <a:t>	</a:t>
-            </a:r>
-            <a:r>
-              <a:rPr lang="de-DE" dirty="0" err="1" smtClean="0">
-                <a:solidFill>
-                  <a:schemeClr val="tx1"/>
-                </a:solidFill>
-              </a:rPr>
-              <a:t>curve</a:t>
-            </a:r>
-            <a:r>
-              <a:rPr lang="de-DE" dirty="0" smtClean="0">
-                <a:solidFill>
-                  <a:schemeClr val="tx1"/>
-                </a:solidFill>
-              </a:rPr>
-              <a:t>=</a:t>
-            </a:r>
-            <a:r>
-              <a:rPr lang="de-DE" dirty="0" err="1" smtClean="0">
-                <a:solidFill>
-                  <a:schemeClr val="tx1"/>
-                </a:solidFill>
-              </a:rPr>
-              <a:t>true</a:t>
-            </a:r>
-            <a:r>
-              <a:rPr lang="de-DE" dirty="0" smtClean="0">
-                <a:solidFill>
-                  <a:schemeClr val="tx1"/>
-                </a:solidFill>
-              </a:rPr>
-              <a:t>;</a:t>
-            </a:r>
-          </a:p>
-          <a:p>
-            <a:pPr algn="l"/>
-            <a:r>
-              <a:rPr lang="de-DE" dirty="0" smtClean="0">
-                <a:solidFill>
-                  <a:schemeClr val="tx1"/>
-                </a:solidFill>
-              </a:rPr>
-              <a:t>		</a:t>
-            </a:r>
-            <a:r>
-              <a:rPr lang="de-DE" dirty="0" err="1" smtClean="0">
-                <a:solidFill>
-                  <a:schemeClr val="tx1"/>
-                </a:solidFill>
-              </a:rPr>
-              <a:t>wait</a:t>
-            </a:r>
-            <a:r>
-              <a:rPr lang="de-DE" dirty="0" smtClean="0">
-                <a:solidFill>
-                  <a:schemeClr val="tx1"/>
-                </a:solidFill>
-              </a:rPr>
-              <a:t> </a:t>
-            </a:r>
-            <a:r>
-              <a:rPr lang="de-DE" dirty="0" err="1" smtClean="0">
-                <a:solidFill>
-                  <a:schemeClr val="tx1"/>
-                </a:solidFill>
-              </a:rPr>
-              <a:t>until</a:t>
-            </a:r>
-            <a:r>
-              <a:rPr lang="de-DE" dirty="0" smtClean="0">
-                <a:solidFill>
-                  <a:schemeClr val="tx1"/>
-                </a:solidFill>
-              </a:rPr>
-              <a:t> in </a:t>
-            </a:r>
-            <a:r>
-              <a:rPr lang="de-DE" dirty="0" err="1" smtClean="0">
-                <a:solidFill>
-                  <a:schemeClr val="tx1"/>
-                </a:solidFill>
-              </a:rPr>
-              <a:t>curve</a:t>
-            </a:r>
-            <a:r>
-              <a:rPr lang="de-DE" dirty="0" smtClean="0">
-                <a:solidFill>
-                  <a:schemeClr val="tx1"/>
-                </a:solidFill>
-              </a:rPr>
-              <a:t>: DS_CURVE_SLOW </a:t>
-            </a:r>
-            <a:r>
-              <a:rPr lang="de-DE" dirty="0" smtClean="0">
-                <a:solidFill>
-                  <a:schemeClr val="tx1"/>
-                </a:solidFill>
-                <a:sym typeface="Wingdings" panose="05000000000000000000" pitchFamily="2" charset="2"/>
-              </a:rPr>
-              <a:t> DS_CURVE_AP_SLOW</a:t>
-            </a:r>
-          </a:p>
-          <a:p>
-            <a:pPr algn="l"/>
-            <a:r>
-              <a:rPr lang="de-DE" dirty="0">
-                <a:solidFill>
-                  <a:schemeClr val="tx1"/>
-                </a:solidFill>
-                <a:sym typeface="Wingdings" panose="05000000000000000000" pitchFamily="2" charset="2"/>
-              </a:rPr>
-              <a:t>	</a:t>
-            </a:r>
-            <a:r>
-              <a:rPr lang="de-DE" dirty="0" smtClean="0">
-                <a:solidFill>
-                  <a:schemeClr val="tx1"/>
-                </a:solidFill>
-                <a:sym typeface="Wingdings" panose="05000000000000000000" pitchFamily="2" charset="2"/>
-              </a:rPr>
-              <a:t>	</a:t>
-            </a:r>
-            <a:r>
-              <a:rPr lang="de-DE" dirty="0" err="1" smtClean="0">
-                <a:solidFill>
-                  <a:schemeClr val="tx1"/>
-                </a:solidFill>
-                <a:sym typeface="Wingdings" panose="05000000000000000000" pitchFamily="2" charset="2"/>
-              </a:rPr>
-              <a:t>leave</a:t>
-            </a:r>
-            <a:r>
-              <a:rPr lang="de-DE" dirty="0" smtClean="0">
-                <a:solidFill>
-                  <a:schemeClr val="tx1"/>
-                </a:solidFill>
-                <a:sym typeface="Wingdings" panose="05000000000000000000" pitchFamily="2" charset="2"/>
-              </a:rPr>
-              <a:t> </a:t>
-            </a:r>
-            <a:r>
-              <a:rPr lang="de-DE" dirty="0" err="1" smtClean="0">
-                <a:solidFill>
-                  <a:schemeClr val="tx1"/>
-                </a:solidFill>
-                <a:sym typeface="Wingdings" panose="05000000000000000000" pitchFamily="2" charset="2"/>
-              </a:rPr>
-              <a:t>curve</a:t>
-            </a:r>
-            <a:r>
-              <a:rPr lang="de-DE" dirty="0" smtClean="0">
-                <a:solidFill>
-                  <a:schemeClr val="tx1"/>
-                </a:solidFill>
-                <a:sym typeface="Wingdings" panose="05000000000000000000" pitchFamily="2" charset="2"/>
-              </a:rPr>
-              <a:t>: DS_STRAIGHT_SLOW  DS_STRAIGHT_AP_SLOW</a:t>
-            </a:r>
-            <a:endParaRPr lang="de-DE" dirty="0" smtClean="0">
-              <a:solidFill>
-                <a:schemeClr val="tx1"/>
-              </a:solidFill>
-            </a:endParaRPr>
-          </a:p>
-          <a:p>
-            <a:pPr algn="l"/>
-            <a:endParaRPr lang="de-DE" dirty="0">
-              <a:solidFill>
-                <a:schemeClr val="tx1"/>
-              </a:solidFill>
-            </a:endParaRPr>
+            <a:endParaRPr lang="de-DE"/>
           </a:p>
         </p:txBody>
       </p:sp>
+      <p:sp>
+        <p:nvSpPr>
+          <p:cNvPr id="11268" name="AutoShape 4" descr="curve_bw.png"/>
+          <p:cNvSpPr>
+            <a:spLocks noChangeAspect="1" noChangeArrowheads="1"/>
+          </p:cNvSpPr>
+          <p:nvPr/>
+        </p:nvSpPr>
+        <p:spPr bwMode="auto">
+          <a:xfrm>
+            <a:off x="155575" y="-144463"/>
+            <a:ext cx="304800" cy="304801"/>
+          </a:xfrm>
+          <a:prstGeom prst="rect">
+            <a:avLst/>
+          </a:prstGeom>
+          <a:noFill/>
+        </p:spPr>
+        <p:txBody>
+          <a:bodyPr vert="horz" wrap="square" lIns="91440" tIns="45720" rIns="91440" bIns="45720" numCol="1" anchor="t" anchorCtr="0" compatLnSpc="1">
+            <a:prstTxWarp prst="textNoShape">
+              <a:avLst/>
+            </a:prstTxWarp>
+          </a:bodyPr>
+          <a:lstStyle/>
+          <a:p>
+            <a:endParaRPr lang="de-DE"/>
+          </a:p>
+        </p:txBody>
+      </p:sp>
+      <p:pic>
+        <p:nvPicPr>
+          <p:cNvPr id="11269" name="Picture 5" descr="D:\Downloads\curve_bw.png"/>
+          <p:cNvPicPr>
+            <a:picLocks noChangeAspect="1" noChangeArrowheads="1"/>
+          </p:cNvPicPr>
+          <p:nvPr/>
+        </p:nvPicPr>
+        <p:blipFill>
+          <a:blip r:embed="rId3" cstate="print"/>
+          <a:srcRect t="9909" r="4685"/>
+          <a:stretch>
+            <a:fillRect/>
+          </a:stretch>
+        </p:blipFill>
+        <p:spPr bwMode="auto">
+          <a:xfrm>
+            <a:off x="6444208" y="1700808"/>
+            <a:ext cx="2197065" cy="2291131"/>
+          </a:xfrm>
+          <a:prstGeom prst="rect">
+            <a:avLst/>
+          </a:prstGeom>
+          <a:noFill/>
+        </p:spPr>
+      </p:pic>
+      <p:cxnSp>
+        <p:nvCxnSpPr>
+          <p:cNvPr id="8" name="Gerade Verbindung 7"/>
+          <p:cNvCxnSpPr/>
+          <p:nvPr/>
+        </p:nvCxnSpPr>
+        <p:spPr bwMode="auto">
+          <a:xfrm>
+            <a:off x="7452320" y="1808804"/>
+            <a:ext cx="1008112" cy="1512168"/>
+          </a:xfrm>
+          <a:prstGeom prst="line">
+            <a:avLst/>
+          </a:prstGeom>
+          <a:solidFill>
+            <a:schemeClr val="accent2"/>
+          </a:solidFill>
+          <a:ln w="25400" cap="flat" cmpd="sng" algn="ctr">
+            <a:solidFill>
+              <a:schemeClr val="bg1"/>
+            </a:solidFill>
+            <a:prstDash val="dash"/>
+            <a:round/>
+            <a:headEnd type="none" w="med" len="med"/>
+            <a:tailEnd type="none" w="med" len="med"/>
+          </a:ln>
+          <a:effectLst/>
+        </p:spPr>
+      </p:cxnSp>
+      <p:cxnSp>
+        <p:nvCxnSpPr>
+          <p:cNvPr id="12" name="Gerade Verbindung 11"/>
+          <p:cNvCxnSpPr/>
+          <p:nvPr/>
+        </p:nvCxnSpPr>
+        <p:spPr bwMode="auto">
+          <a:xfrm>
+            <a:off x="8028384" y="2024828"/>
+            <a:ext cx="144016" cy="1800200"/>
+          </a:xfrm>
+          <a:prstGeom prst="line">
+            <a:avLst/>
+          </a:prstGeom>
+          <a:solidFill>
+            <a:schemeClr val="accent2"/>
+          </a:solidFill>
+          <a:ln w="25400" cap="flat" cmpd="sng" algn="ctr">
+            <a:solidFill>
+              <a:schemeClr val="bg1"/>
+            </a:solidFill>
+            <a:prstDash val="dash"/>
+            <a:round/>
+            <a:headEnd type="none" w="med" len="med"/>
+            <a:tailEnd type="none" w="med" len="med"/>
+          </a:ln>
+          <a:effectLst/>
+        </p:spPr>
+      </p:cxnSp>
+      <p:pic>
+        <p:nvPicPr>
+          <p:cNvPr id="11270" name="Picture 6" descr="D:\OneDrive\Uni\Projektseminar AUDO\Präsentationen\obstacle_bw.png"/>
+          <p:cNvPicPr>
+            <a:picLocks noChangeAspect="1" noChangeArrowheads="1"/>
+          </p:cNvPicPr>
+          <p:nvPr/>
+        </p:nvPicPr>
+        <p:blipFill>
+          <a:blip r:embed="rId4" cstate="print"/>
+          <a:srcRect t="9909" r="4685"/>
+          <a:stretch>
+            <a:fillRect/>
+          </a:stretch>
+        </p:blipFill>
+        <p:spPr bwMode="auto">
+          <a:xfrm>
+            <a:off x="6444208" y="4077072"/>
+            <a:ext cx="2197065" cy="2291170"/>
+          </a:xfrm>
+          <a:prstGeom prst="rect">
+            <a:avLst/>
+          </a:prstGeom>
+          <a:noFill/>
+        </p:spPr>
+      </p:pic>
+      <p:cxnSp>
+        <p:nvCxnSpPr>
+          <p:cNvPr id="18" name="Gerade Verbindung 17"/>
+          <p:cNvCxnSpPr/>
+          <p:nvPr/>
+        </p:nvCxnSpPr>
+        <p:spPr bwMode="auto">
+          <a:xfrm>
+            <a:off x="7724040" y="4668097"/>
+            <a:ext cx="216024" cy="1584176"/>
+          </a:xfrm>
+          <a:prstGeom prst="line">
+            <a:avLst/>
+          </a:prstGeom>
+          <a:solidFill>
+            <a:schemeClr val="accent2"/>
+          </a:solidFill>
+          <a:ln w="25400" cap="flat" cmpd="sng" algn="ctr">
+            <a:solidFill>
+              <a:schemeClr val="bg1"/>
+            </a:solidFill>
+            <a:prstDash val="dash"/>
+            <a:round/>
+            <a:headEnd type="none" w="med" len="med"/>
+            <a:tailEnd type="none" w="med" len="med"/>
+          </a:ln>
+          <a:effectLst/>
+        </p:spPr>
+      </p:cxnSp>
+      <p:cxnSp>
+        <p:nvCxnSpPr>
+          <p:cNvPr id="24" name="Gerade Verbindung 23"/>
+          <p:cNvCxnSpPr/>
+          <p:nvPr/>
+        </p:nvCxnSpPr>
+        <p:spPr bwMode="auto">
+          <a:xfrm>
+            <a:off x="7487558" y="4261383"/>
+            <a:ext cx="432048" cy="1440160"/>
+          </a:xfrm>
+          <a:prstGeom prst="line">
+            <a:avLst/>
+          </a:prstGeom>
+          <a:solidFill>
+            <a:schemeClr val="accent2"/>
+          </a:solidFill>
+          <a:ln w="25400" cap="flat" cmpd="sng" algn="ctr">
+            <a:solidFill>
+              <a:schemeClr val="bg1"/>
+            </a:solidFill>
+            <a:prstDash val="dash"/>
+            <a:round/>
+            <a:headEnd type="none" w="med" len="med"/>
+            <a:tailEnd type="none" w="med" len="med"/>
+          </a:ln>
+          <a:effectLst/>
+        </p:spPr>
+      </p:cxnSp>
+      <p:graphicFrame>
+        <p:nvGraphicFramePr>
+          <p:cNvPr id="30" name="Diagramm 29"/>
+          <p:cNvGraphicFramePr/>
+          <p:nvPr/>
+        </p:nvGraphicFramePr>
+        <p:xfrm>
+          <a:off x="0" y="1556792"/>
+          <a:ext cx="6444208" cy="4896544"/>
+        </p:xfrm>
+        <a:graphic>
+          <a:graphicData uri="http://schemas.openxmlformats.org/drawingml/2006/diagram">
+            <dgm:relIds xmlns:dgm="http://schemas.openxmlformats.org/drawingml/2006/diagram" xmlns:r="http://schemas.openxmlformats.org/officeDocument/2006/relationships" r:dm="rId5" r:lo="rId6" r:qs="rId7" r:cs="rId8"/>
+          </a:graphicData>
+        </a:graphic>
+      </p:graphicFrame>
     </p:spTree>
   </p:cSld>
   <p:clrMapOvr>
     <a:masterClrMapping/>
   </p:clrMapOvr>
+  <p:timing>
+    <p:tnLst>
+      <p:par>
+        <p:cTn id="1" dur="indefinite" restart="never" nodeType="tmRoot"/>
+      </p:par>
+    </p:tnLst>
+  </p:timing>
 </p:sld>
 </file>
 
@@ -9724,22 +17182,94 @@
         <p:spPr>
           <a:xfrm>
             <a:off x="323725" y="1484784"/>
-            <a:ext cx="8640763" cy="4968875"/>
+            <a:ext cx="6408515" cy="4968875"/>
           </a:xfrm>
         </p:spPr>
         <p:txBody>
           <a:bodyPr/>
           <a:lstStyle/>
           <a:p>
+            <a:r>
+              <a:rPr lang="de-DE" altLang="zh-CN" dirty="0" smtClean="0"/>
+              <a:t>Konstante Fahrgeschwindigkeit</a:t>
+            </a:r>
+            <a:endParaRPr lang="de-DE" altLang="zh-CN" dirty="0" smtClean="0"/>
+          </a:p>
+          <a:p>
+            <a:r>
+              <a:rPr lang="de-DE" altLang="zh-CN" dirty="0" smtClean="0"/>
+              <a:t>Fahrzeugposition wird durch den PD-Regler geregelt</a:t>
+            </a:r>
+          </a:p>
+          <a:p>
+            <a:r>
+              <a:rPr lang="de-DE" altLang="zh-CN" dirty="0" smtClean="0"/>
+              <a:t>Bezugspunkt der Regelung ist die jeweils äußere Markierung der aktuellen Fahrspur (grüne Linie)</a:t>
+            </a:r>
+          </a:p>
+          <a:p>
+            <a:r>
+              <a:rPr lang="de-DE" altLang="zh-CN" dirty="0" smtClean="0"/>
+              <a:t>Hinderniserkennung läuft permanent</a:t>
+            </a:r>
             <a:endParaRPr lang="de-DE" altLang="zh-CN" dirty="0" smtClean="0"/>
           </a:p>
         </p:txBody>
       </p:sp>
+      <p:graphicFrame>
+        <p:nvGraphicFramePr>
+          <p:cNvPr id="5" name="Diagramm 4"/>
+          <p:cNvGraphicFramePr/>
+          <p:nvPr/>
+        </p:nvGraphicFramePr>
+        <p:xfrm>
+          <a:off x="395536" y="3284984"/>
+          <a:ext cx="8424936" cy="3240360"/>
+        </p:xfrm>
+        <a:graphic>
+          <a:graphicData uri="http://schemas.openxmlformats.org/drawingml/2006/diagram">
+            <dgm:relIds xmlns:dgm="http://schemas.openxmlformats.org/drawingml/2006/diagram" xmlns:r="http://schemas.openxmlformats.org/officeDocument/2006/relationships" r:dm="rId3" r:lo="rId4" r:qs="rId5" r:cs="rId6"/>
+          </a:graphicData>
+        </a:graphic>
+      </p:graphicFrame>
+      <p:pic>
+        <p:nvPicPr>
+          <p:cNvPr id="7" name="Picture 6" descr="D:\OneDrive\Uni\Projektseminar AUDO\Präsentationen\obstacle_bw.png"/>
+          <p:cNvPicPr>
+            <a:picLocks noChangeAspect="1" noChangeArrowheads="1"/>
+          </p:cNvPicPr>
+          <p:nvPr/>
+        </p:nvPicPr>
+        <p:blipFill>
+          <a:blip r:embed="rId8" cstate="print"/>
+          <a:srcRect t="9909" r="4685"/>
+          <a:stretch>
+            <a:fillRect/>
+          </a:stretch>
+        </p:blipFill>
+        <p:spPr bwMode="auto">
+          <a:xfrm>
+            <a:off x="7020272" y="1628800"/>
+            <a:ext cx="1440160" cy="1501845"/>
+          </a:xfrm>
+          <a:prstGeom prst="rect">
+            <a:avLst/>
+          </a:prstGeom>
+          <a:noFill/>
+        </p:spPr>
+      </p:pic>
     </p:spTree>
   </p:cSld>
   <p:clrMapOvr>
     <a:masterClrMapping/>
   </p:clrMapOvr>
+  <p:timing>
+    <p:tnLst>
+      <p:par>
+        <p:cTn id="1" dur="indefinite" restart="never" nodeType="tmRoot"/>
+      </p:par>
+    </p:tnLst>
+  </p:timing>
 </p:sld>
 </file>
 
@@ -9811,7 +17341,7 @@
         <p:spPr>
           <a:xfrm>
             <a:off x="323725" y="1484784"/>
-            <a:ext cx="8640763" cy="4968875"/>
+            <a:ext cx="7128595" cy="4968875"/>
           </a:xfrm>
         </p:spPr>
         <p:txBody>
@@ -9820,27 +17350,46 @@
           <a:p>
             <a:r>
               <a:rPr lang="de-DE" altLang="zh-CN" dirty="0" smtClean="0"/>
-              <a:t>Keine Spurhaltung</a:t>
-            </a:r>
+              <a:t>Dynamische Geschwindigkeitsanpassung in Abhängigkeit der Fahrsituation</a:t>
+            </a:r>
+            <a:endParaRPr lang="de-DE" altLang="zh-CN" dirty="0" smtClean="0"/>
           </a:p>
           <a:p>
             <a:r>
               <a:rPr lang="de-DE" altLang="zh-CN" dirty="0" smtClean="0"/>
-              <a:t>Geraden erkennen und schneller werden</a:t>
-            </a:r>
-          </a:p>
-          <a:p>
+              <a:t>Fahrzeugposition wird durch den PD-Regler </a:t>
+            </a:r>
             <a:r>
               <a:rPr lang="de-DE" altLang="zh-CN" dirty="0" smtClean="0"/>
-              <a:t>In Kurven </a:t>
-            </a:r>
-            <a:r>
-              <a:rPr lang="de-DE" altLang="zh-CN" dirty="0" err="1" smtClean="0"/>
-              <a:t>Reglerwerte</a:t>
-            </a:r>
-            <a:r>
-              <a:rPr lang="de-DE" altLang="zh-CN" smtClean="0"/>
-              <a:t> anpassen</a:t>
+              <a:t>geregelt</a:t>
+            </a:r>
+            <a:endParaRPr lang="de-DE" altLang="zh-CN" dirty="0" smtClean="0"/>
+          </a:p>
+          <a:p>
+            <a:r>
+              <a:rPr lang="de-DE" altLang="zh-CN" dirty="0" smtClean="0"/>
+              <a:t>Bezugspunkt der Regelung ist </a:t>
+            </a:r>
+            <a:r>
+              <a:rPr lang="de-DE" altLang="zh-CN" dirty="0" smtClean="0"/>
+              <a:t>immer die äußere Markierung der Rennstrecke</a:t>
+            </a:r>
+          </a:p>
+          <a:p>
+            <a:r>
+              <a:rPr lang="de-DE" altLang="zh-CN" dirty="0" smtClean="0"/>
+              <a:t>Abstand zum Fahrbahnrand vergrößert</a:t>
+            </a:r>
+            <a:endParaRPr lang="de-DE" altLang="zh-CN" dirty="0" smtClean="0"/>
+          </a:p>
+          <a:p>
+            <a:r>
+              <a:rPr lang="de-DE" altLang="zh-CN" dirty="0" smtClean="0"/>
+              <a:t>Hinderniserkennung </a:t>
+            </a:r>
+            <a:r>
+              <a:rPr lang="de-DE" altLang="zh-CN" dirty="0" smtClean="0"/>
+              <a:t>ist deaktiviert</a:t>
             </a:r>
             <a:endParaRPr lang="de-DE" altLang="zh-CN" dirty="0" smtClean="0"/>
           </a:p>
@@ -9851,6 +17400,13 @@
   <p:clrMapOvr>
     <a:masterClrMapping/>
   </p:clrMapOvr>
+  <p:timing>
+    <p:tnLst>
+      <p:par>
+        <p:cTn id="1" dur="indefinite" restart="never" nodeType="tmRoot"/>
+      </p:par>
+    </p:tnLst>
+  </p:timing>
 </p:sld>
 </file>
 

--- a/Dokumente/Präsentationen/Abschlusspräsentation.pptx
+++ b/Dokumente/Präsentationen/Abschlusspräsentation.pptx
@@ -5,23 +5,26 @@
     <p:sldMasterId id="2147483648" r:id="rId1"/>
   </p:sldMasterIdLst>
   <p:notesMasterIdLst>
-    <p:notesMasterId r:id="rId13"/>
+    <p:notesMasterId r:id="rId16"/>
   </p:notesMasterIdLst>
   <p:handoutMasterIdLst>
-    <p:handoutMasterId r:id="rId14"/>
+    <p:handoutMasterId r:id="rId17"/>
   </p:handoutMasterIdLst>
   <p:sldIdLst>
     <p:sldId id="257" r:id="rId2"/>
     <p:sldId id="266" r:id="rId3"/>
-    <p:sldId id="267" r:id="rId4"/>
-    <p:sldId id="265" r:id="rId5"/>
-    <p:sldId id="259" r:id="rId6"/>
-    <p:sldId id="270" r:id="rId7"/>
-    <p:sldId id="271" r:id="rId8"/>
-    <p:sldId id="269" r:id="rId9"/>
-    <p:sldId id="268" r:id="rId10"/>
-    <p:sldId id="261" r:id="rId11"/>
-    <p:sldId id="262" r:id="rId12"/>
+    <p:sldId id="272" r:id="rId4"/>
+    <p:sldId id="274" r:id="rId5"/>
+    <p:sldId id="267" r:id="rId6"/>
+    <p:sldId id="265" r:id="rId7"/>
+    <p:sldId id="259" r:id="rId8"/>
+    <p:sldId id="270" r:id="rId9"/>
+    <p:sldId id="271" r:id="rId10"/>
+    <p:sldId id="269" r:id="rId11"/>
+    <p:sldId id="268" r:id="rId12"/>
+    <p:sldId id="261" r:id="rId13"/>
+    <p:sldId id="262" r:id="rId14"/>
+    <p:sldId id="275" r:id="rId15"/>
   </p:sldIdLst>
   <p:sldSz cx="9144000" cy="6858000" type="screen4x3"/>
   <p:notesSz cx="6797675" cy="9926638"/>
@@ -192,7 +195,7 @@
   </p:defaultTextStyle>
   <p:extLst>
     <p:ext uri="{EFAFB233-063F-42B5-8137-9DF3F51BA10A}">
-      <p15:sldGuideLst xmlns:p15="http://schemas.microsoft.com/office/powerpoint/2012/main" xmlns="">
+      <p15:sldGuideLst xmlns="" xmlns:p15="http://schemas.microsoft.com/office/powerpoint/2012/main">
         <p15:guide id="1" orient="horz" pos="4319">
           <p15:clr>
             <a:srgbClr val="A4A3A4"/>
@@ -206,7 +209,7 @@
       </p15:sldGuideLst>
     </p:ext>
     <p:ext uri="{2D200454-40CA-4A62-9FC3-DE9A4176ACB9}">
-      <p15:notesGuideLst xmlns:p15="http://schemas.microsoft.com/office/powerpoint/2012/main" xmlns="">
+      <p15:notesGuideLst xmlns="" xmlns:p15="http://schemas.microsoft.com/office/powerpoint/2012/main">
         <p15:guide id="1" orient="horz" pos="2874">
           <p15:clr>
             <a:srgbClr val="A4A3A4"/>
@@ -2131,6 +2134,13 @@
         </dgm:presLayoutVars>
       </dgm:prSet>
       <dgm:spPr/>
+      <dgm:t>
+        <a:bodyPr/>
+        <a:lstStyle/>
+        <a:p>
+          <a:endParaRPr lang="de-DE"/>
+        </a:p>
+      </dgm:t>
     </dgm:pt>
     <dgm:pt modelId="{322F2889-427F-4255-96FE-7A663EF3A95F}" type="pres">
       <dgm:prSet presAssocID="{FF517022-E8A5-401C-BEFF-859908823049}" presName="node" presStyleLbl="node1" presStyleIdx="0" presStyleCnt="6" custScaleX="163525" custScaleY="125976" custRadScaleRad="94162" custRadScaleInc="-9979">
@@ -2154,6 +2164,13 @@
     <dgm:pt modelId="{E04CC487-1C5B-45B6-8D5E-C8D4066D0943}" type="pres">
       <dgm:prSet presAssocID="{B14546C0-114D-408B-9FD0-5FFE00C38A13}" presName="sibTrans" presStyleLbl="sibTrans1D1" presStyleIdx="0" presStyleCnt="6"/>
       <dgm:spPr/>
+      <dgm:t>
+        <a:bodyPr/>
+        <a:lstStyle/>
+        <a:p>
+          <a:endParaRPr lang="de-DE"/>
+        </a:p>
+      </dgm:t>
     </dgm:pt>
     <dgm:pt modelId="{0EC62B5A-E703-4913-9127-81806E8ABEC7}" type="pres">
       <dgm:prSet presAssocID="{8946F9DE-07C3-4686-9856-6B2582DD3106}" presName="node" presStyleLbl="node1" presStyleIdx="1" presStyleCnt="6" custScaleX="141874" custRadScaleRad="107605" custRadScaleInc="43942">
@@ -2177,6 +2194,13 @@
     <dgm:pt modelId="{5627CC50-5788-4218-BE49-84D13277FE07}" type="pres">
       <dgm:prSet presAssocID="{EFAA9E13-0438-42E3-A7FC-26537FB853BC}" presName="sibTrans" presStyleLbl="sibTrans1D1" presStyleIdx="1" presStyleCnt="6"/>
       <dgm:spPr/>
+      <dgm:t>
+        <a:bodyPr/>
+        <a:lstStyle/>
+        <a:p>
+          <a:endParaRPr lang="de-DE"/>
+        </a:p>
+      </dgm:t>
     </dgm:pt>
     <dgm:pt modelId="{7DF9A944-9651-4414-985F-9C465760A763}" type="pres">
       <dgm:prSet presAssocID="{17393C64-41B8-4541-B793-D79216D0230D}" presName="node" presStyleLbl="node1" presStyleIdx="2" presStyleCnt="6" custScaleX="128693" custRadScaleRad="102747" custRadScaleInc="-78648">
@@ -2200,6 +2224,13 @@
     <dgm:pt modelId="{C2088CE8-813B-404D-9C15-5986F4B492B7}" type="pres">
       <dgm:prSet presAssocID="{256E034F-7A83-4132-AD3E-FC88A31B3171}" presName="sibTrans" presStyleLbl="sibTrans1D1" presStyleIdx="2" presStyleCnt="6"/>
       <dgm:spPr/>
+      <dgm:t>
+        <a:bodyPr/>
+        <a:lstStyle/>
+        <a:p>
+          <a:endParaRPr lang="de-DE"/>
+        </a:p>
+      </dgm:t>
     </dgm:pt>
     <dgm:pt modelId="{51070C73-9ABB-4CBE-BF7F-197499FA4E9F}" type="pres">
       <dgm:prSet presAssocID="{097DC993-72A3-4244-AFD6-0815E77788A4}" presName="node" presStyleLbl="node1" presStyleIdx="3" presStyleCnt="6" custScaleX="170260" custScaleY="130813" custRadScaleRad="88999" custRadScaleInc="3471">
@@ -2223,6 +2254,13 @@
     <dgm:pt modelId="{0E8FB463-07BE-482A-BC43-61AF7FD595C1}" type="pres">
       <dgm:prSet presAssocID="{12DBF135-D93E-4E14-AEB2-5C4A533E7B5D}" presName="sibTrans" presStyleLbl="sibTrans1D1" presStyleIdx="3" presStyleCnt="6"/>
       <dgm:spPr/>
+      <dgm:t>
+        <a:bodyPr/>
+        <a:lstStyle/>
+        <a:p>
+          <a:endParaRPr lang="de-DE"/>
+        </a:p>
+      </dgm:t>
     </dgm:pt>
     <dgm:pt modelId="{F289F93E-06E5-4979-920E-3478F87B263A}" type="pres">
       <dgm:prSet presAssocID="{5B0E89E7-AC0B-4EB0-A717-91ED139CDD67}" presName="node" presStyleLbl="node1" presStyleIdx="4" presStyleCnt="6" custScaleX="155752" custRadScaleRad="94940" custRadScaleInc="72639">
@@ -2246,6 +2284,13 @@
     <dgm:pt modelId="{92E93751-1EDC-4F0A-98BC-A5C9AA6C1D5F}" type="pres">
       <dgm:prSet presAssocID="{2D86A2BF-5B6A-4D76-94CC-99797484151B}" presName="sibTrans" presStyleLbl="sibTrans1D1" presStyleIdx="4" presStyleCnt="6"/>
       <dgm:spPr/>
+      <dgm:t>
+        <a:bodyPr/>
+        <a:lstStyle/>
+        <a:p>
+          <a:endParaRPr lang="de-DE"/>
+        </a:p>
+      </dgm:t>
     </dgm:pt>
     <dgm:pt modelId="{06095F51-3C94-4EFF-917D-25EAB90C3F30}" type="pres">
       <dgm:prSet presAssocID="{D7962C6A-858D-4AB6-AAF5-72BB61C3BCC6}" presName="node" presStyleLbl="node1" presStyleIdx="5" presStyleCnt="6" custScaleX="138416" custRadScaleRad="102617" custRadScaleInc="-38518">
@@ -2269,36 +2314,43 @@
     <dgm:pt modelId="{21E62269-EC77-4B92-819E-7AD572501D51}" type="pres">
       <dgm:prSet presAssocID="{477FC51F-3263-43C0-8AF5-0B7CB46EA1BD}" presName="sibTrans" presStyleLbl="sibTrans1D1" presStyleIdx="5" presStyleCnt="6"/>
       <dgm:spPr/>
+      <dgm:t>
+        <a:bodyPr/>
+        <a:lstStyle/>
+        <a:p>
+          <a:endParaRPr lang="de-DE"/>
+        </a:p>
+      </dgm:t>
     </dgm:pt>
   </dgm:ptLst>
   <dgm:cxnLst>
-    <dgm:cxn modelId="{0AEE111E-0CF7-46B6-B51F-F81DA5D8D01F}" type="presOf" srcId="{D62CCB92-B222-40DF-8910-3148B3994A10}" destId="{51070C73-9ABB-4CBE-BF7F-197499FA4E9F}" srcOrd="0" destOrd="1" presId="urn:microsoft.com/office/officeart/2005/8/layout/cycle5"/>
+    <dgm:cxn modelId="{6F7BB68A-0B71-491E-8D6E-DC8B76730EB3}" type="presOf" srcId="{9C262D38-C23F-46A9-B2F7-AD02E33616FF}" destId="{ADCC66F3-B14D-44B1-8B1E-5A57D0293F83}" srcOrd="0" destOrd="0" presId="urn:microsoft.com/office/officeart/2005/8/layout/cycle5"/>
+    <dgm:cxn modelId="{6749EC41-312E-4702-AE93-417101E72446}" type="presOf" srcId="{12DBF135-D93E-4E14-AEB2-5C4A533E7B5D}" destId="{0E8FB463-07BE-482A-BC43-61AF7FD595C1}" srcOrd="0" destOrd="0" presId="urn:microsoft.com/office/officeart/2005/8/layout/cycle5"/>
+    <dgm:cxn modelId="{8E92716F-26B5-48CB-9A00-5C3373317CD3}" type="presOf" srcId="{8946F9DE-07C3-4686-9856-6B2582DD3106}" destId="{0EC62B5A-E703-4913-9127-81806E8ABEC7}" srcOrd="0" destOrd="0" presId="urn:microsoft.com/office/officeart/2005/8/layout/cycle5"/>
+    <dgm:cxn modelId="{7C9F5033-8032-4928-BA9F-5E3EA4B9BF79}" srcId="{097DC993-72A3-4244-AFD6-0815E77788A4}" destId="{ACE2CC2F-AAD9-4D05-8B40-547E3B539AA8}" srcOrd="1" destOrd="0" parTransId="{247F8999-C927-44AD-A8A4-ACF4DF7446C5}" sibTransId="{8B9E9675-B7D5-4D3D-AA5A-60329BC021AC}"/>
+    <dgm:cxn modelId="{866FAEBD-B319-41E9-8E07-12BC3EDA4B0E}" type="presOf" srcId="{FF517022-E8A5-401C-BEFF-859908823049}" destId="{322F2889-427F-4255-96FE-7A663EF3A95F}" srcOrd="0" destOrd="0" presId="urn:microsoft.com/office/officeart/2005/8/layout/cycle5"/>
+    <dgm:cxn modelId="{A8A36C32-F17B-4246-9A36-013688B8CADE}" type="presOf" srcId="{17393C64-41B8-4541-B793-D79216D0230D}" destId="{7DF9A944-9651-4414-985F-9C465760A763}" srcOrd="0" destOrd="0" presId="urn:microsoft.com/office/officeart/2005/8/layout/cycle5"/>
     <dgm:cxn modelId="{3AB39C81-ACA0-4389-93FD-F278E26CC96D}" srcId="{9C262D38-C23F-46A9-B2F7-AD02E33616FF}" destId="{8946F9DE-07C3-4686-9856-6B2582DD3106}" srcOrd="1" destOrd="0" parTransId="{975B95CE-EE56-4169-AE2B-9ACD786ED702}" sibTransId="{EFAA9E13-0438-42E3-A7FC-26537FB853BC}"/>
     <dgm:cxn modelId="{9350CCA3-652E-4BF3-9834-DDA1168358CB}" type="presOf" srcId="{097DC993-72A3-4244-AFD6-0815E77788A4}" destId="{51070C73-9ABB-4CBE-BF7F-197499FA4E9F}" srcOrd="0" destOrd="0" presId="urn:microsoft.com/office/officeart/2005/8/layout/cycle5"/>
+    <dgm:cxn modelId="{521A4830-26D1-4BA7-AC54-7A0EEFE775FD}" type="presOf" srcId="{EAE6104A-0D3A-40D0-B9AA-3C115D31E63D}" destId="{322F2889-427F-4255-96FE-7A663EF3A95F}" srcOrd="0" destOrd="2" presId="urn:microsoft.com/office/officeart/2005/8/layout/cycle5"/>
+    <dgm:cxn modelId="{BC416615-A145-46B5-BFA3-B5DC7DB689E8}" srcId="{9C262D38-C23F-46A9-B2F7-AD02E33616FF}" destId="{097DC993-72A3-4244-AFD6-0815E77788A4}" srcOrd="3" destOrd="0" parTransId="{A9F536AC-C72D-492A-AE1B-9C1C204A8896}" sibTransId="{12DBF135-D93E-4E14-AEB2-5C4A533E7B5D}"/>
+    <dgm:cxn modelId="{47A7DB7C-BE0F-4751-A725-2CB710F1F10D}" srcId="{FF517022-E8A5-401C-BEFF-859908823049}" destId="{EA98858B-2958-46B2-B90A-604982431D71}" srcOrd="0" destOrd="0" parTransId="{F0D89781-7E9B-42B4-9C21-DEAE5EC81703}" sibTransId="{4FAAD27D-EE34-40E4-9E67-FFAFB62FB61F}"/>
+    <dgm:cxn modelId="{92C98818-1344-408C-BB49-BB4B253A5100}" type="presOf" srcId="{2D86A2BF-5B6A-4D76-94CC-99797484151B}" destId="{92E93751-1EDC-4F0A-98BC-A5C9AA6C1D5F}" srcOrd="0" destOrd="0" presId="urn:microsoft.com/office/officeart/2005/8/layout/cycle5"/>
+    <dgm:cxn modelId="{2F84FA07-936E-4B7E-A03B-A194E9052312}" type="presOf" srcId="{B14546C0-114D-408B-9FD0-5FFE00C38A13}" destId="{E04CC487-1C5B-45B6-8D5E-C8D4066D0943}" srcOrd="0" destOrd="0" presId="urn:microsoft.com/office/officeart/2005/8/layout/cycle5"/>
+    <dgm:cxn modelId="{C247594F-E5B6-4B62-830C-92DEEA205355}" type="presOf" srcId="{EFAA9E13-0438-42E3-A7FC-26537FB853BC}" destId="{5627CC50-5788-4218-BE49-84D13277FE07}" srcOrd="0" destOrd="0" presId="urn:microsoft.com/office/officeart/2005/8/layout/cycle5"/>
+    <dgm:cxn modelId="{F4874C69-53D7-4214-A10B-196EA99201CB}" type="presOf" srcId="{EA98858B-2958-46B2-B90A-604982431D71}" destId="{322F2889-427F-4255-96FE-7A663EF3A95F}" srcOrd="0" destOrd="1" presId="urn:microsoft.com/office/officeart/2005/8/layout/cycle5"/>
+    <dgm:cxn modelId="{DBE0F657-601C-4DD8-A03D-5355C31A7FDF}" type="presOf" srcId="{D7962C6A-858D-4AB6-AAF5-72BB61C3BCC6}" destId="{06095F51-3C94-4EFF-917D-25EAB90C3F30}" srcOrd="0" destOrd="0" presId="urn:microsoft.com/office/officeart/2005/8/layout/cycle5"/>
+    <dgm:cxn modelId="{3E697076-F8A8-4CD1-B192-113D0F0FC04A}" type="presOf" srcId="{ACE2CC2F-AAD9-4D05-8B40-547E3B539AA8}" destId="{51070C73-9ABB-4CBE-BF7F-197499FA4E9F}" srcOrd="0" destOrd="2" presId="urn:microsoft.com/office/officeart/2005/8/layout/cycle5"/>
+    <dgm:cxn modelId="{24394471-5ADE-4691-8F52-2F36A64596C8}" type="presOf" srcId="{477FC51F-3263-43C0-8AF5-0B7CB46EA1BD}" destId="{21E62269-EC77-4B92-819E-7AD572501D51}" srcOrd="0" destOrd="0" presId="urn:microsoft.com/office/officeart/2005/8/layout/cycle5"/>
+    <dgm:cxn modelId="{865AAAEF-C0D8-4B99-8355-9BA75E218C62}" srcId="{9C262D38-C23F-46A9-B2F7-AD02E33616FF}" destId="{17393C64-41B8-4541-B793-D79216D0230D}" srcOrd="2" destOrd="0" parTransId="{3C0033BF-238A-4AAE-BE08-3C2F777F0BAB}" sibTransId="{256E034F-7A83-4132-AD3E-FC88A31B3171}"/>
+    <dgm:cxn modelId="{F2047F85-9621-4FCB-B383-604EB64D5252}" srcId="{FF517022-E8A5-401C-BEFF-859908823049}" destId="{EAE6104A-0D3A-40D0-B9AA-3C115D31E63D}" srcOrd="1" destOrd="0" parTransId="{DF429748-4078-437E-91B8-F006D4A71A50}" sibTransId="{82834DA9-4A09-4E78-B60B-A67DACB77507}"/>
     <dgm:cxn modelId="{7BAC0309-2F85-440B-A73B-E46466658077}" type="presOf" srcId="{256E034F-7A83-4132-AD3E-FC88A31B3171}" destId="{C2088CE8-813B-404D-9C15-5986F4B492B7}" srcOrd="0" destOrd="0" presId="urn:microsoft.com/office/officeart/2005/8/layout/cycle5"/>
-    <dgm:cxn modelId="{7C9F5033-8032-4928-BA9F-5E3EA4B9BF79}" srcId="{097DC993-72A3-4244-AFD6-0815E77788A4}" destId="{ACE2CC2F-AAD9-4D05-8B40-547E3B539AA8}" srcOrd="1" destOrd="0" parTransId="{247F8999-C927-44AD-A8A4-ACF4DF7446C5}" sibTransId="{8B9E9675-B7D5-4D3D-AA5A-60329BC021AC}"/>
-    <dgm:cxn modelId="{DBE0F657-601C-4DD8-A03D-5355C31A7FDF}" type="presOf" srcId="{D7962C6A-858D-4AB6-AAF5-72BB61C3BCC6}" destId="{06095F51-3C94-4EFF-917D-25EAB90C3F30}" srcOrd="0" destOrd="0" presId="urn:microsoft.com/office/officeart/2005/8/layout/cycle5"/>
+    <dgm:cxn modelId="{314F8DD0-0B29-4706-8EEE-BAAFD74FBEB6}" srcId="{097DC993-72A3-4244-AFD6-0815E77788A4}" destId="{D62CCB92-B222-40DF-8910-3148B3994A10}" srcOrd="0" destOrd="0" parTransId="{D152CB20-4ABC-4DDA-A92D-C16D4F2B7CD2}" sibTransId="{57CDC721-343F-44D8-90E2-558FDBF3070C}"/>
     <dgm:cxn modelId="{ECE19E7E-DAB2-4039-85CD-2A4A148F666B}" srcId="{9C262D38-C23F-46A9-B2F7-AD02E33616FF}" destId="{5B0E89E7-AC0B-4EB0-A717-91ED139CDD67}" srcOrd="4" destOrd="0" parTransId="{BA3E99B5-3D07-45F0-9FD6-DBF9FBFAFCB3}" sibTransId="{2D86A2BF-5B6A-4D76-94CC-99797484151B}"/>
-    <dgm:cxn modelId="{24394471-5ADE-4691-8F52-2F36A64596C8}" type="presOf" srcId="{477FC51F-3263-43C0-8AF5-0B7CB46EA1BD}" destId="{21E62269-EC77-4B92-819E-7AD572501D51}" srcOrd="0" destOrd="0" presId="urn:microsoft.com/office/officeart/2005/8/layout/cycle5"/>
     <dgm:cxn modelId="{8B41DED6-B2BA-4000-9CC0-7E8CC3DEB9EE}" type="presOf" srcId="{5B0E89E7-AC0B-4EB0-A717-91ED139CDD67}" destId="{F289F93E-06E5-4979-920E-3478F87B263A}" srcOrd="0" destOrd="0" presId="urn:microsoft.com/office/officeart/2005/8/layout/cycle5"/>
-    <dgm:cxn modelId="{6749EC41-312E-4702-AE93-417101E72446}" type="presOf" srcId="{12DBF135-D93E-4E14-AEB2-5C4A533E7B5D}" destId="{0E8FB463-07BE-482A-BC43-61AF7FD595C1}" srcOrd="0" destOrd="0" presId="urn:microsoft.com/office/officeart/2005/8/layout/cycle5"/>
-    <dgm:cxn modelId="{866FAEBD-B319-41E9-8E07-12BC3EDA4B0E}" type="presOf" srcId="{FF517022-E8A5-401C-BEFF-859908823049}" destId="{322F2889-427F-4255-96FE-7A663EF3A95F}" srcOrd="0" destOrd="0" presId="urn:microsoft.com/office/officeart/2005/8/layout/cycle5"/>
-    <dgm:cxn modelId="{47A7DB7C-BE0F-4751-A725-2CB710F1F10D}" srcId="{FF517022-E8A5-401C-BEFF-859908823049}" destId="{EA98858B-2958-46B2-B90A-604982431D71}" srcOrd="0" destOrd="0" parTransId="{F0D89781-7E9B-42B4-9C21-DEAE5EC81703}" sibTransId="{4FAAD27D-EE34-40E4-9E67-FFAFB62FB61F}"/>
-    <dgm:cxn modelId="{3E697076-F8A8-4CD1-B192-113D0F0FC04A}" type="presOf" srcId="{ACE2CC2F-AAD9-4D05-8B40-547E3B539AA8}" destId="{51070C73-9ABB-4CBE-BF7F-197499FA4E9F}" srcOrd="0" destOrd="2" presId="urn:microsoft.com/office/officeart/2005/8/layout/cycle5"/>
-    <dgm:cxn modelId="{F4874C69-53D7-4214-A10B-196EA99201CB}" type="presOf" srcId="{EA98858B-2958-46B2-B90A-604982431D71}" destId="{322F2889-427F-4255-96FE-7A663EF3A95F}" srcOrd="0" destOrd="1" presId="urn:microsoft.com/office/officeart/2005/8/layout/cycle5"/>
-    <dgm:cxn modelId="{C247594F-E5B6-4B62-830C-92DEEA205355}" type="presOf" srcId="{EFAA9E13-0438-42E3-A7FC-26537FB853BC}" destId="{5627CC50-5788-4218-BE49-84D13277FE07}" srcOrd="0" destOrd="0" presId="urn:microsoft.com/office/officeart/2005/8/layout/cycle5"/>
-    <dgm:cxn modelId="{A8A36C32-F17B-4246-9A36-013688B8CADE}" type="presOf" srcId="{17393C64-41B8-4541-B793-D79216D0230D}" destId="{7DF9A944-9651-4414-985F-9C465760A763}" srcOrd="0" destOrd="0" presId="urn:microsoft.com/office/officeart/2005/8/layout/cycle5"/>
-    <dgm:cxn modelId="{314F8DD0-0B29-4706-8EEE-BAAFD74FBEB6}" srcId="{097DC993-72A3-4244-AFD6-0815E77788A4}" destId="{D62CCB92-B222-40DF-8910-3148B3994A10}" srcOrd="0" destOrd="0" parTransId="{D152CB20-4ABC-4DDA-A92D-C16D4F2B7CD2}" sibTransId="{57CDC721-343F-44D8-90E2-558FDBF3070C}"/>
-    <dgm:cxn modelId="{F2047F85-9621-4FCB-B383-604EB64D5252}" srcId="{FF517022-E8A5-401C-BEFF-859908823049}" destId="{EAE6104A-0D3A-40D0-B9AA-3C115D31E63D}" srcOrd="1" destOrd="0" parTransId="{DF429748-4078-437E-91B8-F006D4A71A50}" sibTransId="{82834DA9-4A09-4E78-B60B-A67DACB77507}"/>
-    <dgm:cxn modelId="{8E92716F-26B5-48CB-9A00-5C3373317CD3}" type="presOf" srcId="{8946F9DE-07C3-4686-9856-6B2582DD3106}" destId="{0EC62B5A-E703-4913-9127-81806E8ABEC7}" srcOrd="0" destOrd="0" presId="urn:microsoft.com/office/officeart/2005/8/layout/cycle5"/>
-    <dgm:cxn modelId="{2F84FA07-936E-4B7E-A03B-A194E9052312}" type="presOf" srcId="{B14546C0-114D-408B-9FD0-5FFE00C38A13}" destId="{E04CC487-1C5B-45B6-8D5E-C8D4066D0943}" srcOrd="0" destOrd="0" presId="urn:microsoft.com/office/officeart/2005/8/layout/cycle5"/>
+    <dgm:cxn modelId="{2BD4F86B-4469-454E-86A1-0BABCC4E1081}" srcId="{9C262D38-C23F-46A9-B2F7-AD02E33616FF}" destId="{D7962C6A-858D-4AB6-AAF5-72BB61C3BCC6}" srcOrd="5" destOrd="0" parTransId="{D726EDDA-5EDB-4813-8144-3C7BAC923A21}" sibTransId="{477FC51F-3263-43C0-8AF5-0B7CB46EA1BD}"/>
+    <dgm:cxn modelId="{0AEE111E-0CF7-46B6-B51F-F81DA5D8D01F}" type="presOf" srcId="{D62CCB92-B222-40DF-8910-3148B3994A10}" destId="{51070C73-9ABB-4CBE-BF7F-197499FA4E9F}" srcOrd="0" destOrd="1" presId="urn:microsoft.com/office/officeart/2005/8/layout/cycle5"/>
     <dgm:cxn modelId="{F148F9A0-762A-46AE-82B5-003BC8579357}" srcId="{9C262D38-C23F-46A9-B2F7-AD02E33616FF}" destId="{FF517022-E8A5-401C-BEFF-859908823049}" srcOrd="0" destOrd="0" parTransId="{DA34CBC9-6E5B-4881-9037-B6C720FFA15E}" sibTransId="{B14546C0-114D-408B-9FD0-5FFE00C38A13}"/>
-    <dgm:cxn modelId="{865AAAEF-C0D8-4B99-8355-9BA75E218C62}" srcId="{9C262D38-C23F-46A9-B2F7-AD02E33616FF}" destId="{17393C64-41B8-4541-B793-D79216D0230D}" srcOrd="2" destOrd="0" parTransId="{3C0033BF-238A-4AAE-BE08-3C2F777F0BAB}" sibTransId="{256E034F-7A83-4132-AD3E-FC88A31B3171}"/>
-    <dgm:cxn modelId="{6F7BB68A-0B71-491E-8D6E-DC8B76730EB3}" type="presOf" srcId="{9C262D38-C23F-46A9-B2F7-AD02E33616FF}" destId="{ADCC66F3-B14D-44B1-8B1E-5A57D0293F83}" srcOrd="0" destOrd="0" presId="urn:microsoft.com/office/officeart/2005/8/layout/cycle5"/>
-    <dgm:cxn modelId="{BC416615-A145-46B5-BFA3-B5DC7DB689E8}" srcId="{9C262D38-C23F-46A9-B2F7-AD02E33616FF}" destId="{097DC993-72A3-4244-AFD6-0815E77788A4}" srcOrd="3" destOrd="0" parTransId="{A9F536AC-C72D-492A-AE1B-9C1C204A8896}" sibTransId="{12DBF135-D93E-4E14-AEB2-5C4A533E7B5D}"/>
-    <dgm:cxn modelId="{521A4830-26D1-4BA7-AC54-7A0EEFE775FD}" type="presOf" srcId="{EAE6104A-0D3A-40D0-B9AA-3C115D31E63D}" destId="{322F2889-427F-4255-96FE-7A663EF3A95F}" srcOrd="0" destOrd="2" presId="urn:microsoft.com/office/officeart/2005/8/layout/cycle5"/>
-    <dgm:cxn modelId="{2BD4F86B-4469-454E-86A1-0BABCC4E1081}" srcId="{9C262D38-C23F-46A9-B2F7-AD02E33616FF}" destId="{D7962C6A-858D-4AB6-AAF5-72BB61C3BCC6}" srcOrd="5" destOrd="0" parTransId="{D726EDDA-5EDB-4813-8144-3C7BAC923A21}" sibTransId="{477FC51F-3263-43C0-8AF5-0B7CB46EA1BD}"/>
-    <dgm:cxn modelId="{92C98818-1344-408C-BB49-BB4B253A5100}" type="presOf" srcId="{2D86A2BF-5B6A-4D76-94CC-99797484151B}" destId="{92E93751-1EDC-4F0A-98BC-A5C9AA6C1D5F}" srcOrd="0" destOrd="0" presId="urn:microsoft.com/office/officeart/2005/8/layout/cycle5"/>
     <dgm:cxn modelId="{801764BC-29FB-4785-96D9-841BC3CBC9A2}" type="presParOf" srcId="{ADCC66F3-B14D-44B1-8B1E-5A57D0293F83}" destId="{322F2889-427F-4255-96FE-7A663EF3A95F}" srcOrd="0" destOrd="0" presId="urn:microsoft.com/office/officeart/2005/8/layout/cycle5"/>
     <dgm:cxn modelId="{5CD37A18-92DD-4ACF-BC50-73AE0766C367}" type="presParOf" srcId="{ADCC66F3-B14D-44B1-8B1E-5A57D0293F83}" destId="{BBF5FDF9-DFFC-4812-ACBB-83C47312AC25}" srcOrd="1" destOrd="0" presId="urn:microsoft.com/office/officeart/2005/8/layout/cycle5"/>
     <dgm:cxn modelId="{2589A008-D537-4A14-9AA3-9F201D07A230}" type="presParOf" srcId="{ADCC66F3-B14D-44B1-8B1E-5A57D0293F83}" destId="{E04CC487-1C5B-45B6-8D5E-C8D4066D0943}" srcOrd="2" destOrd="0" presId="urn:microsoft.com/office/officeart/2005/8/layout/cycle5"/>
@@ -2322,7 +2374,7 @@
   <dgm:whole/>
   <dgm:extLst>
     <a:ext uri="http://schemas.microsoft.com/office/drawing/2008/diagram">
-      <dsp:dataModelExt xmlns:dsp="http://schemas.microsoft.com/office/drawing/2008/diagram" xmlns="" relId="rId9" minVer="http://schemas.openxmlformats.org/drawingml/2006/diagram"/>
+      <dsp:dataModelExt xmlns:dsp="http://schemas.microsoft.com/office/drawing/2008/diagram" relId="rId9" minVer="http://schemas.openxmlformats.org/drawingml/2006/diagram"/>
     </a:ext>
   </dgm:extLst>
 </dgm:dataModel>
@@ -2577,14 +2629,35 @@
         </dgm:presLayoutVars>
       </dgm:prSet>
       <dgm:spPr/>
+      <dgm:t>
+        <a:bodyPr/>
+        <a:lstStyle/>
+        <a:p>
+          <a:endParaRPr lang="de-DE"/>
+        </a:p>
+      </dgm:t>
     </dgm:pt>
     <dgm:pt modelId="{07284E07-4408-4BF2-9E53-8B0D5A353C3A}" type="pres">
       <dgm:prSet presAssocID="{0A5440AC-4116-4C27-9264-16AACB669E12}" presName="sibTrans" presStyleLbl="sibTrans2D1" presStyleIdx="0" presStyleCnt="5"/>
       <dgm:spPr/>
+      <dgm:t>
+        <a:bodyPr/>
+        <a:lstStyle/>
+        <a:p>
+          <a:endParaRPr lang="de-DE"/>
+        </a:p>
+      </dgm:t>
     </dgm:pt>
     <dgm:pt modelId="{F8FFB6C0-E03E-4022-8398-9AFF5BF916E4}" type="pres">
       <dgm:prSet presAssocID="{0A5440AC-4116-4C27-9264-16AACB669E12}" presName="connectorText" presStyleLbl="sibTrans2D1" presStyleIdx="0" presStyleCnt="5"/>
       <dgm:spPr/>
+      <dgm:t>
+        <a:bodyPr/>
+        <a:lstStyle/>
+        <a:p>
+          <a:endParaRPr lang="de-DE"/>
+        </a:p>
+      </dgm:t>
     </dgm:pt>
     <dgm:pt modelId="{EB0F924E-08B8-4496-8F7C-D75A9D314B30}" type="pres">
       <dgm:prSet presAssocID="{6883C271-93CE-4F53-B3DB-E78414E06855}" presName="node" presStyleLbl="node1" presStyleIdx="1" presStyleCnt="6" custScaleX="102074" custScaleY="73700" custLinFactNeighborX="-11371" custLinFactNeighborY="-818">
@@ -2593,14 +2666,35 @@
         </dgm:presLayoutVars>
       </dgm:prSet>
       <dgm:spPr/>
+      <dgm:t>
+        <a:bodyPr/>
+        <a:lstStyle/>
+        <a:p>
+          <a:endParaRPr lang="de-DE"/>
+        </a:p>
+      </dgm:t>
     </dgm:pt>
     <dgm:pt modelId="{87601AF7-0F9F-46ED-B4EE-1B62860D4BA5}" type="pres">
       <dgm:prSet presAssocID="{FE6047D0-FF2D-42A2-B389-DB220F2BDF26}" presName="sibTrans" presStyleLbl="sibTrans2D1" presStyleIdx="1" presStyleCnt="5"/>
       <dgm:spPr/>
+      <dgm:t>
+        <a:bodyPr/>
+        <a:lstStyle/>
+        <a:p>
+          <a:endParaRPr lang="de-DE"/>
+        </a:p>
+      </dgm:t>
     </dgm:pt>
     <dgm:pt modelId="{8EE4ED0A-418E-4458-84B0-1C7F6B4889D0}" type="pres">
       <dgm:prSet presAssocID="{FE6047D0-FF2D-42A2-B389-DB220F2BDF26}" presName="connectorText" presStyleLbl="sibTrans2D1" presStyleIdx="1" presStyleCnt="5"/>
       <dgm:spPr/>
+      <dgm:t>
+        <a:bodyPr/>
+        <a:lstStyle/>
+        <a:p>
+          <a:endParaRPr lang="de-DE"/>
+        </a:p>
+      </dgm:t>
     </dgm:pt>
     <dgm:pt modelId="{3ECB9AC3-8324-4FBC-8785-044F1DD81182}" type="pres">
       <dgm:prSet presAssocID="{D2E27AEE-DE18-437E-8ED4-085C407B02F4}" presName="node" presStyleLbl="node1" presStyleIdx="2" presStyleCnt="6" custScaleY="80152" custLinFactNeighborX="-3780" custLinFactNeighborY="-3015">
@@ -2620,10 +2714,24 @@
     <dgm:pt modelId="{57D1F035-83D0-404D-822E-A0E9FF1B02F1}" type="pres">
       <dgm:prSet presAssocID="{AF275174-F4D7-4107-9340-9F31FFAE84C6}" presName="sibTrans" presStyleLbl="sibTrans2D1" presStyleIdx="2" presStyleCnt="5"/>
       <dgm:spPr/>
+      <dgm:t>
+        <a:bodyPr/>
+        <a:lstStyle/>
+        <a:p>
+          <a:endParaRPr lang="de-DE"/>
+        </a:p>
+      </dgm:t>
     </dgm:pt>
     <dgm:pt modelId="{B064BFA8-682D-4757-ADFC-2CABBAA0A8B1}" type="pres">
       <dgm:prSet presAssocID="{AF275174-F4D7-4107-9340-9F31FFAE84C6}" presName="connectorText" presStyleLbl="sibTrans2D1" presStyleIdx="2" presStyleCnt="5"/>
       <dgm:spPr/>
+      <dgm:t>
+        <a:bodyPr/>
+        <a:lstStyle/>
+        <a:p>
+          <a:endParaRPr lang="de-DE"/>
+        </a:p>
+      </dgm:t>
     </dgm:pt>
     <dgm:pt modelId="{0C959095-7882-4471-98AD-EDED72A06E2D}" type="pres">
       <dgm:prSet presAssocID="{7D600DAC-9587-44B5-AA91-D1DB1E8AF259}" presName="node" presStyleLbl="node1" presStyleIdx="3" presStyleCnt="6" custScaleY="80325" custLinFactNeighborX="-3780" custLinFactNeighborY="-25113">
@@ -2643,10 +2751,24 @@
     <dgm:pt modelId="{C187702E-51EF-4FC5-95AA-90B3C81FA086}" type="pres">
       <dgm:prSet presAssocID="{DD3CB5CF-4595-4EEC-846B-6102664F2F05}" presName="sibTrans" presStyleLbl="sibTrans2D1" presStyleIdx="3" presStyleCnt="5"/>
       <dgm:spPr/>
+      <dgm:t>
+        <a:bodyPr/>
+        <a:lstStyle/>
+        <a:p>
+          <a:endParaRPr lang="de-DE"/>
+        </a:p>
+      </dgm:t>
     </dgm:pt>
     <dgm:pt modelId="{CAFDA7F7-B46C-4359-A129-AB4E2CE5A598}" type="pres">
       <dgm:prSet presAssocID="{DD3CB5CF-4595-4EEC-846B-6102664F2F05}" presName="connectorText" presStyleLbl="sibTrans2D1" presStyleIdx="3" presStyleCnt="5"/>
       <dgm:spPr/>
+      <dgm:t>
+        <a:bodyPr/>
+        <a:lstStyle/>
+        <a:p>
+          <a:endParaRPr lang="de-DE"/>
+        </a:p>
+      </dgm:t>
     </dgm:pt>
     <dgm:pt modelId="{FAC03DC4-EE0B-4F48-810D-D7D90D29CDA7}" type="pres">
       <dgm:prSet presAssocID="{BA46942A-95B1-4525-A038-6C19F1DA6537}" presName="node" presStyleLbl="node1" presStyleIdx="4" presStyleCnt="6" custScaleY="77420" custLinFactNeighborX="-3684" custLinFactNeighborY="-26565">
@@ -2666,10 +2788,24 @@
     <dgm:pt modelId="{B11A5A4A-6892-4B2E-B725-ECE29BCF5F77}" type="pres">
       <dgm:prSet presAssocID="{7762B7C6-4F36-4B61-B445-F6FF0509CF25}" presName="sibTrans" presStyleLbl="sibTrans2D1" presStyleIdx="4" presStyleCnt="5"/>
       <dgm:spPr/>
+      <dgm:t>
+        <a:bodyPr/>
+        <a:lstStyle/>
+        <a:p>
+          <a:endParaRPr lang="de-DE"/>
+        </a:p>
+      </dgm:t>
     </dgm:pt>
     <dgm:pt modelId="{4CD77A7A-0F40-4ABE-A7EB-ED19FB09158A}" type="pres">
       <dgm:prSet presAssocID="{7762B7C6-4F36-4B61-B445-F6FF0509CF25}" presName="connectorText" presStyleLbl="sibTrans2D1" presStyleIdx="4" presStyleCnt="5"/>
       <dgm:spPr/>
+      <dgm:t>
+        <a:bodyPr/>
+        <a:lstStyle/>
+        <a:p>
+          <a:endParaRPr lang="de-DE"/>
+        </a:p>
+      </dgm:t>
     </dgm:pt>
     <dgm:pt modelId="{25B326A3-A87D-4B61-8CBD-2F11BDEA96BC}" type="pres">
       <dgm:prSet presAssocID="{685F4625-0840-46FA-B858-0C8623E3CC8D}" presName="node" presStyleLbl="node1" presStyleIdx="5" presStyleCnt="6" custScaleY="75395" custLinFactNeighborX="-335" custLinFactNeighborY="-27578">
@@ -2678,32 +2814,39 @@
         </dgm:presLayoutVars>
       </dgm:prSet>
       <dgm:spPr/>
+      <dgm:t>
+        <a:bodyPr/>
+        <a:lstStyle/>
+        <a:p>
+          <a:endParaRPr lang="de-DE"/>
+        </a:p>
+      </dgm:t>
     </dgm:pt>
   </dgm:ptLst>
   <dgm:cxnLst>
-    <dgm:cxn modelId="{F8FCC4ED-399C-4EBC-8501-E7E94B934A37}" srcId="{F6E47ECC-1CC7-4BF8-A40F-F7C26A4BFA09}" destId="{7D600DAC-9587-44B5-AA91-D1DB1E8AF259}" srcOrd="3" destOrd="0" parTransId="{C6630763-DE36-4591-8A63-8451E61C4B79}" sibTransId="{DD3CB5CF-4595-4EEC-846B-6102664F2F05}"/>
     <dgm:cxn modelId="{BF074302-ADFE-4998-83F4-B5B8D4077EC4}" srcId="{F6E47ECC-1CC7-4BF8-A40F-F7C26A4BFA09}" destId="{685F4625-0840-46FA-B858-0C8623E3CC8D}" srcOrd="5" destOrd="0" parTransId="{7D57000E-778C-4CFD-B686-F2117CC1C858}" sibTransId="{067EF79F-A2B5-4E85-B591-BE8A5BA165D0}"/>
-    <dgm:cxn modelId="{5D1DC38D-36E9-4345-9BDA-5F37D04D90AB}" type="presOf" srcId="{FE6047D0-FF2D-42A2-B389-DB220F2BDF26}" destId="{87601AF7-0F9F-46ED-B4EE-1B62860D4BA5}" srcOrd="0" destOrd="0" presId="urn:microsoft.com/office/officeart/2005/8/layout/process5"/>
-    <dgm:cxn modelId="{D877C6B4-A0E6-4AC1-AF28-FDA315E921DB}" type="presOf" srcId="{FE6047D0-FF2D-42A2-B389-DB220F2BDF26}" destId="{8EE4ED0A-418E-4458-84B0-1C7F6B4889D0}" srcOrd="1" destOrd="0" presId="urn:microsoft.com/office/officeart/2005/8/layout/process5"/>
+    <dgm:cxn modelId="{122B0E85-1F4F-4FBF-88BC-60F4A6515555}" type="presOf" srcId="{D9C1DE2A-C919-439D-83D8-65D74A775FB6}" destId="{F750DCCB-0DB3-4943-9436-F897320A4A5D}" srcOrd="0" destOrd="0" presId="urn:microsoft.com/office/officeart/2005/8/layout/process5"/>
+    <dgm:cxn modelId="{EB029169-2D09-4502-A4F8-18C1302FF6FA}" type="presOf" srcId="{AF275174-F4D7-4107-9340-9F31FFAE84C6}" destId="{B064BFA8-682D-4757-ADFC-2CABBAA0A8B1}" srcOrd="1" destOrd="0" presId="urn:microsoft.com/office/officeart/2005/8/layout/process5"/>
+    <dgm:cxn modelId="{F1B9939C-663B-47F3-A7C2-D59B6CD8ABAD}" type="presOf" srcId="{0A5440AC-4116-4C27-9264-16AACB669E12}" destId="{07284E07-4408-4BF2-9E53-8B0D5A353C3A}" srcOrd="0" destOrd="0" presId="urn:microsoft.com/office/officeart/2005/8/layout/process5"/>
+    <dgm:cxn modelId="{C5AF9FAD-37EE-43C3-A9CC-1DE309D0D09C}" type="presOf" srcId="{BA46942A-95B1-4525-A038-6C19F1DA6537}" destId="{FAC03DC4-EE0B-4F48-810D-D7D90D29CDA7}" srcOrd="0" destOrd="0" presId="urn:microsoft.com/office/officeart/2005/8/layout/process5"/>
+    <dgm:cxn modelId="{562BB721-6EDC-4053-B596-0A411EFAF9D6}" type="presOf" srcId="{F6E47ECC-1CC7-4BF8-A40F-F7C26A4BFA09}" destId="{B40BC887-7121-4751-9ED6-13E8470945BB}" srcOrd="0" destOrd="0" presId="urn:microsoft.com/office/officeart/2005/8/layout/process5"/>
     <dgm:cxn modelId="{6BBD4478-0FC8-4791-837D-3B86DC444DFA}" srcId="{F6E47ECC-1CC7-4BF8-A40F-F7C26A4BFA09}" destId="{D9C1DE2A-C919-439D-83D8-65D74A775FB6}" srcOrd="0" destOrd="0" parTransId="{24F33364-C041-4A46-9A2C-3365A4B35E4A}" sibTransId="{0A5440AC-4116-4C27-9264-16AACB669E12}"/>
-    <dgm:cxn modelId="{47CCF4E1-A68F-439A-BB94-DD05FAF1E159}" srcId="{F6E47ECC-1CC7-4BF8-A40F-F7C26A4BFA09}" destId="{BA46942A-95B1-4525-A038-6C19F1DA6537}" srcOrd="4" destOrd="0" parTransId="{F92269B3-4B49-4BEA-BE93-2AC05ED4A544}" sibTransId="{7762B7C6-4F36-4B61-B445-F6FF0509CF25}"/>
-    <dgm:cxn modelId="{A9D5091A-B7FB-49D9-9E39-33E16E32D6E5}" srcId="{F6E47ECC-1CC7-4BF8-A40F-F7C26A4BFA09}" destId="{6883C271-93CE-4F53-B3DB-E78414E06855}" srcOrd="1" destOrd="0" parTransId="{64D99E33-9629-4119-A130-DF85747D2256}" sibTransId="{FE6047D0-FF2D-42A2-B389-DB220F2BDF26}"/>
-    <dgm:cxn modelId="{2D69BF81-3E5F-4B08-8400-18604264860E}" type="presOf" srcId="{7762B7C6-4F36-4B61-B445-F6FF0509CF25}" destId="{4CD77A7A-0F40-4ABE-A7EB-ED19FB09158A}" srcOrd="1" destOrd="0" presId="urn:microsoft.com/office/officeart/2005/8/layout/process5"/>
     <dgm:cxn modelId="{1B9E96C9-9538-4A4B-916B-D10B947B15ED}" type="presOf" srcId="{685F4625-0840-46FA-B858-0C8623E3CC8D}" destId="{25B326A3-A87D-4B61-8CBD-2F11BDEA96BC}" srcOrd="0" destOrd="0" presId="urn:microsoft.com/office/officeart/2005/8/layout/process5"/>
     <dgm:cxn modelId="{1B4527FB-7E8B-4D52-83EC-FCCF26383C20}" type="presOf" srcId="{7D600DAC-9587-44B5-AA91-D1DB1E8AF259}" destId="{0C959095-7882-4471-98AD-EDED72A06E2D}" srcOrd="0" destOrd="0" presId="urn:microsoft.com/office/officeart/2005/8/layout/process5"/>
     <dgm:cxn modelId="{574CD3E9-96D9-455C-8E2F-35597C85EA16}" type="presOf" srcId="{D2E27AEE-DE18-437E-8ED4-085C407B02F4}" destId="{3ECB9AC3-8324-4FBC-8785-044F1DD81182}" srcOrd="0" destOrd="0" presId="urn:microsoft.com/office/officeart/2005/8/layout/process5"/>
-    <dgm:cxn modelId="{EB029169-2D09-4502-A4F8-18C1302FF6FA}" type="presOf" srcId="{AF275174-F4D7-4107-9340-9F31FFAE84C6}" destId="{B064BFA8-682D-4757-ADFC-2CABBAA0A8B1}" srcOrd="1" destOrd="0" presId="urn:microsoft.com/office/officeart/2005/8/layout/process5"/>
-    <dgm:cxn modelId="{122B0E85-1F4F-4FBF-88BC-60F4A6515555}" type="presOf" srcId="{D9C1DE2A-C919-439D-83D8-65D74A775FB6}" destId="{F750DCCB-0DB3-4943-9436-F897320A4A5D}" srcOrd="0" destOrd="0" presId="urn:microsoft.com/office/officeart/2005/8/layout/process5"/>
+    <dgm:cxn modelId="{F128F62D-D92C-4CC8-B306-60C9D8EEAB3A}" type="presOf" srcId="{0A5440AC-4116-4C27-9264-16AACB669E12}" destId="{F8FFB6C0-E03E-4022-8398-9AFF5BF916E4}" srcOrd="1" destOrd="0" presId="urn:microsoft.com/office/officeart/2005/8/layout/process5"/>
+    <dgm:cxn modelId="{2D69BF81-3E5F-4B08-8400-18604264860E}" type="presOf" srcId="{7762B7C6-4F36-4B61-B445-F6FF0509CF25}" destId="{4CD77A7A-0F40-4ABE-A7EB-ED19FB09158A}" srcOrd="1" destOrd="0" presId="urn:microsoft.com/office/officeart/2005/8/layout/process5"/>
+    <dgm:cxn modelId="{A1CD72F6-11A0-4594-87FC-291C4A70D512}" type="presOf" srcId="{7762B7C6-4F36-4B61-B445-F6FF0509CF25}" destId="{B11A5A4A-6892-4B2E-B725-ECE29BCF5F77}" srcOrd="0" destOrd="0" presId="urn:microsoft.com/office/officeart/2005/8/layout/process5"/>
+    <dgm:cxn modelId="{A9D5091A-B7FB-49D9-9E39-33E16E32D6E5}" srcId="{F6E47ECC-1CC7-4BF8-A40F-F7C26A4BFA09}" destId="{6883C271-93CE-4F53-B3DB-E78414E06855}" srcOrd="1" destOrd="0" parTransId="{64D99E33-9629-4119-A130-DF85747D2256}" sibTransId="{FE6047D0-FF2D-42A2-B389-DB220F2BDF26}"/>
+    <dgm:cxn modelId="{5D1DC38D-36E9-4345-9BDA-5F37D04D90AB}" type="presOf" srcId="{FE6047D0-FF2D-42A2-B389-DB220F2BDF26}" destId="{87601AF7-0F9F-46ED-B4EE-1B62860D4BA5}" srcOrd="0" destOrd="0" presId="urn:microsoft.com/office/officeart/2005/8/layout/process5"/>
+    <dgm:cxn modelId="{47CCF4E1-A68F-439A-BB94-DD05FAF1E159}" srcId="{F6E47ECC-1CC7-4BF8-A40F-F7C26A4BFA09}" destId="{BA46942A-95B1-4525-A038-6C19F1DA6537}" srcOrd="4" destOrd="0" parTransId="{F92269B3-4B49-4BEA-BE93-2AC05ED4A544}" sibTransId="{7762B7C6-4F36-4B61-B445-F6FF0509CF25}"/>
+    <dgm:cxn modelId="{26DB8064-CA9A-49BF-B110-4A1EB040AF44}" srcId="{F6E47ECC-1CC7-4BF8-A40F-F7C26A4BFA09}" destId="{D2E27AEE-DE18-437E-8ED4-085C407B02F4}" srcOrd="2" destOrd="0" parTransId="{6C0F99BB-1AE8-491E-9E77-BB81EC71D0A5}" sibTransId="{AF275174-F4D7-4107-9340-9F31FFAE84C6}"/>
     <dgm:cxn modelId="{3452DE59-B5DB-4659-B582-F21A0FA1069E}" type="presOf" srcId="{6883C271-93CE-4F53-B3DB-E78414E06855}" destId="{EB0F924E-08B8-4496-8F7C-D75A9D314B30}" srcOrd="0" destOrd="0" presId="urn:microsoft.com/office/officeart/2005/8/layout/process5"/>
-    <dgm:cxn modelId="{26DB8064-CA9A-49BF-B110-4A1EB040AF44}" srcId="{F6E47ECC-1CC7-4BF8-A40F-F7C26A4BFA09}" destId="{D2E27AEE-DE18-437E-8ED4-085C407B02F4}" srcOrd="2" destOrd="0" parTransId="{6C0F99BB-1AE8-491E-9E77-BB81EC71D0A5}" sibTransId="{AF275174-F4D7-4107-9340-9F31FFAE84C6}"/>
-    <dgm:cxn modelId="{A1CD72F6-11A0-4594-87FC-291C4A70D512}" type="presOf" srcId="{7762B7C6-4F36-4B61-B445-F6FF0509CF25}" destId="{B11A5A4A-6892-4B2E-B725-ECE29BCF5F77}" srcOrd="0" destOrd="0" presId="urn:microsoft.com/office/officeart/2005/8/layout/process5"/>
-    <dgm:cxn modelId="{F128F62D-D92C-4CC8-B306-60C9D8EEAB3A}" type="presOf" srcId="{0A5440AC-4116-4C27-9264-16AACB669E12}" destId="{F8FFB6C0-E03E-4022-8398-9AFF5BF916E4}" srcOrd="1" destOrd="0" presId="urn:microsoft.com/office/officeart/2005/8/layout/process5"/>
-    <dgm:cxn modelId="{C5AF9FAD-37EE-43C3-A9CC-1DE309D0D09C}" type="presOf" srcId="{BA46942A-95B1-4525-A038-6C19F1DA6537}" destId="{FAC03DC4-EE0B-4F48-810D-D7D90D29CDA7}" srcOrd="0" destOrd="0" presId="urn:microsoft.com/office/officeart/2005/8/layout/process5"/>
+    <dgm:cxn modelId="{F8FCC4ED-399C-4EBC-8501-E7E94B934A37}" srcId="{F6E47ECC-1CC7-4BF8-A40F-F7C26A4BFA09}" destId="{7D600DAC-9587-44B5-AA91-D1DB1E8AF259}" srcOrd="3" destOrd="0" parTransId="{C6630763-DE36-4591-8A63-8451E61C4B79}" sibTransId="{DD3CB5CF-4595-4EEC-846B-6102664F2F05}"/>
     <dgm:cxn modelId="{74C58CEF-53B4-4388-82CD-0CB7A6CAA27A}" type="presOf" srcId="{DD3CB5CF-4595-4EEC-846B-6102664F2F05}" destId="{C187702E-51EF-4FC5-95AA-90B3C81FA086}" srcOrd="0" destOrd="0" presId="urn:microsoft.com/office/officeart/2005/8/layout/process5"/>
+    <dgm:cxn modelId="{F1423178-391C-4B6B-8F65-8CA9DBD94E60}" type="presOf" srcId="{DD3CB5CF-4595-4EEC-846B-6102664F2F05}" destId="{CAFDA7F7-B46C-4359-A129-AB4E2CE5A598}" srcOrd="1" destOrd="0" presId="urn:microsoft.com/office/officeart/2005/8/layout/process5"/>
     <dgm:cxn modelId="{DFD6F5FA-8A31-42F7-BF3C-456A1F4586B1}" type="presOf" srcId="{AF275174-F4D7-4107-9340-9F31FFAE84C6}" destId="{57D1F035-83D0-404D-822E-A0E9FF1B02F1}" srcOrd="0" destOrd="0" presId="urn:microsoft.com/office/officeart/2005/8/layout/process5"/>
-    <dgm:cxn modelId="{562BB721-6EDC-4053-B596-0A411EFAF9D6}" type="presOf" srcId="{F6E47ECC-1CC7-4BF8-A40F-F7C26A4BFA09}" destId="{B40BC887-7121-4751-9ED6-13E8470945BB}" srcOrd="0" destOrd="0" presId="urn:microsoft.com/office/officeart/2005/8/layout/process5"/>
-    <dgm:cxn modelId="{F1423178-391C-4B6B-8F65-8CA9DBD94E60}" type="presOf" srcId="{DD3CB5CF-4595-4EEC-846B-6102664F2F05}" destId="{CAFDA7F7-B46C-4359-A129-AB4E2CE5A598}" srcOrd="1" destOrd="0" presId="urn:microsoft.com/office/officeart/2005/8/layout/process5"/>
-    <dgm:cxn modelId="{F1B9939C-663B-47F3-A7C2-D59B6CD8ABAD}" type="presOf" srcId="{0A5440AC-4116-4C27-9264-16AACB669E12}" destId="{07284E07-4408-4BF2-9E53-8B0D5A353C3A}" srcOrd="0" destOrd="0" presId="urn:microsoft.com/office/officeart/2005/8/layout/process5"/>
+    <dgm:cxn modelId="{D877C6B4-A0E6-4AC1-AF28-FDA315E921DB}" type="presOf" srcId="{FE6047D0-FF2D-42A2-B389-DB220F2BDF26}" destId="{8EE4ED0A-418E-4458-84B0-1C7F6B4889D0}" srcOrd="1" destOrd="0" presId="urn:microsoft.com/office/officeart/2005/8/layout/process5"/>
     <dgm:cxn modelId="{77C33F04-EC4C-4CB4-9EDE-8EF7E2C47CCA}" type="presParOf" srcId="{B40BC887-7121-4751-9ED6-13E8470945BB}" destId="{F750DCCB-0DB3-4943-9436-F897320A4A5D}" srcOrd="0" destOrd="0" presId="urn:microsoft.com/office/officeart/2005/8/layout/process5"/>
     <dgm:cxn modelId="{24402445-5195-4B9A-B6CD-28CA16B8D05E}" type="presParOf" srcId="{B40BC887-7121-4751-9ED6-13E8470945BB}" destId="{07284E07-4408-4BF2-9E53-8B0D5A353C3A}" srcOrd="1" destOrd="0" presId="urn:microsoft.com/office/officeart/2005/8/layout/process5"/>
     <dgm:cxn modelId="{D8BFFAC4-70EB-44CF-B73B-532597EF203E}" type="presParOf" srcId="{07284E07-4408-4BF2-9E53-8B0D5A353C3A}" destId="{F8FFB6C0-E03E-4022-8398-9AFF5BF916E4}" srcOrd="0" destOrd="0" presId="urn:microsoft.com/office/officeart/2005/8/layout/process5"/>
@@ -2725,14 +2868,14 @@
   <dgm:whole/>
   <dgm:extLst>
     <a:ext uri="http://schemas.microsoft.com/office/drawing/2008/diagram">
-      <dsp:dataModelExt xmlns:dsp="http://schemas.microsoft.com/office/drawing/2008/diagram" xmlns="" relId="rId7" minVer="http://schemas.openxmlformats.org/drawingml/2006/diagram"/>
+      <dsp:dataModelExt xmlns:dsp="http://schemas.microsoft.com/office/drawing/2008/diagram" relId="rId7" minVer="http://schemas.openxmlformats.org/drawingml/2006/diagram"/>
     </a:ext>
   </dgm:extLst>
 </dgm:dataModel>
 </file>
 
 <file path=ppt/diagrams/drawing1.xml><?xml version="1.0" encoding="utf-8"?>
-<dsp:drawing xmlns:dgm="http://schemas.openxmlformats.org/drawingml/2006/diagram" xmlns:a="http://schemas.openxmlformats.org/drawingml/2006/main" xmlns:dsp="http://schemas.microsoft.com/office/drawing/2008/diagram">
+<dsp:drawing xmlns:dgm="http://schemas.openxmlformats.org/drawingml/2006/diagram" xmlns:dsp="http://schemas.microsoft.com/office/drawing/2008/diagram" xmlns:a="http://schemas.openxmlformats.org/drawingml/2006/main">
   <dsp:spTree>
     <dsp:nvGrpSpPr>
       <dsp:cNvPr id="0" name=""/>
@@ -2864,8 +3007,8 @@
         </a:p>
       </dsp:txBody>
       <dsp:txXfrm>
-        <a:off x="2123729" y="-7"/>
-        <a:ext cx="2155945" cy="1079579"/>
+        <a:off x="2176430" y="52694"/>
+        <a:ext cx="2050543" cy="974177"/>
       </dsp:txXfrm>
     </dsp:sp>
     <dsp:sp modelId="{E04CC487-1C5B-45B6-8D5E-C8D4066D0943}">
@@ -3013,8 +3156,8 @@
         </a:p>
       </dsp:txBody>
       <dsp:txXfrm>
-        <a:off x="4355982" y="1224132"/>
-        <a:ext cx="1870494" cy="856972"/>
+        <a:off x="4397816" y="1265966"/>
+        <a:ext cx="1786826" cy="773304"/>
       </dsp:txXfrm>
     </dsp:sp>
     <dsp:sp modelId="{5627CC50-5788-4218-BE49-84D13277FE07}">
@@ -3162,8 +3305,8 @@
         </a:p>
       </dsp:txBody>
       <dsp:txXfrm>
-        <a:off x="4427982" y="2520276"/>
-        <a:ext cx="1696713" cy="856972"/>
+        <a:off x="4469816" y="2562110"/>
+        <a:ext cx="1613045" cy="773304"/>
       </dsp:txXfrm>
     </dsp:sp>
     <dsp:sp modelId="{C2088CE8-813B-404D-9C15-5986F4B492B7}">
@@ -3353,8 +3496,8 @@
         </a:p>
       </dsp:txBody>
       <dsp:txXfrm>
-        <a:off x="2123726" y="3672401"/>
-        <a:ext cx="2244741" cy="1121031"/>
+        <a:off x="2178450" y="3727125"/>
+        <a:ext cx="2135293" cy="1011583"/>
       </dsp:txXfrm>
     </dsp:sp>
     <dsp:sp modelId="{0E8FB463-07BE-482A-BC43-61AF7FD595C1}">
@@ -3502,8 +3645,8 @@
         </a:p>
       </dsp:txBody>
       <dsp:txXfrm>
-        <a:off x="395541" y="2520281"/>
-        <a:ext cx="2053464" cy="856972"/>
+        <a:off x="437375" y="2562115"/>
+        <a:ext cx="1969796" cy="773304"/>
       </dsp:txXfrm>
     </dsp:sp>
     <dsp:sp modelId="{92E93751-1EDC-4F0A-98BC-A5C9AA6C1D5F}">
@@ -3651,8 +3794,8 @@
         </a:p>
       </dsp:txBody>
       <dsp:txXfrm>
-        <a:off x="440328" y="1224137"/>
-        <a:ext cx="1824903" cy="856972"/>
+        <a:off x="482162" y="1265971"/>
+        <a:ext cx="1741235" cy="773304"/>
       </dsp:txXfrm>
     </dsp:sp>
     <dsp:sp modelId="{21E62269-EC77-4B92-819E-7AD572501D51}">
@@ -3722,7 +3865,7 @@
 </file>
 
 <file path=ppt/diagrams/drawing2.xml><?xml version="1.0" encoding="utf-8"?>
-<dsp:drawing xmlns:dgm="http://schemas.openxmlformats.org/drawingml/2006/diagram" xmlns:a="http://schemas.openxmlformats.org/drawingml/2006/main" xmlns:dsp="http://schemas.microsoft.com/office/drawing/2008/diagram">
+<dsp:drawing xmlns:dgm="http://schemas.openxmlformats.org/drawingml/2006/diagram" xmlns:dsp="http://schemas.microsoft.com/office/drawing/2008/diagram" xmlns:a="http://schemas.openxmlformats.org/drawingml/2006/main">
   <dsp:spTree>
     <dsp:nvGrpSpPr>
       <dsp:cNvPr id="0" name=""/>
@@ -3814,8 +3957,8 @@
         </a:p>
       </dsp:txBody>
       <dsp:txXfrm>
-        <a:off x="0" y="144019"/>
-        <a:ext cx="1403185" cy="929912"/>
+        <a:off x="27236" y="171255"/>
+        <a:ext cx="1348713" cy="875440"/>
       </dsp:txXfrm>
     </dsp:sp>
     <dsp:sp modelId="{07284E07-4408-4BF2-9E53-8B0D5A353C3A}">
@@ -3894,9 +4037,9 @@
           <a:endParaRPr lang="de-DE" sz="2000" kern="1200"/>
         </a:p>
       </dsp:txBody>
-      <dsp:txXfrm rot="25898">
-        <a:off x="1712301" y="344958"/>
-        <a:ext cx="744736" cy="548871"/>
+      <dsp:txXfrm>
+        <a:off x="1712303" y="454112"/>
+        <a:ext cx="580075" cy="329323"/>
       </dsp:txXfrm>
     </dsp:sp>
     <dsp:sp modelId="{EB0F924E-08B8-4496-8F7C-D75A9D314B30}">
@@ -3984,8 +4127,8 @@
         </a:p>
       </dsp:txBody>
       <dsp:txXfrm>
-        <a:off x="2808308" y="144019"/>
-        <a:ext cx="2259092" cy="978673"/>
+        <a:off x="2836972" y="172683"/>
+        <a:ext cx="2201764" cy="921345"/>
       </dsp:txXfrm>
     </dsp:sp>
     <dsp:sp modelId="{87601AF7-0F9F-46ED-B4EE-1B62860D4BA5}">
@@ -4064,9 +4207,9 @@
           <a:endParaRPr lang="de-DE" sz="2000" kern="1200"/>
         </a:p>
       </dsp:txBody>
-      <dsp:txXfrm rot="21569511">
-        <a:off x="5299112" y="344371"/>
-        <a:ext cx="558260" cy="548871"/>
+      <dsp:txXfrm>
+        <a:off x="5299115" y="454875"/>
+        <a:ext cx="393599" cy="329323"/>
       </dsp:txXfrm>
     </dsp:sp>
     <dsp:sp modelId="{3ECB9AC3-8324-4FBC-8785-044F1DD81182}">
@@ -4158,8 +4301,8 @@
         </a:p>
       </dsp:txBody>
       <dsp:txXfrm>
-        <a:off x="6120681" y="72006"/>
-        <a:ext cx="2213191" cy="1064350"/>
+        <a:off x="6151855" y="103180"/>
+        <a:ext cx="2150843" cy="1002002"/>
       </dsp:txXfrm>
     </dsp:sp>
     <dsp:sp modelId="{57D1F035-83D0-404D-822E-A0E9FF1B02F1}">
@@ -4238,9 +4381,9 @@
           <a:endParaRPr lang="de-DE" sz="2000" kern="1200"/>
         </a:p>
       </dsp:txBody>
-      <dsp:txXfrm rot="5400000">
-        <a:off x="7070441" y="1148960"/>
-        <a:ext cx="313671" cy="548871"/>
+      <dsp:txXfrm rot="-5400000">
+        <a:off x="7062616" y="1266560"/>
+        <a:ext cx="329323" cy="219570"/>
       </dsp:txXfrm>
     </dsp:sp>
     <dsp:sp modelId="{0C959095-7882-4471-98AD-EDED72A06E2D}">
@@ -4328,8 +4471,8 @@
         </a:p>
       </dsp:txBody>
       <dsp:txXfrm>
-        <a:off x="6120681" y="1728190"/>
-        <a:ext cx="2213191" cy="1066647"/>
+        <a:off x="6151922" y="1759431"/>
+        <a:ext cx="2150709" cy="1004165"/>
       </dsp:txXfrm>
     </dsp:sp>
     <dsp:sp modelId="{C187702E-51EF-4FC5-95AA-90B3C81FA086}">
@@ -4408,9 +4551,9 @@
           <a:endParaRPr lang="de-DE" sz="2500" kern="1200"/>
         </a:p>
       </dsp:txBody>
-      <dsp:txXfrm rot="10821407">
-        <a:off x="5458313" y="1977520"/>
-        <a:ext cx="468079" cy="548871"/>
+      <dsp:txXfrm rot="10800000">
+        <a:off x="5598736" y="2087731"/>
+        <a:ext cx="327655" cy="329323"/>
       </dsp:txXfrm>
     </dsp:sp>
     <dsp:sp modelId="{FAC03DC4-EE0B-4F48-810D-D7D90D29CDA7}">
@@ -4498,8 +4641,8 @@
         </a:p>
       </dsp:txBody>
       <dsp:txXfrm>
-        <a:off x="3024338" y="1728197"/>
-        <a:ext cx="2213191" cy="1028071"/>
+        <a:off x="3054449" y="1758308"/>
+        <a:ext cx="2152969" cy="967849"/>
       </dsp:txXfrm>
     </dsp:sp>
     <dsp:sp modelId="{B11A5A4A-6892-4B2E-B725-ECE29BCF5F77}">
@@ -4578,9 +4721,9 @@
           <a:endParaRPr lang="de-DE" sz="2500" kern="1200"/>
         </a:p>
       </dsp:txBody>
-      <dsp:txXfrm rot="10815290">
-        <a:off x="2415975" y="1961125"/>
-        <a:ext cx="429912" cy="548871"/>
+      <dsp:txXfrm rot="10800000">
+        <a:off x="2544948" y="2071186"/>
+        <a:ext cx="300938" cy="329323"/>
       </dsp:txXfrm>
     </dsp:sp>
     <dsp:sp modelId="{25B326A3-A87D-4B61-8CBD-2F11BDEA96BC}">
@@ -4668,8 +4811,8 @@
         </a:p>
       </dsp:txBody>
       <dsp:txXfrm>
-        <a:off x="0" y="1728190"/>
-        <a:ext cx="2213191" cy="1001181"/>
+        <a:off x="29324" y="1757514"/>
+        <a:ext cx="2154543" cy="942533"/>
       </dsp:txXfrm>
     </dsp:sp>
   </dsp:spTree>
@@ -7936,7 +8079,7 @@
     </p:spTree>
     <p:extLst>
       <p:ext uri="{BB962C8B-B14F-4D97-AF65-F5344CB8AC3E}">
-        <p14:creationId xmlns:p14="http://schemas.microsoft.com/office/powerpoint/2010/main" xmlns="" val="3306506664"/>
+        <p14:creationId xmlns:p14="http://schemas.microsoft.com/office/powerpoint/2010/main" val="3306506664"/>
       </p:ext>
     </p:extLst>
   </p:cSld>
@@ -8512,7 +8655,7 @@
     </p:spTree>
     <p:extLst>
       <p:ext uri="{BB962C8B-B14F-4D97-AF65-F5344CB8AC3E}">
-        <p14:creationId xmlns:p14="http://schemas.microsoft.com/office/powerpoint/2010/main" xmlns="" val="3290858648"/>
+        <p14:creationId xmlns:p14="http://schemas.microsoft.com/office/powerpoint/2010/main" val="3290858648"/>
       </p:ext>
     </p:extLst>
   </p:cSld>
@@ -9474,7 +9617,7 @@
             <a:fld id="{92C156F3-6C7D-4C62-B24F-CEC351458306}" type="slidenum">
               <a:rPr lang="en-GB" smtClean="0"/>
               <a:pPr/>
-              <a:t>11</a:t>
+              <a:t>13</a:t>
             </a:fld>
             <a:endParaRPr lang="en-GB"/>
           </a:p>
@@ -9483,7 +9626,7 @@
     </p:spTree>
     <p:extLst>
       <p:ext uri="{BB962C8B-B14F-4D97-AF65-F5344CB8AC3E}">
-        <p14:creationId xmlns:p14="http://schemas.microsoft.com/office/powerpoint/2010/main" xmlns="" val="3579872104"/>
+        <p14:creationId xmlns:p14="http://schemas.microsoft.com/office/powerpoint/2010/main" val="3579872104"/>
       </p:ext>
     </p:extLst>
   </p:cSld>
@@ -9619,7 +9762,7 @@
     </p:spTree>
     <p:extLst>
       <p:ext uri="{BB962C8B-B14F-4D97-AF65-F5344CB8AC3E}">
-        <p14:creationId xmlns:p14="http://schemas.microsoft.com/office/powerpoint/2010/main" xmlns="" val="4086205857"/>
+        <p14:creationId xmlns:p14="http://schemas.microsoft.com/office/powerpoint/2010/main" val="4086205857"/>
       </p:ext>
     </p:extLst>
   </p:cSld>
@@ -9746,7 +9889,7 @@
             <a:fld id="{92C156F3-6C7D-4C62-B24F-CEC351458306}" type="slidenum">
               <a:rPr lang="en-GB" smtClean="0"/>
               <a:pPr/>
-              <a:t>4</a:t>
+              <a:t>6</a:t>
             </a:fld>
             <a:endParaRPr lang="en-GB"/>
           </a:p>
@@ -9755,7 +9898,7 @@
     </p:spTree>
     <p:extLst>
       <p:ext uri="{BB962C8B-B14F-4D97-AF65-F5344CB8AC3E}">
-        <p14:creationId xmlns:p14="http://schemas.microsoft.com/office/powerpoint/2010/main" xmlns="" val="3979630434"/>
+        <p14:creationId xmlns:p14="http://schemas.microsoft.com/office/powerpoint/2010/main" val="3979630434"/>
       </p:ext>
     </p:extLst>
   </p:cSld>
@@ -9882,7 +10025,7 @@
             <a:fld id="{92C156F3-6C7D-4C62-B24F-CEC351458306}" type="slidenum">
               <a:rPr lang="en-GB" smtClean="0"/>
               <a:pPr/>
-              <a:t>5</a:t>
+              <a:t>7</a:t>
             </a:fld>
             <a:endParaRPr lang="en-GB"/>
           </a:p>
@@ -9891,7 +10034,7 @@
     </p:spTree>
     <p:extLst>
       <p:ext uri="{BB962C8B-B14F-4D97-AF65-F5344CB8AC3E}">
-        <p14:creationId xmlns:p14="http://schemas.microsoft.com/office/powerpoint/2010/main" xmlns="" val="894590783"/>
+        <p14:creationId xmlns:p14="http://schemas.microsoft.com/office/powerpoint/2010/main" val="894590783"/>
       </p:ext>
     </p:extLst>
   </p:cSld>
@@ -10018,7 +10161,7 @@
             <a:fld id="{92C156F3-6C7D-4C62-B24F-CEC351458306}" type="slidenum">
               <a:rPr lang="en-GB" smtClean="0"/>
               <a:pPr/>
-              <a:t>6</a:t>
+              <a:t>8</a:t>
             </a:fld>
             <a:endParaRPr lang="en-GB"/>
           </a:p>
@@ -10027,7 +10170,7 @@
     </p:spTree>
     <p:extLst>
       <p:ext uri="{BB962C8B-B14F-4D97-AF65-F5344CB8AC3E}">
-        <p14:creationId xmlns:p14="http://schemas.microsoft.com/office/powerpoint/2010/main" xmlns="" val="894590783"/>
+        <p14:creationId xmlns:p14="http://schemas.microsoft.com/office/powerpoint/2010/main" val="894590783"/>
       </p:ext>
     </p:extLst>
   </p:cSld>
@@ -10154,7 +10297,7 @@
             <a:fld id="{92C156F3-6C7D-4C62-B24F-CEC351458306}" type="slidenum">
               <a:rPr lang="en-GB" smtClean="0"/>
               <a:pPr/>
-              <a:t>7</a:t>
+              <a:t>9</a:t>
             </a:fld>
             <a:endParaRPr lang="en-GB"/>
           </a:p>
@@ -10163,7 +10306,7 @@
     </p:spTree>
     <p:extLst>
       <p:ext uri="{BB962C8B-B14F-4D97-AF65-F5344CB8AC3E}">
-        <p14:creationId xmlns:p14="http://schemas.microsoft.com/office/powerpoint/2010/main" xmlns="" val="894590783"/>
+        <p14:creationId xmlns:p14="http://schemas.microsoft.com/office/powerpoint/2010/main" val="894590783"/>
       </p:ext>
     </p:extLst>
   </p:cSld>
@@ -10290,7 +10433,7 @@
             <a:fld id="{92C156F3-6C7D-4C62-B24F-CEC351458306}" type="slidenum">
               <a:rPr lang="en-GB" smtClean="0"/>
               <a:pPr/>
-              <a:t>8</a:t>
+              <a:t>10</a:t>
             </a:fld>
             <a:endParaRPr lang="en-GB"/>
           </a:p>
@@ -10299,7 +10442,7 @@
     </p:spTree>
     <p:extLst>
       <p:ext uri="{BB962C8B-B14F-4D97-AF65-F5344CB8AC3E}">
-        <p14:creationId xmlns:p14="http://schemas.microsoft.com/office/powerpoint/2010/main" xmlns="" val="894590783"/>
+        <p14:creationId xmlns:p14="http://schemas.microsoft.com/office/powerpoint/2010/main" val="894590783"/>
       </p:ext>
     </p:extLst>
   </p:cSld>
@@ -10426,7 +10569,7 @@
             <a:fld id="{92C156F3-6C7D-4C62-B24F-CEC351458306}" type="slidenum">
               <a:rPr lang="en-GB" smtClean="0"/>
               <a:pPr/>
-              <a:t>9</a:t>
+              <a:t>11</a:t>
             </a:fld>
             <a:endParaRPr lang="en-GB"/>
           </a:p>
@@ -10435,7 +10578,7 @@
     </p:spTree>
     <p:extLst>
       <p:ext uri="{BB962C8B-B14F-4D97-AF65-F5344CB8AC3E}">
-        <p14:creationId xmlns:p14="http://schemas.microsoft.com/office/powerpoint/2010/main" xmlns="" val="894590783"/>
+        <p14:creationId xmlns:p14="http://schemas.microsoft.com/office/powerpoint/2010/main" val="894590783"/>
       </p:ext>
     </p:extLst>
   </p:cSld>
@@ -10562,7 +10705,7 @@
             <a:fld id="{92C156F3-6C7D-4C62-B24F-CEC351458306}" type="slidenum">
               <a:rPr lang="en-GB" smtClean="0"/>
               <a:pPr/>
-              <a:t>10</a:t>
+              <a:t>12</a:t>
             </a:fld>
             <a:endParaRPr lang="en-GB"/>
           </a:p>
@@ -10571,7 +10714,7 @@
     </p:spTree>
     <p:extLst>
       <p:ext uri="{BB962C8B-B14F-4D97-AF65-F5344CB8AC3E}">
-        <p14:creationId xmlns:p14="http://schemas.microsoft.com/office/powerpoint/2010/main" xmlns="" val="1472061649"/>
+        <p14:creationId xmlns:p14="http://schemas.microsoft.com/office/powerpoint/2010/main" val="1472061649"/>
       </p:ext>
     </p:extLst>
   </p:cSld>
@@ -15117,7 +15260,7 @@
                 <a:buFont typeface="Arial" pitchFamily="34" charset="0"/>
                 <a:buNone/>
               </a:pPr>
-              <a:t>27. Februar 2019</a:t>
+              <a:t>28. Februar 2019</a:t>
             </a:fld>
             <a:r>
               <a:rPr kumimoji="0" lang="en-US" sz="1100" b="0" i="0" u="none" strike="noStrike" kern="1200" cap="none" spc="0" normalizeH="0" baseline="0" noProof="0" dirty="0">
@@ -15919,10 +16062,295 @@
     <a:masterClrMapping/>
   </p:clrMapOvr>
   <p:transition/>
+  <p:timing>
+    <p:tnLst>
+      <p:par>
+        <p:cTn id="1" dur="indefinite" restart="never" nodeType="tmRoot"/>
+      </p:par>
+    </p:tnLst>
+  </p:timing>
 </p:sld>
 </file>
 
 <file path=ppt/slides/slide10.xml><?xml version="1.0" encoding="utf-8"?>
+<p:sld xmlns:a="http://schemas.openxmlformats.org/drawingml/2006/main" xmlns:r="http://schemas.openxmlformats.org/officeDocument/2006/relationships" xmlns:p="http://schemas.openxmlformats.org/presentationml/2006/main">
+  <p:cSld>
+    <p:spTree>
+      <p:nvGrpSpPr>
+        <p:cNvPr id="1" name=""/>
+        <p:cNvGrpSpPr/>
+        <p:nvPr/>
+      </p:nvGrpSpPr>
+      <p:grpSpPr>
+        <a:xfrm>
+          <a:off x="0" y="0"/>
+          <a:ext cx="0" cy="0"/>
+          <a:chOff x="0" y="0"/>
+          <a:chExt cx="0" cy="0"/>
+        </a:xfrm>
+      </p:grpSpPr>
+      <p:sp>
+        <p:nvSpPr>
+          <p:cNvPr id="1048608" name="Titel 1"/>
+          <p:cNvSpPr>
+            <a:spLocks noGrp="1"/>
+          </p:cNvSpPr>
+          <p:nvPr>
+            <p:ph type="title"/>
+          </p:nvPr>
+        </p:nvSpPr>
+        <p:spPr/>
+        <p:txBody>
+          <a:bodyPr/>
+          <a:lstStyle/>
+          <a:p>
+            <a:r>
+              <a:rPr lang="de-DE" altLang="zh-CN" dirty="0" smtClean="0"/>
+              <a:t>Fahrmodus 1: Hinderniserkennung und Spurwechsel („</a:t>
+            </a:r>
+            <a:r>
+              <a:rPr lang="de-DE" altLang="zh-CN" dirty="0" err="1" smtClean="0"/>
+              <a:t>drive</a:t>
+            </a:r>
+            <a:r>
+              <a:rPr lang="de-DE" altLang="zh-CN" dirty="0" smtClean="0"/>
+              <a:t> </a:t>
+            </a:r>
+            <a:r>
+              <a:rPr lang="de-DE" altLang="zh-CN" dirty="0" err="1" smtClean="0"/>
+              <a:t>mode</a:t>
+            </a:r>
+            <a:r>
+              <a:rPr lang="de-DE" altLang="zh-CN" dirty="0" smtClean="0"/>
+              <a:t>“)</a:t>
+            </a:r>
+          </a:p>
+        </p:txBody>
+      </p:sp>
+      <p:sp>
+        <p:nvSpPr>
+          <p:cNvPr id="1048609" name="Inhaltsplatzhalter 2"/>
+          <p:cNvSpPr>
+            <a:spLocks noGrp="1"/>
+          </p:cNvSpPr>
+          <p:nvPr>
+            <p:ph idx="1"/>
+          </p:nvPr>
+        </p:nvSpPr>
+        <p:spPr>
+          <a:xfrm>
+            <a:off x="323725" y="1484784"/>
+            <a:ext cx="6408515" cy="4968875"/>
+          </a:xfrm>
+        </p:spPr>
+        <p:txBody>
+          <a:bodyPr/>
+          <a:lstStyle/>
+          <a:p>
+            <a:r>
+              <a:rPr lang="de-DE" altLang="zh-CN" dirty="0" smtClean="0"/>
+              <a:t>Konstante Fahrgeschwindigkeit</a:t>
+            </a:r>
+          </a:p>
+          <a:p>
+            <a:r>
+              <a:rPr lang="de-DE" altLang="zh-CN" dirty="0" smtClean="0"/>
+              <a:t>Fahrzeugposition wird durch den PD-Regler geregelt</a:t>
+            </a:r>
+          </a:p>
+          <a:p>
+            <a:r>
+              <a:rPr lang="de-DE" altLang="zh-CN" dirty="0" smtClean="0"/>
+              <a:t>Bezugspunkt der Regelung ist die jeweils äußere Markierung der aktuellen Fahrspur (grüne Linie)</a:t>
+            </a:r>
+          </a:p>
+          <a:p>
+            <a:r>
+              <a:rPr lang="de-DE" altLang="zh-CN" dirty="0" smtClean="0"/>
+              <a:t>Hinderniserkennung läuft permanent</a:t>
+            </a:r>
+          </a:p>
+        </p:txBody>
+      </p:sp>
+      <p:graphicFrame>
+        <p:nvGraphicFramePr>
+          <p:cNvPr id="5" name="Diagramm 4"/>
+          <p:cNvGraphicFramePr/>
+          <p:nvPr/>
+        </p:nvGraphicFramePr>
+        <p:xfrm>
+          <a:off x="395536" y="3284984"/>
+          <a:ext cx="8424936" cy="3240360"/>
+        </p:xfrm>
+        <a:graphic>
+          <a:graphicData uri="http://schemas.openxmlformats.org/drawingml/2006/diagram">
+            <dgm:relIds xmlns:dgm="http://schemas.openxmlformats.org/drawingml/2006/diagram" xmlns:r="http://schemas.openxmlformats.org/officeDocument/2006/relationships" r:dm="rId3" r:lo="rId4" r:qs="rId5" r:cs="rId6"/>
+          </a:graphicData>
+        </a:graphic>
+      </p:graphicFrame>
+      <p:pic>
+        <p:nvPicPr>
+          <p:cNvPr id="7" name="Picture 6" descr="D:\OneDrive\Uni\Projektseminar AUDO\Präsentationen\obstacle_bw.png"/>
+          <p:cNvPicPr>
+            <a:picLocks noChangeAspect="1" noChangeArrowheads="1"/>
+          </p:cNvPicPr>
+          <p:nvPr/>
+        </p:nvPicPr>
+        <p:blipFill>
+          <a:blip r:embed="rId8" cstate="print"/>
+          <a:srcRect t="9909" r="4685"/>
+          <a:stretch>
+            <a:fillRect/>
+          </a:stretch>
+        </p:blipFill>
+        <p:spPr bwMode="auto">
+          <a:xfrm>
+            <a:off x="7020272" y="1628800"/>
+            <a:ext cx="1440160" cy="1501845"/>
+          </a:xfrm>
+          <a:prstGeom prst="rect">
+            <a:avLst/>
+          </a:prstGeom>
+          <a:noFill/>
+        </p:spPr>
+      </p:pic>
+    </p:spTree>
+  </p:cSld>
+  <p:clrMapOvr>
+    <a:masterClrMapping/>
+  </p:clrMapOvr>
+  <p:timing>
+    <p:tnLst>
+      <p:par>
+        <p:cTn id="1" dur="indefinite" restart="never" nodeType="tmRoot"/>
+      </p:par>
+    </p:tnLst>
+  </p:timing>
+</p:sld>
+</file>
+
+<file path=ppt/slides/slide11.xml><?xml version="1.0" encoding="utf-8"?>
+<p:sld xmlns:a="http://schemas.openxmlformats.org/drawingml/2006/main" xmlns:r="http://schemas.openxmlformats.org/officeDocument/2006/relationships" xmlns:p="http://schemas.openxmlformats.org/presentationml/2006/main">
+  <p:cSld>
+    <p:spTree>
+      <p:nvGrpSpPr>
+        <p:cNvPr id="1" name=""/>
+        <p:cNvGrpSpPr/>
+        <p:nvPr/>
+      </p:nvGrpSpPr>
+      <p:grpSpPr>
+        <a:xfrm>
+          <a:off x="0" y="0"/>
+          <a:ext cx="0" cy="0"/>
+          <a:chOff x="0" y="0"/>
+          <a:chExt cx="0" cy="0"/>
+        </a:xfrm>
+      </p:grpSpPr>
+      <p:sp>
+        <p:nvSpPr>
+          <p:cNvPr id="1048608" name="Titel 1"/>
+          <p:cNvSpPr>
+            <a:spLocks noGrp="1"/>
+          </p:cNvSpPr>
+          <p:nvPr>
+            <p:ph type="title"/>
+          </p:nvPr>
+        </p:nvSpPr>
+        <p:spPr/>
+        <p:txBody>
+          <a:bodyPr/>
+          <a:lstStyle/>
+          <a:p>
+            <a:r>
+              <a:rPr lang="de-DE" altLang="zh-CN" dirty="0" smtClean="0"/>
+              <a:t>Fahrmodus 2: optimierte Geschwindigkeit („</a:t>
+            </a:r>
+            <a:r>
+              <a:rPr lang="de-DE" altLang="zh-CN" dirty="0" err="1" smtClean="0"/>
+              <a:t>race</a:t>
+            </a:r>
+            <a:r>
+              <a:rPr lang="de-DE" altLang="zh-CN" dirty="0" smtClean="0"/>
+              <a:t> </a:t>
+            </a:r>
+            <a:r>
+              <a:rPr lang="de-DE" altLang="zh-CN" dirty="0" err="1" smtClean="0"/>
+              <a:t>mode</a:t>
+            </a:r>
+            <a:r>
+              <a:rPr lang="de-DE" altLang="zh-CN" dirty="0" smtClean="0"/>
+              <a:t>“)</a:t>
+            </a:r>
+          </a:p>
+        </p:txBody>
+      </p:sp>
+      <p:sp>
+        <p:nvSpPr>
+          <p:cNvPr id="1048609" name="Inhaltsplatzhalter 2"/>
+          <p:cNvSpPr>
+            <a:spLocks noGrp="1"/>
+          </p:cNvSpPr>
+          <p:nvPr>
+            <p:ph idx="1"/>
+          </p:nvPr>
+        </p:nvSpPr>
+        <p:spPr>
+          <a:xfrm>
+            <a:off x="323725" y="1484784"/>
+            <a:ext cx="7128595" cy="4968875"/>
+          </a:xfrm>
+        </p:spPr>
+        <p:txBody>
+          <a:bodyPr/>
+          <a:lstStyle/>
+          <a:p>
+            <a:r>
+              <a:rPr lang="de-DE" altLang="zh-CN" dirty="0" smtClean="0"/>
+              <a:t>Dynamische Geschwindigkeitsanpassung in Abhängigkeit der Fahrsituation</a:t>
+            </a:r>
+          </a:p>
+          <a:p>
+            <a:r>
+              <a:rPr lang="de-DE" altLang="zh-CN" dirty="0" smtClean="0"/>
+              <a:t>Fahrzeugposition wird durch den PD-Regler geregelt</a:t>
+            </a:r>
+          </a:p>
+          <a:p>
+            <a:r>
+              <a:rPr lang="de-DE" altLang="zh-CN" dirty="0" smtClean="0"/>
+              <a:t>Bezugspunkt der Regelung ist immer die äußere Markierung der Rennstrecke</a:t>
+            </a:r>
+          </a:p>
+          <a:p>
+            <a:r>
+              <a:rPr lang="de-DE" altLang="zh-CN" dirty="0" smtClean="0"/>
+              <a:t>Abstand zum Fahrbahnrand vergrößert</a:t>
+            </a:r>
+          </a:p>
+          <a:p>
+            <a:r>
+              <a:rPr lang="de-DE" altLang="zh-CN" dirty="0" smtClean="0"/>
+              <a:t>Hinderniserkennung ist deaktiviert</a:t>
+            </a:r>
+          </a:p>
+        </p:txBody>
+      </p:sp>
+    </p:spTree>
+  </p:cSld>
+  <p:clrMapOvr>
+    <a:masterClrMapping/>
+  </p:clrMapOvr>
+  <p:timing>
+    <p:tnLst>
+      <p:par>
+        <p:cTn id="1" dur="indefinite" restart="never" nodeType="tmRoot"/>
+      </p:par>
+    </p:tnLst>
+  </p:timing>
+</p:sld>
+</file>
+
+<file path=ppt/slides/slide12.xml><?xml version="1.0" encoding="utf-8"?>
 <p:sld xmlns:a="http://schemas.openxmlformats.org/drawingml/2006/main" xmlns:r="http://schemas.openxmlformats.org/officeDocument/2006/relationships" xmlns:p="http://schemas.openxmlformats.org/presentationml/2006/main">
   <p:cSld>
     <p:spTree>
@@ -15985,10 +16413,17 @@
   <p:clrMapOvr>
     <a:masterClrMapping/>
   </p:clrMapOvr>
+  <p:timing>
+    <p:tnLst>
+      <p:par>
+        <p:cTn id="1" dur="indefinite" restart="never" nodeType="tmRoot"/>
+      </p:par>
+    </p:tnLst>
+  </p:timing>
 </p:sld>
 </file>
 
-<file path=ppt/slides/slide11.xml><?xml version="1.0" encoding="utf-8"?>
+<file path=ppt/slides/slide13.xml><?xml version="1.0" encoding="utf-8"?>
 <p:sld xmlns:a="http://schemas.openxmlformats.org/drawingml/2006/main" xmlns:r="http://schemas.openxmlformats.org/officeDocument/2006/relationships" xmlns:p="http://schemas.openxmlformats.org/presentationml/2006/main">
   <p:cSld>
     <p:spTree>
@@ -16060,6 +16495,101 @@
   <p:clrMapOvr>
     <a:masterClrMapping/>
   </p:clrMapOvr>
+  <p:timing>
+    <p:tnLst>
+      <p:par>
+        <p:cTn id="1" dur="indefinite" restart="never" nodeType="tmRoot"/>
+      </p:par>
+    </p:tnLst>
+  </p:timing>
+</p:sld>
+</file>
+
+<file path=ppt/slides/slide14.xml><?xml version="1.0" encoding="utf-8"?>
+<p:sld xmlns:a="http://schemas.openxmlformats.org/drawingml/2006/main" xmlns:r="http://schemas.openxmlformats.org/officeDocument/2006/relationships" xmlns:p="http://schemas.openxmlformats.org/presentationml/2006/main">
+  <p:cSld>
+    <p:spTree>
+      <p:nvGrpSpPr>
+        <p:cNvPr id="1" name=""/>
+        <p:cNvGrpSpPr/>
+        <p:nvPr/>
+      </p:nvGrpSpPr>
+      <p:grpSpPr>
+        <a:xfrm>
+          <a:off x="0" y="0"/>
+          <a:ext cx="0" cy="0"/>
+          <a:chOff x="0" y="0"/>
+          <a:chExt cx="0" cy="0"/>
+        </a:xfrm>
+      </p:grpSpPr>
+      <p:sp>
+        <p:nvSpPr>
+          <p:cNvPr id="2" name="Titel 1"/>
+          <p:cNvSpPr>
+            <a:spLocks noGrp="1"/>
+          </p:cNvSpPr>
+          <p:nvPr>
+            <p:ph type="title"/>
+          </p:nvPr>
+        </p:nvSpPr>
+        <p:spPr/>
+        <p:txBody>
+          <a:bodyPr/>
+          <a:lstStyle/>
+          <a:p>
+            <a:endParaRPr lang="de-DE"/>
+          </a:p>
+        </p:txBody>
+      </p:sp>
+      <p:sp>
+        <p:nvSpPr>
+          <p:cNvPr id="3" name="Inhaltsplatzhalter 2"/>
+          <p:cNvSpPr>
+            <a:spLocks noGrp="1"/>
+          </p:cNvSpPr>
+          <p:nvPr>
+            <p:ph idx="1"/>
+          </p:nvPr>
+        </p:nvSpPr>
+        <p:spPr/>
+        <p:txBody>
+          <a:bodyPr/>
+          <a:lstStyle/>
+          <a:p>
+            <a:pPr marL="0" indent="0" algn="ctr">
+              <a:buNone/>
+            </a:pPr>
+            <a:endParaRPr lang="de-CH" sz="4800" dirty="0" smtClean="0"/>
+          </a:p>
+          <a:p>
+            <a:pPr marL="0" indent="0" algn="ctr">
+              <a:buNone/>
+            </a:pPr>
+            <a:r>
+              <a:rPr lang="de-CH" sz="4800" dirty="0" smtClean="0"/>
+              <a:t>Vielen Dank für Ihre Aufmerksamkeit</a:t>
+            </a:r>
+            <a:endParaRPr lang="de-DE" sz="4800" dirty="0"/>
+          </a:p>
+        </p:txBody>
+      </p:sp>
+    </p:spTree>
+    <p:extLst>
+      <p:ext uri="{BB962C8B-B14F-4D97-AF65-F5344CB8AC3E}">
+        <p14:creationId xmlns:p14="http://schemas.microsoft.com/office/powerpoint/2010/main" val="412314351"/>
+      </p:ext>
+    </p:extLst>
+  </p:cSld>
+  <p:clrMapOvr>
+    <a:masterClrMapping/>
+  </p:clrMapOvr>
+  <p:timing>
+    <p:tnLst>
+      <p:par>
+        <p:cTn id="1" dur="indefinite" restart="never" nodeType="tmRoot"/>
+      </p:par>
+    </p:tnLst>
+  </p:timing>
 </p:sld>
 </file>
 
@@ -16085,7 +16615,7 @@
           <p:cNvPr id="2" name="Titel 1">
             <a:extLst>
               <a:ext uri="{FF2B5EF4-FFF2-40B4-BE49-F238E27FC236}">
-                <a16:creationId xmlns:a16="http://schemas.microsoft.com/office/drawing/2014/main" xmlns="" id="{24452668-05B8-45C3-9C30-2FC567BF5B34}"/>
+                <a16:creationId xmlns="" xmlns:a16="http://schemas.microsoft.com/office/drawing/2014/main" id="{24452668-05B8-45C3-9C30-2FC567BF5B34}"/>
               </a:ext>
             </a:extLst>
           </p:cNvPr>
@@ -16114,7 +16644,7 @@
           <p:cNvPr id="3" name="Inhaltsplatzhalter 2">
             <a:extLst>
               <a:ext uri="{FF2B5EF4-FFF2-40B4-BE49-F238E27FC236}">
-                <a16:creationId xmlns:a16="http://schemas.microsoft.com/office/drawing/2014/main" xmlns="" id="{6F95FF9C-402A-4AAD-8E88-8EE33D2499FD}"/>
+                <a16:creationId xmlns="" xmlns:a16="http://schemas.microsoft.com/office/drawing/2014/main" id="{6F95FF9C-402A-4AAD-8E88-8EE33D2499FD}"/>
               </a:ext>
             </a:extLst>
           </p:cNvPr>
@@ -16130,92 +16660,446 @@
           <a:bodyPr/>
           <a:lstStyle/>
           <a:p>
-            <a:r>
-              <a:rPr lang="en-GB" sz="2400" dirty="0" smtClean="0"/>
-              <a:t>(die </a:t>
-            </a:r>
-            <a:r>
-              <a:rPr lang="en-GB" sz="2400" dirty="0" err="1" smtClean="0"/>
+            <a:pPr>
+              <a:lnSpc>
+                <a:spcPct val="150000"/>
+              </a:lnSpc>
+            </a:pPr>
+            <a:r>
+              <a:rPr lang="en-GB" dirty="0" smtClean="0"/>
+              <a:t>Organisation</a:t>
+            </a:r>
+          </a:p>
+          <a:p>
+            <a:pPr>
+              <a:lnSpc>
+                <a:spcPct val="150000"/>
+              </a:lnSpc>
+            </a:pPr>
+            <a:r>
+              <a:rPr lang="en-GB" dirty="0" smtClean="0"/>
+              <a:t>Hardware</a:t>
+            </a:r>
+          </a:p>
+          <a:p>
+            <a:pPr>
+              <a:lnSpc>
+                <a:spcPct val="150000"/>
+              </a:lnSpc>
+            </a:pPr>
+            <a:r>
+              <a:rPr lang="en-GB" dirty="0" err="1" smtClean="0"/>
               <a:t>Bildverarbeitung</a:t>
             </a:r>
-            <a:r>
-              <a:rPr lang="en-GB" sz="2400" dirty="0" smtClean="0"/>
+            <a:endParaRPr lang="en-GB" dirty="0" smtClean="0"/>
+          </a:p>
+          <a:p>
+            <a:pPr>
+              <a:lnSpc>
+                <a:spcPct val="150000"/>
+              </a:lnSpc>
+            </a:pPr>
+            <a:r>
+              <a:rPr lang="en-GB" dirty="0" err="1" smtClean="0"/>
+              <a:t>Regelungstechnik</a:t>
+            </a:r>
+            <a:endParaRPr lang="en-GB" dirty="0" smtClean="0"/>
+          </a:p>
+          <a:p>
+            <a:pPr lvl="2">
+              <a:lnSpc>
+                <a:spcPct val="150000"/>
+              </a:lnSpc>
+              <a:buFont typeface="Wingdings" panose="05000000000000000000" pitchFamily="2" charset="2"/>
+              <a:buChar char="§"/>
+            </a:pPr>
+            <a:r>
+              <a:rPr lang="de-DE" altLang="zh-CN" sz="2000" dirty="0"/>
+              <a:t>Hinderniserkennung und </a:t>
+            </a:r>
+            <a:r>
+              <a:rPr lang="de-DE" altLang="zh-CN" sz="2000" dirty="0" smtClean="0"/>
+              <a:t>Spurwechsel</a:t>
+            </a:r>
+          </a:p>
+          <a:p>
+            <a:pPr lvl="2">
+              <a:lnSpc>
+                <a:spcPct val="150000"/>
+              </a:lnSpc>
+              <a:buFont typeface="Wingdings" panose="05000000000000000000" pitchFamily="2" charset="2"/>
+              <a:buChar char="§"/>
+            </a:pPr>
+            <a:r>
+              <a:rPr lang="de-DE" altLang="zh-CN" sz="2000" dirty="0" smtClean="0"/>
+              <a:t>„</a:t>
+            </a:r>
+            <a:r>
+              <a:rPr lang="de-DE" altLang="zh-CN" sz="2000" dirty="0" err="1"/>
+              <a:t>race</a:t>
+            </a:r>
+            <a:r>
+              <a:rPr lang="de-DE" altLang="zh-CN" sz="2000" dirty="0"/>
               <a:t> </a:t>
             </a:r>
             <a:r>
-              <a:rPr lang="en-GB" sz="2400" dirty="0" err="1" smtClean="0"/>
-              <a:t>sollte</a:t>
-            </a:r>
-            <a:r>
-              <a:rPr lang="en-GB" sz="2400" dirty="0" smtClean="0"/>
-              <a:t> </a:t>
-            </a:r>
-            <a:r>
-              <a:rPr lang="en-GB" sz="2400" dirty="0" err="1" smtClean="0"/>
-              <a:t>vor</a:t>
-            </a:r>
-            <a:r>
-              <a:rPr lang="en-GB" sz="2400" dirty="0" smtClean="0"/>
-              <a:t> </a:t>
-            </a:r>
-            <a:r>
-              <a:rPr lang="en-GB" sz="2400" dirty="0" err="1" smtClean="0"/>
-              <a:t>der</a:t>
-            </a:r>
-            <a:r>
-              <a:rPr lang="en-GB" sz="2400" dirty="0" smtClean="0"/>
-              <a:t> </a:t>
-            </a:r>
-            <a:r>
-              <a:rPr lang="en-GB" sz="2400" dirty="0" err="1" smtClean="0"/>
-              <a:t>Regelungstechnik</a:t>
-            </a:r>
-            <a:r>
-              <a:rPr lang="en-GB" sz="2400" dirty="0" smtClean="0"/>
-              <a:t> </a:t>
-            </a:r>
-            <a:r>
-              <a:rPr lang="en-GB" sz="2400" dirty="0" err="1" smtClean="0"/>
-              <a:t>erklärt</a:t>
-            </a:r>
-            <a:r>
-              <a:rPr lang="en-GB" sz="2400" dirty="0" smtClean="0"/>
-              <a:t> </a:t>
-            </a:r>
-            <a:r>
-              <a:rPr lang="en-GB" sz="2400" dirty="0" err="1" smtClean="0"/>
-              <a:t>werden</a:t>
-            </a:r>
-            <a:r>
-              <a:rPr lang="en-GB" sz="2400" dirty="0" smtClean="0"/>
-              <a:t>, </a:t>
-            </a:r>
-            <a:r>
-              <a:rPr lang="en-GB" sz="2400" dirty="0" err="1" smtClean="0"/>
-              <a:t>Anm</a:t>
-            </a:r>
-            <a:r>
-              <a:rPr lang="en-GB" sz="2400" dirty="0" smtClean="0"/>
-              <a:t>. d. Red.)</a:t>
-            </a:r>
-            <a:endParaRPr lang="en-GB" sz="2400" dirty="0"/>
+              <a:rPr lang="de-DE" altLang="zh-CN" sz="2000" dirty="0" err="1" smtClean="0"/>
+              <a:t>mode</a:t>
+            </a:r>
+            <a:r>
+              <a:rPr lang="de-DE" altLang="zh-CN" sz="2000" dirty="0" smtClean="0"/>
+              <a:t>“</a:t>
+            </a:r>
+          </a:p>
+          <a:p>
+            <a:pPr>
+              <a:lnSpc>
+                <a:spcPct val="150000"/>
+              </a:lnSpc>
+            </a:pPr>
+            <a:r>
+              <a:rPr lang="en-GB" dirty="0" err="1" smtClean="0"/>
+              <a:t>Probleme</a:t>
+            </a:r>
+            <a:endParaRPr lang="en-GB" dirty="0" smtClean="0"/>
+          </a:p>
+          <a:p>
+            <a:pPr>
+              <a:lnSpc>
+                <a:spcPct val="150000"/>
+              </a:lnSpc>
+            </a:pPr>
+            <a:r>
+              <a:rPr lang="en-GB" dirty="0" err="1" smtClean="0"/>
+              <a:t>Fazit</a:t>
+            </a:r>
+            <a:r>
+              <a:rPr lang="en-GB" dirty="0" smtClean="0"/>
+              <a:t> und </a:t>
+            </a:r>
+            <a:r>
+              <a:rPr lang="en-GB" dirty="0" err="1" smtClean="0"/>
+              <a:t>Ausblick</a:t>
+            </a:r>
+            <a:endParaRPr lang="en-GB" dirty="0" smtClean="0"/>
           </a:p>
         </p:txBody>
       </p:sp>
     </p:spTree>
     <p:extLst>
       <p:ext uri="{BB962C8B-B14F-4D97-AF65-F5344CB8AC3E}">
-        <p14:creationId xmlns:p14="http://schemas.microsoft.com/office/powerpoint/2010/main" xmlns="" val="2622745934"/>
+        <p14:creationId xmlns:p14="http://schemas.microsoft.com/office/powerpoint/2010/main" val="2622745934"/>
       </p:ext>
     </p:extLst>
   </p:cSld>
   <p:clrMapOvr>
     <a:masterClrMapping/>
   </p:clrMapOvr>
+  <p:timing>
+    <p:tnLst>
+      <p:par>
+        <p:cTn id="1" dur="indefinite" restart="never" nodeType="tmRoot"/>
+      </p:par>
+    </p:tnLst>
+  </p:timing>
 </p:sld>
 </file>
 
 <file path=ppt/slides/slide3.xml><?xml version="1.0" encoding="utf-8"?>
+<p:sld xmlns:a="http://schemas.openxmlformats.org/drawingml/2006/main" xmlns:r="http://schemas.openxmlformats.org/officeDocument/2006/relationships" xmlns:p="http://schemas.openxmlformats.org/presentationml/2006/main">
+  <p:cSld>
+    <p:spTree>
+      <p:nvGrpSpPr>
+        <p:cNvPr id="1" name=""/>
+        <p:cNvGrpSpPr/>
+        <p:nvPr/>
+      </p:nvGrpSpPr>
+      <p:grpSpPr>
+        <a:xfrm>
+          <a:off x="0" y="0"/>
+          <a:ext cx="0" cy="0"/>
+          <a:chOff x="0" y="0"/>
+          <a:chExt cx="0" cy="0"/>
+        </a:xfrm>
+      </p:grpSpPr>
+      <p:sp>
+        <p:nvSpPr>
+          <p:cNvPr id="2" name="Titel 1"/>
+          <p:cNvSpPr>
+            <a:spLocks noGrp="1"/>
+          </p:cNvSpPr>
+          <p:nvPr>
+            <p:ph type="title"/>
+          </p:nvPr>
+        </p:nvSpPr>
+        <p:spPr/>
+        <p:txBody>
+          <a:bodyPr/>
+          <a:lstStyle/>
+          <a:p>
+            <a:r>
+              <a:rPr lang="de-CH" dirty="0" smtClean="0"/>
+              <a:t>Organisation des Teams</a:t>
+            </a:r>
+            <a:endParaRPr lang="de-DE" dirty="0"/>
+          </a:p>
+        </p:txBody>
+      </p:sp>
+      <p:sp>
+        <p:nvSpPr>
+          <p:cNvPr id="3" name="Inhaltsplatzhalter 2"/>
+          <p:cNvSpPr>
+            <a:spLocks noGrp="1"/>
+          </p:cNvSpPr>
+          <p:nvPr>
+            <p:ph idx="1"/>
+          </p:nvPr>
+        </p:nvSpPr>
+        <p:spPr/>
+        <p:txBody>
+          <a:bodyPr/>
+          <a:lstStyle/>
+          <a:p>
+            <a:r>
+              <a:rPr lang="de-CH" dirty="0"/>
+              <a:t>Versionsverwaltung mit </a:t>
+            </a:r>
+            <a:r>
+              <a:rPr lang="de-CH" dirty="0" err="1" smtClean="0"/>
+              <a:t>GitHub</a:t>
+            </a:r>
+            <a:endParaRPr lang="de-CH" dirty="0" smtClean="0"/>
+          </a:p>
+          <a:p>
+            <a:endParaRPr lang="de-CH" dirty="0"/>
+          </a:p>
+          <a:p>
+            <a:r>
+              <a:rPr lang="de-CH" dirty="0" smtClean="0"/>
+              <a:t>Aufgabenverwaltung mit </a:t>
+            </a:r>
+            <a:r>
+              <a:rPr lang="de-CH" dirty="0" err="1" smtClean="0"/>
+              <a:t>Trello</a:t>
+            </a:r>
+            <a:endParaRPr lang="de-CH" dirty="0" smtClean="0"/>
+          </a:p>
+          <a:p>
+            <a:endParaRPr lang="de-CH" dirty="0"/>
+          </a:p>
+        </p:txBody>
+      </p:sp>
+      <p:pic>
+        <p:nvPicPr>
+          <p:cNvPr id="1026" name="Picture 2" descr="C:\Users\blume\Dropbox\Uni\_PSES\AUDO\Dokumente\Bericht\images\Trello.png"/>
+          <p:cNvPicPr>
+            <a:picLocks noChangeAspect="1" noChangeArrowheads="1"/>
+          </p:cNvPicPr>
+          <p:nvPr/>
+        </p:nvPicPr>
+        <p:blipFill>
+          <a:blip r:embed="rId2">
+            <a:extLst>
+              <a:ext uri="{28A0092B-C50C-407E-A947-70E740481C1C}">
+                <a14:useLocalDpi xmlns:a14="http://schemas.microsoft.com/office/drawing/2010/main" val="0"/>
+              </a:ext>
+            </a:extLst>
+          </a:blip>
+          <a:srcRect/>
+          <a:stretch>
+            <a:fillRect/>
+          </a:stretch>
+        </p:blipFill>
+        <p:spPr bwMode="auto">
+          <a:xfrm>
+            <a:off x="539552" y="2774013"/>
+            <a:ext cx="6620172" cy="3501620"/>
+          </a:xfrm>
+          <a:prstGeom prst="rect">
+            <a:avLst/>
+          </a:prstGeom>
+          <a:noFill/>
+          <a:extLst>
+            <a:ext uri="{909E8E84-426E-40DD-AFC4-6F175D3DCCD1}">
+              <a14:hiddenFill xmlns:a14="http://schemas.microsoft.com/office/drawing/2010/main">
+                <a:solidFill>
+                  <a:srgbClr val="FFFFFF"/>
+                </a:solidFill>
+              </a14:hiddenFill>
+            </a:ext>
+          </a:extLst>
+        </p:spPr>
+      </p:pic>
+    </p:spTree>
+    <p:extLst>
+      <p:ext uri="{BB962C8B-B14F-4D97-AF65-F5344CB8AC3E}">
+        <p14:creationId xmlns:p14="http://schemas.microsoft.com/office/powerpoint/2010/main" val="983291378"/>
+      </p:ext>
+    </p:extLst>
+  </p:cSld>
+  <p:clrMapOvr>
+    <a:masterClrMapping/>
+  </p:clrMapOvr>
+  <p:timing>
+    <p:tnLst>
+      <p:par>
+        <p:cTn id="1" dur="indefinite" restart="never" nodeType="tmRoot"/>
+      </p:par>
+    </p:tnLst>
+  </p:timing>
+</p:sld>
+</file>
+
+<file path=ppt/slides/slide4.xml><?xml version="1.0" encoding="utf-8"?>
+<p:sld xmlns:a="http://schemas.openxmlformats.org/drawingml/2006/main" xmlns:r="http://schemas.openxmlformats.org/officeDocument/2006/relationships" xmlns:p="http://schemas.openxmlformats.org/presentationml/2006/main">
+  <p:cSld>
+    <p:spTree>
+      <p:nvGrpSpPr>
+        <p:cNvPr id="1" name=""/>
+        <p:cNvGrpSpPr/>
+        <p:nvPr/>
+      </p:nvGrpSpPr>
+      <p:grpSpPr>
+        <a:xfrm>
+          <a:off x="0" y="0"/>
+          <a:ext cx="0" cy="0"/>
+          <a:chOff x="0" y="0"/>
+          <a:chExt cx="0" cy="0"/>
+        </a:xfrm>
+      </p:grpSpPr>
+      <p:sp>
+        <p:nvSpPr>
+          <p:cNvPr id="2" name="Titel 1"/>
+          <p:cNvSpPr>
+            <a:spLocks noGrp="1"/>
+          </p:cNvSpPr>
+          <p:nvPr>
+            <p:ph type="title"/>
+          </p:nvPr>
+        </p:nvSpPr>
+        <p:spPr/>
+        <p:txBody>
+          <a:bodyPr/>
+          <a:lstStyle/>
+          <a:p>
+            <a:r>
+              <a:rPr lang="de-CH" dirty="0" smtClean="0"/>
+              <a:t>Gruppentreffen</a:t>
+            </a:r>
+            <a:endParaRPr lang="de-DE" dirty="0"/>
+          </a:p>
+        </p:txBody>
+      </p:sp>
+      <p:sp>
+        <p:nvSpPr>
+          <p:cNvPr id="3" name="Inhaltsplatzhalter 2"/>
+          <p:cNvSpPr>
+            <a:spLocks noGrp="1"/>
+          </p:cNvSpPr>
+          <p:nvPr>
+            <p:ph idx="1"/>
+          </p:nvPr>
+        </p:nvSpPr>
+        <p:spPr/>
+        <p:txBody>
+          <a:bodyPr/>
+          <a:lstStyle/>
+          <a:p>
+            <a:r>
+              <a:rPr lang="de-CH" dirty="0" err="1" smtClean="0"/>
+              <a:t>Regelmä</a:t>
+            </a:r>
+            <a:r>
+              <a:rPr lang="de-DE" dirty="0" err="1" smtClean="0"/>
+              <a:t>ßige</a:t>
+            </a:r>
+            <a:r>
+              <a:rPr lang="de-DE" dirty="0" smtClean="0"/>
+              <a:t> </a:t>
+            </a:r>
+            <a:r>
+              <a:rPr lang="de-DE" dirty="0"/>
+              <a:t>wöchentliche </a:t>
+            </a:r>
+            <a:r>
+              <a:rPr lang="de-DE" dirty="0" smtClean="0"/>
+              <a:t>Treffen</a:t>
+            </a:r>
+          </a:p>
+          <a:p>
+            <a:endParaRPr lang="de-CH" dirty="0"/>
+          </a:p>
+          <a:p>
+            <a:r>
+              <a:rPr lang="de-CH" dirty="0" smtClean="0"/>
+              <a:t>Flexible Treffen zur Aufgabenbearbeitung</a:t>
+            </a:r>
+            <a:endParaRPr lang="de-DE" dirty="0"/>
+          </a:p>
+        </p:txBody>
+      </p:sp>
+      <p:pic>
+        <p:nvPicPr>
+          <p:cNvPr id="4" name="Picture 2" descr="C:\Users\blume\Dropbox\Uni\_PSES\AUDO\Dokumente\Bericht\images\Gruppentreffen.jpg"/>
+          <p:cNvPicPr>
+            <a:picLocks noChangeAspect="1" noChangeArrowheads="1"/>
+          </p:cNvPicPr>
+          <p:nvPr/>
+        </p:nvPicPr>
+        <p:blipFill>
+          <a:blip r:embed="rId2" cstate="print">
+            <a:extLst>
+              <a:ext uri="{28A0092B-C50C-407E-A947-70E740481C1C}">
+                <a14:useLocalDpi xmlns:a14="http://schemas.microsoft.com/office/drawing/2010/main" val="0"/>
+              </a:ext>
+            </a:extLst>
+          </a:blip>
+          <a:srcRect/>
+          <a:stretch>
+            <a:fillRect/>
+          </a:stretch>
+        </p:blipFill>
+        <p:spPr bwMode="auto">
+          <a:xfrm>
+            <a:off x="552168" y="2734512"/>
+            <a:ext cx="6227200" cy="3502800"/>
+          </a:xfrm>
+          <a:prstGeom prst="rect">
+            <a:avLst/>
+          </a:prstGeom>
+          <a:noFill/>
+          <a:extLst>
+            <a:ext uri="{909E8E84-426E-40DD-AFC4-6F175D3DCCD1}">
+              <a14:hiddenFill xmlns:a14="http://schemas.microsoft.com/office/drawing/2010/main">
+                <a:solidFill>
+                  <a:srgbClr val="FFFFFF"/>
+                </a:solidFill>
+              </a14:hiddenFill>
+            </a:ext>
+          </a:extLst>
+        </p:spPr>
+      </p:pic>
+    </p:spTree>
+    <p:extLst>
+      <p:ext uri="{BB962C8B-B14F-4D97-AF65-F5344CB8AC3E}">
+        <p14:creationId xmlns:p14="http://schemas.microsoft.com/office/powerpoint/2010/main" val="617314025"/>
+      </p:ext>
+    </p:extLst>
+  </p:cSld>
+  <p:clrMapOvr>
+    <a:masterClrMapping/>
+  </p:clrMapOvr>
+  <p:timing>
+    <p:tnLst>
+      <p:par>
+        <p:cTn id="1" dur="indefinite" restart="never" nodeType="tmRoot"/>
+      </p:par>
+    </p:tnLst>
+  </p:timing>
+</p:sld>
+</file>
+
+<file path=ppt/slides/slide5.xml><?xml version="1.0" encoding="utf-8"?>
 <p:sld xmlns:a="http://schemas.openxmlformats.org/drawingml/2006/main" xmlns:r="http://schemas.openxmlformats.org/officeDocument/2006/relationships" xmlns:p="http://schemas.openxmlformats.org/presentationml/2006/main">
   <p:cSld>
     <p:spTree>
@@ -16347,10 +17231,17 @@
   <p:clrMapOvr>
     <a:masterClrMapping/>
   </p:clrMapOvr>
+  <p:timing>
+    <p:tnLst>
+      <p:par>
+        <p:cTn id="1" dur="indefinite" restart="never" nodeType="tmRoot"/>
+      </p:par>
+    </p:tnLst>
+  </p:timing>
 </p:sld>
 </file>
 
-<file path=ppt/slides/slide4.xml><?xml version="1.0" encoding="utf-8"?>
+<file path=ppt/slides/slide6.xml><?xml version="1.0" encoding="utf-8"?>
 <p:sld xmlns:a="http://schemas.openxmlformats.org/drawingml/2006/main" xmlns:r="http://schemas.openxmlformats.org/officeDocument/2006/relationships" xmlns:p="http://schemas.openxmlformats.org/presentationml/2006/main">
   <p:cSld>
     <p:spTree>
@@ -16422,10 +17313,17 @@
   <p:clrMapOvr>
     <a:masterClrMapping/>
   </p:clrMapOvr>
+  <p:timing>
+    <p:tnLst>
+      <p:par>
+        <p:cTn id="1" dur="indefinite" restart="never" nodeType="tmRoot"/>
+      </p:par>
+    </p:tnLst>
+  </p:timing>
 </p:sld>
 </file>
 
-<file path=ppt/slides/slide5.xml><?xml version="1.0" encoding="utf-8"?>
+<file path=ppt/slides/slide7.xml><?xml version="1.0" encoding="utf-8"?>
 <p:sld xmlns:a="http://schemas.openxmlformats.org/drawingml/2006/main" xmlns:r="http://schemas.openxmlformats.org/officeDocument/2006/relationships" xmlns:p="http://schemas.openxmlformats.org/presentationml/2006/main">
   <p:cSld>
     <p:spTree>
@@ -16630,10 +17528,17 @@
   <p:clrMapOvr>
     <a:masterClrMapping/>
   </p:clrMapOvr>
+  <p:timing>
+    <p:tnLst>
+      <p:par>
+        <p:cTn id="1" dur="indefinite" restart="never" nodeType="tmRoot"/>
+      </p:par>
+    </p:tnLst>
+  </p:timing>
 </p:sld>
 </file>
 
-<file path=ppt/slides/slide6.xml><?xml version="1.0" encoding="utf-8"?>
+<file path=ppt/slides/slide8.xml><?xml version="1.0" encoding="utf-8"?>
 <p:sld xmlns:a="http://schemas.openxmlformats.org/drawingml/2006/main" xmlns:r="http://schemas.openxmlformats.org/officeDocument/2006/relationships" xmlns:p="http://schemas.openxmlformats.org/presentationml/2006/main">
   <p:cSld>
     <p:spTree>
@@ -16785,10 +17690,17 @@
   <p:clrMapOvr>
     <a:masterClrMapping/>
   </p:clrMapOvr>
+  <p:timing>
+    <p:tnLst>
+      <p:par>
+        <p:cTn id="1" dur="indefinite" restart="never" nodeType="tmRoot"/>
+      </p:par>
+    </p:tnLst>
+  </p:timing>
 </p:sld>
 </file>
 
-<file path=ppt/slides/slide7.xml><?xml version="1.0" encoding="utf-8"?>
+<file path=ppt/slides/slide9.xml><?xml version="1.0" encoding="utf-8"?>
 <p:sld xmlns:a="http://schemas.openxmlformats.org/drawingml/2006/main" xmlns:r="http://schemas.openxmlformats.org/officeDocument/2006/relationships" xmlns:p="http://schemas.openxmlformats.org/presentationml/2006/main">
   <p:cSld>
     <p:spTree>
@@ -17099,302 +18011,6 @@
           </a:graphicData>
         </a:graphic>
       </p:graphicFrame>
-    </p:spTree>
-  </p:cSld>
-  <p:clrMapOvr>
-    <a:masterClrMapping/>
-  </p:clrMapOvr>
-  <p:timing>
-    <p:tnLst>
-      <p:par>
-        <p:cTn id="1" dur="indefinite" restart="never" nodeType="tmRoot"/>
-      </p:par>
-    </p:tnLst>
-  </p:timing>
-</p:sld>
-</file>
-
-<file path=ppt/slides/slide8.xml><?xml version="1.0" encoding="utf-8"?>
-<p:sld xmlns:a="http://schemas.openxmlformats.org/drawingml/2006/main" xmlns:r="http://schemas.openxmlformats.org/officeDocument/2006/relationships" xmlns:p="http://schemas.openxmlformats.org/presentationml/2006/main">
-  <p:cSld>
-    <p:spTree>
-      <p:nvGrpSpPr>
-        <p:cNvPr id="1" name=""/>
-        <p:cNvGrpSpPr/>
-        <p:nvPr/>
-      </p:nvGrpSpPr>
-      <p:grpSpPr>
-        <a:xfrm>
-          <a:off x="0" y="0"/>
-          <a:ext cx="0" cy="0"/>
-          <a:chOff x="0" y="0"/>
-          <a:chExt cx="0" cy="0"/>
-        </a:xfrm>
-      </p:grpSpPr>
-      <p:sp>
-        <p:nvSpPr>
-          <p:cNvPr id="1048608" name="Titel 1"/>
-          <p:cNvSpPr>
-            <a:spLocks noGrp="1"/>
-          </p:cNvSpPr>
-          <p:nvPr>
-            <p:ph type="title"/>
-          </p:nvPr>
-        </p:nvSpPr>
-        <p:spPr/>
-        <p:txBody>
-          <a:bodyPr/>
-          <a:lstStyle/>
-          <a:p>
-            <a:r>
-              <a:rPr lang="de-DE" altLang="zh-CN" dirty="0" smtClean="0"/>
-              <a:t>Fahrmodus 1: Hinderniserkennung und Spurwechsel („</a:t>
-            </a:r>
-            <a:r>
-              <a:rPr lang="de-DE" altLang="zh-CN" dirty="0" err="1" smtClean="0"/>
-              <a:t>drive</a:t>
-            </a:r>
-            <a:r>
-              <a:rPr lang="de-DE" altLang="zh-CN" dirty="0" smtClean="0"/>
-              <a:t> </a:t>
-            </a:r>
-            <a:r>
-              <a:rPr lang="de-DE" altLang="zh-CN" dirty="0" err="1" smtClean="0"/>
-              <a:t>mode</a:t>
-            </a:r>
-            <a:r>
-              <a:rPr lang="de-DE" altLang="zh-CN" dirty="0" smtClean="0"/>
-              <a:t>“)</a:t>
-            </a:r>
-          </a:p>
-        </p:txBody>
-      </p:sp>
-      <p:sp>
-        <p:nvSpPr>
-          <p:cNvPr id="1048609" name="Inhaltsplatzhalter 2"/>
-          <p:cNvSpPr>
-            <a:spLocks noGrp="1"/>
-          </p:cNvSpPr>
-          <p:nvPr>
-            <p:ph idx="1"/>
-          </p:nvPr>
-        </p:nvSpPr>
-        <p:spPr>
-          <a:xfrm>
-            <a:off x="323725" y="1484784"/>
-            <a:ext cx="6408515" cy="4968875"/>
-          </a:xfrm>
-        </p:spPr>
-        <p:txBody>
-          <a:bodyPr/>
-          <a:lstStyle/>
-          <a:p>
-            <a:r>
-              <a:rPr lang="de-DE" altLang="zh-CN" dirty="0" smtClean="0"/>
-              <a:t>Konstante Fahrgeschwindigkeit</a:t>
-            </a:r>
-            <a:endParaRPr lang="de-DE" altLang="zh-CN" dirty="0" smtClean="0"/>
-          </a:p>
-          <a:p>
-            <a:r>
-              <a:rPr lang="de-DE" altLang="zh-CN" dirty="0" smtClean="0"/>
-              <a:t>Fahrzeugposition wird durch den PD-Regler geregelt</a:t>
-            </a:r>
-          </a:p>
-          <a:p>
-            <a:r>
-              <a:rPr lang="de-DE" altLang="zh-CN" dirty="0" smtClean="0"/>
-              <a:t>Bezugspunkt der Regelung ist die jeweils äußere Markierung der aktuellen Fahrspur (grüne Linie)</a:t>
-            </a:r>
-          </a:p>
-          <a:p>
-            <a:r>
-              <a:rPr lang="de-DE" altLang="zh-CN" dirty="0" smtClean="0"/>
-              <a:t>Hinderniserkennung läuft permanent</a:t>
-            </a:r>
-            <a:endParaRPr lang="de-DE" altLang="zh-CN" dirty="0" smtClean="0"/>
-          </a:p>
-        </p:txBody>
-      </p:sp>
-      <p:graphicFrame>
-        <p:nvGraphicFramePr>
-          <p:cNvPr id="5" name="Diagramm 4"/>
-          <p:cNvGraphicFramePr/>
-          <p:nvPr/>
-        </p:nvGraphicFramePr>
-        <p:xfrm>
-          <a:off x="395536" y="3284984"/>
-          <a:ext cx="8424936" cy="3240360"/>
-        </p:xfrm>
-        <a:graphic>
-          <a:graphicData uri="http://schemas.openxmlformats.org/drawingml/2006/diagram">
-            <dgm:relIds xmlns:dgm="http://schemas.openxmlformats.org/drawingml/2006/diagram" xmlns:r="http://schemas.openxmlformats.org/officeDocument/2006/relationships" r:dm="rId3" r:lo="rId4" r:qs="rId5" r:cs="rId6"/>
-          </a:graphicData>
-        </a:graphic>
-      </p:graphicFrame>
-      <p:pic>
-        <p:nvPicPr>
-          <p:cNvPr id="7" name="Picture 6" descr="D:\OneDrive\Uni\Projektseminar AUDO\Präsentationen\obstacle_bw.png"/>
-          <p:cNvPicPr>
-            <a:picLocks noChangeAspect="1" noChangeArrowheads="1"/>
-          </p:cNvPicPr>
-          <p:nvPr/>
-        </p:nvPicPr>
-        <p:blipFill>
-          <a:blip r:embed="rId8" cstate="print"/>
-          <a:srcRect t="9909" r="4685"/>
-          <a:stretch>
-            <a:fillRect/>
-          </a:stretch>
-        </p:blipFill>
-        <p:spPr bwMode="auto">
-          <a:xfrm>
-            <a:off x="7020272" y="1628800"/>
-            <a:ext cx="1440160" cy="1501845"/>
-          </a:xfrm>
-          <a:prstGeom prst="rect">
-            <a:avLst/>
-          </a:prstGeom>
-          <a:noFill/>
-        </p:spPr>
-      </p:pic>
-    </p:spTree>
-  </p:cSld>
-  <p:clrMapOvr>
-    <a:masterClrMapping/>
-  </p:clrMapOvr>
-  <p:timing>
-    <p:tnLst>
-      <p:par>
-        <p:cTn id="1" dur="indefinite" restart="never" nodeType="tmRoot"/>
-      </p:par>
-    </p:tnLst>
-  </p:timing>
-</p:sld>
-</file>
-
-<file path=ppt/slides/slide9.xml><?xml version="1.0" encoding="utf-8"?>
-<p:sld xmlns:a="http://schemas.openxmlformats.org/drawingml/2006/main" xmlns:r="http://schemas.openxmlformats.org/officeDocument/2006/relationships" xmlns:p="http://schemas.openxmlformats.org/presentationml/2006/main">
-  <p:cSld>
-    <p:spTree>
-      <p:nvGrpSpPr>
-        <p:cNvPr id="1" name=""/>
-        <p:cNvGrpSpPr/>
-        <p:nvPr/>
-      </p:nvGrpSpPr>
-      <p:grpSpPr>
-        <a:xfrm>
-          <a:off x="0" y="0"/>
-          <a:ext cx="0" cy="0"/>
-          <a:chOff x="0" y="0"/>
-          <a:chExt cx="0" cy="0"/>
-        </a:xfrm>
-      </p:grpSpPr>
-      <p:sp>
-        <p:nvSpPr>
-          <p:cNvPr id="1048608" name="Titel 1"/>
-          <p:cNvSpPr>
-            <a:spLocks noGrp="1"/>
-          </p:cNvSpPr>
-          <p:nvPr>
-            <p:ph type="title"/>
-          </p:nvPr>
-        </p:nvSpPr>
-        <p:spPr/>
-        <p:txBody>
-          <a:bodyPr/>
-          <a:lstStyle/>
-          <a:p>
-            <a:r>
-              <a:rPr lang="de-DE" altLang="zh-CN" dirty="0" smtClean="0"/>
-              <a:t>Fahrmodus 2: optimierte Geschwindigkeit („</a:t>
-            </a:r>
-            <a:r>
-              <a:rPr lang="de-DE" altLang="zh-CN" dirty="0" err="1" smtClean="0"/>
-              <a:t>race</a:t>
-            </a:r>
-            <a:r>
-              <a:rPr lang="de-DE" altLang="zh-CN" dirty="0" smtClean="0"/>
-              <a:t> </a:t>
-            </a:r>
-            <a:r>
-              <a:rPr lang="de-DE" altLang="zh-CN" dirty="0" err="1" smtClean="0"/>
-              <a:t>mode</a:t>
-            </a:r>
-            <a:r>
-              <a:rPr lang="de-DE" altLang="zh-CN" dirty="0" smtClean="0"/>
-              <a:t>“)</a:t>
-            </a:r>
-          </a:p>
-        </p:txBody>
-      </p:sp>
-      <p:sp>
-        <p:nvSpPr>
-          <p:cNvPr id="1048609" name="Inhaltsplatzhalter 2"/>
-          <p:cNvSpPr>
-            <a:spLocks noGrp="1"/>
-          </p:cNvSpPr>
-          <p:nvPr>
-            <p:ph idx="1"/>
-          </p:nvPr>
-        </p:nvSpPr>
-        <p:spPr>
-          <a:xfrm>
-            <a:off x="323725" y="1484784"/>
-            <a:ext cx="7128595" cy="4968875"/>
-          </a:xfrm>
-        </p:spPr>
-        <p:txBody>
-          <a:bodyPr/>
-          <a:lstStyle/>
-          <a:p>
-            <a:r>
-              <a:rPr lang="de-DE" altLang="zh-CN" dirty="0" smtClean="0"/>
-              <a:t>Dynamische Geschwindigkeitsanpassung in Abhängigkeit der Fahrsituation</a:t>
-            </a:r>
-            <a:endParaRPr lang="de-DE" altLang="zh-CN" dirty="0" smtClean="0"/>
-          </a:p>
-          <a:p>
-            <a:r>
-              <a:rPr lang="de-DE" altLang="zh-CN" dirty="0" smtClean="0"/>
-              <a:t>Fahrzeugposition wird durch den PD-Regler </a:t>
-            </a:r>
-            <a:r>
-              <a:rPr lang="de-DE" altLang="zh-CN" dirty="0" smtClean="0"/>
-              <a:t>geregelt</a:t>
-            </a:r>
-            <a:endParaRPr lang="de-DE" altLang="zh-CN" dirty="0" smtClean="0"/>
-          </a:p>
-          <a:p>
-            <a:r>
-              <a:rPr lang="de-DE" altLang="zh-CN" dirty="0" smtClean="0"/>
-              <a:t>Bezugspunkt der Regelung ist </a:t>
-            </a:r>
-            <a:r>
-              <a:rPr lang="de-DE" altLang="zh-CN" dirty="0" smtClean="0"/>
-              <a:t>immer die äußere Markierung der Rennstrecke</a:t>
-            </a:r>
-          </a:p>
-          <a:p>
-            <a:r>
-              <a:rPr lang="de-DE" altLang="zh-CN" dirty="0" smtClean="0"/>
-              <a:t>Abstand zum Fahrbahnrand vergrößert</a:t>
-            </a:r>
-            <a:endParaRPr lang="de-DE" altLang="zh-CN" dirty="0" smtClean="0"/>
-          </a:p>
-          <a:p>
-            <a:r>
-              <a:rPr lang="de-DE" altLang="zh-CN" dirty="0" smtClean="0"/>
-              <a:t>Hinderniserkennung </a:t>
-            </a:r>
-            <a:r>
-              <a:rPr lang="de-DE" altLang="zh-CN" dirty="0" smtClean="0"/>
-              <a:t>ist deaktiviert</a:t>
-            </a:r>
-            <a:endParaRPr lang="de-DE" altLang="zh-CN" dirty="0" smtClean="0"/>
-          </a:p>
-        </p:txBody>
-      </p:sp>
     </p:spTree>
   </p:cSld>
   <p:clrMapOvr>

--- a/Dokumente/Präsentationen/Abschlusspräsentation.pptx
+++ b/Dokumente/Präsentationen/Abschlusspräsentation.pptx
@@ -195,7 +195,7 @@
   </p:defaultTextStyle>
   <p:extLst>
     <p:ext uri="{EFAFB233-063F-42B5-8137-9DF3F51BA10A}">
-      <p15:sldGuideLst xmlns="" xmlns:p15="http://schemas.microsoft.com/office/powerpoint/2012/main">
+      <p15:sldGuideLst xmlns:p15="http://schemas.microsoft.com/office/powerpoint/2012/main" xmlns="">
         <p15:guide id="1" orient="horz" pos="4319">
           <p15:clr>
             <a:srgbClr val="A4A3A4"/>
@@ -209,7 +209,7 @@
       </p15:sldGuideLst>
     </p:ext>
     <p:ext uri="{2D200454-40CA-4A62-9FC3-DE9A4176ACB9}">
-      <p15:notesGuideLst xmlns="" xmlns:p15="http://schemas.microsoft.com/office/powerpoint/2012/main">
+      <p15:notesGuideLst xmlns:p15="http://schemas.microsoft.com/office/powerpoint/2012/main" xmlns="">
         <p15:guide id="1" orient="horz" pos="2874">
           <p15:clr>
             <a:srgbClr val="A4A3A4"/>
@@ -2325,32 +2325,32 @@
   </dgm:ptLst>
   <dgm:cxnLst>
     <dgm:cxn modelId="{6F7BB68A-0B71-491E-8D6E-DC8B76730EB3}" type="presOf" srcId="{9C262D38-C23F-46A9-B2F7-AD02E33616FF}" destId="{ADCC66F3-B14D-44B1-8B1E-5A57D0293F83}" srcOrd="0" destOrd="0" presId="urn:microsoft.com/office/officeart/2005/8/layout/cycle5"/>
+    <dgm:cxn modelId="{866FAEBD-B319-41E9-8E07-12BC3EDA4B0E}" type="presOf" srcId="{FF517022-E8A5-401C-BEFF-859908823049}" destId="{322F2889-427F-4255-96FE-7A663EF3A95F}" srcOrd="0" destOrd="0" presId="urn:microsoft.com/office/officeart/2005/8/layout/cycle5"/>
+    <dgm:cxn modelId="{865AAAEF-C0D8-4B99-8355-9BA75E218C62}" srcId="{9C262D38-C23F-46A9-B2F7-AD02E33616FF}" destId="{17393C64-41B8-4541-B793-D79216D0230D}" srcOrd="2" destOrd="0" parTransId="{3C0033BF-238A-4AAE-BE08-3C2F777F0BAB}" sibTransId="{256E034F-7A83-4132-AD3E-FC88A31B3171}"/>
+    <dgm:cxn modelId="{8B41DED6-B2BA-4000-9CC0-7E8CC3DEB9EE}" type="presOf" srcId="{5B0E89E7-AC0B-4EB0-A717-91ED139CDD67}" destId="{F289F93E-06E5-4979-920E-3478F87B263A}" srcOrd="0" destOrd="0" presId="urn:microsoft.com/office/officeart/2005/8/layout/cycle5"/>
+    <dgm:cxn modelId="{521A4830-26D1-4BA7-AC54-7A0EEFE775FD}" type="presOf" srcId="{EAE6104A-0D3A-40D0-B9AA-3C115D31E63D}" destId="{322F2889-427F-4255-96FE-7A663EF3A95F}" srcOrd="0" destOrd="2" presId="urn:microsoft.com/office/officeart/2005/8/layout/cycle5"/>
+    <dgm:cxn modelId="{9350CCA3-652E-4BF3-9834-DDA1168358CB}" type="presOf" srcId="{097DC993-72A3-4244-AFD6-0815E77788A4}" destId="{51070C73-9ABB-4CBE-BF7F-197499FA4E9F}" srcOrd="0" destOrd="0" presId="urn:microsoft.com/office/officeart/2005/8/layout/cycle5"/>
+    <dgm:cxn modelId="{314F8DD0-0B29-4706-8EEE-BAAFD74FBEB6}" srcId="{097DC993-72A3-4244-AFD6-0815E77788A4}" destId="{D62CCB92-B222-40DF-8910-3148B3994A10}" srcOrd="0" destOrd="0" parTransId="{D152CB20-4ABC-4DDA-A92D-C16D4F2B7CD2}" sibTransId="{57CDC721-343F-44D8-90E2-558FDBF3070C}"/>
+    <dgm:cxn modelId="{0AEE111E-0CF7-46B6-B51F-F81DA5D8D01F}" type="presOf" srcId="{D62CCB92-B222-40DF-8910-3148B3994A10}" destId="{51070C73-9ABB-4CBE-BF7F-197499FA4E9F}" srcOrd="0" destOrd="1" presId="urn:microsoft.com/office/officeart/2005/8/layout/cycle5"/>
+    <dgm:cxn modelId="{BC416615-A145-46B5-BFA3-B5DC7DB689E8}" srcId="{9C262D38-C23F-46A9-B2F7-AD02E33616FF}" destId="{097DC993-72A3-4244-AFD6-0815E77788A4}" srcOrd="3" destOrd="0" parTransId="{A9F536AC-C72D-492A-AE1B-9C1C204A8896}" sibTransId="{12DBF135-D93E-4E14-AEB2-5C4A533E7B5D}"/>
+    <dgm:cxn modelId="{F148F9A0-762A-46AE-82B5-003BC8579357}" srcId="{9C262D38-C23F-46A9-B2F7-AD02E33616FF}" destId="{FF517022-E8A5-401C-BEFF-859908823049}" srcOrd="0" destOrd="0" parTransId="{DA34CBC9-6E5B-4881-9037-B6C720FFA15E}" sibTransId="{B14546C0-114D-408B-9FD0-5FFE00C38A13}"/>
     <dgm:cxn modelId="{6749EC41-312E-4702-AE93-417101E72446}" type="presOf" srcId="{12DBF135-D93E-4E14-AEB2-5C4A533E7B5D}" destId="{0E8FB463-07BE-482A-BC43-61AF7FD595C1}" srcOrd="0" destOrd="0" presId="urn:microsoft.com/office/officeart/2005/8/layout/cycle5"/>
-    <dgm:cxn modelId="{8E92716F-26B5-48CB-9A00-5C3373317CD3}" type="presOf" srcId="{8946F9DE-07C3-4686-9856-6B2582DD3106}" destId="{0EC62B5A-E703-4913-9127-81806E8ABEC7}" srcOrd="0" destOrd="0" presId="urn:microsoft.com/office/officeart/2005/8/layout/cycle5"/>
-    <dgm:cxn modelId="{7C9F5033-8032-4928-BA9F-5E3EA4B9BF79}" srcId="{097DC993-72A3-4244-AFD6-0815E77788A4}" destId="{ACE2CC2F-AAD9-4D05-8B40-547E3B539AA8}" srcOrd="1" destOrd="0" parTransId="{247F8999-C927-44AD-A8A4-ACF4DF7446C5}" sibTransId="{8B9E9675-B7D5-4D3D-AA5A-60329BC021AC}"/>
-    <dgm:cxn modelId="{866FAEBD-B319-41E9-8E07-12BC3EDA4B0E}" type="presOf" srcId="{FF517022-E8A5-401C-BEFF-859908823049}" destId="{322F2889-427F-4255-96FE-7A663EF3A95F}" srcOrd="0" destOrd="0" presId="urn:microsoft.com/office/officeart/2005/8/layout/cycle5"/>
-    <dgm:cxn modelId="{A8A36C32-F17B-4246-9A36-013688B8CADE}" type="presOf" srcId="{17393C64-41B8-4541-B793-D79216D0230D}" destId="{7DF9A944-9651-4414-985F-9C465760A763}" srcOrd="0" destOrd="0" presId="urn:microsoft.com/office/officeart/2005/8/layout/cycle5"/>
+    <dgm:cxn modelId="{F2047F85-9621-4FCB-B383-604EB64D5252}" srcId="{FF517022-E8A5-401C-BEFF-859908823049}" destId="{EAE6104A-0D3A-40D0-B9AA-3C115D31E63D}" srcOrd="1" destOrd="0" parTransId="{DF429748-4078-437E-91B8-F006D4A71A50}" sibTransId="{82834DA9-4A09-4E78-B60B-A67DACB77507}"/>
+    <dgm:cxn modelId="{24394471-5ADE-4691-8F52-2F36A64596C8}" type="presOf" srcId="{477FC51F-3263-43C0-8AF5-0B7CB46EA1BD}" destId="{21E62269-EC77-4B92-819E-7AD572501D51}" srcOrd="0" destOrd="0" presId="urn:microsoft.com/office/officeart/2005/8/layout/cycle5"/>
     <dgm:cxn modelId="{3AB39C81-ACA0-4389-93FD-F278E26CC96D}" srcId="{9C262D38-C23F-46A9-B2F7-AD02E33616FF}" destId="{8946F9DE-07C3-4686-9856-6B2582DD3106}" srcOrd="1" destOrd="0" parTransId="{975B95CE-EE56-4169-AE2B-9ACD786ED702}" sibTransId="{EFAA9E13-0438-42E3-A7FC-26537FB853BC}"/>
-    <dgm:cxn modelId="{9350CCA3-652E-4BF3-9834-DDA1168358CB}" type="presOf" srcId="{097DC993-72A3-4244-AFD6-0815E77788A4}" destId="{51070C73-9ABB-4CBE-BF7F-197499FA4E9F}" srcOrd="0" destOrd="0" presId="urn:microsoft.com/office/officeart/2005/8/layout/cycle5"/>
-    <dgm:cxn modelId="{521A4830-26D1-4BA7-AC54-7A0EEFE775FD}" type="presOf" srcId="{EAE6104A-0D3A-40D0-B9AA-3C115D31E63D}" destId="{322F2889-427F-4255-96FE-7A663EF3A95F}" srcOrd="0" destOrd="2" presId="urn:microsoft.com/office/officeart/2005/8/layout/cycle5"/>
-    <dgm:cxn modelId="{BC416615-A145-46B5-BFA3-B5DC7DB689E8}" srcId="{9C262D38-C23F-46A9-B2F7-AD02E33616FF}" destId="{097DC993-72A3-4244-AFD6-0815E77788A4}" srcOrd="3" destOrd="0" parTransId="{A9F536AC-C72D-492A-AE1B-9C1C204A8896}" sibTransId="{12DBF135-D93E-4E14-AEB2-5C4A533E7B5D}"/>
+    <dgm:cxn modelId="{2F84FA07-936E-4B7E-A03B-A194E9052312}" type="presOf" srcId="{B14546C0-114D-408B-9FD0-5FFE00C38A13}" destId="{E04CC487-1C5B-45B6-8D5E-C8D4066D0943}" srcOrd="0" destOrd="0" presId="urn:microsoft.com/office/officeart/2005/8/layout/cycle5"/>
+    <dgm:cxn modelId="{7BAC0309-2F85-440B-A73B-E46466658077}" type="presOf" srcId="{256E034F-7A83-4132-AD3E-FC88A31B3171}" destId="{C2088CE8-813B-404D-9C15-5986F4B492B7}" srcOrd="0" destOrd="0" presId="urn:microsoft.com/office/officeart/2005/8/layout/cycle5"/>
     <dgm:cxn modelId="{47A7DB7C-BE0F-4751-A725-2CB710F1F10D}" srcId="{FF517022-E8A5-401C-BEFF-859908823049}" destId="{EA98858B-2958-46B2-B90A-604982431D71}" srcOrd="0" destOrd="0" parTransId="{F0D89781-7E9B-42B4-9C21-DEAE5EC81703}" sibTransId="{4FAAD27D-EE34-40E4-9E67-FFAFB62FB61F}"/>
-    <dgm:cxn modelId="{92C98818-1344-408C-BB49-BB4B253A5100}" type="presOf" srcId="{2D86A2BF-5B6A-4D76-94CC-99797484151B}" destId="{92E93751-1EDC-4F0A-98BC-A5C9AA6C1D5F}" srcOrd="0" destOrd="0" presId="urn:microsoft.com/office/officeart/2005/8/layout/cycle5"/>
-    <dgm:cxn modelId="{2F84FA07-936E-4B7E-A03B-A194E9052312}" type="presOf" srcId="{B14546C0-114D-408B-9FD0-5FFE00C38A13}" destId="{E04CC487-1C5B-45B6-8D5E-C8D4066D0943}" srcOrd="0" destOrd="0" presId="urn:microsoft.com/office/officeart/2005/8/layout/cycle5"/>
+    <dgm:cxn modelId="{ECE19E7E-DAB2-4039-85CD-2A4A148F666B}" srcId="{9C262D38-C23F-46A9-B2F7-AD02E33616FF}" destId="{5B0E89E7-AC0B-4EB0-A717-91ED139CDD67}" srcOrd="4" destOrd="0" parTransId="{BA3E99B5-3D07-45F0-9FD6-DBF9FBFAFCB3}" sibTransId="{2D86A2BF-5B6A-4D76-94CC-99797484151B}"/>
+    <dgm:cxn modelId="{3E697076-F8A8-4CD1-B192-113D0F0FC04A}" type="presOf" srcId="{ACE2CC2F-AAD9-4D05-8B40-547E3B539AA8}" destId="{51070C73-9ABB-4CBE-BF7F-197499FA4E9F}" srcOrd="0" destOrd="2" presId="urn:microsoft.com/office/officeart/2005/8/layout/cycle5"/>
     <dgm:cxn modelId="{C247594F-E5B6-4B62-830C-92DEEA205355}" type="presOf" srcId="{EFAA9E13-0438-42E3-A7FC-26537FB853BC}" destId="{5627CC50-5788-4218-BE49-84D13277FE07}" srcOrd="0" destOrd="0" presId="urn:microsoft.com/office/officeart/2005/8/layout/cycle5"/>
     <dgm:cxn modelId="{F4874C69-53D7-4214-A10B-196EA99201CB}" type="presOf" srcId="{EA98858B-2958-46B2-B90A-604982431D71}" destId="{322F2889-427F-4255-96FE-7A663EF3A95F}" srcOrd="0" destOrd="1" presId="urn:microsoft.com/office/officeart/2005/8/layout/cycle5"/>
+    <dgm:cxn modelId="{A8A36C32-F17B-4246-9A36-013688B8CADE}" type="presOf" srcId="{17393C64-41B8-4541-B793-D79216D0230D}" destId="{7DF9A944-9651-4414-985F-9C465760A763}" srcOrd="0" destOrd="0" presId="urn:microsoft.com/office/officeart/2005/8/layout/cycle5"/>
+    <dgm:cxn modelId="{8E92716F-26B5-48CB-9A00-5C3373317CD3}" type="presOf" srcId="{8946F9DE-07C3-4686-9856-6B2582DD3106}" destId="{0EC62B5A-E703-4913-9127-81806E8ABEC7}" srcOrd="0" destOrd="0" presId="urn:microsoft.com/office/officeart/2005/8/layout/cycle5"/>
     <dgm:cxn modelId="{DBE0F657-601C-4DD8-A03D-5355C31A7FDF}" type="presOf" srcId="{D7962C6A-858D-4AB6-AAF5-72BB61C3BCC6}" destId="{06095F51-3C94-4EFF-917D-25EAB90C3F30}" srcOrd="0" destOrd="0" presId="urn:microsoft.com/office/officeart/2005/8/layout/cycle5"/>
-    <dgm:cxn modelId="{3E697076-F8A8-4CD1-B192-113D0F0FC04A}" type="presOf" srcId="{ACE2CC2F-AAD9-4D05-8B40-547E3B539AA8}" destId="{51070C73-9ABB-4CBE-BF7F-197499FA4E9F}" srcOrd="0" destOrd="2" presId="urn:microsoft.com/office/officeart/2005/8/layout/cycle5"/>
-    <dgm:cxn modelId="{24394471-5ADE-4691-8F52-2F36A64596C8}" type="presOf" srcId="{477FC51F-3263-43C0-8AF5-0B7CB46EA1BD}" destId="{21E62269-EC77-4B92-819E-7AD572501D51}" srcOrd="0" destOrd="0" presId="urn:microsoft.com/office/officeart/2005/8/layout/cycle5"/>
-    <dgm:cxn modelId="{865AAAEF-C0D8-4B99-8355-9BA75E218C62}" srcId="{9C262D38-C23F-46A9-B2F7-AD02E33616FF}" destId="{17393C64-41B8-4541-B793-D79216D0230D}" srcOrd="2" destOrd="0" parTransId="{3C0033BF-238A-4AAE-BE08-3C2F777F0BAB}" sibTransId="{256E034F-7A83-4132-AD3E-FC88A31B3171}"/>
-    <dgm:cxn modelId="{F2047F85-9621-4FCB-B383-604EB64D5252}" srcId="{FF517022-E8A5-401C-BEFF-859908823049}" destId="{EAE6104A-0D3A-40D0-B9AA-3C115D31E63D}" srcOrd="1" destOrd="0" parTransId="{DF429748-4078-437E-91B8-F006D4A71A50}" sibTransId="{82834DA9-4A09-4E78-B60B-A67DACB77507}"/>
-    <dgm:cxn modelId="{7BAC0309-2F85-440B-A73B-E46466658077}" type="presOf" srcId="{256E034F-7A83-4132-AD3E-FC88A31B3171}" destId="{C2088CE8-813B-404D-9C15-5986F4B492B7}" srcOrd="0" destOrd="0" presId="urn:microsoft.com/office/officeart/2005/8/layout/cycle5"/>
-    <dgm:cxn modelId="{314F8DD0-0B29-4706-8EEE-BAAFD74FBEB6}" srcId="{097DC993-72A3-4244-AFD6-0815E77788A4}" destId="{D62CCB92-B222-40DF-8910-3148B3994A10}" srcOrd="0" destOrd="0" parTransId="{D152CB20-4ABC-4DDA-A92D-C16D4F2B7CD2}" sibTransId="{57CDC721-343F-44D8-90E2-558FDBF3070C}"/>
-    <dgm:cxn modelId="{ECE19E7E-DAB2-4039-85CD-2A4A148F666B}" srcId="{9C262D38-C23F-46A9-B2F7-AD02E33616FF}" destId="{5B0E89E7-AC0B-4EB0-A717-91ED139CDD67}" srcOrd="4" destOrd="0" parTransId="{BA3E99B5-3D07-45F0-9FD6-DBF9FBFAFCB3}" sibTransId="{2D86A2BF-5B6A-4D76-94CC-99797484151B}"/>
-    <dgm:cxn modelId="{8B41DED6-B2BA-4000-9CC0-7E8CC3DEB9EE}" type="presOf" srcId="{5B0E89E7-AC0B-4EB0-A717-91ED139CDD67}" destId="{F289F93E-06E5-4979-920E-3478F87B263A}" srcOrd="0" destOrd="0" presId="urn:microsoft.com/office/officeart/2005/8/layout/cycle5"/>
+    <dgm:cxn modelId="{7C9F5033-8032-4928-BA9F-5E3EA4B9BF79}" srcId="{097DC993-72A3-4244-AFD6-0815E77788A4}" destId="{ACE2CC2F-AAD9-4D05-8B40-547E3B539AA8}" srcOrd="1" destOrd="0" parTransId="{247F8999-C927-44AD-A8A4-ACF4DF7446C5}" sibTransId="{8B9E9675-B7D5-4D3D-AA5A-60329BC021AC}"/>
     <dgm:cxn modelId="{2BD4F86B-4469-454E-86A1-0BABCC4E1081}" srcId="{9C262D38-C23F-46A9-B2F7-AD02E33616FF}" destId="{D7962C6A-858D-4AB6-AAF5-72BB61C3BCC6}" srcOrd="5" destOrd="0" parTransId="{D726EDDA-5EDB-4813-8144-3C7BAC923A21}" sibTransId="{477FC51F-3263-43C0-8AF5-0B7CB46EA1BD}"/>
-    <dgm:cxn modelId="{0AEE111E-0CF7-46B6-B51F-F81DA5D8D01F}" type="presOf" srcId="{D62CCB92-B222-40DF-8910-3148B3994A10}" destId="{51070C73-9ABB-4CBE-BF7F-197499FA4E9F}" srcOrd="0" destOrd="1" presId="urn:microsoft.com/office/officeart/2005/8/layout/cycle5"/>
-    <dgm:cxn modelId="{F148F9A0-762A-46AE-82B5-003BC8579357}" srcId="{9C262D38-C23F-46A9-B2F7-AD02E33616FF}" destId="{FF517022-E8A5-401C-BEFF-859908823049}" srcOrd="0" destOrd="0" parTransId="{DA34CBC9-6E5B-4881-9037-B6C720FFA15E}" sibTransId="{B14546C0-114D-408B-9FD0-5FFE00C38A13}"/>
+    <dgm:cxn modelId="{92C98818-1344-408C-BB49-BB4B253A5100}" type="presOf" srcId="{2D86A2BF-5B6A-4D76-94CC-99797484151B}" destId="{92E93751-1EDC-4F0A-98BC-A5C9AA6C1D5F}" srcOrd="0" destOrd="0" presId="urn:microsoft.com/office/officeart/2005/8/layout/cycle5"/>
     <dgm:cxn modelId="{801764BC-29FB-4785-96D9-841BC3CBC9A2}" type="presParOf" srcId="{ADCC66F3-B14D-44B1-8B1E-5A57D0293F83}" destId="{322F2889-427F-4255-96FE-7A663EF3A95F}" srcOrd="0" destOrd="0" presId="urn:microsoft.com/office/officeart/2005/8/layout/cycle5"/>
     <dgm:cxn modelId="{5CD37A18-92DD-4ACF-BC50-73AE0766C367}" type="presParOf" srcId="{ADCC66F3-B14D-44B1-8B1E-5A57D0293F83}" destId="{BBF5FDF9-DFFC-4812-ACBB-83C47312AC25}" srcOrd="1" destOrd="0" presId="urn:microsoft.com/office/officeart/2005/8/layout/cycle5"/>
     <dgm:cxn modelId="{2589A008-D537-4A14-9AA3-9F201D07A230}" type="presParOf" srcId="{ADCC66F3-B14D-44B1-8B1E-5A57D0293F83}" destId="{E04CC487-1C5B-45B6-8D5E-C8D4066D0943}" srcOrd="2" destOrd="0" presId="urn:microsoft.com/office/officeart/2005/8/layout/cycle5"/>
@@ -2374,7 +2374,7 @@
   <dgm:whole/>
   <dgm:extLst>
     <a:ext uri="http://schemas.microsoft.com/office/drawing/2008/diagram">
-      <dsp:dataModelExt xmlns:dsp="http://schemas.microsoft.com/office/drawing/2008/diagram" relId="rId9" minVer="http://schemas.openxmlformats.org/drawingml/2006/diagram"/>
+      <dsp:dataModelExt xmlns:dsp="http://schemas.microsoft.com/office/drawing/2008/diagram" xmlns="" relId="rId9" minVer="http://schemas.openxmlformats.org/drawingml/2006/diagram"/>
     </a:ext>
   </dgm:extLst>
 </dgm:dataModel>
@@ -2824,29 +2824,29 @@
     </dgm:pt>
   </dgm:ptLst>
   <dgm:cxnLst>
+    <dgm:cxn modelId="{F8FCC4ED-399C-4EBC-8501-E7E94B934A37}" srcId="{F6E47ECC-1CC7-4BF8-A40F-F7C26A4BFA09}" destId="{7D600DAC-9587-44B5-AA91-D1DB1E8AF259}" srcOrd="3" destOrd="0" parTransId="{C6630763-DE36-4591-8A63-8451E61C4B79}" sibTransId="{DD3CB5CF-4595-4EEC-846B-6102664F2F05}"/>
     <dgm:cxn modelId="{BF074302-ADFE-4998-83F4-B5B8D4077EC4}" srcId="{F6E47ECC-1CC7-4BF8-A40F-F7C26A4BFA09}" destId="{685F4625-0840-46FA-B858-0C8623E3CC8D}" srcOrd="5" destOrd="0" parTransId="{7D57000E-778C-4CFD-B686-F2117CC1C858}" sibTransId="{067EF79F-A2B5-4E85-B591-BE8A5BA165D0}"/>
+    <dgm:cxn modelId="{5D1DC38D-36E9-4345-9BDA-5F37D04D90AB}" type="presOf" srcId="{FE6047D0-FF2D-42A2-B389-DB220F2BDF26}" destId="{87601AF7-0F9F-46ED-B4EE-1B62860D4BA5}" srcOrd="0" destOrd="0" presId="urn:microsoft.com/office/officeart/2005/8/layout/process5"/>
+    <dgm:cxn modelId="{D877C6B4-A0E6-4AC1-AF28-FDA315E921DB}" type="presOf" srcId="{FE6047D0-FF2D-42A2-B389-DB220F2BDF26}" destId="{8EE4ED0A-418E-4458-84B0-1C7F6B4889D0}" srcOrd="1" destOrd="0" presId="urn:microsoft.com/office/officeart/2005/8/layout/process5"/>
+    <dgm:cxn modelId="{6BBD4478-0FC8-4791-837D-3B86DC444DFA}" srcId="{F6E47ECC-1CC7-4BF8-A40F-F7C26A4BFA09}" destId="{D9C1DE2A-C919-439D-83D8-65D74A775FB6}" srcOrd="0" destOrd="0" parTransId="{24F33364-C041-4A46-9A2C-3365A4B35E4A}" sibTransId="{0A5440AC-4116-4C27-9264-16AACB669E12}"/>
+    <dgm:cxn modelId="{47CCF4E1-A68F-439A-BB94-DD05FAF1E159}" srcId="{F6E47ECC-1CC7-4BF8-A40F-F7C26A4BFA09}" destId="{BA46942A-95B1-4525-A038-6C19F1DA6537}" srcOrd="4" destOrd="0" parTransId="{F92269B3-4B49-4BEA-BE93-2AC05ED4A544}" sibTransId="{7762B7C6-4F36-4B61-B445-F6FF0509CF25}"/>
+    <dgm:cxn modelId="{A9D5091A-B7FB-49D9-9E39-33E16E32D6E5}" srcId="{F6E47ECC-1CC7-4BF8-A40F-F7C26A4BFA09}" destId="{6883C271-93CE-4F53-B3DB-E78414E06855}" srcOrd="1" destOrd="0" parTransId="{64D99E33-9629-4119-A130-DF85747D2256}" sibTransId="{FE6047D0-FF2D-42A2-B389-DB220F2BDF26}"/>
+    <dgm:cxn modelId="{2D69BF81-3E5F-4B08-8400-18604264860E}" type="presOf" srcId="{7762B7C6-4F36-4B61-B445-F6FF0509CF25}" destId="{4CD77A7A-0F40-4ABE-A7EB-ED19FB09158A}" srcOrd="1" destOrd="0" presId="urn:microsoft.com/office/officeart/2005/8/layout/process5"/>
+    <dgm:cxn modelId="{1B9E96C9-9538-4A4B-916B-D10B947B15ED}" type="presOf" srcId="{685F4625-0840-46FA-B858-0C8623E3CC8D}" destId="{25B326A3-A87D-4B61-8CBD-2F11BDEA96BC}" srcOrd="0" destOrd="0" presId="urn:microsoft.com/office/officeart/2005/8/layout/process5"/>
+    <dgm:cxn modelId="{574CD3E9-96D9-455C-8E2F-35597C85EA16}" type="presOf" srcId="{D2E27AEE-DE18-437E-8ED4-085C407B02F4}" destId="{3ECB9AC3-8324-4FBC-8785-044F1DD81182}" srcOrd="0" destOrd="0" presId="urn:microsoft.com/office/officeart/2005/8/layout/process5"/>
+    <dgm:cxn modelId="{1B4527FB-7E8B-4D52-83EC-FCCF26383C20}" type="presOf" srcId="{7D600DAC-9587-44B5-AA91-D1DB1E8AF259}" destId="{0C959095-7882-4471-98AD-EDED72A06E2D}" srcOrd="0" destOrd="0" presId="urn:microsoft.com/office/officeart/2005/8/layout/process5"/>
+    <dgm:cxn modelId="{EB029169-2D09-4502-A4F8-18C1302FF6FA}" type="presOf" srcId="{AF275174-F4D7-4107-9340-9F31FFAE84C6}" destId="{B064BFA8-682D-4757-ADFC-2CABBAA0A8B1}" srcOrd="1" destOrd="0" presId="urn:microsoft.com/office/officeart/2005/8/layout/process5"/>
     <dgm:cxn modelId="{122B0E85-1F4F-4FBF-88BC-60F4A6515555}" type="presOf" srcId="{D9C1DE2A-C919-439D-83D8-65D74A775FB6}" destId="{F750DCCB-0DB3-4943-9436-F897320A4A5D}" srcOrd="0" destOrd="0" presId="urn:microsoft.com/office/officeart/2005/8/layout/process5"/>
-    <dgm:cxn modelId="{EB029169-2D09-4502-A4F8-18C1302FF6FA}" type="presOf" srcId="{AF275174-F4D7-4107-9340-9F31FFAE84C6}" destId="{B064BFA8-682D-4757-ADFC-2CABBAA0A8B1}" srcOrd="1" destOrd="0" presId="urn:microsoft.com/office/officeart/2005/8/layout/process5"/>
+    <dgm:cxn modelId="{3452DE59-B5DB-4659-B582-F21A0FA1069E}" type="presOf" srcId="{6883C271-93CE-4F53-B3DB-E78414E06855}" destId="{EB0F924E-08B8-4496-8F7C-D75A9D314B30}" srcOrd="0" destOrd="0" presId="urn:microsoft.com/office/officeart/2005/8/layout/process5"/>
+    <dgm:cxn modelId="{26DB8064-CA9A-49BF-B110-4A1EB040AF44}" srcId="{F6E47ECC-1CC7-4BF8-A40F-F7C26A4BFA09}" destId="{D2E27AEE-DE18-437E-8ED4-085C407B02F4}" srcOrd="2" destOrd="0" parTransId="{6C0F99BB-1AE8-491E-9E77-BB81EC71D0A5}" sibTransId="{AF275174-F4D7-4107-9340-9F31FFAE84C6}"/>
+    <dgm:cxn modelId="{A1CD72F6-11A0-4594-87FC-291C4A70D512}" type="presOf" srcId="{7762B7C6-4F36-4B61-B445-F6FF0509CF25}" destId="{B11A5A4A-6892-4B2E-B725-ECE29BCF5F77}" srcOrd="0" destOrd="0" presId="urn:microsoft.com/office/officeart/2005/8/layout/process5"/>
+    <dgm:cxn modelId="{C5AF9FAD-37EE-43C3-A9CC-1DE309D0D09C}" type="presOf" srcId="{BA46942A-95B1-4525-A038-6C19F1DA6537}" destId="{FAC03DC4-EE0B-4F48-810D-D7D90D29CDA7}" srcOrd="0" destOrd="0" presId="urn:microsoft.com/office/officeart/2005/8/layout/process5"/>
+    <dgm:cxn modelId="{F128F62D-D92C-4CC8-B306-60C9D8EEAB3A}" type="presOf" srcId="{0A5440AC-4116-4C27-9264-16AACB669E12}" destId="{F8FFB6C0-E03E-4022-8398-9AFF5BF916E4}" srcOrd="1" destOrd="0" presId="urn:microsoft.com/office/officeart/2005/8/layout/process5"/>
+    <dgm:cxn modelId="{74C58CEF-53B4-4388-82CD-0CB7A6CAA27A}" type="presOf" srcId="{DD3CB5CF-4595-4EEC-846B-6102664F2F05}" destId="{C187702E-51EF-4FC5-95AA-90B3C81FA086}" srcOrd="0" destOrd="0" presId="urn:microsoft.com/office/officeart/2005/8/layout/process5"/>
+    <dgm:cxn modelId="{DFD6F5FA-8A31-42F7-BF3C-456A1F4586B1}" type="presOf" srcId="{AF275174-F4D7-4107-9340-9F31FFAE84C6}" destId="{57D1F035-83D0-404D-822E-A0E9FF1B02F1}" srcOrd="0" destOrd="0" presId="urn:microsoft.com/office/officeart/2005/8/layout/process5"/>
+    <dgm:cxn modelId="{562BB721-6EDC-4053-B596-0A411EFAF9D6}" type="presOf" srcId="{F6E47ECC-1CC7-4BF8-A40F-F7C26A4BFA09}" destId="{B40BC887-7121-4751-9ED6-13E8470945BB}" srcOrd="0" destOrd="0" presId="urn:microsoft.com/office/officeart/2005/8/layout/process5"/>
+    <dgm:cxn modelId="{F1423178-391C-4B6B-8F65-8CA9DBD94E60}" type="presOf" srcId="{DD3CB5CF-4595-4EEC-846B-6102664F2F05}" destId="{CAFDA7F7-B46C-4359-A129-AB4E2CE5A598}" srcOrd="1" destOrd="0" presId="urn:microsoft.com/office/officeart/2005/8/layout/process5"/>
     <dgm:cxn modelId="{F1B9939C-663B-47F3-A7C2-D59B6CD8ABAD}" type="presOf" srcId="{0A5440AC-4116-4C27-9264-16AACB669E12}" destId="{07284E07-4408-4BF2-9E53-8B0D5A353C3A}" srcOrd="0" destOrd="0" presId="urn:microsoft.com/office/officeart/2005/8/layout/process5"/>
-    <dgm:cxn modelId="{C5AF9FAD-37EE-43C3-A9CC-1DE309D0D09C}" type="presOf" srcId="{BA46942A-95B1-4525-A038-6C19F1DA6537}" destId="{FAC03DC4-EE0B-4F48-810D-D7D90D29CDA7}" srcOrd="0" destOrd="0" presId="urn:microsoft.com/office/officeart/2005/8/layout/process5"/>
-    <dgm:cxn modelId="{562BB721-6EDC-4053-B596-0A411EFAF9D6}" type="presOf" srcId="{F6E47ECC-1CC7-4BF8-A40F-F7C26A4BFA09}" destId="{B40BC887-7121-4751-9ED6-13E8470945BB}" srcOrd="0" destOrd="0" presId="urn:microsoft.com/office/officeart/2005/8/layout/process5"/>
-    <dgm:cxn modelId="{6BBD4478-0FC8-4791-837D-3B86DC444DFA}" srcId="{F6E47ECC-1CC7-4BF8-A40F-F7C26A4BFA09}" destId="{D9C1DE2A-C919-439D-83D8-65D74A775FB6}" srcOrd="0" destOrd="0" parTransId="{24F33364-C041-4A46-9A2C-3365A4B35E4A}" sibTransId="{0A5440AC-4116-4C27-9264-16AACB669E12}"/>
-    <dgm:cxn modelId="{1B9E96C9-9538-4A4B-916B-D10B947B15ED}" type="presOf" srcId="{685F4625-0840-46FA-B858-0C8623E3CC8D}" destId="{25B326A3-A87D-4B61-8CBD-2F11BDEA96BC}" srcOrd="0" destOrd="0" presId="urn:microsoft.com/office/officeart/2005/8/layout/process5"/>
-    <dgm:cxn modelId="{1B4527FB-7E8B-4D52-83EC-FCCF26383C20}" type="presOf" srcId="{7D600DAC-9587-44B5-AA91-D1DB1E8AF259}" destId="{0C959095-7882-4471-98AD-EDED72A06E2D}" srcOrd="0" destOrd="0" presId="urn:microsoft.com/office/officeart/2005/8/layout/process5"/>
-    <dgm:cxn modelId="{574CD3E9-96D9-455C-8E2F-35597C85EA16}" type="presOf" srcId="{D2E27AEE-DE18-437E-8ED4-085C407B02F4}" destId="{3ECB9AC3-8324-4FBC-8785-044F1DD81182}" srcOrd="0" destOrd="0" presId="urn:microsoft.com/office/officeart/2005/8/layout/process5"/>
-    <dgm:cxn modelId="{F128F62D-D92C-4CC8-B306-60C9D8EEAB3A}" type="presOf" srcId="{0A5440AC-4116-4C27-9264-16AACB669E12}" destId="{F8FFB6C0-E03E-4022-8398-9AFF5BF916E4}" srcOrd="1" destOrd="0" presId="urn:microsoft.com/office/officeart/2005/8/layout/process5"/>
-    <dgm:cxn modelId="{2D69BF81-3E5F-4B08-8400-18604264860E}" type="presOf" srcId="{7762B7C6-4F36-4B61-B445-F6FF0509CF25}" destId="{4CD77A7A-0F40-4ABE-A7EB-ED19FB09158A}" srcOrd="1" destOrd="0" presId="urn:microsoft.com/office/officeart/2005/8/layout/process5"/>
-    <dgm:cxn modelId="{A1CD72F6-11A0-4594-87FC-291C4A70D512}" type="presOf" srcId="{7762B7C6-4F36-4B61-B445-F6FF0509CF25}" destId="{B11A5A4A-6892-4B2E-B725-ECE29BCF5F77}" srcOrd="0" destOrd="0" presId="urn:microsoft.com/office/officeart/2005/8/layout/process5"/>
-    <dgm:cxn modelId="{A9D5091A-B7FB-49D9-9E39-33E16E32D6E5}" srcId="{F6E47ECC-1CC7-4BF8-A40F-F7C26A4BFA09}" destId="{6883C271-93CE-4F53-B3DB-E78414E06855}" srcOrd="1" destOrd="0" parTransId="{64D99E33-9629-4119-A130-DF85747D2256}" sibTransId="{FE6047D0-FF2D-42A2-B389-DB220F2BDF26}"/>
-    <dgm:cxn modelId="{5D1DC38D-36E9-4345-9BDA-5F37D04D90AB}" type="presOf" srcId="{FE6047D0-FF2D-42A2-B389-DB220F2BDF26}" destId="{87601AF7-0F9F-46ED-B4EE-1B62860D4BA5}" srcOrd="0" destOrd="0" presId="urn:microsoft.com/office/officeart/2005/8/layout/process5"/>
-    <dgm:cxn modelId="{47CCF4E1-A68F-439A-BB94-DD05FAF1E159}" srcId="{F6E47ECC-1CC7-4BF8-A40F-F7C26A4BFA09}" destId="{BA46942A-95B1-4525-A038-6C19F1DA6537}" srcOrd="4" destOrd="0" parTransId="{F92269B3-4B49-4BEA-BE93-2AC05ED4A544}" sibTransId="{7762B7C6-4F36-4B61-B445-F6FF0509CF25}"/>
-    <dgm:cxn modelId="{26DB8064-CA9A-49BF-B110-4A1EB040AF44}" srcId="{F6E47ECC-1CC7-4BF8-A40F-F7C26A4BFA09}" destId="{D2E27AEE-DE18-437E-8ED4-085C407B02F4}" srcOrd="2" destOrd="0" parTransId="{6C0F99BB-1AE8-491E-9E77-BB81EC71D0A5}" sibTransId="{AF275174-F4D7-4107-9340-9F31FFAE84C6}"/>
-    <dgm:cxn modelId="{3452DE59-B5DB-4659-B582-F21A0FA1069E}" type="presOf" srcId="{6883C271-93CE-4F53-B3DB-E78414E06855}" destId="{EB0F924E-08B8-4496-8F7C-D75A9D314B30}" srcOrd="0" destOrd="0" presId="urn:microsoft.com/office/officeart/2005/8/layout/process5"/>
-    <dgm:cxn modelId="{F8FCC4ED-399C-4EBC-8501-E7E94B934A37}" srcId="{F6E47ECC-1CC7-4BF8-A40F-F7C26A4BFA09}" destId="{7D600DAC-9587-44B5-AA91-D1DB1E8AF259}" srcOrd="3" destOrd="0" parTransId="{C6630763-DE36-4591-8A63-8451E61C4B79}" sibTransId="{DD3CB5CF-4595-4EEC-846B-6102664F2F05}"/>
-    <dgm:cxn modelId="{74C58CEF-53B4-4388-82CD-0CB7A6CAA27A}" type="presOf" srcId="{DD3CB5CF-4595-4EEC-846B-6102664F2F05}" destId="{C187702E-51EF-4FC5-95AA-90B3C81FA086}" srcOrd="0" destOrd="0" presId="urn:microsoft.com/office/officeart/2005/8/layout/process5"/>
-    <dgm:cxn modelId="{F1423178-391C-4B6B-8F65-8CA9DBD94E60}" type="presOf" srcId="{DD3CB5CF-4595-4EEC-846B-6102664F2F05}" destId="{CAFDA7F7-B46C-4359-A129-AB4E2CE5A598}" srcOrd="1" destOrd="0" presId="urn:microsoft.com/office/officeart/2005/8/layout/process5"/>
-    <dgm:cxn modelId="{DFD6F5FA-8A31-42F7-BF3C-456A1F4586B1}" type="presOf" srcId="{AF275174-F4D7-4107-9340-9F31FFAE84C6}" destId="{57D1F035-83D0-404D-822E-A0E9FF1B02F1}" srcOrd="0" destOrd="0" presId="urn:microsoft.com/office/officeart/2005/8/layout/process5"/>
-    <dgm:cxn modelId="{D877C6B4-A0E6-4AC1-AF28-FDA315E921DB}" type="presOf" srcId="{FE6047D0-FF2D-42A2-B389-DB220F2BDF26}" destId="{8EE4ED0A-418E-4458-84B0-1C7F6B4889D0}" srcOrd="1" destOrd="0" presId="urn:microsoft.com/office/officeart/2005/8/layout/process5"/>
     <dgm:cxn modelId="{77C33F04-EC4C-4CB4-9EDE-8EF7E2C47CCA}" type="presParOf" srcId="{B40BC887-7121-4751-9ED6-13E8470945BB}" destId="{F750DCCB-0DB3-4943-9436-F897320A4A5D}" srcOrd="0" destOrd="0" presId="urn:microsoft.com/office/officeart/2005/8/layout/process5"/>
     <dgm:cxn modelId="{24402445-5195-4B9A-B6CD-28CA16B8D05E}" type="presParOf" srcId="{B40BC887-7121-4751-9ED6-13E8470945BB}" destId="{07284E07-4408-4BF2-9E53-8B0D5A353C3A}" srcOrd="1" destOrd="0" presId="urn:microsoft.com/office/officeart/2005/8/layout/process5"/>
     <dgm:cxn modelId="{D8BFFAC4-70EB-44CF-B73B-532597EF203E}" type="presParOf" srcId="{07284E07-4408-4BF2-9E53-8B0D5A353C3A}" destId="{F8FFB6C0-E03E-4022-8398-9AFF5BF916E4}" srcOrd="0" destOrd="0" presId="urn:microsoft.com/office/officeart/2005/8/layout/process5"/>
@@ -2868,14 +2868,14 @@
   <dgm:whole/>
   <dgm:extLst>
     <a:ext uri="http://schemas.microsoft.com/office/drawing/2008/diagram">
-      <dsp:dataModelExt xmlns:dsp="http://schemas.microsoft.com/office/drawing/2008/diagram" relId="rId7" minVer="http://schemas.openxmlformats.org/drawingml/2006/diagram"/>
+      <dsp:dataModelExt xmlns:dsp="http://schemas.microsoft.com/office/drawing/2008/diagram" xmlns="" relId="rId7" minVer="http://schemas.openxmlformats.org/drawingml/2006/diagram"/>
     </a:ext>
   </dgm:extLst>
 </dgm:dataModel>
 </file>
 
 <file path=ppt/diagrams/drawing1.xml><?xml version="1.0" encoding="utf-8"?>
-<dsp:drawing xmlns:dgm="http://schemas.openxmlformats.org/drawingml/2006/diagram" xmlns:dsp="http://schemas.microsoft.com/office/drawing/2008/diagram" xmlns:a="http://schemas.openxmlformats.org/drawingml/2006/main">
+<dsp:drawing xmlns:dgm="http://schemas.openxmlformats.org/drawingml/2006/diagram" xmlns:a="http://schemas.openxmlformats.org/drawingml/2006/main" xmlns:dsp="http://schemas.microsoft.com/office/drawing/2008/diagram">
   <dsp:spTree>
     <dsp:nvGrpSpPr>
       <dsp:cNvPr id="0" name=""/>
@@ -3007,8 +3007,8 @@
         </a:p>
       </dsp:txBody>
       <dsp:txXfrm>
-        <a:off x="2176430" y="52694"/>
-        <a:ext cx="2050543" cy="974177"/>
+        <a:off x="2123729" y="-7"/>
+        <a:ext cx="2155945" cy="1079579"/>
       </dsp:txXfrm>
     </dsp:sp>
     <dsp:sp modelId="{E04CC487-1C5B-45B6-8D5E-C8D4066D0943}">
@@ -3156,8 +3156,8 @@
         </a:p>
       </dsp:txBody>
       <dsp:txXfrm>
-        <a:off x="4397816" y="1265966"/>
-        <a:ext cx="1786826" cy="773304"/>
+        <a:off x="4355982" y="1224132"/>
+        <a:ext cx="1870494" cy="856972"/>
       </dsp:txXfrm>
     </dsp:sp>
     <dsp:sp modelId="{5627CC50-5788-4218-BE49-84D13277FE07}">
@@ -3305,8 +3305,8 @@
         </a:p>
       </dsp:txBody>
       <dsp:txXfrm>
-        <a:off x="4469816" y="2562110"/>
-        <a:ext cx="1613045" cy="773304"/>
+        <a:off x="4427982" y="2520276"/>
+        <a:ext cx="1696713" cy="856972"/>
       </dsp:txXfrm>
     </dsp:sp>
     <dsp:sp modelId="{C2088CE8-813B-404D-9C15-5986F4B492B7}">
@@ -3496,8 +3496,8 @@
         </a:p>
       </dsp:txBody>
       <dsp:txXfrm>
-        <a:off x="2178450" y="3727125"/>
-        <a:ext cx="2135293" cy="1011583"/>
+        <a:off x="2123726" y="3672401"/>
+        <a:ext cx="2244741" cy="1121031"/>
       </dsp:txXfrm>
     </dsp:sp>
     <dsp:sp modelId="{0E8FB463-07BE-482A-BC43-61AF7FD595C1}">
@@ -3645,8 +3645,8 @@
         </a:p>
       </dsp:txBody>
       <dsp:txXfrm>
-        <a:off x="437375" y="2562115"/>
-        <a:ext cx="1969796" cy="773304"/>
+        <a:off x="395541" y="2520281"/>
+        <a:ext cx="2053464" cy="856972"/>
       </dsp:txXfrm>
     </dsp:sp>
     <dsp:sp modelId="{92E93751-1EDC-4F0A-98BC-A5C9AA6C1D5F}">
@@ -3794,8 +3794,8 @@
         </a:p>
       </dsp:txBody>
       <dsp:txXfrm>
-        <a:off x="482162" y="1265971"/>
-        <a:ext cx="1741235" cy="773304"/>
+        <a:off x="440328" y="1224137"/>
+        <a:ext cx="1824903" cy="856972"/>
       </dsp:txXfrm>
     </dsp:sp>
     <dsp:sp modelId="{21E62269-EC77-4B92-819E-7AD572501D51}">
@@ -3865,7 +3865,7 @@
 </file>
 
 <file path=ppt/diagrams/drawing2.xml><?xml version="1.0" encoding="utf-8"?>
-<dsp:drawing xmlns:dgm="http://schemas.openxmlformats.org/drawingml/2006/diagram" xmlns:dsp="http://schemas.microsoft.com/office/drawing/2008/diagram" xmlns:a="http://schemas.openxmlformats.org/drawingml/2006/main">
+<dsp:drawing xmlns:dgm="http://schemas.openxmlformats.org/drawingml/2006/diagram" xmlns:a="http://schemas.openxmlformats.org/drawingml/2006/main" xmlns:dsp="http://schemas.microsoft.com/office/drawing/2008/diagram">
   <dsp:spTree>
     <dsp:nvGrpSpPr>
       <dsp:cNvPr id="0" name=""/>
@@ -3957,8 +3957,8 @@
         </a:p>
       </dsp:txBody>
       <dsp:txXfrm>
-        <a:off x="27236" y="171255"/>
-        <a:ext cx="1348713" cy="875440"/>
+        <a:off x="0" y="144019"/>
+        <a:ext cx="1403185" cy="929912"/>
       </dsp:txXfrm>
     </dsp:sp>
     <dsp:sp modelId="{07284E07-4408-4BF2-9E53-8B0D5A353C3A}">
@@ -4037,9 +4037,9 @@
           <a:endParaRPr lang="de-DE" sz="2000" kern="1200"/>
         </a:p>
       </dsp:txBody>
-      <dsp:txXfrm>
-        <a:off x="1712303" y="454112"/>
-        <a:ext cx="580075" cy="329323"/>
+      <dsp:txXfrm rot="25898">
+        <a:off x="1712301" y="344958"/>
+        <a:ext cx="744736" cy="548871"/>
       </dsp:txXfrm>
     </dsp:sp>
     <dsp:sp modelId="{EB0F924E-08B8-4496-8F7C-D75A9D314B30}">
@@ -4127,8 +4127,8 @@
         </a:p>
       </dsp:txBody>
       <dsp:txXfrm>
-        <a:off x="2836972" y="172683"/>
-        <a:ext cx="2201764" cy="921345"/>
+        <a:off x="2808308" y="144019"/>
+        <a:ext cx="2259092" cy="978673"/>
       </dsp:txXfrm>
     </dsp:sp>
     <dsp:sp modelId="{87601AF7-0F9F-46ED-B4EE-1B62860D4BA5}">
@@ -4207,9 +4207,9 @@
           <a:endParaRPr lang="de-DE" sz="2000" kern="1200"/>
         </a:p>
       </dsp:txBody>
-      <dsp:txXfrm>
-        <a:off x="5299115" y="454875"/>
-        <a:ext cx="393599" cy="329323"/>
+      <dsp:txXfrm rot="21569511">
+        <a:off x="5299112" y="344371"/>
+        <a:ext cx="558260" cy="548871"/>
       </dsp:txXfrm>
     </dsp:sp>
     <dsp:sp modelId="{3ECB9AC3-8324-4FBC-8785-044F1DD81182}">
@@ -4301,8 +4301,8 @@
         </a:p>
       </dsp:txBody>
       <dsp:txXfrm>
-        <a:off x="6151855" y="103180"/>
-        <a:ext cx="2150843" cy="1002002"/>
+        <a:off x="6120681" y="72006"/>
+        <a:ext cx="2213191" cy="1064350"/>
       </dsp:txXfrm>
     </dsp:sp>
     <dsp:sp modelId="{57D1F035-83D0-404D-822E-A0E9FF1B02F1}">
@@ -4381,9 +4381,9 @@
           <a:endParaRPr lang="de-DE" sz="2000" kern="1200"/>
         </a:p>
       </dsp:txBody>
-      <dsp:txXfrm rot="-5400000">
-        <a:off x="7062616" y="1266560"/>
-        <a:ext cx="329323" cy="219570"/>
+      <dsp:txXfrm rot="5400000">
+        <a:off x="7070441" y="1148960"/>
+        <a:ext cx="313671" cy="548871"/>
       </dsp:txXfrm>
     </dsp:sp>
     <dsp:sp modelId="{0C959095-7882-4471-98AD-EDED72A06E2D}">
@@ -4471,8 +4471,8 @@
         </a:p>
       </dsp:txBody>
       <dsp:txXfrm>
-        <a:off x="6151922" y="1759431"/>
-        <a:ext cx="2150709" cy="1004165"/>
+        <a:off x="6120681" y="1728190"/>
+        <a:ext cx="2213191" cy="1066647"/>
       </dsp:txXfrm>
     </dsp:sp>
     <dsp:sp modelId="{C187702E-51EF-4FC5-95AA-90B3C81FA086}">
@@ -4551,9 +4551,9 @@
           <a:endParaRPr lang="de-DE" sz="2500" kern="1200"/>
         </a:p>
       </dsp:txBody>
-      <dsp:txXfrm rot="10800000">
-        <a:off x="5598736" y="2087731"/>
-        <a:ext cx="327655" cy="329323"/>
+      <dsp:txXfrm rot="10821407">
+        <a:off x="5458313" y="1977520"/>
+        <a:ext cx="468079" cy="548871"/>
       </dsp:txXfrm>
     </dsp:sp>
     <dsp:sp modelId="{FAC03DC4-EE0B-4F48-810D-D7D90D29CDA7}">
@@ -4641,8 +4641,8 @@
         </a:p>
       </dsp:txBody>
       <dsp:txXfrm>
-        <a:off x="3054449" y="1758308"/>
-        <a:ext cx="2152969" cy="967849"/>
+        <a:off x="3024338" y="1728197"/>
+        <a:ext cx="2213191" cy="1028071"/>
       </dsp:txXfrm>
     </dsp:sp>
     <dsp:sp modelId="{B11A5A4A-6892-4B2E-B725-ECE29BCF5F77}">
@@ -4721,9 +4721,9 @@
           <a:endParaRPr lang="de-DE" sz="2500" kern="1200"/>
         </a:p>
       </dsp:txBody>
-      <dsp:txXfrm rot="10800000">
-        <a:off x="2544948" y="2071186"/>
-        <a:ext cx="300938" cy="329323"/>
+      <dsp:txXfrm rot="10815290">
+        <a:off x="2415975" y="1961125"/>
+        <a:ext cx="429912" cy="548871"/>
       </dsp:txXfrm>
     </dsp:sp>
     <dsp:sp modelId="{25B326A3-A87D-4B61-8CBD-2F11BDEA96BC}">
@@ -4811,8 +4811,8 @@
         </a:p>
       </dsp:txBody>
       <dsp:txXfrm>
-        <a:off x="29324" y="1757514"/>
-        <a:ext cx="2154543" cy="942533"/>
+        <a:off x="0" y="1728190"/>
+        <a:ext cx="2213191" cy="1001181"/>
       </dsp:txXfrm>
     </dsp:sp>
   </dsp:spTree>
@@ -8079,7 +8079,7 @@
     </p:spTree>
     <p:extLst>
       <p:ext uri="{BB962C8B-B14F-4D97-AF65-F5344CB8AC3E}">
-        <p14:creationId xmlns:p14="http://schemas.microsoft.com/office/powerpoint/2010/main" val="3306506664"/>
+        <p14:creationId xmlns:p14="http://schemas.microsoft.com/office/powerpoint/2010/main" xmlns="" val="3306506664"/>
       </p:ext>
     </p:extLst>
   </p:cSld>
@@ -8655,7 +8655,7 @@
     </p:spTree>
     <p:extLst>
       <p:ext uri="{BB962C8B-B14F-4D97-AF65-F5344CB8AC3E}">
-        <p14:creationId xmlns:p14="http://schemas.microsoft.com/office/powerpoint/2010/main" val="3290858648"/>
+        <p14:creationId xmlns:p14="http://schemas.microsoft.com/office/powerpoint/2010/main" xmlns="" val="3290858648"/>
       </p:ext>
     </p:extLst>
   </p:cSld>
@@ -9626,7 +9626,7 @@
     </p:spTree>
     <p:extLst>
       <p:ext uri="{BB962C8B-B14F-4D97-AF65-F5344CB8AC3E}">
-        <p14:creationId xmlns:p14="http://schemas.microsoft.com/office/powerpoint/2010/main" val="3579872104"/>
+        <p14:creationId xmlns:p14="http://schemas.microsoft.com/office/powerpoint/2010/main" xmlns="" val="3579872104"/>
       </p:ext>
     </p:extLst>
   </p:cSld>
@@ -9762,7 +9762,7 @@
     </p:spTree>
     <p:extLst>
       <p:ext uri="{BB962C8B-B14F-4D97-AF65-F5344CB8AC3E}">
-        <p14:creationId xmlns:p14="http://schemas.microsoft.com/office/powerpoint/2010/main" val="4086205857"/>
+        <p14:creationId xmlns:p14="http://schemas.microsoft.com/office/powerpoint/2010/main" xmlns="" val="4086205857"/>
       </p:ext>
     </p:extLst>
   </p:cSld>
@@ -9898,7 +9898,7 @@
     </p:spTree>
     <p:extLst>
       <p:ext uri="{BB962C8B-B14F-4D97-AF65-F5344CB8AC3E}">
-        <p14:creationId xmlns:p14="http://schemas.microsoft.com/office/powerpoint/2010/main" val="3979630434"/>
+        <p14:creationId xmlns:p14="http://schemas.microsoft.com/office/powerpoint/2010/main" xmlns="" val="3979630434"/>
       </p:ext>
     </p:extLst>
   </p:cSld>
@@ -10034,7 +10034,7 @@
     </p:spTree>
     <p:extLst>
       <p:ext uri="{BB962C8B-B14F-4D97-AF65-F5344CB8AC3E}">
-        <p14:creationId xmlns:p14="http://schemas.microsoft.com/office/powerpoint/2010/main" val="894590783"/>
+        <p14:creationId xmlns:p14="http://schemas.microsoft.com/office/powerpoint/2010/main" xmlns="" val="894590783"/>
       </p:ext>
     </p:extLst>
   </p:cSld>
@@ -10170,7 +10170,7 @@
     </p:spTree>
     <p:extLst>
       <p:ext uri="{BB962C8B-B14F-4D97-AF65-F5344CB8AC3E}">
-        <p14:creationId xmlns:p14="http://schemas.microsoft.com/office/powerpoint/2010/main" val="894590783"/>
+        <p14:creationId xmlns:p14="http://schemas.microsoft.com/office/powerpoint/2010/main" xmlns="" val="894590783"/>
       </p:ext>
     </p:extLst>
   </p:cSld>
@@ -10306,7 +10306,7 @@
     </p:spTree>
     <p:extLst>
       <p:ext uri="{BB962C8B-B14F-4D97-AF65-F5344CB8AC3E}">
-        <p14:creationId xmlns:p14="http://schemas.microsoft.com/office/powerpoint/2010/main" val="894590783"/>
+        <p14:creationId xmlns:p14="http://schemas.microsoft.com/office/powerpoint/2010/main" xmlns="" val="894590783"/>
       </p:ext>
     </p:extLst>
   </p:cSld>
@@ -10442,7 +10442,7 @@
     </p:spTree>
     <p:extLst>
       <p:ext uri="{BB962C8B-B14F-4D97-AF65-F5344CB8AC3E}">
-        <p14:creationId xmlns:p14="http://schemas.microsoft.com/office/powerpoint/2010/main" val="894590783"/>
+        <p14:creationId xmlns:p14="http://schemas.microsoft.com/office/powerpoint/2010/main" xmlns="" val="894590783"/>
       </p:ext>
     </p:extLst>
   </p:cSld>
@@ -10578,7 +10578,7 @@
     </p:spTree>
     <p:extLst>
       <p:ext uri="{BB962C8B-B14F-4D97-AF65-F5344CB8AC3E}">
-        <p14:creationId xmlns:p14="http://schemas.microsoft.com/office/powerpoint/2010/main" val="894590783"/>
+        <p14:creationId xmlns:p14="http://schemas.microsoft.com/office/powerpoint/2010/main" xmlns="" val="894590783"/>
       </p:ext>
     </p:extLst>
   </p:cSld>
@@ -10714,7 +10714,7 @@
     </p:spTree>
     <p:extLst>
       <p:ext uri="{BB962C8B-B14F-4D97-AF65-F5344CB8AC3E}">
-        <p14:creationId xmlns:p14="http://schemas.microsoft.com/office/powerpoint/2010/main" val="1472061649"/>
+        <p14:creationId xmlns:p14="http://schemas.microsoft.com/office/powerpoint/2010/main" xmlns="" val="1472061649"/>
       </p:ext>
     </p:extLst>
   </p:cSld>
@@ -15260,7 +15260,7 @@
                 <a:buFont typeface="Arial" pitchFamily="34" charset="0"/>
                 <a:buNone/>
               </a:pPr>
-              <a:t>28. Februar 2019</a:t>
+              <a:t>3. März 2019</a:t>
             </a:fld>
             <a:r>
               <a:rPr kumimoji="0" lang="en-US" sz="1100" b="0" i="0" u="none" strike="noStrike" kern="1200" cap="none" spc="0" normalizeH="0" baseline="0" noProof="0" dirty="0">
@@ -16576,7 +16576,7 @@
     </p:spTree>
     <p:extLst>
       <p:ext uri="{BB962C8B-B14F-4D97-AF65-F5344CB8AC3E}">
-        <p14:creationId xmlns:p14="http://schemas.microsoft.com/office/powerpoint/2010/main" val="412314351"/>
+        <p14:creationId xmlns:p14="http://schemas.microsoft.com/office/powerpoint/2010/main" xmlns="" val="412314351"/>
       </p:ext>
     </p:extLst>
   </p:cSld>
@@ -16615,7 +16615,7 @@
           <p:cNvPr id="2" name="Titel 1">
             <a:extLst>
               <a:ext uri="{FF2B5EF4-FFF2-40B4-BE49-F238E27FC236}">
-                <a16:creationId xmlns="" xmlns:a16="http://schemas.microsoft.com/office/drawing/2014/main" id="{24452668-05B8-45C3-9C30-2FC567BF5B34}"/>
+                <a16:creationId xmlns:a16="http://schemas.microsoft.com/office/drawing/2014/main" xmlns="" id="{24452668-05B8-45C3-9C30-2FC567BF5B34}"/>
               </a:ext>
             </a:extLst>
           </p:cNvPr>
@@ -16644,7 +16644,7 @@
           <p:cNvPr id="3" name="Inhaltsplatzhalter 2">
             <a:extLst>
               <a:ext uri="{FF2B5EF4-FFF2-40B4-BE49-F238E27FC236}">
-                <a16:creationId xmlns="" xmlns:a16="http://schemas.microsoft.com/office/drawing/2014/main" id="{6F95FF9C-402A-4AAD-8E88-8EE33D2499FD}"/>
+                <a16:creationId xmlns:a16="http://schemas.microsoft.com/office/drawing/2014/main" xmlns="" id="{6F95FF9C-402A-4AAD-8E88-8EE33D2499FD}"/>
               </a:ext>
             </a:extLst>
           </p:cNvPr>
@@ -16788,7 +16788,7 @@
     </p:spTree>
     <p:extLst>
       <p:ext uri="{BB962C8B-B14F-4D97-AF65-F5344CB8AC3E}">
-        <p14:creationId xmlns:p14="http://schemas.microsoft.com/office/powerpoint/2010/main" val="2622745934"/>
+        <p14:creationId xmlns:p14="http://schemas.microsoft.com/office/powerpoint/2010/main" xmlns="" val="2622745934"/>
       </p:ext>
     </p:extLst>
   </p:cSld>
@@ -16898,10 +16898,10 @@
           <p:nvPr/>
         </p:nvPicPr>
         <p:blipFill>
-          <a:blip r:embed="rId2">
+          <a:blip r:embed="rId2" cstate="print">
             <a:extLst>
               <a:ext uri="{28A0092B-C50C-407E-A947-70E740481C1C}">
-                <a14:useLocalDpi xmlns:a14="http://schemas.microsoft.com/office/drawing/2010/main" val="0"/>
+                <a14:useLocalDpi xmlns:a14="http://schemas.microsoft.com/office/drawing/2010/main" xmlns="" val="0"/>
               </a:ext>
             </a:extLst>
           </a:blip>
@@ -16921,7 +16921,7 @@
           <a:noFill/>
           <a:extLst>
             <a:ext uri="{909E8E84-426E-40DD-AFC4-6F175D3DCCD1}">
-              <a14:hiddenFill xmlns:a14="http://schemas.microsoft.com/office/drawing/2010/main">
+              <a14:hiddenFill xmlns:a14="http://schemas.microsoft.com/office/drawing/2010/main" xmlns="">
                 <a:solidFill>
                   <a:srgbClr val="FFFFFF"/>
                 </a:solidFill>
@@ -16933,7 +16933,7 @@
     </p:spTree>
     <p:extLst>
       <p:ext uri="{BB962C8B-B14F-4D97-AF65-F5344CB8AC3E}">
-        <p14:creationId xmlns:p14="http://schemas.microsoft.com/office/powerpoint/2010/main" val="983291378"/>
+        <p14:creationId xmlns:p14="http://schemas.microsoft.com/office/powerpoint/2010/main" xmlns="" val="983291378"/>
       </p:ext>
     </p:extLst>
   </p:cSld>
@@ -17050,7 +17050,7 @@
           <a:blip r:embed="rId2" cstate="print">
             <a:extLst>
               <a:ext uri="{28A0092B-C50C-407E-A947-70E740481C1C}">
-                <a14:useLocalDpi xmlns:a14="http://schemas.microsoft.com/office/drawing/2010/main" val="0"/>
+                <a14:useLocalDpi xmlns:a14="http://schemas.microsoft.com/office/drawing/2010/main" xmlns="" val="0"/>
               </a:ext>
             </a:extLst>
           </a:blip>
@@ -17070,7 +17070,7 @@
           <a:noFill/>
           <a:extLst>
             <a:ext uri="{909E8E84-426E-40DD-AFC4-6F175D3DCCD1}">
-              <a14:hiddenFill xmlns:a14="http://schemas.microsoft.com/office/drawing/2010/main">
+              <a14:hiddenFill xmlns:a14="http://schemas.microsoft.com/office/drawing/2010/main" xmlns="">
                 <a:solidFill>
                   <a:srgbClr val="FFFFFF"/>
                 </a:solidFill>
@@ -17082,7 +17082,7 @@
     </p:spTree>
     <p:extLst>
       <p:ext uri="{BB962C8B-B14F-4D97-AF65-F5344CB8AC3E}">
-        <p14:creationId xmlns:p14="http://schemas.microsoft.com/office/powerpoint/2010/main" val="617314025"/>
+        <p14:creationId xmlns:p14="http://schemas.microsoft.com/office/powerpoint/2010/main" xmlns="" val="617314025"/>
       </p:ext>
     </p:extLst>
   </p:cSld>
@@ -17619,41 +17619,24 @@
           <a:p>
             <a:r>
               <a:rPr lang="de-DE" altLang="zh-CN" dirty="0" smtClean="0"/>
-              <a:t>Strukturvariabler PD-Regler für vier Fahrsituationen:</a:t>
-            </a:r>
-          </a:p>
-          <a:p>
-            <a:pPr lvl="1"/>
+              <a:t>Strukturvariabler </a:t>
+            </a:r>
             <a:r>
               <a:rPr lang="de-DE" altLang="zh-CN" dirty="0" smtClean="0"/>
-              <a:t>Geradeausfahrt</a:t>
-            </a:r>
-          </a:p>
-          <a:p>
-            <a:pPr lvl="1"/>
+              <a:t>PD-Regler</a:t>
+            </a:r>
+          </a:p>
+          <a:p>
+            <a:endParaRPr lang="de-DE" altLang="zh-CN" dirty="0" smtClean="0"/>
+          </a:p>
+          <a:p>
             <a:r>
               <a:rPr lang="de-DE" altLang="zh-CN" dirty="0" smtClean="0"/>
-              <a:t>Kurveneintritt</a:t>
-            </a:r>
-          </a:p>
-          <a:p>
-            <a:pPr lvl="1"/>
+              <a:t>Vorteil</a:t>
+            </a:r>
             <a:r>
               <a:rPr lang="de-DE" altLang="zh-CN" dirty="0" smtClean="0"/>
-              <a:t>Kurvenfahrt</a:t>
-            </a:r>
-          </a:p>
-          <a:p>
-            <a:pPr lvl="1"/>
-            <a:r>
-              <a:rPr lang="de-DE" altLang="zh-CN" dirty="0" smtClean="0"/>
-              <a:t>Kurvenaustritt</a:t>
-            </a:r>
-          </a:p>
-          <a:p>
-            <a:r>
-              <a:rPr lang="de-DE" altLang="zh-CN" dirty="0" smtClean="0"/>
-              <a:t>Vorteil: der Regler kann für jede Situation unabhängig optimiert werden</a:t>
+              <a:t>: der Regler kann für jede Situation unabhängig optimiert werden</a:t>
             </a:r>
           </a:p>
           <a:p>

--- a/Dokumente/Präsentationen/Abschlusspräsentation.pptx
+++ b/Dokumente/Präsentationen/Abschlusspräsentation.pptx
@@ -24,7 +24,7 @@
     <p:sldId id="268" r:id="rId12"/>
     <p:sldId id="261" r:id="rId13"/>
     <p:sldId id="262" r:id="rId14"/>
-    <p:sldId id="275" r:id="rId15"/>
+    <p:sldId id="276" r:id="rId15"/>
   </p:sldIdLst>
   <p:sldSz cx="9144000" cy="6858000" type="screen4x3"/>
   <p:notesSz cx="6797675" cy="9926638"/>
@@ -195,7 +195,7 @@
   </p:defaultTextStyle>
   <p:extLst>
     <p:ext uri="{EFAFB233-063F-42B5-8137-9DF3F51BA10A}">
-      <p15:sldGuideLst xmlns:p15="http://schemas.microsoft.com/office/powerpoint/2012/main" xmlns="">
+      <p15:sldGuideLst xmlns="" xmlns:p15="http://schemas.microsoft.com/office/powerpoint/2012/main">
         <p15:guide id="1" orient="horz" pos="4319">
           <p15:clr>
             <a:srgbClr val="A4A3A4"/>
@@ -209,7 +209,7 @@
       </p15:sldGuideLst>
     </p:ext>
     <p:ext uri="{2D200454-40CA-4A62-9FC3-DE9A4176ACB9}">
-      <p15:notesGuideLst xmlns:p15="http://schemas.microsoft.com/office/powerpoint/2012/main" xmlns="">
+      <p15:notesGuideLst xmlns="" xmlns:p15="http://schemas.microsoft.com/office/powerpoint/2012/main">
         <p15:guide id="1" orient="horz" pos="2874">
           <p15:clr>
             <a:srgbClr val="A4A3A4"/>
@@ -2325,32 +2325,32 @@
   </dgm:ptLst>
   <dgm:cxnLst>
     <dgm:cxn modelId="{6F7BB68A-0B71-491E-8D6E-DC8B76730EB3}" type="presOf" srcId="{9C262D38-C23F-46A9-B2F7-AD02E33616FF}" destId="{ADCC66F3-B14D-44B1-8B1E-5A57D0293F83}" srcOrd="0" destOrd="0" presId="urn:microsoft.com/office/officeart/2005/8/layout/cycle5"/>
+    <dgm:cxn modelId="{6749EC41-312E-4702-AE93-417101E72446}" type="presOf" srcId="{12DBF135-D93E-4E14-AEB2-5C4A533E7B5D}" destId="{0E8FB463-07BE-482A-BC43-61AF7FD595C1}" srcOrd="0" destOrd="0" presId="urn:microsoft.com/office/officeart/2005/8/layout/cycle5"/>
+    <dgm:cxn modelId="{8E92716F-26B5-48CB-9A00-5C3373317CD3}" type="presOf" srcId="{8946F9DE-07C3-4686-9856-6B2582DD3106}" destId="{0EC62B5A-E703-4913-9127-81806E8ABEC7}" srcOrd="0" destOrd="0" presId="urn:microsoft.com/office/officeart/2005/8/layout/cycle5"/>
+    <dgm:cxn modelId="{7C9F5033-8032-4928-BA9F-5E3EA4B9BF79}" srcId="{097DC993-72A3-4244-AFD6-0815E77788A4}" destId="{ACE2CC2F-AAD9-4D05-8B40-547E3B539AA8}" srcOrd="1" destOrd="0" parTransId="{247F8999-C927-44AD-A8A4-ACF4DF7446C5}" sibTransId="{8B9E9675-B7D5-4D3D-AA5A-60329BC021AC}"/>
     <dgm:cxn modelId="{866FAEBD-B319-41E9-8E07-12BC3EDA4B0E}" type="presOf" srcId="{FF517022-E8A5-401C-BEFF-859908823049}" destId="{322F2889-427F-4255-96FE-7A663EF3A95F}" srcOrd="0" destOrd="0" presId="urn:microsoft.com/office/officeart/2005/8/layout/cycle5"/>
-    <dgm:cxn modelId="{865AAAEF-C0D8-4B99-8355-9BA75E218C62}" srcId="{9C262D38-C23F-46A9-B2F7-AD02E33616FF}" destId="{17393C64-41B8-4541-B793-D79216D0230D}" srcOrd="2" destOrd="0" parTransId="{3C0033BF-238A-4AAE-BE08-3C2F777F0BAB}" sibTransId="{256E034F-7A83-4132-AD3E-FC88A31B3171}"/>
-    <dgm:cxn modelId="{8B41DED6-B2BA-4000-9CC0-7E8CC3DEB9EE}" type="presOf" srcId="{5B0E89E7-AC0B-4EB0-A717-91ED139CDD67}" destId="{F289F93E-06E5-4979-920E-3478F87B263A}" srcOrd="0" destOrd="0" presId="urn:microsoft.com/office/officeart/2005/8/layout/cycle5"/>
+    <dgm:cxn modelId="{A8A36C32-F17B-4246-9A36-013688B8CADE}" type="presOf" srcId="{17393C64-41B8-4541-B793-D79216D0230D}" destId="{7DF9A944-9651-4414-985F-9C465760A763}" srcOrd="0" destOrd="0" presId="urn:microsoft.com/office/officeart/2005/8/layout/cycle5"/>
+    <dgm:cxn modelId="{3AB39C81-ACA0-4389-93FD-F278E26CC96D}" srcId="{9C262D38-C23F-46A9-B2F7-AD02E33616FF}" destId="{8946F9DE-07C3-4686-9856-6B2582DD3106}" srcOrd="1" destOrd="0" parTransId="{975B95CE-EE56-4169-AE2B-9ACD786ED702}" sibTransId="{EFAA9E13-0438-42E3-A7FC-26537FB853BC}"/>
+    <dgm:cxn modelId="{9350CCA3-652E-4BF3-9834-DDA1168358CB}" type="presOf" srcId="{097DC993-72A3-4244-AFD6-0815E77788A4}" destId="{51070C73-9ABB-4CBE-BF7F-197499FA4E9F}" srcOrd="0" destOrd="0" presId="urn:microsoft.com/office/officeart/2005/8/layout/cycle5"/>
     <dgm:cxn modelId="{521A4830-26D1-4BA7-AC54-7A0EEFE775FD}" type="presOf" srcId="{EAE6104A-0D3A-40D0-B9AA-3C115D31E63D}" destId="{322F2889-427F-4255-96FE-7A663EF3A95F}" srcOrd="0" destOrd="2" presId="urn:microsoft.com/office/officeart/2005/8/layout/cycle5"/>
-    <dgm:cxn modelId="{9350CCA3-652E-4BF3-9834-DDA1168358CB}" type="presOf" srcId="{097DC993-72A3-4244-AFD6-0815E77788A4}" destId="{51070C73-9ABB-4CBE-BF7F-197499FA4E9F}" srcOrd="0" destOrd="0" presId="urn:microsoft.com/office/officeart/2005/8/layout/cycle5"/>
-    <dgm:cxn modelId="{314F8DD0-0B29-4706-8EEE-BAAFD74FBEB6}" srcId="{097DC993-72A3-4244-AFD6-0815E77788A4}" destId="{D62CCB92-B222-40DF-8910-3148B3994A10}" srcOrd="0" destOrd="0" parTransId="{D152CB20-4ABC-4DDA-A92D-C16D4F2B7CD2}" sibTransId="{57CDC721-343F-44D8-90E2-558FDBF3070C}"/>
-    <dgm:cxn modelId="{0AEE111E-0CF7-46B6-B51F-F81DA5D8D01F}" type="presOf" srcId="{D62CCB92-B222-40DF-8910-3148B3994A10}" destId="{51070C73-9ABB-4CBE-BF7F-197499FA4E9F}" srcOrd="0" destOrd="1" presId="urn:microsoft.com/office/officeart/2005/8/layout/cycle5"/>
     <dgm:cxn modelId="{BC416615-A145-46B5-BFA3-B5DC7DB689E8}" srcId="{9C262D38-C23F-46A9-B2F7-AD02E33616FF}" destId="{097DC993-72A3-4244-AFD6-0815E77788A4}" srcOrd="3" destOrd="0" parTransId="{A9F536AC-C72D-492A-AE1B-9C1C204A8896}" sibTransId="{12DBF135-D93E-4E14-AEB2-5C4A533E7B5D}"/>
-    <dgm:cxn modelId="{F148F9A0-762A-46AE-82B5-003BC8579357}" srcId="{9C262D38-C23F-46A9-B2F7-AD02E33616FF}" destId="{FF517022-E8A5-401C-BEFF-859908823049}" srcOrd="0" destOrd="0" parTransId="{DA34CBC9-6E5B-4881-9037-B6C720FFA15E}" sibTransId="{B14546C0-114D-408B-9FD0-5FFE00C38A13}"/>
-    <dgm:cxn modelId="{6749EC41-312E-4702-AE93-417101E72446}" type="presOf" srcId="{12DBF135-D93E-4E14-AEB2-5C4A533E7B5D}" destId="{0E8FB463-07BE-482A-BC43-61AF7FD595C1}" srcOrd="0" destOrd="0" presId="urn:microsoft.com/office/officeart/2005/8/layout/cycle5"/>
-    <dgm:cxn modelId="{F2047F85-9621-4FCB-B383-604EB64D5252}" srcId="{FF517022-E8A5-401C-BEFF-859908823049}" destId="{EAE6104A-0D3A-40D0-B9AA-3C115D31E63D}" srcOrd="1" destOrd="0" parTransId="{DF429748-4078-437E-91B8-F006D4A71A50}" sibTransId="{82834DA9-4A09-4E78-B60B-A67DACB77507}"/>
-    <dgm:cxn modelId="{24394471-5ADE-4691-8F52-2F36A64596C8}" type="presOf" srcId="{477FC51F-3263-43C0-8AF5-0B7CB46EA1BD}" destId="{21E62269-EC77-4B92-819E-7AD572501D51}" srcOrd="0" destOrd="0" presId="urn:microsoft.com/office/officeart/2005/8/layout/cycle5"/>
-    <dgm:cxn modelId="{3AB39C81-ACA0-4389-93FD-F278E26CC96D}" srcId="{9C262D38-C23F-46A9-B2F7-AD02E33616FF}" destId="{8946F9DE-07C3-4686-9856-6B2582DD3106}" srcOrd="1" destOrd="0" parTransId="{975B95CE-EE56-4169-AE2B-9ACD786ED702}" sibTransId="{EFAA9E13-0438-42E3-A7FC-26537FB853BC}"/>
+    <dgm:cxn modelId="{47A7DB7C-BE0F-4751-A725-2CB710F1F10D}" srcId="{FF517022-E8A5-401C-BEFF-859908823049}" destId="{EA98858B-2958-46B2-B90A-604982431D71}" srcOrd="0" destOrd="0" parTransId="{F0D89781-7E9B-42B4-9C21-DEAE5EC81703}" sibTransId="{4FAAD27D-EE34-40E4-9E67-FFAFB62FB61F}"/>
+    <dgm:cxn modelId="{92C98818-1344-408C-BB49-BB4B253A5100}" type="presOf" srcId="{2D86A2BF-5B6A-4D76-94CC-99797484151B}" destId="{92E93751-1EDC-4F0A-98BC-A5C9AA6C1D5F}" srcOrd="0" destOrd="0" presId="urn:microsoft.com/office/officeart/2005/8/layout/cycle5"/>
     <dgm:cxn modelId="{2F84FA07-936E-4B7E-A03B-A194E9052312}" type="presOf" srcId="{B14546C0-114D-408B-9FD0-5FFE00C38A13}" destId="{E04CC487-1C5B-45B6-8D5E-C8D4066D0943}" srcOrd="0" destOrd="0" presId="urn:microsoft.com/office/officeart/2005/8/layout/cycle5"/>
-    <dgm:cxn modelId="{7BAC0309-2F85-440B-A73B-E46466658077}" type="presOf" srcId="{256E034F-7A83-4132-AD3E-FC88A31B3171}" destId="{C2088CE8-813B-404D-9C15-5986F4B492B7}" srcOrd="0" destOrd="0" presId="urn:microsoft.com/office/officeart/2005/8/layout/cycle5"/>
-    <dgm:cxn modelId="{47A7DB7C-BE0F-4751-A725-2CB710F1F10D}" srcId="{FF517022-E8A5-401C-BEFF-859908823049}" destId="{EA98858B-2958-46B2-B90A-604982431D71}" srcOrd="0" destOrd="0" parTransId="{F0D89781-7E9B-42B4-9C21-DEAE5EC81703}" sibTransId="{4FAAD27D-EE34-40E4-9E67-FFAFB62FB61F}"/>
-    <dgm:cxn modelId="{ECE19E7E-DAB2-4039-85CD-2A4A148F666B}" srcId="{9C262D38-C23F-46A9-B2F7-AD02E33616FF}" destId="{5B0E89E7-AC0B-4EB0-A717-91ED139CDD67}" srcOrd="4" destOrd="0" parTransId="{BA3E99B5-3D07-45F0-9FD6-DBF9FBFAFCB3}" sibTransId="{2D86A2BF-5B6A-4D76-94CC-99797484151B}"/>
-    <dgm:cxn modelId="{3E697076-F8A8-4CD1-B192-113D0F0FC04A}" type="presOf" srcId="{ACE2CC2F-AAD9-4D05-8B40-547E3B539AA8}" destId="{51070C73-9ABB-4CBE-BF7F-197499FA4E9F}" srcOrd="0" destOrd="2" presId="urn:microsoft.com/office/officeart/2005/8/layout/cycle5"/>
     <dgm:cxn modelId="{C247594F-E5B6-4B62-830C-92DEEA205355}" type="presOf" srcId="{EFAA9E13-0438-42E3-A7FC-26537FB853BC}" destId="{5627CC50-5788-4218-BE49-84D13277FE07}" srcOrd="0" destOrd="0" presId="urn:microsoft.com/office/officeart/2005/8/layout/cycle5"/>
     <dgm:cxn modelId="{F4874C69-53D7-4214-A10B-196EA99201CB}" type="presOf" srcId="{EA98858B-2958-46B2-B90A-604982431D71}" destId="{322F2889-427F-4255-96FE-7A663EF3A95F}" srcOrd="0" destOrd="1" presId="urn:microsoft.com/office/officeart/2005/8/layout/cycle5"/>
-    <dgm:cxn modelId="{A8A36C32-F17B-4246-9A36-013688B8CADE}" type="presOf" srcId="{17393C64-41B8-4541-B793-D79216D0230D}" destId="{7DF9A944-9651-4414-985F-9C465760A763}" srcOrd="0" destOrd="0" presId="urn:microsoft.com/office/officeart/2005/8/layout/cycle5"/>
-    <dgm:cxn modelId="{8E92716F-26B5-48CB-9A00-5C3373317CD3}" type="presOf" srcId="{8946F9DE-07C3-4686-9856-6B2582DD3106}" destId="{0EC62B5A-E703-4913-9127-81806E8ABEC7}" srcOrd="0" destOrd="0" presId="urn:microsoft.com/office/officeart/2005/8/layout/cycle5"/>
     <dgm:cxn modelId="{DBE0F657-601C-4DD8-A03D-5355C31A7FDF}" type="presOf" srcId="{D7962C6A-858D-4AB6-AAF5-72BB61C3BCC6}" destId="{06095F51-3C94-4EFF-917D-25EAB90C3F30}" srcOrd="0" destOrd="0" presId="urn:microsoft.com/office/officeart/2005/8/layout/cycle5"/>
-    <dgm:cxn modelId="{7C9F5033-8032-4928-BA9F-5E3EA4B9BF79}" srcId="{097DC993-72A3-4244-AFD6-0815E77788A4}" destId="{ACE2CC2F-AAD9-4D05-8B40-547E3B539AA8}" srcOrd="1" destOrd="0" parTransId="{247F8999-C927-44AD-A8A4-ACF4DF7446C5}" sibTransId="{8B9E9675-B7D5-4D3D-AA5A-60329BC021AC}"/>
+    <dgm:cxn modelId="{3E697076-F8A8-4CD1-B192-113D0F0FC04A}" type="presOf" srcId="{ACE2CC2F-AAD9-4D05-8B40-547E3B539AA8}" destId="{51070C73-9ABB-4CBE-BF7F-197499FA4E9F}" srcOrd="0" destOrd="2" presId="urn:microsoft.com/office/officeart/2005/8/layout/cycle5"/>
+    <dgm:cxn modelId="{24394471-5ADE-4691-8F52-2F36A64596C8}" type="presOf" srcId="{477FC51F-3263-43C0-8AF5-0B7CB46EA1BD}" destId="{21E62269-EC77-4B92-819E-7AD572501D51}" srcOrd="0" destOrd="0" presId="urn:microsoft.com/office/officeart/2005/8/layout/cycle5"/>
+    <dgm:cxn modelId="{865AAAEF-C0D8-4B99-8355-9BA75E218C62}" srcId="{9C262D38-C23F-46A9-B2F7-AD02E33616FF}" destId="{17393C64-41B8-4541-B793-D79216D0230D}" srcOrd="2" destOrd="0" parTransId="{3C0033BF-238A-4AAE-BE08-3C2F777F0BAB}" sibTransId="{256E034F-7A83-4132-AD3E-FC88A31B3171}"/>
+    <dgm:cxn modelId="{F2047F85-9621-4FCB-B383-604EB64D5252}" srcId="{FF517022-E8A5-401C-BEFF-859908823049}" destId="{EAE6104A-0D3A-40D0-B9AA-3C115D31E63D}" srcOrd="1" destOrd="0" parTransId="{DF429748-4078-437E-91B8-F006D4A71A50}" sibTransId="{82834DA9-4A09-4E78-B60B-A67DACB77507}"/>
+    <dgm:cxn modelId="{7BAC0309-2F85-440B-A73B-E46466658077}" type="presOf" srcId="{256E034F-7A83-4132-AD3E-FC88A31B3171}" destId="{C2088CE8-813B-404D-9C15-5986F4B492B7}" srcOrd="0" destOrd="0" presId="urn:microsoft.com/office/officeart/2005/8/layout/cycle5"/>
+    <dgm:cxn modelId="{314F8DD0-0B29-4706-8EEE-BAAFD74FBEB6}" srcId="{097DC993-72A3-4244-AFD6-0815E77788A4}" destId="{D62CCB92-B222-40DF-8910-3148B3994A10}" srcOrd="0" destOrd="0" parTransId="{D152CB20-4ABC-4DDA-A92D-C16D4F2B7CD2}" sibTransId="{57CDC721-343F-44D8-90E2-558FDBF3070C}"/>
+    <dgm:cxn modelId="{ECE19E7E-DAB2-4039-85CD-2A4A148F666B}" srcId="{9C262D38-C23F-46A9-B2F7-AD02E33616FF}" destId="{5B0E89E7-AC0B-4EB0-A717-91ED139CDD67}" srcOrd="4" destOrd="0" parTransId="{BA3E99B5-3D07-45F0-9FD6-DBF9FBFAFCB3}" sibTransId="{2D86A2BF-5B6A-4D76-94CC-99797484151B}"/>
+    <dgm:cxn modelId="{8B41DED6-B2BA-4000-9CC0-7E8CC3DEB9EE}" type="presOf" srcId="{5B0E89E7-AC0B-4EB0-A717-91ED139CDD67}" destId="{F289F93E-06E5-4979-920E-3478F87B263A}" srcOrd="0" destOrd="0" presId="urn:microsoft.com/office/officeart/2005/8/layout/cycle5"/>
     <dgm:cxn modelId="{2BD4F86B-4469-454E-86A1-0BABCC4E1081}" srcId="{9C262D38-C23F-46A9-B2F7-AD02E33616FF}" destId="{D7962C6A-858D-4AB6-AAF5-72BB61C3BCC6}" srcOrd="5" destOrd="0" parTransId="{D726EDDA-5EDB-4813-8144-3C7BAC923A21}" sibTransId="{477FC51F-3263-43C0-8AF5-0B7CB46EA1BD}"/>
-    <dgm:cxn modelId="{92C98818-1344-408C-BB49-BB4B253A5100}" type="presOf" srcId="{2D86A2BF-5B6A-4D76-94CC-99797484151B}" destId="{92E93751-1EDC-4F0A-98BC-A5C9AA6C1D5F}" srcOrd="0" destOrd="0" presId="urn:microsoft.com/office/officeart/2005/8/layout/cycle5"/>
+    <dgm:cxn modelId="{0AEE111E-0CF7-46B6-B51F-F81DA5D8D01F}" type="presOf" srcId="{D62CCB92-B222-40DF-8910-3148B3994A10}" destId="{51070C73-9ABB-4CBE-BF7F-197499FA4E9F}" srcOrd="0" destOrd="1" presId="urn:microsoft.com/office/officeart/2005/8/layout/cycle5"/>
+    <dgm:cxn modelId="{F148F9A0-762A-46AE-82B5-003BC8579357}" srcId="{9C262D38-C23F-46A9-B2F7-AD02E33616FF}" destId="{FF517022-E8A5-401C-BEFF-859908823049}" srcOrd="0" destOrd="0" parTransId="{DA34CBC9-6E5B-4881-9037-B6C720FFA15E}" sibTransId="{B14546C0-114D-408B-9FD0-5FFE00C38A13}"/>
     <dgm:cxn modelId="{801764BC-29FB-4785-96D9-841BC3CBC9A2}" type="presParOf" srcId="{ADCC66F3-B14D-44B1-8B1E-5A57D0293F83}" destId="{322F2889-427F-4255-96FE-7A663EF3A95F}" srcOrd="0" destOrd="0" presId="urn:microsoft.com/office/officeart/2005/8/layout/cycle5"/>
     <dgm:cxn modelId="{5CD37A18-92DD-4ACF-BC50-73AE0766C367}" type="presParOf" srcId="{ADCC66F3-B14D-44B1-8B1E-5A57D0293F83}" destId="{BBF5FDF9-DFFC-4812-ACBB-83C47312AC25}" srcOrd="1" destOrd="0" presId="urn:microsoft.com/office/officeart/2005/8/layout/cycle5"/>
     <dgm:cxn modelId="{2589A008-D537-4A14-9AA3-9F201D07A230}" type="presParOf" srcId="{ADCC66F3-B14D-44B1-8B1E-5A57D0293F83}" destId="{E04CC487-1C5B-45B6-8D5E-C8D4066D0943}" srcOrd="2" destOrd="0" presId="urn:microsoft.com/office/officeart/2005/8/layout/cycle5"/>
@@ -2374,7 +2374,7 @@
   <dgm:whole/>
   <dgm:extLst>
     <a:ext uri="http://schemas.microsoft.com/office/drawing/2008/diagram">
-      <dsp:dataModelExt xmlns:dsp="http://schemas.microsoft.com/office/drawing/2008/diagram" xmlns="" relId="rId9" minVer="http://schemas.openxmlformats.org/drawingml/2006/diagram"/>
+      <dsp:dataModelExt xmlns:dsp="http://schemas.microsoft.com/office/drawing/2008/diagram" relId="rId9" minVer="http://schemas.openxmlformats.org/drawingml/2006/diagram"/>
     </a:ext>
   </dgm:extLst>
 </dgm:dataModel>
@@ -2824,29 +2824,29 @@
     </dgm:pt>
   </dgm:ptLst>
   <dgm:cxnLst>
+    <dgm:cxn modelId="{BF074302-ADFE-4998-83F4-B5B8D4077EC4}" srcId="{F6E47ECC-1CC7-4BF8-A40F-F7C26A4BFA09}" destId="{685F4625-0840-46FA-B858-0C8623E3CC8D}" srcOrd="5" destOrd="0" parTransId="{7D57000E-778C-4CFD-B686-F2117CC1C858}" sibTransId="{067EF79F-A2B5-4E85-B591-BE8A5BA165D0}"/>
+    <dgm:cxn modelId="{122B0E85-1F4F-4FBF-88BC-60F4A6515555}" type="presOf" srcId="{D9C1DE2A-C919-439D-83D8-65D74A775FB6}" destId="{F750DCCB-0DB3-4943-9436-F897320A4A5D}" srcOrd="0" destOrd="0" presId="urn:microsoft.com/office/officeart/2005/8/layout/process5"/>
+    <dgm:cxn modelId="{EB029169-2D09-4502-A4F8-18C1302FF6FA}" type="presOf" srcId="{AF275174-F4D7-4107-9340-9F31FFAE84C6}" destId="{B064BFA8-682D-4757-ADFC-2CABBAA0A8B1}" srcOrd="1" destOrd="0" presId="urn:microsoft.com/office/officeart/2005/8/layout/process5"/>
+    <dgm:cxn modelId="{F1B9939C-663B-47F3-A7C2-D59B6CD8ABAD}" type="presOf" srcId="{0A5440AC-4116-4C27-9264-16AACB669E12}" destId="{07284E07-4408-4BF2-9E53-8B0D5A353C3A}" srcOrd="0" destOrd="0" presId="urn:microsoft.com/office/officeart/2005/8/layout/process5"/>
+    <dgm:cxn modelId="{C5AF9FAD-37EE-43C3-A9CC-1DE309D0D09C}" type="presOf" srcId="{BA46942A-95B1-4525-A038-6C19F1DA6537}" destId="{FAC03DC4-EE0B-4F48-810D-D7D90D29CDA7}" srcOrd="0" destOrd="0" presId="urn:microsoft.com/office/officeart/2005/8/layout/process5"/>
+    <dgm:cxn modelId="{562BB721-6EDC-4053-B596-0A411EFAF9D6}" type="presOf" srcId="{F6E47ECC-1CC7-4BF8-A40F-F7C26A4BFA09}" destId="{B40BC887-7121-4751-9ED6-13E8470945BB}" srcOrd="0" destOrd="0" presId="urn:microsoft.com/office/officeart/2005/8/layout/process5"/>
+    <dgm:cxn modelId="{6BBD4478-0FC8-4791-837D-3B86DC444DFA}" srcId="{F6E47ECC-1CC7-4BF8-A40F-F7C26A4BFA09}" destId="{D9C1DE2A-C919-439D-83D8-65D74A775FB6}" srcOrd="0" destOrd="0" parTransId="{24F33364-C041-4A46-9A2C-3365A4B35E4A}" sibTransId="{0A5440AC-4116-4C27-9264-16AACB669E12}"/>
+    <dgm:cxn modelId="{1B9E96C9-9538-4A4B-916B-D10B947B15ED}" type="presOf" srcId="{685F4625-0840-46FA-B858-0C8623E3CC8D}" destId="{25B326A3-A87D-4B61-8CBD-2F11BDEA96BC}" srcOrd="0" destOrd="0" presId="urn:microsoft.com/office/officeart/2005/8/layout/process5"/>
+    <dgm:cxn modelId="{1B4527FB-7E8B-4D52-83EC-FCCF26383C20}" type="presOf" srcId="{7D600DAC-9587-44B5-AA91-D1DB1E8AF259}" destId="{0C959095-7882-4471-98AD-EDED72A06E2D}" srcOrd="0" destOrd="0" presId="urn:microsoft.com/office/officeart/2005/8/layout/process5"/>
+    <dgm:cxn modelId="{574CD3E9-96D9-455C-8E2F-35597C85EA16}" type="presOf" srcId="{D2E27AEE-DE18-437E-8ED4-085C407B02F4}" destId="{3ECB9AC3-8324-4FBC-8785-044F1DD81182}" srcOrd="0" destOrd="0" presId="urn:microsoft.com/office/officeart/2005/8/layout/process5"/>
+    <dgm:cxn modelId="{F128F62D-D92C-4CC8-B306-60C9D8EEAB3A}" type="presOf" srcId="{0A5440AC-4116-4C27-9264-16AACB669E12}" destId="{F8FFB6C0-E03E-4022-8398-9AFF5BF916E4}" srcOrd="1" destOrd="0" presId="urn:microsoft.com/office/officeart/2005/8/layout/process5"/>
+    <dgm:cxn modelId="{2D69BF81-3E5F-4B08-8400-18604264860E}" type="presOf" srcId="{7762B7C6-4F36-4B61-B445-F6FF0509CF25}" destId="{4CD77A7A-0F40-4ABE-A7EB-ED19FB09158A}" srcOrd="1" destOrd="0" presId="urn:microsoft.com/office/officeart/2005/8/layout/process5"/>
+    <dgm:cxn modelId="{A1CD72F6-11A0-4594-87FC-291C4A70D512}" type="presOf" srcId="{7762B7C6-4F36-4B61-B445-F6FF0509CF25}" destId="{B11A5A4A-6892-4B2E-B725-ECE29BCF5F77}" srcOrd="0" destOrd="0" presId="urn:microsoft.com/office/officeart/2005/8/layout/process5"/>
+    <dgm:cxn modelId="{A9D5091A-B7FB-49D9-9E39-33E16E32D6E5}" srcId="{F6E47ECC-1CC7-4BF8-A40F-F7C26A4BFA09}" destId="{6883C271-93CE-4F53-B3DB-E78414E06855}" srcOrd="1" destOrd="0" parTransId="{64D99E33-9629-4119-A130-DF85747D2256}" sibTransId="{FE6047D0-FF2D-42A2-B389-DB220F2BDF26}"/>
+    <dgm:cxn modelId="{5D1DC38D-36E9-4345-9BDA-5F37D04D90AB}" type="presOf" srcId="{FE6047D0-FF2D-42A2-B389-DB220F2BDF26}" destId="{87601AF7-0F9F-46ED-B4EE-1B62860D4BA5}" srcOrd="0" destOrd="0" presId="urn:microsoft.com/office/officeart/2005/8/layout/process5"/>
+    <dgm:cxn modelId="{47CCF4E1-A68F-439A-BB94-DD05FAF1E159}" srcId="{F6E47ECC-1CC7-4BF8-A40F-F7C26A4BFA09}" destId="{BA46942A-95B1-4525-A038-6C19F1DA6537}" srcOrd="4" destOrd="0" parTransId="{F92269B3-4B49-4BEA-BE93-2AC05ED4A544}" sibTransId="{7762B7C6-4F36-4B61-B445-F6FF0509CF25}"/>
+    <dgm:cxn modelId="{26DB8064-CA9A-49BF-B110-4A1EB040AF44}" srcId="{F6E47ECC-1CC7-4BF8-A40F-F7C26A4BFA09}" destId="{D2E27AEE-DE18-437E-8ED4-085C407B02F4}" srcOrd="2" destOrd="0" parTransId="{6C0F99BB-1AE8-491E-9E77-BB81EC71D0A5}" sibTransId="{AF275174-F4D7-4107-9340-9F31FFAE84C6}"/>
+    <dgm:cxn modelId="{3452DE59-B5DB-4659-B582-F21A0FA1069E}" type="presOf" srcId="{6883C271-93CE-4F53-B3DB-E78414E06855}" destId="{EB0F924E-08B8-4496-8F7C-D75A9D314B30}" srcOrd="0" destOrd="0" presId="urn:microsoft.com/office/officeart/2005/8/layout/process5"/>
     <dgm:cxn modelId="{F8FCC4ED-399C-4EBC-8501-E7E94B934A37}" srcId="{F6E47ECC-1CC7-4BF8-A40F-F7C26A4BFA09}" destId="{7D600DAC-9587-44B5-AA91-D1DB1E8AF259}" srcOrd="3" destOrd="0" parTransId="{C6630763-DE36-4591-8A63-8451E61C4B79}" sibTransId="{DD3CB5CF-4595-4EEC-846B-6102664F2F05}"/>
-    <dgm:cxn modelId="{BF074302-ADFE-4998-83F4-B5B8D4077EC4}" srcId="{F6E47ECC-1CC7-4BF8-A40F-F7C26A4BFA09}" destId="{685F4625-0840-46FA-B858-0C8623E3CC8D}" srcOrd="5" destOrd="0" parTransId="{7D57000E-778C-4CFD-B686-F2117CC1C858}" sibTransId="{067EF79F-A2B5-4E85-B591-BE8A5BA165D0}"/>
-    <dgm:cxn modelId="{5D1DC38D-36E9-4345-9BDA-5F37D04D90AB}" type="presOf" srcId="{FE6047D0-FF2D-42A2-B389-DB220F2BDF26}" destId="{87601AF7-0F9F-46ED-B4EE-1B62860D4BA5}" srcOrd="0" destOrd="0" presId="urn:microsoft.com/office/officeart/2005/8/layout/process5"/>
+    <dgm:cxn modelId="{74C58CEF-53B4-4388-82CD-0CB7A6CAA27A}" type="presOf" srcId="{DD3CB5CF-4595-4EEC-846B-6102664F2F05}" destId="{C187702E-51EF-4FC5-95AA-90B3C81FA086}" srcOrd="0" destOrd="0" presId="urn:microsoft.com/office/officeart/2005/8/layout/process5"/>
+    <dgm:cxn modelId="{F1423178-391C-4B6B-8F65-8CA9DBD94E60}" type="presOf" srcId="{DD3CB5CF-4595-4EEC-846B-6102664F2F05}" destId="{CAFDA7F7-B46C-4359-A129-AB4E2CE5A598}" srcOrd="1" destOrd="0" presId="urn:microsoft.com/office/officeart/2005/8/layout/process5"/>
+    <dgm:cxn modelId="{DFD6F5FA-8A31-42F7-BF3C-456A1F4586B1}" type="presOf" srcId="{AF275174-F4D7-4107-9340-9F31FFAE84C6}" destId="{57D1F035-83D0-404D-822E-A0E9FF1B02F1}" srcOrd="0" destOrd="0" presId="urn:microsoft.com/office/officeart/2005/8/layout/process5"/>
     <dgm:cxn modelId="{D877C6B4-A0E6-4AC1-AF28-FDA315E921DB}" type="presOf" srcId="{FE6047D0-FF2D-42A2-B389-DB220F2BDF26}" destId="{8EE4ED0A-418E-4458-84B0-1C7F6B4889D0}" srcOrd="1" destOrd="0" presId="urn:microsoft.com/office/officeart/2005/8/layout/process5"/>
-    <dgm:cxn modelId="{6BBD4478-0FC8-4791-837D-3B86DC444DFA}" srcId="{F6E47ECC-1CC7-4BF8-A40F-F7C26A4BFA09}" destId="{D9C1DE2A-C919-439D-83D8-65D74A775FB6}" srcOrd="0" destOrd="0" parTransId="{24F33364-C041-4A46-9A2C-3365A4B35E4A}" sibTransId="{0A5440AC-4116-4C27-9264-16AACB669E12}"/>
-    <dgm:cxn modelId="{47CCF4E1-A68F-439A-BB94-DD05FAF1E159}" srcId="{F6E47ECC-1CC7-4BF8-A40F-F7C26A4BFA09}" destId="{BA46942A-95B1-4525-A038-6C19F1DA6537}" srcOrd="4" destOrd="0" parTransId="{F92269B3-4B49-4BEA-BE93-2AC05ED4A544}" sibTransId="{7762B7C6-4F36-4B61-B445-F6FF0509CF25}"/>
-    <dgm:cxn modelId="{A9D5091A-B7FB-49D9-9E39-33E16E32D6E5}" srcId="{F6E47ECC-1CC7-4BF8-A40F-F7C26A4BFA09}" destId="{6883C271-93CE-4F53-B3DB-E78414E06855}" srcOrd="1" destOrd="0" parTransId="{64D99E33-9629-4119-A130-DF85747D2256}" sibTransId="{FE6047D0-FF2D-42A2-B389-DB220F2BDF26}"/>
-    <dgm:cxn modelId="{2D69BF81-3E5F-4B08-8400-18604264860E}" type="presOf" srcId="{7762B7C6-4F36-4B61-B445-F6FF0509CF25}" destId="{4CD77A7A-0F40-4ABE-A7EB-ED19FB09158A}" srcOrd="1" destOrd="0" presId="urn:microsoft.com/office/officeart/2005/8/layout/process5"/>
-    <dgm:cxn modelId="{1B9E96C9-9538-4A4B-916B-D10B947B15ED}" type="presOf" srcId="{685F4625-0840-46FA-B858-0C8623E3CC8D}" destId="{25B326A3-A87D-4B61-8CBD-2F11BDEA96BC}" srcOrd="0" destOrd="0" presId="urn:microsoft.com/office/officeart/2005/8/layout/process5"/>
-    <dgm:cxn modelId="{574CD3E9-96D9-455C-8E2F-35597C85EA16}" type="presOf" srcId="{D2E27AEE-DE18-437E-8ED4-085C407B02F4}" destId="{3ECB9AC3-8324-4FBC-8785-044F1DD81182}" srcOrd="0" destOrd="0" presId="urn:microsoft.com/office/officeart/2005/8/layout/process5"/>
-    <dgm:cxn modelId="{1B4527FB-7E8B-4D52-83EC-FCCF26383C20}" type="presOf" srcId="{7D600DAC-9587-44B5-AA91-D1DB1E8AF259}" destId="{0C959095-7882-4471-98AD-EDED72A06E2D}" srcOrd="0" destOrd="0" presId="urn:microsoft.com/office/officeart/2005/8/layout/process5"/>
-    <dgm:cxn modelId="{EB029169-2D09-4502-A4F8-18C1302FF6FA}" type="presOf" srcId="{AF275174-F4D7-4107-9340-9F31FFAE84C6}" destId="{B064BFA8-682D-4757-ADFC-2CABBAA0A8B1}" srcOrd="1" destOrd="0" presId="urn:microsoft.com/office/officeart/2005/8/layout/process5"/>
-    <dgm:cxn modelId="{122B0E85-1F4F-4FBF-88BC-60F4A6515555}" type="presOf" srcId="{D9C1DE2A-C919-439D-83D8-65D74A775FB6}" destId="{F750DCCB-0DB3-4943-9436-F897320A4A5D}" srcOrd="0" destOrd="0" presId="urn:microsoft.com/office/officeart/2005/8/layout/process5"/>
-    <dgm:cxn modelId="{3452DE59-B5DB-4659-B582-F21A0FA1069E}" type="presOf" srcId="{6883C271-93CE-4F53-B3DB-E78414E06855}" destId="{EB0F924E-08B8-4496-8F7C-D75A9D314B30}" srcOrd="0" destOrd="0" presId="urn:microsoft.com/office/officeart/2005/8/layout/process5"/>
-    <dgm:cxn modelId="{26DB8064-CA9A-49BF-B110-4A1EB040AF44}" srcId="{F6E47ECC-1CC7-4BF8-A40F-F7C26A4BFA09}" destId="{D2E27AEE-DE18-437E-8ED4-085C407B02F4}" srcOrd="2" destOrd="0" parTransId="{6C0F99BB-1AE8-491E-9E77-BB81EC71D0A5}" sibTransId="{AF275174-F4D7-4107-9340-9F31FFAE84C6}"/>
-    <dgm:cxn modelId="{A1CD72F6-11A0-4594-87FC-291C4A70D512}" type="presOf" srcId="{7762B7C6-4F36-4B61-B445-F6FF0509CF25}" destId="{B11A5A4A-6892-4B2E-B725-ECE29BCF5F77}" srcOrd="0" destOrd="0" presId="urn:microsoft.com/office/officeart/2005/8/layout/process5"/>
-    <dgm:cxn modelId="{C5AF9FAD-37EE-43C3-A9CC-1DE309D0D09C}" type="presOf" srcId="{BA46942A-95B1-4525-A038-6C19F1DA6537}" destId="{FAC03DC4-EE0B-4F48-810D-D7D90D29CDA7}" srcOrd="0" destOrd="0" presId="urn:microsoft.com/office/officeart/2005/8/layout/process5"/>
-    <dgm:cxn modelId="{F128F62D-D92C-4CC8-B306-60C9D8EEAB3A}" type="presOf" srcId="{0A5440AC-4116-4C27-9264-16AACB669E12}" destId="{F8FFB6C0-E03E-4022-8398-9AFF5BF916E4}" srcOrd="1" destOrd="0" presId="urn:microsoft.com/office/officeart/2005/8/layout/process5"/>
-    <dgm:cxn modelId="{74C58CEF-53B4-4388-82CD-0CB7A6CAA27A}" type="presOf" srcId="{DD3CB5CF-4595-4EEC-846B-6102664F2F05}" destId="{C187702E-51EF-4FC5-95AA-90B3C81FA086}" srcOrd="0" destOrd="0" presId="urn:microsoft.com/office/officeart/2005/8/layout/process5"/>
-    <dgm:cxn modelId="{DFD6F5FA-8A31-42F7-BF3C-456A1F4586B1}" type="presOf" srcId="{AF275174-F4D7-4107-9340-9F31FFAE84C6}" destId="{57D1F035-83D0-404D-822E-A0E9FF1B02F1}" srcOrd="0" destOrd="0" presId="urn:microsoft.com/office/officeart/2005/8/layout/process5"/>
-    <dgm:cxn modelId="{562BB721-6EDC-4053-B596-0A411EFAF9D6}" type="presOf" srcId="{F6E47ECC-1CC7-4BF8-A40F-F7C26A4BFA09}" destId="{B40BC887-7121-4751-9ED6-13E8470945BB}" srcOrd="0" destOrd="0" presId="urn:microsoft.com/office/officeart/2005/8/layout/process5"/>
-    <dgm:cxn modelId="{F1423178-391C-4B6B-8F65-8CA9DBD94E60}" type="presOf" srcId="{DD3CB5CF-4595-4EEC-846B-6102664F2F05}" destId="{CAFDA7F7-B46C-4359-A129-AB4E2CE5A598}" srcOrd="1" destOrd="0" presId="urn:microsoft.com/office/officeart/2005/8/layout/process5"/>
-    <dgm:cxn modelId="{F1B9939C-663B-47F3-A7C2-D59B6CD8ABAD}" type="presOf" srcId="{0A5440AC-4116-4C27-9264-16AACB669E12}" destId="{07284E07-4408-4BF2-9E53-8B0D5A353C3A}" srcOrd="0" destOrd="0" presId="urn:microsoft.com/office/officeart/2005/8/layout/process5"/>
     <dgm:cxn modelId="{77C33F04-EC4C-4CB4-9EDE-8EF7E2C47CCA}" type="presParOf" srcId="{B40BC887-7121-4751-9ED6-13E8470945BB}" destId="{F750DCCB-0DB3-4943-9436-F897320A4A5D}" srcOrd="0" destOrd="0" presId="urn:microsoft.com/office/officeart/2005/8/layout/process5"/>
     <dgm:cxn modelId="{24402445-5195-4B9A-B6CD-28CA16B8D05E}" type="presParOf" srcId="{B40BC887-7121-4751-9ED6-13E8470945BB}" destId="{07284E07-4408-4BF2-9E53-8B0D5A353C3A}" srcOrd="1" destOrd="0" presId="urn:microsoft.com/office/officeart/2005/8/layout/process5"/>
     <dgm:cxn modelId="{D8BFFAC4-70EB-44CF-B73B-532597EF203E}" type="presParOf" srcId="{07284E07-4408-4BF2-9E53-8B0D5A353C3A}" destId="{F8FFB6C0-E03E-4022-8398-9AFF5BF916E4}" srcOrd="0" destOrd="0" presId="urn:microsoft.com/office/officeart/2005/8/layout/process5"/>
@@ -2868,14 +2868,14 @@
   <dgm:whole/>
   <dgm:extLst>
     <a:ext uri="http://schemas.microsoft.com/office/drawing/2008/diagram">
-      <dsp:dataModelExt xmlns:dsp="http://schemas.microsoft.com/office/drawing/2008/diagram" xmlns="" relId="rId7" minVer="http://schemas.openxmlformats.org/drawingml/2006/diagram"/>
+      <dsp:dataModelExt xmlns:dsp="http://schemas.microsoft.com/office/drawing/2008/diagram" relId="rId7" minVer="http://schemas.openxmlformats.org/drawingml/2006/diagram"/>
     </a:ext>
   </dgm:extLst>
 </dgm:dataModel>
 </file>
 
 <file path=ppt/diagrams/drawing1.xml><?xml version="1.0" encoding="utf-8"?>
-<dsp:drawing xmlns:dgm="http://schemas.openxmlformats.org/drawingml/2006/diagram" xmlns:a="http://schemas.openxmlformats.org/drawingml/2006/main" xmlns:dsp="http://schemas.microsoft.com/office/drawing/2008/diagram">
+<dsp:drawing xmlns:dgm="http://schemas.openxmlformats.org/drawingml/2006/diagram" xmlns:dsp="http://schemas.microsoft.com/office/drawing/2008/diagram" xmlns:a="http://schemas.openxmlformats.org/drawingml/2006/main">
   <dsp:spTree>
     <dsp:nvGrpSpPr>
       <dsp:cNvPr id="0" name=""/>
@@ -3007,8 +3007,8 @@
         </a:p>
       </dsp:txBody>
       <dsp:txXfrm>
-        <a:off x="2123729" y="-7"/>
-        <a:ext cx="2155945" cy="1079579"/>
+        <a:off x="2176430" y="52694"/>
+        <a:ext cx="2050543" cy="974177"/>
       </dsp:txXfrm>
     </dsp:sp>
     <dsp:sp modelId="{E04CC487-1C5B-45B6-8D5E-C8D4066D0943}">
@@ -3156,8 +3156,8 @@
         </a:p>
       </dsp:txBody>
       <dsp:txXfrm>
-        <a:off x="4355982" y="1224132"/>
-        <a:ext cx="1870494" cy="856972"/>
+        <a:off x="4397816" y="1265966"/>
+        <a:ext cx="1786826" cy="773304"/>
       </dsp:txXfrm>
     </dsp:sp>
     <dsp:sp modelId="{5627CC50-5788-4218-BE49-84D13277FE07}">
@@ -3305,8 +3305,8 @@
         </a:p>
       </dsp:txBody>
       <dsp:txXfrm>
-        <a:off x="4427982" y="2520276"/>
-        <a:ext cx="1696713" cy="856972"/>
+        <a:off x="4469816" y="2562110"/>
+        <a:ext cx="1613045" cy="773304"/>
       </dsp:txXfrm>
     </dsp:sp>
     <dsp:sp modelId="{C2088CE8-813B-404D-9C15-5986F4B492B7}">
@@ -3496,8 +3496,8 @@
         </a:p>
       </dsp:txBody>
       <dsp:txXfrm>
-        <a:off x="2123726" y="3672401"/>
-        <a:ext cx="2244741" cy="1121031"/>
+        <a:off x="2178450" y="3727125"/>
+        <a:ext cx="2135293" cy="1011583"/>
       </dsp:txXfrm>
     </dsp:sp>
     <dsp:sp modelId="{0E8FB463-07BE-482A-BC43-61AF7FD595C1}">
@@ -3645,8 +3645,8 @@
         </a:p>
       </dsp:txBody>
       <dsp:txXfrm>
-        <a:off x="395541" y="2520281"/>
-        <a:ext cx="2053464" cy="856972"/>
+        <a:off x="437375" y="2562115"/>
+        <a:ext cx="1969796" cy="773304"/>
       </dsp:txXfrm>
     </dsp:sp>
     <dsp:sp modelId="{92E93751-1EDC-4F0A-98BC-A5C9AA6C1D5F}">
@@ -3794,8 +3794,8 @@
         </a:p>
       </dsp:txBody>
       <dsp:txXfrm>
-        <a:off x="440328" y="1224137"/>
-        <a:ext cx="1824903" cy="856972"/>
+        <a:off x="482162" y="1265971"/>
+        <a:ext cx="1741235" cy="773304"/>
       </dsp:txXfrm>
     </dsp:sp>
     <dsp:sp modelId="{21E62269-EC77-4B92-819E-7AD572501D51}">
@@ -3865,7 +3865,7 @@
 </file>
 
 <file path=ppt/diagrams/drawing2.xml><?xml version="1.0" encoding="utf-8"?>
-<dsp:drawing xmlns:dgm="http://schemas.openxmlformats.org/drawingml/2006/diagram" xmlns:a="http://schemas.openxmlformats.org/drawingml/2006/main" xmlns:dsp="http://schemas.microsoft.com/office/drawing/2008/diagram">
+<dsp:drawing xmlns:dgm="http://schemas.openxmlformats.org/drawingml/2006/diagram" xmlns:dsp="http://schemas.microsoft.com/office/drawing/2008/diagram" xmlns:a="http://schemas.openxmlformats.org/drawingml/2006/main">
   <dsp:spTree>
     <dsp:nvGrpSpPr>
       <dsp:cNvPr id="0" name=""/>
@@ -3957,8 +3957,8 @@
         </a:p>
       </dsp:txBody>
       <dsp:txXfrm>
-        <a:off x="0" y="144019"/>
-        <a:ext cx="1403185" cy="929912"/>
+        <a:off x="27236" y="171255"/>
+        <a:ext cx="1348713" cy="875440"/>
       </dsp:txXfrm>
     </dsp:sp>
     <dsp:sp modelId="{07284E07-4408-4BF2-9E53-8B0D5A353C3A}">
@@ -4037,9 +4037,9 @@
           <a:endParaRPr lang="de-DE" sz="2000" kern="1200"/>
         </a:p>
       </dsp:txBody>
-      <dsp:txXfrm rot="25898">
-        <a:off x="1712301" y="344958"/>
-        <a:ext cx="744736" cy="548871"/>
+      <dsp:txXfrm>
+        <a:off x="1712303" y="454112"/>
+        <a:ext cx="580075" cy="329323"/>
       </dsp:txXfrm>
     </dsp:sp>
     <dsp:sp modelId="{EB0F924E-08B8-4496-8F7C-D75A9D314B30}">
@@ -4127,8 +4127,8 @@
         </a:p>
       </dsp:txBody>
       <dsp:txXfrm>
-        <a:off x="2808308" y="144019"/>
-        <a:ext cx="2259092" cy="978673"/>
+        <a:off x="2836972" y="172683"/>
+        <a:ext cx="2201764" cy="921345"/>
       </dsp:txXfrm>
     </dsp:sp>
     <dsp:sp modelId="{87601AF7-0F9F-46ED-B4EE-1B62860D4BA5}">
@@ -4207,9 +4207,9 @@
           <a:endParaRPr lang="de-DE" sz="2000" kern="1200"/>
         </a:p>
       </dsp:txBody>
-      <dsp:txXfrm rot="21569511">
-        <a:off x="5299112" y="344371"/>
-        <a:ext cx="558260" cy="548871"/>
+      <dsp:txXfrm>
+        <a:off x="5299115" y="454875"/>
+        <a:ext cx="393599" cy="329323"/>
       </dsp:txXfrm>
     </dsp:sp>
     <dsp:sp modelId="{3ECB9AC3-8324-4FBC-8785-044F1DD81182}">
@@ -4301,8 +4301,8 @@
         </a:p>
       </dsp:txBody>
       <dsp:txXfrm>
-        <a:off x="6120681" y="72006"/>
-        <a:ext cx="2213191" cy="1064350"/>
+        <a:off x="6151855" y="103180"/>
+        <a:ext cx="2150843" cy="1002002"/>
       </dsp:txXfrm>
     </dsp:sp>
     <dsp:sp modelId="{57D1F035-83D0-404D-822E-A0E9FF1B02F1}">
@@ -4381,9 +4381,9 @@
           <a:endParaRPr lang="de-DE" sz="2000" kern="1200"/>
         </a:p>
       </dsp:txBody>
-      <dsp:txXfrm rot="5400000">
-        <a:off x="7070441" y="1148960"/>
-        <a:ext cx="313671" cy="548871"/>
+      <dsp:txXfrm rot="-5400000">
+        <a:off x="7062616" y="1266560"/>
+        <a:ext cx="329323" cy="219570"/>
       </dsp:txXfrm>
     </dsp:sp>
     <dsp:sp modelId="{0C959095-7882-4471-98AD-EDED72A06E2D}">
@@ -4471,8 +4471,8 @@
         </a:p>
       </dsp:txBody>
       <dsp:txXfrm>
-        <a:off x="6120681" y="1728190"/>
-        <a:ext cx="2213191" cy="1066647"/>
+        <a:off x="6151922" y="1759431"/>
+        <a:ext cx="2150709" cy="1004165"/>
       </dsp:txXfrm>
     </dsp:sp>
     <dsp:sp modelId="{C187702E-51EF-4FC5-95AA-90B3C81FA086}">
@@ -4551,9 +4551,9 @@
           <a:endParaRPr lang="de-DE" sz="2500" kern="1200"/>
         </a:p>
       </dsp:txBody>
-      <dsp:txXfrm rot="10821407">
-        <a:off x="5458313" y="1977520"/>
-        <a:ext cx="468079" cy="548871"/>
+      <dsp:txXfrm rot="10800000">
+        <a:off x="5598736" y="2087731"/>
+        <a:ext cx="327655" cy="329323"/>
       </dsp:txXfrm>
     </dsp:sp>
     <dsp:sp modelId="{FAC03DC4-EE0B-4F48-810D-D7D90D29CDA7}">
@@ -4641,8 +4641,8 @@
         </a:p>
       </dsp:txBody>
       <dsp:txXfrm>
-        <a:off x="3024338" y="1728197"/>
-        <a:ext cx="2213191" cy="1028071"/>
+        <a:off x="3054449" y="1758308"/>
+        <a:ext cx="2152969" cy="967849"/>
       </dsp:txXfrm>
     </dsp:sp>
     <dsp:sp modelId="{B11A5A4A-6892-4B2E-B725-ECE29BCF5F77}">
@@ -4721,9 +4721,9 @@
           <a:endParaRPr lang="de-DE" sz="2500" kern="1200"/>
         </a:p>
       </dsp:txBody>
-      <dsp:txXfrm rot="10815290">
-        <a:off x="2415975" y="1961125"/>
-        <a:ext cx="429912" cy="548871"/>
+      <dsp:txXfrm rot="10800000">
+        <a:off x="2544948" y="2071186"/>
+        <a:ext cx="300938" cy="329323"/>
       </dsp:txXfrm>
     </dsp:sp>
     <dsp:sp modelId="{25B326A3-A87D-4B61-8CBD-2F11BDEA96BC}">
@@ -4811,8 +4811,8 @@
         </a:p>
       </dsp:txBody>
       <dsp:txXfrm>
-        <a:off x="0" y="1728190"/>
-        <a:ext cx="2213191" cy="1001181"/>
+        <a:off x="29324" y="1757514"/>
+        <a:ext cx="2154543" cy="942533"/>
       </dsp:txXfrm>
     </dsp:sp>
   </dsp:spTree>
@@ -8079,7 +8079,7 @@
     </p:spTree>
     <p:extLst>
       <p:ext uri="{BB962C8B-B14F-4D97-AF65-F5344CB8AC3E}">
-        <p14:creationId xmlns:p14="http://schemas.microsoft.com/office/powerpoint/2010/main" xmlns="" val="3306506664"/>
+        <p14:creationId xmlns:p14="http://schemas.microsoft.com/office/powerpoint/2010/main" val="3306506664"/>
       </p:ext>
     </p:extLst>
   </p:cSld>
@@ -8655,7 +8655,7 @@
     </p:spTree>
     <p:extLst>
       <p:ext uri="{BB962C8B-B14F-4D97-AF65-F5344CB8AC3E}">
-        <p14:creationId xmlns:p14="http://schemas.microsoft.com/office/powerpoint/2010/main" xmlns="" val="3290858648"/>
+        <p14:creationId xmlns:p14="http://schemas.microsoft.com/office/powerpoint/2010/main" val="3290858648"/>
       </p:ext>
     </p:extLst>
   </p:cSld>
@@ -9626,9 +9626,698 @@
     </p:spTree>
     <p:extLst>
       <p:ext uri="{BB962C8B-B14F-4D97-AF65-F5344CB8AC3E}">
-        <p14:creationId xmlns:p14="http://schemas.microsoft.com/office/powerpoint/2010/main" xmlns="" val="3579872104"/>
+        <p14:creationId xmlns:p14="http://schemas.microsoft.com/office/powerpoint/2010/main" val="3579872104"/>
       </p:ext>
     </p:extLst>
+  </p:cSld>
+  <p:clrMapOvr>
+    <a:masterClrMapping/>
+  </p:clrMapOvr>
+</p:notes>
+</file>
+
+<file path=ppt/notesSlides/notesSlide11.xml><?xml version="1.0" encoding="utf-8"?>
+<p:notes xmlns:a="http://schemas.openxmlformats.org/drawingml/2006/main" xmlns:r="http://schemas.openxmlformats.org/officeDocument/2006/relationships" xmlns:p="http://schemas.openxmlformats.org/presentationml/2006/main">
+  <p:cSld>
+    <p:spTree>
+      <p:nvGrpSpPr>
+        <p:cNvPr id="1" name=""/>
+        <p:cNvGrpSpPr/>
+        <p:nvPr/>
+      </p:nvGrpSpPr>
+      <p:grpSpPr>
+        <a:xfrm>
+          <a:off x="0" y="0"/>
+          <a:ext cx="0" cy="0"/>
+          <a:chOff x="0" y="0"/>
+          <a:chExt cx="0" cy="0"/>
+        </a:xfrm>
+      </p:grpSpPr>
+      <p:sp>
+        <p:nvSpPr>
+          <p:cNvPr id="1048599" name="Rectangle 3"/>
+          <p:cNvSpPr>
+            <a:spLocks noGrp="1" noChangeArrowheads="1"/>
+          </p:cNvSpPr>
+          <p:nvPr>
+            <p:ph type="dt" sz="quarter"/>
+          </p:nvPr>
+        </p:nvSpPr>
+        <p:spPr>
+          <a:noFill/>
+        </p:spPr>
+        <p:txBody>
+          <a:bodyPr/>
+          <a:lstStyle>
+            <a:lvl1pPr eaLnBrk="0" hangingPunct="0">
+              <a:tabLst>
+                <a:tab pos="719339" algn="l"/>
+                <a:tab pos="1438679" algn="l"/>
+              </a:tabLst>
+              <a:defRPr>
+                <a:solidFill>
+                  <a:schemeClr val="bg1"/>
+                </a:solidFill>
+                <a:latin typeface="Arial" pitchFamily="34" charset="0"/>
+              </a:defRPr>
+            </a:lvl1pPr>
+            <a:lvl2pPr marL="738269" indent="-283950" eaLnBrk="0" hangingPunct="0">
+              <a:tabLst>
+                <a:tab pos="719339" algn="l"/>
+                <a:tab pos="1438679" algn="l"/>
+              </a:tabLst>
+              <a:defRPr>
+                <a:solidFill>
+                  <a:schemeClr val="bg1"/>
+                </a:solidFill>
+                <a:latin typeface="Arial" pitchFamily="34" charset="0"/>
+              </a:defRPr>
+            </a:lvl2pPr>
+            <a:lvl3pPr marL="1135799" indent="-227160" eaLnBrk="0" hangingPunct="0">
+              <a:tabLst>
+                <a:tab pos="719339" algn="l"/>
+                <a:tab pos="1438679" algn="l"/>
+              </a:tabLst>
+              <a:defRPr>
+                <a:solidFill>
+                  <a:schemeClr val="bg1"/>
+                </a:solidFill>
+                <a:latin typeface="Arial" pitchFamily="34" charset="0"/>
+              </a:defRPr>
+            </a:lvl3pPr>
+            <a:lvl4pPr marL="1590119" indent="-227160" eaLnBrk="0" hangingPunct="0">
+              <a:tabLst>
+                <a:tab pos="719339" algn="l"/>
+                <a:tab pos="1438679" algn="l"/>
+              </a:tabLst>
+              <a:defRPr>
+                <a:solidFill>
+                  <a:schemeClr val="bg1"/>
+                </a:solidFill>
+                <a:latin typeface="Arial" pitchFamily="34" charset="0"/>
+              </a:defRPr>
+            </a:lvl4pPr>
+            <a:lvl5pPr marL="2044438" indent="-227160" eaLnBrk="0" hangingPunct="0">
+              <a:tabLst>
+                <a:tab pos="719339" algn="l"/>
+                <a:tab pos="1438679" algn="l"/>
+              </a:tabLst>
+              <a:defRPr>
+                <a:solidFill>
+                  <a:schemeClr val="bg1"/>
+                </a:solidFill>
+                <a:latin typeface="Arial" pitchFamily="34" charset="0"/>
+              </a:defRPr>
+            </a:lvl5pPr>
+            <a:lvl6pPr marL="2498758" indent="-227160" algn="ctr" defTabSz="446433" eaLnBrk="0" fontAlgn="base" hangingPunct="0">
+              <a:lnSpc>
+                <a:spcPct val="93000"/>
+              </a:lnSpc>
+              <a:spcBef>
+                <a:spcPct val="0"/>
+              </a:spcBef>
+              <a:spcAft>
+                <a:spcPct val="0"/>
+              </a:spcAft>
+              <a:buClr>
+                <a:srgbClr val="000000"/>
+              </a:buClr>
+              <a:buSzPct val="100000"/>
+              <a:buFont typeface="Arial" pitchFamily="34" charset="0"/>
+              <a:tabLst>
+                <a:tab pos="719339" algn="l"/>
+                <a:tab pos="1438679" algn="l"/>
+              </a:tabLst>
+              <a:defRPr>
+                <a:solidFill>
+                  <a:schemeClr val="bg1"/>
+                </a:solidFill>
+                <a:latin typeface="Arial" pitchFamily="34" charset="0"/>
+              </a:defRPr>
+            </a:lvl6pPr>
+            <a:lvl7pPr marL="2953078" indent="-227160" algn="ctr" defTabSz="446433" eaLnBrk="0" fontAlgn="base" hangingPunct="0">
+              <a:lnSpc>
+                <a:spcPct val="93000"/>
+              </a:lnSpc>
+              <a:spcBef>
+                <a:spcPct val="0"/>
+              </a:spcBef>
+              <a:spcAft>
+                <a:spcPct val="0"/>
+              </a:spcAft>
+              <a:buClr>
+                <a:srgbClr val="000000"/>
+              </a:buClr>
+              <a:buSzPct val="100000"/>
+              <a:buFont typeface="Arial" pitchFamily="34" charset="0"/>
+              <a:tabLst>
+                <a:tab pos="719339" algn="l"/>
+                <a:tab pos="1438679" algn="l"/>
+              </a:tabLst>
+              <a:defRPr>
+                <a:solidFill>
+                  <a:schemeClr val="bg1"/>
+                </a:solidFill>
+                <a:latin typeface="Arial" pitchFamily="34" charset="0"/>
+              </a:defRPr>
+            </a:lvl7pPr>
+            <a:lvl8pPr marL="3407397" indent="-227160" algn="ctr" defTabSz="446433" eaLnBrk="0" fontAlgn="base" hangingPunct="0">
+              <a:lnSpc>
+                <a:spcPct val="93000"/>
+              </a:lnSpc>
+              <a:spcBef>
+                <a:spcPct val="0"/>
+              </a:spcBef>
+              <a:spcAft>
+                <a:spcPct val="0"/>
+              </a:spcAft>
+              <a:buClr>
+                <a:srgbClr val="000000"/>
+              </a:buClr>
+              <a:buSzPct val="100000"/>
+              <a:buFont typeface="Arial" pitchFamily="34" charset="0"/>
+              <a:tabLst>
+                <a:tab pos="719339" algn="l"/>
+                <a:tab pos="1438679" algn="l"/>
+              </a:tabLst>
+              <a:defRPr>
+                <a:solidFill>
+                  <a:schemeClr val="bg1"/>
+                </a:solidFill>
+                <a:latin typeface="Arial" pitchFamily="34" charset="0"/>
+              </a:defRPr>
+            </a:lvl8pPr>
+            <a:lvl9pPr marL="3861717" indent="-227160" algn="ctr" defTabSz="446433" eaLnBrk="0" fontAlgn="base" hangingPunct="0">
+              <a:lnSpc>
+                <a:spcPct val="93000"/>
+              </a:lnSpc>
+              <a:spcBef>
+                <a:spcPct val="0"/>
+              </a:spcBef>
+              <a:spcAft>
+                <a:spcPct val="0"/>
+              </a:spcAft>
+              <a:buClr>
+                <a:srgbClr val="000000"/>
+              </a:buClr>
+              <a:buSzPct val="100000"/>
+              <a:buFont typeface="Arial" pitchFamily="34" charset="0"/>
+              <a:tabLst>
+                <a:tab pos="719339" algn="l"/>
+                <a:tab pos="1438679" algn="l"/>
+              </a:tabLst>
+              <a:defRPr>
+                <a:solidFill>
+                  <a:schemeClr val="bg1"/>
+                </a:solidFill>
+                <a:latin typeface="Arial" pitchFamily="34" charset="0"/>
+              </a:defRPr>
+            </a:lvl9pPr>
+          </a:lstStyle>
+          <a:p>
+            <a:pPr eaLnBrk="1" hangingPunct="1"/>
+            <a:r>
+              <a:rPr lang="en-GB" dirty="0">
+                <a:solidFill>
+                  <a:srgbClr val="000000"/>
+                </a:solidFill>
+                <a:latin typeface="Stafford" pitchFamily="2" charset="0"/>
+              </a:rPr>
+              <a:t>November 19, 2007</a:t>
+            </a:r>
+          </a:p>
+        </p:txBody>
+      </p:sp>
+      <p:sp>
+        <p:nvSpPr>
+          <p:cNvPr id="1048600" name="Rectangle 6"/>
+          <p:cNvSpPr>
+            <a:spLocks noGrp="1" noChangeArrowheads="1"/>
+          </p:cNvSpPr>
+          <p:nvPr>
+            <p:ph type="ftr" sz="quarter"/>
+          </p:nvPr>
+        </p:nvSpPr>
+        <p:spPr>
+          <a:noFill/>
+        </p:spPr>
+        <p:txBody>
+          <a:bodyPr/>
+          <a:lstStyle>
+            <a:lvl1pPr eaLnBrk="0" hangingPunct="0">
+              <a:tabLst>
+                <a:tab pos="719339" algn="l"/>
+                <a:tab pos="1438679" algn="l"/>
+                <a:tab pos="2158018" algn="l"/>
+                <a:tab pos="2877358" algn="l"/>
+                <a:tab pos="3596697" algn="l"/>
+              </a:tabLst>
+              <a:defRPr>
+                <a:solidFill>
+                  <a:schemeClr val="bg1"/>
+                </a:solidFill>
+                <a:latin typeface="Arial" pitchFamily="34" charset="0"/>
+              </a:defRPr>
+            </a:lvl1pPr>
+            <a:lvl2pPr marL="738269" indent="-283950" eaLnBrk="0" hangingPunct="0">
+              <a:tabLst>
+                <a:tab pos="719339" algn="l"/>
+                <a:tab pos="1438679" algn="l"/>
+                <a:tab pos="2158018" algn="l"/>
+                <a:tab pos="2877358" algn="l"/>
+                <a:tab pos="3596697" algn="l"/>
+              </a:tabLst>
+              <a:defRPr>
+                <a:solidFill>
+                  <a:schemeClr val="bg1"/>
+                </a:solidFill>
+                <a:latin typeface="Arial" pitchFamily="34" charset="0"/>
+              </a:defRPr>
+            </a:lvl2pPr>
+            <a:lvl3pPr marL="1135799" indent="-227160" eaLnBrk="0" hangingPunct="0">
+              <a:tabLst>
+                <a:tab pos="719339" algn="l"/>
+                <a:tab pos="1438679" algn="l"/>
+                <a:tab pos="2158018" algn="l"/>
+                <a:tab pos="2877358" algn="l"/>
+                <a:tab pos="3596697" algn="l"/>
+              </a:tabLst>
+              <a:defRPr>
+                <a:solidFill>
+                  <a:schemeClr val="bg1"/>
+                </a:solidFill>
+                <a:latin typeface="Arial" pitchFamily="34" charset="0"/>
+              </a:defRPr>
+            </a:lvl3pPr>
+            <a:lvl4pPr marL="1590119" indent="-227160" eaLnBrk="0" hangingPunct="0">
+              <a:tabLst>
+                <a:tab pos="719339" algn="l"/>
+                <a:tab pos="1438679" algn="l"/>
+                <a:tab pos="2158018" algn="l"/>
+                <a:tab pos="2877358" algn="l"/>
+                <a:tab pos="3596697" algn="l"/>
+              </a:tabLst>
+              <a:defRPr>
+                <a:solidFill>
+                  <a:schemeClr val="bg1"/>
+                </a:solidFill>
+                <a:latin typeface="Arial" pitchFamily="34" charset="0"/>
+              </a:defRPr>
+            </a:lvl4pPr>
+            <a:lvl5pPr marL="2044438" indent="-227160" eaLnBrk="0" hangingPunct="0">
+              <a:tabLst>
+                <a:tab pos="719339" algn="l"/>
+                <a:tab pos="1438679" algn="l"/>
+                <a:tab pos="2158018" algn="l"/>
+                <a:tab pos="2877358" algn="l"/>
+                <a:tab pos="3596697" algn="l"/>
+              </a:tabLst>
+              <a:defRPr>
+                <a:solidFill>
+                  <a:schemeClr val="bg1"/>
+                </a:solidFill>
+                <a:latin typeface="Arial" pitchFamily="34" charset="0"/>
+              </a:defRPr>
+            </a:lvl5pPr>
+            <a:lvl6pPr marL="2498758" indent="-227160" algn="ctr" defTabSz="446433" eaLnBrk="0" fontAlgn="base" hangingPunct="0">
+              <a:lnSpc>
+                <a:spcPct val="93000"/>
+              </a:lnSpc>
+              <a:spcBef>
+                <a:spcPct val="0"/>
+              </a:spcBef>
+              <a:spcAft>
+                <a:spcPct val="0"/>
+              </a:spcAft>
+              <a:buClr>
+                <a:srgbClr val="000000"/>
+              </a:buClr>
+              <a:buSzPct val="100000"/>
+              <a:buFont typeface="Arial" pitchFamily="34" charset="0"/>
+              <a:tabLst>
+                <a:tab pos="719339" algn="l"/>
+                <a:tab pos="1438679" algn="l"/>
+                <a:tab pos="2158018" algn="l"/>
+                <a:tab pos="2877358" algn="l"/>
+                <a:tab pos="3596697" algn="l"/>
+              </a:tabLst>
+              <a:defRPr>
+                <a:solidFill>
+                  <a:schemeClr val="bg1"/>
+                </a:solidFill>
+                <a:latin typeface="Arial" pitchFamily="34" charset="0"/>
+              </a:defRPr>
+            </a:lvl6pPr>
+            <a:lvl7pPr marL="2953078" indent="-227160" algn="ctr" defTabSz="446433" eaLnBrk="0" fontAlgn="base" hangingPunct="0">
+              <a:lnSpc>
+                <a:spcPct val="93000"/>
+              </a:lnSpc>
+              <a:spcBef>
+                <a:spcPct val="0"/>
+              </a:spcBef>
+              <a:spcAft>
+                <a:spcPct val="0"/>
+              </a:spcAft>
+              <a:buClr>
+                <a:srgbClr val="000000"/>
+              </a:buClr>
+              <a:buSzPct val="100000"/>
+              <a:buFont typeface="Arial" pitchFamily="34" charset="0"/>
+              <a:tabLst>
+                <a:tab pos="719339" algn="l"/>
+                <a:tab pos="1438679" algn="l"/>
+                <a:tab pos="2158018" algn="l"/>
+                <a:tab pos="2877358" algn="l"/>
+                <a:tab pos="3596697" algn="l"/>
+              </a:tabLst>
+              <a:defRPr>
+                <a:solidFill>
+                  <a:schemeClr val="bg1"/>
+                </a:solidFill>
+                <a:latin typeface="Arial" pitchFamily="34" charset="0"/>
+              </a:defRPr>
+            </a:lvl7pPr>
+            <a:lvl8pPr marL="3407397" indent="-227160" algn="ctr" defTabSz="446433" eaLnBrk="0" fontAlgn="base" hangingPunct="0">
+              <a:lnSpc>
+                <a:spcPct val="93000"/>
+              </a:lnSpc>
+              <a:spcBef>
+                <a:spcPct val="0"/>
+              </a:spcBef>
+              <a:spcAft>
+                <a:spcPct val="0"/>
+              </a:spcAft>
+              <a:buClr>
+                <a:srgbClr val="000000"/>
+              </a:buClr>
+              <a:buSzPct val="100000"/>
+              <a:buFont typeface="Arial" pitchFamily="34" charset="0"/>
+              <a:tabLst>
+                <a:tab pos="719339" algn="l"/>
+                <a:tab pos="1438679" algn="l"/>
+                <a:tab pos="2158018" algn="l"/>
+                <a:tab pos="2877358" algn="l"/>
+                <a:tab pos="3596697" algn="l"/>
+              </a:tabLst>
+              <a:defRPr>
+                <a:solidFill>
+                  <a:schemeClr val="bg1"/>
+                </a:solidFill>
+                <a:latin typeface="Arial" pitchFamily="34" charset="0"/>
+              </a:defRPr>
+            </a:lvl8pPr>
+            <a:lvl9pPr marL="3861717" indent="-227160" algn="ctr" defTabSz="446433" eaLnBrk="0" fontAlgn="base" hangingPunct="0">
+              <a:lnSpc>
+                <a:spcPct val="93000"/>
+              </a:lnSpc>
+              <a:spcBef>
+                <a:spcPct val="0"/>
+              </a:spcBef>
+              <a:spcAft>
+                <a:spcPct val="0"/>
+              </a:spcAft>
+              <a:buClr>
+                <a:srgbClr val="000000"/>
+              </a:buClr>
+              <a:buSzPct val="100000"/>
+              <a:buFont typeface="Arial" pitchFamily="34" charset="0"/>
+              <a:tabLst>
+                <a:tab pos="719339" algn="l"/>
+                <a:tab pos="1438679" algn="l"/>
+                <a:tab pos="2158018" algn="l"/>
+                <a:tab pos="2877358" algn="l"/>
+                <a:tab pos="3596697" algn="l"/>
+              </a:tabLst>
+              <a:defRPr>
+                <a:solidFill>
+                  <a:schemeClr val="bg1"/>
+                </a:solidFill>
+                <a:latin typeface="Arial" pitchFamily="34" charset="0"/>
+              </a:defRPr>
+            </a:lvl9pPr>
+          </a:lstStyle>
+          <a:p>
+            <a:pPr eaLnBrk="1" hangingPunct="1"/>
+            <a:r>
+              <a:rPr lang="en-GB" dirty="0">
+                <a:solidFill>
+                  <a:srgbClr val="000000"/>
+                </a:solidFill>
+                <a:latin typeface="Stafford" pitchFamily="2" charset="0"/>
+              </a:rPr>
+              <a:t>|  </a:t>
+            </a:r>
+          </a:p>
+        </p:txBody>
+      </p:sp>
+      <p:sp>
+        <p:nvSpPr>
+          <p:cNvPr id="1048601" name="Rectangle 7"/>
+          <p:cNvSpPr>
+            <a:spLocks noGrp="1" noChangeArrowheads="1"/>
+          </p:cNvSpPr>
+          <p:nvPr>
+            <p:ph type="sldNum" sz="quarter"/>
+          </p:nvPr>
+        </p:nvSpPr>
+        <p:spPr>
+          <a:noFill/>
+        </p:spPr>
+        <p:txBody>
+          <a:bodyPr/>
+          <a:lstStyle>
+            <a:lvl1pPr eaLnBrk="0" hangingPunct="0">
+              <a:tabLst>
+                <a:tab pos="719339" algn="l"/>
+              </a:tabLst>
+              <a:defRPr>
+                <a:solidFill>
+                  <a:schemeClr val="bg1"/>
+                </a:solidFill>
+                <a:latin typeface="Arial" pitchFamily="34" charset="0"/>
+              </a:defRPr>
+            </a:lvl1pPr>
+            <a:lvl2pPr marL="738269" indent="-283950" eaLnBrk="0" hangingPunct="0">
+              <a:tabLst>
+                <a:tab pos="719339" algn="l"/>
+              </a:tabLst>
+              <a:defRPr>
+                <a:solidFill>
+                  <a:schemeClr val="bg1"/>
+                </a:solidFill>
+                <a:latin typeface="Arial" pitchFamily="34" charset="0"/>
+              </a:defRPr>
+            </a:lvl2pPr>
+            <a:lvl3pPr marL="1135799" indent="-227160" eaLnBrk="0" hangingPunct="0">
+              <a:tabLst>
+                <a:tab pos="719339" algn="l"/>
+              </a:tabLst>
+              <a:defRPr>
+                <a:solidFill>
+                  <a:schemeClr val="bg1"/>
+                </a:solidFill>
+                <a:latin typeface="Arial" pitchFamily="34" charset="0"/>
+              </a:defRPr>
+            </a:lvl3pPr>
+            <a:lvl4pPr marL="1590119" indent="-227160" eaLnBrk="0" hangingPunct="0">
+              <a:tabLst>
+                <a:tab pos="719339" algn="l"/>
+              </a:tabLst>
+              <a:defRPr>
+                <a:solidFill>
+                  <a:schemeClr val="bg1"/>
+                </a:solidFill>
+                <a:latin typeface="Arial" pitchFamily="34" charset="0"/>
+              </a:defRPr>
+            </a:lvl4pPr>
+            <a:lvl5pPr marL="2044438" indent="-227160" eaLnBrk="0" hangingPunct="0">
+              <a:tabLst>
+                <a:tab pos="719339" algn="l"/>
+              </a:tabLst>
+              <a:defRPr>
+                <a:solidFill>
+                  <a:schemeClr val="bg1"/>
+                </a:solidFill>
+                <a:latin typeface="Arial" pitchFamily="34" charset="0"/>
+              </a:defRPr>
+            </a:lvl5pPr>
+            <a:lvl6pPr marL="2498758" indent="-227160" algn="ctr" defTabSz="446433" eaLnBrk="0" fontAlgn="base" hangingPunct="0">
+              <a:lnSpc>
+                <a:spcPct val="93000"/>
+              </a:lnSpc>
+              <a:spcBef>
+                <a:spcPct val="0"/>
+              </a:spcBef>
+              <a:spcAft>
+                <a:spcPct val="0"/>
+              </a:spcAft>
+              <a:buClr>
+                <a:srgbClr val="000000"/>
+              </a:buClr>
+              <a:buSzPct val="100000"/>
+              <a:buFont typeface="Arial" pitchFamily="34" charset="0"/>
+              <a:tabLst>
+                <a:tab pos="719339" algn="l"/>
+              </a:tabLst>
+              <a:defRPr>
+                <a:solidFill>
+                  <a:schemeClr val="bg1"/>
+                </a:solidFill>
+                <a:latin typeface="Arial" pitchFamily="34" charset="0"/>
+              </a:defRPr>
+            </a:lvl6pPr>
+            <a:lvl7pPr marL="2953078" indent="-227160" algn="ctr" defTabSz="446433" eaLnBrk="0" fontAlgn="base" hangingPunct="0">
+              <a:lnSpc>
+                <a:spcPct val="93000"/>
+              </a:lnSpc>
+              <a:spcBef>
+                <a:spcPct val="0"/>
+              </a:spcBef>
+              <a:spcAft>
+                <a:spcPct val="0"/>
+              </a:spcAft>
+              <a:buClr>
+                <a:srgbClr val="000000"/>
+              </a:buClr>
+              <a:buSzPct val="100000"/>
+              <a:buFont typeface="Arial" pitchFamily="34" charset="0"/>
+              <a:tabLst>
+                <a:tab pos="719339" algn="l"/>
+              </a:tabLst>
+              <a:defRPr>
+                <a:solidFill>
+                  <a:schemeClr val="bg1"/>
+                </a:solidFill>
+                <a:latin typeface="Arial" pitchFamily="34" charset="0"/>
+              </a:defRPr>
+            </a:lvl7pPr>
+            <a:lvl8pPr marL="3407397" indent="-227160" algn="ctr" defTabSz="446433" eaLnBrk="0" fontAlgn="base" hangingPunct="0">
+              <a:lnSpc>
+                <a:spcPct val="93000"/>
+              </a:lnSpc>
+              <a:spcBef>
+                <a:spcPct val="0"/>
+              </a:spcBef>
+              <a:spcAft>
+                <a:spcPct val="0"/>
+              </a:spcAft>
+              <a:buClr>
+                <a:srgbClr val="000000"/>
+              </a:buClr>
+              <a:buSzPct val="100000"/>
+              <a:buFont typeface="Arial" pitchFamily="34" charset="0"/>
+              <a:tabLst>
+                <a:tab pos="719339" algn="l"/>
+              </a:tabLst>
+              <a:defRPr>
+                <a:solidFill>
+                  <a:schemeClr val="bg1"/>
+                </a:solidFill>
+                <a:latin typeface="Arial" pitchFamily="34" charset="0"/>
+              </a:defRPr>
+            </a:lvl8pPr>
+            <a:lvl9pPr marL="3861717" indent="-227160" algn="ctr" defTabSz="446433" eaLnBrk="0" fontAlgn="base" hangingPunct="0">
+              <a:lnSpc>
+                <a:spcPct val="93000"/>
+              </a:lnSpc>
+              <a:spcBef>
+                <a:spcPct val="0"/>
+              </a:spcBef>
+              <a:spcAft>
+                <a:spcPct val="0"/>
+              </a:spcAft>
+              <a:buClr>
+                <a:srgbClr val="000000"/>
+              </a:buClr>
+              <a:buSzPct val="100000"/>
+              <a:buFont typeface="Arial" pitchFamily="34" charset="0"/>
+              <a:tabLst>
+                <a:tab pos="719339" algn="l"/>
+              </a:tabLst>
+              <a:defRPr>
+                <a:solidFill>
+                  <a:schemeClr val="bg1"/>
+                </a:solidFill>
+                <a:latin typeface="Arial" pitchFamily="34" charset="0"/>
+              </a:defRPr>
+            </a:lvl9pPr>
+          </a:lstStyle>
+          <a:p>
+            <a:pPr eaLnBrk="1" hangingPunct="1"/>
+            <a:r>
+              <a:rPr lang="en-GB" dirty="0">
+                <a:solidFill>
+                  <a:srgbClr val="000000"/>
+                </a:solidFill>
+                <a:latin typeface="Stafford" pitchFamily="2" charset="0"/>
+              </a:rPr>
+              <a:t>|  </a:t>
+            </a:r>
+            <a:fld id="{182A058B-C42E-403D-AC0C-8E31B078BE7A}" type="slidenum">
+              <a:rPr lang="en-GB" smtClean="0">
+                <a:solidFill>
+                  <a:srgbClr val="000000"/>
+                </a:solidFill>
+                <a:latin typeface="Stafford" pitchFamily="2" charset="0"/>
+              </a:rPr>
+              <a:pPr eaLnBrk="1" hangingPunct="1"/>
+              <a:t>14</a:t>
+            </a:fld>
+            <a:endParaRPr lang="en-GB" dirty="0">
+              <a:solidFill>
+                <a:srgbClr val="000000"/>
+              </a:solidFill>
+              <a:latin typeface="Stafford" pitchFamily="2" charset="0"/>
+            </a:endParaRPr>
+          </a:p>
+        </p:txBody>
+      </p:sp>
+      <p:sp>
+        <p:nvSpPr>
+          <p:cNvPr id="1048602" name="Rectangle 2"/>
+          <p:cNvSpPr>
+            <a:spLocks noGrp="1" noRot="1" noChangeAspect="1" noChangeArrowheads="1" noTextEdit="1"/>
+          </p:cNvSpPr>
+          <p:nvPr>
+            <p:ph type="sldImg"/>
+          </p:nvPr>
+        </p:nvSpPr>
+        <p:spPr>
+          <a:xfrm>
+            <a:off x="1168400" y="1004888"/>
+            <a:ext cx="4440238" cy="3330575"/>
+          </a:xfrm>
+        </p:spPr>
+      </p:sp>
+      <p:sp>
+        <p:nvSpPr>
+          <p:cNvPr id="1048603" name="Rectangle 3"/>
+          <p:cNvSpPr>
+            <a:spLocks noGrp="1" noChangeArrowheads="1"/>
+          </p:cNvSpPr>
+          <p:nvPr>
+            <p:ph type="body" idx="1"/>
+          </p:nvPr>
+        </p:nvSpPr>
+        <p:spPr>
+          <a:xfrm>
+            <a:off x="188827" y="4649648"/>
+            <a:ext cx="6418453" cy="4648061"/>
+          </a:xfrm>
+          <a:noFill/>
+        </p:spPr>
+        <p:txBody>
+          <a:bodyPr/>
+          <a:lstStyle/>
+          <a:p>
+            <a:endParaRPr lang="en-US" dirty="0"/>
+          </a:p>
+        </p:txBody>
+      </p:sp>
+    </p:spTree>
+    <p:custDataLst>
+      <p:tags r:id="rId1"/>
+    </p:custDataLst>
   </p:cSld>
   <p:clrMapOvr>
     <a:masterClrMapping/>
@@ -9762,7 +10451,7 @@
     </p:spTree>
     <p:extLst>
       <p:ext uri="{BB962C8B-B14F-4D97-AF65-F5344CB8AC3E}">
-        <p14:creationId xmlns:p14="http://schemas.microsoft.com/office/powerpoint/2010/main" xmlns="" val="4086205857"/>
+        <p14:creationId xmlns:p14="http://schemas.microsoft.com/office/powerpoint/2010/main" val="4086205857"/>
       </p:ext>
     </p:extLst>
   </p:cSld>
@@ -9898,7 +10587,7 @@
     </p:spTree>
     <p:extLst>
       <p:ext uri="{BB962C8B-B14F-4D97-AF65-F5344CB8AC3E}">
-        <p14:creationId xmlns:p14="http://schemas.microsoft.com/office/powerpoint/2010/main" xmlns="" val="3979630434"/>
+        <p14:creationId xmlns:p14="http://schemas.microsoft.com/office/powerpoint/2010/main" val="3979630434"/>
       </p:ext>
     </p:extLst>
   </p:cSld>
@@ -10034,7 +10723,7 @@
     </p:spTree>
     <p:extLst>
       <p:ext uri="{BB962C8B-B14F-4D97-AF65-F5344CB8AC3E}">
-        <p14:creationId xmlns:p14="http://schemas.microsoft.com/office/powerpoint/2010/main" xmlns="" val="894590783"/>
+        <p14:creationId xmlns:p14="http://schemas.microsoft.com/office/powerpoint/2010/main" val="894590783"/>
       </p:ext>
     </p:extLst>
   </p:cSld>
@@ -10170,7 +10859,7 @@
     </p:spTree>
     <p:extLst>
       <p:ext uri="{BB962C8B-B14F-4D97-AF65-F5344CB8AC3E}">
-        <p14:creationId xmlns:p14="http://schemas.microsoft.com/office/powerpoint/2010/main" xmlns="" val="894590783"/>
+        <p14:creationId xmlns:p14="http://schemas.microsoft.com/office/powerpoint/2010/main" val="894590783"/>
       </p:ext>
     </p:extLst>
   </p:cSld>
@@ -10306,7 +10995,7 @@
     </p:spTree>
     <p:extLst>
       <p:ext uri="{BB962C8B-B14F-4D97-AF65-F5344CB8AC3E}">
-        <p14:creationId xmlns:p14="http://schemas.microsoft.com/office/powerpoint/2010/main" xmlns="" val="894590783"/>
+        <p14:creationId xmlns:p14="http://schemas.microsoft.com/office/powerpoint/2010/main" val="894590783"/>
       </p:ext>
     </p:extLst>
   </p:cSld>
@@ -10442,7 +11131,7 @@
     </p:spTree>
     <p:extLst>
       <p:ext uri="{BB962C8B-B14F-4D97-AF65-F5344CB8AC3E}">
-        <p14:creationId xmlns:p14="http://schemas.microsoft.com/office/powerpoint/2010/main" xmlns="" val="894590783"/>
+        <p14:creationId xmlns:p14="http://schemas.microsoft.com/office/powerpoint/2010/main" val="894590783"/>
       </p:ext>
     </p:extLst>
   </p:cSld>
@@ -10578,7 +11267,7 @@
     </p:spTree>
     <p:extLst>
       <p:ext uri="{BB962C8B-B14F-4D97-AF65-F5344CB8AC3E}">
-        <p14:creationId xmlns:p14="http://schemas.microsoft.com/office/powerpoint/2010/main" xmlns="" val="894590783"/>
+        <p14:creationId xmlns:p14="http://schemas.microsoft.com/office/powerpoint/2010/main" val="894590783"/>
       </p:ext>
     </p:extLst>
   </p:cSld>
@@ -10714,7 +11403,7 @@
     </p:spTree>
     <p:extLst>
       <p:ext uri="{BB962C8B-B14F-4D97-AF65-F5344CB8AC3E}">
-        <p14:creationId xmlns:p14="http://schemas.microsoft.com/office/powerpoint/2010/main" xmlns="" val="1472061649"/>
+        <p14:creationId xmlns:p14="http://schemas.microsoft.com/office/powerpoint/2010/main" val="1472061649"/>
       </p:ext>
     </p:extLst>
   </p:cSld>
@@ -15260,7 +15949,7 @@
                 <a:buFont typeface="Arial" pitchFamily="34" charset="0"/>
                 <a:buNone/>
               </a:pPr>
-              <a:t>3. März 2019</a:t>
+              <a:t>4. März 2019</a:t>
             </a:fld>
             <a:r>
               <a:rPr kumimoji="0" lang="en-US" sz="1100" b="0" i="0" u="none" strike="noStrike" kern="1200" cap="none" spc="0" normalizeH="0" baseline="0" noProof="0" dirty="0">
@@ -15838,7 +16527,11 @@
             </a:r>
             <a:r>
               <a:rPr lang="de-DE" dirty="0" err="1"/>
-              <a:t>etit</a:t>
+              <a:t>E</a:t>
+            </a:r>
+            <a:r>
+              <a:rPr lang="de-DE" dirty="0" err="1" smtClean="0"/>
+              <a:t>tit</a:t>
             </a:r>
             <a:endParaRPr lang="de-DE" dirty="0"/>
           </a:p>
@@ -16404,6 +17097,106 @@
           <a:bodyPr/>
           <a:lstStyle/>
           <a:p>
+            <a:pPr marL="0" indent="0">
+              <a:buNone/>
+            </a:pPr>
+            <a:r>
+              <a:rPr lang="de-DE" b="1" dirty="0" smtClean="0"/>
+              <a:t>Probleme</a:t>
+            </a:r>
+          </a:p>
+          <a:p>
+            <a:r>
+              <a:rPr lang="de-DE" dirty="0" smtClean="0"/>
+              <a:t>Bildprobleme mit der </a:t>
+            </a:r>
+            <a:r>
+              <a:rPr lang="de-DE" dirty="0" err="1" smtClean="0"/>
+              <a:t>Kinect</a:t>
+            </a:r>
+            <a:endParaRPr lang="de-DE" dirty="0" smtClean="0"/>
+          </a:p>
+          <a:p>
+            <a:r>
+              <a:rPr lang="de-DE" dirty="0" smtClean="0"/>
+              <a:t>Belichtungskorrektur der Weitwinkelkamera nicht abschaltbar</a:t>
+            </a:r>
+          </a:p>
+          <a:p>
+            <a:r>
+              <a:rPr lang="de-DE" dirty="0" smtClean="0"/>
+              <a:t>Begrenzung des Lenkwinkels durch das Gehäuse</a:t>
+            </a:r>
+          </a:p>
+          <a:p>
+            <a:r>
+              <a:rPr lang="de-DE" dirty="0" smtClean="0"/>
+              <a:t>Falschwerte des Front-Ultraschallsensors</a:t>
+            </a:r>
+          </a:p>
+          <a:p>
+            <a:endParaRPr lang="de-DE" dirty="0" smtClean="0"/>
+          </a:p>
+          <a:p>
+            <a:pPr marL="0" indent="0">
+              <a:buNone/>
+            </a:pPr>
+            <a:r>
+              <a:rPr lang="de-DE" b="1" dirty="0" smtClean="0"/>
+              <a:t>Verworfene Ansätze</a:t>
+            </a:r>
+            <a:endParaRPr lang="de-DE" b="1" dirty="0"/>
+          </a:p>
+          <a:p>
+            <a:r>
+              <a:rPr lang="de-DE" dirty="0" smtClean="0"/>
+              <a:t>Einbeziehung der </a:t>
+            </a:r>
+            <a:r>
+              <a:rPr lang="de-DE" dirty="0" err="1" smtClean="0"/>
+              <a:t>Odometriedaten</a:t>
+            </a:r>
+            <a:r>
+              <a:rPr lang="de-DE" dirty="0" smtClean="0"/>
+              <a:t> zur Positionsbestimmung</a:t>
+            </a:r>
+          </a:p>
+          <a:p>
+            <a:r>
+              <a:rPr lang="de-DE" dirty="0" smtClean="0"/>
+              <a:t>Bildfilterung und Edge </a:t>
+            </a:r>
+            <a:r>
+              <a:rPr lang="de-DE" dirty="0" err="1" smtClean="0"/>
+              <a:t>Detection</a:t>
+            </a:r>
+            <a:r>
+              <a:rPr lang="de-DE" dirty="0" smtClean="0"/>
+              <a:t> mit </a:t>
+            </a:r>
+            <a:r>
+              <a:rPr lang="de-DE" dirty="0" err="1" smtClean="0"/>
+              <a:t>Canny</a:t>
+            </a:r>
+            <a:endParaRPr lang="de-DE" dirty="0" smtClean="0"/>
+          </a:p>
+          <a:p>
+            <a:r>
+              <a:rPr lang="de-DE" dirty="0" err="1" smtClean="0"/>
+              <a:t>Countour</a:t>
+            </a:r>
+            <a:r>
+              <a:rPr lang="de-DE" dirty="0" smtClean="0"/>
+              <a:t> </a:t>
+            </a:r>
+            <a:r>
+              <a:rPr lang="de-DE" dirty="0" err="1" smtClean="0"/>
+              <a:t>Detection</a:t>
+            </a:r>
+            <a:r>
+              <a:rPr lang="de-DE" dirty="0" smtClean="0"/>
+              <a:t> und malen des kleinsten umrandenden Rechtecks</a:t>
+            </a:r>
             <a:endParaRPr lang="de-DE" dirty="0"/>
           </a:p>
         </p:txBody>
@@ -16486,6 +17279,42 @@
           <a:bodyPr/>
           <a:lstStyle/>
           <a:p>
+            <a:r>
+              <a:rPr lang="de-DE" dirty="0" smtClean="0"/>
+              <a:t>Relativ robuste ruhige Regelung</a:t>
+            </a:r>
+          </a:p>
+          <a:p>
+            <a:r>
+              <a:rPr lang="de-DE" dirty="0" smtClean="0"/>
+              <a:t>Großer Einfluss der Lichtverhältnisse</a:t>
+            </a:r>
+          </a:p>
+          <a:p>
+            <a:endParaRPr lang="de-DE" dirty="0" smtClean="0"/>
+          </a:p>
+          <a:p>
+            <a:endParaRPr lang="de-DE" dirty="0" smtClean="0"/>
+          </a:p>
+          <a:p>
+            <a:r>
+              <a:rPr lang="de-DE" dirty="0" smtClean="0"/>
+              <a:t>Standardisierte Halterung der Weitwinkelkamera entwickeln</a:t>
+            </a:r>
+          </a:p>
+          <a:p>
+            <a:r>
+              <a:rPr lang="de-DE" dirty="0" smtClean="0"/>
+              <a:t>Word-</a:t>
+            </a:r>
+            <a:r>
+              <a:rPr lang="de-DE" dirty="0" err="1" smtClean="0"/>
+              <a:t>Around</a:t>
+            </a:r>
+            <a:r>
+              <a:rPr lang="de-DE" dirty="0" smtClean="0"/>
+              <a:t> für Belichtungseinstellung</a:t>
+            </a:r>
             <a:endParaRPr lang="de-DE" dirty="0"/>
           </a:p>
         </p:txBody>
@@ -16524,7 +17353,7 @@
       </p:grpSpPr>
       <p:sp>
         <p:nvSpPr>
-          <p:cNvPr id="2" name="Titel 1"/>
+          <p:cNvPr id="1048595" name="Titel 2"/>
           <p:cNvSpPr>
             <a:spLocks noGrp="1"/>
           </p:cNvSpPr>
@@ -16537,13 +17366,243 @@
           <a:bodyPr/>
           <a:lstStyle/>
           <a:p>
-            <a:endParaRPr lang="de-DE"/>
+            <a:r>
+              <a:rPr lang="en-US" dirty="0"/>
+              <a:t>AUDO - Autonomous Unmanned Driving Object</a:t>
+            </a:r>
           </a:p>
         </p:txBody>
       </p:sp>
       <p:sp>
         <p:nvSpPr>
-          <p:cNvPr id="3" name="Inhaltsplatzhalter 2"/>
+          <p:cNvPr id="1048598" name="Text Box 6"/>
+          <p:cNvSpPr txBox="1">
+            <a:spLocks noChangeArrowheads="1"/>
+          </p:cNvSpPr>
+          <p:nvPr/>
+        </p:nvSpPr>
+        <p:spPr bwMode="auto">
+          <a:xfrm>
+            <a:off x="250825" y="6174423"/>
+            <a:ext cx="208281" cy="231140"/>
+          </a:xfrm>
+          <a:prstGeom prst="rect">
+            <a:avLst/>
+          </a:prstGeom>
+          <a:noFill/>
+          <a:ln>
+            <a:noFill/>
+          </a:ln>
+          <a:effectLst/>
+        </p:spPr>
+        <p:txBody>
+          <a:bodyPr wrap="none" anchor="b">
+            <a:spAutoFit/>
+          </a:bodyPr>
+          <a:lstStyle>
+            <a:lvl1pPr eaLnBrk="0" hangingPunct="0">
+              <a:defRPr>
+                <a:solidFill>
+                  <a:schemeClr val="bg1"/>
+                </a:solidFill>
+                <a:latin typeface="Arial" pitchFamily="34" charset="0"/>
+              </a:defRPr>
+            </a:lvl1pPr>
+            <a:lvl2pPr marL="742950" indent="-285750" eaLnBrk="0" hangingPunct="0">
+              <a:defRPr>
+                <a:solidFill>
+                  <a:schemeClr val="bg1"/>
+                </a:solidFill>
+                <a:latin typeface="Arial" pitchFamily="34" charset="0"/>
+              </a:defRPr>
+            </a:lvl2pPr>
+            <a:lvl3pPr marL="1143000" indent="-228600" eaLnBrk="0" hangingPunct="0">
+              <a:defRPr>
+                <a:solidFill>
+                  <a:schemeClr val="bg1"/>
+                </a:solidFill>
+                <a:latin typeface="Arial" pitchFamily="34" charset="0"/>
+              </a:defRPr>
+            </a:lvl3pPr>
+            <a:lvl4pPr marL="1600200" indent="-228600" eaLnBrk="0" hangingPunct="0">
+              <a:defRPr>
+                <a:solidFill>
+                  <a:schemeClr val="bg1"/>
+                </a:solidFill>
+                <a:latin typeface="Arial" pitchFamily="34" charset="0"/>
+              </a:defRPr>
+            </a:lvl4pPr>
+            <a:lvl5pPr marL="2057400" indent="-228600" eaLnBrk="0" hangingPunct="0">
+              <a:defRPr>
+                <a:solidFill>
+                  <a:schemeClr val="bg1"/>
+                </a:solidFill>
+                <a:latin typeface="Arial" pitchFamily="34" charset="0"/>
+              </a:defRPr>
+            </a:lvl5pPr>
+            <a:lvl6pPr marL="2514600" indent="-228600" algn="ctr" defTabSz="449263" eaLnBrk="0" fontAlgn="base" hangingPunct="0">
+              <a:lnSpc>
+                <a:spcPct val="93000"/>
+              </a:lnSpc>
+              <a:spcBef>
+                <a:spcPct val="0"/>
+              </a:spcBef>
+              <a:spcAft>
+                <a:spcPct val="0"/>
+              </a:spcAft>
+              <a:buClr>
+                <a:srgbClr val="000000"/>
+              </a:buClr>
+              <a:buSzPct val="100000"/>
+              <a:buFont typeface="Arial" pitchFamily="34" charset="0"/>
+              <a:defRPr>
+                <a:solidFill>
+                  <a:schemeClr val="bg1"/>
+                </a:solidFill>
+                <a:latin typeface="Arial" pitchFamily="34" charset="0"/>
+              </a:defRPr>
+            </a:lvl6pPr>
+            <a:lvl7pPr marL="2971800" indent="-228600" algn="ctr" defTabSz="449263" eaLnBrk="0" fontAlgn="base" hangingPunct="0">
+              <a:lnSpc>
+                <a:spcPct val="93000"/>
+              </a:lnSpc>
+              <a:spcBef>
+                <a:spcPct val="0"/>
+              </a:spcBef>
+              <a:spcAft>
+                <a:spcPct val="0"/>
+              </a:spcAft>
+              <a:buClr>
+                <a:srgbClr val="000000"/>
+              </a:buClr>
+              <a:buSzPct val="100000"/>
+              <a:buFont typeface="Arial" pitchFamily="34" charset="0"/>
+              <a:defRPr>
+                <a:solidFill>
+                  <a:schemeClr val="bg1"/>
+                </a:solidFill>
+                <a:latin typeface="Arial" pitchFamily="34" charset="0"/>
+              </a:defRPr>
+            </a:lvl7pPr>
+            <a:lvl8pPr marL="3429000" indent="-228600" algn="ctr" defTabSz="449263" eaLnBrk="0" fontAlgn="base" hangingPunct="0">
+              <a:lnSpc>
+                <a:spcPct val="93000"/>
+              </a:lnSpc>
+              <a:spcBef>
+                <a:spcPct val="0"/>
+              </a:spcBef>
+              <a:spcAft>
+                <a:spcPct val="0"/>
+              </a:spcAft>
+              <a:buClr>
+                <a:srgbClr val="000000"/>
+              </a:buClr>
+              <a:buSzPct val="100000"/>
+              <a:buFont typeface="Arial" pitchFamily="34" charset="0"/>
+              <a:defRPr>
+                <a:solidFill>
+                  <a:schemeClr val="bg1"/>
+                </a:solidFill>
+                <a:latin typeface="Arial" pitchFamily="34" charset="0"/>
+              </a:defRPr>
+            </a:lvl8pPr>
+            <a:lvl9pPr marL="3886200" indent="-228600" algn="ctr" defTabSz="449263" eaLnBrk="0" fontAlgn="base" hangingPunct="0">
+              <a:lnSpc>
+                <a:spcPct val="93000"/>
+              </a:lnSpc>
+              <a:spcBef>
+                <a:spcPct val="0"/>
+              </a:spcBef>
+              <a:spcAft>
+                <a:spcPct val="0"/>
+              </a:spcAft>
+              <a:buClr>
+                <a:srgbClr val="000000"/>
+              </a:buClr>
+              <a:buSzPct val="100000"/>
+              <a:buFont typeface="Arial" pitchFamily="34" charset="0"/>
+              <a:defRPr>
+                <a:solidFill>
+                  <a:schemeClr val="bg1"/>
+                </a:solidFill>
+                <a:latin typeface="Arial" pitchFamily="34" charset="0"/>
+              </a:defRPr>
+            </a:lvl9pPr>
+          </a:lstStyle>
+          <a:p>
+            <a:pPr algn="l">
+              <a:lnSpc>
+                <a:spcPct val="100000"/>
+              </a:lnSpc>
+              <a:spcAft>
+                <a:spcPct val="10000"/>
+              </a:spcAft>
+              <a:buClr>
+                <a:schemeClr val="tx1"/>
+              </a:buClr>
+              <a:buFontTx/>
+              <a:buNone/>
+            </a:pPr>
+            <a:r>
+              <a:rPr lang="en-US" sz="1000" dirty="0">
+                <a:solidFill>
+                  <a:schemeClr val="tx1"/>
+                </a:solidFill>
+              </a:rPr>
+              <a:t>                    </a:t>
+            </a:r>
+            <a:endParaRPr lang="en-US" sz="1000" b="1" dirty="0">
+              <a:solidFill>
+                <a:schemeClr val="tx1"/>
+              </a:solidFill>
+            </a:endParaRPr>
+          </a:p>
+        </p:txBody>
+      </p:sp>
+      <p:pic>
+        <p:nvPicPr>
+          <p:cNvPr id="7" name="Picture 2" descr="C:\Users\blume\Dropbox\Uni\_PSES\AUDO\Dokumente\Bericht\images\Gruppentreffen.jpg"/>
+          <p:cNvPicPr>
+            <a:picLocks noChangeAspect="1" noChangeArrowheads="1"/>
+          </p:cNvPicPr>
+          <p:nvPr/>
+        </p:nvPicPr>
+        <p:blipFill>
+          <a:blip r:embed="rId3" cstate="print">
+            <a:extLst>
+              <a:ext uri="{28A0092B-C50C-407E-A947-70E740481C1C}">
+                <a14:useLocalDpi xmlns:a14="http://schemas.microsoft.com/office/drawing/2010/main" val="0"/>
+              </a:ext>
+            </a:extLst>
+          </a:blip>
+          <a:srcRect/>
+          <a:stretch>
+            <a:fillRect/>
+          </a:stretch>
+        </p:blipFill>
+        <p:spPr bwMode="auto">
+          <a:xfrm>
+            <a:off x="354964" y="1484783"/>
+            <a:ext cx="8393499" cy="4721343"/>
+          </a:xfrm>
+          <a:prstGeom prst="rect">
+            <a:avLst/>
+          </a:prstGeom>
+          <a:noFill/>
+          <a:extLst>
+            <a:ext uri="{909E8E84-426E-40DD-AFC4-6F175D3DCCD1}">
+              <a14:hiddenFill xmlns:a14="http://schemas.microsoft.com/office/drawing/2010/main">
+                <a:solidFill>
+                  <a:srgbClr val="FFFFFF"/>
+                </a:solidFill>
+              </a14:hiddenFill>
+            </a:ext>
+          </a:extLst>
+        </p:spPr>
+      </p:pic>
+      <p:sp>
+        <p:nvSpPr>
+          <p:cNvPr id="2" name="Inhaltsplatzhalter 1"/>
           <p:cNvSpPr>
             <a:spLocks noGrp="1"/>
           </p:cNvSpPr>
@@ -16556,33 +17615,21 @@
           <a:bodyPr/>
           <a:lstStyle/>
           <a:p>
-            <a:pPr marL="0" indent="0" algn="ctr">
-              <a:buNone/>
-            </a:pPr>
-            <a:endParaRPr lang="de-CH" sz="4800" dirty="0" smtClean="0"/>
-          </a:p>
-          <a:p>
-            <a:pPr marL="0" indent="0" algn="ctr">
-              <a:buNone/>
-            </a:pPr>
-            <a:r>
-              <a:rPr lang="de-CH" sz="4800" dirty="0" smtClean="0"/>
-              <a:t>Vielen Dank für Ihre Aufmerksamkeit</a:t>
-            </a:r>
-            <a:endParaRPr lang="de-DE" sz="4800" dirty="0"/>
+            <a:endParaRPr lang="de-DE"/>
           </a:p>
         </p:txBody>
       </p:sp>
     </p:spTree>
     <p:extLst>
       <p:ext uri="{BB962C8B-B14F-4D97-AF65-F5344CB8AC3E}">
-        <p14:creationId xmlns:p14="http://schemas.microsoft.com/office/powerpoint/2010/main" xmlns="" val="412314351"/>
+        <p14:creationId xmlns:p14="http://schemas.microsoft.com/office/powerpoint/2010/main" val="785031693"/>
       </p:ext>
     </p:extLst>
   </p:cSld>
   <p:clrMapOvr>
     <a:masterClrMapping/>
   </p:clrMapOvr>
+  <p:transition/>
   <p:timing>
     <p:tnLst>
       <p:par>
@@ -16615,7 +17662,7 @@
           <p:cNvPr id="2" name="Titel 1">
             <a:extLst>
               <a:ext uri="{FF2B5EF4-FFF2-40B4-BE49-F238E27FC236}">
-                <a16:creationId xmlns:a16="http://schemas.microsoft.com/office/drawing/2014/main" xmlns="" id="{24452668-05B8-45C3-9C30-2FC567BF5B34}"/>
+                <a16:creationId xmlns="" xmlns:a16="http://schemas.microsoft.com/office/drawing/2014/main" id="{24452668-05B8-45C3-9C30-2FC567BF5B34}"/>
               </a:ext>
             </a:extLst>
           </p:cNvPr>
@@ -16644,7 +17691,7 @@
           <p:cNvPr id="3" name="Inhaltsplatzhalter 2">
             <a:extLst>
               <a:ext uri="{FF2B5EF4-FFF2-40B4-BE49-F238E27FC236}">
-                <a16:creationId xmlns:a16="http://schemas.microsoft.com/office/drawing/2014/main" xmlns="" id="{6F95FF9C-402A-4AAD-8E88-8EE33D2499FD}"/>
+                <a16:creationId xmlns="" xmlns:a16="http://schemas.microsoft.com/office/drawing/2014/main" id="{6F95FF9C-402A-4AAD-8E88-8EE33D2499FD}"/>
               </a:ext>
             </a:extLst>
           </p:cNvPr>
@@ -16788,7 +17835,7 @@
     </p:spTree>
     <p:extLst>
       <p:ext uri="{BB962C8B-B14F-4D97-AF65-F5344CB8AC3E}">
-        <p14:creationId xmlns:p14="http://schemas.microsoft.com/office/powerpoint/2010/main" xmlns="" val="2622745934"/>
+        <p14:creationId xmlns:p14="http://schemas.microsoft.com/office/powerpoint/2010/main" val="2622745934"/>
       </p:ext>
     </p:extLst>
   </p:cSld>
@@ -16901,7 +17948,7 @@
           <a:blip r:embed="rId2" cstate="print">
             <a:extLst>
               <a:ext uri="{28A0092B-C50C-407E-A947-70E740481C1C}">
-                <a14:useLocalDpi xmlns:a14="http://schemas.microsoft.com/office/drawing/2010/main" xmlns="" val="0"/>
+                <a14:useLocalDpi xmlns:a14="http://schemas.microsoft.com/office/drawing/2010/main" val="0"/>
               </a:ext>
             </a:extLst>
           </a:blip>
@@ -16921,7 +17968,7 @@
           <a:noFill/>
           <a:extLst>
             <a:ext uri="{909E8E84-426E-40DD-AFC4-6F175D3DCCD1}">
-              <a14:hiddenFill xmlns:a14="http://schemas.microsoft.com/office/drawing/2010/main" xmlns="">
+              <a14:hiddenFill xmlns:a14="http://schemas.microsoft.com/office/drawing/2010/main">
                 <a:solidFill>
                   <a:srgbClr val="FFFFFF"/>
                 </a:solidFill>
@@ -16933,7 +17980,7 @@
     </p:spTree>
     <p:extLst>
       <p:ext uri="{BB962C8B-B14F-4D97-AF65-F5344CB8AC3E}">
-        <p14:creationId xmlns:p14="http://schemas.microsoft.com/office/powerpoint/2010/main" xmlns="" val="983291378"/>
+        <p14:creationId xmlns:p14="http://schemas.microsoft.com/office/powerpoint/2010/main" val="983291378"/>
       </p:ext>
     </p:extLst>
   </p:cSld>
@@ -17050,7 +18097,7 @@
           <a:blip r:embed="rId2" cstate="print">
             <a:extLst>
               <a:ext uri="{28A0092B-C50C-407E-A947-70E740481C1C}">
-                <a14:useLocalDpi xmlns:a14="http://schemas.microsoft.com/office/drawing/2010/main" xmlns="" val="0"/>
+                <a14:useLocalDpi xmlns:a14="http://schemas.microsoft.com/office/drawing/2010/main" val="0"/>
               </a:ext>
             </a:extLst>
           </a:blip>
@@ -17070,7 +18117,7 @@
           <a:noFill/>
           <a:extLst>
             <a:ext uri="{909E8E84-426E-40DD-AFC4-6F175D3DCCD1}">
-              <a14:hiddenFill xmlns:a14="http://schemas.microsoft.com/office/drawing/2010/main" xmlns="">
+              <a14:hiddenFill xmlns:a14="http://schemas.microsoft.com/office/drawing/2010/main">
                 <a:solidFill>
                   <a:srgbClr val="FFFFFF"/>
                 </a:solidFill>
@@ -17082,7 +18129,7 @@
     </p:spTree>
     <p:extLst>
       <p:ext uri="{BB962C8B-B14F-4D97-AF65-F5344CB8AC3E}">
-        <p14:creationId xmlns:p14="http://schemas.microsoft.com/office/powerpoint/2010/main" xmlns="" val="617314025"/>
+        <p14:creationId xmlns:p14="http://schemas.microsoft.com/office/powerpoint/2010/main" val="617314025"/>
       </p:ext>
     </p:extLst>
   </p:cSld>
@@ -17454,75 +18501,166 @@
             </a:r>
             <a:endParaRPr lang="de-DE" altLang="zh-CN" dirty="0"/>
           </a:p>
-          <a:p>
-            <a:endParaRPr lang="de-DE" altLang="zh-CN" dirty="0" smtClean="0"/>
-          </a:p>
-          <a:p>
-            <a:r>
-              <a:rPr lang="de-DE" altLang="zh-CN" dirty="0" smtClean="0"/>
-              <a:t>Gemeinsame Konzepte und Komponenten:</a:t>
-            </a:r>
-          </a:p>
-          <a:p>
-            <a:pPr lvl="1"/>
-            <a:r>
-              <a:rPr lang="de-DE" altLang="zh-CN" dirty="0" smtClean="0"/>
-              <a:t>Bildverarbeitung</a:t>
-            </a:r>
-          </a:p>
-          <a:p>
-            <a:pPr lvl="1"/>
-            <a:r>
-              <a:rPr lang="de-DE" altLang="zh-CN" dirty="0" smtClean="0"/>
-              <a:t>Kollisionsvermeidung</a:t>
-            </a:r>
-          </a:p>
-          <a:p>
-            <a:pPr lvl="1"/>
-            <a:r>
-              <a:rPr lang="de-DE" altLang="zh-CN" dirty="0" smtClean="0"/>
-              <a:t>Aufteilung der Strecke in verschiedene Abschnitte (Kurven, Geraden)</a:t>
-            </a:r>
-          </a:p>
-          <a:p>
-            <a:pPr lvl="1"/>
-            <a:r>
-              <a:rPr lang="de-DE" altLang="zh-CN" dirty="0" smtClean="0"/>
-              <a:t>Strukturvariabler PD-Regler mit situationsabhängiger Umschaltung</a:t>
-            </a:r>
-          </a:p>
-          <a:p>
-            <a:endParaRPr lang="de-DE" altLang="zh-CN" dirty="0" smtClean="0"/>
-          </a:p>
-          <a:p>
-            <a:r>
-              <a:rPr lang="de-DE" altLang="zh-CN" dirty="0" smtClean="0"/>
-              <a:t>Unterschiede:</a:t>
-            </a:r>
-          </a:p>
-          <a:p>
-            <a:pPr lvl="1"/>
-            <a:r>
-              <a:rPr lang="de-DE" altLang="zh-CN" dirty="0" smtClean="0"/>
-              <a:t>Parametrierung des PD-Reglers</a:t>
-            </a:r>
-          </a:p>
-          <a:p>
-            <a:pPr lvl="1"/>
-            <a:r>
-              <a:rPr lang="de-DE" altLang="zh-CN" dirty="0" smtClean="0"/>
-              <a:t>Hinderniserkennung</a:t>
-            </a:r>
-          </a:p>
-          <a:p>
-            <a:pPr lvl="1"/>
-            <a:r>
-              <a:rPr lang="de-DE" altLang="zh-CN" dirty="0" smtClean="0"/>
-              <a:t>Spurwechsel</a:t>
-            </a:r>
-          </a:p>
         </p:txBody>
       </p:sp>
+      <p:graphicFrame>
+        <p:nvGraphicFramePr>
+          <p:cNvPr id="2" name="Tabelle 1"/>
+          <p:cNvGraphicFramePr>
+            <a:graphicFrameLocks noGrp="1"/>
+          </p:cNvGraphicFramePr>
+          <p:nvPr>
+            <p:extLst>
+              <p:ext uri="{D42A27DB-BD31-4B8C-83A1-F6EECF244321}">
+                <p14:modId xmlns:p14="http://schemas.microsoft.com/office/powerpoint/2010/main" val="1294336154"/>
+              </p:ext>
+            </p:extLst>
+          </p:nvPr>
+        </p:nvGraphicFramePr>
+        <p:xfrm>
+          <a:off x="395536" y="2924944"/>
+          <a:ext cx="7992888" cy="2656840"/>
+        </p:xfrm>
+        <a:graphic>
+          <a:graphicData uri="http://schemas.openxmlformats.org/drawingml/2006/table">
+            <a:tbl>
+              <a:tblPr firstRow="1" bandRow="1">
+                <a:tableStyleId>{E8B1032C-EA38-4F05-BA0D-38AFFFC7BED3}</a:tableStyleId>
+              </a:tblPr>
+              <a:tblGrid>
+                <a:gridCol w="3996444"/>
+                <a:gridCol w="3996444"/>
+              </a:tblGrid>
+              <a:tr h="370840">
+                <a:tc>
+                  <a:txBody>
+                    <a:bodyPr/>
+                    <a:lstStyle/>
+                    <a:p>
+                      <a:r>
+                        <a:rPr lang="de-DE" dirty="0" smtClean="0"/>
+                        <a:t>Gemeinsame</a:t>
+                      </a:r>
+                      <a:r>
+                        <a:rPr lang="de-DE" baseline="0" dirty="0" smtClean="0"/>
+                        <a:t> Komponenten</a:t>
+                      </a:r>
+                      <a:endParaRPr lang="de-DE" dirty="0"/>
+                    </a:p>
+                  </a:txBody>
+                  <a:tcPr/>
+                </a:tc>
+                <a:tc>
+                  <a:txBody>
+                    <a:bodyPr/>
+                    <a:lstStyle/>
+                    <a:p>
+                      <a:r>
+                        <a:rPr lang="de-DE" dirty="0" smtClean="0"/>
+                        <a:t>Unterschiede</a:t>
+                      </a:r>
+                      <a:endParaRPr lang="de-DE" dirty="0"/>
+                    </a:p>
+                  </a:txBody>
+                  <a:tcPr/>
+                </a:tc>
+              </a:tr>
+              <a:tr h="370840">
+                <a:tc>
+                  <a:txBody>
+                    <a:bodyPr/>
+                    <a:lstStyle/>
+                    <a:p>
+                      <a:pPr marL="285750" lvl="0" indent="-285750">
+                        <a:buFont typeface="Arial" pitchFamily="34" charset="0"/>
+                        <a:buChar char="•"/>
+                      </a:pPr>
+                      <a:r>
+                        <a:rPr lang="de-DE" altLang="zh-CN" dirty="0" smtClean="0"/>
+                        <a:t>Bildverarbeitung</a:t>
+                      </a:r>
+                    </a:p>
+                    <a:p>
+                      <a:pPr marL="285750" lvl="0" indent="-285750">
+                        <a:buFont typeface="Arial" pitchFamily="34" charset="0"/>
+                        <a:buChar char="•"/>
+                      </a:pPr>
+                      <a:r>
+                        <a:rPr lang="de-DE" altLang="zh-CN" dirty="0" smtClean="0"/>
+                        <a:t>Kollisionsvermeidung</a:t>
+                      </a:r>
+                    </a:p>
+                    <a:p>
+                      <a:pPr marL="285750" lvl="0" indent="-285750">
+                        <a:buFont typeface="Arial" pitchFamily="34" charset="0"/>
+                        <a:buChar char="•"/>
+                      </a:pPr>
+                      <a:r>
+                        <a:rPr lang="de-DE" altLang="zh-CN" dirty="0" smtClean="0"/>
+                        <a:t>Aufteilung der Strecke in verschiedene Abschnitte (Kurven, Geraden)</a:t>
+                      </a:r>
+                    </a:p>
+                    <a:p>
+                      <a:pPr marL="285750" lvl="0" indent="-285750">
+                        <a:buFont typeface="Arial" pitchFamily="34" charset="0"/>
+                        <a:buChar char="•"/>
+                      </a:pPr>
+                      <a:r>
+                        <a:rPr lang="de-DE" altLang="zh-CN" dirty="0" smtClean="0"/>
+                        <a:t>Strukturvariabler PD-Regler mit situationsabhängiger Umschaltung</a:t>
+                      </a:r>
+                    </a:p>
+                    <a:p>
+                      <a:endParaRPr lang="de-DE" dirty="0"/>
+                    </a:p>
+                  </a:txBody>
+                  <a:tcPr/>
+                </a:tc>
+                <a:tc>
+                  <a:txBody>
+                    <a:bodyPr/>
+                    <a:lstStyle/>
+                    <a:p>
+                      <a:pPr marL="285750" lvl="0" indent="-285750">
+                        <a:buFont typeface="Arial" pitchFamily="34" charset="0"/>
+                        <a:buChar char="•"/>
+                      </a:pPr>
+                      <a:r>
+                        <a:rPr lang="de-DE" altLang="zh-CN" dirty="0" smtClean="0"/>
+                        <a:t>Parametrierung des PD-Reglers</a:t>
+                      </a:r>
+                    </a:p>
+                    <a:p>
+                      <a:pPr marL="285750" lvl="0" indent="-285750">
+                        <a:buFont typeface="Arial" pitchFamily="34" charset="0"/>
+                        <a:buChar char="•"/>
+                      </a:pPr>
+                      <a:r>
+                        <a:rPr lang="de-DE" altLang="zh-CN" dirty="0" smtClean="0"/>
+                        <a:t>Hinderniserkennung</a:t>
+                      </a:r>
+                    </a:p>
+                    <a:p>
+                      <a:pPr marL="285750" lvl="0" indent="-285750">
+                        <a:buFont typeface="Arial" pitchFamily="34" charset="0"/>
+                        <a:buChar char="•"/>
+                      </a:pPr>
+                      <a:r>
+                        <a:rPr lang="de-DE" altLang="zh-CN" dirty="0" smtClean="0"/>
+                        <a:t>Spurwechsel</a:t>
+                      </a:r>
+                    </a:p>
+                    <a:p>
+                      <a:endParaRPr lang="de-DE" dirty="0"/>
+                    </a:p>
+                  </a:txBody>
+                  <a:tcPr/>
+                </a:tc>
+              </a:tr>
+            </a:tbl>
+          </a:graphicData>
+        </a:graphic>
+      </p:graphicFrame>
     </p:spTree>
   </p:cSld>
   <p:clrMapOvr>
@@ -17619,24 +18757,16 @@
           <a:p>
             <a:r>
               <a:rPr lang="de-DE" altLang="zh-CN" dirty="0" smtClean="0"/>
-              <a:t>Strukturvariabler </a:t>
-            </a:r>
+              <a:t>Strukturvariabler PD-Regler</a:t>
+            </a:r>
+          </a:p>
+          <a:p>
+            <a:endParaRPr lang="de-DE" altLang="zh-CN" dirty="0" smtClean="0"/>
+          </a:p>
+          <a:p>
             <a:r>
               <a:rPr lang="de-DE" altLang="zh-CN" dirty="0" smtClean="0"/>
-              <a:t>PD-Regler</a:t>
-            </a:r>
-          </a:p>
-          <a:p>
-            <a:endParaRPr lang="de-DE" altLang="zh-CN" dirty="0" smtClean="0"/>
-          </a:p>
-          <a:p>
-            <a:r>
-              <a:rPr lang="de-DE" altLang="zh-CN" dirty="0" smtClean="0"/>
-              <a:t>Vorteil</a:t>
-            </a:r>
-            <a:r>
-              <a:rPr lang="de-DE" altLang="zh-CN" dirty="0" smtClean="0"/>
-              <a:t>: der Regler kann für jede Situation unabhängig optimiert werden</a:t>
+              <a:t>Vorteil: der Regler kann für jede Situation unabhängig optimiert werden</a:t>
             </a:r>
           </a:p>
           <a:p>
@@ -18010,6 +19140,12 @@
 </file>
 
 <file path=ppt/tags/tag1.xml><?xml version="1.0" encoding="utf-8"?>
+<p:tagLst xmlns:a="http://schemas.openxmlformats.org/drawingml/2006/main" xmlns:r="http://schemas.openxmlformats.org/officeDocument/2006/relationships" xmlns:p="http://schemas.openxmlformats.org/presentationml/2006/main">
+  <p:tag name="IGNORE" val="True"/>
+</p:tagLst>
+</file>
+
+<file path=ppt/tags/tag2.xml><?xml version="1.0" encoding="utf-8"?>
 <p:tagLst xmlns:a="http://schemas.openxmlformats.org/drawingml/2006/main" xmlns:r="http://schemas.openxmlformats.org/officeDocument/2006/relationships" xmlns:p="http://schemas.openxmlformats.org/presentationml/2006/main">
   <p:tag name="IGNORE" val="True"/>
 </p:tagLst>

--- a/Dokumente/Präsentationen/Abschlusspräsentation.pptx
+++ b/Dokumente/Präsentationen/Abschlusspräsentation.pptx
@@ -195,7 +195,7 @@
   </p:defaultTextStyle>
   <p:extLst>
     <p:ext uri="{EFAFB233-063F-42B5-8137-9DF3F51BA10A}">
-      <p15:sldGuideLst xmlns="" xmlns:p15="http://schemas.microsoft.com/office/powerpoint/2012/main">
+      <p15:sldGuideLst xmlns:p15="http://schemas.microsoft.com/office/powerpoint/2012/main" xmlns="">
         <p15:guide id="1" orient="horz" pos="4319">
           <p15:clr>
             <a:srgbClr val="A4A3A4"/>
@@ -209,7 +209,7 @@
       </p15:sldGuideLst>
     </p:ext>
     <p:ext uri="{2D200454-40CA-4A62-9FC3-DE9A4176ACB9}">
-      <p15:notesGuideLst xmlns="" xmlns:p15="http://schemas.microsoft.com/office/powerpoint/2012/main">
+      <p15:notesGuideLst xmlns:p15="http://schemas.microsoft.com/office/powerpoint/2012/main" xmlns="">
         <p15:guide id="1" orient="horz" pos="2874">
           <p15:clr>
             <a:srgbClr val="A4A3A4"/>
@@ -2325,32 +2325,32 @@
   </dgm:ptLst>
   <dgm:cxnLst>
     <dgm:cxn modelId="{6F7BB68A-0B71-491E-8D6E-DC8B76730EB3}" type="presOf" srcId="{9C262D38-C23F-46A9-B2F7-AD02E33616FF}" destId="{ADCC66F3-B14D-44B1-8B1E-5A57D0293F83}" srcOrd="0" destOrd="0" presId="urn:microsoft.com/office/officeart/2005/8/layout/cycle5"/>
+    <dgm:cxn modelId="{866FAEBD-B319-41E9-8E07-12BC3EDA4B0E}" type="presOf" srcId="{FF517022-E8A5-401C-BEFF-859908823049}" destId="{322F2889-427F-4255-96FE-7A663EF3A95F}" srcOrd="0" destOrd="0" presId="urn:microsoft.com/office/officeart/2005/8/layout/cycle5"/>
+    <dgm:cxn modelId="{865AAAEF-C0D8-4B99-8355-9BA75E218C62}" srcId="{9C262D38-C23F-46A9-B2F7-AD02E33616FF}" destId="{17393C64-41B8-4541-B793-D79216D0230D}" srcOrd="2" destOrd="0" parTransId="{3C0033BF-238A-4AAE-BE08-3C2F777F0BAB}" sibTransId="{256E034F-7A83-4132-AD3E-FC88A31B3171}"/>
+    <dgm:cxn modelId="{8B41DED6-B2BA-4000-9CC0-7E8CC3DEB9EE}" type="presOf" srcId="{5B0E89E7-AC0B-4EB0-A717-91ED139CDD67}" destId="{F289F93E-06E5-4979-920E-3478F87B263A}" srcOrd="0" destOrd="0" presId="urn:microsoft.com/office/officeart/2005/8/layout/cycle5"/>
+    <dgm:cxn modelId="{521A4830-26D1-4BA7-AC54-7A0EEFE775FD}" type="presOf" srcId="{EAE6104A-0D3A-40D0-B9AA-3C115D31E63D}" destId="{322F2889-427F-4255-96FE-7A663EF3A95F}" srcOrd="0" destOrd="2" presId="urn:microsoft.com/office/officeart/2005/8/layout/cycle5"/>
+    <dgm:cxn modelId="{9350CCA3-652E-4BF3-9834-DDA1168358CB}" type="presOf" srcId="{097DC993-72A3-4244-AFD6-0815E77788A4}" destId="{51070C73-9ABB-4CBE-BF7F-197499FA4E9F}" srcOrd="0" destOrd="0" presId="urn:microsoft.com/office/officeart/2005/8/layout/cycle5"/>
+    <dgm:cxn modelId="{314F8DD0-0B29-4706-8EEE-BAAFD74FBEB6}" srcId="{097DC993-72A3-4244-AFD6-0815E77788A4}" destId="{D62CCB92-B222-40DF-8910-3148B3994A10}" srcOrd="0" destOrd="0" parTransId="{D152CB20-4ABC-4DDA-A92D-C16D4F2B7CD2}" sibTransId="{57CDC721-343F-44D8-90E2-558FDBF3070C}"/>
+    <dgm:cxn modelId="{0AEE111E-0CF7-46B6-B51F-F81DA5D8D01F}" type="presOf" srcId="{D62CCB92-B222-40DF-8910-3148B3994A10}" destId="{51070C73-9ABB-4CBE-BF7F-197499FA4E9F}" srcOrd="0" destOrd="1" presId="urn:microsoft.com/office/officeart/2005/8/layout/cycle5"/>
+    <dgm:cxn modelId="{BC416615-A145-46B5-BFA3-B5DC7DB689E8}" srcId="{9C262D38-C23F-46A9-B2F7-AD02E33616FF}" destId="{097DC993-72A3-4244-AFD6-0815E77788A4}" srcOrd="3" destOrd="0" parTransId="{A9F536AC-C72D-492A-AE1B-9C1C204A8896}" sibTransId="{12DBF135-D93E-4E14-AEB2-5C4A533E7B5D}"/>
+    <dgm:cxn modelId="{F148F9A0-762A-46AE-82B5-003BC8579357}" srcId="{9C262D38-C23F-46A9-B2F7-AD02E33616FF}" destId="{FF517022-E8A5-401C-BEFF-859908823049}" srcOrd="0" destOrd="0" parTransId="{DA34CBC9-6E5B-4881-9037-B6C720FFA15E}" sibTransId="{B14546C0-114D-408B-9FD0-5FFE00C38A13}"/>
     <dgm:cxn modelId="{6749EC41-312E-4702-AE93-417101E72446}" type="presOf" srcId="{12DBF135-D93E-4E14-AEB2-5C4A533E7B5D}" destId="{0E8FB463-07BE-482A-BC43-61AF7FD595C1}" srcOrd="0" destOrd="0" presId="urn:microsoft.com/office/officeart/2005/8/layout/cycle5"/>
-    <dgm:cxn modelId="{8E92716F-26B5-48CB-9A00-5C3373317CD3}" type="presOf" srcId="{8946F9DE-07C3-4686-9856-6B2582DD3106}" destId="{0EC62B5A-E703-4913-9127-81806E8ABEC7}" srcOrd="0" destOrd="0" presId="urn:microsoft.com/office/officeart/2005/8/layout/cycle5"/>
-    <dgm:cxn modelId="{7C9F5033-8032-4928-BA9F-5E3EA4B9BF79}" srcId="{097DC993-72A3-4244-AFD6-0815E77788A4}" destId="{ACE2CC2F-AAD9-4D05-8B40-547E3B539AA8}" srcOrd="1" destOrd="0" parTransId="{247F8999-C927-44AD-A8A4-ACF4DF7446C5}" sibTransId="{8B9E9675-B7D5-4D3D-AA5A-60329BC021AC}"/>
-    <dgm:cxn modelId="{866FAEBD-B319-41E9-8E07-12BC3EDA4B0E}" type="presOf" srcId="{FF517022-E8A5-401C-BEFF-859908823049}" destId="{322F2889-427F-4255-96FE-7A663EF3A95F}" srcOrd="0" destOrd="0" presId="urn:microsoft.com/office/officeart/2005/8/layout/cycle5"/>
-    <dgm:cxn modelId="{A8A36C32-F17B-4246-9A36-013688B8CADE}" type="presOf" srcId="{17393C64-41B8-4541-B793-D79216D0230D}" destId="{7DF9A944-9651-4414-985F-9C465760A763}" srcOrd="0" destOrd="0" presId="urn:microsoft.com/office/officeart/2005/8/layout/cycle5"/>
+    <dgm:cxn modelId="{F2047F85-9621-4FCB-B383-604EB64D5252}" srcId="{FF517022-E8A5-401C-BEFF-859908823049}" destId="{EAE6104A-0D3A-40D0-B9AA-3C115D31E63D}" srcOrd="1" destOrd="0" parTransId="{DF429748-4078-437E-91B8-F006D4A71A50}" sibTransId="{82834DA9-4A09-4E78-B60B-A67DACB77507}"/>
+    <dgm:cxn modelId="{24394471-5ADE-4691-8F52-2F36A64596C8}" type="presOf" srcId="{477FC51F-3263-43C0-8AF5-0B7CB46EA1BD}" destId="{21E62269-EC77-4B92-819E-7AD572501D51}" srcOrd="0" destOrd="0" presId="urn:microsoft.com/office/officeart/2005/8/layout/cycle5"/>
     <dgm:cxn modelId="{3AB39C81-ACA0-4389-93FD-F278E26CC96D}" srcId="{9C262D38-C23F-46A9-B2F7-AD02E33616FF}" destId="{8946F9DE-07C3-4686-9856-6B2582DD3106}" srcOrd="1" destOrd="0" parTransId="{975B95CE-EE56-4169-AE2B-9ACD786ED702}" sibTransId="{EFAA9E13-0438-42E3-A7FC-26537FB853BC}"/>
-    <dgm:cxn modelId="{9350CCA3-652E-4BF3-9834-DDA1168358CB}" type="presOf" srcId="{097DC993-72A3-4244-AFD6-0815E77788A4}" destId="{51070C73-9ABB-4CBE-BF7F-197499FA4E9F}" srcOrd="0" destOrd="0" presId="urn:microsoft.com/office/officeart/2005/8/layout/cycle5"/>
-    <dgm:cxn modelId="{521A4830-26D1-4BA7-AC54-7A0EEFE775FD}" type="presOf" srcId="{EAE6104A-0D3A-40D0-B9AA-3C115D31E63D}" destId="{322F2889-427F-4255-96FE-7A663EF3A95F}" srcOrd="0" destOrd="2" presId="urn:microsoft.com/office/officeart/2005/8/layout/cycle5"/>
-    <dgm:cxn modelId="{BC416615-A145-46B5-BFA3-B5DC7DB689E8}" srcId="{9C262D38-C23F-46A9-B2F7-AD02E33616FF}" destId="{097DC993-72A3-4244-AFD6-0815E77788A4}" srcOrd="3" destOrd="0" parTransId="{A9F536AC-C72D-492A-AE1B-9C1C204A8896}" sibTransId="{12DBF135-D93E-4E14-AEB2-5C4A533E7B5D}"/>
+    <dgm:cxn modelId="{2F84FA07-936E-4B7E-A03B-A194E9052312}" type="presOf" srcId="{B14546C0-114D-408B-9FD0-5FFE00C38A13}" destId="{E04CC487-1C5B-45B6-8D5E-C8D4066D0943}" srcOrd="0" destOrd="0" presId="urn:microsoft.com/office/officeart/2005/8/layout/cycle5"/>
+    <dgm:cxn modelId="{7BAC0309-2F85-440B-A73B-E46466658077}" type="presOf" srcId="{256E034F-7A83-4132-AD3E-FC88A31B3171}" destId="{C2088CE8-813B-404D-9C15-5986F4B492B7}" srcOrd="0" destOrd="0" presId="urn:microsoft.com/office/officeart/2005/8/layout/cycle5"/>
     <dgm:cxn modelId="{47A7DB7C-BE0F-4751-A725-2CB710F1F10D}" srcId="{FF517022-E8A5-401C-BEFF-859908823049}" destId="{EA98858B-2958-46B2-B90A-604982431D71}" srcOrd="0" destOrd="0" parTransId="{F0D89781-7E9B-42B4-9C21-DEAE5EC81703}" sibTransId="{4FAAD27D-EE34-40E4-9E67-FFAFB62FB61F}"/>
-    <dgm:cxn modelId="{92C98818-1344-408C-BB49-BB4B253A5100}" type="presOf" srcId="{2D86A2BF-5B6A-4D76-94CC-99797484151B}" destId="{92E93751-1EDC-4F0A-98BC-A5C9AA6C1D5F}" srcOrd="0" destOrd="0" presId="urn:microsoft.com/office/officeart/2005/8/layout/cycle5"/>
-    <dgm:cxn modelId="{2F84FA07-936E-4B7E-A03B-A194E9052312}" type="presOf" srcId="{B14546C0-114D-408B-9FD0-5FFE00C38A13}" destId="{E04CC487-1C5B-45B6-8D5E-C8D4066D0943}" srcOrd="0" destOrd="0" presId="urn:microsoft.com/office/officeart/2005/8/layout/cycle5"/>
+    <dgm:cxn modelId="{ECE19E7E-DAB2-4039-85CD-2A4A148F666B}" srcId="{9C262D38-C23F-46A9-B2F7-AD02E33616FF}" destId="{5B0E89E7-AC0B-4EB0-A717-91ED139CDD67}" srcOrd="4" destOrd="0" parTransId="{BA3E99B5-3D07-45F0-9FD6-DBF9FBFAFCB3}" sibTransId="{2D86A2BF-5B6A-4D76-94CC-99797484151B}"/>
+    <dgm:cxn modelId="{3E697076-F8A8-4CD1-B192-113D0F0FC04A}" type="presOf" srcId="{ACE2CC2F-AAD9-4D05-8B40-547E3B539AA8}" destId="{51070C73-9ABB-4CBE-BF7F-197499FA4E9F}" srcOrd="0" destOrd="2" presId="urn:microsoft.com/office/officeart/2005/8/layout/cycle5"/>
     <dgm:cxn modelId="{C247594F-E5B6-4B62-830C-92DEEA205355}" type="presOf" srcId="{EFAA9E13-0438-42E3-A7FC-26537FB853BC}" destId="{5627CC50-5788-4218-BE49-84D13277FE07}" srcOrd="0" destOrd="0" presId="urn:microsoft.com/office/officeart/2005/8/layout/cycle5"/>
     <dgm:cxn modelId="{F4874C69-53D7-4214-A10B-196EA99201CB}" type="presOf" srcId="{EA98858B-2958-46B2-B90A-604982431D71}" destId="{322F2889-427F-4255-96FE-7A663EF3A95F}" srcOrd="0" destOrd="1" presId="urn:microsoft.com/office/officeart/2005/8/layout/cycle5"/>
+    <dgm:cxn modelId="{A8A36C32-F17B-4246-9A36-013688B8CADE}" type="presOf" srcId="{17393C64-41B8-4541-B793-D79216D0230D}" destId="{7DF9A944-9651-4414-985F-9C465760A763}" srcOrd="0" destOrd="0" presId="urn:microsoft.com/office/officeart/2005/8/layout/cycle5"/>
+    <dgm:cxn modelId="{8E92716F-26B5-48CB-9A00-5C3373317CD3}" type="presOf" srcId="{8946F9DE-07C3-4686-9856-6B2582DD3106}" destId="{0EC62B5A-E703-4913-9127-81806E8ABEC7}" srcOrd="0" destOrd="0" presId="urn:microsoft.com/office/officeart/2005/8/layout/cycle5"/>
     <dgm:cxn modelId="{DBE0F657-601C-4DD8-A03D-5355C31A7FDF}" type="presOf" srcId="{D7962C6A-858D-4AB6-AAF5-72BB61C3BCC6}" destId="{06095F51-3C94-4EFF-917D-25EAB90C3F30}" srcOrd="0" destOrd="0" presId="urn:microsoft.com/office/officeart/2005/8/layout/cycle5"/>
-    <dgm:cxn modelId="{3E697076-F8A8-4CD1-B192-113D0F0FC04A}" type="presOf" srcId="{ACE2CC2F-AAD9-4D05-8B40-547E3B539AA8}" destId="{51070C73-9ABB-4CBE-BF7F-197499FA4E9F}" srcOrd="0" destOrd="2" presId="urn:microsoft.com/office/officeart/2005/8/layout/cycle5"/>
-    <dgm:cxn modelId="{24394471-5ADE-4691-8F52-2F36A64596C8}" type="presOf" srcId="{477FC51F-3263-43C0-8AF5-0B7CB46EA1BD}" destId="{21E62269-EC77-4B92-819E-7AD572501D51}" srcOrd="0" destOrd="0" presId="urn:microsoft.com/office/officeart/2005/8/layout/cycle5"/>
-    <dgm:cxn modelId="{865AAAEF-C0D8-4B99-8355-9BA75E218C62}" srcId="{9C262D38-C23F-46A9-B2F7-AD02E33616FF}" destId="{17393C64-41B8-4541-B793-D79216D0230D}" srcOrd="2" destOrd="0" parTransId="{3C0033BF-238A-4AAE-BE08-3C2F777F0BAB}" sibTransId="{256E034F-7A83-4132-AD3E-FC88A31B3171}"/>
-    <dgm:cxn modelId="{F2047F85-9621-4FCB-B383-604EB64D5252}" srcId="{FF517022-E8A5-401C-BEFF-859908823049}" destId="{EAE6104A-0D3A-40D0-B9AA-3C115D31E63D}" srcOrd="1" destOrd="0" parTransId="{DF429748-4078-437E-91B8-F006D4A71A50}" sibTransId="{82834DA9-4A09-4E78-B60B-A67DACB77507}"/>
-    <dgm:cxn modelId="{7BAC0309-2F85-440B-A73B-E46466658077}" type="presOf" srcId="{256E034F-7A83-4132-AD3E-FC88A31B3171}" destId="{C2088CE8-813B-404D-9C15-5986F4B492B7}" srcOrd="0" destOrd="0" presId="urn:microsoft.com/office/officeart/2005/8/layout/cycle5"/>
-    <dgm:cxn modelId="{314F8DD0-0B29-4706-8EEE-BAAFD74FBEB6}" srcId="{097DC993-72A3-4244-AFD6-0815E77788A4}" destId="{D62CCB92-B222-40DF-8910-3148B3994A10}" srcOrd="0" destOrd="0" parTransId="{D152CB20-4ABC-4DDA-A92D-C16D4F2B7CD2}" sibTransId="{57CDC721-343F-44D8-90E2-558FDBF3070C}"/>
-    <dgm:cxn modelId="{ECE19E7E-DAB2-4039-85CD-2A4A148F666B}" srcId="{9C262D38-C23F-46A9-B2F7-AD02E33616FF}" destId="{5B0E89E7-AC0B-4EB0-A717-91ED139CDD67}" srcOrd="4" destOrd="0" parTransId="{BA3E99B5-3D07-45F0-9FD6-DBF9FBFAFCB3}" sibTransId="{2D86A2BF-5B6A-4D76-94CC-99797484151B}"/>
-    <dgm:cxn modelId="{8B41DED6-B2BA-4000-9CC0-7E8CC3DEB9EE}" type="presOf" srcId="{5B0E89E7-AC0B-4EB0-A717-91ED139CDD67}" destId="{F289F93E-06E5-4979-920E-3478F87B263A}" srcOrd="0" destOrd="0" presId="urn:microsoft.com/office/officeart/2005/8/layout/cycle5"/>
+    <dgm:cxn modelId="{7C9F5033-8032-4928-BA9F-5E3EA4B9BF79}" srcId="{097DC993-72A3-4244-AFD6-0815E77788A4}" destId="{ACE2CC2F-AAD9-4D05-8B40-547E3B539AA8}" srcOrd="1" destOrd="0" parTransId="{247F8999-C927-44AD-A8A4-ACF4DF7446C5}" sibTransId="{8B9E9675-B7D5-4D3D-AA5A-60329BC021AC}"/>
     <dgm:cxn modelId="{2BD4F86B-4469-454E-86A1-0BABCC4E1081}" srcId="{9C262D38-C23F-46A9-B2F7-AD02E33616FF}" destId="{D7962C6A-858D-4AB6-AAF5-72BB61C3BCC6}" srcOrd="5" destOrd="0" parTransId="{D726EDDA-5EDB-4813-8144-3C7BAC923A21}" sibTransId="{477FC51F-3263-43C0-8AF5-0B7CB46EA1BD}"/>
-    <dgm:cxn modelId="{0AEE111E-0CF7-46B6-B51F-F81DA5D8D01F}" type="presOf" srcId="{D62CCB92-B222-40DF-8910-3148B3994A10}" destId="{51070C73-9ABB-4CBE-BF7F-197499FA4E9F}" srcOrd="0" destOrd="1" presId="urn:microsoft.com/office/officeart/2005/8/layout/cycle5"/>
-    <dgm:cxn modelId="{F148F9A0-762A-46AE-82B5-003BC8579357}" srcId="{9C262D38-C23F-46A9-B2F7-AD02E33616FF}" destId="{FF517022-E8A5-401C-BEFF-859908823049}" srcOrd="0" destOrd="0" parTransId="{DA34CBC9-6E5B-4881-9037-B6C720FFA15E}" sibTransId="{B14546C0-114D-408B-9FD0-5FFE00C38A13}"/>
+    <dgm:cxn modelId="{92C98818-1344-408C-BB49-BB4B253A5100}" type="presOf" srcId="{2D86A2BF-5B6A-4D76-94CC-99797484151B}" destId="{92E93751-1EDC-4F0A-98BC-A5C9AA6C1D5F}" srcOrd="0" destOrd="0" presId="urn:microsoft.com/office/officeart/2005/8/layout/cycle5"/>
     <dgm:cxn modelId="{801764BC-29FB-4785-96D9-841BC3CBC9A2}" type="presParOf" srcId="{ADCC66F3-B14D-44B1-8B1E-5A57D0293F83}" destId="{322F2889-427F-4255-96FE-7A663EF3A95F}" srcOrd="0" destOrd="0" presId="urn:microsoft.com/office/officeart/2005/8/layout/cycle5"/>
     <dgm:cxn modelId="{5CD37A18-92DD-4ACF-BC50-73AE0766C367}" type="presParOf" srcId="{ADCC66F3-B14D-44B1-8B1E-5A57D0293F83}" destId="{BBF5FDF9-DFFC-4812-ACBB-83C47312AC25}" srcOrd="1" destOrd="0" presId="urn:microsoft.com/office/officeart/2005/8/layout/cycle5"/>
     <dgm:cxn modelId="{2589A008-D537-4A14-9AA3-9F201D07A230}" type="presParOf" srcId="{ADCC66F3-B14D-44B1-8B1E-5A57D0293F83}" destId="{E04CC487-1C5B-45B6-8D5E-C8D4066D0943}" srcOrd="2" destOrd="0" presId="urn:microsoft.com/office/officeart/2005/8/layout/cycle5"/>
@@ -2374,7 +2374,7 @@
   <dgm:whole/>
   <dgm:extLst>
     <a:ext uri="http://schemas.microsoft.com/office/drawing/2008/diagram">
-      <dsp:dataModelExt xmlns:dsp="http://schemas.microsoft.com/office/drawing/2008/diagram" relId="rId9" minVer="http://schemas.openxmlformats.org/drawingml/2006/diagram"/>
+      <dsp:dataModelExt xmlns:dsp="http://schemas.microsoft.com/office/drawing/2008/diagram" xmlns="" relId="rId9" minVer="http://schemas.openxmlformats.org/drawingml/2006/diagram"/>
     </a:ext>
   </dgm:extLst>
 </dgm:dataModel>
@@ -2824,29 +2824,29 @@
     </dgm:pt>
   </dgm:ptLst>
   <dgm:cxnLst>
+    <dgm:cxn modelId="{F8FCC4ED-399C-4EBC-8501-E7E94B934A37}" srcId="{F6E47ECC-1CC7-4BF8-A40F-F7C26A4BFA09}" destId="{7D600DAC-9587-44B5-AA91-D1DB1E8AF259}" srcOrd="3" destOrd="0" parTransId="{C6630763-DE36-4591-8A63-8451E61C4B79}" sibTransId="{DD3CB5CF-4595-4EEC-846B-6102664F2F05}"/>
     <dgm:cxn modelId="{BF074302-ADFE-4998-83F4-B5B8D4077EC4}" srcId="{F6E47ECC-1CC7-4BF8-A40F-F7C26A4BFA09}" destId="{685F4625-0840-46FA-B858-0C8623E3CC8D}" srcOrd="5" destOrd="0" parTransId="{7D57000E-778C-4CFD-B686-F2117CC1C858}" sibTransId="{067EF79F-A2B5-4E85-B591-BE8A5BA165D0}"/>
+    <dgm:cxn modelId="{5D1DC38D-36E9-4345-9BDA-5F37D04D90AB}" type="presOf" srcId="{FE6047D0-FF2D-42A2-B389-DB220F2BDF26}" destId="{87601AF7-0F9F-46ED-B4EE-1B62860D4BA5}" srcOrd="0" destOrd="0" presId="urn:microsoft.com/office/officeart/2005/8/layout/process5"/>
+    <dgm:cxn modelId="{D877C6B4-A0E6-4AC1-AF28-FDA315E921DB}" type="presOf" srcId="{FE6047D0-FF2D-42A2-B389-DB220F2BDF26}" destId="{8EE4ED0A-418E-4458-84B0-1C7F6B4889D0}" srcOrd="1" destOrd="0" presId="urn:microsoft.com/office/officeart/2005/8/layout/process5"/>
+    <dgm:cxn modelId="{6BBD4478-0FC8-4791-837D-3B86DC444DFA}" srcId="{F6E47ECC-1CC7-4BF8-A40F-F7C26A4BFA09}" destId="{D9C1DE2A-C919-439D-83D8-65D74A775FB6}" srcOrd="0" destOrd="0" parTransId="{24F33364-C041-4A46-9A2C-3365A4B35E4A}" sibTransId="{0A5440AC-4116-4C27-9264-16AACB669E12}"/>
+    <dgm:cxn modelId="{47CCF4E1-A68F-439A-BB94-DD05FAF1E159}" srcId="{F6E47ECC-1CC7-4BF8-A40F-F7C26A4BFA09}" destId="{BA46942A-95B1-4525-A038-6C19F1DA6537}" srcOrd="4" destOrd="0" parTransId="{F92269B3-4B49-4BEA-BE93-2AC05ED4A544}" sibTransId="{7762B7C6-4F36-4B61-B445-F6FF0509CF25}"/>
+    <dgm:cxn modelId="{A9D5091A-B7FB-49D9-9E39-33E16E32D6E5}" srcId="{F6E47ECC-1CC7-4BF8-A40F-F7C26A4BFA09}" destId="{6883C271-93CE-4F53-B3DB-E78414E06855}" srcOrd="1" destOrd="0" parTransId="{64D99E33-9629-4119-A130-DF85747D2256}" sibTransId="{FE6047D0-FF2D-42A2-B389-DB220F2BDF26}"/>
+    <dgm:cxn modelId="{2D69BF81-3E5F-4B08-8400-18604264860E}" type="presOf" srcId="{7762B7C6-4F36-4B61-B445-F6FF0509CF25}" destId="{4CD77A7A-0F40-4ABE-A7EB-ED19FB09158A}" srcOrd="1" destOrd="0" presId="urn:microsoft.com/office/officeart/2005/8/layout/process5"/>
+    <dgm:cxn modelId="{1B9E96C9-9538-4A4B-916B-D10B947B15ED}" type="presOf" srcId="{685F4625-0840-46FA-B858-0C8623E3CC8D}" destId="{25B326A3-A87D-4B61-8CBD-2F11BDEA96BC}" srcOrd="0" destOrd="0" presId="urn:microsoft.com/office/officeart/2005/8/layout/process5"/>
+    <dgm:cxn modelId="{574CD3E9-96D9-455C-8E2F-35597C85EA16}" type="presOf" srcId="{D2E27AEE-DE18-437E-8ED4-085C407B02F4}" destId="{3ECB9AC3-8324-4FBC-8785-044F1DD81182}" srcOrd="0" destOrd="0" presId="urn:microsoft.com/office/officeart/2005/8/layout/process5"/>
+    <dgm:cxn modelId="{1B4527FB-7E8B-4D52-83EC-FCCF26383C20}" type="presOf" srcId="{7D600DAC-9587-44B5-AA91-D1DB1E8AF259}" destId="{0C959095-7882-4471-98AD-EDED72A06E2D}" srcOrd="0" destOrd="0" presId="urn:microsoft.com/office/officeart/2005/8/layout/process5"/>
+    <dgm:cxn modelId="{EB029169-2D09-4502-A4F8-18C1302FF6FA}" type="presOf" srcId="{AF275174-F4D7-4107-9340-9F31FFAE84C6}" destId="{B064BFA8-682D-4757-ADFC-2CABBAA0A8B1}" srcOrd="1" destOrd="0" presId="urn:microsoft.com/office/officeart/2005/8/layout/process5"/>
     <dgm:cxn modelId="{122B0E85-1F4F-4FBF-88BC-60F4A6515555}" type="presOf" srcId="{D9C1DE2A-C919-439D-83D8-65D74A775FB6}" destId="{F750DCCB-0DB3-4943-9436-F897320A4A5D}" srcOrd="0" destOrd="0" presId="urn:microsoft.com/office/officeart/2005/8/layout/process5"/>
-    <dgm:cxn modelId="{EB029169-2D09-4502-A4F8-18C1302FF6FA}" type="presOf" srcId="{AF275174-F4D7-4107-9340-9F31FFAE84C6}" destId="{B064BFA8-682D-4757-ADFC-2CABBAA0A8B1}" srcOrd="1" destOrd="0" presId="urn:microsoft.com/office/officeart/2005/8/layout/process5"/>
+    <dgm:cxn modelId="{3452DE59-B5DB-4659-B582-F21A0FA1069E}" type="presOf" srcId="{6883C271-93CE-4F53-B3DB-E78414E06855}" destId="{EB0F924E-08B8-4496-8F7C-D75A9D314B30}" srcOrd="0" destOrd="0" presId="urn:microsoft.com/office/officeart/2005/8/layout/process5"/>
+    <dgm:cxn modelId="{26DB8064-CA9A-49BF-B110-4A1EB040AF44}" srcId="{F6E47ECC-1CC7-4BF8-A40F-F7C26A4BFA09}" destId="{D2E27AEE-DE18-437E-8ED4-085C407B02F4}" srcOrd="2" destOrd="0" parTransId="{6C0F99BB-1AE8-491E-9E77-BB81EC71D0A5}" sibTransId="{AF275174-F4D7-4107-9340-9F31FFAE84C6}"/>
+    <dgm:cxn modelId="{A1CD72F6-11A0-4594-87FC-291C4A70D512}" type="presOf" srcId="{7762B7C6-4F36-4B61-B445-F6FF0509CF25}" destId="{B11A5A4A-6892-4B2E-B725-ECE29BCF5F77}" srcOrd="0" destOrd="0" presId="urn:microsoft.com/office/officeart/2005/8/layout/process5"/>
+    <dgm:cxn modelId="{C5AF9FAD-37EE-43C3-A9CC-1DE309D0D09C}" type="presOf" srcId="{BA46942A-95B1-4525-A038-6C19F1DA6537}" destId="{FAC03DC4-EE0B-4F48-810D-D7D90D29CDA7}" srcOrd="0" destOrd="0" presId="urn:microsoft.com/office/officeart/2005/8/layout/process5"/>
+    <dgm:cxn modelId="{F128F62D-D92C-4CC8-B306-60C9D8EEAB3A}" type="presOf" srcId="{0A5440AC-4116-4C27-9264-16AACB669E12}" destId="{F8FFB6C0-E03E-4022-8398-9AFF5BF916E4}" srcOrd="1" destOrd="0" presId="urn:microsoft.com/office/officeart/2005/8/layout/process5"/>
+    <dgm:cxn modelId="{74C58CEF-53B4-4388-82CD-0CB7A6CAA27A}" type="presOf" srcId="{DD3CB5CF-4595-4EEC-846B-6102664F2F05}" destId="{C187702E-51EF-4FC5-95AA-90B3C81FA086}" srcOrd="0" destOrd="0" presId="urn:microsoft.com/office/officeart/2005/8/layout/process5"/>
+    <dgm:cxn modelId="{DFD6F5FA-8A31-42F7-BF3C-456A1F4586B1}" type="presOf" srcId="{AF275174-F4D7-4107-9340-9F31FFAE84C6}" destId="{57D1F035-83D0-404D-822E-A0E9FF1B02F1}" srcOrd="0" destOrd="0" presId="urn:microsoft.com/office/officeart/2005/8/layout/process5"/>
+    <dgm:cxn modelId="{562BB721-6EDC-4053-B596-0A411EFAF9D6}" type="presOf" srcId="{F6E47ECC-1CC7-4BF8-A40F-F7C26A4BFA09}" destId="{B40BC887-7121-4751-9ED6-13E8470945BB}" srcOrd="0" destOrd="0" presId="urn:microsoft.com/office/officeart/2005/8/layout/process5"/>
+    <dgm:cxn modelId="{F1423178-391C-4B6B-8F65-8CA9DBD94E60}" type="presOf" srcId="{DD3CB5CF-4595-4EEC-846B-6102664F2F05}" destId="{CAFDA7F7-B46C-4359-A129-AB4E2CE5A598}" srcOrd="1" destOrd="0" presId="urn:microsoft.com/office/officeart/2005/8/layout/process5"/>
     <dgm:cxn modelId="{F1B9939C-663B-47F3-A7C2-D59B6CD8ABAD}" type="presOf" srcId="{0A5440AC-4116-4C27-9264-16AACB669E12}" destId="{07284E07-4408-4BF2-9E53-8B0D5A353C3A}" srcOrd="0" destOrd="0" presId="urn:microsoft.com/office/officeart/2005/8/layout/process5"/>
-    <dgm:cxn modelId="{C5AF9FAD-37EE-43C3-A9CC-1DE309D0D09C}" type="presOf" srcId="{BA46942A-95B1-4525-A038-6C19F1DA6537}" destId="{FAC03DC4-EE0B-4F48-810D-D7D90D29CDA7}" srcOrd="0" destOrd="0" presId="urn:microsoft.com/office/officeart/2005/8/layout/process5"/>
-    <dgm:cxn modelId="{562BB721-6EDC-4053-B596-0A411EFAF9D6}" type="presOf" srcId="{F6E47ECC-1CC7-4BF8-A40F-F7C26A4BFA09}" destId="{B40BC887-7121-4751-9ED6-13E8470945BB}" srcOrd="0" destOrd="0" presId="urn:microsoft.com/office/officeart/2005/8/layout/process5"/>
-    <dgm:cxn modelId="{6BBD4478-0FC8-4791-837D-3B86DC444DFA}" srcId="{F6E47ECC-1CC7-4BF8-A40F-F7C26A4BFA09}" destId="{D9C1DE2A-C919-439D-83D8-65D74A775FB6}" srcOrd="0" destOrd="0" parTransId="{24F33364-C041-4A46-9A2C-3365A4B35E4A}" sibTransId="{0A5440AC-4116-4C27-9264-16AACB669E12}"/>
-    <dgm:cxn modelId="{1B9E96C9-9538-4A4B-916B-D10B947B15ED}" type="presOf" srcId="{685F4625-0840-46FA-B858-0C8623E3CC8D}" destId="{25B326A3-A87D-4B61-8CBD-2F11BDEA96BC}" srcOrd="0" destOrd="0" presId="urn:microsoft.com/office/officeart/2005/8/layout/process5"/>
-    <dgm:cxn modelId="{1B4527FB-7E8B-4D52-83EC-FCCF26383C20}" type="presOf" srcId="{7D600DAC-9587-44B5-AA91-D1DB1E8AF259}" destId="{0C959095-7882-4471-98AD-EDED72A06E2D}" srcOrd="0" destOrd="0" presId="urn:microsoft.com/office/officeart/2005/8/layout/process5"/>
-    <dgm:cxn modelId="{574CD3E9-96D9-455C-8E2F-35597C85EA16}" type="presOf" srcId="{D2E27AEE-DE18-437E-8ED4-085C407B02F4}" destId="{3ECB9AC3-8324-4FBC-8785-044F1DD81182}" srcOrd="0" destOrd="0" presId="urn:microsoft.com/office/officeart/2005/8/layout/process5"/>
-    <dgm:cxn modelId="{F128F62D-D92C-4CC8-B306-60C9D8EEAB3A}" type="presOf" srcId="{0A5440AC-4116-4C27-9264-16AACB669E12}" destId="{F8FFB6C0-E03E-4022-8398-9AFF5BF916E4}" srcOrd="1" destOrd="0" presId="urn:microsoft.com/office/officeart/2005/8/layout/process5"/>
-    <dgm:cxn modelId="{2D69BF81-3E5F-4B08-8400-18604264860E}" type="presOf" srcId="{7762B7C6-4F36-4B61-B445-F6FF0509CF25}" destId="{4CD77A7A-0F40-4ABE-A7EB-ED19FB09158A}" srcOrd="1" destOrd="0" presId="urn:microsoft.com/office/officeart/2005/8/layout/process5"/>
-    <dgm:cxn modelId="{A1CD72F6-11A0-4594-87FC-291C4A70D512}" type="presOf" srcId="{7762B7C6-4F36-4B61-B445-F6FF0509CF25}" destId="{B11A5A4A-6892-4B2E-B725-ECE29BCF5F77}" srcOrd="0" destOrd="0" presId="urn:microsoft.com/office/officeart/2005/8/layout/process5"/>
-    <dgm:cxn modelId="{A9D5091A-B7FB-49D9-9E39-33E16E32D6E5}" srcId="{F6E47ECC-1CC7-4BF8-A40F-F7C26A4BFA09}" destId="{6883C271-93CE-4F53-B3DB-E78414E06855}" srcOrd="1" destOrd="0" parTransId="{64D99E33-9629-4119-A130-DF85747D2256}" sibTransId="{FE6047D0-FF2D-42A2-B389-DB220F2BDF26}"/>
-    <dgm:cxn modelId="{5D1DC38D-36E9-4345-9BDA-5F37D04D90AB}" type="presOf" srcId="{FE6047D0-FF2D-42A2-B389-DB220F2BDF26}" destId="{87601AF7-0F9F-46ED-B4EE-1B62860D4BA5}" srcOrd="0" destOrd="0" presId="urn:microsoft.com/office/officeart/2005/8/layout/process5"/>
-    <dgm:cxn modelId="{47CCF4E1-A68F-439A-BB94-DD05FAF1E159}" srcId="{F6E47ECC-1CC7-4BF8-A40F-F7C26A4BFA09}" destId="{BA46942A-95B1-4525-A038-6C19F1DA6537}" srcOrd="4" destOrd="0" parTransId="{F92269B3-4B49-4BEA-BE93-2AC05ED4A544}" sibTransId="{7762B7C6-4F36-4B61-B445-F6FF0509CF25}"/>
-    <dgm:cxn modelId="{26DB8064-CA9A-49BF-B110-4A1EB040AF44}" srcId="{F6E47ECC-1CC7-4BF8-A40F-F7C26A4BFA09}" destId="{D2E27AEE-DE18-437E-8ED4-085C407B02F4}" srcOrd="2" destOrd="0" parTransId="{6C0F99BB-1AE8-491E-9E77-BB81EC71D0A5}" sibTransId="{AF275174-F4D7-4107-9340-9F31FFAE84C6}"/>
-    <dgm:cxn modelId="{3452DE59-B5DB-4659-B582-F21A0FA1069E}" type="presOf" srcId="{6883C271-93CE-4F53-B3DB-E78414E06855}" destId="{EB0F924E-08B8-4496-8F7C-D75A9D314B30}" srcOrd="0" destOrd="0" presId="urn:microsoft.com/office/officeart/2005/8/layout/process5"/>
-    <dgm:cxn modelId="{F8FCC4ED-399C-4EBC-8501-E7E94B934A37}" srcId="{F6E47ECC-1CC7-4BF8-A40F-F7C26A4BFA09}" destId="{7D600DAC-9587-44B5-AA91-D1DB1E8AF259}" srcOrd="3" destOrd="0" parTransId="{C6630763-DE36-4591-8A63-8451E61C4B79}" sibTransId="{DD3CB5CF-4595-4EEC-846B-6102664F2F05}"/>
-    <dgm:cxn modelId="{74C58CEF-53B4-4388-82CD-0CB7A6CAA27A}" type="presOf" srcId="{DD3CB5CF-4595-4EEC-846B-6102664F2F05}" destId="{C187702E-51EF-4FC5-95AA-90B3C81FA086}" srcOrd="0" destOrd="0" presId="urn:microsoft.com/office/officeart/2005/8/layout/process5"/>
-    <dgm:cxn modelId="{F1423178-391C-4B6B-8F65-8CA9DBD94E60}" type="presOf" srcId="{DD3CB5CF-4595-4EEC-846B-6102664F2F05}" destId="{CAFDA7F7-B46C-4359-A129-AB4E2CE5A598}" srcOrd="1" destOrd="0" presId="urn:microsoft.com/office/officeart/2005/8/layout/process5"/>
-    <dgm:cxn modelId="{DFD6F5FA-8A31-42F7-BF3C-456A1F4586B1}" type="presOf" srcId="{AF275174-F4D7-4107-9340-9F31FFAE84C6}" destId="{57D1F035-83D0-404D-822E-A0E9FF1B02F1}" srcOrd="0" destOrd="0" presId="urn:microsoft.com/office/officeart/2005/8/layout/process5"/>
-    <dgm:cxn modelId="{D877C6B4-A0E6-4AC1-AF28-FDA315E921DB}" type="presOf" srcId="{FE6047D0-FF2D-42A2-B389-DB220F2BDF26}" destId="{8EE4ED0A-418E-4458-84B0-1C7F6B4889D0}" srcOrd="1" destOrd="0" presId="urn:microsoft.com/office/officeart/2005/8/layout/process5"/>
     <dgm:cxn modelId="{77C33F04-EC4C-4CB4-9EDE-8EF7E2C47CCA}" type="presParOf" srcId="{B40BC887-7121-4751-9ED6-13E8470945BB}" destId="{F750DCCB-0DB3-4943-9436-F897320A4A5D}" srcOrd="0" destOrd="0" presId="urn:microsoft.com/office/officeart/2005/8/layout/process5"/>
     <dgm:cxn modelId="{24402445-5195-4B9A-B6CD-28CA16B8D05E}" type="presParOf" srcId="{B40BC887-7121-4751-9ED6-13E8470945BB}" destId="{07284E07-4408-4BF2-9E53-8B0D5A353C3A}" srcOrd="1" destOrd="0" presId="urn:microsoft.com/office/officeart/2005/8/layout/process5"/>
     <dgm:cxn modelId="{D8BFFAC4-70EB-44CF-B73B-532597EF203E}" type="presParOf" srcId="{07284E07-4408-4BF2-9E53-8B0D5A353C3A}" destId="{F8FFB6C0-E03E-4022-8398-9AFF5BF916E4}" srcOrd="0" destOrd="0" presId="urn:microsoft.com/office/officeart/2005/8/layout/process5"/>
@@ -2868,14 +2868,14 @@
   <dgm:whole/>
   <dgm:extLst>
     <a:ext uri="http://schemas.microsoft.com/office/drawing/2008/diagram">
-      <dsp:dataModelExt xmlns:dsp="http://schemas.microsoft.com/office/drawing/2008/diagram" relId="rId7" minVer="http://schemas.openxmlformats.org/drawingml/2006/diagram"/>
+      <dsp:dataModelExt xmlns:dsp="http://schemas.microsoft.com/office/drawing/2008/diagram" xmlns="" relId="rId7" minVer="http://schemas.openxmlformats.org/drawingml/2006/diagram"/>
     </a:ext>
   </dgm:extLst>
 </dgm:dataModel>
 </file>
 
 <file path=ppt/diagrams/drawing1.xml><?xml version="1.0" encoding="utf-8"?>
-<dsp:drawing xmlns:dgm="http://schemas.openxmlformats.org/drawingml/2006/diagram" xmlns:dsp="http://schemas.microsoft.com/office/drawing/2008/diagram" xmlns:a="http://schemas.openxmlformats.org/drawingml/2006/main">
+<dsp:drawing xmlns:dgm="http://schemas.openxmlformats.org/drawingml/2006/diagram" xmlns:a="http://schemas.openxmlformats.org/drawingml/2006/main" xmlns:dsp="http://schemas.microsoft.com/office/drawing/2008/diagram">
   <dsp:spTree>
     <dsp:nvGrpSpPr>
       <dsp:cNvPr id="0" name=""/>
@@ -3007,8 +3007,8 @@
         </a:p>
       </dsp:txBody>
       <dsp:txXfrm>
-        <a:off x="2176430" y="52694"/>
-        <a:ext cx="2050543" cy="974177"/>
+        <a:off x="2123729" y="-7"/>
+        <a:ext cx="2155945" cy="1079579"/>
       </dsp:txXfrm>
     </dsp:sp>
     <dsp:sp modelId="{E04CC487-1C5B-45B6-8D5E-C8D4066D0943}">
@@ -3156,8 +3156,8 @@
         </a:p>
       </dsp:txBody>
       <dsp:txXfrm>
-        <a:off x="4397816" y="1265966"/>
-        <a:ext cx="1786826" cy="773304"/>
+        <a:off x="4355982" y="1224132"/>
+        <a:ext cx="1870494" cy="856972"/>
       </dsp:txXfrm>
     </dsp:sp>
     <dsp:sp modelId="{5627CC50-5788-4218-BE49-84D13277FE07}">
@@ -3305,8 +3305,8 @@
         </a:p>
       </dsp:txBody>
       <dsp:txXfrm>
-        <a:off x="4469816" y="2562110"/>
-        <a:ext cx="1613045" cy="773304"/>
+        <a:off x="4427982" y="2520276"/>
+        <a:ext cx="1696713" cy="856972"/>
       </dsp:txXfrm>
     </dsp:sp>
     <dsp:sp modelId="{C2088CE8-813B-404D-9C15-5986F4B492B7}">
@@ -3496,8 +3496,8 @@
         </a:p>
       </dsp:txBody>
       <dsp:txXfrm>
-        <a:off x="2178450" y="3727125"/>
-        <a:ext cx="2135293" cy="1011583"/>
+        <a:off x="2123726" y="3672401"/>
+        <a:ext cx="2244741" cy="1121031"/>
       </dsp:txXfrm>
     </dsp:sp>
     <dsp:sp modelId="{0E8FB463-07BE-482A-BC43-61AF7FD595C1}">
@@ -3645,8 +3645,8 @@
         </a:p>
       </dsp:txBody>
       <dsp:txXfrm>
-        <a:off x="437375" y="2562115"/>
-        <a:ext cx="1969796" cy="773304"/>
+        <a:off x="395541" y="2520281"/>
+        <a:ext cx="2053464" cy="856972"/>
       </dsp:txXfrm>
     </dsp:sp>
     <dsp:sp modelId="{92E93751-1EDC-4F0A-98BC-A5C9AA6C1D5F}">
@@ -3794,8 +3794,8 @@
         </a:p>
       </dsp:txBody>
       <dsp:txXfrm>
-        <a:off x="482162" y="1265971"/>
-        <a:ext cx="1741235" cy="773304"/>
+        <a:off x="440328" y="1224137"/>
+        <a:ext cx="1824903" cy="856972"/>
       </dsp:txXfrm>
     </dsp:sp>
     <dsp:sp modelId="{21E62269-EC77-4B92-819E-7AD572501D51}">
@@ -3865,7 +3865,7 @@
 </file>
 
 <file path=ppt/diagrams/drawing2.xml><?xml version="1.0" encoding="utf-8"?>
-<dsp:drawing xmlns:dgm="http://schemas.openxmlformats.org/drawingml/2006/diagram" xmlns:dsp="http://schemas.microsoft.com/office/drawing/2008/diagram" xmlns:a="http://schemas.openxmlformats.org/drawingml/2006/main">
+<dsp:drawing xmlns:dgm="http://schemas.openxmlformats.org/drawingml/2006/diagram" xmlns:a="http://schemas.openxmlformats.org/drawingml/2006/main" xmlns:dsp="http://schemas.microsoft.com/office/drawing/2008/diagram">
   <dsp:spTree>
     <dsp:nvGrpSpPr>
       <dsp:cNvPr id="0" name=""/>
@@ -3957,8 +3957,8 @@
         </a:p>
       </dsp:txBody>
       <dsp:txXfrm>
-        <a:off x="27236" y="171255"/>
-        <a:ext cx="1348713" cy="875440"/>
+        <a:off x="0" y="144019"/>
+        <a:ext cx="1403185" cy="929912"/>
       </dsp:txXfrm>
     </dsp:sp>
     <dsp:sp modelId="{07284E07-4408-4BF2-9E53-8B0D5A353C3A}">
@@ -4037,9 +4037,9 @@
           <a:endParaRPr lang="de-DE" sz="2000" kern="1200"/>
         </a:p>
       </dsp:txBody>
-      <dsp:txXfrm>
-        <a:off x="1712303" y="454112"/>
-        <a:ext cx="580075" cy="329323"/>
+      <dsp:txXfrm rot="25898">
+        <a:off x="1712301" y="344958"/>
+        <a:ext cx="744736" cy="548871"/>
       </dsp:txXfrm>
     </dsp:sp>
     <dsp:sp modelId="{EB0F924E-08B8-4496-8F7C-D75A9D314B30}">
@@ -4127,8 +4127,8 @@
         </a:p>
       </dsp:txBody>
       <dsp:txXfrm>
-        <a:off x="2836972" y="172683"/>
-        <a:ext cx="2201764" cy="921345"/>
+        <a:off x="2808308" y="144019"/>
+        <a:ext cx="2259092" cy="978673"/>
       </dsp:txXfrm>
     </dsp:sp>
     <dsp:sp modelId="{87601AF7-0F9F-46ED-B4EE-1B62860D4BA5}">
@@ -4207,9 +4207,9 @@
           <a:endParaRPr lang="de-DE" sz="2000" kern="1200"/>
         </a:p>
       </dsp:txBody>
-      <dsp:txXfrm>
-        <a:off x="5299115" y="454875"/>
-        <a:ext cx="393599" cy="329323"/>
+      <dsp:txXfrm rot="21569511">
+        <a:off x="5299112" y="344371"/>
+        <a:ext cx="558260" cy="548871"/>
       </dsp:txXfrm>
     </dsp:sp>
     <dsp:sp modelId="{3ECB9AC3-8324-4FBC-8785-044F1DD81182}">
@@ -4301,8 +4301,8 @@
         </a:p>
       </dsp:txBody>
       <dsp:txXfrm>
-        <a:off x="6151855" y="103180"/>
-        <a:ext cx="2150843" cy="1002002"/>
+        <a:off x="6120681" y="72006"/>
+        <a:ext cx="2213191" cy="1064350"/>
       </dsp:txXfrm>
     </dsp:sp>
     <dsp:sp modelId="{57D1F035-83D0-404D-822E-A0E9FF1B02F1}">
@@ -4381,9 +4381,9 @@
           <a:endParaRPr lang="de-DE" sz="2000" kern="1200"/>
         </a:p>
       </dsp:txBody>
-      <dsp:txXfrm rot="-5400000">
-        <a:off x="7062616" y="1266560"/>
-        <a:ext cx="329323" cy="219570"/>
+      <dsp:txXfrm rot="5400000">
+        <a:off x="7070441" y="1148960"/>
+        <a:ext cx="313671" cy="548871"/>
       </dsp:txXfrm>
     </dsp:sp>
     <dsp:sp modelId="{0C959095-7882-4471-98AD-EDED72A06E2D}">
@@ -4471,8 +4471,8 @@
         </a:p>
       </dsp:txBody>
       <dsp:txXfrm>
-        <a:off x="6151922" y="1759431"/>
-        <a:ext cx="2150709" cy="1004165"/>
+        <a:off x="6120681" y="1728190"/>
+        <a:ext cx="2213191" cy="1066647"/>
       </dsp:txXfrm>
     </dsp:sp>
     <dsp:sp modelId="{C187702E-51EF-4FC5-95AA-90B3C81FA086}">
@@ -4551,9 +4551,9 @@
           <a:endParaRPr lang="de-DE" sz="2500" kern="1200"/>
         </a:p>
       </dsp:txBody>
-      <dsp:txXfrm rot="10800000">
-        <a:off x="5598736" y="2087731"/>
-        <a:ext cx="327655" cy="329323"/>
+      <dsp:txXfrm rot="10821407">
+        <a:off x="5458313" y="1977520"/>
+        <a:ext cx="468079" cy="548871"/>
       </dsp:txXfrm>
     </dsp:sp>
     <dsp:sp modelId="{FAC03DC4-EE0B-4F48-810D-D7D90D29CDA7}">
@@ -4641,8 +4641,8 @@
         </a:p>
       </dsp:txBody>
       <dsp:txXfrm>
-        <a:off x="3054449" y="1758308"/>
-        <a:ext cx="2152969" cy="967849"/>
+        <a:off x="3024338" y="1728197"/>
+        <a:ext cx="2213191" cy="1028071"/>
       </dsp:txXfrm>
     </dsp:sp>
     <dsp:sp modelId="{B11A5A4A-6892-4B2E-B725-ECE29BCF5F77}">
@@ -4721,9 +4721,9 @@
           <a:endParaRPr lang="de-DE" sz="2500" kern="1200"/>
         </a:p>
       </dsp:txBody>
-      <dsp:txXfrm rot="10800000">
-        <a:off x="2544948" y="2071186"/>
-        <a:ext cx="300938" cy="329323"/>
+      <dsp:txXfrm rot="10815290">
+        <a:off x="2415975" y="1961125"/>
+        <a:ext cx="429912" cy="548871"/>
       </dsp:txXfrm>
     </dsp:sp>
     <dsp:sp modelId="{25B326A3-A87D-4B61-8CBD-2F11BDEA96BC}">
@@ -4811,8 +4811,8 @@
         </a:p>
       </dsp:txBody>
       <dsp:txXfrm>
-        <a:off x="29324" y="1757514"/>
-        <a:ext cx="2154543" cy="942533"/>
+        <a:off x="0" y="1728190"/>
+        <a:ext cx="2213191" cy="1001181"/>
       </dsp:txXfrm>
     </dsp:sp>
   </dsp:spTree>
@@ -8079,7 +8079,7 @@
     </p:spTree>
     <p:extLst>
       <p:ext uri="{BB962C8B-B14F-4D97-AF65-F5344CB8AC3E}">
-        <p14:creationId xmlns:p14="http://schemas.microsoft.com/office/powerpoint/2010/main" val="3306506664"/>
+        <p14:creationId xmlns:p14="http://schemas.microsoft.com/office/powerpoint/2010/main" xmlns="" val="3306506664"/>
       </p:ext>
     </p:extLst>
   </p:cSld>
@@ -8655,7 +8655,7 @@
     </p:spTree>
     <p:extLst>
       <p:ext uri="{BB962C8B-B14F-4D97-AF65-F5344CB8AC3E}">
-        <p14:creationId xmlns:p14="http://schemas.microsoft.com/office/powerpoint/2010/main" val="3290858648"/>
+        <p14:creationId xmlns:p14="http://schemas.microsoft.com/office/powerpoint/2010/main" xmlns="" val="3290858648"/>
       </p:ext>
     </p:extLst>
   </p:cSld>
@@ -9546,7 +9546,7 @@
           <a:p>
             <a:r>
               <a:rPr lang="en-GB" dirty="0"/>
-              <a:t>MAIKE/RAMONA ???</a:t>
+              <a:t>MAIKE</a:t>
             </a:r>
           </a:p>
         </p:txBody>
@@ -9617,7 +9617,7 @@
             <a:fld id="{92C156F3-6C7D-4C62-B24F-CEC351458306}" type="slidenum">
               <a:rPr lang="en-GB" smtClean="0"/>
               <a:pPr/>
-              <a:t>13</a:t>
+              <a:t>12</a:t>
             </a:fld>
             <a:endParaRPr lang="en-GB"/>
           </a:p>
@@ -9626,7 +9626,7 @@
     </p:spTree>
     <p:extLst>
       <p:ext uri="{BB962C8B-B14F-4D97-AF65-F5344CB8AC3E}">
-        <p14:creationId xmlns:p14="http://schemas.microsoft.com/office/powerpoint/2010/main" val="3579872104"/>
+        <p14:creationId xmlns:p14="http://schemas.microsoft.com/office/powerpoint/2010/main" xmlns="" val="1472061649"/>
       </p:ext>
     </p:extLst>
   </p:cSld>
@@ -9637,6 +9637,142 @@
 </file>
 
 <file path=ppt/notesSlides/notesSlide11.xml><?xml version="1.0" encoding="utf-8"?>
+<p:notes xmlns:a="http://schemas.openxmlformats.org/drawingml/2006/main" xmlns:r="http://schemas.openxmlformats.org/officeDocument/2006/relationships" xmlns:p="http://schemas.openxmlformats.org/presentationml/2006/main">
+  <p:cSld>
+    <p:spTree>
+      <p:nvGrpSpPr>
+        <p:cNvPr id="1" name=""/>
+        <p:cNvGrpSpPr/>
+        <p:nvPr/>
+      </p:nvGrpSpPr>
+      <p:grpSpPr>
+        <a:xfrm>
+          <a:off x="0" y="0"/>
+          <a:ext cx="0" cy="0"/>
+          <a:chOff x="0" y="0"/>
+          <a:chExt cx="0" cy="0"/>
+        </a:xfrm>
+      </p:grpSpPr>
+      <p:sp>
+        <p:nvSpPr>
+          <p:cNvPr id="2" name="Folienbildplatzhalter 1"/>
+          <p:cNvSpPr>
+            <a:spLocks noGrp="1" noRot="1" noChangeAspect="1"/>
+          </p:cNvSpPr>
+          <p:nvPr>
+            <p:ph type="sldImg"/>
+          </p:nvPr>
+        </p:nvSpPr>
+        <p:spPr/>
+      </p:sp>
+      <p:sp>
+        <p:nvSpPr>
+          <p:cNvPr id="3" name="Notizenplatzhalter 2"/>
+          <p:cNvSpPr>
+            <a:spLocks noGrp="1"/>
+          </p:cNvSpPr>
+          <p:nvPr>
+            <p:ph type="body" idx="1"/>
+          </p:nvPr>
+        </p:nvSpPr>
+        <p:spPr/>
+        <p:txBody>
+          <a:bodyPr/>
+          <a:lstStyle/>
+          <a:p>
+            <a:r>
+              <a:rPr lang="en-GB" dirty="0"/>
+              <a:t>MAIKE/RAMONA ???</a:t>
+            </a:r>
+          </a:p>
+        </p:txBody>
+      </p:sp>
+      <p:sp>
+        <p:nvSpPr>
+          <p:cNvPr id="4" name="Datumsplatzhalter 3"/>
+          <p:cNvSpPr>
+            <a:spLocks noGrp="1"/>
+          </p:cNvSpPr>
+          <p:nvPr>
+            <p:ph type="dt"/>
+          </p:nvPr>
+        </p:nvSpPr>
+        <p:spPr/>
+        <p:txBody>
+          <a:bodyPr/>
+          <a:lstStyle/>
+          <a:p>
+            <a:r>
+              <a:rPr lang="en-GB"/>
+              <a:t>November 19, 2007</a:t>
+            </a:r>
+          </a:p>
+        </p:txBody>
+      </p:sp>
+      <p:sp>
+        <p:nvSpPr>
+          <p:cNvPr id="5" name="Fußzeilenplatzhalter 4"/>
+          <p:cNvSpPr>
+            <a:spLocks noGrp="1"/>
+          </p:cNvSpPr>
+          <p:nvPr>
+            <p:ph type="ftr"/>
+          </p:nvPr>
+        </p:nvSpPr>
+        <p:spPr/>
+        <p:txBody>
+          <a:bodyPr/>
+          <a:lstStyle/>
+          <a:p>
+            <a:r>
+              <a:rPr lang="en-GB"/>
+              <a:t>|  </a:t>
+            </a:r>
+          </a:p>
+        </p:txBody>
+      </p:sp>
+      <p:sp>
+        <p:nvSpPr>
+          <p:cNvPr id="6" name="Foliennummernplatzhalter 5"/>
+          <p:cNvSpPr>
+            <a:spLocks noGrp="1"/>
+          </p:cNvSpPr>
+          <p:nvPr>
+            <p:ph type="sldNum"/>
+          </p:nvPr>
+        </p:nvSpPr>
+        <p:spPr/>
+        <p:txBody>
+          <a:bodyPr/>
+          <a:lstStyle/>
+          <a:p>
+            <a:r>
+              <a:rPr lang="en-GB"/>
+              <a:t>|  </a:t>
+            </a:r>
+            <a:fld id="{92C156F3-6C7D-4C62-B24F-CEC351458306}" type="slidenum">
+              <a:rPr lang="en-GB" smtClean="0"/>
+              <a:pPr/>
+              <a:t>13</a:t>
+            </a:fld>
+            <a:endParaRPr lang="en-GB"/>
+          </a:p>
+        </p:txBody>
+      </p:sp>
+    </p:spTree>
+    <p:extLst>
+      <p:ext uri="{BB962C8B-B14F-4D97-AF65-F5344CB8AC3E}">
+        <p14:creationId xmlns:p14="http://schemas.microsoft.com/office/powerpoint/2010/main" xmlns="" val="3579872104"/>
+      </p:ext>
+    </p:extLst>
+  </p:cSld>
+  <p:clrMapOvr>
+    <a:masterClrMapping/>
+  </p:clrMapOvr>
+</p:notes>
+</file>
+
+<file path=ppt/notesSlides/notesSlide12.xml><?xml version="1.0" encoding="utf-8"?>
 <p:notes xmlns:a="http://schemas.openxmlformats.org/drawingml/2006/main" xmlns:r="http://schemas.openxmlformats.org/officeDocument/2006/relationships" xmlns:p="http://schemas.openxmlformats.org/presentationml/2006/main">
   <p:cSld>
     <p:spTree>
@@ -10451,7 +10587,7 @@
     </p:spTree>
     <p:extLst>
       <p:ext uri="{BB962C8B-B14F-4D97-AF65-F5344CB8AC3E}">
-        <p14:creationId xmlns:p14="http://schemas.microsoft.com/office/powerpoint/2010/main" val="4086205857"/>
+        <p14:creationId xmlns:p14="http://schemas.microsoft.com/office/powerpoint/2010/main" xmlns="" val="4086205857"/>
       </p:ext>
     </p:extLst>
   </p:cSld>
@@ -10502,13 +10638,16 @@
         </p:nvSpPr>
         <p:spPr/>
         <p:txBody>
-          <a:bodyPr/>
+          <a:bodyPr>
+            <a:normAutofit/>
+          </a:bodyPr>
           <a:lstStyle/>
           <a:p>
             <a:r>
-              <a:rPr lang="en-GB" dirty="0"/>
-              <a:t>FABIAN</a:t>
-            </a:r>
+              <a:rPr lang="de-DE" dirty="0" smtClean="0"/>
+              <a:t>NIKO</a:t>
+            </a:r>
+            <a:endParaRPr lang="de-DE" dirty="0"/>
           </a:p>
         </p:txBody>
       </p:sp>
@@ -10519,7 +10658,7 @@
             <a:spLocks noGrp="1"/>
           </p:cNvSpPr>
           <p:nvPr>
-            <p:ph type="dt"/>
+            <p:ph type="dt" idx="10"/>
           </p:nvPr>
         </p:nvSpPr>
         <p:spPr/>
@@ -10528,9 +10667,10 @@
           <a:lstStyle/>
           <a:p>
             <a:r>
-              <a:rPr lang="en-GB"/>
+              <a:rPr lang="en-GB" smtClean="0"/>
               <a:t>November 19, 2007</a:t>
             </a:r>
+            <a:endParaRPr lang="en-GB"/>
           </a:p>
         </p:txBody>
       </p:sp>
@@ -10541,7 +10681,7 @@
             <a:spLocks noGrp="1"/>
           </p:cNvSpPr>
           <p:nvPr>
-            <p:ph type="ftr"/>
+            <p:ph type="ftr" idx="11"/>
           </p:nvPr>
         </p:nvSpPr>
         <p:spPr/>
@@ -10550,9 +10690,10 @@
           <a:lstStyle/>
           <a:p>
             <a:r>
-              <a:rPr lang="en-GB"/>
+              <a:rPr lang="en-GB" smtClean="0"/>
               <a:t>|  </a:t>
             </a:r>
+            <a:endParaRPr lang="en-GB"/>
           </a:p>
         </p:txBody>
       </p:sp>
@@ -10563,7 +10704,7 @@
             <a:spLocks noGrp="1"/>
           </p:cNvSpPr>
           <p:nvPr>
-            <p:ph type="sldNum"/>
+            <p:ph type="sldNum" idx="12"/>
           </p:nvPr>
         </p:nvSpPr>
         <p:spPr/>
@@ -10572,24 +10713,19 @@
           <a:lstStyle/>
           <a:p>
             <a:r>
-              <a:rPr lang="en-GB"/>
+              <a:rPr lang="en-GB" smtClean="0"/>
               <a:t>|  </a:t>
             </a:r>
             <a:fld id="{92C156F3-6C7D-4C62-B24F-CEC351458306}" type="slidenum">
               <a:rPr lang="en-GB" smtClean="0"/>
               <a:pPr/>
-              <a:t>6</a:t>
+              <a:t>5</a:t>
             </a:fld>
             <a:endParaRPr lang="en-GB"/>
           </a:p>
         </p:txBody>
       </p:sp>
     </p:spTree>
-    <p:extLst>
-      <p:ext uri="{BB962C8B-B14F-4D97-AF65-F5344CB8AC3E}">
-        <p14:creationId xmlns:p14="http://schemas.microsoft.com/office/powerpoint/2010/main" val="3979630434"/>
-      </p:ext>
-    </p:extLst>
   </p:cSld>
   <p:clrMapOvr>
     <a:masterClrMapping/>
@@ -10643,7 +10779,7 @@
           <a:p>
             <a:r>
               <a:rPr lang="en-GB" dirty="0"/>
-              <a:t>NIKO</a:t>
+              <a:t>FABIAN</a:t>
             </a:r>
           </a:p>
         </p:txBody>
@@ -10714,7 +10850,7 @@
             <a:fld id="{92C156F3-6C7D-4C62-B24F-CEC351458306}" type="slidenum">
               <a:rPr lang="en-GB" smtClean="0"/>
               <a:pPr/>
-              <a:t>7</a:t>
+              <a:t>6</a:t>
             </a:fld>
             <a:endParaRPr lang="en-GB"/>
           </a:p>
@@ -10723,7 +10859,7 @@
     </p:spTree>
     <p:extLst>
       <p:ext uri="{BB962C8B-B14F-4D97-AF65-F5344CB8AC3E}">
-        <p14:creationId xmlns:p14="http://schemas.microsoft.com/office/powerpoint/2010/main" val="894590783"/>
+        <p14:creationId xmlns:p14="http://schemas.microsoft.com/office/powerpoint/2010/main" xmlns="" val="3979630434"/>
       </p:ext>
     </p:extLst>
   </p:cSld>
@@ -10850,7 +10986,7 @@
             <a:fld id="{92C156F3-6C7D-4C62-B24F-CEC351458306}" type="slidenum">
               <a:rPr lang="en-GB" smtClean="0"/>
               <a:pPr/>
-              <a:t>8</a:t>
+              <a:t>7</a:t>
             </a:fld>
             <a:endParaRPr lang="en-GB"/>
           </a:p>
@@ -10859,7 +10995,7 @@
     </p:spTree>
     <p:extLst>
       <p:ext uri="{BB962C8B-B14F-4D97-AF65-F5344CB8AC3E}">
-        <p14:creationId xmlns:p14="http://schemas.microsoft.com/office/powerpoint/2010/main" val="894590783"/>
+        <p14:creationId xmlns:p14="http://schemas.microsoft.com/office/powerpoint/2010/main" xmlns="" val="894590783"/>
       </p:ext>
     </p:extLst>
   </p:cSld>
@@ -10986,7 +11122,7 @@
             <a:fld id="{92C156F3-6C7D-4C62-B24F-CEC351458306}" type="slidenum">
               <a:rPr lang="en-GB" smtClean="0"/>
               <a:pPr/>
-              <a:t>9</a:t>
+              <a:t>8</a:t>
             </a:fld>
             <a:endParaRPr lang="en-GB"/>
           </a:p>
@@ -10995,7 +11131,7 @@
     </p:spTree>
     <p:extLst>
       <p:ext uri="{BB962C8B-B14F-4D97-AF65-F5344CB8AC3E}">
-        <p14:creationId xmlns:p14="http://schemas.microsoft.com/office/powerpoint/2010/main" val="894590783"/>
+        <p14:creationId xmlns:p14="http://schemas.microsoft.com/office/powerpoint/2010/main" xmlns="" val="894590783"/>
       </p:ext>
     </p:extLst>
   </p:cSld>
@@ -11122,7 +11258,7 @@
             <a:fld id="{92C156F3-6C7D-4C62-B24F-CEC351458306}" type="slidenum">
               <a:rPr lang="en-GB" smtClean="0"/>
               <a:pPr/>
-              <a:t>10</a:t>
+              <a:t>9</a:t>
             </a:fld>
             <a:endParaRPr lang="en-GB"/>
           </a:p>
@@ -11131,7 +11267,7 @@
     </p:spTree>
     <p:extLst>
       <p:ext uri="{BB962C8B-B14F-4D97-AF65-F5344CB8AC3E}">
-        <p14:creationId xmlns:p14="http://schemas.microsoft.com/office/powerpoint/2010/main" val="894590783"/>
+        <p14:creationId xmlns:p14="http://schemas.microsoft.com/office/powerpoint/2010/main" xmlns="" val="894590783"/>
       </p:ext>
     </p:extLst>
   </p:cSld>
@@ -11258,7 +11394,7 @@
             <a:fld id="{92C156F3-6C7D-4C62-B24F-CEC351458306}" type="slidenum">
               <a:rPr lang="en-GB" smtClean="0"/>
               <a:pPr/>
-              <a:t>11</a:t>
+              <a:t>10</a:t>
             </a:fld>
             <a:endParaRPr lang="en-GB"/>
           </a:p>
@@ -11267,7 +11403,7 @@
     </p:spTree>
     <p:extLst>
       <p:ext uri="{BB962C8B-B14F-4D97-AF65-F5344CB8AC3E}">
-        <p14:creationId xmlns:p14="http://schemas.microsoft.com/office/powerpoint/2010/main" val="894590783"/>
+        <p14:creationId xmlns:p14="http://schemas.microsoft.com/office/powerpoint/2010/main" xmlns="" val="894590783"/>
       </p:ext>
     </p:extLst>
   </p:cSld>
@@ -11323,7 +11459,7 @@
           <a:p>
             <a:r>
               <a:rPr lang="en-GB" dirty="0"/>
-              <a:t>MAIKE</a:t>
+              <a:t>NIKO</a:t>
             </a:r>
           </a:p>
         </p:txBody>
@@ -11394,7 +11530,7 @@
             <a:fld id="{92C156F3-6C7D-4C62-B24F-CEC351458306}" type="slidenum">
               <a:rPr lang="en-GB" smtClean="0"/>
               <a:pPr/>
-              <a:t>12</a:t>
+              <a:t>11</a:t>
             </a:fld>
             <a:endParaRPr lang="en-GB"/>
           </a:p>
@@ -11403,7 +11539,7 @@
     </p:spTree>
     <p:extLst>
       <p:ext uri="{BB962C8B-B14F-4D97-AF65-F5344CB8AC3E}">
-        <p14:creationId xmlns:p14="http://schemas.microsoft.com/office/powerpoint/2010/main" val="1472061649"/>
+        <p14:creationId xmlns:p14="http://schemas.microsoft.com/office/powerpoint/2010/main" xmlns="" val="894590783"/>
       </p:ext>
     </p:extLst>
   </p:cSld>
@@ -15949,7 +16085,7 @@
                 <a:buFont typeface="Arial" pitchFamily="34" charset="0"/>
                 <a:buNone/>
               </a:pPr>
-              <a:t>4. März 2019</a:t>
+              <a:t>5. März 2019</a:t>
             </a:fld>
             <a:r>
               <a:rPr kumimoji="0" lang="en-US" sz="1100" b="0" i="0" u="none" strike="noStrike" kern="1200" cap="none" spc="0" normalizeH="0" baseline="0" noProof="0" dirty="0">
@@ -17183,7 +17319,7 @@
           <a:p>
             <a:r>
               <a:rPr lang="de-DE" dirty="0" err="1" smtClean="0"/>
-              <a:t>Countour</a:t>
+              <a:t>Contour</a:t>
             </a:r>
             <a:r>
               <a:rPr lang="de-DE" dirty="0" smtClean="0"/>
@@ -17305,7 +17441,7 @@
           <a:p>
             <a:r>
               <a:rPr lang="de-DE" dirty="0" smtClean="0"/>
-              <a:t>Word-</a:t>
+              <a:t>Work-</a:t>
             </a:r>
             <a:r>
               <a:rPr lang="de-DE" dirty="0" err="1" smtClean="0"/>
@@ -17313,7 +17449,11 @@
             </a:r>
             <a:r>
               <a:rPr lang="de-DE" dirty="0" smtClean="0"/>
-              <a:t> für Belichtungseinstellung</a:t>
+              <a:t> </a:t>
+            </a:r>
+            <a:r>
+              <a:rPr lang="de-DE" dirty="0" smtClean="0"/>
+              <a:t>für Belichtungseinstellung</a:t>
             </a:r>
             <a:endParaRPr lang="de-DE" dirty="0"/>
           </a:p>
@@ -17571,7 +17711,7 @@
           <a:blip r:embed="rId3" cstate="print">
             <a:extLst>
               <a:ext uri="{28A0092B-C50C-407E-A947-70E740481C1C}">
-                <a14:useLocalDpi xmlns:a14="http://schemas.microsoft.com/office/drawing/2010/main" val="0"/>
+                <a14:useLocalDpi xmlns:a14="http://schemas.microsoft.com/office/drawing/2010/main" xmlns="" val="0"/>
               </a:ext>
             </a:extLst>
           </a:blip>
@@ -17591,7 +17731,7 @@
           <a:noFill/>
           <a:extLst>
             <a:ext uri="{909E8E84-426E-40DD-AFC4-6F175D3DCCD1}">
-              <a14:hiddenFill xmlns:a14="http://schemas.microsoft.com/office/drawing/2010/main">
+              <a14:hiddenFill xmlns:a14="http://schemas.microsoft.com/office/drawing/2010/main" xmlns="">
                 <a:solidFill>
                   <a:srgbClr val="FFFFFF"/>
                 </a:solidFill>
@@ -17622,7 +17762,7 @@
     </p:spTree>
     <p:extLst>
       <p:ext uri="{BB962C8B-B14F-4D97-AF65-F5344CB8AC3E}">
-        <p14:creationId xmlns:p14="http://schemas.microsoft.com/office/powerpoint/2010/main" val="785031693"/>
+        <p14:creationId xmlns:p14="http://schemas.microsoft.com/office/powerpoint/2010/main" xmlns="" val="785031693"/>
       </p:ext>
     </p:extLst>
   </p:cSld>
@@ -17662,7 +17802,7 @@
           <p:cNvPr id="2" name="Titel 1">
             <a:extLst>
               <a:ext uri="{FF2B5EF4-FFF2-40B4-BE49-F238E27FC236}">
-                <a16:creationId xmlns="" xmlns:a16="http://schemas.microsoft.com/office/drawing/2014/main" id="{24452668-05B8-45C3-9C30-2FC567BF5B34}"/>
+                <a16:creationId xmlns:a16="http://schemas.microsoft.com/office/drawing/2014/main" xmlns="" id="{24452668-05B8-45C3-9C30-2FC567BF5B34}"/>
               </a:ext>
             </a:extLst>
           </p:cNvPr>
@@ -17691,7 +17831,7 @@
           <p:cNvPr id="3" name="Inhaltsplatzhalter 2">
             <a:extLst>
               <a:ext uri="{FF2B5EF4-FFF2-40B4-BE49-F238E27FC236}">
-                <a16:creationId xmlns="" xmlns:a16="http://schemas.microsoft.com/office/drawing/2014/main" id="{6F95FF9C-402A-4AAD-8E88-8EE33D2499FD}"/>
+                <a16:creationId xmlns:a16="http://schemas.microsoft.com/office/drawing/2014/main" xmlns="" id="{6F95FF9C-402A-4AAD-8E88-8EE33D2499FD}"/>
               </a:ext>
             </a:extLst>
           </p:cNvPr>
@@ -17835,7 +17975,7 @@
     </p:spTree>
     <p:extLst>
       <p:ext uri="{BB962C8B-B14F-4D97-AF65-F5344CB8AC3E}">
-        <p14:creationId xmlns:p14="http://schemas.microsoft.com/office/powerpoint/2010/main" val="2622745934"/>
+        <p14:creationId xmlns:p14="http://schemas.microsoft.com/office/powerpoint/2010/main" xmlns="" val="2622745934"/>
       </p:ext>
     </p:extLst>
   </p:cSld>
@@ -17948,7 +18088,7 @@
           <a:blip r:embed="rId2" cstate="print">
             <a:extLst>
               <a:ext uri="{28A0092B-C50C-407E-A947-70E740481C1C}">
-                <a14:useLocalDpi xmlns:a14="http://schemas.microsoft.com/office/drawing/2010/main" val="0"/>
+                <a14:useLocalDpi xmlns:a14="http://schemas.microsoft.com/office/drawing/2010/main" xmlns="" val="0"/>
               </a:ext>
             </a:extLst>
           </a:blip>
@@ -17968,7 +18108,7 @@
           <a:noFill/>
           <a:extLst>
             <a:ext uri="{909E8E84-426E-40DD-AFC4-6F175D3DCCD1}">
-              <a14:hiddenFill xmlns:a14="http://schemas.microsoft.com/office/drawing/2010/main">
+              <a14:hiddenFill xmlns:a14="http://schemas.microsoft.com/office/drawing/2010/main" xmlns="">
                 <a:solidFill>
                   <a:srgbClr val="FFFFFF"/>
                 </a:solidFill>
@@ -17980,7 +18120,7 @@
     </p:spTree>
     <p:extLst>
       <p:ext uri="{BB962C8B-B14F-4D97-AF65-F5344CB8AC3E}">
-        <p14:creationId xmlns:p14="http://schemas.microsoft.com/office/powerpoint/2010/main" val="983291378"/>
+        <p14:creationId xmlns:p14="http://schemas.microsoft.com/office/powerpoint/2010/main" xmlns="" val="983291378"/>
       </p:ext>
     </p:extLst>
   </p:cSld>
@@ -18097,7 +18237,7 @@
           <a:blip r:embed="rId2" cstate="print">
             <a:extLst>
               <a:ext uri="{28A0092B-C50C-407E-A947-70E740481C1C}">
-                <a14:useLocalDpi xmlns:a14="http://schemas.microsoft.com/office/drawing/2010/main" val="0"/>
+                <a14:useLocalDpi xmlns:a14="http://schemas.microsoft.com/office/drawing/2010/main" xmlns="" val="0"/>
               </a:ext>
             </a:extLst>
           </a:blip>
@@ -18117,7 +18257,7 @@
           <a:noFill/>
           <a:extLst>
             <a:ext uri="{909E8E84-426E-40DD-AFC4-6F175D3DCCD1}">
-              <a14:hiddenFill xmlns:a14="http://schemas.microsoft.com/office/drawing/2010/main">
+              <a14:hiddenFill xmlns:a14="http://schemas.microsoft.com/office/drawing/2010/main" xmlns="">
                 <a:solidFill>
                   <a:srgbClr val="FFFFFF"/>
                 </a:solidFill>
@@ -18129,7 +18269,7 @@
     </p:spTree>
     <p:extLst>
       <p:ext uri="{BB962C8B-B14F-4D97-AF65-F5344CB8AC3E}">
-        <p14:creationId xmlns:p14="http://schemas.microsoft.com/office/powerpoint/2010/main" val="617314025"/>
+        <p14:creationId xmlns:p14="http://schemas.microsoft.com/office/powerpoint/2010/main" xmlns="" val="617314025"/>
       </p:ext>
     </p:extLst>
   </p:cSld>
@@ -18203,19 +18343,29 @@
           <a:p>
             <a:r>
               <a:rPr lang="de-DE" dirty="0" smtClean="0"/>
-              <a:t>LED-Beleuchtung</a:t>
-            </a:r>
+              <a:t>Anbringung von LED-Beleuchtung zur Verbesserung der Kamerabilder</a:t>
+            </a:r>
+            <a:endParaRPr lang="de-DE" dirty="0" smtClean="0"/>
           </a:p>
           <a:p>
             <a:r>
               <a:rPr lang="de-DE" dirty="0" smtClean="0"/>
-              <a:t>Kamerahalterung</a:t>
-            </a:r>
-          </a:p>
-          <a:p>
+              <a:t>Erstellung einer modularen 3D-gedruckten Kamerahalterung im Rapid-</a:t>
+            </a:r>
+            <a:r>
+              <a:rPr lang="de-DE" dirty="0" err="1" smtClean="0"/>
+              <a:t>Prototyping</a:t>
+            </a:r>
             <a:r>
               <a:rPr lang="de-DE" dirty="0" smtClean="0"/>
-              <a:t>Mega geile Optik aufgrund von goldfarbenem Logo (es ist eigentlich Bronze, das halte ich aber für ungünstig, weil Bronze = 3. Platz)</a:t>
+              <a:t>-Verfahren</a:t>
+            </a:r>
+            <a:endParaRPr lang="de-DE" dirty="0" smtClean="0"/>
+          </a:p>
+          <a:p>
+            <a:r>
+              <a:rPr lang="de-DE" dirty="0" smtClean="0"/>
+              <a:t>Anbringung einer goldfarbenen Holztafel mit dem Gruppenlogo</a:t>
             </a:r>
             <a:endParaRPr lang="de-DE" dirty="0"/>
           </a:p>
@@ -18230,7 +18380,7 @@
           <p:nvPr/>
         </p:nvPicPr>
         <p:blipFill>
-          <a:blip r:embed="rId2" cstate="print"/>
+          <a:blip r:embed="rId3" cstate="print"/>
           <a:srcRect/>
           <a:stretch>
             <a:fillRect/>
@@ -18238,8 +18388,8 @@
         </p:blipFill>
         <p:spPr bwMode="auto">
           <a:xfrm>
-            <a:off x="5004048" y="3140968"/>
-            <a:ext cx="2162200" cy="2882933"/>
+            <a:off x="5292080" y="3140968"/>
+            <a:ext cx="2304256" cy="3072341"/>
           </a:xfrm>
           <a:prstGeom prst="rect">
             <a:avLst/>
@@ -18256,7 +18406,7 @@
           <p:nvPr/>
         </p:nvPicPr>
         <p:blipFill>
-          <a:blip r:embed="rId3" cstate="print"/>
+          <a:blip r:embed="rId4" cstate="print"/>
           <a:srcRect/>
           <a:stretch>
             <a:fillRect/>
@@ -18264,8 +18414,8 @@
         </p:blipFill>
         <p:spPr bwMode="auto">
           <a:xfrm>
-            <a:off x="755576" y="3212976"/>
-            <a:ext cx="3483000" cy="2612250"/>
+            <a:off x="683568" y="3160930"/>
+            <a:ext cx="4032448" cy="3024336"/>
           </a:xfrm>
           <a:prstGeom prst="rect">
             <a:avLst/>
@@ -18512,7 +18662,7 @@
           <p:nvPr>
             <p:extLst>
               <p:ext uri="{D42A27DB-BD31-4B8C-83A1-F6EECF244321}">
-                <p14:modId xmlns:p14="http://schemas.microsoft.com/office/powerpoint/2010/main" val="1294336154"/>
+                <p14:modId xmlns:p14="http://schemas.microsoft.com/office/powerpoint/2010/main" xmlns="" val="1294336154"/>
               </p:ext>
             </p:extLst>
           </p:nvPr>

--- a/Dokumente/Präsentationen/Abschlusspräsentation.pptx
+++ b/Dokumente/Präsentationen/Abschlusspräsentation.pptx
@@ -198,7 +198,7 @@
   </p:defaultTextStyle>
   <p:extLst>
     <p:ext uri="{EFAFB233-063F-42B5-8137-9DF3F51BA10A}">
-      <p15:sldGuideLst xmlns:p15="http://schemas.microsoft.com/office/powerpoint/2012/main">
+      <p15:sldGuideLst xmlns:p15="http://schemas.microsoft.com/office/powerpoint/2012/main" xmlns="">
         <p15:guide id="1" orient="horz" pos="4319">
           <p15:clr>
             <a:srgbClr val="A4A3A4"/>
@@ -212,7 +212,7 @@
       </p15:sldGuideLst>
     </p:ext>
     <p:ext uri="{2D200454-40CA-4A62-9FC3-DE9A4176ACB9}">
-      <p15:notesGuideLst xmlns:p15="http://schemas.microsoft.com/office/powerpoint/2012/main">
+      <p15:notesGuideLst xmlns:p15="http://schemas.microsoft.com/office/powerpoint/2012/main" xmlns="">
         <p15:guide id="1" orient="horz" pos="2874">
           <p15:clr>
             <a:srgbClr val="A4A3A4"/>
@@ -3140,14 +3140,35 @@
         </dgm:presLayoutVars>
       </dgm:prSet>
       <dgm:spPr/>
+      <dgm:t>
+        <a:bodyPr/>
+        <a:lstStyle/>
+        <a:p>
+          <a:endParaRPr lang="de-DE"/>
+        </a:p>
+      </dgm:t>
     </dgm:pt>
     <dgm:pt modelId="{BE88AA11-25B2-4019-9BB7-8AFE2BF1F8B3}" type="pres">
       <dgm:prSet presAssocID="{A83B8660-C75D-4E72-8A76-A73FB7FE7558}" presName="sibTrans" presStyleLbl="sibTrans2D1" presStyleIdx="0" presStyleCnt="7"/>
       <dgm:spPr/>
+      <dgm:t>
+        <a:bodyPr/>
+        <a:lstStyle/>
+        <a:p>
+          <a:endParaRPr lang="de-DE"/>
+        </a:p>
+      </dgm:t>
     </dgm:pt>
     <dgm:pt modelId="{E9422020-E633-46CA-A997-270C4DC30FC1}" type="pres">
       <dgm:prSet presAssocID="{A83B8660-C75D-4E72-8A76-A73FB7FE7558}" presName="connectorText" presStyleLbl="sibTrans2D1" presStyleIdx="0" presStyleCnt="7"/>
       <dgm:spPr/>
+      <dgm:t>
+        <a:bodyPr/>
+        <a:lstStyle/>
+        <a:p>
+          <a:endParaRPr lang="de-DE"/>
+        </a:p>
+      </dgm:t>
     </dgm:pt>
     <dgm:pt modelId="{4AB5ECC8-95D1-4805-BE13-6E1B6554C3C9}" type="pres">
       <dgm:prSet presAssocID="{5C3F7852-1159-4DDF-B001-1AAC5233B0BD}" presName="node" presStyleLbl="node1" presStyleIdx="1" presStyleCnt="8">
@@ -3156,14 +3177,35 @@
         </dgm:presLayoutVars>
       </dgm:prSet>
       <dgm:spPr/>
+      <dgm:t>
+        <a:bodyPr/>
+        <a:lstStyle/>
+        <a:p>
+          <a:endParaRPr lang="de-DE"/>
+        </a:p>
+      </dgm:t>
     </dgm:pt>
     <dgm:pt modelId="{CDC5E207-5B9F-4708-9835-66F4E9D86D5E}" type="pres">
       <dgm:prSet presAssocID="{D02C2C0A-EF94-42FE-97D1-6227AE0B09A3}" presName="sibTrans" presStyleLbl="sibTrans2D1" presStyleIdx="1" presStyleCnt="7"/>
       <dgm:spPr/>
+      <dgm:t>
+        <a:bodyPr/>
+        <a:lstStyle/>
+        <a:p>
+          <a:endParaRPr lang="de-DE"/>
+        </a:p>
+      </dgm:t>
     </dgm:pt>
     <dgm:pt modelId="{84829B7E-66C3-4818-95D1-A18F8D406220}" type="pres">
       <dgm:prSet presAssocID="{D02C2C0A-EF94-42FE-97D1-6227AE0B09A3}" presName="connectorText" presStyleLbl="sibTrans2D1" presStyleIdx="1" presStyleCnt="7"/>
       <dgm:spPr/>
+      <dgm:t>
+        <a:bodyPr/>
+        <a:lstStyle/>
+        <a:p>
+          <a:endParaRPr lang="de-DE"/>
+        </a:p>
+      </dgm:t>
     </dgm:pt>
     <dgm:pt modelId="{42977F73-17F4-4D95-8DD6-58316F0AA372}" type="pres">
       <dgm:prSet presAssocID="{77CE6117-1BDA-46FA-9952-B4A2E7F41985}" presName="node" presStyleLbl="node1" presStyleIdx="2" presStyleCnt="8" custLinFactNeighborX="2018" custLinFactNeighborY="-212">
@@ -3172,14 +3214,35 @@
         </dgm:presLayoutVars>
       </dgm:prSet>
       <dgm:spPr/>
+      <dgm:t>
+        <a:bodyPr/>
+        <a:lstStyle/>
+        <a:p>
+          <a:endParaRPr lang="de-DE"/>
+        </a:p>
+      </dgm:t>
     </dgm:pt>
     <dgm:pt modelId="{CCC4A06A-A827-45BF-8450-67D962F26337}" type="pres">
       <dgm:prSet presAssocID="{AD94B7F6-0D5C-4A7B-833A-883F142DC445}" presName="sibTrans" presStyleLbl="sibTrans2D1" presStyleIdx="2" presStyleCnt="7"/>
       <dgm:spPr/>
+      <dgm:t>
+        <a:bodyPr/>
+        <a:lstStyle/>
+        <a:p>
+          <a:endParaRPr lang="de-DE"/>
+        </a:p>
+      </dgm:t>
     </dgm:pt>
     <dgm:pt modelId="{0B877459-5037-4B6A-B1BA-175F6B290452}" type="pres">
       <dgm:prSet presAssocID="{AD94B7F6-0D5C-4A7B-833A-883F142DC445}" presName="connectorText" presStyleLbl="sibTrans2D1" presStyleIdx="2" presStyleCnt="7"/>
       <dgm:spPr/>
+      <dgm:t>
+        <a:bodyPr/>
+        <a:lstStyle/>
+        <a:p>
+          <a:endParaRPr lang="de-DE"/>
+        </a:p>
+      </dgm:t>
     </dgm:pt>
     <dgm:pt modelId="{C6FB2919-9D1F-4633-9AB4-7BFB3964DF37}" type="pres">
       <dgm:prSet presAssocID="{979A986A-93F4-45B4-BF21-EFF0EC2C7417}" presName="node" presStyleLbl="node1" presStyleIdx="3" presStyleCnt="8" custLinFactNeighborX="2018" custLinFactNeighborY="-6722">
@@ -3188,14 +3251,35 @@
         </dgm:presLayoutVars>
       </dgm:prSet>
       <dgm:spPr/>
+      <dgm:t>
+        <a:bodyPr/>
+        <a:lstStyle/>
+        <a:p>
+          <a:endParaRPr lang="de-DE"/>
+        </a:p>
+      </dgm:t>
     </dgm:pt>
     <dgm:pt modelId="{9D369444-FA8F-4D05-844A-906DFCF6C382}" type="pres">
       <dgm:prSet presAssocID="{D2D5167A-43A6-4C5B-9533-7AA2D1A4EB31}" presName="sibTrans" presStyleLbl="sibTrans2D1" presStyleIdx="3" presStyleCnt="7"/>
       <dgm:spPr/>
+      <dgm:t>
+        <a:bodyPr/>
+        <a:lstStyle/>
+        <a:p>
+          <a:endParaRPr lang="de-DE"/>
+        </a:p>
+      </dgm:t>
     </dgm:pt>
     <dgm:pt modelId="{88CC84B7-1622-45B2-A70D-B6E4F6BBFABB}" type="pres">
       <dgm:prSet presAssocID="{D2D5167A-43A6-4C5B-9533-7AA2D1A4EB31}" presName="connectorText" presStyleLbl="sibTrans2D1" presStyleIdx="3" presStyleCnt="7"/>
       <dgm:spPr/>
+      <dgm:t>
+        <a:bodyPr/>
+        <a:lstStyle/>
+        <a:p>
+          <a:endParaRPr lang="de-DE"/>
+        </a:p>
+      </dgm:t>
     </dgm:pt>
     <dgm:pt modelId="{54BEBF88-F6C4-4618-8CD0-C5F79BDD00CC}" type="pres">
       <dgm:prSet presAssocID="{6FFABBDA-9895-43BC-BAE2-0A2298EFF870}" presName="node" presStyleLbl="node1" presStyleIdx="4" presStyleCnt="8" custScaleX="100196" custLinFactX="42188" custLinFactY="60108" custLinFactNeighborX="100000" custLinFactNeighborY="100000">
@@ -3204,14 +3288,35 @@
         </dgm:presLayoutVars>
       </dgm:prSet>
       <dgm:spPr/>
+      <dgm:t>
+        <a:bodyPr/>
+        <a:lstStyle/>
+        <a:p>
+          <a:endParaRPr lang="de-DE"/>
+        </a:p>
+      </dgm:t>
     </dgm:pt>
     <dgm:pt modelId="{F0C38B2C-60D1-41E8-AC61-19C10692A4E6}" type="pres">
       <dgm:prSet presAssocID="{0D6B94B3-3D29-40E6-98F9-C9DB6965CF31}" presName="sibTrans" presStyleLbl="sibTrans2D1" presStyleIdx="4" presStyleCnt="7"/>
       <dgm:spPr/>
+      <dgm:t>
+        <a:bodyPr/>
+        <a:lstStyle/>
+        <a:p>
+          <a:endParaRPr lang="de-DE"/>
+        </a:p>
+      </dgm:t>
     </dgm:pt>
     <dgm:pt modelId="{4FE872D6-DCD2-4C30-9956-98FAB12F9797}" type="pres">
       <dgm:prSet presAssocID="{0D6B94B3-3D29-40E6-98F9-C9DB6965CF31}" presName="connectorText" presStyleLbl="sibTrans2D1" presStyleIdx="4" presStyleCnt="7"/>
       <dgm:spPr/>
+      <dgm:t>
+        <a:bodyPr/>
+        <a:lstStyle/>
+        <a:p>
+          <a:endParaRPr lang="de-DE"/>
+        </a:p>
+      </dgm:t>
     </dgm:pt>
     <dgm:pt modelId="{5287A144-E8F3-4B85-8F5A-427E7BB75039}" type="pres">
       <dgm:prSet presAssocID="{BEA055B5-E1A2-4532-B7F8-FDD808C70D0C}" presName="node" presStyleLbl="node1" presStyleIdx="5" presStyleCnt="8" custLinFactX="40098" custLinFactY="60108" custLinFactNeighborX="100000" custLinFactNeighborY="100000">
@@ -3220,14 +3325,35 @@
         </dgm:presLayoutVars>
       </dgm:prSet>
       <dgm:spPr/>
+      <dgm:t>
+        <a:bodyPr/>
+        <a:lstStyle/>
+        <a:p>
+          <a:endParaRPr lang="de-DE"/>
+        </a:p>
+      </dgm:t>
     </dgm:pt>
     <dgm:pt modelId="{32BC61F9-2764-45E0-879F-1C31F79DF982}" type="pres">
       <dgm:prSet presAssocID="{09A01A32-9A8F-48EF-83A4-7096516A46B5}" presName="sibTrans" presStyleLbl="sibTrans2D1" presStyleIdx="5" presStyleCnt="7"/>
       <dgm:spPr/>
+      <dgm:t>
+        <a:bodyPr/>
+        <a:lstStyle/>
+        <a:p>
+          <a:endParaRPr lang="de-DE"/>
+        </a:p>
+      </dgm:t>
     </dgm:pt>
     <dgm:pt modelId="{2BBAF8BD-C3F1-45D5-8D3E-DF04B9C94829}" type="pres">
       <dgm:prSet presAssocID="{09A01A32-9A8F-48EF-83A4-7096516A46B5}" presName="connectorText" presStyleLbl="sibTrans2D1" presStyleIdx="5" presStyleCnt="7"/>
       <dgm:spPr/>
+      <dgm:t>
+        <a:bodyPr/>
+        <a:lstStyle/>
+        <a:p>
+          <a:endParaRPr lang="de-DE"/>
+        </a:p>
+      </dgm:t>
     </dgm:pt>
     <dgm:pt modelId="{377FB24D-5F1D-45EB-A26B-93BB8DE3EBEF}" type="pres">
       <dgm:prSet presAssocID="{31B6371C-FA16-466A-8DEA-6A54A0B3BA86}" presName="node" presStyleLbl="node1" presStyleIdx="6" presStyleCnt="8" custLinFactNeighborX="-2090" custLinFactNeighborY="-6559">
@@ -3236,14 +3362,35 @@
         </dgm:presLayoutVars>
       </dgm:prSet>
       <dgm:spPr/>
+      <dgm:t>
+        <a:bodyPr/>
+        <a:lstStyle/>
+        <a:p>
+          <a:endParaRPr lang="de-DE"/>
+        </a:p>
+      </dgm:t>
     </dgm:pt>
     <dgm:pt modelId="{07870DC8-1F2B-41D1-A827-E434A70F28EA}" type="pres">
       <dgm:prSet presAssocID="{D8555BE3-775C-4EEC-B0C7-57CDB345B021}" presName="sibTrans" presStyleLbl="sibTrans2D1" presStyleIdx="6" presStyleCnt="7"/>
       <dgm:spPr/>
+      <dgm:t>
+        <a:bodyPr/>
+        <a:lstStyle/>
+        <a:p>
+          <a:endParaRPr lang="de-DE"/>
+        </a:p>
+      </dgm:t>
     </dgm:pt>
     <dgm:pt modelId="{BA5BF94F-F586-4361-9E15-B3422F968253}" type="pres">
       <dgm:prSet presAssocID="{D8555BE3-775C-4EEC-B0C7-57CDB345B021}" presName="connectorText" presStyleLbl="sibTrans2D1" presStyleIdx="6" presStyleCnt="7"/>
       <dgm:spPr/>
+      <dgm:t>
+        <a:bodyPr/>
+        <a:lstStyle/>
+        <a:p>
+          <a:endParaRPr lang="de-DE"/>
+        </a:p>
+      </dgm:t>
     </dgm:pt>
     <dgm:pt modelId="{529819E6-3267-432B-B9EC-51F57AB738A4}" type="pres">
       <dgm:prSet presAssocID="{D18B357B-2E10-401C-A4A6-6D08F375E0B5}" presName="node" presStyleLbl="node1" presStyleIdx="7" presStyleCnt="8" custLinFactX="-42090" custLinFactY="-73389" custLinFactNeighborX="-100000" custLinFactNeighborY="-100000">
@@ -3252,40 +3399,47 @@
         </dgm:presLayoutVars>
       </dgm:prSet>
       <dgm:spPr/>
+      <dgm:t>
+        <a:bodyPr/>
+        <a:lstStyle/>
+        <a:p>
+          <a:endParaRPr lang="de-DE"/>
+        </a:p>
+      </dgm:t>
     </dgm:pt>
   </dgm:ptLst>
   <dgm:cxnLst>
-    <dgm:cxn modelId="{60FBF20E-CEF4-418C-B1E4-E9D3E4BFC896}" srcId="{71475B9F-2E00-4B22-A4D0-FDE2521EF2BD}" destId="{5C3F7852-1159-4DDF-B001-1AAC5233B0BD}" srcOrd="1" destOrd="0" parTransId="{9F685834-63DD-45CB-B7B7-0DA6A587C9A8}" sibTransId="{D02C2C0A-EF94-42FE-97D1-6227AE0B09A3}"/>
+    <dgm:cxn modelId="{09999234-BA61-48DA-B2A1-B056F245D684}" type="presOf" srcId="{BEA055B5-E1A2-4532-B7F8-FDD808C70D0C}" destId="{5287A144-E8F3-4B85-8F5A-427E7BB75039}" srcOrd="0" destOrd="0" presId="urn:microsoft.com/office/officeart/2005/8/layout/process5"/>
+    <dgm:cxn modelId="{23ADCBD5-9A79-4EA5-ABEF-68A49DD1F73A}" srcId="{71475B9F-2E00-4B22-A4D0-FDE2521EF2BD}" destId="{31B6371C-FA16-466A-8DEA-6A54A0B3BA86}" srcOrd="6" destOrd="0" parTransId="{870312F8-0A9D-4CB6-8641-35EF6837B757}" sibTransId="{D8555BE3-775C-4EEC-B0C7-57CDB345B021}"/>
     <dgm:cxn modelId="{15AA5E12-48A5-421F-9F2C-9550B5CFBAFA}" srcId="{71475B9F-2E00-4B22-A4D0-FDE2521EF2BD}" destId="{D18B357B-2E10-401C-A4A6-6D08F375E0B5}" srcOrd="7" destOrd="0" parTransId="{BE4535B5-75C8-45AD-9DFB-C27A137502F2}" sibTransId="{D0BBA1FF-2F27-47F2-96B2-3AB9747B0D56}"/>
-    <dgm:cxn modelId="{B2AEFA29-A938-439C-8F17-66401210B6D3}" type="presOf" srcId="{AD94B7F6-0D5C-4A7B-833A-883F142DC445}" destId="{CCC4A06A-A827-45BF-8450-67D962F26337}" srcOrd="0" destOrd="0" presId="urn:microsoft.com/office/officeart/2005/8/layout/process5"/>
-    <dgm:cxn modelId="{8C712034-BAB2-4D6C-89CA-18B9165CAAB3}" type="presOf" srcId="{0D6B94B3-3D29-40E6-98F9-C9DB6965CF31}" destId="{4FE872D6-DCD2-4C30-9956-98FAB12F9797}" srcOrd="1" destOrd="0" presId="urn:microsoft.com/office/officeart/2005/8/layout/process5"/>
-    <dgm:cxn modelId="{09999234-BA61-48DA-B2A1-B056F245D684}" type="presOf" srcId="{BEA055B5-E1A2-4532-B7F8-FDD808C70D0C}" destId="{5287A144-E8F3-4B85-8F5A-427E7BB75039}" srcOrd="0" destOrd="0" presId="urn:microsoft.com/office/officeart/2005/8/layout/process5"/>
-    <dgm:cxn modelId="{B7EE0535-DD10-4D62-89A9-AEADCF8E97BB}" type="presOf" srcId="{6FFABBDA-9895-43BC-BAE2-0A2298EFF870}" destId="{54BEBF88-F6C4-4618-8CD0-C5F79BDD00CC}" srcOrd="0" destOrd="0" presId="urn:microsoft.com/office/officeart/2005/8/layout/process5"/>
-    <dgm:cxn modelId="{6160F049-AF4A-4586-9910-E4FCA724AFBD}" type="presOf" srcId="{0D6B94B3-3D29-40E6-98F9-C9DB6965CF31}" destId="{F0C38B2C-60D1-41E8-AC61-19C10692A4E6}" srcOrd="0" destOrd="0" presId="urn:microsoft.com/office/officeart/2005/8/layout/process5"/>
+    <dgm:cxn modelId="{2474E7B8-37AC-4100-AC98-E620C523A311}" type="presOf" srcId="{77CE6117-1BDA-46FA-9952-B4A2E7F41985}" destId="{42977F73-17F4-4D95-8DD6-58316F0AA372}" srcOrd="0" destOrd="0" presId="urn:microsoft.com/office/officeart/2005/8/layout/process5"/>
+    <dgm:cxn modelId="{F8E983B4-B9B3-4BB9-8550-9E2EC101AEBF}" type="presOf" srcId="{A83B8660-C75D-4E72-8A76-A73FB7FE7558}" destId="{BE88AA11-25B2-4019-9BB7-8AFE2BF1F8B3}" srcOrd="0" destOrd="0" presId="urn:microsoft.com/office/officeart/2005/8/layout/process5"/>
+    <dgm:cxn modelId="{A0FC2FB3-B4B5-47F9-AD1D-4A03B79B36ED}" type="presOf" srcId="{D02C2C0A-EF94-42FE-97D1-6227AE0B09A3}" destId="{84829B7E-66C3-4818-95D1-A18F8D406220}" srcOrd="1" destOrd="0" presId="urn:microsoft.com/office/officeart/2005/8/layout/process5"/>
     <dgm:cxn modelId="{AF72676B-9B59-47DB-ACA3-7482C6608B19}" type="presOf" srcId="{D2D5167A-43A6-4C5B-9533-7AA2D1A4EB31}" destId="{88CC84B7-1622-45B2-A70D-B6E4F6BBFABB}" srcOrd="1" destOrd="0" presId="urn:microsoft.com/office/officeart/2005/8/layout/process5"/>
     <dgm:cxn modelId="{50D4D170-2874-4DAF-B392-1AEA0B03BDA6}" srcId="{71475B9F-2E00-4B22-A4D0-FDE2521EF2BD}" destId="{7EB76AA0-6D2D-46F8-9E95-A22196481226}" srcOrd="0" destOrd="0" parTransId="{22419941-0925-44B6-AF59-C7626F072399}" sibTransId="{A83B8660-C75D-4E72-8A76-A73FB7FE7558}"/>
-    <dgm:cxn modelId="{BA5C2973-BDF2-46DE-8541-66B71F13F8D1}" type="presOf" srcId="{09A01A32-9A8F-48EF-83A4-7096516A46B5}" destId="{2BBAF8BD-C3F1-45D5-8D3E-DF04B9C94829}" srcOrd="1" destOrd="0" presId="urn:microsoft.com/office/officeart/2005/8/layout/process5"/>
-    <dgm:cxn modelId="{22BFE073-099E-44D3-A645-1C0D7C746523}" srcId="{71475B9F-2E00-4B22-A4D0-FDE2521EF2BD}" destId="{BEA055B5-E1A2-4532-B7F8-FDD808C70D0C}" srcOrd="5" destOrd="0" parTransId="{C5D7F058-1811-4722-9E7E-238B2BCEF646}" sibTransId="{09A01A32-9A8F-48EF-83A4-7096516A46B5}"/>
-    <dgm:cxn modelId="{A1EA8E5A-8BE1-49CA-9EEC-6209BE4FDBFF}" type="presOf" srcId="{71475B9F-2E00-4B22-A4D0-FDE2521EF2BD}" destId="{6ED3863A-66C6-433D-AD87-D6E2A7ED2A72}" srcOrd="0" destOrd="0" presId="urn:microsoft.com/office/officeart/2005/8/layout/process5"/>
-    <dgm:cxn modelId="{34BCF883-79CC-4C2A-8BAE-8C9EBDBE647A}" type="presOf" srcId="{A83B8660-C75D-4E72-8A76-A73FB7FE7558}" destId="{E9422020-E633-46CA-A997-270C4DC30FC1}" srcOrd="1" destOrd="0" presId="urn:microsoft.com/office/officeart/2005/8/layout/process5"/>
-    <dgm:cxn modelId="{DE322E89-E209-473E-8571-ACB8BFA7DB61}" type="presOf" srcId="{D8555BE3-775C-4EEC-B0C7-57CDB345B021}" destId="{07870DC8-1F2B-41D1-A827-E434A70F28EA}" srcOrd="0" destOrd="0" presId="urn:microsoft.com/office/officeart/2005/8/layout/process5"/>
-    <dgm:cxn modelId="{5DA61D8F-9A04-416A-B914-8960588B776E}" srcId="{71475B9F-2E00-4B22-A4D0-FDE2521EF2BD}" destId="{979A986A-93F4-45B4-BF21-EFF0EC2C7417}" srcOrd="3" destOrd="0" parTransId="{EF62DF63-6C6A-426D-9740-136EDDB40FFA}" sibTransId="{D2D5167A-43A6-4C5B-9533-7AA2D1A4EB31}"/>
     <dgm:cxn modelId="{233C1695-A408-4AC4-ADF8-4159BBF0FF94}" type="presOf" srcId="{D8555BE3-775C-4EEC-B0C7-57CDB345B021}" destId="{BA5BF94F-F586-4361-9E15-B3422F968253}" srcOrd="1" destOrd="0" presId="urn:microsoft.com/office/officeart/2005/8/layout/process5"/>
     <dgm:cxn modelId="{698DCB96-2AFB-4CD6-A4BD-D67555D53C03}" type="presOf" srcId="{5C3F7852-1159-4DDF-B001-1AAC5233B0BD}" destId="{4AB5ECC8-95D1-4805-BE13-6E1B6554C3C9}" srcOrd="0" destOrd="0" presId="urn:microsoft.com/office/officeart/2005/8/layout/process5"/>
+    <dgm:cxn modelId="{DE322E89-E209-473E-8571-ACB8BFA7DB61}" type="presOf" srcId="{D8555BE3-775C-4EEC-B0C7-57CDB345B021}" destId="{07870DC8-1F2B-41D1-A827-E434A70F28EA}" srcOrd="0" destOrd="0" presId="urn:microsoft.com/office/officeart/2005/8/layout/process5"/>
+    <dgm:cxn modelId="{480895F4-67A8-4D2F-95BC-696929526390}" srcId="{71475B9F-2E00-4B22-A4D0-FDE2521EF2BD}" destId="{77CE6117-1BDA-46FA-9952-B4A2E7F41985}" srcOrd="2" destOrd="0" parTransId="{F9D86950-460B-45C1-A6FA-731A5CF19CD3}" sibTransId="{AD94B7F6-0D5C-4A7B-833A-883F142DC445}"/>
     <dgm:cxn modelId="{54C5DF98-89D2-4CAA-83CA-87F19ADFFFF4}" type="presOf" srcId="{09A01A32-9A8F-48EF-83A4-7096516A46B5}" destId="{32BC61F9-2764-45E0-879F-1C31F79DF982}" srcOrd="0" destOrd="0" presId="urn:microsoft.com/office/officeart/2005/8/layout/process5"/>
-    <dgm:cxn modelId="{A0FC2FB3-B4B5-47F9-AD1D-4A03B79B36ED}" type="presOf" srcId="{D02C2C0A-EF94-42FE-97D1-6227AE0B09A3}" destId="{84829B7E-66C3-4818-95D1-A18F8D406220}" srcOrd="1" destOrd="0" presId="urn:microsoft.com/office/officeart/2005/8/layout/process5"/>
-    <dgm:cxn modelId="{F8E983B4-B9B3-4BB9-8550-9E2EC101AEBF}" type="presOf" srcId="{A83B8660-C75D-4E72-8A76-A73FB7FE7558}" destId="{BE88AA11-25B2-4019-9BB7-8AFE2BF1F8B3}" srcOrd="0" destOrd="0" presId="urn:microsoft.com/office/officeart/2005/8/layout/process5"/>
-    <dgm:cxn modelId="{2474E7B8-37AC-4100-AC98-E620C523A311}" type="presOf" srcId="{77CE6117-1BDA-46FA-9952-B4A2E7F41985}" destId="{42977F73-17F4-4D95-8DD6-58316F0AA372}" srcOrd="0" destOrd="0" presId="urn:microsoft.com/office/officeart/2005/8/layout/process5"/>
+    <dgm:cxn modelId="{D516FFD7-CB74-445D-BA4F-757A03371D81}" type="presOf" srcId="{7EB76AA0-6D2D-46F8-9E95-A22196481226}" destId="{66B07F8C-2609-440A-A1A9-E1A6CD90317A}" srcOrd="0" destOrd="0" presId="urn:microsoft.com/office/officeart/2005/8/layout/process5"/>
+    <dgm:cxn modelId="{A1EA8E5A-8BE1-49CA-9EEC-6209BE4FDBFF}" type="presOf" srcId="{71475B9F-2E00-4B22-A4D0-FDE2521EF2BD}" destId="{6ED3863A-66C6-433D-AD87-D6E2A7ED2A72}" srcOrd="0" destOrd="0" presId="urn:microsoft.com/office/officeart/2005/8/layout/process5"/>
     <dgm:cxn modelId="{B248FABB-5C09-49D5-8606-19FF80D8D7F6}" srcId="{71475B9F-2E00-4B22-A4D0-FDE2521EF2BD}" destId="{6FFABBDA-9895-43BC-BAE2-0A2298EFF870}" srcOrd="4" destOrd="0" parTransId="{1BAD5261-268A-45F3-9D51-4B98F076A460}" sibTransId="{0D6B94B3-3D29-40E6-98F9-C9DB6965CF31}"/>
+    <dgm:cxn modelId="{B2AEFA29-A938-439C-8F17-66401210B6D3}" type="presOf" srcId="{AD94B7F6-0D5C-4A7B-833A-883F142DC445}" destId="{CCC4A06A-A827-45BF-8450-67D962F26337}" srcOrd="0" destOrd="0" presId="urn:microsoft.com/office/officeart/2005/8/layout/process5"/>
+    <dgm:cxn modelId="{B7EE0535-DD10-4D62-89A9-AEADCF8E97BB}" type="presOf" srcId="{6FFABBDA-9895-43BC-BAE2-0A2298EFF870}" destId="{54BEBF88-F6C4-4618-8CD0-C5F79BDD00CC}" srcOrd="0" destOrd="0" presId="urn:microsoft.com/office/officeart/2005/8/layout/process5"/>
+    <dgm:cxn modelId="{34BCF883-79CC-4C2A-8BAE-8C9EBDBE647A}" type="presOf" srcId="{A83B8660-C75D-4E72-8A76-A73FB7FE7558}" destId="{E9422020-E633-46CA-A997-270C4DC30FC1}" srcOrd="1" destOrd="0" presId="urn:microsoft.com/office/officeart/2005/8/layout/process5"/>
+    <dgm:cxn modelId="{102891EB-80D0-45C4-813F-440CFB684BEC}" type="presOf" srcId="{979A986A-93F4-45B4-BF21-EFF0EC2C7417}" destId="{C6FB2919-9D1F-4633-9AB4-7BFB3964DF37}" srcOrd="0" destOrd="0" presId="urn:microsoft.com/office/officeart/2005/8/layout/process5"/>
+    <dgm:cxn modelId="{5DA61D8F-9A04-416A-B914-8960588B776E}" srcId="{71475B9F-2E00-4B22-A4D0-FDE2521EF2BD}" destId="{979A986A-93F4-45B4-BF21-EFF0EC2C7417}" srcOrd="3" destOrd="0" parTransId="{EF62DF63-6C6A-426D-9740-136EDDB40FFA}" sibTransId="{D2D5167A-43A6-4C5B-9533-7AA2D1A4EB31}"/>
+    <dgm:cxn modelId="{1714B2FD-D164-4BB2-B903-EB18FE4B9677}" type="presOf" srcId="{D2D5167A-43A6-4C5B-9533-7AA2D1A4EB31}" destId="{9D369444-FA8F-4D05-844A-906DFCF6C382}" srcOrd="0" destOrd="0" presId="urn:microsoft.com/office/officeart/2005/8/layout/process5"/>
+    <dgm:cxn modelId="{8C712034-BAB2-4D6C-89CA-18B9165CAAB3}" type="presOf" srcId="{0D6B94B3-3D29-40E6-98F9-C9DB6965CF31}" destId="{4FE872D6-DCD2-4C30-9956-98FAB12F9797}" srcOrd="1" destOrd="0" presId="urn:microsoft.com/office/officeart/2005/8/layout/process5"/>
     <dgm:cxn modelId="{3AD14DCB-6054-4603-A945-9766BFC42A3E}" type="presOf" srcId="{D18B357B-2E10-401C-A4A6-6D08F375E0B5}" destId="{529819E6-3267-432B-B9EC-51F57AB738A4}" srcOrd="0" destOrd="0" presId="urn:microsoft.com/office/officeart/2005/8/layout/process5"/>
-    <dgm:cxn modelId="{23ADCBD5-9A79-4EA5-ABEF-68A49DD1F73A}" srcId="{71475B9F-2E00-4B22-A4D0-FDE2521EF2BD}" destId="{31B6371C-FA16-466A-8DEA-6A54A0B3BA86}" srcOrd="6" destOrd="0" parTransId="{870312F8-0A9D-4CB6-8641-35EF6837B757}" sibTransId="{D8555BE3-775C-4EEC-B0C7-57CDB345B021}"/>
-    <dgm:cxn modelId="{D516FFD7-CB74-445D-BA4F-757A03371D81}" type="presOf" srcId="{7EB76AA0-6D2D-46F8-9E95-A22196481226}" destId="{66B07F8C-2609-440A-A1A9-E1A6CD90317A}" srcOrd="0" destOrd="0" presId="urn:microsoft.com/office/officeart/2005/8/layout/process5"/>
+    <dgm:cxn modelId="{60FBF20E-CEF4-418C-B1E4-E9D3E4BFC896}" srcId="{71475B9F-2E00-4B22-A4D0-FDE2521EF2BD}" destId="{5C3F7852-1159-4DDF-B001-1AAC5233B0BD}" srcOrd="1" destOrd="0" parTransId="{9F685834-63DD-45CB-B7B7-0DA6A587C9A8}" sibTransId="{D02C2C0A-EF94-42FE-97D1-6227AE0B09A3}"/>
+    <dgm:cxn modelId="{BA5C2973-BDF2-46DE-8541-66B71F13F8D1}" type="presOf" srcId="{09A01A32-9A8F-48EF-83A4-7096516A46B5}" destId="{2BBAF8BD-C3F1-45D5-8D3E-DF04B9C94829}" srcOrd="1" destOrd="0" presId="urn:microsoft.com/office/officeart/2005/8/layout/process5"/>
+    <dgm:cxn modelId="{B08AF1F9-8A29-48DE-ACE7-4418F41CF388}" type="presOf" srcId="{31B6371C-FA16-466A-8DEA-6A54A0B3BA86}" destId="{377FB24D-5F1D-45EB-A26B-93BB8DE3EBEF}" srcOrd="0" destOrd="0" presId="urn:microsoft.com/office/officeart/2005/8/layout/process5"/>
     <dgm:cxn modelId="{1A11C1E3-0100-40D0-8016-41AA59899485}" type="presOf" srcId="{AD94B7F6-0D5C-4A7B-833A-883F142DC445}" destId="{0B877459-5037-4B6A-B1BA-175F6B290452}" srcOrd="1" destOrd="0" presId="urn:microsoft.com/office/officeart/2005/8/layout/process5"/>
+    <dgm:cxn modelId="{22BFE073-099E-44D3-A645-1C0D7C746523}" srcId="{71475B9F-2E00-4B22-A4D0-FDE2521EF2BD}" destId="{BEA055B5-E1A2-4532-B7F8-FDD808C70D0C}" srcOrd="5" destOrd="0" parTransId="{C5D7F058-1811-4722-9E7E-238B2BCEF646}" sibTransId="{09A01A32-9A8F-48EF-83A4-7096516A46B5}"/>
     <dgm:cxn modelId="{170E57E8-3295-42CE-8E98-552ABD843F58}" type="presOf" srcId="{D02C2C0A-EF94-42FE-97D1-6227AE0B09A3}" destId="{CDC5E207-5B9F-4708-9835-66F4E9D86D5E}" srcOrd="0" destOrd="0" presId="urn:microsoft.com/office/officeart/2005/8/layout/process5"/>
-    <dgm:cxn modelId="{102891EB-80D0-45C4-813F-440CFB684BEC}" type="presOf" srcId="{979A986A-93F4-45B4-BF21-EFF0EC2C7417}" destId="{C6FB2919-9D1F-4633-9AB4-7BFB3964DF37}" srcOrd="0" destOrd="0" presId="urn:microsoft.com/office/officeart/2005/8/layout/process5"/>
-    <dgm:cxn modelId="{480895F4-67A8-4D2F-95BC-696929526390}" srcId="{71475B9F-2E00-4B22-A4D0-FDE2521EF2BD}" destId="{77CE6117-1BDA-46FA-9952-B4A2E7F41985}" srcOrd="2" destOrd="0" parTransId="{F9D86950-460B-45C1-A6FA-731A5CF19CD3}" sibTransId="{AD94B7F6-0D5C-4A7B-833A-883F142DC445}"/>
-    <dgm:cxn modelId="{B08AF1F9-8A29-48DE-ACE7-4418F41CF388}" type="presOf" srcId="{31B6371C-FA16-466A-8DEA-6A54A0B3BA86}" destId="{377FB24D-5F1D-45EB-A26B-93BB8DE3EBEF}" srcOrd="0" destOrd="0" presId="urn:microsoft.com/office/officeart/2005/8/layout/process5"/>
-    <dgm:cxn modelId="{1714B2FD-D164-4BB2-B903-EB18FE4B9677}" type="presOf" srcId="{D2D5167A-43A6-4C5B-9533-7AA2D1A4EB31}" destId="{9D369444-FA8F-4D05-844A-906DFCF6C382}" srcOrd="0" destOrd="0" presId="urn:microsoft.com/office/officeart/2005/8/layout/process5"/>
+    <dgm:cxn modelId="{6160F049-AF4A-4586-9910-E4FCA724AFBD}" type="presOf" srcId="{0D6B94B3-3D29-40E6-98F9-C9DB6965CF31}" destId="{F0C38B2C-60D1-41E8-AC61-19C10692A4E6}" srcOrd="0" destOrd="0" presId="urn:microsoft.com/office/officeart/2005/8/layout/process5"/>
     <dgm:cxn modelId="{7089DECA-47F7-4F8A-B2DF-50DD7D82AED7}" type="presParOf" srcId="{6ED3863A-66C6-433D-AD87-D6E2A7ED2A72}" destId="{66B07F8C-2609-440A-A1A9-E1A6CD90317A}" srcOrd="0" destOrd="0" presId="urn:microsoft.com/office/officeart/2005/8/layout/process5"/>
     <dgm:cxn modelId="{6F23526B-E20E-44D4-B884-086F3002F0C4}" type="presParOf" srcId="{6ED3863A-66C6-433D-AD87-D6E2A7ED2A72}" destId="{BE88AA11-25B2-4019-9BB7-8AFE2BF1F8B3}" srcOrd="1" destOrd="0" presId="urn:microsoft.com/office/officeart/2005/8/layout/process5"/>
     <dgm:cxn modelId="{19B7DBAC-D6FB-48F0-8074-784C4CC74774}" type="presParOf" srcId="{BE88AA11-25B2-4019-9BB7-8AFE2BF1F8B3}" destId="{E9422020-E633-46CA-A997-270C4DC30FC1}" srcOrd="0" destOrd="0" presId="urn:microsoft.com/office/officeart/2005/8/layout/process5"/>
@@ -3315,7 +3469,7 @@
   <dgm:whole/>
   <dgm:extLst>
     <a:ext uri="http://schemas.microsoft.com/office/drawing/2008/diagram">
-      <dsp:dataModelExt xmlns:dsp="http://schemas.microsoft.com/office/drawing/2008/diagram" relId="rId7" minVer="http://schemas.openxmlformats.org/drawingml/2006/diagram"/>
+      <dsp:dataModelExt xmlns:dsp="http://schemas.microsoft.com/office/drawing/2008/diagram" xmlns="" relId="rId7" minVer="http://schemas.openxmlformats.org/drawingml/2006/diagram"/>
     </a:ext>
   </dgm:extLst>
 </dgm:dataModel>
@@ -3343,9 +3497,17 @@
         <a:lstStyle/>
         <a:p>
           <a:r>
-            <a:rPr lang="de-DE" sz="1200" dirty="0"/>
-            <a:t>Regler für Geradeausfahrt</a:t>
+            <a:rPr lang="de-DE" sz="1600" dirty="0"/>
+            <a:t>Regler für </a:t>
           </a:r>
+          <a:endParaRPr lang="de-DE" sz="1600" dirty="0" smtClean="0"/>
+        </a:p>
+        <a:p>
+          <a:r>
+            <a:rPr lang="de-DE" sz="1600" dirty="0" smtClean="0"/>
+            <a:t>Geradeausfahrt</a:t>
+          </a:r>
+          <a:endParaRPr lang="de-DE" sz="1600" dirty="0"/>
         </a:p>
       </dgm:t>
     </dgm:pt>
@@ -3361,42 +3523,6 @@
       </dgm:t>
     </dgm:pt>
     <dgm:pt modelId="{B14546C0-114D-408B-9FD0-5FFE00C38A13}" type="sibTrans" cxnId="{F148F9A0-762A-46AE-82B5-003BC8579357}">
-      <dgm:prSet/>
-      <dgm:spPr/>
-      <dgm:t>
-        <a:bodyPr/>
-        <a:lstStyle/>
-        <a:p>
-          <a:endParaRPr lang="de-DE"/>
-        </a:p>
-      </dgm:t>
-    </dgm:pt>
-    <dgm:pt modelId="{EAE6104A-0D3A-40D0-B9AA-3C115D31E63D}">
-      <dgm:prSet phldrT="[Text]" custT="1"/>
-      <dgm:spPr/>
-      <dgm:t>
-        <a:bodyPr/>
-        <a:lstStyle/>
-        <a:p>
-          <a:r>
-            <a:rPr lang="de-DE" sz="1050" dirty="0"/>
-            <a:t>Differenz der Steigungen liegt unterhalb von Grenzwert</a:t>
-          </a:r>
-        </a:p>
-      </dgm:t>
-    </dgm:pt>
-    <dgm:pt modelId="{DF429748-4078-437E-91B8-F006D4A71A50}" type="parTrans" cxnId="{F2047F85-9621-4FCB-B383-604EB64D5252}">
-      <dgm:prSet/>
-      <dgm:spPr/>
-      <dgm:t>
-        <a:bodyPr/>
-        <a:lstStyle/>
-        <a:p>
-          <a:endParaRPr lang="de-DE"/>
-        </a:p>
-      </dgm:t>
-    </dgm:pt>
-    <dgm:pt modelId="{82834DA9-4A09-4E78-B60B-A67DACB77507}" type="sibTrans" cxnId="{F2047F85-9621-4FCB-B383-604EB64D5252}">
       <dgm:prSet/>
       <dgm:spPr/>
       <dgm:t>
@@ -3451,8 +3577,12 @@
         <a:lstStyle/>
         <a:p>
           <a:r>
+            <a:rPr lang="de-DE" dirty="0" smtClean="0"/>
+            <a:t>Übergangsregler </a:t>
+          </a:r>
+          <a:r>
             <a:rPr lang="de-DE" dirty="0"/>
-            <a:t>Wechsel zu Übergangsregler für Kurveneintritt</a:t>
+            <a:t>für Kurveneintritt</a:t>
           </a:r>
         </a:p>
       </dgm:t>
@@ -3487,9 +3617,17 @@
         <a:lstStyle/>
         <a:p>
           <a:r>
-            <a:rPr lang="de-DE" sz="1200" dirty="0"/>
-            <a:t>Regler für Kurvenfahrt</a:t>
+            <a:rPr lang="de-DE" sz="1600" dirty="0"/>
+            <a:t>Regler für </a:t>
           </a:r>
+          <a:endParaRPr lang="de-DE" sz="1600" dirty="0" smtClean="0"/>
+        </a:p>
+        <a:p>
+          <a:r>
+            <a:rPr lang="de-DE" sz="1600" dirty="0" smtClean="0"/>
+            <a:t>Kurvenfahrt</a:t>
+          </a:r>
+          <a:endParaRPr lang="de-DE" sz="1600" dirty="0"/>
         </a:p>
       </dgm:t>
     </dgm:pt>
@@ -3523,8 +3661,12 @@
         <a:lstStyle/>
         <a:p>
           <a:r>
+            <a:rPr lang="de-DE" dirty="0" smtClean="0"/>
+            <a:t>Übergangsregler </a:t>
+          </a:r>
+          <a:r>
             <a:rPr lang="de-DE" dirty="0"/>
-            <a:t>Wechsel zu Übergangsregler für Kurvenaustritt</a:t>
+            <a:t>für Kurvenaustritt</a:t>
           </a:r>
         </a:p>
       </dgm:t>
@@ -3541,124 +3683,6 @@
       </dgm:t>
     </dgm:pt>
     <dgm:pt modelId="{477FC51F-3263-43C0-8AF5-0B7CB46EA1BD}" type="sibTrans" cxnId="{2BD4F86B-4469-454E-86A1-0BABCC4E1081}">
-      <dgm:prSet/>
-      <dgm:spPr/>
-      <dgm:t>
-        <a:bodyPr/>
-        <a:lstStyle/>
-        <a:p>
-          <a:endParaRPr lang="de-DE"/>
-        </a:p>
-      </dgm:t>
-    </dgm:pt>
-    <dgm:pt modelId="{EA98858B-2958-46B2-B90A-604982431D71}">
-      <dgm:prSet custT="1"/>
-      <dgm:spPr/>
-      <dgm:t>
-        <a:bodyPr/>
-        <a:lstStyle/>
-        <a:p>
-          <a:r>
-            <a:rPr lang="de-DE" sz="1050" dirty="0"/>
-            <a:t>Permanente Berechnung der </a:t>
-          </a:r>
-          <a:r>
-            <a:rPr lang="de-DE" sz="1050" dirty="0" err="1"/>
-            <a:t>Geradensteigungen</a:t>
-          </a:r>
-          <a:endParaRPr lang="de-DE" sz="1050" dirty="0"/>
-        </a:p>
-      </dgm:t>
-    </dgm:pt>
-    <dgm:pt modelId="{F0D89781-7E9B-42B4-9C21-DEAE5EC81703}" type="parTrans" cxnId="{47A7DB7C-BE0F-4751-A725-2CB710F1F10D}">
-      <dgm:prSet/>
-      <dgm:spPr/>
-      <dgm:t>
-        <a:bodyPr/>
-        <a:lstStyle/>
-        <a:p>
-          <a:endParaRPr lang="de-DE"/>
-        </a:p>
-      </dgm:t>
-    </dgm:pt>
-    <dgm:pt modelId="{4FAAD27D-EE34-40E4-9E67-FFAFB62FB61F}" type="sibTrans" cxnId="{47A7DB7C-BE0F-4751-A725-2CB710F1F10D}">
-      <dgm:prSet/>
-      <dgm:spPr/>
-      <dgm:t>
-        <a:bodyPr/>
-        <a:lstStyle/>
-        <a:p>
-          <a:endParaRPr lang="de-DE"/>
-        </a:p>
-      </dgm:t>
-    </dgm:pt>
-    <dgm:pt modelId="{D62CCB92-B222-40DF-8910-3148B3994A10}">
-      <dgm:prSet custT="1"/>
-      <dgm:spPr/>
-      <dgm:t>
-        <a:bodyPr/>
-        <a:lstStyle/>
-        <a:p>
-          <a:r>
-            <a:rPr lang="de-DE" sz="1050" dirty="0"/>
-            <a:t>Permanente Berechnung der </a:t>
-          </a:r>
-          <a:r>
-            <a:rPr lang="de-DE" sz="1050" dirty="0" err="1"/>
-            <a:t>Geradensteigungen</a:t>
-          </a:r>
-          <a:endParaRPr lang="de-DE" sz="1050" dirty="0"/>
-        </a:p>
-      </dgm:t>
-    </dgm:pt>
-    <dgm:pt modelId="{D152CB20-4ABC-4DDA-A92D-C16D4F2B7CD2}" type="parTrans" cxnId="{314F8DD0-0B29-4706-8EEE-BAAFD74FBEB6}">
-      <dgm:prSet/>
-      <dgm:spPr/>
-      <dgm:t>
-        <a:bodyPr/>
-        <a:lstStyle/>
-        <a:p>
-          <a:endParaRPr lang="de-DE"/>
-        </a:p>
-      </dgm:t>
-    </dgm:pt>
-    <dgm:pt modelId="{57CDC721-343F-44D8-90E2-558FDBF3070C}" type="sibTrans" cxnId="{314F8DD0-0B29-4706-8EEE-BAAFD74FBEB6}">
-      <dgm:prSet/>
-      <dgm:spPr/>
-      <dgm:t>
-        <a:bodyPr/>
-        <a:lstStyle/>
-        <a:p>
-          <a:endParaRPr lang="de-DE"/>
-        </a:p>
-      </dgm:t>
-    </dgm:pt>
-    <dgm:pt modelId="{ACE2CC2F-AAD9-4D05-8B40-547E3B539AA8}">
-      <dgm:prSet custT="1"/>
-      <dgm:spPr/>
-      <dgm:t>
-        <a:bodyPr/>
-        <a:lstStyle/>
-        <a:p>
-          <a:r>
-            <a:rPr lang="de-DE" sz="1050" dirty="0"/>
-            <a:t>Differenz der Steigungen liegt oberhalb von Grenzwert</a:t>
-          </a:r>
-        </a:p>
-      </dgm:t>
-    </dgm:pt>
-    <dgm:pt modelId="{247F8999-C927-44AD-A8A4-ACF4DF7446C5}" type="parTrans" cxnId="{7C9F5033-8032-4928-BA9F-5E3EA4B9BF79}">
-      <dgm:prSet/>
-      <dgm:spPr/>
-      <dgm:t>
-        <a:bodyPr/>
-        <a:lstStyle/>
-        <a:p>
-          <a:endParaRPr lang="de-DE"/>
-        </a:p>
-      </dgm:t>
-    </dgm:pt>
-    <dgm:pt modelId="{8B9E9675-B7D5-4D3D-AA5A-60329BC021AC}" type="sibTrans" cxnId="{7C9F5033-8032-4928-BA9F-5E3EA4B9BF79}">
       <dgm:prSet/>
       <dgm:spPr/>
       <dgm:t>
@@ -3713,6 +3737,13 @@
         </dgm:presLayoutVars>
       </dgm:prSet>
       <dgm:spPr/>
+      <dgm:t>
+        <a:bodyPr/>
+        <a:lstStyle/>
+        <a:p>
+          <a:endParaRPr lang="de-DE"/>
+        </a:p>
+      </dgm:t>
     </dgm:pt>
     <dgm:pt modelId="{322F2889-427F-4255-96FE-7A663EF3A95F}" type="pres">
       <dgm:prSet presAssocID="{FF517022-E8A5-401C-BEFF-859908823049}" presName="node" presStyleLbl="node1" presStyleIdx="0" presStyleCnt="6" custScaleX="163525" custScaleY="125976" custRadScaleRad="94162" custRadScaleInc="-9979">
@@ -3721,6 +3752,13 @@
         </dgm:presLayoutVars>
       </dgm:prSet>
       <dgm:spPr/>
+      <dgm:t>
+        <a:bodyPr/>
+        <a:lstStyle/>
+        <a:p>
+          <a:endParaRPr lang="de-DE"/>
+        </a:p>
+      </dgm:t>
     </dgm:pt>
     <dgm:pt modelId="{BBF5FDF9-DFFC-4812-ACBB-83C47312AC25}" type="pres">
       <dgm:prSet presAssocID="{FF517022-E8A5-401C-BEFF-859908823049}" presName="spNode" presStyleCnt="0"/>
@@ -3729,6 +3767,13 @@
     <dgm:pt modelId="{E04CC487-1C5B-45B6-8D5E-C8D4066D0943}" type="pres">
       <dgm:prSet presAssocID="{B14546C0-114D-408B-9FD0-5FFE00C38A13}" presName="sibTrans" presStyleLbl="sibTrans1D1" presStyleIdx="0" presStyleCnt="6"/>
       <dgm:spPr/>
+      <dgm:t>
+        <a:bodyPr/>
+        <a:lstStyle/>
+        <a:p>
+          <a:endParaRPr lang="de-DE"/>
+        </a:p>
+      </dgm:t>
     </dgm:pt>
     <dgm:pt modelId="{0EC62B5A-E703-4913-9127-81806E8ABEC7}" type="pres">
       <dgm:prSet presAssocID="{8946F9DE-07C3-4686-9856-6B2582DD3106}" presName="node" presStyleLbl="node1" presStyleIdx="1" presStyleCnt="6" custScaleX="141874" custRadScaleRad="107605" custRadScaleInc="43942">
@@ -3737,6 +3782,13 @@
         </dgm:presLayoutVars>
       </dgm:prSet>
       <dgm:spPr/>
+      <dgm:t>
+        <a:bodyPr/>
+        <a:lstStyle/>
+        <a:p>
+          <a:endParaRPr lang="de-DE"/>
+        </a:p>
+      </dgm:t>
     </dgm:pt>
     <dgm:pt modelId="{D289D028-6B23-4048-9E7A-0AB953815F41}" type="pres">
       <dgm:prSet presAssocID="{8946F9DE-07C3-4686-9856-6B2582DD3106}" presName="spNode" presStyleCnt="0"/>
@@ -3745,6 +3797,13 @@
     <dgm:pt modelId="{5627CC50-5788-4218-BE49-84D13277FE07}" type="pres">
       <dgm:prSet presAssocID="{EFAA9E13-0438-42E3-A7FC-26537FB853BC}" presName="sibTrans" presStyleLbl="sibTrans1D1" presStyleIdx="1" presStyleCnt="6"/>
       <dgm:spPr/>
+      <dgm:t>
+        <a:bodyPr/>
+        <a:lstStyle/>
+        <a:p>
+          <a:endParaRPr lang="de-DE"/>
+        </a:p>
+      </dgm:t>
     </dgm:pt>
     <dgm:pt modelId="{7DF9A944-9651-4414-985F-9C465760A763}" type="pres">
       <dgm:prSet presAssocID="{17393C64-41B8-4541-B793-D79216D0230D}" presName="node" presStyleLbl="node1" presStyleIdx="2" presStyleCnt="6" custScaleX="128693" custRadScaleRad="102747" custRadScaleInc="-78648">
@@ -3753,6 +3812,13 @@
         </dgm:presLayoutVars>
       </dgm:prSet>
       <dgm:spPr/>
+      <dgm:t>
+        <a:bodyPr/>
+        <a:lstStyle/>
+        <a:p>
+          <a:endParaRPr lang="de-DE"/>
+        </a:p>
+      </dgm:t>
     </dgm:pt>
     <dgm:pt modelId="{40E33FF3-03F5-491C-9E74-A6AF4F751A59}" type="pres">
       <dgm:prSet presAssocID="{17393C64-41B8-4541-B793-D79216D0230D}" presName="spNode" presStyleCnt="0"/>
@@ -3761,6 +3827,13 @@
     <dgm:pt modelId="{C2088CE8-813B-404D-9C15-5986F4B492B7}" type="pres">
       <dgm:prSet presAssocID="{256E034F-7A83-4132-AD3E-FC88A31B3171}" presName="sibTrans" presStyleLbl="sibTrans1D1" presStyleIdx="2" presStyleCnt="6"/>
       <dgm:spPr/>
+      <dgm:t>
+        <a:bodyPr/>
+        <a:lstStyle/>
+        <a:p>
+          <a:endParaRPr lang="de-DE"/>
+        </a:p>
+      </dgm:t>
     </dgm:pt>
     <dgm:pt modelId="{51070C73-9ABB-4CBE-BF7F-197499FA4E9F}" type="pres">
       <dgm:prSet presAssocID="{097DC993-72A3-4244-AFD6-0815E77788A4}" presName="node" presStyleLbl="node1" presStyleIdx="3" presStyleCnt="6" custScaleX="170260" custScaleY="130813" custRadScaleRad="88999" custRadScaleInc="3471">
@@ -3769,6 +3842,13 @@
         </dgm:presLayoutVars>
       </dgm:prSet>
       <dgm:spPr/>
+      <dgm:t>
+        <a:bodyPr/>
+        <a:lstStyle/>
+        <a:p>
+          <a:endParaRPr lang="de-DE"/>
+        </a:p>
+      </dgm:t>
     </dgm:pt>
     <dgm:pt modelId="{17C53291-6AFC-420A-BFB7-15D4E485E34D}" type="pres">
       <dgm:prSet presAssocID="{097DC993-72A3-4244-AFD6-0815E77788A4}" presName="spNode" presStyleCnt="0"/>
@@ -3777,6 +3857,13 @@
     <dgm:pt modelId="{0E8FB463-07BE-482A-BC43-61AF7FD595C1}" type="pres">
       <dgm:prSet presAssocID="{12DBF135-D93E-4E14-AEB2-5C4A533E7B5D}" presName="sibTrans" presStyleLbl="sibTrans1D1" presStyleIdx="3" presStyleCnt="6"/>
       <dgm:spPr/>
+      <dgm:t>
+        <a:bodyPr/>
+        <a:lstStyle/>
+        <a:p>
+          <a:endParaRPr lang="de-DE"/>
+        </a:p>
+      </dgm:t>
     </dgm:pt>
     <dgm:pt modelId="{F289F93E-06E5-4979-920E-3478F87B263A}" type="pres">
       <dgm:prSet presAssocID="{5B0E89E7-AC0B-4EB0-A717-91ED139CDD67}" presName="node" presStyleLbl="node1" presStyleIdx="4" presStyleCnt="6" custScaleX="155752" custRadScaleRad="94940" custRadScaleInc="72639">
@@ -3785,6 +3872,13 @@
         </dgm:presLayoutVars>
       </dgm:prSet>
       <dgm:spPr/>
+      <dgm:t>
+        <a:bodyPr/>
+        <a:lstStyle/>
+        <a:p>
+          <a:endParaRPr lang="de-DE"/>
+        </a:p>
+      </dgm:t>
     </dgm:pt>
     <dgm:pt modelId="{A5B5E408-8D36-455D-921A-13B641BA8B57}" type="pres">
       <dgm:prSet presAssocID="{5B0E89E7-AC0B-4EB0-A717-91ED139CDD67}" presName="spNode" presStyleCnt="0"/>
@@ -3793,6 +3887,13 @@
     <dgm:pt modelId="{92E93751-1EDC-4F0A-98BC-A5C9AA6C1D5F}" type="pres">
       <dgm:prSet presAssocID="{2D86A2BF-5B6A-4D76-94CC-99797484151B}" presName="sibTrans" presStyleLbl="sibTrans1D1" presStyleIdx="4" presStyleCnt="6"/>
       <dgm:spPr/>
+      <dgm:t>
+        <a:bodyPr/>
+        <a:lstStyle/>
+        <a:p>
+          <a:endParaRPr lang="de-DE"/>
+        </a:p>
+      </dgm:t>
     </dgm:pt>
     <dgm:pt modelId="{06095F51-3C94-4EFF-917D-25EAB90C3F30}" type="pres">
       <dgm:prSet presAssocID="{D7962C6A-858D-4AB6-AAF5-72BB61C3BCC6}" presName="node" presStyleLbl="node1" presStyleIdx="5" presStyleCnt="6" custScaleX="138416" custRadScaleRad="102617" custRadScaleInc="-38518">
@@ -3801,6 +3902,13 @@
         </dgm:presLayoutVars>
       </dgm:prSet>
       <dgm:spPr/>
+      <dgm:t>
+        <a:bodyPr/>
+        <a:lstStyle/>
+        <a:p>
+          <a:endParaRPr lang="de-DE"/>
+        </a:p>
+      </dgm:t>
     </dgm:pt>
     <dgm:pt modelId="{8B14069D-A9EB-4CED-9AAB-7A5A3E9692F4}" type="pres">
       <dgm:prSet presAssocID="{D7962C6A-858D-4AB6-AAF5-72BB61C3BCC6}" presName="spNode" presStyleCnt="0"/>
@@ -3809,36 +3917,35 @@
     <dgm:pt modelId="{21E62269-EC77-4B92-819E-7AD572501D51}" type="pres">
       <dgm:prSet presAssocID="{477FC51F-3263-43C0-8AF5-0B7CB46EA1BD}" presName="sibTrans" presStyleLbl="sibTrans1D1" presStyleIdx="5" presStyleCnt="6"/>
       <dgm:spPr/>
+      <dgm:t>
+        <a:bodyPr/>
+        <a:lstStyle/>
+        <a:p>
+          <a:endParaRPr lang="de-DE"/>
+        </a:p>
+      </dgm:t>
     </dgm:pt>
   </dgm:ptLst>
   <dgm:cxnLst>
+    <dgm:cxn modelId="{6F7BB68A-0B71-491E-8D6E-DC8B76730EB3}" type="presOf" srcId="{9C262D38-C23F-46A9-B2F7-AD02E33616FF}" destId="{ADCC66F3-B14D-44B1-8B1E-5A57D0293F83}" srcOrd="0" destOrd="0" presId="urn:microsoft.com/office/officeart/2005/8/layout/cycle5"/>
+    <dgm:cxn modelId="{866FAEBD-B319-41E9-8E07-12BC3EDA4B0E}" type="presOf" srcId="{FF517022-E8A5-401C-BEFF-859908823049}" destId="{322F2889-427F-4255-96FE-7A663EF3A95F}" srcOrd="0" destOrd="0" presId="urn:microsoft.com/office/officeart/2005/8/layout/cycle5"/>
+    <dgm:cxn modelId="{865AAAEF-C0D8-4B99-8355-9BA75E218C62}" srcId="{9C262D38-C23F-46A9-B2F7-AD02E33616FF}" destId="{17393C64-41B8-4541-B793-D79216D0230D}" srcOrd="2" destOrd="0" parTransId="{3C0033BF-238A-4AAE-BE08-3C2F777F0BAB}" sibTransId="{256E034F-7A83-4132-AD3E-FC88A31B3171}"/>
+    <dgm:cxn modelId="{8B41DED6-B2BA-4000-9CC0-7E8CC3DEB9EE}" type="presOf" srcId="{5B0E89E7-AC0B-4EB0-A717-91ED139CDD67}" destId="{F289F93E-06E5-4979-920E-3478F87B263A}" srcOrd="0" destOrd="0" presId="urn:microsoft.com/office/officeart/2005/8/layout/cycle5"/>
+    <dgm:cxn modelId="{9350CCA3-652E-4BF3-9834-DDA1168358CB}" type="presOf" srcId="{097DC993-72A3-4244-AFD6-0815E77788A4}" destId="{51070C73-9ABB-4CBE-BF7F-197499FA4E9F}" srcOrd="0" destOrd="0" presId="urn:microsoft.com/office/officeart/2005/8/layout/cycle5"/>
+    <dgm:cxn modelId="{BC416615-A145-46B5-BFA3-B5DC7DB689E8}" srcId="{9C262D38-C23F-46A9-B2F7-AD02E33616FF}" destId="{097DC993-72A3-4244-AFD6-0815E77788A4}" srcOrd="3" destOrd="0" parTransId="{A9F536AC-C72D-492A-AE1B-9C1C204A8896}" sibTransId="{12DBF135-D93E-4E14-AEB2-5C4A533E7B5D}"/>
+    <dgm:cxn modelId="{F148F9A0-762A-46AE-82B5-003BC8579357}" srcId="{9C262D38-C23F-46A9-B2F7-AD02E33616FF}" destId="{FF517022-E8A5-401C-BEFF-859908823049}" srcOrd="0" destOrd="0" parTransId="{DA34CBC9-6E5B-4881-9037-B6C720FFA15E}" sibTransId="{B14546C0-114D-408B-9FD0-5FFE00C38A13}"/>
+    <dgm:cxn modelId="{6749EC41-312E-4702-AE93-417101E72446}" type="presOf" srcId="{12DBF135-D93E-4E14-AEB2-5C4A533E7B5D}" destId="{0E8FB463-07BE-482A-BC43-61AF7FD595C1}" srcOrd="0" destOrd="0" presId="urn:microsoft.com/office/officeart/2005/8/layout/cycle5"/>
+    <dgm:cxn modelId="{24394471-5ADE-4691-8F52-2F36A64596C8}" type="presOf" srcId="{477FC51F-3263-43C0-8AF5-0B7CB46EA1BD}" destId="{21E62269-EC77-4B92-819E-7AD572501D51}" srcOrd="0" destOrd="0" presId="urn:microsoft.com/office/officeart/2005/8/layout/cycle5"/>
+    <dgm:cxn modelId="{3AB39C81-ACA0-4389-93FD-F278E26CC96D}" srcId="{9C262D38-C23F-46A9-B2F7-AD02E33616FF}" destId="{8946F9DE-07C3-4686-9856-6B2582DD3106}" srcOrd="1" destOrd="0" parTransId="{975B95CE-EE56-4169-AE2B-9ACD786ED702}" sibTransId="{EFAA9E13-0438-42E3-A7FC-26537FB853BC}"/>
     <dgm:cxn modelId="{2F84FA07-936E-4B7E-A03B-A194E9052312}" type="presOf" srcId="{B14546C0-114D-408B-9FD0-5FFE00C38A13}" destId="{E04CC487-1C5B-45B6-8D5E-C8D4066D0943}" srcOrd="0" destOrd="0" presId="urn:microsoft.com/office/officeart/2005/8/layout/cycle5"/>
     <dgm:cxn modelId="{7BAC0309-2F85-440B-A73B-E46466658077}" type="presOf" srcId="{256E034F-7A83-4132-AD3E-FC88A31B3171}" destId="{C2088CE8-813B-404D-9C15-5986F4B492B7}" srcOrd="0" destOrd="0" presId="urn:microsoft.com/office/officeart/2005/8/layout/cycle5"/>
-    <dgm:cxn modelId="{BC416615-A145-46B5-BFA3-B5DC7DB689E8}" srcId="{9C262D38-C23F-46A9-B2F7-AD02E33616FF}" destId="{097DC993-72A3-4244-AFD6-0815E77788A4}" srcOrd="3" destOrd="0" parTransId="{A9F536AC-C72D-492A-AE1B-9C1C204A8896}" sibTransId="{12DBF135-D93E-4E14-AEB2-5C4A533E7B5D}"/>
+    <dgm:cxn modelId="{ECE19E7E-DAB2-4039-85CD-2A4A148F666B}" srcId="{9C262D38-C23F-46A9-B2F7-AD02E33616FF}" destId="{5B0E89E7-AC0B-4EB0-A717-91ED139CDD67}" srcOrd="4" destOrd="0" parTransId="{BA3E99B5-3D07-45F0-9FD6-DBF9FBFAFCB3}" sibTransId="{2D86A2BF-5B6A-4D76-94CC-99797484151B}"/>
+    <dgm:cxn modelId="{C247594F-E5B6-4B62-830C-92DEEA205355}" type="presOf" srcId="{EFAA9E13-0438-42E3-A7FC-26537FB853BC}" destId="{5627CC50-5788-4218-BE49-84D13277FE07}" srcOrd="0" destOrd="0" presId="urn:microsoft.com/office/officeart/2005/8/layout/cycle5"/>
+    <dgm:cxn modelId="{A8A36C32-F17B-4246-9A36-013688B8CADE}" type="presOf" srcId="{17393C64-41B8-4541-B793-D79216D0230D}" destId="{7DF9A944-9651-4414-985F-9C465760A763}" srcOrd="0" destOrd="0" presId="urn:microsoft.com/office/officeart/2005/8/layout/cycle5"/>
+    <dgm:cxn modelId="{8E92716F-26B5-48CB-9A00-5C3373317CD3}" type="presOf" srcId="{8946F9DE-07C3-4686-9856-6B2582DD3106}" destId="{0EC62B5A-E703-4913-9127-81806E8ABEC7}" srcOrd="0" destOrd="0" presId="urn:microsoft.com/office/officeart/2005/8/layout/cycle5"/>
+    <dgm:cxn modelId="{DBE0F657-601C-4DD8-A03D-5355C31A7FDF}" type="presOf" srcId="{D7962C6A-858D-4AB6-AAF5-72BB61C3BCC6}" destId="{06095F51-3C94-4EFF-917D-25EAB90C3F30}" srcOrd="0" destOrd="0" presId="urn:microsoft.com/office/officeart/2005/8/layout/cycle5"/>
+    <dgm:cxn modelId="{2BD4F86B-4469-454E-86A1-0BABCC4E1081}" srcId="{9C262D38-C23F-46A9-B2F7-AD02E33616FF}" destId="{D7962C6A-858D-4AB6-AAF5-72BB61C3BCC6}" srcOrd="5" destOrd="0" parTransId="{D726EDDA-5EDB-4813-8144-3C7BAC923A21}" sibTransId="{477FC51F-3263-43C0-8AF5-0B7CB46EA1BD}"/>
     <dgm:cxn modelId="{92C98818-1344-408C-BB49-BB4B253A5100}" type="presOf" srcId="{2D86A2BF-5B6A-4D76-94CC-99797484151B}" destId="{92E93751-1EDC-4F0A-98BC-A5C9AA6C1D5F}" srcOrd="0" destOrd="0" presId="urn:microsoft.com/office/officeart/2005/8/layout/cycle5"/>
-    <dgm:cxn modelId="{0AEE111E-0CF7-46B6-B51F-F81DA5D8D01F}" type="presOf" srcId="{D62CCB92-B222-40DF-8910-3148B3994A10}" destId="{51070C73-9ABB-4CBE-BF7F-197499FA4E9F}" srcOrd="0" destOrd="1" presId="urn:microsoft.com/office/officeart/2005/8/layout/cycle5"/>
-    <dgm:cxn modelId="{521A4830-26D1-4BA7-AC54-7A0EEFE775FD}" type="presOf" srcId="{EAE6104A-0D3A-40D0-B9AA-3C115D31E63D}" destId="{322F2889-427F-4255-96FE-7A663EF3A95F}" srcOrd="0" destOrd="2" presId="urn:microsoft.com/office/officeart/2005/8/layout/cycle5"/>
-    <dgm:cxn modelId="{A8A36C32-F17B-4246-9A36-013688B8CADE}" type="presOf" srcId="{17393C64-41B8-4541-B793-D79216D0230D}" destId="{7DF9A944-9651-4414-985F-9C465760A763}" srcOrd="0" destOrd="0" presId="urn:microsoft.com/office/officeart/2005/8/layout/cycle5"/>
-    <dgm:cxn modelId="{7C9F5033-8032-4928-BA9F-5E3EA4B9BF79}" srcId="{097DC993-72A3-4244-AFD6-0815E77788A4}" destId="{ACE2CC2F-AAD9-4D05-8B40-547E3B539AA8}" srcOrd="1" destOrd="0" parTransId="{247F8999-C927-44AD-A8A4-ACF4DF7446C5}" sibTransId="{8B9E9675-B7D5-4D3D-AA5A-60329BC021AC}"/>
-    <dgm:cxn modelId="{6749EC41-312E-4702-AE93-417101E72446}" type="presOf" srcId="{12DBF135-D93E-4E14-AEB2-5C4A533E7B5D}" destId="{0E8FB463-07BE-482A-BC43-61AF7FD595C1}" srcOrd="0" destOrd="0" presId="urn:microsoft.com/office/officeart/2005/8/layout/cycle5"/>
-    <dgm:cxn modelId="{F4874C69-53D7-4214-A10B-196EA99201CB}" type="presOf" srcId="{EA98858B-2958-46B2-B90A-604982431D71}" destId="{322F2889-427F-4255-96FE-7A663EF3A95F}" srcOrd="0" destOrd="1" presId="urn:microsoft.com/office/officeart/2005/8/layout/cycle5"/>
-    <dgm:cxn modelId="{2BD4F86B-4469-454E-86A1-0BABCC4E1081}" srcId="{9C262D38-C23F-46A9-B2F7-AD02E33616FF}" destId="{D7962C6A-858D-4AB6-AAF5-72BB61C3BCC6}" srcOrd="5" destOrd="0" parTransId="{D726EDDA-5EDB-4813-8144-3C7BAC923A21}" sibTransId="{477FC51F-3263-43C0-8AF5-0B7CB46EA1BD}"/>
-    <dgm:cxn modelId="{8E92716F-26B5-48CB-9A00-5C3373317CD3}" type="presOf" srcId="{8946F9DE-07C3-4686-9856-6B2582DD3106}" destId="{0EC62B5A-E703-4913-9127-81806E8ABEC7}" srcOrd="0" destOrd="0" presId="urn:microsoft.com/office/officeart/2005/8/layout/cycle5"/>
-    <dgm:cxn modelId="{C247594F-E5B6-4B62-830C-92DEEA205355}" type="presOf" srcId="{EFAA9E13-0438-42E3-A7FC-26537FB853BC}" destId="{5627CC50-5788-4218-BE49-84D13277FE07}" srcOrd="0" destOrd="0" presId="urn:microsoft.com/office/officeart/2005/8/layout/cycle5"/>
-    <dgm:cxn modelId="{24394471-5ADE-4691-8F52-2F36A64596C8}" type="presOf" srcId="{477FC51F-3263-43C0-8AF5-0B7CB46EA1BD}" destId="{21E62269-EC77-4B92-819E-7AD572501D51}" srcOrd="0" destOrd="0" presId="urn:microsoft.com/office/officeart/2005/8/layout/cycle5"/>
-    <dgm:cxn modelId="{3E697076-F8A8-4CD1-B192-113D0F0FC04A}" type="presOf" srcId="{ACE2CC2F-AAD9-4D05-8B40-547E3B539AA8}" destId="{51070C73-9ABB-4CBE-BF7F-197499FA4E9F}" srcOrd="0" destOrd="2" presId="urn:microsoft.com/office/officeart/2005/8/layout/cycle5"/>
-    <dgm:cxn modelId="{DBE0F657-601C-4DD8-A03D-5355C31A7FDF}" type="presOf" srcId="{D7962C6A-858D-4AB6-AAF5-72BB61C3BCC6}" destId="{06095F51-3C94-4EFF-917D-25EAB90C3F30}" srcOrd="0" destOrd="0" presId="urn:microsoft.com/office/officeart/2005/8/layout/cycle5"/>
-    <dgm:cxn modelId="{47A7DB7C-BE0F-4751-A725-2CB710F1F10D}" srcId="{FF517022-E8A5-401C-BEFF-859908823049}" destId="{EA98858B-2958-46B2-B90A-604982431D71}" srcOrd="0" destOrd="0" parTransId="{F0D89781-7E9B-42B4-9C21-DEAE5EC81703}" sibTransId="{4FAAD27D-EE34-40E4-9E67-FFAFB62FB61F}"/>
-    <dgm:cxn modelId="{ECE19E7E-DAB2-4039-85CD-2A4A148F666B}" srcId="{9C262D38-C23F-46A9-B2F7-AD02E33616FF}" destId="{5B0E89E7-AC0B-4EB0-A717-91ED139CDD67}" srcOrd="4" destOrd="0" parTransId="{BA3E99B5-3D07-45F0-9FD6-DBF9FBFAFCB3}" sibTransId="{2D86A2BF-5B6A-4D76-94CC-99797484151B}"/>
-    <dgm:cxn modelId="{3AB39C81-ACA0-4389-93FD-F278E26CC96D}" srcId="{9C262D38-C23F-46A9-B2F7-AD02E33616FF}" destId="{8946F9DE-07C3-4686-9856-6B2582DD3106}" srcOrd="1" destOrd="0" parTransId="{975B95CE-EE56-4169-AE2B-9ACD786ED702}" sibTransId="{EFAA9E13-0438-42E3-A7FC-26537FB853BC}"/>
-    <dgm:cxn modelId="{F2047F85-9621-4FCB-B383-604EB64D5252}" srcId="{FF517022-E8A5-401C-BEFF-859908823049}" destId="{EAE6104A-0D3A-40D0-B9AA-3C115D31E63D}" srcOrd="1" destOrd="0" parTransId="{DF429748-4078-437E-91B8-F006D4A71A50}" sibTransId="{82834DA9-4A09-4E78-B60B-A67DACB77507}"/>
-    <dgm:cxn modelId="{6F7BB68A-0B71-491E-8D6E-DC8B76730EB3}" type="presOf" srcId="{9C262D38-C23F-46A9-B2F7-AD02E33616FF}" destId="{ADCC66F3-B14D-44B1-8B1E-5A57D0293F83}" srcOrd="0" destOrd="0" presId="urn:microsoft.com/office/officeart/2005/8/layout/cycle5"/>
-    <dgm:cxn modelId="{F148F9A0-762A-46AE-82B5-003BC8579357}" srcId="{9C262D38-C23F-46A9-B2F7-AD02E33616FF}" destId="{FF517022-E8A5-401C-BEFF-859908823049}" srcOrd="0" destOrd="0" parTransId="{DA34CBC9-6E5B-4881-9037-B6C720FFA15E}" sibTransId="{B14546C0-114D-408B-9FD0-5FFE00C38A13}"/>
-    <dgm:cxn modelId="{9350CCA3-652E-4BF3-9834-DDA1168358CB}" type="presOf" srcId="{097DC993-72A3-4244-AFD6-0815E77788A4}" destId="{51070C73-9ABB-4CBE-BF7F-197499FA4E9F}" srcOrd="0" destOrd="0" presId="urn:microsoft.com/office/officeart/2005/8/layout/cycle5"/>
-    <dgm:cxn modelId="{866FAEBD-B319-41E9-8E07-12BC3EDA4B0E}" type="presOf" srcId="{FF517022-E8A5-401C-BEFF-859908823049}" destId="{322F2889-427F-4255-96FE-7A663EF3A95F}" srcOrd="0" destOrd="0" presId="urn:microsoft.com/office/officeart/2005/8/layout/cycle5"/>
-    <dgm:cxn modelId="{314F8DD0-0B29-4706-8EEE-BAAFD74FBEB6}" srcId="{097DC993-72A3-4244-AFD6-0815E77788A4}" destId="{D62CCB92-B222-40DF-8910-3148B3994A10}" srcOrd="0" destOrd="0" parTransId="{D152CB20-4ABC-4DDA-A92D-C16D4F2B7CD2}" sibTransId="{57CDC721-343F-44D8-90E2-558FDBF3070C}"/>
-    <dgm:cxn modelId="{8B41DED6-B2BA-4000-9CC0-7E8CC3DEB9EE}" type="presOf" srcId="{5B0E89E7-AC0B-4EB0-A717-91ED139CDD67}" destId="{F289F93E-06E5-4979-920E-3478F87B263A}" srcOrd="0" destOrd="0" presId="urn:microsoft.com/office/officeart/2005/8/layout/cycle5"/>
-    <dgm:cxn modelId="{865AAAEF-C0D8-4B99-8355-9BA75E218C62}" srcId="{9C262D38-C23F-46A9-B2F7-AD02E33616FF}" destId="{17393C64-41B8-4541-B793-D79216D0230D}" srcOrd="2" destOrd="0" parTransId="{3C0033BF-238A-4AAE-BE08-3C2F777F0BAB}" sibTransId="{256E034F-7A83-4132-AD3E-FC88A31B3171}"/>
     <dgm:cxn modelId="{801764BC-29FB-4785-96D9-841BC3CBC9A2}" type="presParOf" srcId="{ADCC66F3-B14D-44B1-8B1E-5A57D0293F83}" destId="{322F2889-427F-4255-96FE-7A663EF3A95F}" srcOrd="0" destOrd="0" presId="urn:microsoft.com/office/officeart/2005/8/layout/cycle5"/>
     <dgm:cxn modelId="{5CD37A18-92DD-4ACF-BC50-73AE0766C367}" type="presParOf" srcId="{ADCC66F3-B14D-44B1-8B1E-5A57D0293F83}" destId="{BBF5FDF9-DFFC-4812-ACBB-83C47312AC25}" srcOrd="1" destOrd="0" presId="urn:microsoft.com/office/officeart/2005/8/layout/cycle5"/>
     <dgm:cxn modelId="{2589A008-D537-4A14-9AA3-9F201D07A230}" type="presParOf" srcId="{ADCC66F3-B14D-44B1-8B1E-5A57D0293F83}" destId="{E04CC487-1C5B-45B6-8D5E-C8D4066D0943}" srcOrd="2" destOrd="0" presId="urn:microsoft.com/office/officeart/2005/8/layout/cycle5"/>
@@ -3862,7 +3969,7 @@
   <dgm:whole/>
   <dgm:extLst>
     <a:ext uri="http://schemas.microsoft.com/office/drawing/2008/diagram">
-      <dsp:dataModelExt xmlns:dsp="http://schemas.microsoft.com/office/drawing/2008/diagram" relId="rId9" minVer="http://schemas.openxmlformats.org/drawingml/2006/diagram"/>
+      <dsp:dataModelExt xmlns:dsp="http://schemas.microsoft.com/office/drawing/2008/diagram" xmlns="" relId="rId9" minVer="http://schemas.openxmlformats.org/drawingml/2006/diagram"/>
     </a:ext>
   </dgm:extLst>
 </dgm:dataModel>
@@ -4112,14 +4219,35 @@
         </dgm:presLayoutVars>
       </dgm:prSet>
       <dgm:spPr/>
+      <dgm:t>
+        <a:bodyPr/>
+        <a:lstStyle/>
+        <a:p>
+          <a:endParaRPr lang="de-DE"/>
+        </a:p>
+      </dgm:t>
     </dgm:pt>
     <dgm:pt modelId="{07284E07-4408-4BF2-9E53-8B0D5A353C3A}" type="pres">
       <dgm:prSet presAssocID="{0A5440AC-4116-4C27-9264-16AACB669E12}" presName="sibTrans" presStyleLbl="sibTrans2D1" presStyleIdx="0" presStyleCnt="5"/>
       <dgm:spPr/>
+      <dgm:t>
+        <a:bodyPr/>
+        <a:lstStyle/>
+        <a:p>
+          <a:endParaRPr lang="de-DE"/>
+        </a:p>
+      </dgm:t>
     </dgm:pt>
     <dgm:pt modelId="{F8FFB6C0-E03E-4022-8398-9AFF5BF916E4}" type="pres">
       <dgm:prSet presAssocID="{0A5440AC-4116-4C27-9264-16AACB669E12}" presName="connectorText" presStyleLbl="sibTrans2D1" presStyleIdx="0" presStyleCnt="5"/>
       <dgm:spPr/>
+      <dgm:t>
+        <a:bodyPr/>
+        <a:lstStyle/>
+        <a:p>
+          <a:endParaRPr lang="de-DE"/>
+        </a:p>
+      </dgm:t>
     </dgm:pt>
     <dgm:pt modelId="{EB0F924E-08B8-4496-8F7C-D75A9D314B30}" type="pres">
       <dgm:prSet presAssocID="{6883C271-93CE-4F53-B3DB-E78414E06855}" presName="node" presStyleLbl="node1" presStyleIdx="1" presStyleCnt="6" custScaleX="102074" custScaleY="73700" custLinFactNeighborX="-11371" custLinFactNeighborY="-818">
@@ -4128,14 +4256,35 @@
         </dgm:presLayoutVars>
       </dgm:prSet>
       <dgm:spPr/>
+      <dgm:t>
+        <a:bodyPr/>
+        <a:lstStyle/>
+        <a:p>
+          <a:endParaRPr lang="de-DE"/>
+        </a:p>
+      </dgm:t>
     </dgm:pt>
     <dgm:pt modelId="{87601AF7-0F9F-46ED-B4EE-1B62860D4BA5}" type="pres">
       <dgm:prSet presAssocID="{FE6047D0-FF2D-42A2-B389-DB220F2BDF26}" presName="sibTrans" presStyleLbl="sibTrans2D1" presStyleIdx="1" presStyleCnt="5"/>
       <dgm:spPr/>
+      <dgm:t>
+        <a:bodyPr/>
+        <a:lstStyle/>
+        <a:p>
+          <a:endParaRPr lang="de-DE"/>
+        </a:p>
+      </dgm:t>
     </dgm:pt>
     <dgm:pt modelId="{8EE4ED0A-418E-4458-84B0-1C7F6B4889D0}" type="pres">
       <dgm:prSet presAssocID="{FE6047D0-FF2D-42A2-B389-DB220F2BDF26}" presName="connectorText" presStyleLbl="sibTrans2D1" presStyleIdx="1" presStyleCnt="5"/>
       <dgm:spPr/>
+      <dgm:t>
+        <a:bodyPr/>
+        <a:lstStyle/>
+        <a:p>
+          <a:endParaRPr lang="de-DE"/>
+        </a:p>
+      </dgm:t>
     </dgm:pt>
     <dgm:pt modelId="{3ECB9AC3-8324-4FBC-8785-044F1DD81182}" type="pres">
       <dgm:prSet presAssocID="{D2E27AEE-DE18-437E-8ED4-085C407B02F4}" presName="node" presStyleLbl="node1" presStyleIdx="2" presStyleCnt="6" custScaleY="80152" custLinFactNeighborX="-3780" custLinFactNeighborY="-3015">
@@ -4144,14 +4293,35 @@
         </dgm:presLayoutVars>
       </dgm:prSet>
       <dgm:spPr/>
+      <dgm:t>
+        <a:bodyPr/>
+        <a:lstStyle/>
+        <a:p>
+          <a:endParaRPr lang="de-DE"/>
+        </a:p>
+      </dgm:t>
     </dgm:pt>
     <dgm:pt modelId="{57D1F035-83D0-404D-822E-A0E9FF1B02F1}" type="pres">
       <dgm:prSet presAssocID="{AF275174-F4D7-4107-9340-9F31FFAE84C6}" presName="sibTrans" presStyleLbl="sibTrans2D1" presStyleIdx="2" presStyleCnt="5"/>
       <dgm:spPr/>
+      <dgm:t>
+        <a:bodyPr/>
+        <a:lstStyle/>
+        <a:p>
+          <a:endParaRPr lang="de-DE"/>
+        </a:p>
+      </dgm:t>
     </dgm:pt>
     <dgm:pt modelId="{B064BFA8-682D-4757-ADFC-2CABBAA0A8B1}" type="pres">
       <dgm:prSet presAssocID="{AF275174-F4D7-4107-9340-9F31FFAE84C6}" presName="connectorText" presStyleLbl="sibTrans2D1" presStyleIdx="2" presStyleCnt="5"/>
       <dgm:spPr/>
+      <dgm:t>
+        <a:bodyPr/>
+        <a:lstStyle/>
+        <a:p>
+          <a:endParaRPr lang="de-DE"/>
+        </a:p>
+      </dgm:t>
     </dgm:pt>
     <dgm:pt modelId="{0C959095-7882-4471-98AD-EDED72A06E2D}" type="pres">
       <dgm:prSet presAssocID="{7D600DAC-9587-44B5-AA91-D1DB1E8AF259}" presName="node" presStyleLbl="node1" presStyleIdx="3" presStyleCnt="6" custScaleY="80325" custLinFactNeighborX="-3780" custLinFactNeighborY="-25113">
@@ -4160,14 +4330,35 @@
         </dgm:presLayoutVars>
       </dgm:prSet>
       <dgm:spPr/>
+      <dgm:t>
+        <a:bodyPr/>
+        <a:lstStyle/>
+        <a:p>
+          <a:endParaRPr lang="de-DE"/>
+        </a:p>
+      </dgm:t>
     </dgm:pt>
     <dgm:pt modelId="{C187702E-51EF-4FC5-95AA-90B3C81FA086}" type="pres">
       <dgm:prSet presAssocID="{DD3CB5CF-4595-4EEC-846B-6102664F2F05}" presName="sibTrans" presStyleLbl="sibTrans2D1" presStyleIdx="3" presStyleCnt="5"/>
       <dgm:spPr/>
+      <dgm:t>
+        <a:bodyPr/>
+        <a:lstStyle/>
+        <a:p>
+          <a:endParaRPr lang="de-DE"/>
+        </a:p>
+      </dgm:t>
     </dgm:pt>
     <dgm:pt modelId="{CAFDA7F7-B46C-4359-A129-AB4E2CE5A598}" type="pres">
       <dgm:prSet presAssocID="{DD3CB5CF-4595-4EEC-846B-6102664F2F05}" presName="connectorText" presStyleLbl="sibTrans2D1" presStyleIdx="3" presStyleCnt="5"/>
       <dgm:spPr/>
+      <dgm:t>
+        <a:bodyPr/>
+        <a:lstStyle/>
+        <a:p>
+          <a:endParaRPr lang="de-DE"/>
+        </a:p>
+      </dgm:t>
     </dgm:pt>
     <dgm:pt modelId="{FAC03DC4-EE0B-4F48-810D-D7D90D29CDA7}" type="pres">
       <dgm:prSet presAssocID="{BA46942A-95B1-4525-A038-6C19F1DA6537}" presName="node" presStyleLbl="node1" presStyleIdx="4" presStyleCnt="6" custScaleY="77420" custLinFactNeighborX="-3684" custLinFactNeighborY="-26565">
@@ -4176,14 +4367,35 @@
         </dgm:presLayoutVars>
       </dgm:prSet>
       <dgm:spPr/>
+      <dgm:t>
+        <a:bodyPr/>
+        <a:lstStyle/>
+        <a:p>
+          <a:endParaRPr lang="de-DE"/>
+        </a:p>
+      </dgm:t>
     </dgm:pt>
     <dgm:pt modelId="{B11A5A4A-6892-4B2E-B725-ECE29BCF5F77}" type="pres">
       <dgm:prSet presAssocID="{7762B7C6-4F36-4B61-B445-F6FF0509CF25}" presName="sibTrans" presStyleLbl="sibTrans2D1" presStyleIdx="4" presStyleCnt="5"/>
       <dgm:spPr/>
+      <dgm:t>
+        <a:bodyPr/>
+        <a:lstStyle/>
+        <a:p>
+          <a:endParaRPr lang="de-DE"/>
+        </a:p>
+      </dgm:t>
     </dgm:pt>
     <dgm:pt modelId="{4CD77A7A-0F40-4ABE-A7EB-ED19FB09158A}" type="pres">
       <dgm:prSet presAssocID="{7762B7C6-4F36-4B61-B445-F6FF0509CF25}" presName="connectorText" presStyleLbl="sibTrans2D1" presStyleIdx="4" presStyleCnt="5"/>
       <dgm:spPr/>
+      <dgm:t>
+        <a:bodyPr/>
+        <a:lstStyle/>
+        <a:p>
+          <a:endParaRPr lang="de-DE"/>
+        </a:p>
+      </dgm:t>
     </dgm:pt>
     <dgm:pt modelId="{25B326A3-A87D-4B61-8CBD-2F11BDEA96BC}" type="pres">
       <dgm:prSet presAssocID="{685F4625-0840-46FA-B858-0C8623E3CC8D}" presName="node" presStyleLbl="node1" presStyleIdx="5" presStyleCnt="6" custScaleY="75395" custLinFactNeighborX="-335" custLinFactNeighborY="-27578">
@@ -4192,32 +4404,39 @@
         </dgm:presLayoutVars>
       </dgm:prSet>
       <dgm:spPr/>
+      <dgm:t>
+        <a:bodyPr/>
+        <a:lstStyle/>
+        <a:p>
+          <a:endParaRPr lang="de-DE"/>
+        </a:p>
+      </dgm:t>
     </dgm:pt>
   </dgm:ptLst>
   <dgm:cxnLst>
+    <dgm:cxn modelId="{F8FCC4ED-399C-4EBC-8501-E7E94B934A37}" srcId="{F6E47ECC-1CC7-4BF8-A40F-F7C26A4BFA09}" destId="{7D600DAC-9587-44B5-AA91-D1DB1E8AF259}" srcOrd="3" destOrd="0" parTransId="{C6630763-DE36-4591-8A63-8451E61C4B79}" sibTransId="{DD3CB5CF-4595-4EEC-846B-6102664F2F05}"/>
     <dgm:cxn modelId="{BF074302-ADFE-4998-83F4-B5B8D4077EC4}" srcId="{F6E47ECC-1CC7-4BF8-A40F-F7C26A4BFA09}" destId="{685F4625-0840-46FA-B858-0C8623E3CC8D}" srcOrd="5" destOrd="0" parTransId="{7D57000E-778C-4CFD-B686-F2117CC1C858}" sibTransId="{067EF79F-A2B5-4E85-B591-BE8A5BA165D0}"/>
+    <dgm:cxn modelId="{5D1DC38D-36E9-4345-9BDA-5F37D04D90AB}" type="presOf" srcId="{FE6047D0-FF2D-42A2-B389-DB220F2BDF26}" destId="{87601AF7-0F9F-46ED-B4EE-1B62860D4BA5}" srcOrd="0" destOrd="0" presId="urn:microsoft.com/office/officeart/2005/8/layout/process5"/>
+    <dgm:cxn modelId="{D877C6B4-A0E6-4AC1-AF28-FDA315E921DB}" type="presOf" srcId="{FE6047D0-FF2D-42A2-B389-DB220F2BDF26}" destId="{8EE4ED0A-418E-4458-84B0-1C7F6B4889D0}" srcOrd="1" destOrd="0" presId="urn:microsoft.com/office/officeart/2005/8/layout/process5"/>
+    <dgm:cxn modelId="{6BBD4478-0FC8-4791-837D-3B86DC444DFA}" srcId="{F6E47ECC-1CC7-4BF8-A40F-F7C26A4BFA09}" destId="{D9C1DE2A-C919-439D-83D8-65D74A775FB6}" srcOrd="0" destOrd="0" parTransId="{24F33364-C041-4A46-9A2C-3365A4B35E4A}" sibTransId="{0A5440AC-4116-4C27-9264-16AACB669E12}"/>
+    <dgm:cxn modelId="{47CCF4E1-A68F-439A-BB94-DD05FAF1E159}" srcId="{F6E47ECC-1CC7-4BF8-A40F-F7C26A4BFA09}" destId="{BA46942A-95B1-4525-A038-6C19F1DA6537}" srcOrd="4" destOrd="0" parTransId="{F92269B3-4B49-4BEA-BE93-2AC05ED4A544}" sibTransId="{7762B7C6-4F36-4B61-B445-F6FF0509CF25}"/>
     <dgm:cxn modelId="{A9D5091A-B7FB-49D9-9E39-33E16E32D6E5}" srcId="{F6E47ECC-1CC7-4BF8-A40F-F7C26A4BFA09}" destId="{6883C271-93CE-4F53-B3DB-E78414E06855}" srcOrd="1" destOrd="0" parTransId="{64D99E33-9629-4119-A130-DF85747D2256}" sibTransId="{FE6047D0-FF2D-42A2-B389-DB220F2BDF26}"/>
+    <dgm:cxn modelId="{2D69BF81-3E5F-4B08-8400-18604264860E}" type="presOf" srcId="{7762B7C6-4F36-4B61-B445-F6FF0509CF25}" destId="{4CD77A7A-0F40-4ABE-A7EB-ED19FB09158A}" srcOrd="1" destOrd="0" presId="urn:microsoft.com/office/officeart/2005/8/layout/process5"/>
+    <dgm:cxn modelId="{1B9E96C9-9538-4A4B-916B-D10B947B15ED}" type="presOf" srcId="{685F4625-0840-46FA-B858-0C8623E3CC8D}" destId="{25B326A3-A87D-4B61-8CBD-2F11BDEA96BC}" srcOrd="0" destOrd="0" presId="urn:microsoft.com/office/officeart/2005/8/layout/process5"/>
+    <dgm:cxn modelId="{574CD3E9-96D9-455C-8E2F-35597C85EA16}" type="presOf" srcId="{D2E27AEE-DE18-437E-8ED4-085C407B02F4}" destId="{3ECB9AC3-8324-4FBC-8785-044F1DD81182}" srcOrd="0" destOrd="0" presId="urn:microsoft.com/office/officeart/2005/8/layout/process5"/>
+    <dgm:cxn modelId="{1B4527FB-7E8B-4D52-83EC-FCCF26383C20}" type="presOf" srcId="{7D600DAC-9587-44B5-AA91-D1DB1E8AF259}" destId="{0C959095-7882-4471-98AD-EDED72A06E2D}" srcOrd="0" destOrd="0" presId="urn:microsoft.com/office/officeart/2005/8/layout/process5"/>
+    <dgm:cxn modelId="{EB029169-2D09-4502-A4F8-18C1302FF6FA}" type="presOf" srcId="{AF275174-F4D7-4107-9340-9F31FFAE84C6}" destId="{B064BFA8-682D-4757-ADFC-2CABBAA0A8B1}" srcOrd="1" destOrd="0" presId="urn:microsoft.com/office/officeart/2005/8/layout/process5"/>
+    <dgm:cxn modelId="{122B0E85-1F4F-4FBF-88BC-60F4A6515555}" type="presOf" srcId="{D9C1DE2A-C919-439D-83D8-65D74A775FB6}" destId="{F750DCCB-0DB3-4943-9436-F897320A4A5D}" srcOrd="0" destOrd="0" presId="urn:microsoft.com/office/officeart/2005/8/layout/process5"/>
+    <dgm:cxn modelId="{3452DE59-B5DB-4659-B582-F21A0FA1069E}" type="presOf" srcId="{6883C271-93CE-4F53-B3DB-E78414E06855}" destId="{EB0F924E-08B8-4496-8F7C-D75A9D314B30}" srcOrd="0" destOrd="0" presId="urn:microsoft.com/office/officeart/2005/8/layout/process5"/>
+    <dgm:cxn modelId="{26DB8064-CA9A-49BF-B110-4A1EB040AF44}" srcId="{F6E47ECC-1CC7-4BF8-A40F-F7C26A4BFA09}" destId="{D2E27AEE-DE18-437E-8ED4-085C407B02F4}" srcOrd="2" destOrd="0" parTransId="{6C0F99BB-1AE8-491E-9E77-BB81EC71D0A5}" sibTransId="{AF275174-F4D7-4107-9340-9F31FFAE84C6}"/>
+    <dgm:cxn modelId="{A1CD72F6-11A0-4594-87FC-291C4A70D512}" type="presOf" srcId="{7762B7C6-4F36-4B61-B445-F6FF0509CF25}" destId="{B11A5A4A-6892-4B2E-B725-ECE29BCF5F77}" srcOrd="0" destOrd="0" presId="urn:microsoft.com/office/officeart/2005/8/layout/process5"/>
+    <dgm:cxn modelId="{C5AF9FAD-37EE-43C3-A9CC-1DE309D0D09C}" type="presOf" srcId="{BA46942A-95B1-4525-A038-6C19F1DA6537}" destId="{FAC03DC4-EE0B-4F48-810D-D7D90D29CDA7}" srcOrd="0" destOrd="0" presId="urn:microsoft.com/office/officeart/2005/8/layout/process5"/>
+    <dgm:cxn modelId="{F128F62D-D92C-4CC8-B306-60C9D8EEAB3A}" type="presOf" srcId="{0A5440AC-4116-4C27-9264-16AACB669E12}" destId="{F8FFB6C0-E03E-4022-8398-9AFF5BF916E4}" srcOrd="1" destOrd="0" presId="urn:microsoft.com/office/officeart/2005/8/layout/process5"/>
+    <dgm:cxn modelId="{74C58CEF-53B4-4388-82CD-0CB7A6CAA27A}" type="presOf" srcId="{DD3CB5CF-4595-4EEC-846B-6102664F2F05}" destId="{C187702E-51EF-4FC5-95AA-90B3C81FA086}" srcOrd="0" destOrd="0" presId="urn:microsoft.com/office/officeart/2005/8/layout/process5"/>
+    <dgm:cxn modelId="{DFD6F5FA-8A31-42F7-BF3C-456A1F4586B1}" type="presOf" srcId="{AF275174-F4D7-4107-9340-9F31FFAE84C6}" destId="{57D1F035-83D0-404D-822E-A0E9FF1B02F1}" srcOrd="0" destOrd="0" presId="urn:microsoft.com/office/officeart/2005/8/layout/process5"/>
     <dgm:cxn modelId="{562BB721-6EDC-4053-B596-0A411EFAF9D6}" type="presOf" srcId="{F6E47ECC-1CC7-4BF8-A40F-F7C26A4BFA09}" destId="{B40BC887-7121-4751-9ED6-13E8470945BB}" srcOrd="0" destOrd="0" presId="urn:microsoft.com/office/officeart/2005/8/layout/process5"/>
-    <dgm:cxn modelId="{F128F62D-D92C-4CC8-B306-60C9D8EEAB3A}" type="presOf" srcId="{0A5440AC-4116-4C27-9264-16AACB669E12}" destId="{F8FFB6C0-E03E-4022-8398-9AFF5BF916E4}" srcOrd="1" destOrd="0" presId="urn:microsoft.com/office/officeart/2005/8/layout/process5"/>
-    <dgm:cxn modelId="{26DB8064-CA9A-49BF-B110-4A1EB040AF44}" srcId="{F6E47ECC-1CC7-4BF8-A40F-F7C26A4BFA09}" destId="{D2E27AEE-DE18-437E-8ED4-085C407B02F4}" srcOrd="2" destOrd="0" parTransId="{6C0F99BB-1AE8-491E-9E77-BB81EC71D0A5}" sibTransId="{AF275174-F4D7-4107-9340-9F31FFAE84C6}"/>
-    <dgm:cxn modelId="{EB029169-2D09-4502-A4F8-18C1302FF6FA}" type="presOf" srcId="{AF275174-F4D7-4107-9340-9F31FFAE84C6}" destId="{B064BFA8-682D-4757-ADFC-2CABBAA0A8B1}" srcOrd="1" destOrd="0" presId="urn:microsoft.com/office/officeart/2005/8/layout/process5"/>
     <dgm:cxn modelId="{F1423178-391C-4B6B-8F65-8CA9DBD94E60}" type="presOf" srcId="{DD3CB5CF-4595-4EEC-846B-6102664F2F05}" destId="{CAFDA7F7-B46C-4359-A129-AB4E2CE5A598}" srcOrd="1" destOrd="0" presId="urn:microsoft.com/office/officeart/2005/8/layout/process5"/>
-    <dgm:cxn modelId="{6BBD4478-0FC8-4791-837D-3B86DC444DFA}" srcId="{F6E47ECC-1CC7-4BF8-A40F-F7C26A4BFA09}" destId="{D9C1DE2A-C919-439D-83D8-65D74A775FB6}" srcOrd="0" destOrd="0" parTransId="{24F33364-C041-4A46-9A2C-3365A4B35E4A}" sibTransId="{0A5440AC-4116-4C27-9264-16AACB669E12}"/>
-    <dgm:cxn modelId="{3452DE59-B5DB-4659-B582-F21A0FA1069E}" type="presOf" srcId="{6883C271-93CE-4F53-B3DB-E78414E06855}" destId="{EB0F924E-08B8-4496-8F7C-D75A9D314B30}" srcOrd="0" destOrd="0" presId="urn:microsoft.com/office/officeart/2005/8/layout/process5"/>
-    <dgm:cxn modelId="{2D69BF81-3E5F-4B08-8400-18604264860E}" type="presOf" srcId="{7762B7C6-4F36-4B61-B445-F6FF0509CF25}" destId="{4CD77A7A-0F40-4ABE-A7EB-ED19FB09158A}" srcOrd="1" destOrd="0" presId="urn:microsoft.com/office/officeart/2005/8/layout/process5"/>
-    <dgm:cxn modelId="{122B0E85-1F4F-4FBF-88BC-60F4A6515555}" type="presOf" srcId="{D9C1DE2A-C919-439D-83D8-65D74A775FB6}" destId="{F750DCCB-0DB3-4943-9436-F897320A4A5D}" srcOrd="0" destOrd="0" presId="urn:microsoft.com/office/officeart/2005/8/layout/process5"/>
-    <dgm:cxn modelId="{5D1DC38D-36E9-4345-9BDA-5F37D04D90AB}" type="presOf" srcId="{FE6047D0-FF2D-42A2-B389-DB220F2BDF26}" destId="{87601AF7-0F9F-46ED-B4EE-1B62860D4BA5}" srcOrd="0" destOrd="0" presId="urn:microsoft.com/office/officeart/2005/8/layout/process5"/>
     <dgm:cxn modelId="{F1B9939C-663B-47F3-A7C2-D59B6CD8ABAD}" type="presOf" srcId="{0A5440AC-4116-4C27-9264-16AACB669E12}" destId="{07284E07-4408-4BF2-9E53-8B0D5A353C3A}" srcOrd="0" destOrd="0" presId="urn:microsoft.com/office/officeart/2005/8/layout/process5"/>
-    <dgm:cxn modelId="{C5AF9FAD-37EE-43C3-A9CC-1DE309D0D09C}" type="presOf" srcId="{BA46942A-95B1-4525-A038-6C19F1DA6537}" destId="{FAC03DC4-EE0B-4F48-810D-D7D90D29CDA7}" srcOrd="0" destOrd="0" presId="urn:microsoft.com/office/officeart/2005/8/layout/process5"/>
-    <dgm:cxn modelId="{D877C6B4-A0E6-4AC1-AF28-FDA315E921DB}" type="presOf" srcId="{FE6047D0-FF2D-42A2-B389-DB220F2BDF26}" destId="{8EE4ED0A-418E-4458-84B0-1C7F6B4889D0}" srcOrd="1" destOrd="0" presId="urn:microsoft.com/office/officeart/2005/8/layout/process5"/>
-    <dgm:cxn modelId="{1B9E96C9-9538-4A4B-916B-D10B947B15ED}" type="presOf" srcId="{685F4625-0840-46FA-B858-0C8623E3CC8D}" destId="{25B326A3-A87D-4B61-8CBD-2F11BDEA96BC}" srcOrd="0" destOrd="0" presId="urn:microsoft.com/office/officeart/2005/8/layout/process5"/>
-    <dgm:cxn modelId="{47CCF4E1-A68F-439A-BB94-DD05FAF1E159}" srcId="{F6E47ECC-1CC7-4BF8-A40F-F7C26A4BFA09}" destId="{BA46942A-95B1-4525-A038-6C19F1DA6537}" srcOrd="4" destOrd="0" parTransId="{F92269B3-4B49-4BEA-BE93-2AC05ED4A544}" sibTransId="{7762B7C6-4F36-4B61-B445-F6FF0509CF25}"/>
-    <dgm:cxn modelId="{574CD3E9-96D9-455C-8E2F-35597C85EA16}" type="presOf" srcId="{D2E27AEE-DE18-437E-8ED4-085C407B02F4}" destId="{3ECB9AC3-8324-4FBC-8785-044F1DD81182}" srcOrd="0" destOrd="0" presId="urn:microsoft.com/office/officeart/2005/8/layout/process5"/>
-    <dgm:cxn modelId="{F8FCC4ED-399C-4EBC-8501-E7E94B934A37}" srcId="{F6E47ECC-1CC7-4BF8-A40F-F7C26A4BFA09}" destId="{7D600DAC-9587-44B5-AA91-D1DB1E8AF259}" srcOrd="3" destOrd="0" parTransId="{C6630763-DE36-4591-8A63-8451E61C4B79}" sibTransId="{DD3CB5CF-4595-4EEC-846B-6102664F2F05}"/>
-    <dgm:cxn modelId="{74C58CEF-53B4-4388-82CD-0CB7A6CAA27A}" type="presOf" srcId="{DD3CB5CF-4595-4EEC-846B-6102664F2F05}" destId="{C187702E-51EF-4FC5-95AA-90B3C81FA086}" srcOrd="0" destOrd="0" presId="urn:microsoft.com/office/officeart/2005/8/layout/process5"/>
-    <dgm:cxn modelId="{A1CD72F6-11A0-4594-87FC-291C4A70D512}" type="presOf" srcId="{7762B7C6-4F36-4B61-B445-F6FF0509CF25}" destId="{B11A5A4A-6892-4B2E-B725-ECE29BCF5F77}" srcOrd="0" destOrd="0" presId="urn:microsoft.com/office/officeart/2005/8/layout/process5"/>
-    <dgm:cxn modelId="{DFD6F5FA-8A31-42F7-BF3C-456A1F4586B1}" type="presOf" srcId="{AF275174-F4D7-4107-9340-9F31FFAE84C6}" destId="{57D1F035-83D0-404D-822E-A0E9FF1B02F1}" srcOrd="0" destOrd="0" presId="urn:microsoft.com/office/officeart/2005/8/layout/process5"/>
-    <dgm:cxn modelId="{1B4527FB-7E8B-4D52-83EC-FCCF26383C20}" type="presOf" srcId="{7D600DAC-9587-44B5-AA91-D1DB1E8AF259}" destId="{0C959095-7882-4471-98AD-EDED72A06E2D}" srcOrd="0" destOrd="0" presId="urn:microsoft.com/office/officeart/2005/8/layout/process5"/>
     <dgm:cxn modelId="{77C33F04-EC4C-4CB4-9EDE-8EF7E2C47CCA}" type="presParOf" srcId="{B40BC887-7121-4751-9ED6-13E8470945BB}" destId="{F750DCCB-0DB3-4943-9436-F897320A4A5D}" srcOrd="0" destOrd="0" presId="urn:microsoft.com/office/officeart/2005/8/layout/process5"/>
     <dgm:cxn modelId="{24402445-5195-4B9A-B6CD-28CA16B8D05E}" type="presParOf" srcId="{B40BC887-7121-4751-9ED6-13E8470945BB}" destId="{07284E07-4408-4BF2-9E53-8B0D5A353C3A}" srcOrd="1" destOrd="0" presId="urn:microsoft.com/office/officeart/2005/8/layout/process5"/>
     <dgm:cxn modelId="{D8BFFAC4-70EB-44CF-B73B-532597EF203E}" type="presParOf" srcId="{07284E07-4408-4BF2-9E53-8B0D5A353C3A}" destId="{F8FFB6C0-E03E-4022-8398-9AFF5BF916E4}" srcOrd="0" destOrd="0" presId="urn:microsoft.com/office/officeart/2005/8/layout/process5"/>
@@ -4239,14 +4458,14 @@
   <dgm:whole/>
   <dgm:extLst>
     <a:ext uri="http://schemas.microsoft.com/office/drawing/2008/diagram">
-      <dsp:dataModelExt xmlns:dsp="http://schemas.microsoft.com/office/drawing/2008/diagram" relId="rId7" minVer="http://schemas.openxmlformats.org/drawingml/2006/diagram"/>
+      <dsp:dataModelExt xmlns:dsp="http://schemas.microsoft.com/office/drawing/2008/diagram" xmlns="" relId="rId7" minVer="http://schemas.openxmlformats.org/drawingml/2006/diagram"/>
     </a:ext>
   </dgm:extLst>
 </dgm:dataModel>
 </file>
 
 <file path=ppt/diagrams/drawing1.xml><?xml version="1.0" encoding="utf-8"?>
-<dsp:drawing xmlns:dgm="http://schemas.openxmlformats.org/drawingml/2006/diagram" xmlns:dsp="http://schemas.microsoft.com/office/drawing/2008/diagram" xmlns:a="http://schemas.openxmlformats.org/drawingml/2006/main">
+<dsp:drawing xmlns:dgm="http://schemas.openxmlformats.org/drawingml/2006/diagram" xmlns:a="http://schemas.openxmlformats.org/drawingml/2006/main" xmlns:dsp="http://schemas.microsoft.com/office/drawing/2008/diagram">
   <dsp:spTree>
     <dsp:nvGrpSpPr>
       <dsp:cNvPr id="0" name=""/>
@@ -4319,7 +4538,7 @@
         </a:bodyPr>
         <a:lstStyle/>
         <a:p>
-          <a:pPr marL="0" lvl="0" indent="0" algn="ctr" defTabSz="622300">
+          <a:pPr lvl="0" algn="ctr" defTabSz="622300">
             <a:lnSpc>
               <a:spcPct val="90000"/>
             </a:lnSpc>
@@ -4329,7 +4548,6 @@
             <a:spcAft>
               <a:spcPct val="35000"/>
             </a:spcAft>
-            <a:buNone/>
           </a:pPr>
           <a:r>
             <a:rPr lang="de-DE" sz="1400" kern="1200" dirty="0"/>
@@ -4338,8 +4556,8 @@
         </a:p>
       </dsp:txBody>
       <dsp:txXfrm>
-        <a:off x="1080823" y="33890"/>
-        <a:ext cx="1735231" cy="1015855"/>
+        <a:off x="1049218" y="2285"/>
+        <a:ext cx="1798441" cy="1079065"/>
       </dsp:txXfrm>
     </dsp:sp>
     <dsp:sp modelId="{BE88AA11-25B2-4019-9BB7-8AFE2BF1F8B3}">
@@ -4404,7 +4622,7 @@
         </a:bodyPr>
         <a:lstStyle/>
         <a:p>
-          <a:pPr marL="0" lvl="0" indent="0" algn="ctr" defTabSz="488950">
+          <a:pPr lvl="0" algn="ctr" defTabSz="488950">
             <a:lnSpc>
               <a:spcPct val="90000"/>
             </a:lnSpc>
@@ -4414,14 +4632,13 @@
             <a:spcAft>
               <a:spcPct val="35000"/>
             </a:spcAft>
-            <a:buNone/>
           </a:pPr>
           <a:endParaRPr lang="de-DE" sz="1100" kern="1200"/>
         </a:p>
       </dsp:txBody>
       <dsp:txXfrm>
-        <a:off x="3005923" y="408014"/>
-        <a:ext cx="266888" cy="267607"/>
+        <a:off x="3005923" y="318811"/>
+        <a:ext cx="381269" cy="446013"/>
       </dsp:txXfrm>
     </dsp:sp>
     <dsp:sp modelId="{4AB5ECC8-95D1-4805-BE13-6E1B6554C3C9}">
@@ -4490,7 +4707,7 @@
         </a:bodyPr>
         <a:lstStyle/>
         <a:p>
-          <a:pPr marL="0" lvl="0" indent="0" algn="ctr" defTabSz="622300">
+          <a:pPr lvl="0" algn="ctr" defTabSz="622300">
             <a:lnSpc>
               <a:spcPct val="90000"/>
             </a:lnSpc>
@@ -4500,7 +4717,6 @@
             <a:spcAft>
               <a:spcPct val="35000"/>
             </a:spcAft>
-            <a:buNone/>
           </a:pPr>
           <a:r>
             <a:rPr lang="de-DE" sz="1400" kern="1200" dirty="0"/>
@@ -4509,8 +4725,8 @@
         </a:p>
       </dsp:txBody>
       <dsp:txXfrm>
-        <a:off x="3598642" y="33890"/>
-        <a:ext cx="1735231" cy="1015855"/>
+        <a:off x="3567037" y="2285"/>
+        <a:ext cx="1798441" cy="1079065"/>
       </dsp:txXfrm>
     </dsp:sp>
     <dsp:sp modelId="{CDC5E207-5B9F-4708-9835-66F4E9D86D5E}">
@@ -4575,7 +4791,7 @@
         </a:bodyPr>
         <a:lstStyle/>
         <a:p>
-          <a:pPr marL="0" lvl="0" indent="0" algn="ctr" defTabSz="488950">
+          <a:pPr lvl="0" algn="ctr" defTabSz="488950">
             <a:lnSpc>
               <a:spcPct val="90000"/>
             </a:lnSpc>
@@ -4585,14 +4801,13 @@
             <a:spcAft>
               <a:spcPct val="35000"/>
             </a:spcAft>
-            <a:buNone/>
           </a:pPr>
           <a:endParaRPr lang="de-DE" sz="1100" kern="1200"/>
         </a:p>
       </dsp:txBody>
-      <dsp:txXfrm>
-        <a:off x="5531726" y="406935"/>
-        <a:ext cx="280353" cy="267607"/>
+      <dsp:txXfrm rot="21596924">
+        <a:off x="5531726" y="317678"/>
+        <a:ext cx="400504" cy="446013"/>
       </dsp:txXfrm>
     </dsp:sp>
     <dsp:sp modelId="{42977F73-17F4-4D95-8DD6-58316F0AA372}">
@@ -4661,7 +4876,7 @@
         </a:bodyPr>
         <a:lstStyle/>
         <a:p>
-          <a:pPr marL="0" lvl="0" indent="0" algn="ctr" defTabSz="622300">
+          <a:pPr lvl="0" algn="ctr" defTabSz="622300">
             <a:lnSpc>
               <a:spcPct val="90000"/>
             </a:lnSpc>
@@ -4671,7 +4886,6 @@
             <a:spcAft>
               <a:spcPct val="35000"/>
             </a:spcAft>
-            <a:buNone/>
           </a:pPr>
           <a:r>
             <a:rPr lang="de-DE" sz="1400" kern="1200" dirty="0"/>
@@ -4680,8 +4894,8 @@
         </a:p>
       </dsp:txBody>
       <dsp:txXfrm>
-        <a:off x="6152753" y="31605"/>
-        <a:ext cx="1735231" cy="1015855"/>
+        <a:off x="6121148" y="0"/>
+        <a:ext cx="1798441" cy="1079065"/>
       </dsp:txXfrm>
     </dsp:sp>
     <dsp:sp modelId="{CCC4A06A-A827-45BF-8450-67D962F26337}">
@@ -4746,7 +4960,7 @@
         </a:bodyPr>
         <a:lstStyle/>
         <a:p>
-          <a:pPr marL="0" lvl="0" indent="0" algn="ctr" defTabSz="488950">
+          <a:pPr lvl="0" algn="ctr" defTabSz="488950">
             <a:lnSpc>
               <a:spcPct val="90000"/>
             </a:lnSpc>
@@ -4756,14 +4970,13 @@
             <a:spcAft>
               <a:spcPct val="35000"/>
             </a:spcAft>
-            <a:buNone/>
           </a:pPr>
           <a:endParaRPr lang="de-DE" sz="1100" kern="1200"/>
         </a:p>
       </dsp:txBody>
-      <dsp:txXfrm rot="-5400000">
-        <a:off x="6886567" y="1221873"/>
-        <a:ext cx="267607" cy="240826"/>
+      <dsp:txXfrm rot="5400000">
+        <a:off x="6848351" y="1170885"/>
+        <a:ext cx="344037" cy="446013"/>
       </dsp:txXfrm>
     </dsp:sp>
     <dsp:sp modelId="{C6FB2919-9D1F-4633-9AB4-7BFB3964DF37}">
@@ -4832,7 +5045,7 @@
         </a:bodyPr>
         <a:lstStyle/>
         <a:p>
-          <a:pPr marL="0" lvl="0" indent="0" algn="ctr" defTabSz="622300">
+          <a:pPr lvl="0" algn="ctr" defTabSz="622300">
             <a:lnSpc>
               <a:spcPct val="90000"/>
             </a:lnSpc>
@@ -4842,7 +5055,6 @@
             <a:spcAft>
               <a:spcPct val="35000"/>
             </a:spcAft>
-            <a:buNone/>
           </a:pPr>
           <a:r>
             <a:rPr lang="de-DE" sz="1400" kern="1200" dirty="0"/>
@@ -4851,8 +5063,8 @@
         </a:p>
       </dsp:txBody>
       <dsp:txXfrm>
-        <a:off x="6152753" y="1759797"/>
-        <a:ext cx="1735231" cy="1015855"/>
+        <a:off x="6121148" y="1728192"/>
+        <a:ext cx="1798441" cy="1079065"/>
       </dsp:txXfrm>
     </dsp:sp>
     <dsp:sp modelId="{9D369444-FA8F-4D05-844A-906DFCF6C382}">
@@ -4917,7 +5129,7 @@
         </a:bodyPr>
         <a:lstStyle/>
         <a:p>
-          <a:pPr marL="0" lvl="0" indent="0" algn="ctr" defTabSz="488950">
+          <a:pPr lvl="0" algn="ctr" defTabSz="488950">
             <a:lnSpc>
               <a:spcPct val="90000"/>
             </a:lnSpc>
@@ -4927,14 +5139,13 @@
             <a:spcAft>
               <a:spcPct val="35000"/>
             </a:spcAft>
-            <a:buNone/>
           </a:pPr>
           <a:endParaRPr lang="de-DE" sz="1100" kern="1200"/>
         </a:p>
       </dsp:txBody>
-      <dsp:txXfrm rot="-5400000">
-        <a:off x="6887164" y="2965908"/>
-        <a:ext cx="267607" cy="267542"/>
+      <dsp:txXfrm rot="5397527">
+        <a:off x="6829907" y="2934003"/>
+        <a:ext cx="382203" cy="446013"/>
       </dsp:txXfrm>
     </dsp:sp>
     <dsp:sp modelId="{54BEBF88-F6C4-4618-8CD0-C5F79BDD00CC}">
@@ -5003,7 +5214,7 @@
         </a:bodyPr>
         <a:lstStyle/>
         <a:p>
-          <a:pPr marL="0" lvl="0" indent="0" algn="ctr" defTabSz="622300">
+          <a:pPr lvl="0" algn="ctr" defTabSz="622300">
             <a:lnSpc>
               <a:spcPct val="90000"/>
             </a:lnSpc>
@@ -5013,7 +5224,6 @@
             <a:spcAft>
               <a:spcPct val="35000"/>
             </a:spcAft>
-            <a:buNone/>
           </a:pPr>
           <a:r>
             <a:rPr lang="de-DE" sz="1400" kern="1200" dirty="0"/>
@@ -5022,8 +5232,8 @@
         </a:p>
       </dsp:txBody>
       <dsp:txXfrm>
-        <a:off x="6152286" y="3560002"/>
-        <a:ext cx="1738756" cy="1015855"/>
+        <a:off x="6120681" y="3528397"/>
+        <a:ext cx="1801966" cy="1079065"/>
       </dsp:txXfrm>
     </dsp:sp>
     <dsp:sp modelId="{F0C38B2C-60D1-41E8-AC61-19C10692A4E6}">
@@ -5088,7 +5298,7 @@
         </a:bodyPr>
         <a:lstStyle/>
         <a:p>
-          <a:pPr marL="0" lvl="0" indent="0" algn="ctr" defTabSz="488950">
+          <a:pPr lvl="0" algn="ctr" defTabSz="488950">
             <a:lnSpc>
               <a:spcPct val="90000"/>
             </a:lnSpc>
@@ -5098,14 +5308,13 @@
             <a:spcAft>
               <a:spcPct val="35000"/>
             </a:spcAft>
-            <a:buNone/>
           </a:pPr>
           <a:endParaRPr lang="de-DE" sz="1100" kern="1200"/>
         </a:p>
       </dsp:txBody>
       <dsp:txXfrm rot="10800000">
-        <a:off x="5673315" y="3934125"/>
-        <a:ext cx="280834" cy="267607"/>
+        <a:off x="5552958" y="3844922"/>
+        <a:ext cx="401191" cy="446013"/>
       </dsp:txXfrm>
     </dsp:sp>
     <dsp:sp modelId="{5287A144-E8F3-4B85-8F5A-427E7BB75039}">
@@ -5174,7 +5383,7 @@
         </a:bodyPr>
         <a:lstStyle/>
         <a:p>
-          <a:pPr marL="0" lvl="0" indent="0" algn="ctr" defTabSz="622300">
+          <a:pPr lvl="0" algn="ctr" defTabSz="622300">
             <a:lnSpc>
               <a:spcPct val="90000"/>
             </a:lnSpc>
@@ -5184,7 +5393,6 @@
             <a:spcAft>
               <a:spcPct val="35000"/>
             </a:spcAft>
-            <a:buNone/>
           </a:pPr>
           <a:r>
             <a:rPr lang="de-DE" sz="1400" kern="1200" dirty="0"/>
@@ -5193,8 +5401,8 @@
         </a:p>
       </dsp:txBody>
       <dsp:txXfrm>
-        <a:off x="3596880" y="3560002"/>
-        <a:ext cx="1735231" cy="1015855"/>
+        <a:off x="3565275" y="3528397"/>
+        <a:ext cx="1798441" cy="1079065"/>
       </dsp:txXfrm>
     </dsp:sp>
     <dsp:sp modelId="{32BC61F9-2764-45E0-879F-1C31F79DF982}">
@@ -5259,7 +5467,7 @@
         </a:bodyPr>
         <a:lstStyle/>
         <a:p>
-          <a:pPr marL="0" lvl="0" indent="0" algn="ctr" defTabSz="488950">
+          <a:pPr lvl="0" algn="ctr" defTabSz="488950">
             <a:lnSpc>
               <a:spcPct val="90000"/>
             </a:lnSpc>
@@ -5269,14 +5477,13 @@
             <a:spcAft>
               <a:spcPct val="35000"/>
             </a:spcAft>
-            <a:buNone/>
           </a:pPr>
           <a:endParaRPr lang="de-DE" sz="1100" kern="1200"/>
         </a:p>
       </dsp:txBody>
-      <dsp:txXfrm rot="10800000">
-        <a:off x="3116866" y="3934124"/>
-        <a:ext cx="281488" cy="267607"/>
+      <dsp:txXfrm rot="10800005">
+        <a:off x="2996229" y="3844921"/>
+        <a:ext cx="402125" cy="446013"/>
       </dsp:txXfrm>
     </dsp:sp>
     <dsp:sp modelId="{377FB24D-5F1D-45EB-A26B-93BB8DE3EBEF}">
@@ -5345,7 +5552,7 @@
         </a:bodyPr>
         <a:lstStyle/>
         <a:p>
-          <a:pPr marL="0" lvl="0" indent="0" algn="ctr" defTabSz="622300">
+          <a:pPr lvl="0" algn="ctr" defTabSz="622300">
             <a:lnSpc>
               <a:spcPct val="90000"/>
             </a:lnSpc>
@@ -5355,7 +5562,6 @@
             <a:spcAft>
               <a:spcPct val="35000"/>
             </a:spcAft>
-            <a:buNone/>
           </a:pPr>
           <a:r>
             <a:rPr lang="de-DE" sz="1400" kern="1200" dirty="0"/>
@@ -5364,8 +5570,8 @@
         </a:p>
       </dsp:txBody>
       <dsp:txXfrm>
-        <a:off x="1039711" y="3559998"/>
-        <a:ext cx="1735231" cy="1015855"/>
+        <a:off x="1008106" y="3528393"/>
+        <a:ext cx="1798441" cy="1079065"/>
       </dsp:txXfrm>
     </dsp:sp>
     <dsp:sp modelId="{07870DC8-1F2B-41D1-A827-E434A70F28EA}">
@@ -5430,7 +5636,7 @@
         </a:bodyPr>
         <a:lstStyle/>
         <a:p>
-          <a:pPr marL="0" lvl="0" indent="0" algn="ctr" defTabSz="488950">
+          <a:pPr lvl="0" algn="ctr" defTabSz="488950">
             <a:lnSpc>
               <a:spcPct val="90000"/>
             </a:lnSpc>
@@ -5440,14 +5646,13 @@
             <a:spcAft>
               <a:spcPct val="35000"/>
             </a:spcAft>
-            <a:buNone/>
           </a:pPr>
           <a:endParaRPr lang="de-DE" sz="1100" kern="1200"/>
         </a:p>
       </dsp:txBody>
-      <dsp:txXfrm rot="5400000">
-        <a:off x="1773524" y="3102200"/>
-        <a:ext cx="267607" cy="267542"/>
+      <dsp:txXfrm rot="16200000">
+        <a:off x="1716225" y="2955634"/>
+        <a:ext cx="382203" cy="446013"/>
       </dsp:txXfrm>
     </dsp:sp>
     <dsp:sp modelId="{529819E6-3267-432B-B9EC-51F57AB738A4}">
@@ -5516,7 +5721,7 @@
         </a:bodyPr>
         <a:lstStyle/>
         <a:p>
-          <a:pPr marL="0" lvl="0" indent="0" algn="ctr" defTabSz="622300">
+          <a:pPr lvl="0" algn="ctr" defTabSz="622300">
             <a:lnSpc>
               <a:spcPct val="90000"/>
             </a:lnSpc>
@@ -5526,7 +5731,6 @@
             <a:spcAft>
               <a:spcPct val="35000"/>
             </a:spcAft>
-            <a:buNone/>
           </a:pPr>
           <a:r>
             <a:rPr lang="de-DE" sz="1400" kern="1200" dirty="0"/>
@@ -5535,8 +5739,8 @@
         </a:p>
       </dsp:txBody>
       <dsp:txXfrm>
-        <a:off x="1039711" y="1759794"/>
-        <a:ext cx="1735231" cy="1015855"/>
+        <a:off x="1008106" y="1728189"/>
+        <a:ext cx="1798441" cy="1079065"/>
       </dsp:txXfrm>
     </dsp:sp>
   </dsp:spTree>
@@ -5544,7 +5748,7 @@
 </file>
 
 <file path=ppt/diagrams/drawing2.xml><?xml version="1.0" encoding="utf-8"?>
-<dsp:drawing xmlns:dgm="http://schemas.openxmlformats.org/drawingml/2006/diagram" xmlns:dsp="http://schemas.microsoft.com/office/drawing/2008/diagram" xmlns:a="http://schemas.openxmlformats.org/drawingml/2006/main">
+<dsp:drawing xmlns:dgm="http://schemas.openxmlformats.org/drawingml/2006/diagram" xmlns:a="http://schemas.openxmlformats.org/drawingml/2006/main" xmlns:dsp="http://schemas.microsoft.com/office/drawing/2008/diagram">
   <dsp:spTree>
     <dsp:nvGrpSpPr>
       <dsp:cNvPr id="0" name=""/>
@@ -5610,12 +5814,12 @@
         </a:fontRef>
       </dsp:style>
       <dsp:txBody>
-        <a:bodyPr spcFirstLastPara="0" vert="horz" wrap="square" lIns="45720" tIns="45720" rIns="45720" bIns="45720" numCol="1" spcCol="1270" anchor="t" anchorCtr="0">
+        <a:bodyPr spcFirstLastPara="0" vert="horz" wrap="square" lIns="60960" tIns="60960" rIns="60960" bIns="60960" numCol="1" spcCol="1270" anchor="ctr" anchorCtr="0">
           <a:noAutofit/>
         </a:bodyPr>
         <a:lstStyle/>
         <a:p>
-          <a:pPr marL="0" lvl="0" indent="0" algn="l" defTabSz="533400">
+          <a:pPr lvl="0" algn="ctr" defTabSz="711200">
             <a:lnSpc>
               <a:spcPct val="90000"/>
             </a:lnSpc>
@@ -5625,15 +5829,15 @@
             <a:spcAft>
               <a:spcPct val="35000"/>
             </a:spcAft>
-            <a:buNone/>
           </a:pPr>
           <a:r>
-            <a:rPr lang="de-DE" sz="1200" kern="1200" dirty="0"/>
-            <a:t>Regler für Geradeausfahrt</a:t>
+            <a:rPr lang="de-DE" sz="1600" kern="1200" dirty="0"/>
+            <a:t>Regler für </a:t>
           </a:r>
+          <a:endParaRPr lang="de-DE" sz="1600" kern="1200" dirty="0" smtClean="0"/>
         </a:p>
         <a:p>
-          <a:pPr marL="57150" lvl="1" indent="-57150" algn="l" defTabSz="466725">
+          <a:pPr lvl="0" algn="ctr" defTabSz="711200">
             <a:lnSpc>
               <a:spcPct val="90000"/>
             </a:lnSpc>
@@ -5641,42 +5845,19 @@
               <a:spcPct val="0"/>
             </a:spcBef>
             <a:spcAft>
-              <a:spcPct val="15000"/>
+              <a:spcPct val="35000"/>
             </a:spcAft>
-            <a:buChar char="•"/>
           </a:pPr>
           <a:r>
-            <a:rPr lang="de-DE" sz="1050" kern="1200" dirty="0"/>
-            <a:t>Permanente Berechnung der </a:t>
+            <a:rPr lang="de-DE" sz="1600" kern="1200" dirty="0" smtClean="0"/>
+            <a:t>Geradeausfahrt</a:t>
           </a:r>
-          <a:r>
-            <a:rPr lang="de-DE" sz="1050" kern="1200" dirty="0" err="1"/>
-            <a:t>Geradensteigungen</a:t>
-          </a:r>
-          <a:endParaRPr lang="de-DE" sz="1050" kern="1200" dirty="0"/>
-        </a:p>
-        <a:p>
-          <a:pPr marL="57150" lvl="1" indent="-57150" algn="l" defTabSz="466725">
-            <a:lnSpc>
-              <a:spcPct val="90000"/>
-            </a:lnSpc>
-            <a:spcBef>
-              <a:spcPct val="0"/>
-            </a:spcBef>
-            <a:spcAft>
-              <a:spcPct val="15000"/>
-            </a:spcAft>
-            <a:buChar char="•"/>
-          </a:pPr>
-          <a:r>
-            <a:rPr lang="de-DE" sz="1050" kern="1200" dirty="0"/>
-            <a:t>Differenz der Steigungen liegt unterhalb von Grenzwert</a:t>
-          </a:r>
+          <a:endParaRPr lang="de-DE" sz="1600" kern="1200" dirty="0"/>
         </a:p>
       </dsp:txBody>
       <dsp:txXfrm>
-        <a:off x="2176430" y="52694"/>
-        <a:ext cx="2050543" cy="974177"/>
+        <a:off x="2123729" y="-7"/>
+        <a:ext cx="2155945" cy="1079579"/>
       </dsp:txXfrm>
     </dsp:sp>
     <dsp:sp modelId="{E04CC487-1C5B-45B6-8D5E-C8D4066D0943}">
@@ -5805,7 +5986,7 @@
         </a:bodyPr>
         <a:lstStyle/>
         <a:p>
-          <a:pPr marL="0" lvl="0" indent="0" algn="ctr" defTabSz="533400">
+          <a:pPr lvl="0" algn="ctr" defTabSz="533400">
             <a:lnSpc>
               <a:spcPct val="90000"/>
             </a:lnSpc>
@@ -5815,7 +5996,6 @@
             <a:spcAft>
               <a:spcPct val="35000"/>
             </a:spcAft>
-            <a:buNone/>
           </a:pPr>
           <a:r>
             <a:rPr lang="de-DE" sz="1200" kern="1200" dirty="0"/>
@@ -5824,8 +6004,8 @@
         </a:p>
       </dsp:txBody>
       <dsp:txXfrm>
-        <a:off x="4397816" y="1265966"/>
-        <a:ext cx="1786826" cy="773304"/>
+        <a:off x="4355982" y="1224132"/>
+        <a:ext cx="1870494" cy="856972"/>
       </dsp:txXfrm>
     </dsp:sp>
     <dsp:sp modelId="{5627CC50-5788-4218-BE49-84D13277FE07}">
@@ -5954,7 +6134,7 @@
         </a:bodyPr>
         <a:lstStyle/>
         <a:p>
-          <a:pPr marL="0" lvl="0" indent="0" algn="ctr" defTabSz="533400">
+          <a:pPr lvl="0" algn="ctr" defTabSz="533400">
             <a:lnSpc>
               <a:spcPct val="90000"/>
             </a:lnSpc>
@@ -5964,17 +6144,20 @@
             <a:spcAft>
               <a:spcPct val="35000"/>
             </a:spcAft>
-            <a:buNone/>
           </a:pPr>
           <a:r>
+            <a:rPr lang="de-DE" sz="1200" kern="1200" dirty="0" smtClean="0"/>
+            <a:t>Übergangsregler </a:t>
+          </a:r>
+          <a:r>
             <a:rPr lang="de-DE" sz="1200" kern="1200" dirty="0"/>
-            <a:t>Wechsel zu Übergangsregler für Kurveneintritt</a:t>
+            <a:t>für Kurveneintritt</a:t>
           </a:r>
         </a:p>
       </dsp:txBody>
       <dsp:txXfrm>
-        <a:off x="4469816" y="2562110"/>
-        <a:ext cx="1613045" cy="773304"/>
+        <a:off x="4427982" y="2520276"/>
+        <a:ext cx="1696713" cy="856972"/>
       </dsp:txXfrm>
     </dsp:sp>
     <dsp:sp modelId="{C2088CE8-813B-404D-9C15-5986F4B492B7}">
@@ -6098,12 +6281,12 @@
         </a:fontRef>
       </dsp:style>
       <dsp:txBody>
-        <a:bodyPr spcFirstLastPara="0" vert="horz" wrap="square" lIns="45720" tIns="45720" rIns="45720" bIns="45720" numCol="1" spcCol="1270" anchor="t" anchorCtr="0">
+        <a:bodyPr spcFirstLastPara="0" vert="horz" wrap="square" lIns="60960" tIns="60960" rIns="60960" bIns="60960" numCol="1" spcCol="1270" anchor="ctr" anchorCtr="0">
           <a:noAutofit/>
         </a:bodyPr>
         <a:lstStyle/>
         <a:p>
-          <a:pPr marL="0" lvl="0" indent="0" algn="l" defTabSz="533400">
+          <a:pPr lvl="0" algn="ctr" defTabSz="711200">
             <a:lnSpc>
               <a:spcPct val="90000"/>
             </a:lnSpc>
@@ -6113,15 +6296,15 @@
             <a:spcAft>
               <a:spcPct val="35000"/>
             </a:spcAft>
-            <a:buNone/>
           </a:pPr>
           <a:r>
-            <a:rPr lang="de-DE" sz="1200" kern="1200" dirty="0"/>
-            <a:t>Regler für Kurvenfahrt</a:t>
+            <a:rPr lang="de-DE" sz="1600" kern="1200" dirty="0"/>
+            <a:t>Regler für </a:t>
           </a:r>
+          <a:endParaRPr lang="de-DE" sz="1600" kern="1200" dirty="0" smtClean="0"/>
         </a:p>
         <a:p>
-          <a:pPr marL="57150" lvl="1" indent="-57150" algn="l" defTabSz="466725">
+          <a:pPr lvl="0" algn="ctr" defTabSz="711200">
             <a:lnSpc>
               <a:spcPct val="90000"/>
             </a:lnSpc>
@@ -6129,42 +6312,19 @@
               <a:spcPct val="0"/>
             </a:spcBef>
             <a:spcAft>
-              <a:spcPct val="15000"/>
+              <a:spcPct val="35000"/>
             </a:spcAft>
-            <a:buChar char="•"/>
           </a:pPr>
           <a:r>
-            <a:rPr lang="de-DE" sz="1050" kern="1200" dirty="0"/>
-            <a:t>Permanente Berechnung der </a:t>
+            <a:rPr lang="de-DE" sz="1600" kern="1200" dirty="0" smtClean="0"/>
+            <a:t>Kurvenfahrt</a:t>
           </a:r>
-          <a:r>
-            <a:rPr lang="de-DE" sz="1050" kern="1200" dirty="0" err="1"/>
-            <a:t>Geradensteigungen</a:t>
-          </a:r>
-          <a:endParaRPr lang="de-DE" sz="1050" kern="1200" dirty="0"/>
-        </a:p>
-        <a:p>
-          <a:pPr marL="57150" lvl="1" indent="-57150" algn="l" defTabSz="466725">
-            <a:lnSpc>
-              <a:spcPct val="90000"/>
-            </a:lnSpc>
-            <a:spcBef>
-              <a:spcPct val="0"/>
-            </a:spcBef>
-            <a:spcAft>
-              <a:spcPct val="15000"/>
-            </a:spcAft>
-            <a:buChar char="•"/>
-          </a:pPr>
-          <a:r>
-            <a:rPr lang="de-DE" sz="1050" kern="1200" dirty="0"/>
-            <a:t>Differenz der Steigungen liegt oberhalb von Grenzwert</a:t>
-          </a:r>
+          <a:endParaRPr lang="de-DE" sz="1600" kern="1200" dirty="0"/>
         </a:p>
       </dsp:txBody>
       <dsp:txXfrm>
-        <a:off x="2178450" y="3727125"/>
-        <a:ext cx="2135293" cy="1011583"/>
+        <a:off x="2123726" y="3672401"/>
+        <a:ext cx="2244741" cy="1121031"/>
       </dsp:txXfrm>
     </dsp:sp>
     <dsp:sp modelId="{0E8FB463-07BE-482A-BC43-61AF7FD595C1}">
@@ -6293,7 +6453,7 @@
         </a:bodyPr>
         <a:lstStyle/>
         <a:p>
-          <a:pPr marL="0" lvl="0" indent="0" algn="ctr" defTabSz="533400">
+          <a:pPr lvl="0" algn="ctr" defTabSz="533400">
             <a:lnSpc>
               <a:spcPct val="90000"/>
             </a:lnSpc>
@@ -6303,7 +6463,6 @@
             <a:spcAft>
               <a:spcPct val="35000"/>
             </a:spcAft>
-            <a:buNone/>
           </a:pPr>
           <a:r>
             <a:rPr lang="de-DE" sz="1200" kern="1200" dirty="0"/>
@@ -6312,8 +6471,8 @@
         </a:p>
       </dsp:txBody>
       <dsp:txXfrm>
-        <a:off x="437375" y="2562115"/>
-        <a:ext cx="1969796" cy="773304"/>
+        <a:off x="395541" y="2520281"/>
+        <a:ext cx="2053464" cy="856972"/>
       </dsp:txXfrm>
     </dsp:sp>
     <dsp:sp modelId="{92E93751-1EDC-4F0A-98BC-A5C9AA6C1D5F}">
@@ -6442,7 +6601,7 @@
         </a:bodyPr>
         <a:lstStyle/>
         <a:p>
-          <a:pPr marL="0" lvl="0" indent="0" algn="ctr" defTabSz="533400">
+          <a:pPr lvl="0" algn="ctr" defTabSz="533400">
             <a:lnSpc>
               <a:spcPct val="90000"/>
             </a:lnSpc>
@@ -6452,17 +6611,20 @@
             <a:spcAft>
               <a:spcPct val="35000"/>
             </a:spcAft>
-            <a:buNone/>
           </a:pPr>
           <a:r>
+            <a:rPr lang="de-DE" sz="1200" kern="1200" dirty="0" smtClean="0"/>
+            <a:t>Übergangsregler </a:t>
+          </a:r>
+          <a:r>
             <a:rPr lang="de-DE" sz="1200" kern="1200" dirty="0"/>
-            <a:t>Wechsel zu Übergangsregler für Kurvenaustritt</a:t>
+            <a:t>für Kurvenaustritt</a:t>
           </a:r>
         </a:p>
       </dsp:txBody>
       <dsp:txXfrm>
-        <a:off x="482162" y="1265971"/>
-        <a:ext cx="1741235" cy="773304"/>
+        <a:off x="440328" y="1224137"/>
+        <a:ext cx="1824903" cy="856972"/>
       </dsp:txXfrm>
     </dsp:sp>
     <dsp:sp modelId="{21E62269-EC77-4B92-819E-7AD572501D51}">
@@ -6532,7 +6694,7 @@
 </file>
 
 <file path=ppt/diagrams/drawing3.xml><?xml version="1.0" encoding="utf-8"?>
-<dsp:drawing xmlns:dgm="http://schemas.openxmlformats.org/drawingml/2006/diagram" xmlns:dsp="http://schemas.microsoft.com/office/drawing/2008/diagram" xmlns:a="http://schemas.openxmlformats.org/drawingml/2006/main">
+<dsp:drawing xmlns:dgm="http://schemas.openxmlformats.org/drawingml/2006/diagram" xmlns:a="http://schemas.openxmlformats.org/drawingml/2006/main" xmlns:dsp="http://schemas.microsoft.com/office/drawing/2008/diagram">
   <dsp:spTree>
     <dsp:nvGrpSpPr>
       <dsp:cNvPr id="0" name=""/>
@@ -6605,7 +6767,7 @@
         </a:bodyPr>
         <a:lstStyle/>
         <a:p>
-          <a:pPr marL="0" lvl="0" indent="0" algn="ctr" defTabSz="711200">
+          <a:pPr lvl="0" algn="ctr" defTabSz="711200">
             <a:lnSpc>
               <a:spcPct val="90000"/>
             </a:lnSpc>
@@ -6615,7 +6777,6 @@
             <a:spcAft>
               <a:spcPct val="35000"/>
             </a:spcAft>
-            <a:buNone/>
           </a:pPr>
           <a:r>
             <a:rPr lang="de-DE" sz="1600" kern="1200" dirty="0"/>
@@ -6624,8 +6785,8 @@
         </a:p>
       </dsp:txBody>
       <dsp:txXfrm>
-        <a:off x="27236" y="171255"/>
-        <a:ext cx="1348713" cy="875440"/>
+        <a:off x="0" y="144019"/>
+        <a:ext cx="1403185" cy="929912"/>
       </dsp:txXfrm>
     </dsp:sp>
     <dsp:sp modelId="{07284E07-4408-4BF2-9E53-8B0D5A353C3A}">
@@ -6690,7 +6851,7 @@
         </a:bodyPr>
         <a:lstStyle/>
         <a:p>
-          <a:pPr marL="0" lvl="0" indent="0" algn="ctr" defTabSz="889000">
+          <a:pPr lvl="0" algn="ctr" defTabSz="889000">
             <a:lnSpc>
               <a:spcPct val="90000"/>
             </a:lnSpc>
@@ -6700,14 +6861,13 @@
             <a:spcAft>
               <a:spcPct val="35000"/>
             </a:spcAft>
-            <a:buNone/>
           </a:pPr>
           <a:endParaRPr lang="de-DE" sz="2000" kern="1200"/>
         </a:p>
       </dsp:txBody>
-      <dsp:txXfrm>
-        <a:off x="1712303" y="454112"/>
-        <a:ext cx="580075" cy="329323"/>
+      <dsp:txXfrm rot="25898">
+        <a:off x="1712301" y="344958"/>
+        <a:ext cx="744736" cy="548871"/>
       </dsp:txXfrm>
     </dsp:sp>
     <dsp:sp modelId="{EB0F924E-08B8-4496-8F7C-D75A9D314B30}">
@@ -6776,7 +6936,7 @@
         </a:bodyPr>
         <a:lstStyle/>
         <a:p>
-          <a:pPr marL="0" lvl="0" indent="0" algn="ctr" defTabSz="711200">
+          <a:pPr lvl="0" algn="ctr" defTabSz="711200">
             <a:lnSpc>
               <a:spcPct val="90000"/>
             </a:lnSpc>
@@ -6786,7 +6946,6 @@
             <a:spcAft>
               <a:spcPct val="35000"/>
             </a:spcAft>
-            <a:buNone/>
           </a:pPr>
           <a:r>
             <a:rPr lang="de-DE" sz="1600" kern="1200" dirty="0"/>
@@ -6795,8 +6954,8 @@
         </a:p>
       </dsp:txBody>
       <dsp:txXfrm>
-        <a:off x="2836972" y="172683"/>
-        <a:ext cx="2201764" cy="921345"/>
+        <a:off x="2808308" y="144019"/>
+        <a:ext cx="2259092" cy="978673"/>
       </dsp:txXfrm>
     </dsp:sp>
     <dsp:sp modelId="{87601AF7-0F9F-46ED-B4EE-1B62860D4BA5}">
@@ -6861,7 +7020,7 @@
         </a:bodyPr>
         <a:lstStyle/>
         <a:p>
-          <a:pPr marL="0" lvl="0" indent="0" algn="ctr" defTabSz="889000">
+          <a:pPr lvl="0" algn="ctr" defTabSz="889000">
             <a:lnSpc>
               <a:spcPct val="90000"/>
             </a:lnSpc>
@@ -6871,14 +7030,13 @@
             <a:spcAft>
               <a:spcPct val="35000"/>
             </a:spcAft>
-            <a:buNone/>
           </a:pPr>
           <a:endParaRPr lang="de-DE" sz="2000" kern="1200"/>
         </a:p>
       </dsp:txBody>
-      <dsp:txXfrm>
-        <a:off x="5299115" y="454875"/>
-        <a:ext cx="393599" cy="329323"/>
+      <dsp:txXfrm rot="21569511">
+        <a:off x="5299112" y="344371"/>
+        <a:ext cx="558260" cy="548871"/>
       </dsp:txXfrm>
     </dsp:sp>
     <dsp:sp modelId="{3ECB9AC3-8324-4FBC-8785-044F1DD81182}">
@@ -6947,7 +7105,7 @@
         </a:bodyPr>
         <a:lstStyle/>
         <a:p>
-          <a:pPr marL="0" lvl="0" indent="0" algn="ctr" defTabSz="711200">
+          <a:pPr lvl="0" algn="ctr" defTabSz="711200">
             <a:lnSpc>
               <a:spcPct val="90000"/>
             </a:lnSpc>
@@ -6957,7 +7115,6 @@
             <a:spcAft>
               <a:spcPct val="35000"/>
             </a:spcAft>
-            <a:buNone/>
           </a:pPr>
           <a:r>
             <a:rPr lang="de-DE" sz="1600" kern="1200" dirty="0"/>
@@ -6971,8 +7128,8 @@
         </a:p>
       </dsp:txBody>
       <dsp:txXfrm>
-        <a:off x="6151855" y="103180"/>
-        <a:ext cx="2150843" cy="1002002"/>
+        <a:off x="6120681" y="72006"/>
+        <a:ext cx="2213191" cy="1064350"/>
       </dsp:txXfrm>
     </dsp:sp>
     <dsp:sp modelId="{57D1F035-83D0-404D-822E-A0E9FF1B02F1}">
@@ -7037,7 +7194,7 @@
         </a:bodyPr>
         <a:lstStyle/>
         <a:p>
-          <a:pPr marL="0" lvl="0" indent="0" algn="ctr" defTabSz="889000">
+          <a:pPr lvl="0" algn="ctr" defTabSz="889000">
             <a:lnSpc>
               <a:spcPct val="90000"/>
             </a:lnSpc>
@@ -7047,14 +7204,13 @@
             <a:spcAft>
               <a:spcPct val="35000"/>
             </a:spcAft>
-            <a:buNone/>
           </a:pPr>
           <a:endParaRPr lang="de-DE" sz="2000" kern="1200"/>
         </a:p>
       </dsp:txBody>
-      <dsp:txXfrm rot="-5400000">
-        <a:off x="7062616" y="1266560"/>
-        <a:ext cx="329323" cy="219570"/>
+      <dsp:txXfrm rot="5400000">
+        <a:off x="7070441" y="1148960"/>
+        <a:ext cx="313671" cy="548871"/>
       </dsp:txXfrm>
     </dsp:sp>
     <dsp:sp modelId="{0C959095-7882-4471-98AD-EDED72A06E2D}">
@@ -7123,7 +7279,7 @@
         </a:bodyPr>
         <a:lstStyle/>
         <a:p>
-          <a:pPr marL="0" lvl="0" indent="0" algn="ctr" defTabSz="711200">
+          <a:pPr lvl="0" algn="ctr" defTabSz="711200">
             <a:lnSpc>
               <a:spcPct val="90000"/>
             </a:lnSpc>
@@ -7133,7 +7289,6 @@
             <a:spcAft>
               <a:spcPct val="35000"/>
             </a:spcAft>
-            <a:buNone/>
           </a:pPr>
           <a:r>
             <a:rPr lang="de-DE" sz="1600" kern="1200" dirty="0"/>
@@ -7142,8 +7297,8 @@
         </a:p>
       </dsp:txBody>
       <dsp:txXfrm>
-        <a:off x="6151922" y="1759431"/>
-        <a:ext cx="2150709" cy="1004165"/>
+        <a:off x="6120681" y="1728190"/>
+        <a:ext cx="2213191" cy="1066647"/>
       </dsp:txXfrm>
     </dsp:sp>
     <dsp:sp modelId="{C187702E-51EF-4FC5-95AA-90B3C81FA086}">
@@ -7208,7 +7363,7 @@
         </a:bodyPr>
         <a:lstStyle/>
         <a:p>
-          <a:pPr marL="0" lvl="0" indent="0" algn="ctr" defTabSz="1111250">
+          <a:pPr lvl="0" algn="ctr" defTabSz="1111250">
             <a:lnSpc>
               <a:spcPct val="90000"/>
             </a:lnSpc>
@@ -7218,14 +7373,13 @@
             <a:spcAft>
               <a:spcPct val="35000"/>
             </a:spcAft>
-            <a:buNone/>
           </a:pPr>
           <a:endParaRPr lang="de-DE" sz="2500" kern="1200"/>
         </a:p>
       </dsp:txBody>
-      <dsp:txXfrm rot="10800000">
-        <a:off x="5598736" y="2087731"/>
-        <a:ext cx="327655" cy="329323"/>
+      <dsp:txXfrm rot="10821407">
+        <a:off x="5458313" y="1977520"/>
+        <a:ext cx="468079" cy="548871"/>
       </dsp:txXfrm>
     </dsp:sp>
     <dsp:sp modelId="{FAC03DC4-EE0B-4F48-810D-D7D90D29CDA7}">
@@ -7294,7 +7448,7 @@
         </a:bodyPr>
         <a:lstStyle/>
         <a:p>
-          <a:pPr marL="0" lvl="0" indent="0" algn="ctr" defTabSz="711200">
+          <a:pPr lvl="0" algn="ctr" defTabSz="711200">
             <a:lnSpc>
               <a:spcPct val="90000"/>
             </a:lnSpc>
@@ -7304,7 +7458,6 @@
             <a:spcAft>
               <a:spcPct val="35000"/>
             </a:spcAft>
-            <a:buNone/>
           </a:pPr>
           <a:r>
             <a:rPr lang="de-DE" sz="1600" kern="1200" dirty="0"/>
@@ -7313,8 +7466,8 @@
         </a:p>
       </dsp:txBody>
       <dsp:txXfrm>
-        <a:off x="3054449" y="1758308"/>
-        <a:ext cx="2152969" cy="967849"/>
+        <a:off x="3024338" y="1728197"/>
+        <a:ext cx="2213191" cy="1028071"/>
       </dsp:txXfrm>
     </dsp:sp>
     <dsp:sp modelId="{B11A5A4A-6892-4B2E-B725-ECE29BCF5F77}">
@@ -7379,7 +7532,7 @@
         </a:bodyPr>
         <a:lstStyle/>
         <a:p>
-          <a:pPr marL="0" lvl="0" indent="0" algn="ctr" defTabSz="1111250">
+          <a:pPr lvl="0" algn="ctr" defTabSz="1111250">
             <a:lnSpc>
               <a:spcPct val="90000"/>
             </a:lnSpc>
@@ -7389,14 +7542,13 @@
             <a:spcAft>
               <a:spcPct val="35000"/>
             </a:spcAft>
-            <a:buNone/>
           </a:pPr>
           <a:endParaRPr lang="de-DE" sz="2500" kern="1200"/>
         </a:p>
       </dsp:txBody>
-      <dsp:txXfrm rot="10800000">
-        <a:off x="2544948" y="2071186"/>
-        <a:ext cx="300938" cy="329323"/>
+      <dsp:txXfrm rot="10815290">
+        <a:off x="2415975" y="1961125"/>
+        <a:ext cx="429912" cy="548871"/>
       </dsp:txXfrm>
     </dsp:sp>
     <dsp:sp modelId="{25B326A3-A87D-4B61-8CBD-2F11BDEA96BC}">
@@ -7465,7 +7617,7 @@
         </a:bodyPr>
         <a:lstStyle/>
         <a:p>
-          <a:pPr marL="0" lvl="0" indent="0" algn="ctr" defTabSz="711200">
+          <a:pPr lvl="0" algn="ctr" defTabSz="711200">
             <a:lnSpc>
               <a:spcPct val="90000"/>
             </a:lnSpc>
@@ -7475,7 +7627,6 @@
             <a:spcAft>
               <a:spcPct val="35000"/>
             </a:spcAft>
-            <a:buNone/>
           </a:pPr>
           <a:r>
             <a:rPr lang="de-DE" sz="1600" kern="1200" dirty="0"/>
@@ -7484,8 +7635,8 @@
         </a:p>
       </dsp:txBody>
       <dsp:txXfrm>
-        <a:off x="29324" y="1757514"/>
-        <a:ext cx="2154543" cy="942533"/>
+        <a:off x="0" y="1728190"/>
+        <a:ext cx="2213191" cy="1001181"/>
       </dsp:txXfrm>
     </dsp:sp>
   </dsp:spTree>
@@ -12253,7 +12404,7 @@
     </p:spTree>
     <p:extLst>
       <p:ext uri="{BB962C8B-B14F-4D97-AF65-F5344CB8AC3E}">
-        <p14:creationId xmlns:p14="http://schemas.microsoft.com/office/powerpoint/2010/main" val="3306506664"/>
+        <p14:creationId xmlns:p14="http://schemas.microsoft.com/office/powerpoint/2010/main" xmlns="" val="3306506664"/>
       </p:ext>
     </p:extLst>
   </p:cSld>
@@ -12829,7 +12980,7 @@
     </p:spTree>
     <p:extLst>
       <p:ext uri="{BB962C8B-B14F-4D97-AF65-F5344CB8AC3E}">
-        <p14:creationId xmlns:p14="http://schemas.microsoft.com/office/powerpoint/2010/main" val="3290858648"/>
+        <p14:creationId xmlns:p14="http://schemas.microsoft.com/office/powerpoint/2010/main" xmlns="" val="3290858648"/>
       </p:ext>
     </p:extLst>
   </p:cSld>
@@ -13800,7 +13951,7 @@
     </p:spTree>
     <p:extLst>
       <p:ext uri="{BB962C8B-B14F-4D97-AF65-F5344CB8AC3E}">
-        <p14:creationId xmlns:p14="http://schemas.microsoft.com/office/powerpoint/2010/main" val="1472061649"/>
+        <p14:creationId xmlns:p14="http://schemas.microsoft.com/office/powerpoint/2010/main" xmlns="" val="1472061649"/>
       </p:ext>
     </p:extLst>
   </p:cSld>
@@ -13936,7 +14087,7 @@
     </p:spTree>
     <p:extLst>
       <p:ext uri="{BB962C8B-B14F-4D97-AF65-F5344CB8AC3E}">
-        <p14:creationId xmlns:p14="http://schemas.microsoft.com/office/powerpoint/2010/main" val="3579872104"/>
+        <p14:creationId xmlns:p14="http://schemas.microsoft.com/office/powerpoint/2010/main" xmlns="" val="3579872104"/>
       </p:ext>
     </p:extLst>
   </p:cSld>
@@ -14761,7 +14912,7 @@
     </p:spTree>
     <p:extLst>
       <p:ext uri="{BB962C8B-B14F-4D97-AF65-F5344CB8AC3E}">
-        <p14:creationId xmlns:p14="http://schemas.microsoft.com/office/powerpoint/2010/main" val="4086205857"/>
+        <p14:creationId xmlns:p14="http://schemas.microsoft.com/office/powerpoint/2010/main" xmlns="" val="4086205857"/>
       </p:ext>
     </p:extLst>
   </p:cSld>
@@ -15030,7 +15181,7 @@
     </p:spTree>
     <p:extLst>
       <p:ext uri="{BB962C8B-B14F-4D97-AF65-F5344CB8AC3E}">
-        <p14:creationId xmlns:p14="http://schemas.microsoft.com/office/powerpoint/2010/main" val="3979630434"/>
+        <p14:creationId xmlns:p14="http://schemas.microsoft.com/office/powerpoint/2010/main" xmlns="" val="3979630434"/>
       </p:ext>
     </p:extLst>
   </p:cSld>
@@ -15166,7 +15317,7 @@
     </p:spTree>
     <p:extLst>
       <p:ext uri="{BB962C8B-B14F-4D97-AF65-F5344CB8AC3E}">
-        <p14:creationId xmlns:p14="http://schemas.microsoft.com/office/powerpoint/2010/main" val="894590783"/>
+        <p14:creationId xmlns:p14="http://schemas.microsoft.com/office/powerpoint/2010/main" xmlns="" val="894590783"/>
       </p:ext>
     </p:extLst>
   </p:cSld>
@@ -15302,7 +15453,7 @@
     </p:spTree>
     <p:extLst>
       <p:ext uri="{BB962C8B-B14F-4D97-AF65-F5344CB8AC3E}">
-        <p14:creationId xmlns:p14="http://schemas.microsoft.com/office/powerpoint/2010/main" val="894590783"/>
+        <p14:creationId xmlns:p14="http://schemas.microsoft.com/office/powerpoint/2010/main" xmlns="" val="894590783"/>
       </p:ext>
     </p:extLst>
   </p:cSld>
@@ -15438,7 +15589,7 @@
     </p:spTree>
     <p:extLst>
       <p:ext uri="{BB962C8B-B14F-4D97-AF65-F5344CB8AC3E}">
-        <p14:creationId xmlns:p14="http://schemas.microsoft.com/office/powerpoint/2010/main" val="894590783"/>
+        <p14:creationId xmlns:p14="http://schemas.microsoft.com/office/powerpoint/2010/main" xmlns="" val="894590783"/>
       </p:ext>
     </p:extLst>
   </p:cSld>
@@ -15574,7 +15725,7 @@
     </p:spTree>
     <p:extLst>
       <p:ext uri="{BB962C8B-B14F-4D97-AF65-F5344CB8AC3E}">
-        <p14:creationId xmlns:p14="http://schemas.microsoft.com/office/powerpoint/2010/main" val="894590783"/>
+        <p14:creationId xmlns:p14="http://schemas.microsoft.com/office/powerpoint/2010/main" xmlns="" val="894590783"/>
       </p:ext>
     </p:extLst>
   </p:cSld>
@@ -15710,7 +15861,7 @@
     </p:spTree>
     <p:extLst>
       <p:ext uri="{BB962C8B-B14F-4D97-AF65-F5344CB8AC3E}">
-        <p14:creationId xmlns:p14="http://schemas.microsoft.com/office/powerpoint/2010/main" val="894590783"/>
+        <p14:creationId xmlns:p14="http://schemas.microsoft.com/office/powerpoint/2010/main" xmlns="" val="894590783"/>
       </p:ext>
     </p:extLst>
   </p:cSld>
@@ -20256,7 +20407,7 @@
                 <a:buFont typeface="Arial" pitchFamily="34" charset="0"/>
                 <a:buNone/>
               </a:pPr>
-              <a:t>7. März 2019</a:t>
+              <a:t>8. März 2019</a:t>
             </a:fld>
             <a:r>
               <a:rPr kumimoji="0" lang="en-US" sz="1100" b="0" i="0" u="none" strike="noStrike" kern="1200" cap="none" spc="0" normalizeH="0" baseline="0" noProof="0" dirty="0">
@@ -21057,6 +21208,13 @@
     <a:masterClrMapping/>
   </p:clrMapOvr>
   <p:transition/>
+  <p:timing>
+    <p:tnLst>
+      <p:par>
+        <p:cTn id="1" dur="indefinite" restart="never" nodeType="tmRoot"/>
+      </p:par>
+    </p:tnLst>
+  </p:timing>
 </p:sld>
 </file>
 
@@ -21201,7 +21359,7 @@
           <p:nvPr>
             <p:extLst>
               <p:ext uri="{D42A27DB-BD31-4B8C-83A1-F6EECF244321}">
-                <p14:modId xmlns:p14="http://schemas.microsoft.com/office/powerpoint/2010/main" val="1294336154"/>
+                <p14:modId xmlns:p14="http://schemas.microsoft.com/office/powerpoint/2010/main" xmlns="" val="1294336154"/>
               </p:ext>
             </p:extLst>
           </p:nvPr>
@@ -21220,14 +21378,14 @@
                 <a:gridCol w="3996444">
                   <a:extLst>
                     <a:ext uri="{9D8B030D-6E8A-4147-A177-3AD203B41FA5}">
-                      <a16:colId xmlns:a16="http://schemas.microsoft.com/office/drawing/2014/main" val="20000"/>
+                      <a16:colId xmlns:a16="http://schemas.microsoft.com/office/drawing/2014/main" xmlns="" val="20000"/>
                     </a:ext>
                   </a:extLst>
                 </a:gridCol>
                 <a:gridCol w="3996444">
                   <a:extLst>
                     <a:ext uri="{9D8B030D-6E8A-4147-A177-3AD203B41FA5}">
-                      <a16:colId xmlns:a16="http://schemas.microsoft.com/office/drawing/2014/main" val="20001"/>
+                      <a16:colId xmlns:a16="http://schemas.microsoft.com/office/drawing/2014/main" xmlns="" val="20001"/>
                     </a:ext>
                   </a:extLst>
                 </a:gridCol>
@@ -21266,7 +21424,7 @@
                 </a:tc>
                 <a:extLst>
                   <a:ext uri="{0D108BD9-81ED-4DB2-BD59-A6C34878D82A}">
-                    <a16:rowId xmlns:a16="http://schemas.microsoft.com/office/drawing/2014/main" val="10000"/>
+                    <a16:rowId xmlns:a16="http://schemas.microsoft.com/office/drawing/2014/main" xmlns="" val="10000"/>
                   </a:ext>
                 </a:extLst>
               </a:tr>
@@ -21363,7 +21521,7 @@
                 </a:tc>
                 <a:extLst>
                   <a:ext uri="{0D108BD9-81ED-4DB2-BD59-A6C34878D82A}">
-                    <a16:rowId xmlns:a16="http://schemas.microsoft.com/office/drawing/2014/main" val="10001"/>
+                    <a16:rowId xmlns:a16="http://schemas.microsoft.com/office/drawing/2014/main" xmlns="" val="10001"/>
                   </a:ext>
                 </a:extLst>
               </a:tr>
@@ -21376,6 +21534,13 @@
   <p:clrMapOvr>
     <a:masterClrMapping/>
   </p:clrMapOvr>
+  <p:timing>
+    <p:tnLst>
+      <p:par>
+        <p:cTn id="1" dur="indefinite" restart="never" nodeType="tmRoot"/>
+      </p:par>
+    </p:tnLst>
+  </p:timing>
 </p:sld>
 </file>
 
@@ -21506,6 +21671,13 @@
   <p:clrMapOvr>
     <a:masterClrMapping/>
   </p:clrMapOvr>
+  <p:timing>
+    <p:tnLst>
+      <p:par>
+        <p:cTn id="1" dur="indefinite" restart="never" nodeType="tmRoot"/>
+      </p:par>
+    </p:tnLst>
+  </p:timing>
 </p:sld>
 </file>
 
@@ -21825,6 +21997,13 @@
   <p:clrMapOvr>
     <a:masterClrMapping/>
   </p:clrMapOvr>
+  <p:timing>
+    <p:tnLst>
+      <p:par>
+        <p:cTn id="1" dur="indefinite" restart="never" nodeType="tmRoot"/>
+      </p:par>
+    </p:tnLst>
+  </p:timing>
 </p:sld>
 </file>
 
@@ -21975,6 +22154,13 @@
   <p:clrMapOvr>
     <a:masterClrMapping/>
   </p:clrMapOvr>
+  <p:timing>
+    <p:tnLst>
+      <p:par>
+        <p:cTn id="1" dur="indefinite" restart="never" nodeType="tmRoot"/>
+      </p:par>
+    </p:tnLst>
+  </p:timing>
 </p:sld>
 </file>
 
@@ -22089,6 +22275,13 @@
   <p:clrMapOvr>
     <a:masterClrMapping/>
   </p:clrMapOvr>
+  <p:timing>
+    <p:tnLst>
+      <p:par>
+        <p:cTn id="1" dur="indefinite" restart="never" nodeType="tmRoot"/>
+      </p:par>
+    </p:tnLst>
+  </p:timing>
 </p:sld>
 </file>
 
@@ -22253,6 +22446,13 @@
   <p:clrMapOvr>
     <a:masterClrMapping/>
   </p:clrMapOvr>
+  <p:timing>
+    <p:tnLst>
+      <p:par>
+        <p:cTn id="1" dur="indefinite" restart="never" nodeType="tmRoot"/>
+      </p:par>
+    </p:tnLst>
+  </p:timing>
 </p:sld>
 </file>
 
@@ -22363,6 +22563,13 @@
   <p:clrMapOvr>
     <a:masterClrMapping/>
   </p:clrMapOvr>
+  <p:timing>
+    <p:tnLst>
+      <p:par>
+        <p:cTn id="1" dur="indefinite" restart="never" nodeType="tmRoot"/>
+      </p:par>
+    </p:tnLst>
+  </p:timing>
 </p:sld>
 </file>
 
@@ -22399,9 +22606,38 @@
           <a:lstStyle/>
           <a:p>
             <a:r>
-              <a:rPr lang="en-US" dirty="0"/>
-              <a:t>AUDO - Autonomous Unmanned Driving Object</a:t>
-            </a:r>
+              <a:rPr lang="en-US" dirty="0" smtClean="0"/>
+              <a:t>Team AUDO </a:t>
+            </a:r>
+            <a:r>
+              <a:rPr lang="en-US" dirty="0" err="1" smtClean="0"/>
+              <a:t>dankt</a:t>
+            </a:r>
+            <a:r>
+              <a:rPr lang="en-US" dirty="0" smtClean="0"/>
+              <a:t> </a:t>
+            </a:r>
+            <a:r>
+              <a:rPr lang="en-US" dirty="0" err="1" smtClean="0"/>
+              <a:t>für</a:t>
+            </a:r>
+            <a:r>
+              <a:rPr lang="en-US" dirty="0" smtClean="0"/>
+              <a:t> </a:t>
+            </a:r>
+            <a:r>
+              <a:rPr lang="en-US" dirty="0" err="1" smtClean="0"/>
+              <a:t>Ihre</a:t>
+            </a:r>
+            <a:r>
+              <a:rPr lang="en-US" dirty="0" smtClean="0"/>
+              <a:t> </a:t>
+            </a:r>
+            <a:r>
+              <a:rPr lang="en-US" dirty="0" err="1" smtClean="0"/>
+              <a:t>Aufmerksamkeit</a:t>
+            </a:r>
+            <a:endParaRPr lang="en-US" dirty="0"/>
           </a:p>
         </p:txBody>
       </p:sp>
@@ -22603,7 +22839,7 @@
           <a:blip r:embed="rId3" cstate="print">
             <a:extLst>
               <a:ext uri="{28A0092B-C50C-407E-A947-70E740481C1C}">
-                <a14:useLocalDpi xmlns:a14="http://schemas.microsoft.com/office/drawing/2010/main" val="0"/>
+                <a14:useLocalDpi xmlns:a14="http://schemas.microsoft.com/office/drawing/2010/main" xmlns="" val="0"/>
               </a:ext>
             </a:extLst>
           </a:blip>
@@ -22623,7 +22859,7 @@
           <a:noFill/>
           <a:extLst>
             <a:ext uri="{909E8E84-426E-40DD-AFC4-6F175D3DCCD1}">
-              <a14:hiddenFill xmlns:a14="http://schemas.microsoft.com/office/drawing/2010/main">
+              <a14:hiddenFill xmlns:a14="http://schemas.microsoft.com/office/drawing/2010/main" xmlns="">
                 <a:solidFill>
                   <a:srgbClr val="FFFFFF"/>
                 </a:solidFill>
@@ -22632,29 +22868,10 @@
           </a:extLst>
         </p:spPr>
       </p:pic>
-      <p:sp>
-        <p:nvSpPr>
-          <p:cNvPr id="2" name="Inhaltsplatzhalter 1"/>
-          <p:cNvSpPr>
-            <a:spLocks noGrp="1"/>
-          </p:cNvSpPr>
-          <p:nvPr>
-            <p:ph idx="1"/>
-          </p:nvPr>
-        </p:nvSpPr>
-        <p:spPr/>
-        <p:txBody>
-          <a:bodyPr/>
-          <a:lstStyle/>
-          <a:p>
-            <a:endParaRPr lang="de-DE"/>
-          </a:p>
-        </p:txBody>
-      </p:sp>
     </p:spTree>
     <p:extLst>
       <p:ext uri="{BB962C8B-B14F-4D97-AF65-F5344CB8AC3E}">
-        <p14:creationId xmlns:p14="http://schemas.microsoft.com/office/powerpoint/2010/main" val="785031693"/>
+        <p14:creationId xmlns:p14="http://schemas.microsoft.com/office/powerpoint/2010/main" xmlns="" val="785031693"/>
       </p:ext>
     </p:extLst>
   </p:cSld>
@@ -22662,6 +22879,13 @@
     <a:masterClrMapping/>
   </p:clrMapOvr>
   <p:transition/>
+  <p:timing>
+    <p:tnLst>
+      <p:par>
+        <p:cTn id="1" dur="indefinite" restart="never" nodeType="tmRoot"/>
+      </p:par>
+    </p:tnLst>
+  </p:timing>
 </p:sld>
 </file>
 
@@ -22687,7 +22911,7 @@
           <p:cNvPr id="2" name="Titel 1">
             <a:extLst>
               <a:ext uri="{FF2B5EF4-FFF2-40B4-BE49-F238E27FC236}">
-                <a16:creationId xmlns:a16="http://schemas.microsoft.com/office/drawing/2014/main" id="{24452668-05B8-45C3-9C30-2FC567BF5B34}"/>
+                <a16:creationId xmlns:a16="http://schemas.microsoft.com/office/drawing/2014/main" xmlns="" id="{24452668-05B8-45C3-9C30-2FC567BF5B34}"/>
               </a:ext>
             </a:extLst>
           </p:cNvPr>
@@ -22716,7 +22940,7 @@
           <p:cNvPr id="3" name="Inhaltsplatzhalter 2">
             <a:extLst>
               <a:ext uri="{FF2B5EF4-FFF2-40B4-BE49-F238E27FC236}">
-                <a16:creationId xmlns:a16="http://schemas.microsoft.com/office/drawing/2014/main" id="{6F95FF9C-402A-4AAD-8E88-8EE33D2499FD}"/>
+                <a16:creationId xmlns:a16="http://schemas.microsoft.com/office/drawing/2014/main" xmlns="" id="{6F95FF9C-402A-4AAD-8E88-8EE33D2499FD}"/>
               </a:ext>
             </a:extLst>
           </p:cNvPr>
@@ -22856,13 +23080,20 @@
     </p:spTree>
     <p:extLst>
       <p:ext uri="{BB962C8B-B14F-4D97-AF65-F5344CB8AC3E}">
-        <p14:creationId xmlns:p14="http://schemas.microsoft.com/office/powerpoint/2010/main" val="2622745934"/>
+        <p14:creationId xmlns:p14="http://schemas.microsoft.com/office/powerpoint/2010/main" xmlns="" val="2622745934"/>
       </p:ext>
     </p:extLst>
   </p:cSld>
   <p:clrMapOvr>
     <a:masterClrMapping/>
   </p:clrMapOvr>
+  <p:timing>
+    <p:tnLst>
+      <p:par>
+        <p:cTn id="1" dur="indefinite" restart="never" nodeType="tmRoot"/>
+      </p:par>
+    </p:tnLst>
+  </p:timing>
 </p:sld>
 </file>
 
@@ -22962,7 +23193,7 @@
           <a:blip r:embed="rId2" cstate="print">
             <a:extLst>
               <a:ext uri="{28A0092B-C50C-407E-A947-70E740481C1C}">
-                <a14:useLocalDpi xmlns:a14="http://schemas.microsoft.com/office/drawing/2010/main" val="0"/>
+                <a14:useLocalDpi xmlns:a14="http://schemas.microsoft.com/office/drawing/2010/main" xmlns="" val="0"/>
               </a:ext>
             </a:extLst>
           </a:blip>
@@ -22982,7 +23213,7 @@
           <a:noFill/>
           <a:extLst>
             <a:ext uri="{909E8E84-426E-40DD-AFC4-6F175D3DCCD1}">
-              <a14:hiddenFill xmlns:a14="http://schemas.microsoft.com/office/drawing/2010/main">
+              <a14:hiddenFill xmlns:a14="http://schemas.microsoft.com/office/drawing/2010/main" xmlns="">
                 <a:solidFill>
                   <a:srgbClr val="FFFFFF"/>
                 </a:solidFill>
@@ -22994,13 +23225,20 @@
     </p:spTree>
     <p:extLst>
       <p:ext uri="{BB962C8B-B14F-4D97-AF65-F5344CB8AC3E}">
-        <p14:creationId xmlns:p14="http://schemas.microsoft.com/office/powerpoint/2010/main" val="983291378"/>
+        <p14:creationId xmlns:p14="http://schemas.microsoft.com/office/powerpoint/2010/main" xmlns="" val="983291378"/>
       </p:ext>
     </p:extLst>
   </p:cSld>
   <p:clrMapOvr>
     <a:masterClrMapping/>
   </p:clrMapOvr>
+  <p:timing>
+    <p:tnLst>
+      <p:par>
+        <p:cTn id="1" dur="indefinite" restart="never" nodeType="tmRoot"/>
+      </p:par>
+    </p:tnLst>
+  </p:timing>
 </p:sld>
 </file>
 
@@ -23096,7 +23334,7 @@
           <a:blip r:embed="rId2" cstate="print">
             <a:extLst>
               <a:ext uri="{28A0092B-C50C-407E-A947-70E740481C1C}">
-                <a14:useLocalDpi xmlns:a14="http://schemas.microsoft.com/office/drawing/2010/main" val="0"/>
+                <a14:useLocalDpi xmlns:a14="http://schemas.microsoft.com/office/drawing/2010/main" xmlns="" val="0"/>
               </a:ext>
             </a:extLst>
           </a:blip>
@@ -23116,7 +23354,7 @@
           <a:noFill/>
           <a:extLst>
             <a:ext uri="{909E8E84-426E-40DD-AFC4-6F175D3DCCD1}">
-              <a14:hiddenFill xmlns:a14="http://schemas.microsoft.com/office/drawing/2010/main">
+              <a14:hiddenFill xmlns:a14="http://schemas.microsoft.com/office/drawing/2010/main" xmlns="">
                 <a:solidFill>
                   <a:srgbClr val="FFFFFF"/>
                 </a:solidFill>
@@ -23128,13 +23366,20 @@
     </p:spTree>
     <p:extLst>
       <p:ext uri="{BB962C8B-B14F-4D97-AF65-F5344CB8AC3E}">
-        <p14:creationId xmlns:p14="http://schemas.microsoft.com/office/powerpoint/2010/main" val="617314025"/>
+        <p14:creationId xmlns:p14="http://schemas.microsoft.com/office/powerpoint/2010/main" xmlns="" val="617314025"/>
       </p:ext>
     </p:extLst>
   </p:cSld>
   <p:clrMapOvr>
     <a:masterClrMapping/>
   </p:clrMapOvr>
+  <p:timing>
+    <p:tnLst>
+      <p:par>
+        <p:cTn id="1" dur="indefinite" restart="never" nodeType="tmRoot"/>
+      </p:par>
+    </p:tnLst>
+  </p:timing>
 </p:sld>
 </file>
 
@@ -23276,6 +23521,13 @@
   <p:clrMapOvr>
     <a:masterClrMapping/>
   </p:clrMapOvr>
+  <p:timing>
+    <p:tnLst>
+      <p:par>
+        <p:cTn id="1" dur="indefinite" restart="never" nodeType="tmRoot"/>
+      </p:par>
+    </p:tnLst>
+  </p:timing>
 </p:sld>
 </file>
 
@@ -23331,7 +23583,7 @@
           <p:cNvPr id="14" name="Inhaltsplatzhalter 3">
             <a:extLst>
               <a:ext uri="{FF2B5EF4-FFF2-40B4-BE49-F238E27FC236}">
-                <a16:creationId xmlns:a16="http://schemas.microsoft.com/office/drawing/2014/main" id="{623B82DC-64DB-4354-8E55-304B35AF71D9}"/>
+                <a16:creationId xmlns:a16="http://schemas.microsoft.com/office/drawing/2014/main" xmlns="" id="{623B82DC-64DB-4354-8E55-304B35AF71D9}"/>
               </a:ext>
             </a:extLst>
           </p:cNvPr>
@@ -23342,7 +23594,7 @@
             <p:ph idx="1"/>
             <p:extLst>
               <p:ext uri="{D42A27DB-BD31-4B8C-83A1-F6EECF244321}">
-                <p14:modId xmlns:p14="http://schemas.microsoft.com/office/powerpoint/2010/main" val="2214531670"/>
+                <p14:modId xmlns:p14="http://schemas.microsoft.com/office/powerpoint/2010/main" xmlns="" val="2214531670"/>
               </p:ext>
             </p:extLst>
           </p:nvPr>
@@ -23362,7 +23614,7 @@
           <p:cNvPr id="4" name="Grafik 3">
             <a:extLst>
               <a:ext uri="{FF2B5EF4-FFF2-40B4-BE49-F238E27FC236}">
-                <a16:creationId xmlns:a16="http://schemas.microsoft.com/office/drawing/2014/main" id="{081E4E9B-4EBD-4141-91E8-D33E8998BBF2}"/>
+                <a16:creationId xmlns:a16="http://schemas.microsoft.com/office/drawing/2014/main" xmlns="" id="{081E4E9B-4EBD-4141-91E8-D33E8998BBF2}"/>
               </a:ext>
             </a:extLst>
           </p:cNvPr>
@@ -23372,10 +23624,10 @@
           <p:nvPr/>
         </p:nvPicPr>
         <p:blipFill rotWithShape="1">
-          <a:blip r:embed="rId8">
+          <a:blip r:embed="rId8" cstate="print">
             <a:extLst>
               <a:ext uri="{28A0092B-C50C-407E-A947-70E740481C1C}">
-                <a14:useLocalDpi xmlns:a14="http://schemas.microsoft.com/office/drawing/2010/main" val="0"/>
+                <a14:useLocalDpi xmlns:a14="http://schemas.microsoft.com/office/drawing/2010/main" xmlns="" val="0"/>
               </a:ext>
             </a:extLst>
           </a:blip>
@@ -23397,6 +23649,13 @@
   <p:clrMapOvr>
     <a:masterClrMapping/>
   </p:clrMapOvr>
+  <p:timing>
+    <p:tnLst>
+      <p:par>
+        <p:cTn id="1" dur="indefinite" restart="never" nodeType="tmRoot"/>
+      </p:par>
+    </p:tnLst>
+  </p:timing>
 </p:sld>
 </file>
 
@@ -23422,7 +23681,7 @@
           <p:cNvPr id="2" name="Titel 1">
             <a:extLst>
               <a:ext uri="{FF2B5EF4-FFF2-40B4-BE49-F238E27FC236}">
-                <a16:creationId xmlns:a16="http://schemas.microsoft.com/office/drawing/2014/main" id="{247A9A6B-698B-4DF4-ACE3-268B29758689}"/>
+                <a16:creationId xmlns:a16="http://schemas.microsoft.com/office/drawing/2014/main" xmlns="" id="{247A9A6B-698B-4DF4-ACE3-268B29758689}"/>
               </a:ext>
             </a:extLst>
           </p:cNvPr>
@@ -23450,7 +23709,7 @@
           <p:cNvPr id="5" name="Inhaltsplatzhalter 4">
             <a:extLst>
               <a:ext uri="{FF2B5EF4-FFF2-40B4-BE49-F238E27FC236}">
-                <a16:creationId xmlns:a16="http://schemas.microsoft.com/office/drawing/2014/main" id="{1C669BFA-9CFF-4C78-AC36-F65950F23075}"/>
+                <a16:creationId xmlns:a16="http://schemas.microsoft.com/office/drawing/2014/main" xmlns="" id="{1C669BFA-9CFF-4C78-AC36-F65950F23075}"/>
               </a:ext>
             </a:extLst>
           </p:cNvPr>
@@ -23462,10 +23721,10 @@
           </p:nvPr>
         </p:nvPicPr>
         <p:blipFill rotWithShape="1">
-          <a:blip r:embed="rId2">
+          <a:blip r:embed="rId2" cstate="print">
             <a:extLst>
               <a:ext uri="{28A0092B-C50C-407E-A947-70E740481C1C}">
-                <a14:useLocalDpi xmlns:a14="http://schemas.microsoft.com/office/drawing/2010/main" val="0"/>
+                <a14:useLocalDpi xmlns:a14="http://schemas.microsoft.com/office/drawing/2010/main" xmlns="" val="0"/>
               </a:ext>
             </a:extLst>
           </a:blip>
@@ -23484,7 +23743,7 @@
           <p:cNvPr id="7" name="Grafik 6">
             <a:extLst>
               <a:ext uri="{FF2B5EF4-FFF2-40B4-BE49-F238E27FC236}">
-                <a16:creationId xmlns:a16="http://schemas.microsoft.com/office/drawing/2014/main" id="{B61EC954-8338-4C06-8163-37CCA75347BF}"/>
+                <a16:creationId xmlns:a16="http://schemas.microsoft.com/office/drawing/2014/main" xmlns="" id="{B61EC954-8338-4C06-8163-37CCA75347BF}"/>
               </a:ext>
             </a:extLst>
           </p:cNvPr>
@@ -23494,10 +23753,10 @@
           <p:nvPr/>
         </p:nvPicPr>
         <p:blipFill rotWithShape="1">
-          <a:blip r:embed="rId3">
+          <a:blip r:embed="rId3" cstate="print">
             <a:extLst>
               <a:ext uri="{28A0092B-C50C-407E-A947-70E740481C1C}">
-                <a14:useLocalDpi xmlns:a14="http://schemas.microsoft.com/office/drawing/2010/main" val="0"/>
+                <a14:useLocalDpi xmlns:a14="http://schemas.microsoft.com/office/drawing/2010/main" xmlns="" val="0"/>
               </a:ext>
             </a:extLst>
           </a:blip>
@@ -23519,7 +23778,7 @@
           <p:cNvPr id="9" name="Grafik 8">
             <a:extLst>
               <a:ext uri="{FF2B5EF4-FFF2-40B4-BE49-F238E27FC236}">
-                <a16:creationId xmlns:a16="http://schemas.microsoft.com/office/drawing/2014/main" id="{EF11AD39-FAF1-4ADE-B5E7-8A311990582C}"/>
+                <a16:creationId xmlns:a16="http://schemas.microsoft.com/office/drawing/2014/main" xmlns="" id="{EF11AD39-FAF1-4ADE-B5E7-8A311990582C}"/>
               </a:ext>
             </a:extLst>
           </p:cNvPr>
@@ -23529,10 +23788,10 @@
           <p:nvPr/>
         </p:nvPicPr>
         <p:blipFill rotWithShape="1">
-          <a:blip r:embed="rId4">
+          <a:blip r:embed="rId4" cstate="print">
             <a:extLst>
               <a:ext uri="{28A0092B-C50C-407E-A947-70E740481C1C}">
-                <a14:useLocalDpi xmlns:a14="http://schemas.microsoft.com/office/drawing/2010/main" val="0"/>
+                <a14:useLocalDpi xmlns:a14="http://schemas.microsoft.com/office/drawing/2010/main" xmlns="" val="0"/>
               </a:ext>
             </a:extLst>
           </a:blip>
@@ -23554,7 +23813,7 @@
           <p:cNvPr id="10" name="Rechteck 9">
             <a:extLst>
               <a:ext uri="{FF2B5EF4-FFF2-40B4-BE49-F238E27FC236}">
-                <a16:creationId xmlns:a16="http://schemas.microsoft.com/office/drawing/2014/main" id="{D921D51B-934E-4631-B332-906F4BBF8930}"/>
+                <a16:creationId xmlns:a16="http://schemas.microsoft.com/office/drawing/2014/main" xmlns="" id="{D921D51B-934E-4631-B332-906F4BBF8930}"/>
               </a:ext>
             </a:extLst>
           </p:cNvPr>
@@ -23596,7 +23855,7 @@
           <p:cNvPr id="11" name="Rechteck 10">
             <a:extLst>
               <a:ext uri="{FF2B5EF4-FFF2-40B4-BE49-F238E27FC236}">
-                <a16:creationId xmlns:a16="http://schemas.microsoft.com/office/drawing/2014/main" id="{055B45F7-A38F-441C-83E1-B521F024BB16}"/>
+                <a16:creationId xmlns:a16="http://schemas.microsoft.com/office/drawing/2014/main" xmlns="" id="{055B45F7-A38F-441C-83E1-B521F024BB16}"/>
               </a:ext>
             </a:extLst>
           </p:cNvPr>
@@ -23663,7 +23922,7 @@
           <p:cNvPr id="14" name="Rechteck 13">
             <a:extLst>
               <a:ext uri="{FF2B5EF4-FFF2-40B4-BE49-F238E27FC236}">
-                <a16:creationId xmlns:a16="http://schemas.microsoft.com/office/drawing/2014/main" id="{3DD0833F-3D4B-48D4-B880-FA4DC1B1E535}"/>
+                <a16:creationId xmlns:a16="http://schemas.microsoft.com/office/drawing/2014/main" xmlns="" id="{3DD0833F-3D4B-48D4-B880-FA4DC1B1E535}"/>
               </a:ext>
             </a:extLst>
           </p:cNvPr>
@@ -23745,13 +24004,20 @@
     </p:spTree>
     <p:extLst>
       <p:ext uri="{BB962C8B-B14F-4D97-AF65-F5344CB8AC3E}">
-        <p14:creationId xmlns:p14="http://schemas.microsoft.com/office/powerpoint/2010/main" val="770090854"/>
+        <p14:creationId xmlns:p14="http://schemas.microsoft.com/office/powerpoint/2010/main" xmlns="" val="770090854"/>
       </p:ext>
     </p:extLst>
   </p:cSld>
   <p:clrMapOvr>
     <a:masterClrMapping/>
   </p:clrMapOvr>
+  <p:timing>
+    <p:tnLst>
+      <p:par>
+        <p:cTn id="1" dur="indefinite" restart="never" nodeType="tmRoot"/>
+      </p:par>
+    </p:tnLst>
+  </p:timing>
 </p:sld>
 </file>
 
@@ -23777,7 +24043,7 @@
           <p:cNvPr id="2" name="Titel 1">
             <a:extLst>
               <a:ext uri="{FF2B5EF4-FFF2-40B4-BE49-F238E27FC236}">
-                <a16:creationId xmlns:a16="http://schemas.microsoft.com/office/drawing/2014/main" id="{328FA504-BD92-4FFE-856A-910D42D80ECB}"/>
+                <a16:creationId xmlns:a16="http://schemas.microsoft.com/office/drawing/2014/main" xmlns="" id="{328FA504-BD92-4FFE-856A-910D42D80ECB}"/>
               </a:ext>
             </a:extLst>
           </p:cNvPr>
@@ -23805,7 +24071,7 @@
           <p:cNvPr id="5" name="Inhaltsplatzhalter 4">
             <a:extLst>
               <a:ext uri="{FF2B5EF4-FFF2-40B4-BE49-F238E27FC236}">
-                <a16:creationId xmlns:a16="http://schemas.microsoft.com/office/drawing/2014/main" id="{155FDAF9-34A5-473F-B86E-A4D3400806FF}"/>
+                <a16:creationId xmlns:a16="http://schemas.microsoft.com/office/drawing/2014/main" xmlns="" id="{155FDAF9-34A5-473F-B86E-A4D3400806FF}"/>
               </a:ext>
             </a:extLst>
           </p:cNvPr>
@@ -23858,7 +24124,7 @@
           <p:cNvPr id="4" name="Grafik 3">
             <a:extLst>
               <a:ext uri="{FF2B5EF4-FFF2-40B4-BE49-F238E27FC236}">
-                <a16:creationId xmlns:a16="http://schemas.microsoft.com/office/drawing/2014/main" id="{FD314E34-1534-49C1-847A-A1A4750E8018}"/>
+                <a16:creationId xmlns:a16="http://schemas.microsoft.com/office/drawing/2014/main" xmlns="" id="{FD314E34-1534-49C1-847A-A1A4750E8018}"/>
               </a:ext>
             </a:extLst>
           </p:cNvPr>
@@ -23868,10 +24134,10 @@
           <p:nvPr/>
         </p:nvPicPr>
         <p:blipFill rotWithShape="1">
-          <a:blip r:embed="rId2">
+          <a:blip r:embed="rId2" cstate="print">
             <a:extLst>
               <a:ext uri="{28A0092B-C50C-407E-A947-70E740481C1C}">
-                <a14:useLocalDpi xmlns:a14="http://schemas.microsoft.com/office/drawing/2010/main" val="0"/>
+                <a14:useLocalDpi xmlns:a14="http://schemas.microsoft.com/office/drawing/2010/main" xmlns="" val="0"/>
               </a:ext>
             </a:extLst>
           </a:blip>
@@ -23893,7 +24159,7 @@
           <p:cNvPr id="7" name="Grafik 6">
             <a:extLst>
               <a:ext uri="{FF2B5EF4-FFF2-40B4-BE49-F238E27FC236}">
-                <a16:creationId xmlns:a16="http://schemas.microsoft.com/office/drawing/2014/main" id="{567F09D0-3246-4A95-B8F0-CBCB1EA8264C}"/>
+                <a16:creationId xmlns:a16="http://schemas.microsoft.com/office/drawing/2014/main" xmlns="" id="{567F09D0-3246-4A95-B8F0-CBCB1EA8264C}"/>
               </a:ext>
             </a:extLst>
           </p:cNvPr>
@@ -23903,10 +24169,10 @@
           <p:nvPr/>
         </p:nvPicPr>
         <p:blipFill rotWithShape="1">
-          <a:blip r:embed="rId3">
+          <a:blip r:embed="rId3" cstate="print">
             <a:extLst>
               <a:ext uri="{28A0092B-C50C-407E-A947-70E740481C1C}">
-                <a14:useLocalDpi xmlns:a14="http://schemas.microsoft.com/office/drawing/2010/main" val="0"/>
+                <a14:useLocalDpi xmlns:a14="http://schemas.microsoft.com/office/drawing/2010/main" xmlns="" val="0"/>
               </a:ext>
             </a:extLst>
           </a:blip>
@@ -23926,13 +24192,20 @@
     </p:spTree>
     <p:extLst>
       <p:ext uri="{BB962C8B-B14F-4D97-AF65-F5344CB8AC3E}">
-        <p14:creationId xmlns:p14="http://schemas.microsoft.com/office/powerpoint/2010/main" val="3563448563"/>
+        <p14:creationId xmlns:p14="http://schemas.microsoft.com/office/powerpoint/2010/main" xmlns="" val="3563448563"/>
       </p:ext>
     </p:extLst>
   </p:cSld>
   <p:clrMapOvr>
     <a:masterClrMapping/>
   </p:clrMapOvr>
+  <p:timing>
+    <p:tnLst>
+      <p:par>
+        <p:cTn id="1" dur="indefinite" restart="never" nodeType="tmRoot"/>
+      </p:par>
+    </p:tnLst>
+  </p:timing>
 </p:sld>
 </file>
 
@@ -23966,7 +24239,7 @@
           <p:cNvPr id="2" name="Titel 1">
             <a:extLst>
               <a:ext uri="{FF2B5EF4-FFF2-40B4-BE49-F238E27FC236}">
-                <a16:creationId xmlns:a16="http://schemas.microsoft.com/office/drawing/2014/main" id="{7BB12D13-8B54-490E-A6B3-AB0B472105D0}"/>
+                <a16:creationId xmlns:a16="http://schemas.microsoft.com/office/drawing/2014/main" xmlns="" id="{7BB12D13-8B54-490E-A6B3-AB0B472105D0}"/>
               </a:ext>
             </a:extLst>
           </p:cNvPr>
@@ -23994,7 +24267,7 @@
           <p:cNvPr id="3" name="Inhaltsplatzhalter 2">
             <a:extLst>
               <a:ext uri="{FF2B5EF4-FFF2-40B4-BE49-F238E27FC236}">
-                <a16:creationId xmlns:a16="http://schemas.microsoft.com/office/drawing/2014/main" id="{C6661564-9403-4C2E-8315-9BD79EFF7247}"/>
+                <a16:creationId xmlns:a16="http://schemas.microsoft.com/office/drawing/2014/main" xmlns="" id="{C6661564-9403-4C2E-8315-9BD79EFF7247}"/>
               </a:ext>
             </a:extLst>
           </p:cNvPr>
@@ -24008,7 +24281,7 @@
         <p:spPr>
           <a:xfrm>
             <a:off x="250825" y="1700485"/>
-            <a:ext cx="5329287" cy="4968875"/>
+            <a:ext cx="5617319" cy="4968875"/>
           </a:xfrm>
         </p:spPr>
         <p:txBody>
@@ -24023,14 +24296,27 @@
           <a:p>
             <a:r>
               <a:rPr lang="de-DE" dirty="0"/>
-              <a:t>Algorithmus such nach zwei vertikalen Linien </a:t>
-            </a:r>
-          </a:p>
-          <a:p>
+              <a:t>Algorithmus </a:t>
+            </a:r>
+            <a:r>
+              <a:rPr lang="de-DE" dirty="0" smtClean="0"/>
+              <a:t>sucht </a:t>
+            </a:r>
             <a:r>
               <a:rPr lang="de-DE" dirty="0"/>
-              <a:t>Markieren des Hindernisrandes mit Markern</a:t>
-            </a:r>
+              <a:t>nach zwei vertikalen Linien </a:t>
+            </a:r>
+          </a:p>
+          <a:p>
+            <a:r>
+              <a:rPr lang="de-DE" dirty="0"/>
+              <a:t>Markieren </a:t>
+            </a:r>
+            <a:r>
+              <a:rPr lang="de-DE" dirty="0" smtClean="0"/>
+              <a:t>der Hindernisränder</a:t>
+            </a:r>
+            <a:endParaRPr lang="de-DE" dirty="0"/>
           </a:p>
         </p:txBody>
       </p:sp>
@@ -24039,7 +24325,7 @@
           <p:cNvPr id="7" name="Grafik 6">
             <a:extLst>
               <a:ext uri="{FF2B5EF4-FFF2-40B4-BE49-F238E27FC236}">
-                <a16:creationId xmlns:a16="http://schemas.microsoft.com/office/drawing/2014/main" id="{A70F3255-4C3A-479B-86B1-C236922D044A}"/>
+                <a16:creationId xmlns:a16="http://schemas.microsoft.com/office/drawing/2014/main" xmlns="" id="{A70F3255-4C3A-479B-86B1-C236922D044A}"/>
               </a:ext>
             </a:extLst>
           </p:cNvPr>
@@ -24049,10 +24335,10 @@
           <p:nvPr/>
         </p:nvPicPr>
         <p:blipFill rotWithShape="1">
-          <a:blip r:embed="rId2">
+          <a:blip r:embed="rId2" cstate="print">
             <a:extLst>
               <a:ext uri="{28A0092B-C50C-407E-A947-70E740481C1C}">
-                <a14:useLocalDpi xmlns:a14="http://schemas.microsoft.com/office/drawing/2010/main" val="0"/>
+                <a14:useLocalDpi xmlns:a14="http://schemas.microsoft.com/office/drawing/2010/main" xmlns="" val="0"/>
               </a:ext>
             </a:extLst>
           </a:blip>
@@ -24074,7 +24360,7 @@
           <p:cNvPr id="9" name="Grafik 8">
             <a:extLst>
               <a:ext uri="{FF2B5EF4-FFF2-40B4-BE49-F238E27FC236}">
-                <a16:creationId xmlns:a16="http://schemas.microsoft.com/office/drawing/2014/main" id="{13094981-6F58-490C-B6AE-93B71F105189}"/>
+                <a16:creationId xmlns:a16="http://schemas.microsoft.com/office/drawing/2014/main" xmlns="" id="{13094981-6F58-490C-B6AE-93B71F105189}"/>
               </a:ext>
             </a:extLst>
           </p:cNvPr>
@@ -24084,10 +24370,10 @@
           <p:nvPr/>
         </p:nvPicPr>
         <p:blipFill rotWithShape="1">
-          <a:blip r:embed="rId3">
+          <a:blip r:embed="rId3" cstate="print">
             <a:extLst>
               <a:ext uri="{28A0092B-C50C-407E-A947-70E740481C1C}">
-                <a14:useLocalDpi xmlns:a14="http://schemas.microsoft.com/office/drawing/2010/main" val="0"/>
+                <a14:useLocalDpi xmlns:a14="http://schemas.microsoft.com/office/drawing/2010/main" xmlns="" val="0"/>
               </a:ext>
             </a:extLst>
           </a:blip>
@@ -24109,7 +24395,7 @@
           <p:cNvPr id="11" name="Grafik 10">
             <a:extLst>
               <a:ext uri="{FF2B5EF4-FFF2-40B4-BE49-F238E27FC236}">
-                <a16:creationId xmlns:a16="http://schemas.microsoft.com/office/drawing/2014/main" id="{A84521A6-6805-44F4-AAFE-59D89D47ED62}"/>
+                <a16:creationId xmlns:a16="http://schemas.microsoft.com/office/drawing/2014/main" xmlns="" id="{A84521A6-6805-44F4-AAFE-59D89D47ED62}"/>
               </a:ext>
             </a:extLst>
           </p:cNvPr>
@@ -24119,10 +24405,10 @@
           <p:nvPr/>
         </p:nvPicPr>
         <p:blipFill rotWithShape="1">
-          <a:blip r:embed="rId4">
+          <a:blip r:embed="rId4" cstate="print">
             <a:extLst>
               <a:ext uri="{28A0092B-C50C-407E-A947-70E740481C1C}">
-                <a14:useLocalDpi xmlns:a14="http://schemas.microsoft.com/office/drawing/2010/main" val="0"/>
+                <a14:useLocalDpi xmlns:a14="http://schemas.microsoft.com/office/drawing/2010/main" xmlns="" val="0"/>
               </a:ext>
             </a:extLst>
           </a:blip>
@@ -24144,7 +24430,7 @@
           <p:cNvPr id="13" name="Grafik 12">
             <a:extLst>
               <a:ext uri="{FF2B5EF4-FFF2-40B4-BE49-F238E27FC236}">
-                <a16:creationId xmlns:a16="http://schemas.microsoft.com/office/drawing/2014/main" id="{7744A5E4-60C1-4A86-A28F-E803191E8B6D}"/>
+                <a16:creationId xmlns:a16="http://schemas.microsoft.com/office/drawing/2014/main" xmlns="" id="{7744A5E4-60C1-4A86-A28F-E803191E8B6D}"/>
               </a:ext>
             </a:extLst>
           </p:cNvPr>
@@ -24154,10 +24440,10 @@
           <p:nvPr/>
         </p:nvPicPr>
         <p:blipFill rotWithShape="1">
-          <a:blip r:embed="rId5">
+          <a:blip r:embed="rId5" cstate="print">
             <a:extLst>
               <a:ext uri="{28A0092B-C50C-407E-A947-70E740481C1C}">
-                <a14:useLocalDpi xmlns:a14="http://schemas.microsoft.com/office/drawing/2010/main" val="0"/>
+                <a14:useLocalDpi xmlns:a14="http://schemas.microsoft.com/office/drawing/2010/main" xmlns="" val="0"/>
               </a:ext>
             </a:extLst>
           </a:blip>
@@ -24177,13 +24463,20 @@
     </p:spTree>
     <p:extLst>
       <p:ext uri="{BB962C8B-B14F-4D97-AF65-F5344CB8AC3E}">
-        <p14:creationId xmlns:p14="http://schemas.microsoft.com/office/powerpoint/2010/main" val="3752560837"/>
+        <p14:creationId xmlns:p14="http://schemas.microsoft.com/office/powerpoint/2010/main" xmlns="" val="3752560837"/>
       </p:ext>
     </p:extLst>
   </p:cSld>
   <p:clrMapOvr>
     <a:masterClrMapping/>
   </p:clrMapOvr>
+  <p:timing>
+    <p:tnLst>
+      <p:par>
+        <p:cTn id="1" dur="indefinite" restart="never" nodeType="tmRoot"/>
+      </p:par>
+    </p:tnLst>
+  </p:timing>
 </p:sld>
 </file>
 

--- a/Dokumente/Präsentationen/Abschlusspräsentation.pptx
+++ b/Dokumente/Präsentationen/Abschlusspräsentation.pptx
@@ -198,7 +198,7 @@
   </p:defaultTextStyle>
   <p:extLst>
     <p:ext uri="{EFAFB233-063F-42B5-8137-9DF3F51BA10A}">
-      <p15:sldGuideLst xmlns:p15="http://schemas.microsoft.com/office/powerpoint/2012/main" xmlns="">
+      <p15:sldGuideLst xmlns:p15="http://schemas.microsoft.com/office/powerpoint/2012/main">
         <p15:guide id="1" orient="horz" pos="4319">
           <p15:clr>
             <a:srgbClr val="A4A3A4"/>
@@ -212,7 +212,7 @@
       </p15:sldGuideLst>
     </p:ext>
     <p:ext uri="{2D200454-40CA-4A62-9FC3-DE9A4176ACB9}">
-      <p15:notesGuideLst xmlns:p15="http://schemas.microsoft.com/office/powerpoint/2012/main" xmlns="">
+      <p15:notesGuideLst xmlns:p15="http://schemas.microsoft.com/office/powerpoint/2012/main">
         <p15:guide id="1" orient="horz" pos="2874">
           <p15:clr>
             <a:srgbClr val="A4A3A4"/>
@@ -238,7 +238,7 @@
 <file path=ppt/revisionInfo.xml><?xml version="1.0" encoding="utf-8"?>
 <p1510:revInfo xmlns:a="http://schemas.openxmlformats.org/drawingml/2006/main" xmlns:r="http://schemas.openxmlformats.org/officeDocument/2006/relationships" xmlns:p1510="http://schemas.microsoft.com/office/powerpoint/2015/10/main">
   <p1510:revLst>
-    <p1510:client id="{3852C70A-12A9-48B2-8672-B4F4FD000E58}" v="499" dt="2019-03-08T00:10:10.398"/>
+    <p1510:client id="{3852C70A-12A9-48B2-8672-B4F4FD000E58}" v="500" dt="2019-03-08T13:42:47.236"/>
   </p1510:revLst>
 </p1510:revInfo>
 </file>
@@ -248,12 +248,12 @@
   <pc:docChgLst>
     <pc:chgData name="Fabian Burger" userId="0f00ad5c4a567c2b" providerId="LiveId" clId="{3852C70A-12A9-48B2-8672-B4F4FD000E58}"/>
     <pc:docChg chg="undo redo custSel addSld delSld modSld">
-      <pc:chgData name="Fabian Burger" userId="0f00ad5c4a567c2b" providerId="LiveId" clId="{3852C70A-12A9-48B2-8672-B4F4FD000E58}" dt="2019-03-08T00:11:49.739" v="1918" actId="20577"/>
+      <pc:chgData name="Fabian Burger" userId="0f00ad5c4a567c2b" providerId="LiveId" clId="{3852C70A-12A9-48B2-8672-B4F4FD000E58}" dt="2019-03-08T13:43:52.545" v="1935" actId="1076"/>
       <pc:docMkLst>
         <pc:docMk/>
       </pc:docMkLst>
       <pc:sldChg chg="addSp delSp modSp">
-        <pc:chgData name="Fabian Burger" userId="0f00ad5c4a567c2b" providerId="LiveId" clId="{3852C70A-12A9-48B2-8672-B4F4FD000E58}" dt="2019-03-08T00:11:42.698" v="1906" actId="20577"/>
+        <pc:chgData name="Fabian Burger" userId="0f00ad5c4a567c2b" providerId="LiveId" clId="{3852C70A-12A9-48B2-8672-B4F4FD000E58}" dt="2019-03-08T13:43:52.545" v="1935" actId="1076"/>
         <pc:sldMkLst>
           <pc:docMk/>
           <pc:sldMk cId="0" sldId="265"/>
@@ -299,7 +299,15 @@
           </ac:picMkLst>
         </pc:picChg>
         <pc:picChg chg="add mod modCrop">
-          <ac:chgData name="Fabian Burger" userId="0f00ad5c4a567c2b" providerId="LiveId" clId="{3852C70A-12A9-48B2-8672-B4F4FD000E58}" dt="2019-03-08T00:10:48.980" v="1887" actId="18131"/>
+          <ac:chgData name="Fabian Burger" userId="0f00ad5c4a567c2b" providerId="LiveId" clId="{3852C70A-12A9-48B2-8672-B4F4FD000E58}" dt="2019-03-08T13:43:52.545" v="1935" actId="1076"/>
+          <ac:picMkLst>
+            <pc:docMk/>
+            <pc:sldMk cId="0" sldId="265"/>
+            <ac:picMk id="3" creationId="{F3300EAD-53F7-4222-BF05-5FB72AC5E730}"/>
+          </ac:picMkLst>
+        </pc:picChg>
+        <pc:picChg chg="add del mod modCrop">
+          <ac:chgData name="Fabian Burger" userId="0f00ad5c4a567c2b" providerId="LiveId" clId="{3852C70A-12A9-48B2-8672-B4F4FD000E58}" dt="2019-03-08T13:42:45.038" v="1919" actId="478"/>
           <ac:picMkLst>
             <pc:docMk/>
             <pc:sldMk cId="0" sldId="265"/>
@@ -3140,35 +3148,14 @@
         </dgm:presLayoutVars>
       </dgm:prSet>
       <dgm:spPr/>
-      <dgm:t>
-        <a:bodyPr/>
-        <a:lstStyle/>
-        <a:p>
-          <a:endParaRPr lang="de-DE"/>
-        </a:p>
-      </dgm:t>
     </dgm:pt>
     <dgm:pt modelId="{BE88AA11-25B2-4019-9BB7-8AFE2BF1F8B3}" type="pres">
       <dgm:prSet presAssocID="{A83B8660-C75D-4E72-8A76-A73FB7FE7558}" presName="sibTrans" presStyleLbl="sibTrans2D1" presStyleIdx="0" presStyleCnt="7"/>
       <dgm:spPr/>
-      <dgm:t>
-        <a:bodyPr/>
-        <a:lstStyle/>
-        <a:p>
-          <a:endParaRPr lang="de-DE"/>
-        </a:p>
-      </dgm:t>
     </dgm:pt>
     <dgm:pt modelId="{E9422020-E633-46CA-A997-270C4DC30FC1}" type="pres">
       <dgm:prSet presAssocID="{A83B8660-C75D-4E72-8A76-A73FB7FE7558}" presName="connectorText" presStyleLbl="sibTrans2D1" presStyleIdx="0" presStyleCnt="7"/>
       <dgm:spPr/>
-      <dgm:t>
-        <a:bodyPr/>
-        <a:lstStyle/>
-        <a:p>
-          <a:endParaRPr lang="de-DE"/>
-        </a:p>
-      </dgm:t>
     </dgm:pt>
     <dgm:pt modelId="{4AB5ECC8-95D1-4805-BE13-6E1B6554C3C9}" type="pres">
       <dgm:prSet presAssocID="{5C3F7852-1159-4DDF-B001-1AAC5233B0BD}" presName="node" presStyleLbl="node1" presStyleIdx="1" presStyleCnt="8">
@@ -3177,35 +3164,14 @@
         </dgm:presLayoutVars>
       </dgm:prSet>
       <dgm:spPr/>
-      <dgm:t>
-        <a:bodyPr/>
-        <a:lstStyle/>
-        <a:p>
-          <a:endParaRPr lang="de-DE"/>
-        </a:p>
-      </dgm:t>
     </dgm:pt>
     <dgm:pt modelId="{CDC5E207-5B9F-4708-9835-66F4E9D86D5E}" type="pres">
       <dgm:prSet presAssocID="{D02C2C0A-EF94-42FE-97D1-6227AE0B09A3}" presName="sibTrans" presStyleLbl="sibTrans2D1" presStyleIdx="1" presStyleCnt="7"/>
       <dgm:spPr/>
-      <dgm:t>
-        <a:bodyPr/>
-        <a:lstStyle/>
-        <a:p>
-          <a:endParaRPr lang="de-DE"/>
-        </a:p>
-      </dgm:t>
     </dgm:pt>
     <dgm:pt modelId="{84829B7E-66C3-4818-95D1-A18F8D406220}" type="pres">
       <dgm:prSet presAssocID="{D02C2C0A-EF94-42FE-97D1-6227AE0B09A3}" presName="connectorText" presStyleLbl="sibTrans2D1" presStyleIdx="1" presStyleCnt="7"/>
       <dgm:spPr/>
-      <dgm:t>
-        <a:bodyPr/>
-        <a:lstStyle/>
-        <a:p>
-          <a:endParaRPr lang="de-DE"/>
-        </a:p>
-      </dgm:t>
     </dgm:pt>
     <dgm:pt modelId="{42977F73-17F4-4D95-8DD6-58316F0AA372}" type="pres">
       <dgm:prSet presAssocID="{77CE6117-1BDA-46FA-9952-B4A2E7F41985}" presName="node" presStyleLbl="node1" presStyleIdx="2" presStyleCnt="8" custLinFactNeighborX="2018" custLinFactNeighborY="-212">
@@ -3214,35 +3180,14 @@
         </dgm:presLayoutVars>
       </dgm:prSet>
       <dgm:spPr/>
-      <dgm:t>
-        <a:bodyPr/>
-        <a:lstStyle/>
-        <a:p>
-          <a:endParaRPr lang="de-DE"/>
-        </a:p>
-      </dgm:t>
     </dgm:pt>
     <dgm:pt modelId="{CCC4A06A-A827-45BF-8450-67D962F26337}" type="pres">
       <dgm:prSet presAssocID="{AD94B7F6-0D5C-4A7B-833A-883F142DC445}" presName="sibTrans" presStyleLbl="sibTrans2D1" presStyleIdx="2" presStyleCnt="7"/>
       <dgm:spPr/>
-      <dgm:t>
-        <a:bodyPr/>
-        <a:lstStyle/>
-        <a:p>
-          <a:endParaRPr lang="de-DE"/>
-        </a:p>
-      </dgm:t>
     </dgm:pt>
     <dgm:pt modelId="{0B877459-5037-4B6A-B1BA-175F6B290452}" type="pres">
       <dgm:prSet presAssocID="{AD94B7F6-0D5C-4A7B-833A-883F142DC445}" presName="connectorText" presStyleLbl="sibTrans2D1" presStyleIdx="2" presStyleCnt="7"/>
       <dgm:spPr/>
-      <dgm:t>
-        <a:bodyPr/>
-        <a:lstStyle/>
-        <a:p>
-          <a:endParaRPr lang="de-DE"/>
-        </a:p>
-      </dgm:t>
     </dgm:pt>
     <dgm:pt modelId="{C6FB2919-9D1F-4633-9AB4-7BFB3964DF37}" type="pres">
       <dgm:prSet presAssocID="{979A986A-93F4-45B4-BF21-EFF0EC2C7417}" presName="node" presStyleLbl="node1" presStyleIdx="3" presStyleCnt="8" custLinFactNeighborX="2018" custLinFactNeighborY="-6722">
@@ -3251,35 +3196,14 @@
         </dgm:presLayoutVars>
       </dgm:prSet>
       <dgm:spPr/>
-      <dgm:t>
-        <a:bodyPr/>
-        <a:lstStyle/>
-        <a:p>
-          <a:endParaRPr lang="de-DE"/>
-        </a:p>
-      </dgm:t>
     </dgm:pt>
     <dgm:pt modelId="{9D369444-FA8F-4D05-844A-906DFCF6C382}" type="pres">
       <dgm:prSet presAssocID="{D2D5167A-43A6-4C5B-9533-7AA2D1A4EB31}" presName="sibTrans" presStyleLbl="sibTrans2D1" presStyleIdx="3" presStyleCnt="7"/>
       <dgm:spPr/>
-      <dgm:t>
-        <a:bodyPr/>
-        <a:lstStyle/>
-        <a:p>
-          <a:endParaRPr lang="de-DE"/>
-        </a:p>
-      </dgm:t>
     </dgm:pt>
     <dgm:pt modelId="{88CC84B7-1622-45B2-A70D-B6E4F6BBFABB}" type="pres">
       <dgm:prSet presAssocID="{D2D5167A-43A6-4C5B-9533-7AA2D1A4EB31}" presName="connectorText" presStyleLbl="sibTrans2D1" presStyleIdx="3" presStyleCnt="7"/>
       <dgm:spPr/>
-      <dgm:t>
-        <a:bodyPr/>
-        <a:lstStyle/>
-        <a:p>
-          <a:endParaRPr lang="de-DE"/>
-        </a:p>
-      </dgm:t>
     </dgm:pt>
     <dgm:pt modelId="{54BEBF88-F6C4-4618-8CD0-C5F79BDD00CC}" type="pres">
       <dgm:prSet presAssocID="{6FFABBDA-9895-43BC-BAE2-0A2298EFF870}" presName="node" presStyleLbl="node1" presStyleIdx="4" presStyleCnt="8" custScaleX="100196" custLinFactX="42188" custLinFactY="60108" custLinFactNeighborX="100000" custLinFactNeighborY="100000">
@@ -3288,35 +3212,14 @@
         </dgm:presLayoutVars>
       </dgm:prSet>
       <dgm:spPr/>
-      <dgm:t>
-        <a:bodyPr/>
-        <a:lstStyle/>
-        <a:p>
-          <a:endParaRPr lang="de-DE"/>
-        </a:p>
-      </dgm:t>
     </dgm:pt>
     <dgm:pt modelId="{F0C38B2C-60D1-41E8-AC61-19C10692A4E6}" type="pres">
       <dgm:prSet presAssocID="{0D6B94B3-3D29-40E6-98F9-C9DB6965CF31}" presName="sibTrans" presStyleLbl="sibTrans2D1" presStyleIdx="4" presStyleCnt="7"/>
       <dgm:spPr/>
-      <dgm:t>
-        <a:bodyPr/>
-        <a:lstStyle/>
-        <a:p>
-          <a:endParaRPr lang="de-DE"/>
-        </a:p>
-      </dgm:t>
     </dgm:pt>
     <dgm:pt modelId="{4FE872D6-DCD2-4C30-9956-98FAB12F9797}" type="pres">
       <dgm:prSet presAssocID="{0D6B94B3-3D29-40E6-98F9-C9DB6965CF31}" presName="connectorText" presStyleLbl="sibTrans2D1" presStyleIdx="4" presStyleCnt="7"/>
       <dgm:spPr/>
-      <dgm:t>
-        <a:bodyPr/>
-        <a:lstStyle/>
-        <a:p>
-          <a:endParaRPr lang="de-DE"/>
-        </a:p>
-      </dgm:t>
     </dgm:pt>
     <dgm:pt modelId="{5287A144-E8F3-4B85-8F5A-427E7BB75039}" type="pres">
       <dgm:prSet presAssocID="{BEA055B5-E1A2-4532-B7F8-FDD808C70D0C}" presName="node" presStyleLbl="node1" presStyleIdx="5" presStyleCnt="8" custLinFactX="40098" custLinFactY="60108" custLinFactNeighborX="100000" custLinFactNeighborY="100000">
@@ -3325,35 +3228,14 @@
         </dgm:presLayoutVars>
       </dgm:prSet>
       <dgm:spPr/>
-      <dgm:t>
-        <a:bodyPr/>
-        <a:lstStyle/>
-        <a:p>
-          <a:endParaRPr lang="de-DE"/>
-        </a:p>
-      </dgm:t>
     </dgm:pt>
     <dgm:pt modelId="{32BC61F9-2764-45E0-879F-1C31F79DF982}" type="pres">
       <dgm:prSet presAssocID="{09A01A32-9A8F-48EF-83A4-7096516A46B5}" presName="sibTrans" presStyleLbl="sibTrans2D1" presStyleIdx="5" presStyleCnt="7"/>
       <dgm:spPr/>
-      <dgm:t>
-        <a:bodyPr/>
-        <a:lstStyle/>
-        <a:p>
-          <a:endParaRPr lang="de-DE"/>
-        </a:p>
-      </dgm:t>
     </dgm:pt>
     <dgm:pt modelId="{2BBAF8BD-C3F1-45D5-8D3E-DF04B9C94829}" type="pres">
       <dgm:prSet presAssocID="{09A01A32-9A8F-48EF-83A4-7096516A46B5}" presName="connectorText" presStyleLbl="sibTrans2D1" presStyleIdx="5" presStyleCnt="7"/>
       <dgm:spPr/>
-      <dgm:t>
-        <a:bodyPr/>
-        <a:lstStyle/>
-        <a:p>
-          <a:endParaRPr lang="de-DE"/>
-        </a:p>
-      </dgm:t>
     </dgm:pt>
     <dgm:pt modelId="{377FB24D-5F1D-45EB-A26B-93BB8DE3EBEF}" type="pres">
       <dgm:prSet presAssocID="{31B6371C-FA16-466A-8DEA-6A54A0B3BA86}" presName="node" presStyleLbl="node1" presStyleIdx="6" presStyleCnt="8" custLinFactNeighborX="-2090" custLinFactNeighborY="-6559">
@@ -3362,35 +3244,14 @@
         </dgm:presLayoutVars>
       </dgm:prSet>
       <dgm:spPr/>
-      <dgm:t>
-        <a:bodyPr/>
-        <a:lstStyle/>
-        <a:p>
-          <a:endParaRPr lang="de-DE"/>
-        </a:p>
-      </dgm:t>
     </dgm:pt>
     <dgm:pt modelId="{07870DC8-1F2B-41D1-A827-E434A70F28EA}" type="pres">
       <dgm:prSet presAssocID="{D8555BE3-775C-4EEC-B0C7-57CDB345B021}" presName="sibTrans" presStyleLbl="sibTrans2D1" presStyleIdx="6" presStyleCnt="7"/>
       <dgm:spPr/>
-      <dgm:t>
-        <a:bodyPr/>
-        <a:lstStyle/>
-        <a:p>
-          <a:endParaRPr lang="de-DE"/>
-        </a:p>
-      </dgm:t>
     </dgm:pt>
     <dgm:pt modelId="{BA5BF94F-F586-4361-9E15-B3422F968253}" type="pres">
       <dgm:prSet presAssocID="{D8555BE3-775C-4EEC-B0C7-57CDB345B021}" presName="connectorText" presStyleLbl="sibTrans2D1" presStyleIdx="6" presStyleCnt="7"/>
       <dgm:spPr/>
-      <dgm:t>
-        <a:bodyPr/>
-        <a:lstStyle/>
-        <a:p>
-          <a:endParaRPr lang="de-DE"/>
-        </a:p>
-      </dgm:t>
     </dgm:pt>
     <dgm:pt modelId="{529819E6-3267-432B-B9EC-51F57AB738A4}" type="pres">
       <dgm:prSet presAssocID="{D18B357B-2E10-401C-A4A6-6D08F375E0B5}" presName="node" presStyleLbl="node1" presStyleIdx="7" presStyleCnt="8" custLinFactX="-42090" custLinFactY="-73389" custLinFactNeighborX="-100000" custLinFactNeighborY="-100000">
@@ -3399,47 +3260,40 @@
         </dgm:presLayoutVars>
       </dgm:prSet>
       <dgm:spPr/>
-      <dgm:t>
-        <a:bodyPr/>
-        <a:lstStyle/>
-        <a:p>
-          <a:endParaRPr lang="de-DE"/>
-        </a:p>
-      </dgm:t>
     </dgm:pt>
   </dgm:ptLst>
   <dgm:cxnLst>
+    <dgm:cxn modelId="{60FBF20E-CEF4-418C-B1E4-E9D3E4BFC896}" srcId="{71475B9F-2E00-4B22-A4D0-FDE2521EF2BD}" destId="{5C3F7852-1159-4DDF-B001-1AAC5233B0BD}" srcOrd="1" destOrd="0" parTransId="{9F685834-63DD-45CB-B7B7-0DA6A587C9A8}" sibTransId="{D02C2C0A-EF94-42FE-97D1-6227AE0B09A3}"/>
+    <dgm:cxn modelId="{15AA5E12-48A5-421F-9F2C-9550B5CFBAFA}" srcId="{71475B9F-2E00-4B22-A4D0-FDE2521EF2BD}" destId="{D18B357B-2E10-401C-A4A6-6D08F375E0B5}" srcOrd="7" destOrd="0" parTransId="{BE4535B5-75C8-45AD-9DFB-C27A137502F2}" sibTransId="{D0BBA1FF-2F27-47F2-96B2-3AB9747B0D56}"/>
+    <dgm:cxn modelId="{B2AEFA29-A938-439C-8F17-66401210B6D3}" type="presOf" srcId="{AD94B7F6-0D5C-4A7B-833A-883F142DC445}" destId="{CCC4A06A-A827-45BF-8450-67D962F26337}" srcOrd="0" destOrd="0" presId="urn:microsoft.com/office/officeart/2005/8/layout/process5"/>
+    <dgm:cxn modelId="{8C712034-BAB2-4D6C-89CA-18B9165CAAB3}" type="presOf" srcId="{0D6B94B3-3D29-40E6-98F9-C9DB6965CF31}" destId="{4FE872D6-DCD2-4C30-9956-98FAB12F9797}" srcOrd="1" destOrd="0" presId="urn:microsoft.com/office/officeart/2005/8/layout/process5"/>
     <dgm:cxn modelId="{09999234-BA61-48DA-B2A1-B056F245D684}" type="presOf" srcId="{BEA055B5-E1A2-4532-B7F8-FDD808C70D0C}" destId="{5287A144-E8F3-4B85-8F5A-427E7BB75039}" srcOrd="0" destOrd="0" presId="urn:microsoft.com/office/officeart/2005/8/layout/process5"/>
-    <dgm:cxn modelId="{23ADCBD5-9A79-4EA5-ABEF-68A49DD1F73A}" srcId="{71475B9F-2E00-4B22-A4D0-FDE2521EF2BD}" destId="{31B6371C-FA16-466A-8DEA-6A54A0B3BA86}" srcOrd="6" destOrd="0" parTransId="{870312F8-0A9D-4CB6-8641-35EF6837B757}" sibTransId="{D8555BE3-775C-4EEC-B0C7-57CDB345B021}"/>
-    <dgm:cxn modelId="{15AA5E12-48A5-421F-9F2C-9550B5CFBAFA}" srcId="{71475B9F-2E00-4B22-A4D0-FDE2521EF2BD}" destId="{D18B357B-2E10-401C-A4A6-6D08F375E0B5}" srcOrd="7" destOrd="0" parTransId="{BE4535B5-75C8-45AD-9DFB-C27A137502F2}" sibTransId="{D0BBA1FF-2F27-47F2-96B2-3AB9747B0D56}"/>
-    <dgm:cxn modelId="{2474E7B8-37AC-4100-AC98-E620C523A311}" type="presOf" srcId="{77CE6117-1BDA-46FA-9952-B4A2E7F41985}" destId="{42977F73-17F4-4D95-8DD6-58316F0AA372}" srcOrd="0" destOrd="0" presId="urn:microsoft.com/office/officeart/2005/8/layout/process5"/>
-    <dgm:cxn modelId="{F8E983B4-B9B3-4BB9-8550-9E2EC101AEBF}" type="presOf" srcId="{A83B8660-C75D-4E72-8A76-A73FB7FE7558}" destId="{BE88AA11-25B2-4019-9BB7-8AFE2BF1F8B3}" srcOrd="0" destOrd="0" presId="urn:microsoft.com/office/officeart/2005/8/layout/process5"/>
-    <dgm:cxn modelId="{A0FC2FB3-B4B5-47F9-AD1D-4A03B79B36ED}" type="presOf" srcId="{D02C2C0A-EF94-42FE-97D1-6227AE0B09A3}" destId="{84829B7E-66C3-4818-95D1-A18F8D406220}" srcOrd="1" destOrd="0" presId="urn:microsoft.com/office/officeart/2005/8/layout/process5"/>
+    <dgm:cxn modelId="{B7EE0535-DD10-4D62-89A9-AEADCF8E97BB}" type="presOf" srcId="{6FFABBDA-9895-43BC-BAE2-0A2298EFF870}" destId="{54BEBF88-F6C4-4618-8CD0-C5F79BDD00CC}" srcOrd="0" destOrd="0" presId="urn:microsoft.com/office/officeart/2005/8/layout/process5"/>
+    <dgm:cxn modelId="{6160F049-AF4A-4586-9910-E4FCA724AFBD}" type="presOf" srcId="{0D6B94B3-3D29-40E6-98F9-C9DB6965CF31}" destId="{F0C38B2C-60D1-41E8-AC61-19C10692A4E6}" srcOrd="0" destOrd="0" presId="urn:microsoft.com/office/officeart/2005/8/layout/process5"/>
     <dgm:cxn modelId="{AF72676B-9B59-47DB-ACA3-7482C6608B19}" type="presOf" srcId="{D2D5167A-43A6-4C5B-9533-7AA2D1A4EB31}" destId="{88CC84B7-1622-45B2-A70D-B6E4F6BBFABB}" srcOrd="1" destOrd="0" presId="urn:microsoft.com/office/officeart/2005/8/layout/process5"/>
     <dgm:cxn modelId="{50D4D170-2874-4DAF-B392-1AEA0B03BDA6}" srcId="{71475B9F-2E00-4B22-A4D0-FDE2521EF2BD}" destId="{7EB76AA0-6D2D-46F8-9E95-A22196481226}" srcOrd="0" destOrd="0" parTransId="{22419941-0925-44B6-AF59-C7626F072399}" sibTransId="{A83B8660-C75D-4E72-8A76-A73FB7FE7558}"/>
+    <dgm:cxn modelId="{BA5C2973-BDF2-46DE-8541-66B71F13F8D1}" type="presOf" srcId="{09A01A32-9A8F-48EF-83A4-7096516A46B5}" destId="{2BBAF8BD-C3F1-45D5-8D3E-DF04B9C94829}" srcOrd="1" destOrd="0" presId="urn:microsoft.com/office/officeart/2005/8/layout/process5"/>
+    <dgm:cxn modelId="{22BFE073-099E-44D3-A645-1C0D7C746523}" srcId="{71475B9F-2E00-4B22-A4D0-FDE2521EF2BD}" destId="{BEA055B5-E1A2-4532-B7F8-FDD808C70D0C}" srcOrd="5" destOrd="0" parTransId="{C5D7F058-1811-4722-9E7E-238B2BCEF646}" sibTransId="{09A01A32-9A8F-48EF-83A4-7096516A46B5}"/>
+    <dgm:cxn modelId="{A1EA8E5A-8BE1-49CA-9EEC-6209BE4FDBFF}" type="presOf" srcId="{71475B9F-2E00-4B22-A4D0-FDE2521EF2BD}" destId="{6ED3863A-66C6-433D-AD87-D6E2A7ED2A72}" srcOrd="0" destOrd="0" presId="urn:microsoft.com/office/officeart/2005/8/layout/process5"/>
+    <dgm:cxn modelId="{34BCF883-79CC-4C2A-8BAE-8C9EBDBE647A}" type="presOf" srcId="{A83B8660-C75D-4E72-8A76-A73FB7FE7558}" destId="{E9422020-E633-46CA-A997-270C4DC30FC1}" srcOrd="1" destOrd="0" presId="urn:microsoft.com/office/officeart/2005/8/layout/process5"/>
+    <dgm:cxn modelId="{DE322E89-E209-473E-8571-ACB8BFA7DB61}" type="presOf" srcId="{D8555BE3-775C-4EEC-B0C7-57CDB345B021}" destId="{07870DC8-1F2B-41D1-A827-E434A70F28EA}" srcOrd="0" destOrd="0" presId="urn:microsoft.com/office/officeart/2005/8/layout/process5"/>
+    <dgm:cxn modelId="{5DA61D8F-9A04-416A-B914-8960588B776E}" srcId="{71475B9F-2E00-4B22-A4D0-FDE2521EF2BD}" destId="{979A986A-93F4-45B4-BF21-EFF0EC2C7417}" srcOrd="3" destOrd="0" parTransId="{EF62DF63-6C6A-426D-9740-136EDDB40FFA}" sibTransId="{D2D5167A-43A6-4C5B-9533-7AA2D1A4EB31}"/>
     <dgm:cxn modelId="{233C1695-A408-4AC4-ADF8-4159BBF0FF94}" type="presOf" srcId="{D8555BE3-775C-4EEC-B0C7-57CDB345B021}" destId="{BA5BF94F-F586-4361-9E15-B3422F968253}" srcOrd="1" destOrd="0" presId="urn:microsoft.com/office/officeart/2005/8/layout/process5"/>
     <dgm:cxn modelId="{698DCB96-2AFB-4CD6-A4BD-D67555D53C03}" type="presOf" srcId="{5C3F7852-1159-4DDF-B001-1AAC5233B0BD}" destId="{4AB5ECC8-95D1-4805-BE13-6E1B6554C3C9}" srcOrd="0" destOrd="0" presId="urn:microsoft.com/office/officeart/2005/8/layout/process5"/>
-    <dgm:cxn modelId="{DE322E89-E209-473E-8571-ACB8BFA7DB61}" type="presOf" srcId="{D8555BE3-775C-4EEC-B0C7-57CDB345B021}" destId="{07870DC8-1F2B-41D1-A827-E434A70F28EA}" srcOrd="0" destOrd="0" presId="urn:microsoft.com/office/officeart/2005/8/layout/process5"/>
+    <dgm:cxn modelId="{54C5DF98-89D2-4CAA-83CA-87F19ADFFFF4}" type="presOf" srcId="{09A01A32-9A8F-48EF-83A4-7096516A46B5}" destId="{32BC61F9-2764-45E0-879F-1C31F79DF982}" srcOrd="0" destOrd="0" presId="urn:microsoft.com/office/officeart/2005/8/layout/process5"/>
+    <dgm:cxn modelId="{A0FC2FB3-B4B5-47F9-AD1D-4A03B79B36ED}" type="presOf" srcId="{D02C2C0A-EF94-42FE-97D1-6227AE0B09A3}" destId="{84829B7E-66C3-4818-95D1-A18F8D406220}" srcOrd="1" destOrd="0" presId="urn:microsoft.com/office/officeart/2005/8/layout/process5"/>
+    <dgm:cxn modelId="{F8E983B4-B9B3-4BB9-8550-9E2EC101AEBF}" type="presOf" srcId="{A83B8660-C75D-4E72-8A76-A73FB7FE7558}" destId="{BE88AA11-25B2-4019-9BB7-8AFE2BF1F8B3}" srcOrd="0" destOrd="0" presId="urn:microsoft.com/office/officeart/2005/8/layout/process5"/>
+    <dgm:cxn modelId="{2474E7B8-37AC-4100-AC98-E620C523A311}" type="presOf" srcId="{77CE6117-1BDA-46FA-9952-B4A2E7F41985}" destId="{42977F73-17F4-4D95-8DD6-58316F0AA372}" srcOrd="0" destOrd="0" presId="urn:microsoft.com/office/officeart/2005/8/layout/process5"/>
+    <dgm:cxn modelId="{B248FABB-5C09-49D5-8606-19FF80D8D7F6}" srcId="{71475B9F-2E00-4B22-A4D0-FDE2521EF2BD}" destId="{6FFABBDA-9895-43BC-BAE2-0A2298EFF870}" srcOrd="4" destOrd="0" parTransId="{1BAD5261-268A-45F3-9D51-4B98F076A460}" sibTransId="{0D6B94B3-3D29-40E6-98F9-C9DB6965CF31}"/>
+    <dgm:cxn modelId="{3AD14DCB-6054-4603-A945-9766BFC42A3E}" type="presOf" srcId="{D18B357B-2E10-401C-A4A6-6D08F375E0B5}" destId="{529819E6-3267-432B-B9EC-51F57AB738A4}" srcOrd="0" destOrd="0" presId="urn:microsoft.com/office/officeart/2005/8/layout/process5"/>
+    <dgm:cxn modelId="{23ADCBD5-9A79-4EA5-ABEF-68A49DD1F73A}" srcId="{71475B9F-2E00-4B22-A4D0-FDE2521EF2BD}" destId="{31B6371C-FA16-466A-8DEA-6A54A0B3BA86}" srcOrd="6" destOrd="0" parTransId="{870312F8-0A9D-4CB6-8641-35EF6837B757}" sibTransId="{D8555BE3-775C-4EEC-B0C7-57CDB345B021}"/>
+    <dgm:cxn modelId="{D516FFD7-CB74-445D-BA4F-757A03371D81}" type="presOf" srcId="{7EB76AA0-6D2D-46F8-9E95-A22196481226}" destId="{66B07F8C-2609-440A-A1A9-E1A6CD90317A}" srcOrd="0" destOrd="0" presId="urn:microsoft.com/office/officeart/2005/8/layout/process5"/>
+    <dgm:cxn modelId="{1A11C1E3-0100-40D0-8016-41AA59899485}" type="presOf" srcId="{AD94B7F6-0D5C-4A7B-833A-883F142DC445}" destId="{0B877459-5037-4B6A-B1BA-175F6B290452}" srcOrd="1" destOrd="0" presId="urn:microsoft.com/office/officeart/2005/8/layout/process5"/>
+    <dgm:cxn modelId="{170E57E8-3295-42CE-8E98-552ABD843F58}" type="presOf" srcId="{D02C2C0A-EF94-42FE-97D1-6227AE0B09A3}" destId="{CDC5E207-5B9F-4708-9835-66F4E9D86D5E}" srcOrd="0" destOrd="0" presId="urn:microsoft.com/office/officeart/2005/8/layout/process5"/>
+    <dgm:cxn modelId="{102891EB-80D0-45C4-813F-440CFB684BEC}" type="presOf" srcId="{979A986A-93F4-45B4-BF21-EFF0EC2C7417}" destId="{C6FB2919-9D1F-4633-9AB4-7BFB3964DF37}" srcOrd="0" destOrd="0" presId="urn:microsoft.com/office/officeart/2005/8/layout/process5"/>
     <dgm:cxn modelId="{480895F4-67A8-4D2F-95BC-696929526390}" srcId="{71475B9F-2E00-4B22-A4D0-FDE2521EF2BD}" destId="{77CE6117-1BDA-46FA-9952-B4A2E7F41985}" srcOrd="2" destOrd="0" parTransId="{F9D86950-460B-45C1-A6FA-731A5CF19CD3}" sibTransId="{AD94B7F6-0D5C-4A7B-833A-883F142DC445}"/>
-    <dgm:cxn modelId="{54C5DF98-89D2-4CAA-83CA-87F19ADFFFF4}" type="presOf" srcId="{09A01A32-9A8F-48EF-83A4-7096516A46B5}" destId="{32BC61F9-2764-45E0-879F-1C31F79DF982}" srcOrd="0" destOrd="0" presId="urn:microsoft.com/office/officeart/2005/8/layout/process5"/>
-    <dgm:cxn modelId="{D516FFD7-CB74-445D-BA4F-757A03371D81}" type="presOf" srcId="{7EB76AA0-6D2D-46F8-9E95-A22196481226}" destId="{66B07F8C-2609-440A-A1A9-E1A6CD90317A}" srcOrd="0" destOrd="0" presId="urn:microsoft.com/office/officeart/2005/8/layout/process5"/>
-    <dgm:cxn modelId="{A1EA8E5A-8BE1-49CA-9EEC-6209BE4FDBFF}" type="presOf" srcId="{71475B9F-2E00-4B22-A4D0-FDE2521EF2BD}" destId="{6ED3863A-66C6-433D-AD87-D6E2A7ED2A72}" srcOrd="0" destOrd="0" presId="urn:microsoft.com/office/officeart/2005/8/layout/process5"/>
-    <dgm:cxn modelId="{B248FABB-5C09-49D5-8606-19FF80D8D7F6}" srcId="{71475B9F-2E00-4B22-A4D0-FDE2521EF2BD}" destId="{6FFABBDA-9895-43BC-BAE2-0A2298EFF870}" srcOrd="4" destOrd="0" parTransId="{1BAD5261-268A-45F3-9D51-4B98F076A460}" sibTransId="{0D6B94B3-3D29-40E6-98F9-C9DB6965CF31}"/>
-    <dgm:cxn modelId="{B2AEFA29-A938-439C-8F17-66401210B6D3}" type="presOf" srcId="{AD94B7F6-0D5C-4A7B-833A-883F142DC445}" destId="{CCC4A06A-A827-45BF-8450-67D962F26337}" srcOrd="0" destOrd="0" presId="urn:microsoft.com/office/officeart/2005/8/layout/process5"/>
-    <dgm:cxn modelId="{B7EE0535-DD10-4D62-89A9-AEADCF8E97BB}" type="presOf" srcId="{6FFABBDA-9895-43BC-BAE2-0A2298EFF870}" destId="{54BEBF88-F6C4-4618-8CD0-C5F79BDD00CC}" srcOrd="0" destOrd="0" presId="urn:microsoft.com/office/officeart/2005/8/layout/process5"/>
-    <dgm:cxn modelId="{34BCF883-79CC-4C2A-8BAE-8C9EBDBE647A}" type="presOf" srcId="{A83B8660-C75D-4E72-8A76-A73FB7FE7558}" destId="{E9422020-E633-46CA-A997-270C4DC30FC1}" srcOrd="1" destOrd="0" presId="urn:microsoft.com/office/officeart/2005/8/layout/process5"/>
-    <dgm:cxn modelId="{102891EB-80D0-45C4-813F-440CFB684BEC}" type="presOf" srcId="{979A986A-93F4-45B4-BF21-EFF0EC2C7417}" destId="{C6FB2919-9D1F-4633-9AB4-7BFB3964DF37}" srcOrd="0" destOrd="0" presId="urn:microsoft.com/office/officeart/2005/8/layout/process5"/>
-    <dgm:cxn modelId="{5DA61D8F-9A04-416A-B914-8960588B776E}" srcId="{71475B9F-2E00-4B22-A4D0-FDE2521EF2BD}" destId="{979A986A-93F4-45B4-BF21-EFF0EC2C7417}" srcOrd="3" destOrd="0" parTransId="{EF62DF63-6C6A-426D-9740-136EDDB40FFA}" sibTransId="{D2D5167A-43A6-4C5B-9533-7AA2D1A4EB31}"/>
+    <dgm:cxn modelId="{B08AF1F9-8A29-48DE-ACE7-4418F41CF388}" type="presOf" srcId="{31B6371C-FA16-466A-8DEA-6A54A0B3BA86}" destId="{377FB24D-5F1D-45EB-A26B-93BB8DE3EBEF}" srcOrd="0" destOrd="0" presId="urn:microsoft.com/office/officeart/2005/8/layout/process5"/>
     <dgm:cxn modelId="{1714B2FD-D164-4BB2-B903-EB18FE4B9677}" type="presOf" srcId="{D2D5167A-43A6-4C5B-9533-7AA2D1A4EB31}" destId="{9D369444-FA8F-4D05-844A-906DFCF6C382}" srcOrd="0" destOrd="0" presId="urn:microsoft.com/office/officeart/2005/8/layout/process5"/>
-    <dgm:cxn modelId="{8C712034-BAB2-4D6C-89CA-18B9165CAAB3}" type="presOf" srcId="{0D6B94B3-3D29-40E6-98F9-C9DB6965CF31}" destId="{4FE872D6-DCD2-4C30-9956-98FAB12F9797}" srcOrd="1" destOrd="0" presId="urn:microsoft.com/office/officeart/2005/8/layout/process5"/>
-    <dgm:cxn modelId="{3AD14DCB-6054-4603-A945-9766BFC42A3E}" type="presOf" srcId="{D18B357B-2E10-401C-A4A6-6D08F375E0B5}" destId="{529819E6-3267-432B-B9EC-51F57AB738A4}" srcOrd="0" destOrd="0" presId="urn:microsoft.com/office/officeart/2005/8/layout/process5"/>
-    <dgm:cxn modelId="{60FBF20E-CEF4-418C-B1E4-E9D3E4BFC896}" srcId="{71475B9F-2E00-4B22-A4D0-FDE2521EF2BD}" destId="{5C3F7852-1159-4DDF-B001-1AAC5233B0BD}" srcOrd="1" destOrd="0" parTransId="{9F685834-63DD-45CB-B7B7-0DA6A587C9A8}" sibTransId="{D02C2C0A-EF94-42FE-97D1-6227AE0B09A3}"/>
-    <dgm:cxn modelId="{BA5C2973-BDF2-46DE-8541-66B71F13F8D1}" type="presOf" srcId="{09A01A32-9A8F-48EF-83A4-7096516A46B5}" destId="{2BBAF8BD-C3F1-45D5-8D3E-DF04B9C94829}" srcOrd="1" destOrd="0" presId="urn:microsoft.com/office/officeart/2005/8/layout/process5"/>
-    <dgm:cxn modelId="{B08AF1F9-8A29-48DE-ACE7-4418F41CF388}" type="presOf" srcId="{31B6371C-FA16-466A-8DEA-6A54A0B3BA86}" destId="{377FB24D-5F1D-45EB-A26B-93BB8DE3EBEF}" srcOrd="0" destOrd="0" presId="urn:microsoft.com/office/officeart/2005/8/layout/process5"/>
-    <dgm:cxn modelId="{1A11C1E3-0100-40D0-8016-41AA59899485}" type="presOf" srcId="{AD94B7F6-0D5C-4A7B-833A-883F142DC445}" destId="{0B877459-5037-4B6A-B1BA-175F6B290452}" srcOrd="1" destOrd="0" presId="urn:microsoft.com/office/officeart/2005/8/layout/process5"/>
-    <dgm:cxn modelId="{22BFE073-099E-44D3-A645-1C0D7C746523}" srcId="{71475B9F-2E00-4B22-A4D0-FDE2521EF2BD}" destId="{BEA055B5-E1A2-4532-B7F8-FDD808C70D0C}" srcOrd="5" destOrd="0" parTransId="{C5D7F058-1811-4722-9E7E-238B2BCEF646}" sibTransId="{09A01A32-9A8F-48EF-83A4-7096516A46B5}"/>
-    <dgm:cxn modelId="{170E57E8-3295-42CE-8E98-552ABD843F58}" type="presOf" srcId="{D02C2C0A-EF94-42FE-97D1-6227AE0B09A3}" destId="{CDC5E207-5B9F-4708-9835-66F4E9D86D5E}" srcOrd="0" destOrd="0" presId="urn:microsoft.com/office/officeart/2005/8/layout/process5"/>
-    <dgm:cxn modelId="{6160F049-AF4A-4586-9910-E4FCA724AFBD}" type="presOf" srcId="{0D6B94B3-3D29-40E6-98F9-C9DB6965CF31}" destId="{F0C38B2C-60D1-41E8-AC61-19C10692A4E6}" srcOrd="0" destOrd="0" presId="urn:microsoft.com/office/officeart/2005/8/layout/process5"/>
     <dgm:cxn modelId="{7089DECA-47F7-4F8A-B2DF-50DD7D82AED7}" type="presParOf" srcId="{6ED3863A-66C6-433D-AD87-D6E2A7ED2A72}" destId="{66B07F8C-2609-440A-A1A9-E1A6CD90317A}" srcOrd="0" destOrd="0" presId="urn:microsoft.com/office/officeart/2005/8/layout/process5"/>
     <dgm:cxn modelId="{6F23526B-E20E-44D4-B884-086F3002F0C4}" type="presParOf" srcId="{6ED3863A-66C6-433D-AD87-D6E2A7ED2A72}" destId="{BE88AA11-25B2-4019-9BB7-8AFE2BF1F8B3}" srcOrd="1" destOrd="0" presId="urn:microsoft.com/office/officeart/2005/8/layout/process5"/>
     <dgm:cxn modelId="{19B7DBAC-D6FB-48F0-8074-784C4CC74774}" type="presParOf" srcId="{BE88AA11-25B2-4019-9BB7-8AFE2BF1F8B3}" destId="{E9422020-E633-46CA-A997-270C4DC30FC1}" srcOrd="0" destOrd="0" presId="urn:microsoft.com/office/officeart/2005/8/layout/process5"/>
@@ -3469,7 +3323,7 @@
   <dgm:whole/>
   <dgm:extLst>
     <a:ext uri="http://schemas.microsoft.com/office/drawing/2008/diagram">
-      <dsp:dataModelExt xmlns:dsp="http://schemas.microsoft.com/office/drawing/2008/diagram" xmlns="" relId="rId7" minVer="http://schemas.openxmlformats.org/drawingml/2006/diagram"/>
+      <dsp:dataModelExt xmlns:dsp="http://schemas.microsoft.com/office/drawing/2008/diagram" relId="rId7" minVer="http://schemas.openxmlformats.org/drawingml/2006/diagram"/>
     </a:ext>
   </dgm:extLst>
 </dgm:dataModel>
@@ -3500,14 +3354,12 @@
             <a:rPr lang="de-DE" sz="1600" dirty="0"/>
             <a:t>Regler für </a:t>
           </a:r>
-          <a:endParaRPr lang="de-DE" sz="1600" dirty="0" smtClean="0"/>
         </a:p>
         <a:p>
           <a:r>
-            <a:rPr lang="de-DE" sz="1600" dirty="0" smtClean="0"/>
+            <a:rPr lang="de-DE" sz="1600" dirty="0"/>
             <a:t>Geradeausfahrt</a:t>
           </a:r>
-          <a:endParaRPr lang="de-DE" sz="1600" dirty="0"/>
         </a:p>
       </dgm:t>
     </dgm:pt>
@@ -3577,12 +3429,8 @@
         <a:lstStyle/>
         <a:p>
           <a:r>
-            <a:rPr lang="de-DE" dirty="0" smtClean="0"/>
-            <a:t>Übergangsregler </a:t>
-          </a:r>
-          <a:r>
             <a:rPr lang="de-DE" dirty="0"/>
-            <a:t>für Kurveneintritt</a:t>
+            <a:t>Übergangsregler für Kurveneintritt</a:t>
           </a:r>
         </a:p>
       </dgm:t>
@@ -3620,14 +3468,12 @@
             <a:rPr lang="de-DE" sz="1600" dirty="0"/>
             <a:t>Regler für </a:t>
           </a:r>
-          <a:endParaRPr lang="de-DE" sz="1600" dirty="0" smtClean="0"/>
         </a:p>
         <a:p>
           <a:r>
-            <a:rPr lang="de-DE" sz="1600" dirty="0" smtClean="0"/>
+            <a:rPr lang="de-DE" sz="1600" dirty="0"/>
             <a:t>Kurvenfahrt</a:t>
           </a:r>
-          <a:endParaRPr lang="de-DE" sz="1600" dirty="0"/>
         </a:p>
       </dgm:t>
     </dgm:pt>
@@ -3661,12 +3507,8 @@
         <a:lstStyle/>
         <a:p>
           <a:r>
-            <a:rPr lang="de-DE" dirty="0" smtClean="0"/>
-            <a:t>Übergangsregler </a:t>
-          </a:r>
-          <a:r>
             <a:rPr lang="de-DE" dirty="0"/>
-            <a:t>für Kurvenaustritt</a:t>
+            <a:t>Übergangsregler für Kurvenaustritt</a:t>
           </a:r>
         </a:p>
       </dgm:t>
@@ -3737,13 +3579,6 @@
         </dgm:presLayoutVars>
       </dgm:prSet>
       <dgm:spPr/>
-      <dgm:t>
-        <a:bodyPr/>
-        <a:lstStyle/>
-        <a:p>
-          <a:endParaRPr lang="de-DE"/>
-        </a:p>
-      </dgm:t>
     </dgm:pt>
     <dgm:pt modelId="{322F2889-427F-4255-96FE-7A663EF3A95F}" type="pres">
       <dgm:prSet presAssocID="{FF517022-E8A5-401C-BEFF-859908823049}" presName="node" presStyleLbl="node1" presStyleIdx="0" presStyleCnt="6" custScaleX="163525" custScaleY="125976" custRadScaleRad="94162" custRadScaleInc="-9979">
@@ -3752,13 +3587,6 @@
         </dgm:presLayoutVars>
       </dgm:prSet>
       <dgm:spPr/>
-      <dgm:t>
-        <a:bodyPr/>
-        <a:lstStyle/>
-        <a:p>
-          <a:endParaRPr lang="de-DE"/>
-        </a:p>
-      </dgm:t>
     </dgm:pt>
     <dgm:pt modelId="{BBF5FDF9-DFFC-4812-ACBB-83C47312AC25}" type="pres">
       <dgm:prSet presAssocID="{FF517022-E8A5-401C-BEFF-859908823049}" presName="spNode" presStyleCnt="0"/>
@@ -3767,13 +3595,6 @@
     <dgm:pt modelId="{E04CC487-1C5B-45B6-8D5E-C8D4066D0943}" type="pres">
       <dgm:prSet presAssocID="{B14546C0-114D-408B-9FD0-5FFE00C38A13}" presName="sibTrans" presStyleLbl="sibTrans1D1" presStyleIdx="0" presStyleCnt="6"/>
       <dgm:spPr/>
-      <dgm:t>
-        <a:bodyPr/>
-        <a:lstStyle/>
-        <a:p>
-          <a:endParaRPr lang="de-DE"/>
-        </a:p>
-      </dgm:t>
     </dgm:pt>
     <dgm:pt modelId="{0EC62B5A-E703-4913-9127-81806E8ABEC7}" type="pres">
       <dgm:prSet presAssocID="{8946F9DE-07C3-4686-9856-6B2582DD3106}" presName="node" presStyleLbl="node1" presStyleIdx="1" presStyleCnt="6" custScaleX="141874" custRadScaleRad="107605" custRadScaleInc="43942">
@@ -3782,13 +3603,6 @@
         </dgm:presLayoutVars>
       </dgm:prSet>
       <dgm:spPr/>
-      <dgm:t>
-        <a:bodyPr/>
-        <a:lstStyle/>
-        <a:p>
-          <a:endParaRPr lang="de-DE"/>
-        </a:p>
-      </dgm:t>
     </dgm:pt>
     <dgm:pt modelId="{D289D028-6B23-4048-9E7A-0AB953815F41}" type="pres">
       <dgm:prSet presAssocID="{8946F9DE-07C3-4686-9856-6B2582DD3106}" presName="spNode" presStyleCnt="0"/>
@@ -3797,13 +3611,6 @@
     <dgm:pt modelId="{5627CC50-5788-4218-BE49-84D13277FE07}" type="pres">
       <dgm:prSet presAssocID="{EFAA9E13-0438-42E3-A7FC-26537FB853BC}" presName="sibTrans" presStyleLbl="sibTrans1D1" presStyleIdx="1" presStyleCnt="6"/>
       <dgm:spPr/>
-      <dgm:t>
-        <a:bodyPr/>
-        <a:lstStyle/>
-        <a:p>
-          <a:endParaRPr lang="de-DE"/>
-        </a:p>
-      </dgm:t>
     </dgm:pt>
     <dgm:pt modelId="{7DF9A944-9651-4414-985F-9C465760A763}" type="pres">
       <dgm:prSet presAssocID="{17393C64-41B8-4541-B793-D79216D0230D}" presName="node" presStyleLbl="node1" presStyleIdx="2" presStyleCnt="6" custScaleX="128693" custRadScaleRad="102747" custRadScaleInc="-78648">
@@ -3812,13 +3619,6 @@
         </dgm:presLayoutVars>
       </dgm:prSet>
       <dgm:spPr/>
-      <dgm:t>
-        <a:bodyPr/>
-        <a:lstStyle/>
-        <a:p>
-          <a:endParaRPr lang="de-DE"/>
-        </a:p>
-      </dgm:t>
     </dgm:pt>
     <dgm:pt modelId="{40E33FF3-03F5-491C-9E74-A6AF4F751A59}" type="pres">
       <dgm:prSet presAssocID="{17393C64-41B8-4541-B793-D79216D0230D}" presName="spNode" presStyleCnt="0"/>
@@ -3827,13 +3627,6 @@
     <dgm:pt modelId="{C2088CE8-813B-404D-9C15-5986F4B492B7}" type="pres">
       <dgm:prSet presAssocID="{256E034F-7A83-4132-AD3E-FC88A31B3171}" presName="sibTrans" presStyleLbl="sibTrans1D1" presStyleIdx="2" presStyleCnt="6"/>
       <dgm:spPr/>
-      <dgm:t>
-        <a:bodyPr/>
-        <a:lstStyle/>
-        <a:p>
-          <a:endParaRPr lang="de-DE"/>
-        </a:p>
-      </dgm:t>
     </dgm:pt>
     <dgm:pt modelId="{51070C73-9ABB-4CBE-BF7F-197499FA4E9F}" type="pres">
       <dgm:prSet presAssocID="{097DC993-72A3-4244-AFD6-0815E77788A4}" presName="node" presStyleLbl="node1" presStyleIdx="3" presStyleCnt="6" custScaleX="170260" custScaleY="130813" custRadScaleRad="88999" custRadScaleInc="3471">
@@ -3842,13 +3635,6 @@
         </dgm:presLayoutVars>
       </dgm:prSet>
       <dgm:spPr/>
-      <dgm:t>
-        <a:bodyPr/>
-        <a:lstStyle/>
-        <a:p>
-          <a:endParaRPr lang="de-DE"/>
-        </a:p>
-      </dgm:t>
     </dgm:pt>
     <dgm:pt modelId="{17C53291-6AFC-420A-BFB7-15D4E485E34D}" type="pres">
       <dgm:prSet presAssocID="{097DC993-72A3-4244-AFD6-0815E77788A4}" presName="spNode" presStyleCnt="0"/>
@@ -3857,13 +3643,6 @@
     <dgm:pt modelId="{0E8FB463-07BE-482A-BC43-61AF7FD595C1}" type="pres">
       <dgm:prSet presAssocID="{12DBF135-D93E-4E14-AEB2-5C4A533E7B5D}" presName="sibTrans" presStyleLbl="sibTrans1D1" presStyleIdx="3" presStyleCnt="6"/>
       <dgm:spPr/>
-      <dgm:t>
-        <a:bodyPr/>
-        <a:lstStyle/>
-        <a:p>
-          <a:endParaRPr lang="de-DE"/>
-        </a:p>
-      </dgm:t>
     </dgm:pt>
     <dgm:pt modelId="{F289F93E-06E5-4979-920E-3478F87B263A}" type="pres">
       <dgm:prSet presAssocID="{5B0E89E7-AC0B-4EB0-A717-91ED139CDD67}" presName="node" presStyleLbl="node1" presStyleIdx="4" presStyleCnt="6" custScaleX="155752" custRadScaleRad="94940" custRadScaleInc="72639">
@@ -3872,13 +3651,6 @@
         </dgm:presLayoutVars>
       </dgm:prSet>
       <dgm:spPr/>
-      <dgm:t>
-        <a:bodyPr/>
-        <a:lstStyle/>
-        <a:p>
-          <a:endParaRPr lang="de-DE"/>
-        </a:p>
-      </dgm:t>
     </dgm:pt>
     <dgm:pt modelId="{A5B5E408-8D36-455D-921A-13B641BA8B57}" type="pres">
       <dgm:prSet presAssocID="{5B0E89E7-AC0B-4EB0-A717-91ED139CDD67}" presName="spNode" presStyleCnt="0"/>
@@ -3887,13 +3659,6 @@
     <dgm:pt modelId="{92E93751-1EDC-4F0A-98BC-A5C9AA6C1D5F}" type="pres">
       <dgm:prSet presAssocID="{2D86A2BF-5B6A-4D76-94CC-99797484151B}" presName="sibTrans" presStyleLbl="sibTrans1D1" presStyleIdx="4" presStyleCnt="6"/>
       <dgm:spPr/>
-      <dgm:t>
-        <a:bodyPr/>
-        <a:lstStyle/>
-        <a:p>
-          <a:endParaRPr lang="de-DE"/>
-        </a:p>
-      </dgm:t>
     </dgm:pt>
     <dgm:pt modelId="{06095F51-3C94-4EFF-917D-25EAB90C3F30}" type="pres">
       <dgm:prSet presAssocID="{D7962C6A-858D-4AB6-AAF5-72BB61C3BCC6}" presName="node" presStyleLbl="node1" presStyleIdx="5" presStyleCnt="6" custScaleX="138416" custRadScaleRad="102617" custRadScaleInc="-38518">
@@ -3902,13 +3667,6 @@
         </dgm:presLayoutVars>
       </dgm:prSet>
       <dgm:spPr/>
-      <dgm:t>
-        <a:bodyPr/>
-        <a:lstStyle/>
-        <a:p>
-          <a:endParaRPr lang="de-DE"/>
-        </a:p>
-      </dgm:t>
     </dgm:pt>
     <dgm:pt modelId="{8B14069D-A9EB-4CED-9AAB-7A5A3E9692F4}" type="pres">
       <dgm:prSet presAssocID="{D7962C6A-858D-4AB6-AAF5-72BB61C3BCC6}" presName="spNode" presStyleCnt="0"/>
@@ -3917,35 +3675,28 @@
     <dgm:pt modelId="{21E62269-EC77-4B92-819E-7AD572501D51}" type="pres">
       <dgm:prSet presAssocID="{477FC51F-3263-43C0-8AF5-0B7CB46EA1BD}" presName="sibTrans" presStyleLbl="sibTrans1D1" presStyleIdx="5" presStyleCnt="6"/>
       <dgm:spPr/>
-      <dgm:t>
-        <a:bodyPr/>
-        <a:lstStyle/>
-        <a:p>
-          <a:endParaRPr lang="de-DE"/>
-        </a:p>
-      </dgm:t>
     </dgm:pt>
   </dgm:ptLst>
   <dgm:cxnLst>
-    <dgm:cxn modelId="{6F7BB68A-0B71-491E-8D6E-DC8B76730EB3}" type="presOf" srcId="{9C262D38-C23F-46A9-B2F7-AD02E33616FF}" destId="{ADCC66F3-B14D-44B1-8B1E-5A57D0293F83}" srcOrd="0" destOrd="0" presId="urn:microsoft.com/office/officeart/2005/8/layout/cycle5"/>
-    <dgm:cxn modelId="{866FAEBD-B319-41E9-8E07-12BC3EDA4B0E}" type="presOf" srcId="{FF517022-E8A5-401C-BEFF-859908823049}" destId="{322F2889-427F-4255-96FE-7A663EF3A95F}" srcOrd="0" destOrd="0" presId="urn:microsoft.com/office/officeart/2005/8/layout/cycle5"/>
-    <dgm:cxn modelId="{865AAAEF-C0D8-4B99-8355-9BA75E218C62}" srcId="{9C262D38-C23F-46A9-B2F7-AD02E33616FF}" destId="{17393C64-41B8-4541-B793-D79216D0230D}" srcOrd="2" destOrd="0" parTransId="{3C0033BF-238A-4AAE-BE08-3C2F777F0BAB}" sibTransId="{256E034F-7A83-4132-AD3E-FC88A31B3171}"/>
-    <dgm:cxn modelId="{8B41DED6-B2BA-4000-9CC0-7E8CC3DEB9EE}" type="presOf" srcId="{5B0E89E7-AC0B-4EB0-A717-91ED139CDD67}" destId="{F289F93E-06E5-4979-920E-3478F87B263A}" srcOrd="0" destOrd="0" presId="urn:microsoft.com/office/officeart/2005/8/layout/cycle5"/>
-    <dgm:cxn modelId="{9350CCA3-652E-4BF3-9834-DDA1168358CB}" type="presOf" srcId="{097DC993-72A3-4244-AFD6-0815E77788A4}" destId="{51070C73-9ABB-4CBE-BF7F-197499FA4E9F}" srcOrd="0" destOrd="0" presId="urn:microsoft.com/office/officeart/2005/8/layout/cycle5"/>
-    <dgm:cxn modelId="{BC416615-A145-46B5-BFA3-B5DC7DB689E8}" srcId="{9C262D38-C23F-46A9-B2F7-AD02E33616FF}" destId="{097DC993-72A3-4244-AFD6-0815E77788A4}" srcOrd="3" destOrd="0" parTransId="{A9F536AC-C72D-492A-AE1B-9C1C204A8896}" sibTransId="{12DBF135-D93E-4E14-AEB2-5C4A533E7B5D}"/>
-    <dgm:cxn modelId="{F148F9A0-762A-46AE-82B5-003BC8579357}" srcId="{9C262D38-C23F-46A9-B2F7-AD02E33616FF}" destId="{FF517022-E8A5-401C-BEFF-859908823049}" srcOrd="0" destOrd="0" parTransId="{DA34CBC9-6E5B-4881-9037-B6C720FFA15E}" sibTransId="{B14546C0-114D-408B-9FD0-5FFE00C38A13}"/>
-    <dgm:cxn modelId="{6749EC41-312E-4702-AE93-417101E72446}" type="presOf" srcId="{12DBF135-D93E-4E14-AEB2-5C4A533E7B5D}" destId="{0E8FB463-07BE-482A-BC43-61AF7FD595C1}" srcOrd="0" destOrd="0" presId="urn:microsoft.com/office/officeart/2005/8/layout/cycle5"/>
-    <dgm:cxn modelId="{24394471-5ADE-4691-8F52-2F36A64596C8}" type="presOf" srcId="{477FC51F-3263-43C0-8AF5-0B7CB46EA1BD}" destId="{21E62269-EC77-4B92-819E-7AD572501D51}" srcOrd="0" destOrd="0" presId="urn:microsoft.com/office/officeart/2005/8/layout/cycle5"/>
-    <dgm:cxn modelId="{3AB39C81-ACA0-4389-93FD-F278E26CC96D}" srcId="{9C262D38-C23F-46A9-B2F7-AD02E33616FF}" destId="{8946F9DE-07C3-4686-9856-6B2582DD3106}" srcOrd="1" destOrd="0" parTransId="{975B95CE-EE56-4169-AE2B-9ACD786ED702}" sibTransId="{EFAA9E13-0438-42E3-A7FC-26537FB853BC}"/>
     <dgm:cxn modelId="{2F84FA07-936E-4B7E-A03B-A194E9052312}" type="presOf" srcId="{B14546C0-114D-408B-9FD0-5FFE00C38A13}" destId="{E04CC487-1C5B-45B6-8D5E-C8D4066D0943}" srcOrd="0" destOrd="0" presId="urn:microsoft.com/office/officeart/2005/8/layout/cycle5"/>
     <dgm:cxn modelId="{7BAC0309-2F85-440B-A73B-E46466658077}" type="presOf" srcId="{256E034F-7A83-4132-AD3E-FC88A31B3171}" destId="{C2088CE8-813B-404D-9C15-5986F4B492B7}" srcOrd="0" destOrd="0" presId="urn:microsoft.com/office/officeart/2005/8/layout/cycle5"/>
+    <dgm:cxn modelId="{BC416615-A145-46B5-BFA3-B5DC7DB689E8}" srcId="{9C262D38-C23F-46A9-B2F7-AD02E33616FF}" destId="{097DC993-72A3-4244-AFD6-0815E77788A4}" srcOrd="3" destOrd="0" parTransId="{A9F536AC-C72D-492A-AE1B-9C1C204A8896}" sibTransId="{12DBF135-D93E-4E14-AEB2-5C4A533E7B5D}"/>
+    <dgm:cxn modelId="{92C98818-1344-408C-BB49-BB4B253A5100}" type="presOf" srcId="{2D86A2BF-5B6A-4D76-94CC-99797484151B}" destId="{92E93751-1EDC-4F0A-98BC-A5C9AA6C1D5F}" srcOrd="0" destOrd="0" presId="urn:microsoft.com/office/officeart/2005/8/layout/cycle5"/>
+    <dgm:cxn modelId="{A8A36C32-F17B-4246-9A36-013688B8CADE}" type="presOf" srcId="{17393C64-41B8-4541-B793-D79216D0230D}" destId="{7DF9A944-9651-4414-985F-9C465760A763}" srcOrd="0" destOrd="0" presId="urn:microsoft.com/office/officeart/2005/8/layout/cycle5"/>
+    <dgm:cxn modelId="{6749EC41-312E-4702-AE93-417101E72446}" type="presOf" srcId="{12DBF135-D93E-4E14-AEB2-5C4A533E7B5D}" destId="{0E8FB463-07BE-482A-BC43-61AF7FD595C1}" srcOrd="0" destOrd="0" presId="urn:microsoft.com/office/officeart/2005/8/layout/cycle5"/>
+    <dgm:cxn modelId="{2BD4F86B-4469-454E-86A1-0BABCC4E1081}" srcId="{9C262D38-C23F-46A9-B2F7-AD02E33616FF}" destId="{D7962C6A-858D-4AB6-AAF5-72BB61C3BCC6}" srcOrd="5" destOrd="0" parTransId="{D726EDDA-5EDB-4813-8144-3C7BAC923A21}" sibTransId="{477FC51F-3263-43C0-8AF5-0B7CB46EA1BD}"/>
+    <dgm:cxn modelId="{8E92716F-26B5-48CB-9A00-5C3373317CD3}" type="presOf" srcId="{8946F9DE-07C3-4686-9856-6B2582DD3106}" destId="{0EC62B5A-E703-4913-9127-81806E8ABEC7}" srcOrd="0" destOrd="0" presId="urn:microsoft.com/office/officeart/2005/8/layout/cycle5"/>
+    <dgm:cxn modelId="{C247594F-E5B6-4B62-830C-92DEEA205355}" type="presOf" srcId="{EFAA9E13-0438-42E3-A7FC-26537FB853BC}" destId="{5627CC50-5788-4218-BE49-84D13277FE07}" srcOrd="0" destOrd="0" presId="urn:microsoft.com/office/officeart/2005/8/layout/cycle5"/>
+    <dgm:cxn modelId="{24394471-5ADE-4691-8F52-2F36A64596C8}" type="presOf" srcId="{477FC51F-3263-43C0-8AF5-0B7CB46EA1BD}" destId="{21E62269-EC77-4B92-819E-7AD572501D51}" srcOrd="0" destOrd="0" presId="urn:microsoft.com/office/officeart/2005/8/layout/cycle5"/>
+    <dgm:cxn modelId="{DBE0F657-601C-4DD8-A03D-5355C31A7FDF}" type="presOf" srcId="{D7962C6A-858D-4AB6-AAF5-72BB61C3BCC6}" destId="{06095F51-3C94-4EFF-917D-25EAB90C3F30}" srcOrd="0" destOrd="0" presId="urn:microsoft.com/office/officeart/2005/8/layout/cycle5"/>
     <dgm:cxn modelId="{ECE19E7E-DAB2-4039-85CD-2A4A148F666B}" srcId="{9C262D38-C23F-46A9-B2F7-AD02E33616FF}" destId="{5B0E89E7-AC0B-4EB0-A717-91ED139CDD67}" srcOrd="4" destOrd="0" parTransId="{BA3E99B5-3D07-45F0-9FD6-DBF9FBFAFCB3}" sibTransId="{2D86A2BF-5B6A-4D76-94CC-99797484151B}"/>
-    <dgm:cxn modelId="{C247594F-E5B6-4B62-830C-92DEEA205355}" type="presOf" srcId="{EFAA9E13-0438-42E3-A7FC-26537FB853BC}" destId="{5627CC50-5788-4218-BE49-84D13277FE07}" srcOrd="0" destOrd="0" presId="urn:microsoft.com/office/officeart/2005/8/layout/cycle5"/>
-    <dgm:cxn modelId="{A8A36C32-F17B-4246-9A36-013688B8CADE}" type="presOf" srcId="{17393C64-41B8-4541-B793-D79216D0230D}" destId="{7DF9A944-9651-4414-985F-9C465760A763}" srcOrd="0" destOrd="0" presId="urn:microsoft.com/office/officeart/2005/8/layout/cycle5"/>
-    <dgm:cxn modelId="{8E92716F-26B5-48CB-9A00-5C3373317CD3}" type="presOf" srcId="{8946F9DE-07C3-4686-9856-6B2582DD3106}" destId="{0EC62B5A-E703-4913-9127-81806E8ABEC7}" srcOrd="0" destOrd="0" presId="urn:microsoft.com/office/officeart/2005/8/layout/cycle5"/>
-    <dgm:cxn modelId="{DBE0F657-601C-4DD8-A03D-5355C31A7FDF}" type="presOf" srcId="{D7962C6A-858D-4AB6-AAF5-72BB61C3BCC6}" destId="{06095F51-3C94-4EFF-917D-25EAB90C3F30}" srcOrd="0" destOrd="0" presId="urn:microsoft.com/office/officeart/2005/8/layout/cycle5"/>
-    <dgm:cxn modelId="{2BD4F86B-4469-454E-86A1-0BABCC4E1081}" srcId="{9C262D38-C23F-46A9-B2F7-AD02E33616FF}" destId="{D7962C6A-858D-4AB6-AAF5-72BB61C3BCC6}" srcOrd="5" destOrd="0" parTransId="{D726EDDA-5EDB-4813-8144-3C7BAC923A21}" sibTransId="{477FC51F-3263-43C0-8AF5-0B7CB46EA1BD}"/>
-    <dgm:cxn modelId="{92C98818-1344-408C-BB49-BB4B253A5100}" type="presOf" srcId="{2D86A2BF-5B6A-4D76-94CC-99797484151B}" destId="{92E93751-1EDC-4F0A-98BC-A5C9AA6C1D5F}" srcOrd="0" destOrd="0" presId="urn:microsoft.com/office/officeart/2005/8/layout/cycle5"/>
+    <dgm:cxn modelId="{3AB39C81-ACA0-4389-93FD-F278E26CC96D}" srcId="{9C262D38-C23F-46A9-B2F7-AD02E33616FF}" destId="{8946F9DE-07C3-4686-9856-6B2582DD3106}" srcOrd="1" destOrd="0" parTransId="{975B95CE-EE56-4169-AE2B-9ACD786ED702}" sibTransId="{EFAA9E13-0438-42E3-A7FC-26537FB853BC}"/>
+    <dgm:cxn modelId="{6F7BB68A-0B71-491E-8D6E-DC8B76730EB3}" type="presOf" srcId="{9C262D38-C23F-46A9-B2F7-AD02E33616FF}" destId="{ADCC66F3-B14D-44B1-8B1E-5A57D0293F83}" srcOrd="0" destOrd="0" presId="urn:microsoft.com/office/officeart/2005/8/layout/cycle5"/>
+    <dgm:cxn modelId="{F148F9A0-762A-46AE-82B5-003BC8579357}" srcId="{9C262D38-C23F-46A9-B2F7-AD02E33616FF}" destId="{FF517022-E8A5-401C-BEFF-859908823049}" srcOrd="0" destOrd="0" parTransId="{DA34CBC9-6E5B-4881-9037-B6C720FFA15E}" sibTransId="{B14546C0-114D-408B-9FD0-5FFE00C38A13}"/>
+    <dgm:cxn modelId="{9350CCA3-652E-4BF3-9834-DDA1168358CB}" type="presOf" srcId="{097DC993-72A3-4244-AFD6-0815E77788A4}" destId="{51070C73-9ABB-4CBE-BF7F-197499FA4E9F}" srcOrd="0" destOrd="0" presId="urn:microsoft.com/office/officeart/2005/8/layout/cycle5"/>
+    <dgm:cxn modelId="{866FAEBD-B319-41E9-8E07-12BC3EDA4B0E}" type="presOf" srcId="{FF517022-E8A5-401C-BEFF-859908823049}" destId="{322F2889-427F-4255-96FE-7A663EF3A95F}" srcOrd="0" destOrd="0" presId="urn:microsoft.com/office/officeart/2005/8/layout/cycle5"/>
+    <dgm:cxn modelId="{8B41DED6-B2BA-4000-9CC0-7E8CC3DEB9EE}" type="presOf" srcId="{5B0E89E7-AC0B-4EB0-A717-91ED139CDD67}" destId="{F289F93E-06E5-4979-920E-3478F87B263A}" srcOrd="0" destOrd="0" presId="urn:microsoft.com/office/officeart/2005/8/layout/cycle5"/>
+    <dgm:cxn modelId="{865AAAEF-C0D8-4B99-8355-9BA75E218C62}" srcId="{9C262D38-C23F-46A9-B2F7-AD02E33616FF}" destId="{17393C64-41B8-4541-B793-D79216D0230D}" srcOrd="2" destOrd="0" parTransId="{3C0033BF-238A-4AAE-BE08-3C2F777F0BAB}" sibTransId="{256E034F-7A83-4132-AD3E-FC88A31B3171}"/>
     <dgm:cxn modelId="{801764BC-29FB-4785-96D9-841BC3CBC9A2}" type="presParOf" srcId="{ADCC66F3-B14D-44B1-8B1E-5A57D0293F83}" destId="{322F2889-427F-4255-96FE-7A663EF3A95F}" srcOrd="0" destOrd="0" presId="urn:microsoft.com/office/officeart/2005/8/layout/cycle5"/>
     <dgm:cxn modelId="{5CD37A18-92DD-4ACF-BC50-73AE0766C367}" type="presParOf" srcId="{ADCC66F3-B14D-44B1-8B1E-5A57D0293F83}" destId="{BBF5FDF9-DFFC-4812-ACBB-83C47312AC25}" srcOrd="1" destOrd="0" presId="urn:microsoft.com/office/officeart/2005/8/layout/cycle5"/>
     <dgm:cxn modelId="{2589A008-D537-4A14-9AA3-9F201D07A230}" type="presParOf" srcId="{ADCC66F3-B14D-44B1-8B1E-5A57D0293F83}" destId="{E04CC487-1C5B-45B6-8D5E-C8D4066D0943}" srcOrd="2" destOrd="0" presId="urn:microsoft.com/office/officeart/2005/8/layout/cycle5"/>
@@ -3969,7 +3720,7 @@
   <dgm:whole/>
   <dgm:extLst>
     <a:ext uri="http://schemas.microsoft.com/office/drawing/2008/diagram">
-      <dsp:dataModelExt xmlns:dsp="http://schemas.microsoft.com/office/drawing/2008/diagram" xmlns="" relId="rId9" minVer="http://schemas.openxmlformats.org/drawingml/2006/diagram"/>
+      <dsp:dataModelExt xmlns:dsp="http://schemas.microsoft.com/office/drawing/2008/diagram" relId="rId9" minVer="http://schemas.openxmlformats.org/drawingml/2006/diagram"/>
     </a:ext>
   </dgm:extLst>
 </dgm:dataModel>
@@ -4219,35 +3970,14 @@
         </dgm:presLayoutVars>
       </dgm:prSet>
       <dgm:spPr/>
-      <dgm:t>
-        <a:bodyPr/>
-        <a:lstStyle/>
-        <a:p>
-          <a:endParaRPr lang="de-DE"/>
-        </a:p>
-      </dgm:t>
     </dgm:pt>
     <dgm:pt modelId="{07284E07-4408-4BF2-9E53-8B0D5A353C3A}" type="pres">
       <dgm:prSet presAssocID="{0A5440AC-4116-4C27-9264-16AACB669E12}" presName="sibTrans" presStyleLbl="sibTrans2D1" presStyleIdx="0" presStyleCnt="5"/>
       <dgm:spPr/>
-      <dgm:t>
-        <a:bodyPr/>
-        <a:lstStyle/>
-        <a:p>
-          <a:endParaRPr lang="de-DE"/>
-        </a:p>
-      </dgm:t>
     </dgm:pt>
     <dgm:pt modelId="{F8FFB6C0-E03E-4022-8398-9AFF5BF916E4}" type="pres">
       <dgm:prSet presAssocID="{0A5440AC-4116-4C27-9264-16AACB669E12}" presName="connectorText" presStyleLbl="sibTrans2D1" presStyleIdx="0" presStyleCnt="5"/>
       <dgm:spPr/>
-      <dgm:t>
-        <a:bodyPr/>
-        <a:lstStyle/>
-        <a:p>
-          <a:endParaRPr lang="de-DE"/>
-        </a:p>
-      </dgm:t>
     </dgm:pt>
     <dgm:pt modelId="{EB0F924E-08B8-4496-8F7C-D75A9D314B30}" type="pres">
       <dgm:prSet presAssocID="{6883C271-93CE-4F53-B3DB-E78414E06855}" presName="node" presStyleLbl="node1" presStyleIdx="1" presStyleCnt="6" custScaleX="102074" custScaleY="73700" custLinFactNeighborX="-11371" custLinFactNeighborY="-818">
@@ -4256,35 +3986,14 @@
         </dgm:presLayoutVars>
       </dgm:prSet>
       <dgm:spPr/>
-      <dgm:t>
-        <a:bodyPr/>
-        <a:lstStyle/>
-        <a:p>
-          <a:endParaRPr lang="de-DE"/>
-        </a:p>
-      </dgm:t>
     </dgm:pt>
     <dgm:pt modelId="{87601AF7-0F9F-46ED-B4EE-1B62860D4BA5}" type="pres">
       <dgm:prSet presAssocID="{FE6047D0-FF2D-42A2-B389-DB220F2BDF26}" presName="sibTrans" presStyleLbl="sibTrans2D1" presStyleIdx="1" presStyleCnt="5"/>
       <dgm:spPr/>
-      <dgm:t>
-        <a:bodyPr/>
-        <a:lstStyle/>
-        <a:p>
-          <a:endParaRPr lang="de-DE"/>
-        </a:p>
-      </dgm:t>
     </dgm:pt>
     <dgm:pt modelId="{8EE4ED0A-418E-4458-84B0-1C7F6B4889D0}" type="pres">
       <dgm:prSet presAssocID="{FE6047D0-FF2D-42A2-B389-DB220F2BDF26}" presName="connectorText" presStyleLbl="sibTrans2D1" presStyleIdx="1" presStyleCnt="5"/>
       <dgm:spPr/>
-      <dgm:t>
-        <a:bodyPr/>
-        <a:lstStyle/>
-        <a:p>
-          <a:endParaRPr lang="de-DE"/>
-        </a:p>
-      </dgm:t>
     </dgm:pt>
     <dgm:pt modelId="{3ECB9AC3-8324-4FBC-8785-044F1DD81182}" type="pres">
       <dgm:prSet presAssocID="{D2E27AEE-DE18-437E-8ED4-085C407B02F4}" presName="node" presStyleLbl="node1" presStyleIdx="2" presStyleCnt="6" custScaleY="80152" custLinFactNeighborX="-3780" custLinFactNeighborY="-3015">
@@ -4293,35 +4002,14 @@
         </dgm:presLayoutVars>
       </dgm:prSet>
       <dgm:spPr/>
-      <dgm:t>
-        <a:bodyPr/>
-        <a:lstStyle/>
-        <a:p>
-          <a:endParaRPr lang="de-DE"/>
-        </a:p>
-      </dgm:t>
     </dgm:pt>
     <dgm:pt modelId="{57D1F035-83D0-404D-822E-A0E9FF1B02F1}" type="pres">
       <dgm:prSet presAssocID="{AF275174-F4D7-4107-9340-9F31FFAE84C6}" presName="sibTrans" presStyleLbl="sibTrans2D1" presStyleIdx="2" presStyleCnt="5"/>
       <dgm:spPr/>
-      <dgm:t>
-        <a:bodyPr/>
-        <a:lstStyle/>
-        <a:p>
-          <a:endParaRPr lang="de-DE"/>
-        </a:p>
-      </dgm:t>
     </dgm:pt>
     <dgm:pt modelId="{B064BFA8-682D-4757-ADFC-2CABBAA0A8B1}" type="pres">
       <dgm:prSet presAssocID="{AF275174-F4D7-4107-9340-9F31FFAE84C6}" presName="connectorText" presStyleLbl="sibTrans2D1" presStyleIdx="2" presStyleCnt="5"/>
       <dgm:spPr/>
-      <dgm:t>
-        <a:bodyPr/>
-        <a:lstStyle/>
-        <a:p>
-          <a:endParaRPr lang="de-DE"/>
-        </a:p>
-      </dgm:t>
     </dgm:pt>
     <dgm:pt modelId="{0C959095-7882-4471-98AD-EDED72A06E2D}" type="pres">
       <dgm:prSet presAssocID="{7D600DAC-9587-44B5-AA91-D1DB1E8AF259}" presName="node" presStyleLbl="node1" presStyleIdx="3" presStyleCnt="6" custScaleY="80325" custLinFactNeighborX="-3780" custLinFactNeighborY="-25113">
@@ -4330,35 +4018,14 @@
         </dgm:presLayoutVars>
       </dgm:prSet>
       <dgm:spPr/>
-      <dgm:t>
-        <a:bodyPr/>
-        <a:lstStyle/>
-        <a:p>
-          <a:endParaRPr lang="de-DE"/>
-        </a:p>
-      </dgm:t>
     </dgm:pt>
     <dgm:pt modelId="{C187702E-51EF-4FC5-95AA-90B3C81FA086}" type="pres">
       <dgm:prSet presAssocID="{DD3CB5CF-4595-4EEC-846B-6102664F2F05}" presName="sibTrans" presStyleLbl="sibTrans2D1" presStyleIdx="3" presStyleCnt="5"/>
       <dgm:spPr/>
-      <dgm:t>
-        <a:bodyPr/>
-        <a:lstStyle/>
-        <a:p>
-          <a:endParaRPr lang="de-DE"/>
-        </a:p>
-      </dgm:t>
     </dgm:pt>
     <dgm:pt modelId="{CAFDA7F7-B46C-4359-A129-AB4E2CE5A598}" type="pres">
       <dgm:prSet presAssocID="{DD3CB5CF-4595-4EEC-846B-6102664F2F05}" presName="connectorText" presStyleLbl="sibTrans2D1" presStyleIdx="3" presStyleCnt="5"/>
       <dgm:spPr/>
-      <dgm:t>
-        <a:bodyPr/>
-        <a:lstStyle/>
-        <a:p>
-          <a:endParaRPr lang="de-DE"/>
-        </a:p>
-      </dgm:t>
     </dgm:pt>
     <dgm:pt modelId="{FAC03DC4-EE0B-4F48-810D-D7D90D29CDA7}" type="pres">
       <dgm:prSet presAssocID="{BA46942A-95B1-4525-A038-6C19F1DA6537}" presName="node" presStyleLbl="node1" presStyleIdx="4" presStyleCnt="6" custScaleY="77420" custLinFactNeighborX="-3684" custLinFactNeighborY="-26565">
@@ -4367,35 +4034,14 @@
         </dgm:presLayoutVars>
       </dgm:prSet>
       <dgm:spPr/>
-      <dgm:t>
-        <a:bodyPr/>
-        <a:lstStyle/>
-        <a:p>
-          <a:endParaRPr lang="de-DE"/>
-        </a:p>
-      </dgm:t>
     </dgm:pt>
     <dgm:pt modelId="{B11A5A4A-6892-4B2E-B725-ECE29BCF5F77}" type="pres">
       <dgm:prSet presAssocID="{7762B7C6-4F36-4B61-B445-F6FF0509CF25}" presName="sibTrans" presStyleLbl="sibTrans2D1" presStyleIdx="4" presStyleCnt="5"/>
       <dgm:spPr/>
-      <dgm:t>
-        <a:bodyPr/>
-        <a:lstStyle/>
-        <a:p>
-          <a:endParaRPr lang="de-DE"/>
-        </a:p>
-      </dgm:t>
     </dgm:pt>
     <dgm:pt modelId="{4CD77A7A-0F40-4ABE-A7EB-ED19FB09158A}" type="pres">
       <dgm:prSet presAssocID="{7762B7C6-4F36-4B61-B445-F6FF0509CF25}" presName="connectorText" presStyleLbl="sibTrans2D1" presStyleIdx="4" presStyleCnt="5"/>
       <dgm:spPr/>
-      <dgm:t>
-        <a:bodyPr/>
-        <a:lstStyle/>
-        <a:p>
-          <a:endParaRPr lang="de-DE"/>
-        </a:p>
-      </dgm:t>
     </dgm:pt>
     <dgm:pt modelId="{25B326A3-A87D-4B61-8CBD-2F11BDEA96BC}" type="pres">
       <dgm:prSet presAssocID="{685F4625-0840-46FA-B858-0C8623E3CC8D}" presName="node" presStyleLbl="node1" presStyleIdx="5" presStyleCnt="6" custScaleY="75395" custLinFactNeighborX="-335" custLinFactNeighborY="-27578">
@@ -4404,39 +4050,32 @@
         </dgm:presLayoutVars>
       </dgm:prSet>
       <dgm:spPr/>
-      <dgm:t>
-        <a:bodyPr/>
-        <a:lstStyle/>
-        <a:p>
-          <a:endParaRPr lang="de-DE"/>
-        </a:p>
-      </dgm:t>
     </dgm:pt>
   </dgm:ptLst>
   <dgm:cxnLst>
+    <dgm:cxn modelId="{BF074302-ADFE-4998-83F4-B5B8D4077EC4}" srcId="{F6E47ECC-1CC7-4BF8-A40F-F7C26A4BFA09}" destId="{685F4625-0840-46FA-B858-0C8623E3CC8D}" srcOrd="5" destOrd="0" parTransId="{7D57000E-778C-4CFD-B686-F2117CC1C858}" sibTransId="{067EF79F-A2B5-4E85-B591-BE8A5BA165D0}"/>
+    <dgm:cxn modelId="{A9D5091A-B7FB-49D9-9E39-33E16E32D6E5}" srcId="{F6E47ECC-1CC7-4BF8-A40F-F7C26A4BFA09}" destId="{6883C271-93CE-4F53-B3DB-E78414E06855}" srcOrd="1" destOrd="0" parTransId="{64D99E33-9629-4119-A130-DF85747D2256}" sibTransId="{FE6047D0-FF2D-42A2-B389-DB220F2BDF26}"/>
+    <dgm:cxn modelId="{562BB721-6EDC-4053-B596-0A411EFAF9D6}" type="presOf" srcId="{F6E47ECC-1CC7-4BF8-A40F-F7C26A4BFA09}" destId="{B40BC887-7121-4751-9ED6-13E8470945BB}" srcOrd="0" destOrd="0" presId="urn:microsoft.com/office/officeart/2005/8/layout/process5"/>
+    <dgm:cxn modelId="{F128F62D-D92C-4CC8-B306-60C9D8EEAB3A}" type="presOf" srcId="{0A5440AC-4116-4C27-9264-16AACB669E12}" destId="{F8FFB6C0-E03E-4022-8398-9AFF5BF916E4}" srcOrd="1" destOrd="0" presId="urn:microsoft.com/office/officeart/2005/8/layout/process5"/>
+    <dgm:cxn modelId="{26DB8064-CA9A-49BF-B110-4A1EB040AF44}" srcId="{F6E47ECC-1CC7-4BF8-A40F-F7C26A4BFA09}" destId="{D2E27AEE-DE18-437E-8ED4-085C407B02F4}" srcOrd="2" destOrd="0" parTransId="{6C0F99BB-1AE8-491E-9E77-BB81EC71D0A5}" sibTransId="{AF275174-F4D7-4107-9340-9F31FFAE84C6}"/>
+    <dgm:cxn modelId="{EB029169-2D09-4502-A4F8-18C1302FF6FA}" type="presOf" srcId="{AF275174-F4D7-4107-9340-9F31FFAE84C6}" destId="{B064BFA8-682D-4757-ADFC-2CABBAA0A8B1}" srcOrd="1" destOrd="0" presId="urn:microsoft.com/office/officeart/2005/8/layout/process5"/>
+    <dgm:cxn modelId="{F1423178-391C-4B6B-8F65-8CA9DBD94E60}" type="presOf" srcId="{DD3CB5CF-4595-4EEC-846B-6102664F2F05}" destId="{CAFDA7F7-B46C-4359-A129-AB4E2CE5A598}" srcOrd="1" destOrd="0" presId="urn:microsoft.com/office/officeart/2005/8/layout/process5"/>
+    <dgm:cxn modelId="{6BBD4478-0FC8-4791-837D-3B86DC444DFA}" srcId="{F6E47ECC-1CC7-4BF8-A40F-F7C26A4BFA09}" destId="{D9C1DE2A-C919-439D-83D8-65D74A775FB6}" srcOrd="0" destOrd="0" parTransId="{24F33364-C041-4A46-9A2C-3365A4B35E4A}" sibTransId="{0A5440AC-4116-4C27-9264-16AACB669E12}"/>
+    <dgm:cxn modelId="{3452DE59-B5DB-4659-B582-F21A0FA1069E}" type="presOf" srcId="{6883C271-93CE-4F53-B3DB-E78414E06855}" destId="{EB0F924E-08B8-4496-8F7C-D75A9D314B30}" srcOrd="0" destOrd="0" presId="urn:microsoft.com/office/officeart/2005/8/layout/process5"/>
+    <dgm:cxn modelId="{2D69BF81-3E5F-4B08-8400-18604264860E}" type="presOf" srcId="{7762B7C6-4F36-4B61-B445-F6FF0509CF25}" destId="{4CD77A7A-0F40-4ABE-A7EB-ED19FB09158A}" srcOrd="1" destOrd="0" presId="urn:microsoft.com/office/officeart/2005/8/layout/process5"/>
+    <dgm:cxn modelId="{122B0E85-1F4F-4FBF-88BC-60F4A6515555}" type="presOf" srcId="{D9C1DE2A-C919-439D-83D8-65D74A775FB6}" destId="{F750DCCB-0DB3-4943-9436-F897320A4A5D}" srcOrd="0" destOrd="0" presId="urn:microsoft.com/office/officeart/2005/8/layout/process5"/>
+    <dgm:cxn modelId="{5D1DC38D-36E9-4345-9BDA-5F37D04D90AB}" type="presOf" srcId="{FE6047D0-FF2D-42A2-B389-DB220F2BDF26}" destId="{87601AF7-0F9F-46ED-B4EE-1B62860D4BA5}" srcOrd="0" destOrd="0" presId="urn:microsoft.com/office/officeart/2005/8/layout/process5"/>
+    <dgm:cxn modelId="{F1B9939C-663B-47F3-A7C2-D59B6CD8ABAD}" type="presOf" srcId="{0A5440AC-4116-4C27-9264-16AACB669E12}" destId="{07284E07-4408-4BF2-9E53-8B0D5A353C3A}" srcOrd="0" destOrd="0" presId="urn:microsoft.com/office/officeart/2005/8/layout/process5"/>
+    <dgm:cxn modelId="{C5AF9FAD-37EE-43C3-A9CC-1DE309D0D09C}" type="presOf" srcId="{BA46942A-95B1-4525-A038-6C19F1DA6537}" destId="{FAC03DC4-EE0B-4F48-810D-D7D90D29CDA7}" srcOrd="0" destOrd="0" presId="urn:microsoft.com/office/officeart/2005/8/layout/process5"/>
+    <dgm:cxn modelId="{D877C6B4-A0E6-4AC1-AF28-FDA315E921DB}" type="presOf" srcId="{FE6047D0-FF2D-42A2-B389-DB220F2BDF26}" destId="{8EE4ED0A-418E-4458-84B0-1C7F6B4889D0}" srcOrd="1" destOrd="0" presId="urn:microsoft.com/office/officeart/2005/8/layout/process5"/>
+    <dgm:cxn modelId="{1B9E96C9-9538-4A4B-916B-D10B947B15ED}" type="presOf" srcId="{685F4625-0840-46FA-B858-0C8623E3CC8D}" destId="{25B326A3-A87D-4B61-8CBD-2F11BDEA96BC}" srcOrd="0" destOrd="0" presId="urn:microsoft.com/office/officeart/2005/8/layout/process5"/>
+    <dgm:cxn modelId="{47CCF4E1-A68F-439A-BB94-DD05FAF1E159}" srcId="{F6E47ECC-1CC7-4BF8-A40F-F7C26A4BFA09}" destId="{BA46942A-95B1-4525-A038-6C19F1DA6537}" srcOrd="4" destOrd="0" parTransId="{F92269B3-4B49-4BEA-BE93-2AC05ED4A544}" sibTransId="{7762B7C6-4F36-4B61-B445-F6FF0509CF25}"/>
+    <dgm:cxn modelId="{574CD3E9-96D9-455C-8E2F-35597C85EA16}" type="presOf" srcId="{D2E27AEE-DE18-437E-8ED4-085C407B02F4}" destId="{3ECB9AC3-8324-4FBC-8785-044F1DD81182}" srcOrd="0" destOrd="0" presId="urn:microsoft.com/office/officeart/2005/8/layout/process5"/>
     <dgm:cxn modelId="{F8FCC4ED-399C-4EBC-8501-E7E94B934A37}" srcId="{F6E47ECC-1CC7-4BF8-A40F-F7C26A4BFA09}" destId="{7D600DAC-9587-44B5-AA91-D1DB1E8AF259}" srcOrd="3" destOrd="0" parTransId="{C6630763-DE36-4591-8A63-8451E61C4B79}" sibTransId="{DD3CB5CF-4595-4EEC-846B-6102664F2F05}"/>
-    <dgm:cxn modelId="{BF074302-ADFE-4998-83F4-B5B8D4077EC4}" srcId="{F6E47ECC-1CC7-4BF8-A40F-F7C26A4BFA09}" destId="{685F4625-0840-46FA-B858-0C8623E3CC8D}" srcOrd="5" destOrd="0" parTransId="{7D57000E-778C-4CFD-B686-F2117CC1C858}" sibTransId="{067EF79F-A2B5-4E85-B591-BE8A5BA165D0}"/>
-    <dgm:cxn modelId="{5D1DC38D-36E9-4345-9BDA-5F37D04D90AB}" type="presOf" srcId="{FE6047D0-FF2D-42A2-B389-DB220F2BDF26}" destId="{87601AF7-0F9F-46ED-B4EE-1B62860D4BA5}" srcOrd="0" destOrd="0" presId="urn:microsoft.com/office/officeart/2005/8/layout/process5"/>
-    <dgm:cxn modelId="{D877C6B4-A0E6-4AC1-AF28-FDA315E921DB}" type="presOf" srcId="{FE6047D0-FF2D-42A2-B389-DB220F2BDF26}" destId="{8EE4ED0A-418E-4458-84B0-1C7F6B4889D0}" srcOrd="1" destOrd="0" presId="urn:microsoft.com/office/officeart/2005/8/layout/process5"/>
-    <dgm:cxn modelId="{6BBD4478-0FC8-4791-837D-3B86DC444DFA}" srcId="{F6E47ECC-1CC7-4BF8-A40F-F7C26A4BFA09}" destId="{D9C1DE2A-C919-439D-83D8-65D74A775FB6}" srcOrd="0" destOrd="0" parTransId="{24F33364-C041-4A46-9A2C-3365A4B35E4A}" sibTransId="{0A5440AC-4116-4C27-9264-16AACB669E12}"/>
-    <dgm:cxn modelId="{47CCF4E1-A68F-439A-BB94-DD05FAF1E159}" srcId="{F6E47ECC-1CC7-4BF8-A40F-F7C26A4BFA09}" destId="{BA46942A-95B1-4525-A038-6C19F1DA6537}" srcOrd="4" destOrd="0" parTransId="{F92269B3-4B49-4BEA-BE93-2AC05ED4A544}" sibTransId="{7762B7C6-4F36-4B61-B445-F6FF0509CF25}"/>
-    <dgm:cxn modelId="{A9D5091A-B7FB-49D9-9E39-33E16E32D6E5}" srcId="{F6E47ECC-1CC7-4BF8-A40F-F7C26A4BFA09}" destId="{6883C271-93CE-4F53-B3DB-E78414E06855}" srcOrd="1" destOrd="0" parTransId="{64D99E33-9629-4119-A130-DF85747D2256}" sibTransId="{FE6047D0-FF2D-42A2-B389-DB220F2BDF26}"/>
-    <dgm:cxn modelId="{2D69BF81-3E5F-4B08-8400-18604264860E}" type="presOf" srcId="{7762B7C6-4F36-4B61-B445-F6FF0509CF25}" destId="{4CD77A7A-0F40-4ABE-A7EB-ED19FB09158A}" srcOrd="1" destOrd="0" presId="urn:microsoft.com/office/officeart/2005/8/layout/process5"/>
-    <dgm:cxn modelId="{1B9E96C9-9538-4A4B-916B-D10B947B15ED}" type="presOf" srcId="{685F4625-0840-46FA-B858-0C8623E3CC8D}" destId="{25B326A3-A87D-4B61-8CBD-2F11BDEA96BC}" srcOrd="0" destOrd="0" presId="urn:microsoft.com/office/officeart/2005/8/layout/process5"/>
-    <dgm:cxn modelId="{574CD3E9-96D9-455C-8E2F-35597C85EA16}" type="presOf" srcId="{D2E27AEE-DE18-437E-8ED4-085C407B02F4}" destId="{3ECB9AC3-8324-4FBC-8785-044F1DD81182}" srcOrd="0" destOrd="0" presId="urn:microsoft.com/office/officeart/2005/8/layout/process5"/>
+    <dgm:cxn modelId="{74C58CEF-53B4-4388-82CD-0CB7A6CAA27A}" type="presOf" srcId="{DD3CB5CF-4595-4EEC-846B-6102664F2F05}" destId="{C187702E-51EF-4FC5-95AA-90B3C81FA086}" srcOrd="0" destOrd="0" presId="urn:microsoft.com/office/officeart/2005/8/layout/process5"/>
+    <dgm:cxn modelId="{A1CD72F6-11A0-4594-87FC-291C4A70D512}" type="presOf" srcId="{7762B7C6-4F36-4B61-B445-F6FF0509CF25}" destId="{B11A5A4A-6892-4B2E-B725-ECE29BCF5F77}" srcOrd="0" destOrd="0" presId="urn:microsoft.com/office/officeart/2005/8/layout/process5"/>
+    <dgm:cxn modelId="{DFD6F5FA-8A31-42F7-BF3C-456A1F4586B1}" type="presOf" srcId="{AF275174-F4D7-4107-9340-9F31FFAE84C6}" destId="{57D1F035-83D0-404D-822E-A0E9FF1B02F1}" srcOrd="0" destOrd="0" presId="urn:microsoft.com/office/officeart/2005/8/layout/process5"/>
     <dgm:cxn modelId="{1B4527FB-7E8B-4D52-83EC-FCCF26383C20}" type="presOf" srcId="{7D600DAC-9587-44B5-AA91-D1DB1E8AF259}" destId="{0C959095-7882-4471-98AD-EDED72A06E2D}" srcOrd="0" destOrd="0" presId="urn:microsoft.com/office/officeart/2005/8/layout/process5"/>
-    <dgm:cxn modelId="{EB029169-2D09-4502-A4F8-18C1302FF6FA}" type="presOf" srcId="{AF275174-F4D7-4107-9340-9F31FFAE84C6}" destId="{B064BFA8-682D-4757-ADFC-2CABBAA0A8B1}" srcOrd="1" destOrd="0" presId="urn:microsoft.com/office/officeart/2005/8/layout/process5"/>
-    <dgm:cxn modelId="{122B0E85-1F4F-4FBF-88BC-60F4A6515555}" type="presOf" srcId="{D9C1DE2A-C919-439D-83D8-65D74A775FB6}" destId="{F750DCCB-0DB3-4943-9436-F897320A4A5D}" srcOrd="0" destOrd="0" presId="urn:microsoft.com/office/officeart/2005/8/layout/process5"/>
-    <dgm:cxn modelId="{3452DE59-B5DB-4659-B582-F21A0FA1069E}" type="presOf" srcId="{6883C271-93CE-4F53-B3DB-E78414E06855}" destId="{EB0F924E-08B8-4496-8F7C-D75A9D314B30}" srcOrd="0" destOrd="0" presId="urn:microsoft.com/office/officeart/2005/8/layout/process5"/>
-    <dgm:cxn modelId="{26DB8064-CA9A-49BF-B110-4A1EB040AF44}" srcId="{F6E47ECC-1CC7-4BF8-A40F-F7C26A4BFA09}" destId="{D2E27AEE-DE18-437E-8ED4-085C407B02F4}" srcOrd="2" destOrd="0" parTransId="{6C0F99BB-1AE8-491E-9E77-BB81EC71D0A5}" sibTransId="{AF275174-F4D7-4107-9340-9F31FFAE84C6}"/>
-    <dgm:cxn modelId="{A1CD72F6-11A0-4594-87FC-291C4A70D512}" type="presOf" srcId="{7762B7C6-4F36-4B61-B445-F6FF0509CF25}" destId="{B11A5A4A-6892-4B2E-B725-ECE29BCF5F77}" srcOrd="0" destOrd="0" presId="urn:microsoft.com/office/officeart/2005/8/layout/process5"/>
-    <dgm:cxn modelId="{C5AF9FAD-37EE-43C3-A9CC-1DE309D0D09C}" type="presOf" srcId="{BA46942A-95B1-4525-A038-6C19F1DA6537}" destId="{FAC03DC4-EE0B-4F48-810D-D7D90D29CDA7}" srcOrd="0" destOrd="0" presId="urn:microsoft.com/office/officeart/2005/8/layout/process5"/>
-    <dgm:cxn modelId="{F128F62D-D92C-4CC8-B306-60C9D8EEAB3A}" type="presOf" srcId="{0A5440AC-4116-4C27-9264-16AACB669E12}" destId="{F8FFB6C0-E03E-4022-8398-9AFF5BF916E4}" srcOrd="1" destOrd="0" presId="urn:microsoft.com/office/officeart/2005/8/layout/process5"/>
-    <dgm:cxn modelId="{74C58CEF-53B4-4388-82CD-0CB7A6CAA27A}" type="presOf" srcId="{DD3CB5CF-4595-4EEC-846B-6102664F2F05}" destId="{C187702E-51EF-4FC5-95AA-90B3C81FA086}" srcOrd="0" destOrd="0" presId="urn:microsoft.com/office/officeart/2005/8/layout/process5"/>
-    <dgm:cxn modelId="{DFD6F5FA-8A31-42F7-BF3C-456A1F4586B1}" type="presOf" srcId="{AF275174-F4D7-4107-9340-9F31FFAE84C6}" destId="{57D1F035-83D0-404D-822E-A0E9FF1B02F1}" srcOrd="0" destOrd="0" presId="urn:microsoft.com/office/officeart/2005/8/layout/process5"/>
-    <dgm:cxn modelId="{562BB721-6EDC-4053-B596-0A411EFAF9D6}" type="presOf" srcId="{F6E47ECC-1CC7-4BF8-A40F-F7C26A4BFA09}" destId="{B40BC887-7121-4751-9ED6-13E8470945BB}" srcOrd="0" destOrd="0" presId="urn:microsoft.com/office/officeart/2005/8/layout/process5"/>
-    <dgm:cxn modelId="{F1423178-391C-4B6B-8F65-8CA9DBD94E60}" type="presOf" srcId="{DD3CB5CF-4595-4EEC-846B-6102664F2F05}" destId="{CAFDA7F7-B46C-4359-A129-AB4E2CE5A598}" srcOrd="1" destOrd="0" presId="urn:microsoft.com/office/officeart/2005/8/layout/process5"/>
-    <dgm:cxn modelId="{F1B9939C-663B-47F3-A7C2-D59B6CD8ABAD}" type="presOf" srcId="{0A5440AC-4116-4C27-9264-16AACB669E12}" destId="{07284E07-4408-4BF2-9E53-8B0D5A353C3A}" srcOrd="0" destOrd="0" presId="urn:microsoft.com/office/officeart/2005/8/layout/process5"/>
     <dgm:cxn modelId="{77C33F04-EC4C-4CB4-9EDE-8EF7E2C47CCA}" type="presParOf" srcId="{B40BC887-7121-4751-9ED6-13E8470945BB}" destId="{F750DCCB-0DB3-4943-9436-F897320A4A5D}" srcOrd="0" destOrd="0" presId="urn:microsoft.com/office/officeart/2005/8/layout/process5"/>
     <dgm:cxn modelId="{24402445-5195-4B9A-B6CD-28CA16B8D05E}" type="presParOf" srcId="{B40BC887-7121-4751-9ED6-13E8470945BB}" destId="{07284E07-4408-4BF2-9E53-8B0D5A353C3A}" srcOrd="1" destOrd="0" presId="urn:microsoft.com/office/officeart/2005/8/layout/process5"/>
     <dgm:cxn modelId="{D8BFFAC4-70EB-44CF-B73B-532597EF203E}" type="presParOf" srcId="{07284E07-4408-4BF2-9E53-8B0D5A353C3A}" destId="{F8FFB6C0-E03E-4022-8398-9AFF5BF916E4}" srcOrd="0" destOrd="0" presId="urn:microsoft.com/office/officeart/2005/8/layout/process5"/>
@@ -4458,14 +4097,14 @@
   <dgm:whole/>
   <dgm:extLst>
     <a:ext uri="http://schemas.microsoft.com/office/drawing/2008/diagram">
-      <dsp:dataModelExt xmlns:dsp="http://schemas.microsoft.com/office/drawing/2008/diagram" xmlns="" relId="rId7" minVer="http://schemas.openxmlformats.org/drawingml/2006/diagram"/>
+      <dsp:dataModelExt xmlns:dsp="http://schemas.microsoft.com/office/drawing/2008/diagram" relId="rId7" minVer="http://schemas.openxmlformats.org/drawingml/2006/diagram"/>
     </a:ext>
   </dgm:extLst>
 </dgm:dataModel>
 </file>
 
 <file path=ppt/diagrams/drawing1.xml><?xml version="1.0" encoding="utf-8"?>
-<dsp:drawing xmlns:dgm="http://schemas.openxmlformats.org/drawingml/2006/diagram" xmlns:a="http://schemas.openxmlformats.org/drawingml/2006/main" xmlns:dsp="http://schemas.microsoft.com/office/drawing/2008/diagram">
+<dsp:drawing xmlns:dgm="http://schemas.openxmlformats.org/drawingml/2006/diagram" xmlns:dsp="http://schemas.microsoft.com/office/drawing/2008/diagram" xmlns:a="http://schemas.openxmlformats.org/drawingml/2006/main">
   <dsp:spTree>
     <dsp:nvGrpSpPr>
       <dsp:cNvPr id="0" name=""/>
@@ -4538,7 +4177,7 @@
         </a:bodyPr>
         <a:lstStyle/>
         <a:p>
-          <a:pPr lvl="0" algn="ctr" defTabSz="622300">
+          <a:pPr marL="0" lvl="0" indent="0" algn="ctr" defTabSz="622300">
             <a:lnSpc>
               <a:spcPct val="90000"/>
             </a:lnSpc>
@@ -4548,6 +4187,7 @@
             <a:spcAft>
               <a:spcPct val="35000"/>
             </a:spcAft>
+            <a:buNone/>
           </a:pPr>
           <a:r>
             <a:rPr lang="de-DE" sz="1400" kern="1200" dirty="0"/>
@@ -4556,8 +4196,8 @@
         </a:p>
       </dsp:txBody>
       <dsp:txXfrm>
-        <a:off x="1049218" y="2285"/>
-        <a:ext cx="1798441" cy="1079065"/>
+        <a:off x="1080823" y="33890"/>
+        <a:ext cx="1735231" cy="1015855"/>
       </dsp:txXfrm>
     </dsp:sp>
     <dsp:sp modelId="{BE88AA11-25B2-4019-9BB7-8AFE2BF1F8B3}">
@@ -4622,7 +4262,7 @@
         </a:bodyPr>
         <a:lstStyle/>
         <a:p>
-          <a:pPr lvl="0" algn="ctr" defTabSz="488950">
+          <a:pPr marL="0" lvl="0" indent="0" algn="ctr" defTabSz="488950">
             <a:lnSpc>
               <a:spcPct val="90000"/>
             </a:lnSpc>
@@ -4632,13 +4272,14 @@
             <a:spcAft>
               <a:spcPct val="35000"/>
             </a:spcAft>
+            <a:buNone/>
           </a:pPr>
           <a:endParaRPr lang="de-DE" sz="1100" kern="1200"/>
         </a:p>
       </dsp:txBody>
       <dsp:txXfrm>
-        <a:off x="3005923" y="318811"/>
-        <a:ext cx="381269" cy="446013"/>
+        <a:off x="3005923" y="408014"/>
+        <a:ext cx="266888" cy="267607"/>
       </dsp:txXfrm>
     </dsp:sp>
     <dsp:sp modelId="{4AB5ECC8-95D1-4805-BE13-6E1B6554C3C9}">
@@ -4707,7 +4348,7 @@
         </a:bodyPr>
         <a:lstStyle/>
         <a:p>
-          <a:pPr lvl="0" algn="ctr" defTabSz="622300">
+          <a:pPr marL="0" lvl="0" indent="0" algn="ctr" defTabSz="622300">
             <a:lnSpc>
               <a:spcPct val="90000"/>
             </a:lnSpc>
@@ -4717,6 +4358,7 @@
             <a:spcAft>
               <a:spcPct val="35000"/>
             </a:spcAft>
+            <a:buNone/>
           </a:pPr>
           <a:r>
             <a:rPr lang="de-DE" sz="1400" kern="1200" dirty="0"/>
@@ -4725,8 +4367,8 @@
         </a:p>
       </dsp:txBody>
       <dsp:txXfrm>
-        <a:off x="3567037" y="2285"/>
-        <a:ext cx="1798441" cy="1079065"/>
+        <a:off x="3598642" y="33890"/>
+        <a:ext cx="1735231" cy="1015855"/>
       </dsp:txXfrm>
     </dsp:sp>
     <dsp:sp modelId="{CDC5E207-5B9F-4708-9835-66F4E9D86D5E}">
@@ -4791,7 +4433,7 @@
         </a:bodyPr>
         <a:lstStyle/>
         <a:p>
-          <a:pPr lvl="0" algn="ctr" defTabSz="488950">
+          <a:pPr marL="0" lvl="0" indent="0" algn="ctr" defTabSz="488950">
             <a:lnSpc>
               <a:spcPct val="90000"/>
             </a:lnSpc>
@@ -4801,13 +4443,14 @@
             <a:spcAft>
               <a:spcPct val="35000"/>
             </a:spcAft>
+            <a:buNone/>
           </a:pPr>
           <a:endParaRPr lang="de-DE" sz="1100" kern="1200"/>
         </a:p>
       </dsp:txBody>
-      <dsp:txXfrm rot="21596924">
-        <a:off x="5531726" y="317678"/>
-        <a:ext cx="400504" cy="446013"/>
+      <dsp:txXfrm>
+        <a:off x="5531726" y="406935"/>
+        <a:ext cx="280353" cy="267607"/>
       </dsp:txXfrm>
     </dsp:sp>
     <dsp:sp modelId="{42977F73-17F4-4D95-8DD6-58316F0AA372}">
@@ -4876,7 +4519,7 @@
         </a:bodyPr>
         <a:lstStyle/>
         <a:p>
-          <a:pPr lvl="0" algn="ctr" defTabSz="622300">
+          <a:pPr marL="0" lvl="0" indent="0" algn="ctr" defTabSz="622300">
             <a:lnSpc>
               <a:spcPct val="90000"/>
             </a:lnSpc>
@@ -4886,6 +4529,7 @@
             <a:spcAft>
               <a:spcPct val="35000"/>
             </a:spcAft>
+            <a:buNone/>
           </a:pPr>
           <a:r>
             <a:rPr lang="de-DE" sz="1400" kern="1200" dirty="0"/>
@@ -4894,8 +4538,8 @@
         </a:p>
       </dsp:txBody>
       <dsp:txXfrm>
-        <a:off x="6121148" y="0"/>
-        <a:ext cx="1798441" cy="1079065"/>
+        <a:off x="6152753" y="31605"/>
+        <a:ext cx="1735231" cy="1015855"/>
       </dsp:txXfrm>
     </dsp:sp>
     <dsp:sp modelId="{CCC4A06A-A827-45BF-8450-67D962F26337}">
@@ -4960,7 +4604,7 @@
         </a:bodyPr>
         <a:lstStyle/>
         <a:p>
-          <a:pPr lvl="0" algn="ctr" defTabSz="488950">
+          <a:pPr marL="0" lvl="0" indent="0" algn="ctr" defTabSz="488950">
             <a:lnSpc>
               <a:spcPct val="90000"/>
             </a:lnSpc>
@@ -4970,13 +4614,14 @@
             <a:spcAft>
               <a:spcPct val="35000"/>
             </a:spcAft>
+            <a:buNone/>
           </a:pPr>
           <a:endParaRPr lang="de-DE" sz="1100" kern="1200"/>
         </a:p>
       </dsp:txBody>
-      <dsp:txXfrm rot="5400000">
-        <a:off x="6848351" y="1170885"/>
-        <a:ext cx="344037" cy="446013"/>
+      <dsp:txXfrm rot="-5400000">
+        <a:off x="6886567" y="1221873"/>
+        <a:ext cx="267607" cy="240826"/>
       </dsp:txXfrm>
     </dsp:sp>
     <dsp:sp modelId="{C6FB2919-9D1F-4633-9AB4-7BFB3964DF37}">
@@ -5045,7 +4690,7 @@
         </a:bodyPr>
         <a:lstStyle/>
         <a:p>
-          <a:pPr lvl="0" algn="ctr" defTabSz="622300">
+          <a:pPr marL="0" lvl="0" indent="0" algn="ctr" defTabSz="622300">
             <a:lnSpc>
               <a:spcPct val="90000"/>
             </a:lnSpc>
@@ -5055,6 +4700,7 @@
             <a:spcAft>
               <a:spcPct val="35000"/>
             </a:spcAft>
+            <a:buNone/>
           </a:pPr>
           <a:r>
             <a:rPr lang="de-DE" sz="1400" kern="1200" dirty="0"/>
@@ -5063,8 +4709,8 @@
         </a:p>
       </dsp:txBody>
       <dsp:txXfrm>
-        <a:off x="6121148" y="1728192"/>
-        <a:ext cx="1798441" cy="1079065"/>
+        <a:off x="6152753" y="1759797"/>
+        <a:ext cx="1735231" cy="1015855"/>
       </dsp:txXfrm>
     </dsp:sp>
     <dsp:sp modelId="{9D369444-FA8F-4D05-844A-906DFCF6C382}">
@@ -5129,7 +4775,7 @@
         </a:bodyPr>
         <a:lstStyle/>
         <a:p>
-          <a:pPr lvl="0" algn="ctr" defTabSz="488950">
+          <a:pPr marL="0" lvl="0" indent="0" algn="ctr" defTabSz="488950">
             <a:lnSpc>
               <a:spcPct val="90000"/>
             </a:lnSpc>
@@ -5139,13 +4785,14 @@
             <a:spcAft>
               <a:spcPct val="35000"/>
             </a:spcAft>
+            <a:buNone/>
           </a:pPr>
           <a:endParaRPr lang="de-DE" sz="1100" kern="1200"/>
         </a:p>
       </dsp:txBody>
-      <dsp:txXfrm rot="5397527">
-        <a:off x="6829907" y="2934003"/>
-        <a:ext cx="382203" cy="446013"/>
+      <dsp:txXfrm rot="-5400000">
+        <a:off x="6887164" y="2965908"/>
+        <a:ext cx="267607" cy="267542"/>
       </dsp:txXfrm>
     </dsp:sp>
     <dsp:sp modelId="{54BEBF88-F6C4-4618-8CD0-C5F79BDD00CC}">
@@ -5214,7 +4861,7 @@
         </a:bodyPr>
         <a:lstStyle/>
         <a:p>
-          <a:pPr lvl="0" algn="ctr" defTabSz="622300">
+          <a:pPr marL="0" lvl="0" indent="0" algn="ctr" defTabSz="622300">
             <a:lnSpc>
               <a:spcPct val="90000"/>
             </a:lnSpc>
@@ -5224,6 +4871,7 @@
             <a:spcAft>
               <a:spcPct val="35000"/>
             </a:spcAft>
+            <a:buNone/>
           </a:pPr>
           <a:r>
             <a:rPr lang="de-DE" sz="1400" kern="1200" dirty="0"/>
@@ -5232,8 +4880,8 @@
         </a:p>
       </dsp:txBody>
       <dsp:txXfrm>
-        <a:off x="6120681" y="3528397"/>
-        <a:ext cx="1801966" cy="1079065"/>
+        <a:off x="6152286" y="3560002"/>
+        <a:ext cx="1738756" cy="1015855"/>
       </dsp:txXfrm>
     </dsp:sp>
     <dsp:sp modelId="{F0C38B2C-60D1-41E8-AC61-19C10692A4E6}">
@@ -5298,7 +4946,7 @@
         </a:bodyPr>
         <a:lstStyle/>
         <a:p>
-          <a:pPr lvl="0" algn="ctr" defTabSz="488950">
+          <a:pPr marL="0" lvl="0" indent="0" algn="ctr" defTabSz="488950">
             <a:lnSpc>
               <a:spcPct val="90000"/>
             </a:lnSpc>
@@ -5308,13 +4956,14 @@
             <a:spcAft>
               <a:spcPct val="35000"/>
             </a:spcAft>
+            <a:buNone/>
           </a:pPr>
           <a:endParaRPr lang="de-DE" sz="1100" kern="1200"/>
         </a:p>
       </dsp:txBody>
       <dsp:txXfrm rot="10800000">
-        <a:off x="5552958" y="3844922"/>
-        <a:ext cx="401191" cy="446013"/>
+        <a:off x="5673315" y="3934125"/>
+        <a:ext cx="280834" cy="267607"/>
       </dsp:txXfrm>
     </dsp:sp>
     <dsp:sp modelId="{5287A144-E8F3-4B85-8F5A-427E7BB75039}">
@@ -5383,7 +5032,7 @@
         </a:bodyPr>
         <a:lstStyle/>
         <a:p>
-          <a:pPr lvl="0" algn="ctr" defTabSz="622300">
+          <a:pPr marL="0" lvl="0" indent="0" algn="ctr" defTabSz="622300">
             <a:lnSpc>
               <a:spcPct val="90000"/>
             </a:lnSpc>
@@ -5393,6 +5042,7 @@
             <a:spcAft>
               <a:spcPct val="35000"/>
             </a:spcAft>
+            <a:buNone/>
           </a:pPr>
           <a:r>
             <a:rPr lang="de-DE" sz="1400" kern="1200" dirty="0"/>
@@ -5401,8 +5051,8 @@
         </a:p>
       </dsp:txBody>
       <dsp:txXfrm>
-        <a:off x="3565275" y="3528397"/>
-        <a:ext cx="1798441" cy="1079065"/>
+        <a:off x="3596880" y="3560002"/>
+        <a:ext cx="1735231" cy="1015855"/>
       </dsp:txXfrm>
     </dsp:sp>
     <dsp:sp modelId="{32BC61F9-2764-45E0-879F-1C31F79DF982}">
@@ -5467,7 +5117,7 @@
         </a:bodyPr>
         <a:lstStyle/>
         <a:p>
-          <a:pPr lvl="0" algn="ctr" defTabSz="488950">
+          <a:pPr marL="0" lvl="0" indent="0" algn="ctr" defTabSz="488950">
             <a:lnSpc>
               <a:spcPct val="90000"/>
             </a:lnSpc>
@@ -5477,13 +5127,14 @@
             <a:spcAft>
               <a:spcPct val="35000"/>
             </a:spcAft>
+            <a:buNone/>
           </a:pPr>
           <a:endParaRPr lang="de-DE" sz="1100" kern="1200"/>
         </a:p>
       </dsp:txBody>
-      <dsp:txXfrm rot="10800005">
-        <a:off x="2996229" y="3844921"/>
-        <a:ext cx="402125" cy="446013"/>
+      <dsp:txXfrm rot="10800000">
+        <a:off x="3116866" y="3934124"/>
+        <a:ext cx="281488" cy="267607"/>
       </dsp:txXfrm>
     </dsp:sp>
     <dsp:sp modelId="{377FB24D-5F1D-45EB-A26B-93BB8DE3EBEF}">
@@ -5552,7 +5203,7 @@
         </a:bodyPr>
         <a:lstStyle/>
         <a:p>
-          <a:pPr lvl="0" algn="ctr" defTabSz="622300">
+          <a:pPr marL="0" lvl="0" indent="0" algn="ctr" defTabSz="622300">
             <a:lnSpc>
               <a:spcPct val="90000"/>
             </a:lnSpc>
@@ -5562,6 +5213,7 @@
             <a:spcAft>
               <a:spcPct val="35000"/>
             </a:spcAft>
+            <a:buNone/>
           </a:pPr>
           <a:r>
             <a:rPr lang="de-DE" sz="1400" kern="1200" dirty="0"/>
@@ -5570,8 +5222,8 @@
         </a:p>
       </dsp:txBody>
       <dsp:txXfrm>
-        <a:off x="1008106" y="3528393"/>
-        <a:ext cx="1798441" cy="1079065"/>
+        <a:off x="1039711" y="3559998"/>
+        <a:ext cx="1735231" cy="1015855"/>
       </dsp:txXfrm>
     </dsp:sp>
     <dsp:sp modelId="{07870DC8-1F2B-41D1-A827-E434A70F28EA}">
@@ -5636,7 +5288,7 @@
         </a:bodyPr>
         <a:lstStyle/>
         <a:p>
-          <a:pPr lvl="0" algn="ctr" defTabSz="488950">
+          <a:pPr marL="0" lvl="0" indent="0" algn="ctr" defTabSz="488950">
             <a:lnSpc>
               <a:spcPct val="90000"/>
             </a:lnSpc>
@@ -5646,13 +5298,14 @@
             <a:spcAft>
               <a:spcPct val="35000"/>
             </a:spcAft>
+            <a:buNone/>
           </a:pPr>
           <a:endParaRPr lang="de-DE" sz="1100" kern="1200"/>
         </a:p>
       </dsp:txBody>
-      <dsp:txXfrm rot="16200000">
-        <a:off x="1716225" y="2955634"/>
-        <a:ext cx="382203" cy="446013"/>
+      <dsp:txXfrm rot="5400000">
+        <a:off x="1773524" y="3102200"/>
+        <a:ext cx="267607" cy="267542"/>
       </dsp:txXfrm>
     </dsp:sp>
     <dsp:sp modelId="{529819E6-3267-432B-B9EC-51F57AB738A4}">
@@ -5721,7 +5374,7 @@
         </a:bodyPr>
         <a:lstStyle/>
         <a:p>
-          <a:pPr lvl="0" algn="ctr" defTabSz="622300">
+          <a:pPr marL="0" lvl="0" indent="0" algn="ctr" defTabSz="622300">
             <a:lnSpc>
               <a:spcPct val="90000"/>
             </a:lnSpc>
@@ -5731,6 +5384,7 @@
             <a:spcAft>
               <a:spcPct val="35000"/>
             </a:spcAft>
+            <a:buNone/>
           </a:pPr>
           <a:r>
             <a:rPr lang="de-DE" sz="1400" kern="1200" dirty="0"/>
@@ -5739,8 +5393,8 @@
         </a:p>
       </dsp:txBody>
       <dsp:txXfrm>
-        <a:off x="1008106" y="1728189"/>
-        <a:ext cx="1798441" cy="1079065"/>
+        <a:off x="1039711" y="1759794"/>
+        <a:ext cx="1735231" cy="1015855"/>
       </dsp:txXfrm>
     </dsp:sp>
   </dsp:spTree>
@@ -5748,7 +5402,7 @@
 </file>
 
 <file path=ppt/diagrams/drawing2.xml><?xml version="1.0" encoding="utf-8"?>
-<dsp:drawing xmlns:dgm="http://schemas.openxmlformats.org/drawingml/2006/diagram" xmlns:a="http://schemas.openxmlformats.org/drawingml/2006/main" xmlns:dsp="http://schemas.microsoft.com/office/drawing/2008/diagram">
+<dsp:drawing xmlns:dgm="http://schemas.openxmlformats.org/drawingml/2006/diagram" xmlns:dsp="http://schemas.microsoft.com/office/drawing/2008/diagram" xmlns:a="http://schemas.openxmlformats.org/drawingml/2006/main">
   <dsp:spTree>
     <dsp:nvGrpSpPr>
       <dsp:cNvPr id="0" name=""/>
@@ -5819,7 +5473,7 @@
         </a:bodyPr>
         <a:lstStyle/>
         <a:p>
-          <a:pPr lvl="0" algn="ctr" defTabSz="711200">
+          <a:pPr marL="0" lvl="0" indent="0" algn="ctr" defTabSz="711200">
             <a:lnSpc>
               <a:spcPct val="90000"/>
             </a:lnSpc>
@@ -5829,15 +5483,15 @@
             <a:spcAft>
               <a:spcPct val="35000"/>
             </a:spcAft>
+            <a:buNone/>
           </a:pPr>
           <a:r>
             <a:rPr lang="de-DE" sz="1600" kern="1200" dirty="0"/>
             <a:t>Regler für </a:t>
           </a:r>
-          <a:endParaRPr lang="de-DE" sz="1600" kern="1200" dirty="0" smtClean="0"/>
         </a:p>
         <a:p>
-          <a:pPr lvl="0" algn="ctr" defTabSz="711200">
+          <a:pPr marL="0" lvl="0" indent="0" algn="ctr" defTabSz="711200">
             <a:lnSpc>
               <a:spcPct val="90000"/>
             </a:lnSpc>
@@ -5847,12 +5501,12 @@
             <a:spcAft>
               <a:spcPct val="35000"/>
             </a:spcAft>
+            <a:buNone/>
           </a:pPr>
           <a:r>
-            <a:rPr lang="de-DE" sz="1600" kern="1200" dirty="0" smtClean="0"/>
+            <a:rPr lang="de-DE" sz="1600" kern="1200" dirty="0"/>
             <a:t>Geradeausfahrt</a:t>
           </a:r>
-          <a:endParaRPr lang="de-DE" sz="1600" kern="1200" dirty="0"/>
         </a:p>
       </dsp:txBody>
       <dsp:txXfrm>
@@ -5986,7 +5640,7 @@
         </a:bodyPr>
         <a:lstStyle/>
         <a:p>
-          <a:pPr lvl="0" algn="ctr" defTabSz="533400">
+          <a:pPr marL="0" lvl="0" indent="0" algn="ctr" defTabSz="533400">
             <a:lnSpc>
               <a:spcPct val="90000"/>
             </a:lnSpc>
@@ -5996,6 +5650,7 @@
             <a:spcAft>
               <a:spcPct val="35000"/>
             </a:spcAft>
+            <a:buNone/>
           </a:pPr>
           <a:r>
             <a:rPr lang="de-DE" sz="1200" kern="1200" dirty="0"/>
@@ -6134,7 +5789,7 @@
         </a:bodyPr>
         <a:lstStyle/>
         <a:p>
-          <a:pPr lvl="0" algn="ctr" defTabSz="533400">
+          <a:pPr marL="0" lvl="0" indent="0" algn="ctr" defTabSz="533400">
             <a:lnSpc>
               <a:spcPct val="90000"/>
             </a:lnSpc>
@@ -6144,14 +5799,11 @@
             <a:spcAft>
               <a:spcPct val="35000"/>
             </a:spcAft>
+            <a:buNone/>
           </a:pPr>
           <a:r>
-            <a:rPr lang="de-DE" sz="1200" kern="1200" dirty="0" smtClean="0"/>
-            <a:t>Übergangsregler </a:t>
-          </a:r>
-          <a:r>
             <a:rPr lang="de-DE" sz="1200" kern="1200" dirty="0"/>
-            <a:t>für Kurveneintritt</a:t>
+            <a:t>Übergangsregler für Kurveneintritt</a:t>
           </a:r>
         </a:p>
       </dsp:txBody>
@@ -6286,7 +5938,7 @@
         </a:bodyPr>
         <a:lstStyle/>
         <a:p>
-          <a:pPr lvl="0" algn="ctr" defTabSz="711200">
+          <a:pPr marL="0" lvl="0" indent="0" algn="ctr" defTabSz="711200">
             <a:lnSpc>
               <a:spcPct val="90000"/>
             </a:lnSpc>
@@ -6296,15 +5948,15 @@
             <a:spcAft>
               <a:spcPct val="35000"/>
             </a:spcAft>
+            <a:buNone/>
           </a:pPr>
           <a:r>
             <a:rPr lang="de-DE" sz="1600" kern="1200" dirty="0"/>
             <a:t>Regler für </a:t>
           </a:r>
-          <a:endParaRPr lang="de-DE" sz="1600" kern="1200" dirty="0" smtClean="0"/>
         </a:p>
         <a:p>
-          <a:pPr lvl="0" algn="ctr" defTabSz="711200">
+          <a:pPr marL="0" lvl="0" indent="0" algn="ctr" defTabSz="711200">
             <a:lnSpc>
               <a:spcPct val="90000"/>
             </a:lnSpc>
@@ -6314,12 +5966,12 @@
             <a:spcAft>
               <a:spcPct val="35000"/>
             </a:spcAft>
+            <a:buNone/>
           </a:pPr>
           <a:r>
-            <a:rPr lang="de-DE" sz="1600" kern="1200" dirty="0" smtClean="0"/>
+            <a:rPr lang="de-DE" sz="1600" kern="1200" dirty="0"/>
             <a:t>Kurvenfahrt</a:t>
           </a:r>
-          <a:endParaRPr lang="de-DE" sz="1600" kern="1200" dirty="0"/>
         </a:p>
       </dsp:txBody>
       <dsp:txXfrm>
@@ -6453,7 +6105,7 @@
         </a:bodyPr>
         <a:lstStyle/>
         <a:p>
-          <a:pPr lvl="0" algn="ctr" defTabSz="533400">
+          <a:pPr marL="0" lvl="0" indent="0" algn="ctr" defTabSz="533400">
             <a:lnSpc>
               <a:spcPct val="90000"/>
             </a:lnSpc>
@@ -6463,6 +6115,7 @@
             <a:spcAft>
               <a:spcPct val="35000"/>
             </a:spcAft>
+            <a:buNone/>
           </a:pPr>
           <a:r>
             <a:rPr lang="de-DE" sz="1200" kern="1200" dirty="0"/>
@@ -6601,7 +6254,7 @@
         </a:bodyPr>
         <a:lstStyle/>
         <a:p>
-          <a:pPr lvl="0" algn="ctr" defTabSz="533400">
+          <a:pPr marL="0" lvl="0" indent="0" algn="ctr" defTabSz="533400">
             <a:lnSpc>
               <a:spcPct val="90000"/>
             </a:lnSpc>
@@ -6611,14 +6264,11 @@
             <a:spcAft>
               <a:spcPct val="35000"/>
             </a:spcAft>
+            <a:buNone/>
           </a:pPr>
           <a:r>
-            <a:rPr lang="de-DE" sz="1200" kern="1200" dirty="0" smtClean="0"/>
-            <a:t>Übergangsregler </a:t>
-          </a:r>
-          <a:r>
             <a:rPr lang="de-DE" sz="1200" kern="1200" dirty="0"/>
-            <a:t>für Kurvenaustritt</a:t>
+            <a:t>Übergangsregler für Kurvenaustritt</a:t>
           </a:r>
         </a:p>
       </dsp:txBody>
@@ -6694,7 +6344,7 @@
 </file>
 
 <file path=ppt/diagrams/drawing3.xml><?xml version="1.0" encoding="utf-8"?>
-<dsp:drawing xmlns:dgm="http://schemas.openxmlformats.org/drawingml/2006/diagram" xmlns:a="http://schemas.openxmlformats.org/drawingml/2006/main" xmlns:dsp="http://schemas.microsoft.com/office/drawing/2008/diagram">
+<dsp:drawing xmlns:dgm="http://schemas.openxmlformats.org/drawingml/2006/diagram" xmlns:dsp="http://schemas.microsoft.com/office/drawing/2008/diagram" xmlns:a="http://schemas.openxmlformats.org/drawingml/2006/main">
   <dsp:spTree>
     <dsp:nvGrpSpPr>
       <dsp:cNvPr id="0" name=""/>
@@ -6767,7 +6417,7 @@
         </a:bodyPr>
         <a:lstStyle/>
         <a:p>
-          <a:pPr lvl="0" algn="ctr" defTabSz="711200">
+          <a:pPr marL="0" lvl="0" indent="0" algn="ctr" defTabSz="711200">
             <a:lnSpc>
               <a:spcPct val="90000"/>
             </a:lnSpc>
@@ -6777,6 +6427,7 @@
             <a:spcAft>
               <a:spcPct val="35000"/>
             </a:spcAft>
+            <a:buNone/>
           </a:pPr>
           <a:r>
             <a:rPr lang="de-DE" sz="1600" kern="1200" dirty="0"/>
@@ -6785,8 +6436,8 @@
         </a:p>
       </dsp:txBody>
       <dsp:txXfrm>
-        <a:off x="0" y="144019"/>
-        <a:ext cx="1403185" cy="929912"/>
+        <a:off x="27236" y="171255"/>
+        <a:ext cx="1348713" cy="875440"/>
       </dsp:txXfrm>
     </dsp:sp>
     <dsp:sp modelId="{07284E07-4408-4BF2-9E53-8B0D5A353C3A}">
@@ -6851,7 +6502,7 @@
         </a:bodyPr>
         <a:lstStyle/>
         <a:p>
-          <a:pPr lvl="0" algn="ctr" defTabSz="889000">
+          <a:pPr marL="0" lvl="0" indent="0" algn="ctr" defTabSz="889000">
             <a:lnSpc>
               <a:spcPct val="90000"/>
             </a:lnSpc>
@@ -6861,13 +6512,14 @@
             <a:spcAft>
               <a:spcPct val="35000"/>
             </a:spcAft>
+            <a:buNone/>
           </a:pPr>
           <a:endParaRPr lang="de-DE" sz="2000" kern="1200"/>
         </a:p>
       </dsp:txBody>
-      <dsp:txXfrm rot="25898">
-        <a:off x="1712301" y="344958"/>
-        <a:ext cx="744736" cy="548871"/>
+      <dsp:txXfrm>
+        <a:off x="1712303" y="454112"/>
+        <a:ext cx="580075" cy="329323"/>
       </dsp:txXfrm>
     </dsp:sp>
     <dsp:sp modelId="{EB0F924E-08B8-4496-8F7C-D75A9D314B30}">
@@ -6936,7 +6588,7 @@
         </a:bodyPr>
         <a:lstStyle/>
         <a:p>
-          <a:pPr lvl="0" algn="ctr" defTabSz="711200">
+          <a:pPr marL="0" lvl="0" indent="0" algn="ctr" defTabSz="711200">
             <a:lnSpc>
               <a:spcPct val="90000"/>
             </a:lnSpc>
@@ -6946,6 +6598,7 @@
             <a:spcAft>
               <a:spcPct val="35000"/>
             </a:spcAft>
+            <a:buNone/>
           </a:pPr>
           <a:r>
             <a:rPr lang="de-DE" sz="1600" kern="1200" dirty="0"/>
@@ -6954,8 +6607,8 @@
         </a:p>
       </dsp:txBody>
       <dsp:txXfrm>
-        <a:off x="2808308" y="144019"/>
-        <a:ext cx="2259092" cy="978673"/>
+        <a:off x="2836972" y="172683"/>
+        <a:ext cx="2201764" cy="921345"/>
       </dsp:txXfrm>
     </dsp:sp>
     <dsp:sp modelId="{87601AF7-0F9F-46ED-B4EE-1B62860D4BA5}">
@@ -7020,7 +6673,7 @@
         </a:bodyPr>
         <a:lstStyle/>
         <a:p>
-          <a:pPr lvl="0" algn="ctr" defTabSz="889000">
+          <a:pPr marL="0" lvl="0" indent="0" algn="ctr" defTabSz="889000">
             <a:lnSpc>
               <a:spcPct val="90000"/>
             </a:lnSpc>
@@ -7030,13 +6683,14 @@
             <a:spcAft>
               <a:spcPct val="35000"/>
             </a:spcAft>
+            <a:buNone/>
           </a:pPr>
           <a:endParaRPr lang="de-DE" sz="2000" kern="1200"/>
         </a:p>
       </dsp:txBody>
-      <dsp:txXfrm rot="21569511">
-        <a:off x="5299112" y="344371"/>
-        <a:ext cx="558260" cy="548871"/>
+      <dsp:txXfrm>
+        <a:off x="5299115" y="454875"/>
+        <a:ext cx="393599" cy="329323"/>
       </dsp:txXfrm>
     </dsp:sp>
     <dsp:sp modelId="{3ECB9AC3-8324-4FBC-8785-044F1DD81182}">
@@ -7105,7 +6759,7 @@
         </a:bodyPr>
         <a:lstStyle/>
         <a:p>
-          <a:pPr lvl="0" algn="ctr" defTabSz="711200">
+          <a:pPr marL="0" lvl="0" indent="0" algn="ctr" defTabSz="711200">
             <a:lnSpc>
               <a:spcPct val="90000"/>
             </a:lnSpc>
@@ -7115,6 +6769,7 @@
             <a:spcAft>
               <a:spcPct val="35000"/>
             </a:spcAft>
+            <a:buNone/>
           </a:pPr>
           <a:r>
             <a:rPr lang="de-DE" sz="1600" kern="1200" dirty="0"/>
@@ -7128,8 +6783,8 @@
         </a:p>
       </dsp:txBody>
       <dsp:txXfrm>
-        <a:off x="6120681" y="72006"/>
-        <a:ext cx="2213191" cy="1064350"/>
+        <a:off x="6151855" y="103180"/>
+        <a:ext cx="2150843" cy="1002002"/>
       </dsp:txXfrm>
     </dsp:sp>
     <dsp:sp modelId="{57D1F035-83D0-404D-822E-A0E9FF1B02F1}">
@@ -7194,7 +6849,7 @@
         </a:bodyPr>
         <a:lstStyle/>
         <a:p>
-          <a:pPr lvl="0" algn="ctr" defTabSz="889000">
+          <a:pPr marL="0" lvl="0" indent="0" algn="ctr" defTabSz="889000">
             <a:lnSpc>
               <a:spcPct val="90000"/>
             </a:lnSpc>
@@ -7204,13 +6859,14 @@
             <a:spcAft>
               <a:spcPct val="35000"/>
             </a:spcAft>
+            <a:buNone/>
           </a:pPr>
           <a:endParaRPr lang="de-DE" sz="2000" kern="1200"/>
         </a:p>
       </dsp:txBody>
-      <dsp:txXfrm rot="5400000">
-        <a:off x="7070441" y="1148960"/>
-        <a:ext cx="313671" cy="548871"/>
+      <dsp:txXfrm rot="-5400000">
+        <a:off x="7062616" y="1266560"/>
+        <a:ext cx="329323" cy="219570"/>
       </dsp:txXfrm>
     </dsp:sp>
     <dsp:sp modelId="{0C959095-7882-4471-98AD-EDED72A06E2D}">
@@ -7279,7 +6935,7 @@
         </a:bodyPr>
         <a:lstStyle/>
         <a:p>
-          <a:pPr lvl="0" algn="ctr" defTabSz="711200">
+          <a:pPr marL="0" lvl="0" indent="0" algn="ctr" defTabSz="711200">
             <a:lnSpc>
               <a:spcPct val="90000"/>
             </a:lnSpc>
@@ -7289,6 +6945,7 @@
             <a:spcAft>
               <a:spcPct val="35000"/>
             </a:spcAft>
+            <a:buNone/>
           </a:pPr>
           <a:r>
             <a:rPr lang="de-DE" sz="1600" kern="1200" dirty="0"/>
@@ -7297,8 +6954,8 @@
         </a:p>
       </dsp:txBody>
       <dsp:txXfrm>
-        <a:off x="6120681" y="1728190"/>
-        <a:ext cx="2213191" cy="1066647"/>
+        <a:off x="6151922" y="1759431"/>
+        <a:ext cx="2150709" cy="1004165"/>
       </dsp:txXfrm>
     </dsp:sp>
     <dsp:sp modelId="{C187702E-51EF-4FC5-95AA-90B3C81FA086}">
@@ -7363,7 +7020,7 @@
         </a:bodyPr>
         <a:lstStyle/>
         <a:p>
-          <a:pPr lvl="0" algn="ctr" defTabSz="1111250">
+          <a:pPr marL="0" lvl="0" indent="0" algn="ctr" defTabSz="1111250">
             <a:lnSpc>
               <a:spcPct val="90000"/>
             </a:lnSpc>
@@ -7373,13 +7030,14 @@
             <a:spcAft>
               <a:spcPct val="35000"/>
             </a:spcAft>
+            <a:buNone/>
           </a:pPr>
           <a:endParaRPr lang="de-DE" sz="2500" kern="1200"/>
         </a:p>
       </dsp:txBody>
-      <dsp:txXfrm rot="10821407">
-        <a:off x="5458313" y="1977520"/>
-        <a:ext cx="468079" cy="548871"/>
+      <dsp:txXfrm rot="10800000">
+        <a:off x="5598736" y="2087731"/>
+        <a:ext cx="327655" cy="329323"/>
       </dsp:txXfrm>
     </dsp:sp>
     <dsp:sp modelId="{FAC03DC4-EE0B-4F48-810D-D7D90D29CDA7}">
@@ -7448,7 +7106,7 @@
         </a:bodyPr>
         <a:lstStyle/>
         <a:p>
-          <a:pPr lvl="0" algn="ctr" defTabSz="711200">
+          <a:pPr marL="0" lvl="0" indent="0" algn="ctr" defTabSz="711200">
             <a:lnSpc>
               <a:spcPct val="90000"/>
             </a:lnSpc>
@@ -7458,6 +7116,7 @@
             <a:spcAft>
               <a:spcPct val="35000"/>
             </a:spcAft>
+            <a:buNone/>
           </a:pPr>
           <a:r>
             <a:rPr lang="de-DE" sz="1600" kern="1200" dirty="0"/>
@@ -7466,8 +7125,8 @@
         </a:p>
       </dsp:txBody>
       <dsp:txXfrm>
-        <a:off x="3024338" y="1728197"/>
-        <a:ext cx="2213191" cy="1028071"/>
+        <a:off x="3054449" y="1758308"/>
+        <a:ext cx="2152969" cy="967849"/>
       </dsp:txXfrm>
     </dsp:sp>
     <dsp:sp modelId="{B11A5A4A-6892-4B2E-B725-ECE29BCF5F77}">
@@ -7532,7 +7191,7 @@
         </a:bodyPr>
         <a:lstStyle/>
         <a:p>
-          <a:pPr lvl="0" algn="ctr" defTabSz="1111250">
+          <a:pPr marL="0" lvl="0" indent="0" algn="ctr" defTabSz="1111250">
             <a:lnSpc>
               <a:spcPct val="90000"/>
             </a:lnSpc>
@@ -7542,13 +7201,14 @@
             <a:spcAft>
               <a:spcPct val="35000"/>
             </a:spcAft>
+            <a:buNone/>
           </a:pPr>
           <a:endParaRPr lang="de-DE" sz="2500" kern="1200"/>
         </a:p>
       </dsp:txBody>
-      <dsp:txXfrm rot="10815290">
-        <a:off x="2415975" y="1961125"/>
-        <a:ext cx="429912" cy="548871"/>
+      <dsp:txXfrm rot="10800000">
+        <a:off x="2544948" y="2071186"/>
+        <a:ext cx="300938" cy="329323"/>
       </dsp:txXfrm>
     </dsp:sp>
     <dsp:sp modelId="{25B326A3-A87D-4B61-8CBD-2F11BDEA96BC}">
@@ -7617,7 +7277,7 @@
         </a:bodyPr>
         <a:lstStyle/>
         <a:p>
-          <a:pPr lvl="0" algn="ctr" defTabSz="711200">
+          <a:pPr marL="0" lvl="0" indent="0" algn="ctr" defTabSz="711200">
             <a:lnSpc>
               <a:spcPct val="90000"/>
             </a:lnSpc>
@@ -7627,6 +7287,7 @@
             <a:spcAft>
               <a:spcPct val="35000"/>
             </a:spcAft>
+            <a:buNone/>
           </a:pPr>
           <a:r>
             <a:rPr lang="de-DE" sz="1600" kern="1200" dirty="0"/>
@@ -7635,8 +7296,8 @@
         </a:p>
       </dsp:txBody>
       <dsp:txXfrm>
-        <a:off x="0" y="1728190"/>
-        <a:ext cx="2213191" cy="1001181"/>
+        <a:off x="29324" y="1757514"/>
+        <a:ext cx="2154543" cy="942533"/>
       </dsp:txXfrm>
     </dsp:sp>
   </dsp:spTree>
@@ -12404,7 +12065,7 @@
     </p:spTree>
     <p:extLst>
       <p:ext uri="{BB962C8B-B14F-4D97-AF65-F5344CB8AC3E}">
-        <p14:creationId xmlns:p14="http://schemas.microsoft.com/office/powerpoint/2010/main" xmlns="" val="3306506664"/>
+        <p14:creationId xmlns:p14="http://schemas.microsoft.com/office/powerpoint/2010/main" val="3306506664"/>
       </p:ext>
     </p:extLst>
   </p:cSld>
@@ -12980,7 +12641,7 @@
     </p:spTree>
     <p:extLst>
       <p:ext uri="{BB962C8B-B14F-4D97-AF65-F5344CB8AC3E}">
-        <p14:creationId xmlns:p14="http://schemas.microsoft.com/office/powerpoint/2010/main" xmlns="" val="3290858648"/>
+        <p14:creationId xmlns:p14="http://schemas.microsoft.com/office/powerpoint/2010/main" val="3290858648"/>
       </p:ext>
     </p:extLst>
   </p:cSld>
@@ -13951,7 +13612,7 @@
     </p:spTree>
     <p:extLst>
       <p:ext uri="{BB962C8B-B14F-4D97-AF65-F5344CB8AC3E}">
-        <p14:creationId xmlns:p14="http://schemas.microsoft.com/office/powerpoint/2010/main" xmlns="" val="1472061649"/>
+        <p14:creationId xmlns:p14="http://schemas.microsoft.com/office/powerpoint/2010/main" val="1472061649"/>
       </p:ext>
     </p:extLst>
   </p:cSld>
@@ -14087,7 +13748,7 @@
     </p:spTree>
     <p:extLst>
       <p:ext uri="{BB962C8B-B14F-4D97-AF65-F5344CB8AC3E}">
-        <p14:creationId xmlns:p14="http://schemas.microsoft.com/office/powerpoint/2010/main" xmlns="" val="3579872104"/>
+        <p14:creationId xmlns:p14="http://schemas.microsoft.com/office/powerpoint/2010/main" val="3579872104"/>
       </p:ext>
     </p:extLst>
   </p:cSld>
@@ -14912,7 +14573,7 @@
     </p:spTree>
     <p:extLst>
       <p:ext uri="{BB962C8B-B14F-4D97-AF65-F5344CB8AC3E}">
-        <p14:creationId xmlns:p14="http://schemas.microsoft.com/office/powerpoint/2010/main" xmlns="" val="4086205857"/>
+        <p14:creationId xmlns:p14="http://schemas.microsoft.com/office/powerpoint/2010/main" val="4086205857"/>
       </p:ext>
     </p:extLst>
   </p:cSld>
@@ -15181,7 +14842,7 @@
     </p:spTree>
     <p:extLst>
       <p:ext uri="{BB962C8B-B14F-4D97-AF65-F5344CB8AC3E}">
-        <p14:creationId xmlns:p14="http://schemas.microsoft.com/office/powerpoint/2010/main" xmlns="" val="3979630434"/>
+        <p14:creationId xmlns:p14="http://schemas.microsoft.com/office/powerpoint/2010/main" val="3979630434"/>
       </p:ext>
     </p:extLst>
   </p:cSld>
@@ -15317,7 +14978,7 @@
     </p:spTree>
     <p:extLst>
       <p:ext uri="{BB962C8B-B14F-4D97-AF65-F5344CB8AC3E}">
-        <p14:creationId xmlns:p14="http://schemas.microsoft.com/office/powerpoint/2010/main" xmlns="" val="894590783"/>
+        <p14:creationId xmlns:p14="http://schemas.microsoft.com/office/powerpoint/2010/main" val="894590783"/>
       </p:ext>
     </p:extLst>
   </p:cSld>
@@ -15453,7 +15114,7 @@
     </p:spTree>
     <p:extLst>
       <p:ext uri="{BB962C8B-B14F-4D97-AF65-F5344CB8AC3E}">
-        <p14:creationId xmlns:p14="http://schemas.microsoft.com/office/powerpoint/2010/main" xmlns="" val="894590783"/>
+        <p14:creationId xmlns:p14="http://schemas.microsoft.com/office/powerpoint/2010/main" val="894590783"/>
       </p:ext>
     </p:extLst>
   </p:cSld>
@@ -15589,7 +15250,7 @@
     </p:spTree>
     <p:extLst>
       <p:ext uri="{BB962C8B-B14F-4D97-AF65-F5344CB8AC3E}">
-        <p14:creationId xmlns:p14="http://schemas.microsoft.com/office/powerpoint/2010/main" xmlns="" val="894590783"/>
+        <p14:creationId xmlns:p14="http://schemas.microsoft.com/office/powerpoint/2010/main" val="894590783"/>
       </p:ext>
     </p:extLst>
   </p:cSld>
@@ -15725,7 +15386,7 @@
     </p:spTree>
     <p:extLst>
       <p:ext uri="{BB962C8B-B14F-4D97-AF65-F5344CB8AC3E}">
-        <p14:creationId xmlns:p14="http://schemas.microsoft.com/office/powerpoint/2010/main" xmlns="" val="894590783"/>
+        <p14:creationId xmlns:p14="http://schemas.microsoft.com/office/powerpoint/2010/main" val="894590783"/>
       </p:ext>
     </p:extLst>
   </p:cSld>
@@ -15861,7 +15522,7 @@
     </p:spTree>
     <p:extLst>
       <p:ext uri="{BB962C8B-B14F-4D97-AF65-F5344CB8AC3E}">
-        <p14:creationId xmlns:p14="http://schemas.microsoft.com/office/powerpoint/2010/main" xmlns="" val="894590783"/>
+        <p14:creationId xmlns:p14="http://schemas.microsoft.com/office/powerpoint/2010/main" val="894590783"/>
       </p:ext>
     </p:extLst>
   </p:cSld>
@@ -21208,13 +20869,6 @@
     <a:masterClrMapping/>
   </p:clrMapOvr>
   <p:transition/>
-  <p:timing>
-    <p:tnLst>
-      <p:par>
-        <p:cTn id="1" dur="indefinite" restart="never" nodeType="tmRoot"/>
-      </p:par>
-    </p:tnLst>
-  </p:timing>
 </p:sld>
 </file>
 
@@ -21359,7 +21013,7 @@
           <p:nvPr>
             <p:extLst>
               <p:ext uri="{D42A27DB-BD31-4B8C-83A1-F6EECF244321}">
-                <p14:modId xmlns:p14="http://schemas.microsoft.com/office/powerpoint/2010/main" xmlns="" val="1294336154"/>
+                <p14:modId xmlns:p14="http://schemas.microsoft.com/office/powerpoint/2010/main" val="1294336154"/>
               </p:ext>
             </p:extLst>
           </p:nvPr>
@@ -21378,14 +21032,14 @@
                 <a:gridCol w="3996444">
                   <a:extLst>
                     <a:ext uri="{9D8B030D-6E8A-4147-A177-3AD203B41FA5}">
-                      <a16:colId xmlns:a16="http://schemas.microsoft.com/office/drawing/2014/main" xmlns="" val="20000"/>
+                      <a16:colId xmlns:a16="http://schemas.microsoft.com/office/drawing/2014/main" val="20000"/>
                     </a:ext>
                   </a:extLst>
                 </a:gridCol>
                 <a:gridCol w="3996444">
                   <a:extLst>
                     <a:ext uri="{9D8B030D-6E8A-4147-A177-3AD203B41FA5}">
-                      <a16:colId xmlns:a16="http://schemas.microsoft.com/office/drawing/2014/main" xmlns="" val="20001"/>
+                      <a16:colId xmlns:a16="http://schemas.microsoft.com/office/drawing/2014/main" val="20001"/>
                     </a:ext>
                   </a:extLst>
                 </a:gridCol>
@@ -21424,7 +21078,7 @@
                 </a:tc>
                 <a:extLst>
                   <a:ext uri="{0D108BD9-81ED-4DB2-BD59-A6C34878D82A}">
-                    <a16:rowId xmlns:a16="http://schemas.microsoft.com/office/drawing/2014/main" xmlns="" val="10000"/>
+                    <a16:rowId xmlns:a16="http://schemas.microsoft.com/office/drawing/2014/main" val="10000"/>
                   </a:ext>
                 </a:extLst>
               </a:tr>
@@ -21521,7 +21175,7 @@
                 </a:tc>
                 <a:extLst>
                   <a:ext uri="{0D108BD9-81ED-4DB2-BD59-A6C34878D82A}">
-                    <a16:rowId xmlns:a16="http://schemas.microsoft.com/office/drawing/2014/main" xmlns="" val="10001"/>
+                    <a16:rowId xmlns:a16="http://schemas.microsoft.com/office/drawing/2014/main" val="10001"/>
                   </a:ext>
                 </a:extLst>
               </a:tr>
@@ -21534,13 +21188,6 @@
   <p:clrMapOvr>
     <a:masterClrMapping/>
   </p:clrMapOvr>
-  <p:timing>
-    <p:tnLst>
-      <p:par>
-        <p:cTn id="1" dur="indefinite" restart="never" nodeType="tmRoot"/>
-      </p:par>
-    </p:tnLst>
-  </p:timing>
 </p:sld>
 </file>
 
@@ -21671,13 +21318,6 @@
   <p:clrMapOvr>
     <a:masterClrMapping/>
   </p:clrMapOvr>
-  <p:timing>
-    <p:tnLst>
-      <p:par>
-        <p:cTn id="1" dur="indefinite" restart="never" nodeType="tmRoot"/>
-      </p:par>
-    </p:tnLst>
-  </p:timing>
 </p:sld>
 </file>
 
@@ -21997,13 +21637,6 @@
   <p:clrMapOvr>
     <a:masterClrMapping/>
   </p:clrMapOvr>
-  <p:timing>
-    <p:tnLst>
-      <p:par>
-        <p:cTn id="1" dur="indefinite" restart="never" nodeType="tmRoot"/>
-      </p:par>
-    </p:tnLst>
-  </p:timing>
 </p:sld>
 </file>
 
@@ -22154,13 +21787,6 @@
   <p:clrMapOvr>
     <a:masterClrMapping/>
   </p:clrMapOvr>
-  <p:timing>
-    <p:tnLst>
-      <p:par>
-        <p:cTn id="1" dur="indefinite" restart="never" nodeType="tmRoot"/>
-      </p:par>
-    </p:tnLst>
-  </p:timing>
 </p:sld>
 </file>
 
@@ -22275,13 +21901,6 @@
   <p:clrMapOvr>
     <a:masterClrMapping/>
   </p:clrMapOvr>
-  <p:timing>
-    <p:tnLst>
-      <p:par>
-        <p:cTn id="1" dur="indefinite" restart="never" nodeType="tmRoot"/>
-      </p:par>
-    </p:tnLst>
-  </p:timing>
 </p:sld>
 </file>
 
@@ -22446,13 +22065,6 @@
   <p:clrMapOvr>
     <a:masterClrMapping/>
   </p:clrMapOvr>
-  <p:timing>
-    <p:tnLst>
-      <p:par>
-        <p:cTn id="1" dur="indefinite" restart="never" nodeType="tmRoot"/>
-      </p:par>
-    </p:tnLst>
-  </p:timing>
 </p:sld>
 </file>
 
@@ -22563,13 +22175,6 @@
   <p:clrMapOvr>
     <a:masterClrMapping/>
   </p:clrMapOvr>
-  <p:timing>
-    <p:tnLst>
-      <p:par>
-        <p:cTn id="1" dur="indefinite" restart="never" nodeType="tmRoot"/>
-      </p:par>
-    </p:tnLst>
-  </p:timing>
 </p:sld>
 </file>
 
@@ -22606,35 +22211,35 @@
           <a:lstStyle/>
           <a:p>
             <a:r>
-              <a:rPr lang="en-US" dirty="0" smtClean="0"/>
+              <a:rPr lang="en-US" dirty="0"/>
               <a:t>Team AUDO </a:t>
             </a:r>
             <a:r>
-              <a:rPr lang="en-US" dirty="0" err="1" smtClean="0"/>
+              <a:rPr lang="en-US" dirty="0" err="1"/>
               <a:t>dankt</a:t>
             </a:r>
             <a:r>
-              <a:rPr lang="en-US" dirty="0" smtClean="0"/>
+              <a:rPr lang="en-US" dirty="0"/>
               <a:t> </a:t>
             </a:r>
             <a:r>
-              <a:rPr lang="en-US" dirty="0" err="1" smtClean="0"/>
+              <a:rPr lang="en-US" dirty="0" err="1"/>
               <a:t>für</a:t>
             </a:r>
             <a:r>
-              <a:rPr lang="en-US" dirty="0" smtClean="0"/>
+              <a:rPr lang="en-US" dirty="0"/>
               <a:t> </a:t>
             </a:r>
             <a:r>
-              <a:rPr lang="en-US" dirty="0" err="1" smtClean="0"/>
+              <a:rPr lang="en-US" dirty="0" err="1"/>
               <a:t>Ihre</a:t>
             </a:r>
             <a:r>
-              <a:rPr lang="en-US" dirty="0" smtClean="0"/>
+              <a:rPr lang="en-US" dirty="0"/>
               <a:t> </a:t>
             </a:r>
             <a:r>
-              <a:rPr lang="en-US" dirty="0" err="1" smtClean="0"/>
+              <a:rPr lang="en-US" dirty="0" err="1"/>
               <a:t>Aufmerksamkeit</a:t>
             </a:r>
             <a:endParaRPr lang="en-US" dirty="0"/>
@@ -22839,7 +22444,7 @@
           <a:blip r:embed="rId3" cstate="print">
             <a:extLst>
               <a:ext uri="{28A0092B-C50C-407E-A947-70E740481C1C}">
-                <a14:useLocalDpi xmlns:a14="http://schemas.microsoft.com/office/drawing/2010/main" xmlns="" val="0"/>
+                <a14:useLocalDpi xmlns:a14="http://schemas.microsoft.com/office/drawing/2010/main" val="0"/>
               </a:ext>
             </a:extLst>
           </a:blip>
@@ -22859,7 +22464,7 @@
           <a:noFill/>
           <a:extLst>
             <a:ext uri="{909E8E84-426E-40DD-AFC4-6F175D3DCCD1}">
-              <a14:hiddenFill xmlns:a14="http://schemas.microsoft.com/office/drawing/2010/main" xmlns="">
+              <a14:hiddenFill xmlns:a14="http://schemas.microsoft.com/office/drawing/2010/main">
                 <a:solidFill>
                   <a:srgbClr val="FFFFFF"/>
                 </a:solidFill>
@@ -22871,7 +22476,7 @@
     </p:spTree>
     <p:extLst>
       <p:ext uri="{BB962C8B-B14F-4D97-AF65-F5344CB8AC3E}">
-        <p14:creationId xmlns:p14="http://schemas.microsoft.com/office/powerpoint/2010/main" xmlns="" val="785031693"/>
+        <p14:creationId xmlns:p14="http://schemas.microsoft.com/office/powerpoint/2010/main" val="785031693"/>
       </p:ext>
     </p:extLst>
   </p:cSld>
@@ -22879,13 +22484,6 @@
     <a:masterClrMapping/>
   </p:clrMapOvr>
   <p:transition/>
-  <p:timing>
-    <p:tnLst>
-      <p:par>
-        <p:cTn id="1" dur="indefinite" restart="never" nodeType="tmRoot"/>
-      </p:par>
-    </p:tnLst>
-  </p:timing>
 </p:sld>
 </file>
 
@@ -22911,7 +22509,7 @@
           <p:cNvPr id="2" name="Titel 1">
             <a:extLst>
               <a:ext uri="{FF2B5EF4-FFF2-40B4-BE49-F238E27FC236}">
-                <a16:creationId xmlns:a16="http://schemas.microsoft.com/office/drawing/2014/main" xmlns="" id="{24452668-05B8-45C3-9C30-2FC567BF5B34}"/>
+                <a16:creationId xmlns:a16="http://schemas.microsoft.com/office/drawing/2014/main" id="{24452668-05B8-45C3-9C30-2FC567BF5B34}"/>
               </a:ext>
             </a:extLst>
           </p:cNvPr>
@@ -22940,7 +22538,7 @@
           <p:cNvPr id="3" name="Inhaltsplatzhalter 2">
             <a:extLst>
               <a:ext uri="{FF2B5EF4-FFF2-40B4-BE49-F238E27FC236}">
-                <a16:creationId xmlns:a16="http://schemas.microsoft.com/office/drawing/2014/main" xmlns="" id="{6F95FF9C-402A-4AAD-8E88-8EE33D2499FD}"/>
+                <a16:creationId xmlns:a16="http://schemas.microsoft.com/office/drawing/2014/main" id="{6F95FF9C-402A-4AAD-8E88-8EE33D2499FD}"/>
               </a:ext>
             </a:extLst>
           </p:cNvPr>
@@ -23080,20 +22678,13 @@
     </p:spTree>
     <p:extLst>
       <p:ext uri="{BB962C8B-B14F-4D97-AF65-F5344CB8AC3E}">
-        <p14:creationId xmlns:p14="http://schemas.microsoft.com/office/powerpoint/2010/main" xmlns="" val="2622745934"/>
+        <p14:creationId xmlns:p14="http://schemas.microsoft.com/office/powerpoint/2010/main" val="2622745934"/>
       </p:ext>
     </p:extLst>
   </p:cSld>
   <p:clrMapOvr>
     <a:masterClrMapping/>
   </p:clrMapOvr>
-  <p:timing>
-    <p:tnLst>
-      <p:par>
-        <p:cTn id="1" dur="indefinite" restart="never" nodeType="tmRoot"/>
-      </p:par>
-    </p:tnLst>
-  </p:timing>
 </p:sld>
 </file>
 
@@ -23193,7 +22784,7 @@
           <a:blip r:embed="rId2" cstate="print">
             <a:extLst>
               <a:ext uri="{28A0092B-C50C-407E-A947-70E740481C1C}">
-                <a14:useLocalDpi xmlns:a14="http://schemas.microsoft.com/office/drawing/2010/main" xmlns="" val="0"/>
+                <a14:useLocalDpi xmlns:a14="http://schemas.microsoft.com/office/drawing/2010/main" val="0"/>
               </a:ext>
             </a:extLst>
           </a:blip>
@@ -23213,7 +22804,7 @@
           <a:noFill/>
           <a:extLst>
             <a:ext uri="{909E8E84-426E-40DD-AFC4-6F175D3DCCD1}">
-              <a14:hiddenFill xmlns:a14="http://schemas.microsoft.com/office/drawing/2010/main" xmlns="">
+              <a14:hiddenFill xmlns:a14="http://schemas.microsoft.com/office/drawing/2010/main">
                 <a:solidFill>
                   <a:srgbClr val="FFFFFF"/>
                 </a:solidFill>
@@ -23225,20 +22816,13 @@
     </p:spTree>
     <p:extLst>
       <p:ext uri="{BB962C8B-B14F-4D97-AF65-F5344CB8AC3E}">
-        <p14:creationId xmlns:p14="http://schemas.microsoft.com/office/powerpoint/2010/main" xmlns="" val="983291378"/>
+        <p14:creationId xmlns:p14="http://schemas.microsoft.com/office/powerpoint/2010/main" val="983291378"/>
       </p:ext>
     </p:extLst>
   </p:cSld>
   <p:clrMapOvr>
     <a:masterClrMapping/>
   </p:clrMapOvr>
-  <p:timing>
-    <p:tnLst>
-      <p:par>
-        <p:cTn id="1" dur="indefinite" restart="never" nodeType="tmRoot"/>
-      </p:par>
-    </p:tnLst>
-  </p:timing>
 </p:sld>
 </file>
 
@@ -23334,7 +22918,7 @@
           <a:blip r:embed="rId2" cstate="print">
             <a:extLst>
               <a:ext uri="{28A0092B-C50C-407E-A947-70E740481C1C}">
-                <a14:useLocalDpi xmlns:a14="http://schemas.microsoft.com/office/drawing/2010/main" xmlns="" val="0"/>
+                <a14:useLocalDpi xmlns:a14="http://schemas.microsoft.com/office/drawing/2010/main" val="0"/>
               </a:ext>
             </a:extLst>
           </a:blip>
@@ -23354,7 +22938,7 @@
           <a:noFill/>
           <a:extLst>
             <a:ext uri="{909E8E84-426E-40DD-AFC4-6F175D3DCCD1}">
-              <a14:hiddenFill xmlns:a14="http://schemas.microsoft.com/office/drawing/2010/main" xmlns="">
+              <a14:hiddenFill xmlns:a14="http://schemas.microsoft.com/office/drawing/2010/main">
                 <a:solidFill>
                   <a:srgbClr val="FFFFFF"/>
                 </a:solidFill>
@@ -23366,20 +22950,13 @@
     </p:spTree>
     <p:extLst>
       <p:ext uri="{BB962C8B-B14F-4D97-AF65-F5344CB8AC3E}">
-        <p14:creationId xmlns:p14="http://schemas.microsoft.com/office/powerpoint/2010/main" xmlns="" val="617314025"/>
+        <p14:creationId xmlns:p14="http://schemas.microsoft.com/office/powerpoint/2010/main" val="617314025"/>
       </p:ext>
     </p:extLst>
   </p:cSld>
   <p:clrMapOvr>
     <a:masterClrMapping/>
   </p:clrMapOvr>
-  <p:timing>
-    <p:tnLst>
-      <p:par>
-        <p:cTn id="1" dur="indefinite" restart="never" nodeType="tmRoot"/>
-      </p:par>
-    </p:tnLst>
-  </p:timing>
 </p:sld>
 </file>
 
@@ -23521,13 +23098,6 @@
   <p:clrMapOvr>
     <a:masterClrMapping/>
   </p:clrMapOvr>
-  <p:timing>
-    <p:tnLst>
-      <p:par>
-        <p:cTn id="1" dur="indefinite" restart="never" nodeType="tmRoot"/>
-      </p:par>
-    </p:tnLst>
-  </p:timing>
 </p:sld>
 </file>
 
@@ -23583,7 +23153,7 @@
           <p:cNvPr id="14" name="Inhaltsplatzhalter 3">
             <a:extLst>
               <a:ext uri="{FF2B5EF4-FFF2-40B4-BE49-F238E27FC236}">
-                <a16:creationId xmlns:a16="http://schemas.microsoft.com/office/drawing/2014/main" xmlns="" id="{623B82DC-64DB-4354-8E55-304B35AF71D9}"/>
+                <a16:creationId xmlns:a16="http://schemas.microsoft.com/office/drawing/2014/main" id="{623B82DC-64DB-4354-8E55-304B35AF71D9}"/>
               </a:ext>
             </a:extLst>
           </p:cNvPr>
@@ -23594,7 +23164,7 @@
             <p:ph idx="1"/>
             <p:extLst>
               <p:ext uri="{D42A27DB-BD31-4B8C-83A1-F6EECF244321}">
-                <p14:modId xmlns:p14="http://schemas.microsoft.com/office/powerpoint/2010/main" xmlns="" val="2214531670"/>
+                <p14:modId xmlns:p14="http://schemas.microsoft.com/office/powerpoint/2010/main" val="2214531670"/>
               </p:ext>
             </p:extLst>
           </p:nvPr>
@@ -23611,10 +23181,10 @@
       </p:graphicFrame>
       <p:pic>
         <p:nvPicPr>
-          <p:cNvPr id="4" name="Grafik 3">
+          <p:cNvPr id="3" name="Grafik 2">
             <a:extLst>
               <a:ext uri="{FF2B5EF4-FFF2-40B4-BE49-F238E27FC236}">
-                <a16:creationId xmlns:a16="http://schemas.microsoft.com/office/drawing/2014/main" xmlns="" id="{081E4E9B-4EBD-4141-91E8-D33E8998BBF2}"/>
+                <a16:creationId xmlns:a16="http://schemas.microsoft.com/office/drawing/2014/main" id="{F3300EAD-53F7-4222-BF05-5FB72AC5E730}"/>
               </a:ext>
             </a:extLst>
           </p:cNvPr>
@@ -23624,20 +23194,20 @@
           <p:nvPr/>
         </p:nvPicPr>
         <p:blipFill rotWithShape="1">
-          <a:blip r:embed="rId8" cstate="print">
+          <a:blip r:embed="rId8">
             <a:extLst>
               <a:ext uri="{28A0092B-C50C-407E-A947-70E740481C1C}">
-                <a14:useLocalDpi xmlns:a14="http://schemas.microsoft.com/office/drawing/2010/main" xmlns="" val="0"/>
+                <a14:useLocalDpi xmlns:a14="http://schemas.microsoft.com/office/drawing/2010/main" val="0"/>
               </a:ext>
             </a:extLst>
           </a:blip>
-          <a:srcRect l="3631" t="538" r="27382" b="61281"/>
+          <a:srcRect l="8895" t="1376" r="6677" b="37533"/>
           <a:stretch/>
         </p:blipFill>
         <p:spPr>
           <a:xfrm>
-            <a:off x="3203848" y="3176972"/>
-            <a:ext cx="2736304" cy="1584176"/>
+            <a:off x="3077197" y="3128192"/>
+            <a:ext cx="2989605" cy="1681735"/>
           </a:xfrm>
           <a:prstGeom prst="rect">
             <a:avLst/>
@@ -23649,13 +23219,6 @@
   <p:clrMapOvr>
     <a:masterClrMapping/>
   </p:clrMapOvr>
-  <p:timing>
-    <p:tnLst>
-      <p:par>
-        <p:cTn id="1" dur="indefinite" restart="never" nodeType="tmRoot"/>
-      </p:par>
-    </p:tnLst>
-  </p:timing>
 </p:sld>
 </file>
 
@@ -23681,7 +23244,7 @@
           <p:cNvPr id="2" name="Titel 1">
             <a:extLst>
               <a:ext uri="{FF2B5EF4-FFF2-40B4-BE49-F238E27FC236}">
-                <a16:creationId xmlns:a16="http://schemas.microsoft.com/office/drawing/2014/main" xmlns="" id="{247A9A6B-698B-4DF4-ACE3-268B29758689}"/>
+                <a16:creationId xmlns:a16="http://schemas.microsoft.com/office/drawing/2014/main" id="{247A9A6B-698B-4DF4-ACE3-268B29758689}"/>
               </a:ext>
             </a:extLst>
           </p:cNvPr>
@@ -23709,7 +23272,7 @@
           <p:cNvPr id="5" name="Inhaltsplatzhalter 4">
             <a:extLst>
               <a:ext uri="{FF2B5EF4-FFF2-40B4-BE49-F238E27FC236}">
-                <a16:creationId xmlns:a16="http://schemas.microsoft.com/office/drawing/2014/main" xmlns="" id="{1C669BFA-9CFF-4C78-AC36-F65950F23075}"/>
+                <a16:creationId xmlns:a16="http://schemas.microsoft.com/office/drawing/2014/main" id="{1C669BFA-9CFF-4C78-AC36-F65950F23075}"/>
               </a:ext>
             </a:extLst>
           </p:cNvPr>
@@ -23724,7 +23287,7 @@
           <a:blip r:embed="rId2" cstate="print">
             <a:extLst>
               <a:ext uri="{28A0092B-C50C-407E-A947-70E740481C1C}">
-                <a14:useLocalDpi xmlns:a14="http://schemas.microsoft.com/office/drawing/2010/main" xmlns="" val="0"/>
+                <a14:useLocalDpi xmlns:a14="http://schemas.microsoft.com/office/drawing/2010/main" val="0"/>
               </a:ext>
             </a:extLst>
           </a:blip>
@@ -23743,7 +23306,7 @@
           <p:cNvPr id="7" name="Grafik 6">
             <a:extLst>
               <a:ext uri="{FF2B5EF4-FFF2-40B4-BE49-F238E27FC236}">
-                <a16:creationId xmlns:a16="http://schemas.microsoft.com/office/drawing/2014/main" xmlns="" id="{B61EC954-8338-4C06-8163-37CCA75347BF}"/>
+                <a16:creationId xmlns:a16="http://schemas.microsoft.com/office/drawing/2014/main" id="{B61EC954-8338-4C06-8163-37CCA75347BF}"/>
               </a:ext>
             </a:extLst>
           </p:cNvPr>
@@ -23756,7 +23319,7 @@
           <a:blip r:embed="rId3" cstate="print">
             <a:extLst>
               <a:ext uri="{28A0092B-C50C-407E-A947-70E740481C1C}">
-                <a14:useLocalDpi xmlns:a14="http://schemas.microsoft.com/office/drawing/2010/main" xmlns="" val="0"/>
+                <a14:useLocalDpi xmlns:a14="http://schemas.microsoft.com/office/drawing/2010/main" val="0"/>
               </a:ext>
             </a:extLst>
           </a:blip>
@@ -23778,7 +23341,7 @@
           <p:cNvPr id="9" name="Grafik 8">
             <a:extLst>
               <a:ext uri="{FF2B5EF4-FFF2-40B4-BE49-F238E27FC236}">
-                <a16:creationId xmlns:a16="http://schemas.microsoft.com/office/drawing/2014/main" xmlns="" id="{EF11AD39-FAF1-4ADE-B5E7-8A311990582C}"/>
+                <a16:creationId xmlns:a16="http://schemas.microsoft.com/office/drawing/2014/main" id="{EF11AD39-FAF1-4ADE-B5E7-8A311990582C}"/>
               </a:ext>
             </a:extLst>
           </p:cNvPr>
@@ -23791,7 +23354,7 @@
           <a:blip r:embed="rId4" cstate="print">
             <a:extLst>
               <a:ext uri="{28A0092B-C50C-407E-A947-70E740481C1C}">
-                <a14:useLocalDpi xmlns:a14="http://schemas.microsoft.com/office/drawing/2010/main" xmlns="" val="0"/>
+                <a14:useLocalDpi xmlns:a14="http://schemas.microsoft.com/office/drawing/2010/main" val="0"/>
               </a:ext>
             </a:extLst>
           </a:blip>
@@ -23813,7 +23376,7 @@
           <p:cNvPr id="10" name="Rechteck 9">
             <a:extLst>
               <a:ext uri="{FF2B5EF4-FFF2-40B4-BE49-F238E27FC236}">
-                <a16:creationId xmlns:a16="http://schemas.microsoft.com/office/drawing/2014/main" xmlns="" id="{D921D51B-934E-4631-B332-906F4BBF8930}"/>
+                <a16:creationId xmlns:a16="http://schemas.microsoft.com/office/drawing/2014/main" id="{D921D51B-934E-4631-B332-906F4BBF8930}"/>
               </a:ext>
             </a:extLst>
           </p:cNvPr>
@@ -23855,7 +23418,7 @@
           <p:cNvPr id="11" name="Rechteck 10">
             <a:extLst>
               <a:ext uri="{FF2B5EF4-FFF2-40B4-BE49-F238E27FC236}">
-                <a16:creationId xmlns:a16="http://schemas.microsoft.com/office/drawing/2014/main" xmlns="" id="{055B45F7-A38F-441C-83E1-B521F024BB16}"/>
+                <a16:creationId xmlns:a16="http://schemas.microsoft.com/office/drawing/2014/main" id="{055B45F7-A38F-441C-83E1-B521F024BB16}"/>
               </a:ext>
             </a:extLst>
           </p:cNvPr>
@@ -23922,7 +23485,7 @@
           <p:cNvPr id="14" name="Rechteck 13">
             <a:extLst>
               <a:ext uri="{FF2B5EF4-FFF2-40B4-BE49-F238E27FC236}">
-                <a16:creationId xmlns:a16="http://schemas.microsoft.com/office/drawing/2014/main" xmlns="" id="{3DD0833F-3D4B-48D4-B880-FA4DC1B1E535}"/>
+                <a16:creationId xmlns:a16="http://schemas.microsoft.com/office/drawing/2014/main" id="{3DD0833F-3D4B-48D4-B880-FA4DC1B1E535}"/>
               </a:ext>
             </a:extLst>
           </p:cNvPr>
@@ -24004,20 +23567,13 @@
     </p:spTree>
     <p:extLst>
       <p:ext uri="{BB962C8B-B14F-4D97-AF65-F5344CB8AC3E}">
-        <p14:creationId xmlns:p14="http://schemas.microsoft.com/office/powerpoint/2010/main" xmlns="" val="770090854"/>
+        <p14:creationId xmlns:p14="http://schemas.microsoft.com/office/powerpoint/2010/main" val="770090854"/>
       </p:ext>
     </p:extLst>
   </p:cSld>
   <p:clrMapOvr>
     <a:masterClrMapping/>
   </p:clrMapOvr>
-  <p:timing>
-    <p:tnLst>
-      <p:par>
-        <p:cTn id="1" dur="indefinite" restart="never" nodeType="tmRoot"/>
-      </p:par>
-    </p:tnLst>
-  </p:timing>
 </p:sld>
 </file>
 
@@ -24043,7 +23599,7 @@
           <p:cNvPr id="2" name="Titel 1">
             <a:extLst>
               <a:ext uri="{FF2B5EF4-FFF2-40B4-BE49-F238E27FC236}">
-                <a16:creationId xmlns:a16="http://schemas.microsoft.com/office/drawing/2014/main" xmlns="" id="{328FA504-BD92-4FFE-856A-910D42D80ECB}"/>
+                <a16:creationId xmlns:a16="http://schemas.microsoft.com/office/drawing/2014/main" id="{328FA504-BD92-4FFE-856A-910D42D80ECB}"/>
               </a:ext>
             </a:extLst>
           </p:cNvPr>
@@ -24071,7 +23627,7 @@
           <p:cNvPr id="5" name="Inhaltsplatzhalter 4">
             <a:extLst>
               <a:ext uri="{FF2B5EF4-FFF2-40B4-BE49-F238E27FC236}">
-                <a16:creationId xmlns:a16="http://schemas.microsoft.com/office/drawing/2014/main" xmlns="" id="{155FDAF9-34A5-473F-B86E-A4D3400806FF}"/>
+                <a16:creationId xmlns:a16="http://schemas.microsoft.com/office/drawing/2014/main" id="{155FDAF9-34A5-473F-B86E-A4D3400806FF}"/>
               </a:ext>
             </a:extLst>
           </p:cNvPr>
@@ -24124,7 +23680,7 @@
           <p:cNvPr id="4" name="Grafik 3">
             <a:extLst>
               <a:ext uri="{FF2B5EF4-FFF2-40B4-BE49-F238E27FC236}">
-                <a16:creationId xmlns:a16="http://schemas.microsoft.com/office/drawing/2014/main" xmlns="" id="{FD314E34-1534-49C1-847A-A1A4750E8018}"/>
+                <a16:creationId xmlns:a16="http://schemas.microsoft.com/office/drawing/2014/main" id="{FD314E34-1534-49C1-847A-A1A4750E8018}"/>
               </a:ext>
             </a:extLst>
           </p:cNvPr>
@@ -24137,7 +23693,7 @@
           <a:blip r:embed="rId2" cstate="print">
             <a:extLst>
               <a:ext uri="{28A0092B-C50C-407E-A947-70E740481C1C}">
-                <a14:useLocalDpi xmlns:a14="http://schemas.microsoft.com/office/drawing/2010/main" xmlns="" val="0"/>
+                <a14:useLocalDpi xmlns:a14="http://schemas.microsoft.com/office/drawing/2010/main" val="0"/>
               </a:ext>
             </a:extLst>
           </a:blip>
@@ -24159,7 +23715,7 @@
           <p:cNvPr id="7" name="Grafik 6">
             <a:extLst>
               <a:ext uri="{FF2B5EF4-FFF2-40B4-BE49-F238E27FC236}">
-                <a16:creationId xmlns:a16="http://schemas.microsoft.com/office/drawing/2014/main" xmlns="" id="{567F09D0-3246-4A95-B8F0-CBCB1EA8264C}"/>
+                <a16:creationId xmlns:a16="http://schemas.microsoft.com/office/drawing/2014/main" id="{567F09D0-3246-4A95-B8F0-CBCB1EA8264C}"/>
               </a:ext>
             </a:extLst>
           </p:cNvPr>
@@ -24172,7 +23728,7 @@
           <a:blip r:embed="rId3" cstate="print">
             <a:extLst>
               <a:ext uri="{28A0092B-C50C-407E-A947-70E740481C1C}">
-                <a14:useLocalDpi xmlns:a14="http://schemas.microsoft.com/office/drawing/2010/main" xmlns="" val="0"/>
+                <a14:useLocalDpi xmlns:a14="http://schemas.microsoft.com/office/drawing/2010/main" val="0"/>
               </a:ext>
             </a:extLst>
           </a:blip>
@@ -24192,20 +23748,13 @@
     </p:spTree>
     <p:extLst>
       <p:ext uri="{BB962C8B-B14F-4D97-AF65-F5344CB8AC3E}">
-        <p14:creationId xmlns:p14="http://schemas.microsoft.com/office/powerpoint/2010/main" xmlns="" val="3563448563"/>
+        <p14:creationId xmlns:p14="http://schemas.microsoft.com/office/powerpoint/2010/main" val="3563448563"/>
       </p:ext>
     </p:extLst>
   </p:cSld>
   <p:clrMapOvr>
     <a:masterClrMapping/>
   </p:clrMapOvr>
-  <p:timing>
-    <p:tnLst>
-      <p:par>
-        <p:cTn id="1" dur="indefinite" restart="never" nodeType="tmRoot"/>
-      </p:par>
-    </p:tnLst>
-  </p:timing>
 </p:sld>
 </file>
 
@@ -24239,7 +23788,7 @@
           <p:cNvPr id="2" name="Titel 1">
             <a:extLst>
               <a:ext uri="{FF2B5EF4-FFF2-40B4-BE49-F238E27FC236}">
-                <a16:creationId xmlns:a16="http://schemas.microsoft.com/office/drawing/2014/main" xmlns="" id="{7BB12D13-8B54-490E-A6B3-AB0B472105D0}"/>
+                <a16:creationId xmlns:a16="http://schemas.microsoft.com/office/drawing/2014/main" id="{7BB12D13-8B54-490E-A6B3-AB0B472105D0}"/>
               </a:ext>
             </a:extLst>
           </p:cNvPr>
@@ -24267,7 +23816,7 @@
           <p:cNvPr id="3" name="Inhaltsplatzhalter 2">
             <a:extLst>
               <a:ext uri="{FF2B5EF4-FFF2-40B4-BE49-F238E27FC236}">
-                <a16:creationId xmlns:a16="http://schemas.microsoft.com/office/drawing/2014/main" xmlns="" id="{C6661564-9403-4C2E-8315-9BD79EFF7247}"/>
+                <a16:creationId xmlns:a16="http://schemas.microsoft.com/office/drawing/2014/main" id="{C6661564-9403-4C2E-8315-9BD79EFF7247}"/>
               </a:ext>
             </a:extLst>
           </p:cNvPr>
@@ -24296,27 +23845,14 @@
           <a:p>
             <a:r>
               <a:rPr lang="de-DE" dirty="0"/>
-              <a:t>Algorithmus </a:t>
-            </a:r>
-            <a:r>
-              <a:rPr lang="de-DE" dirty="0" smtClean="0"/>
-              <a:t>sucht </a:t>
-            </a:r>
+              <a:t>Algorithmus sucht nach zwei vertikalen Linien </a:t>
+            </a:r>
+          </a:p>
+          <a:p>
             <a:r>
               <a:rPr lang="de-DE" dirty="0"/>
-              <a:t>nach zwei vertikalen Linien </a:t>
-            </a:r>
-          </a:p>
-          <a:p>
-            <a:r>
-              <a:rPr lang="de-DE" dirty="0"/>
-              <a:t>Markieren </a:t>
-            </a:r>
-            <a:r>
-              <a:rPr lang="de-DE" dirty="0" smtClean="0"/>
-              <a:t>der Hindernisränder</a:t>
-            </a:r>
-            <a:endParaRPr lang="de-DE" dirty="0"/>
+              <a:t>Markieren der Hindernisränder</a:t>
+            </a:r>
           </a:p>
         </p:txBody>
       </p:sp>
@@ -24325,7 +23861,7 @@
           <p:cNvPr id="7" name="Grafik 6">
             <a:extLst>
               <a:ext uri="{FF2B5EF4-FFF2-40B4-BE49-F238E27FC236}">
-                <a16:creationId xmlns:a16="http://schemas.microsoft.com/office/drawing/2014/main" xmlns="" id="{A70F3255-4C3A-479B-86B1-C236922D044A}"/>
+                <a16:creationId xmlns:a16="http://schemas.microsoft.com/office/drawing/2014/main" id="{A70F3255-4C3A-479B-86B1-C236922D044A}"/>
               </a:ext>
             </a:extLst>
           </p:cNvPr>
@@ -24338,7 +23874,7 @@
           <a:blip r:embed="rId2" cstate="print">
             <a:extLst>
               <a:ext uri="{28A0092B-C50C-407E-A947-70E740481C1C}">
-                <a14:useLocalDpi xmlns:a14="http://schemas.microsoft.com/office/drawing/2010/main" xmlns="" val="0"/>
+                <a14:useLocalDpi xmlns:a14="http://schemas.microsoft.com/office/drawing/2010/main" val="0"/>
               </a:ext>
             </a:extLst>
           </a:blip>
@@ -24360,7 +23896,7 @@
           <p:cNvPr id="9" name="Grafik 8">
             <a:extLst>
               <a:ext uri="{FF2B5EF4-FFF2-40B4-BE49-F238E27FC236}">
-                <a16:creationId xmlns:a16="http://schemas.microsoft.com/office/drawing/2014/main" xmlns="" id="{13094981-6F58-490C-B6AE-93B71F105189}"/>
+                <a16:creationId xmlns:a16="http://schemas.microsoft.com/office/drawing/2014/main" id="{13094981-6F58-490C-B6AE-93B71F105189}"/>
               </a:ext>
             </a:extLst>
           </p:cNvPr>
@@ -24373,7 +23909,7 @@
           <a:blip r:embed="rId3" cstate="print">
             <a:extLst>
               <a:ext uri="{28A0092B-C50C-407E-A947-70E740481C1C}">
-                <a14:useLocalDpi xmlns:a14="http://schemas.microsoft.com/office/drawing/2010/main" xmlns="" val="0"/>
+                <a14:useLocalDpi xmlns:a14="http://schemas.microsoft.com/office/drawing/2010/main" val="0"/>
               </a:ext>
             </a:extLst>
           </a:blip>
@@ -24395,7 +23931,7 @@
           <p:cNvPr id="11" name="Grafik 10">
             <a:extLst>
               <a:ext uri="{FF2B5EF4-FFF2-40B4-BE49-F238E27FC236}">
-                <a16:creationId xmlns:a16="http://schemas.microsoft.com/office/drawing/2014/main" xmlns="" id="{A84521A6-6805-44F4-AAFE-59D89D47ED62}"/>
+                <a16:creationId xmlns:a16="http://schemas.microsoft.com/office/drawing/2014/main" id="{A84521A6-6805-44F4-AAFE-59D89D47ED62}"/>
               </a:ext>
             </a:extLst>
           </p:cNvPr>
@@ -24408,7 +23944,7 @@
           <a:blip r:embed="rId4" cstate="print">
             <a:extLst>
               <a:ext uri="{28A0092B-C50C-407E-A947-70E740481C1C}">
-                <a14:useLocalDpi xmlns:a14="http://schemas.microsoft.com/office/drawing/2010/main" xmlns="" val="0"/>
+                <a14:useLocalDpi xmlns:a14="http://schemas.microsoft.com/office/drawing/2010/main" val="0"/>
               </a:ext>
             </a:extLst>
           </a:blip>
@@ -24430,7 +23966,7 @@
           <p:cNvPr id="13" name="Grafik 12">
             <a:extLst>
               <a:ext uri="{FF2B5EF4-FFF2-40B4-BE49-F238E27FC236}">
-                <a16:creationId xmlns:a16="http://schemas.microsoft.com/office/drawing/2014/main" xmlns="" id="{7744A5E4-60C1-4A86-A28F-E803191E8B6D}"/>
+                <a16:creationId xmlns:a16="http://schemas.microsoft.com/office/drawing/2014/main" id="{7744A5E4-60C1-4A86-A28F-E803191E8B6D}"/>
               </a:ext>
             </a:extLst>
           </p:cNvPr>
@@ -24443,7 +23979,7 @@
           <a:blip r:embed="rId5" cstate="print">
             <a:extLst>
               <a:ext uri="{28A0092B-C50C-407E-A947-70E740481C1C}">
-                <a14:useLocalDpi xmlns:a14="http://schemas.microsoft.com/office/drawing/2010/main" xmlns="" val="0"/>
+                <a14:useLocalDpi xmlns:a14="http://schemas.microsoft.com/office/drawing/2010/main" val="0"/>
               </a:ext>
             </a:extLst>
           </a:blip>
@@ -24463,20 +23999,13 @@
     </p:spTree>
     <p:extLst>
       <p:ext uri="{BB962C8B-B14F-4D97-AF65-F5344CB8AC3E}">
-        <p14:creationId xmlns:p14="http://schemas.microsoft.com/office/powerpoint/2010/main" xmlns="" val="3752560837"/>
+        <p14:creationId xmlns:p14="http://schemas.microsoft.com/office/powerpoint/2010/main" val="3752560837"/>
       </p:ext>
     </p:extLst>
   </p:cSld>
   <p:clrMapOvr>
     <a:masterClrMapping/>
   </p:clrMapOvr>
-  <p:timing>
-    <p:tnLst>
-      <p:par>
-        <p:cTn id="1" dur="indefinite" restart="never" nodeType="tmRoot"/>
-      </p:par>
-    </p:tnLst>
-  </p:timing>
 </p:sld>
 </file>
 

--- a/Dokumente/Präsentationen/Abschlusspräsentation.pptx
+++ b/Dokumente/Präsentationen/Abschlusspräsentation.pptx
@@ -238,7 +238,7 @@
 <file path=ppt/revisionInfo.xml><?xml version="1.0" encoding="utf-8"?>
 <p1510:revInfo xmlns:a="http://schemas.openxmlformats.org/drawingml/2006/main" xmlns:r="http://schemas.openxmlformats.org/officeDocument/2006/relationships" xmlns:p1510="http://schemas.microsoft.com/office/powerpoint/2015/10/main">
   <p1510:revLst>
-    <p1510:client id="{3852C70A-12A9-48B2-8672-B4F4FD000E58}" v="500" dt="2019-03-08T13:42:47.236"/>
+    <p1510:client id="{3852C70A-12A9-48B2-8672-B4F4FD000E58}" v="515" dt="2019-03-09T16:38:54.339"/>
   </p1510:revLst>
 </p1510:revInfo>
 </file>
@@ -248,12 +248,12 @@
   <pc:docChgLst>
     <pc:chgData name="Fabian Burger" userId="0f00ad5c4a567c2b" providerId="LiveId" clId="{3852C70A-12A9-48B2-8672-B4F4FD000E58}"/>
     <pc:docChg chg="undo redo custSel addSld delSld modSld">
-      <pc:chgData name="Fabian Burger" userId="0f00ad5c4a567c2b" providerId="LiveId" clId="{3852C70A-12A9-48B2-8672-B4F4FD000E58}" dt="2019-03-08T13:43:52.545" v="1935" actId="1076"/>
+      <pc:chgData name="Fabian Burger" userId="0f00ad5c4a567c2b" providerId="LiveId" clId="{3852C70A-12A9-48B2-8672-B4F4FD000E58}" dt="2019-03-09T16:41:05.019" v="2029" actId="1076"/>
       <pc:docMkLst>
         <pc:docMk/>
       </pc:docMkLst>
       <pc:sldChg chg="addSp delSp modSp">
-        <pc:chgData name="Fabian Burger" userId="0f00ad5c4a567c2b" providerId="LiveId" clId="{3852C70A-12A9-48B2-8672-B4F4FD000E58}" dt="2019-03-08T13:43:52.545" v="1935" actId="1076"/>
+        <pc:chgData name="Fabian Burger" userId="0f00ad5c4a567c2b" providerId="LiveId" clId="{3852C70A-12A9-48B2-8672-B4F4FD000E58}" dt="2019-03-09T16:37:58.870" v="2000" actId="1035"/>
         <pc:sldMkLst>
           <pc:docMk/>
           <pc:sldMk cId="0" sldId="265"/>
@@ -267,7 +267,7 @@
           </ac:spMkLst>
         </pc:spChg>
         <pc:spChg chg="mod">
-          <ac:chgData name="Fabian Burger" userId="0f00ad5c4a567c2b" providerId="LiveId" clId="{3852C70A-12A9-48B2-8672-B4F4FD000E58}" dt="2019-03-08T00:11:42.698" v="1906" actId="20577"/>
+          <ac:chgData name="Fabian Burger" userId="0f00ad5c4a567c2b" providerId="LiveId" clId="{3852C70A-12A9-48B2-8672-B4F4FD000E58}" dt="2019-03-09T16:22:18.071" v="1948" actId="1037"/>
           <ac:spMkLst>
             <pc:docMk/>
             <pc:sldMk cId="0" sldId="265"/>
@@ -283,7 +283,7 @@
           </ac:spMkLst>
         </pc:spChg>
         <pc:graphicFrameChg chg="add mod">
-          <ac:chgData name="Fabian Burger" userId="0f00ad5c4a567c2b" providerId="LiveId" clId="{3852C70A-12A9-48B2-8672-B4F4FD000E58}" dt="2019-03-08T00:10:05.924" v="1882"/>
+          <ac:chgData name="Fabian Burger" userId="0f00ad5c4a567c2b" providerId="LiveId" clId="{3852C70A-12A9-48B2-8672-B4F4FD000E58}" dt="2019-03-09T16:17:48.092" v="1946" actId="14100"/>
           <ac:graphicFrameMkLst>
             <pc:docMk/>
             <pc:sldMk cId="0" sldId="265"/>
@@ -299,7 +299,7 @@
           </ac:picMkLst>
         </pc:picChg>
         <pc:picChg chg="add mod modCrop">
-          <ac:chgData name="Fabian Burger" userId="0f00ad5c4a567c2b" providerId="LiveId" clId="{3852C70A-12A9-48B2-8672-B4F4FD000E58}" dt="2019-03-08T13:43:52.545" v="1935" actId="1076"/>
+          <ac:chgData name="Fabian Burger" userId="0f00ad5c4a567c2b" providerId="LiveId" clId="{3852C70A-12A9-48B2-8672-B4F4FD000E58}" dt="2019-03-09T16:37:58.870" v="2000" actId="1035"/>
           <ac:picMkLst>
             <pc:docMk/>
             <pc:sldMk cId="0" sldId="265"/>
@@ -435,13 +435,13 @@
         </pc:picChg>
       </pc:sldChg>
       <pc:sldChg chg="addSp delSp modSp add">
-        <pc:chgData name="Fabian Burger" userId="0f00ad5c4a567c2b" providerId="LiveId" clId="{3852C70A-12A9-48B2-8672-B4F4FD000E58}" dt="2019-03-08T00:02:41.459" v="1536" actId="20577"/>
+        <pc:chgData name="Fabian Burger" userId="0f00ad5c4a567c2b" providerId="LiveId" clId="{3852C70A-12A9-48B2-8672-B4F4FD000E58}" dt="2019-03-09T16:41:05.019" v="2029" actId="1076"/>
         <pc:sldMkLst>
           <pc:docMk/>
           <pc:sldMk cId="3563448563" sldId="278"/>
         </pc:sldMkLst>
         <pc:spChg chg="mod">
-          <ac:chgData name="Fabian Burger" userId="0f00ad5c4a567c2b" providerId="LiveId" clId="{3852C70A-12A9-48B2-8672-B4F4FD000E58}" dt="2019-03-08T00:01:35.671" v="1408" actId="20577"/>
+          <ac:chgData name="Fabian Burger" userId="0f00ad5c4a567c2b" providerId="LiveId" clId="{3852C70A-12A9-48B2-8672-B4F4FD000E58}" dt="2019-03-09T16:24:26.691" v="1968" actId="20577"/>
           <ac:spMkLst>
             <pc:docMk/>
             <pc:sldMk cId="3563448563" sldId="278"/>
@@ -488,9 +488,33 @@
             <ac:picMk id="7" creationId="{567F09D0-3246-4A95-B8F0-CBCB1EA8264C}"/>
           </ac:picMkLst>
         </pc:picChg>
+        <pc:cxnChg chg="add mod">
+          <ac:chgData name="Fabian Burger" userId="0f00ad5c4a567c2b" providerId="LiveId" clId="{3852C70A-12A9-48B2-8672-B4F4FD000E58}" dt="2019-03-09T16:40:01.469" v="2019" actId="14100"/>
+          <ac:cxnSpMkLst>
+            <pc:docMk/>
+            <pc:sldMk cId="3563448563" sldId="278"/>
+            <ac:cxnSpMk id="6" creationId="{68964FD2-F04D-4D52-9E22-9BCC06F2C73E}"/>
+          </ac:cxnSpMkLst>
+        </pc:cxnChg>
+        <pc:cxnChg chg="add mod">
+          <ac:chgData name="Fabian Burger" userId="0f00ad5c4a567c2b" providerId="LiveId" clId="{3852C70A-12A9-48B2-8672-B4F4FD000E58}" dt="2019-03-09T16:41:05.019" v="2029" actId="1076"/>
+          <ac:cxnSpMkLst>
+            <pc:docMk/>
+            <pc:sldMk cId="3563448563" sldId="278"/>
+            <ac:cxnSpMk id="9" creationId="{A0AD85E9-071E-4859-9DE3-4A0F5484814E}"/>
+          </ac:cxnSpMkLst>
+        </pc:cxnChg>
+        <pc:cxnChg chg="add mod">
+          <ac:chgData name="Fabian Burger" userId="0f00ad5c4a567c2b" providerId="LiveId" clId="{3852C70A-12A9-48B2-8672-B4F4FD000E58}" dt="2019-03-09T16:40:24.669" v="2023" actId="1035"/>
+          <ac:cxnSpMkLst>
+            <pc:docMk/>
+            <pc:sldMk cId="3563448563" sldId="278"/>
+            <ac:cxnSpMk id="10" creationId="{8A9A4A67-3A8A-46F7-A07F-13900DE45AFF}"/>
+          </ac:cxnSpMkLst>
+        </pc:cxnChg>
       </pc:sldChg>
       <pc:sldChg chg="addSp delSp modSp add setBg">
-        <pc:chgData name="Fabian Burger" userId="0f00ad5c4a567c2b" providerId="LiveId" clId="{3852C70A-12A9-48B2-8672-B4F4FD000E58}" dt="2019-03-08T00:07:53.934" v="1745" actId="18131"/>
+        <pc:chgData name="Fabian Burger" userId="0f00ad5c4a567c2b" providerId="LiveId" clId="{3852C70A-12A9-48B2-8672-B4F4FD000E58}" dt="2019-03-09T16:37:24.010" v="1995" actId="1036"/>
         <pc:sldMkLst>
           <pc:docMk/>
           <pc:sldMk cId="3752560837" sldId="279"/>
@@ -511,6 +535,14 @@
             <ac:spMk id="3" creationId="{C6661564-9403-4C2E-8315-9BD79EFF7247}"/>
           </ac:spMkLst>
         </pc:spChg>
+        <pc:picChg chg="add mod modCrop">
+          <ac:chgData name="Fabian Burger" userId="0f00ad5c4a567c2b" providerId="LiveId" clId="{3852C70A-12A9-48B2-8672-B4F4FD000E58}" dt="2019-03-09T16:37:24.010" v="1995" actId="1036"/>
+          <ac:picMkLst>
+            <pc:docMk/>
+            <pc:sldMk cId="3752560837" sldId="279"/>
+            <ac:picMk id="5" creationId="{2C5F48D7-A452-41B4-AC95-A1136AC3005A}"/>
+          </ac:picMkLst>
+        </pc:picChg>
         <pc:picChg chg="add del mod modCrop">
           <ac:chgData name="Fabian Burger" userId="0f00ad5c4a567c2b" providerId="LiveId" clId="{3852C70A-12A9-48B2-8672-B4F4FD000E58}" dt="2019-03-07T20:14:24.363" v="831"/>
           <ac:picMkLst>
@@ -519,8 +551,8 @@
             <ac:picMk id="5" creationId="{C2CA28C9-FC64-41F2-9308-41AF22AB3132}"/>
           </ac:picMkLst>
         </pc:picChg>
-        <pc:picChg chg="add mod modCrop">
-          <ac:chgData name="Fabian Burger" userId="0f00ad5c4a567c2b" providerId="LiveId" clId="{3852C70A-12A9-48B2-8672-B4F4FD000E58}" dt="2019-03-08T00:07:53.934" v="1745" actId="18131"/>
+        <pc:picChg chg="add del mod modCrop">
+          <ac:chgData name="Fabian Burger" userId="0f00ad5c4a567c2b" providerId="LiveId" clId="{3852C70A-12A9-48B2-8672-B4F4FD000E58}" dt="2019-03-09T16:36:06.010" v="1979" actId="478"/>
           <ac:picMkLst>
             <pc:docMk/>
             <pc:sldMk cId="3752560837" sldId="279"/>
@@ -528,7 +560,7 @@
           </ac:picMkLst>
         </pc:picChg>
         <pc:picChg chg="add mod modCrop">
-          <ac:chgData name="Fabian Burger" userId="0f00ad5c4a567c2b" providerId="LiveId" clId="{3852C70A-12A9-48B2-8672-B4F4FD000E58}" dt="2019-03-08T00:06:12.799" v="1717" actId="1076"/>
+          <ac:chgData name="Fabian Burger" userId="0f00ad5c4a567c2b" providerId="LiveId" clId="{3852C70A-12A9-48B2-8672-B4F4FD000E58}" dt="2019-03-09T16:36:31.110" v="1983" actId="1036"/>
           <ac:picMkLst>
             <pc:docMk/>
             <pc:sldMk cId="3752560837" sldId="279"/>
@@ -536,7 +568,7 @@
           </ac:picMkLst>
         </pc:picChg>
         <pc:picChg chg="add mod modCrop">
-          <ac:chgData name="Fabian Burger" userId="0f00ad5c4a567c2b" providerId="LiveId" clId="{3852C70A-12A9-48B2-8672-B4F4FD000E58}" dt="2019-03-08T00:06:06.777" v="1713" actId="1037"/>
+          <ac:chgData name="Fabian Burger" userId="0f00ad5c4a567c2b" providerId="LiveId" clId="{3852C70A-12A9-48B2-8672-B4F4FD000E58}" dt="2019-03-09T16:36:31.110" v="1983" actId="1036"/>
           <ac:picMkLst>
             <pc:docMk/>
             <pc:sldMk cId="3752560837" sldId="279"/>
@@ -544,7 +576,7 @@
           </ac:picMkLst>
         </pc:picChg>
         <pc:picChg chg="add mod modCrop">
-          <ac:chgData name="Fabian Burger" userId="0f00ad5c4a567c2b" providerId="LiveId" clId="{3852C70A-12A9-48B2-8672-B4F4FD000E58}" dt="2019-03-08T00:06:02.367" v="1709" actId="1076"/>
+          <ac:chgData name="Fabian Burger" userId="0f00ad5c4a567c2b" providerId="LiveId" clId="{3852C70A-12A9-48B2-8672-B4F4FD000E58}" dt="2019-03-09T16:36:31.110" v="1983" actId="1036"/>
           <ac:picMkLst>
             <pc:docMk/>
             <pc:sldMk cId="3752560837" sldId="279"/>
@@ -4118,8 +4150,8 @@
       </dsp:nvSpPr>
       <dsp:spPr>
         <a:xfrm>
-          <a:off x="1049218" y="2285"/>
-          <a:ext cx="1798441" cy="1079065"/>
+          <a:off x="1014928" y="733"/>
+          <a:ext cx="1882721" cy="1129633"/>
         </a:xfrm>
         <a:prstGeom prst="roundRect">
           <a:avLst>
@@ -4196,8 +4228,8 @@
         </a:p>
       </dsp:txBody>
       <dsp:txXfrm>
-        <a:off x="1080823" y="33890"/>
-        <a:ext cx="1735231" cy="1015855"/>
+        <a:off x="1048014" y="33819"/>
+        <a:ext cx="1816549" cy="1063461"/>
       </dsp:txXfrm>
     </dsp:sp>
     <dsp:sp modelId="{BE88AA11-25B2-4019-9BB7-8AFE2BF1F8B3}">
@@ -4207,8 +4239,8 @@
       </dsp:nvSpPr>
       <dsp:spPr>
         <a:xfrm>
-          <a:off x="3005923" y="318811"/>
-          <a:ext cx="381269" cy="446013"/>
+          <a:off x="3063330" y="332092"/>
+          <a:ext cx="399137" cy="466915"/>
         </a:xfrm>
         <a:prstGeom prst="rightArrow">
           <a:avLst>
@@ -4278,8 +4310,8 @@
         </a:p>
       </dsp:txBody>
       <dsp:txXfrm>
-        <a:off x="3005923" y="408014"/>
-        <a:ext cx="266888" cy="267607"/>
+        <a:off x="3063330" y="425475"/>
+        <a:ext cx="279396" cy="280149"/>
       </dsp:txXfrm>
     </dsp:sp>
     <dsp:sp modelId="{4AB5ECC8-95D1-4805-BE13-6E1B6554C3C9}">
@@ -4289,8 +4321,8 @@
       </dsp:nvSpPr>
       <dsp:spPr>
         <a:xfrm>
-          <a:off x="3567037" y="2285"/>
-          <a:ext cx="1798441" cy="1079065"/>
+          <a:off x="3650739" y="733"/>
+          <a:ext cx="1882721" cy="1129633"/>
         </a:xfrm>
         <a:prstGeom prst="roundRect">
           <a:avLst>
@@ -4367,8 +4399,8 @@
         </a:p>
       </dsp:txBody>
       <dsp:txXfrm>
-        <a:off x="3598642" y="33890"/>
-        <a:ext cx="1735231" cy="1015855"/>
+        <a:off x="3683825" y="33819"/>
+        <a:ext cx="1816549" cy="1063461"/>
       </dsp:txXfrm>
     </dsp:sp>
     <dsp:sp modelId="{CDC5E207-5B9F-4708-9835-66F4E9D86D5E}">
@@ -4377,9 +4409,9 @@
         <dsp:cNvSpPr/>
       </dsp:nvSpPr>
       <dsp:spPr>
-        <a:xfrm rot="21596924">
-          <a:off x="5531726" y="317678"/>
-          <a:ext cx="400504" cy="446013"/>
+        <a:xfrm rot="21599057">
+          <a:off x="5707499" y="331729"/>
+          <a:ext cx="419273" cy="466915"/>
         </a:xfrm>
         <a:prstGeom prst="rightArrow">
           <a:avLst>
@@ -4449,8 +4481,8 @@
         </a:p>
       </dsp:txBody>
       <dsp:txXfrm>
-        <a:off x="5531726" y="406935"/>
-        <a:ext cx="280353" cy="267607"/>
+        <a:off x="5707499" y="425129"/>
+        <a:ext cx="293491" cy="280149"/>
       </dsp:txXfrm>
     </dsp:sp>
     <dsp:sp modelId="{42977F73-17F4-4D95-8DD6-58316F0AA372}">
@@ -4460,8 +4492,8 @@
       </dsp:nvSpPr>
       <dsp:spPr>
         <a:xfrm>
-          <a:off x="6121148" y="0"/>
-          <a:ext cx="1798441" cy="1079065"/>
+          <a:off x="6324543" y="0"/>
+          <a:ext cx="1882721" cy="1129633"/>
         </a:xfrm>
         <a:prstGeom prst="roundRect">
           <a:avLst>
@@ -4538,8 +4570,8 @@
         </a:p>
       </dsp:txBody>
       <dsp:txXfrm>
-        <a:off x="6152753" y="31605"/>
-        <a:ext cx="1735231" cy="1015855"/>
+        <a:off x="6357629" y="33086"/>
+        <a:ext cx="1816549" cy="1063461"/>
       </dsp:txXfrm>
     </dsp:sp>
     <dsp:sp modelId="{CCC4A06A-A827-45BF-8450-67D962F26337}">
@@ -4549,8 +4581,8 @@
       </dsp:nvSpPr>
       <dsp:spPr>
         <a:xfrm rot="5400000">
-          <a:off x="6848351" y="1170885"/>
-          <a:ext cx="344037" cy="446013"/>
+          <a:off x="7086264" y="1224951"/>
+          <a:ext cx="359280" cy="466915"/>
         </a:xfrm>
         <a:prstGeom prst="rightArrow">
           <a:avLst>
@@ -4620,8 +4652,8 @@
         </a:p>
       </dsp:txBody>
       <dsp:txXfrm rot="-5400000">
-        <a:off x="6886567" y="1221873"/>
-        <a:ext cx="267607" cy="240826"/>
+        <a:off x="7125830" y="1278768"/>
+        <a:ext cx="280149" cy="251496"/>
       </dsp:txXfrm>
     </dsp:sp>
     <dsp:sp modelId="{C6FB2919-9D1F-4633-9AB4-7BFB3964DF37}">
@@ -4631,8 +4663,8 @@
       </dsp:nvSpPr>
       <dsp:spPr>
         <a:xfrm>
-          <a:off x="6121148" y="1728192"/>
-          <a:ext cx="1798441" cy="1079065"/>
+          <a:off x="6324543" y="1807521"/>
+          <a:ext cx="1882721" cy="1129633"/>
         </a:xfrm>
         <a:prstGeom prst="roundRect">
           <a:avLst>
@@ -4709,8 +4741,8 @@
         </a:p>
       </dsp:txBody>
       <dsp:txXfrm>
-        <a:off x="6152753" y="1759797"/>
-        <a:ext cx="1735231" cy="1015855"/>
+        <a:off x="6357629" y="1840607"/>
+        <a:ext cx="1816549" cy="1063461"/>
       </dsp:txXfrm>
     </dsp:sp>
     <dsp:sp modelId="{9D369444-FA8F-4D05-844A-906DFCF6C382}">
@@ -4720,8 +4752,8 @@
       </dsp:nvSpPr>
       <dsp:spPr>
         <a:xfrm rot="5397527">
-          <a:off x="6829907" y="2934003"/>
-          <a:ext cx="382203" cy="446013"/>
+          <a:off x="7066516" y="3069840"/>
+          <a:ext cx="400115" cy="466915"/>
         </a:xfrm>
         <a:prstGeom prst="rightArrow">
           <a:avLst>
@@ -4791,8 +4823,8 @@
         </a:p>
       </dsp:txBody>
       <dsp:txXfrm rot="-5400000">
-        <a:off x="6887164" y="2965908"/>
-        <a:ext cx="267607" cy="267542"/>
+        <a:off x="7126456" y="3103240"/>
+        <a:ext cx="280149" cy="280081"/>
       </dsp:txXfrm>
     </dsp:sp>
     <dsp:sp modelId="{54BEBF88-F6C4-4618-8CD0-C5F79BDD00CC}">
@@ -4802,8 +4834,8 @@
       </dsp:nvSpPr>
       <dsp:spPr>
         <a:xfrm>
-          <a:off x="6120681" y="3528397"/>
-          <a:ext cx="1801966" cy="1079065"/>
+          <a:off x="6324054" y="3692088"/>
+          <a:ext cx="1886412" cy="1129633"/>
         </a:xfrm>
         <a:prstGeom prst="roundRect">
           <a:avLst>
@@ -4880,8 +4912,8 @@
         </a:p>
       </dsp:txBody>
       <dsp:txXfrm>
-        <a:off x="6152286" y="3560002"/>
-        <a:ext cx="1738756" cy="1015855"/>
+        <a:off x="6357140" y="3725174"/>
+        <a:ext cx="1820240" cy="1063461"/>
       </dsp:txXfrm>
     </dsp:sp>
     <dsp:sp modelId="{F0C38B2C-60D1-41E8-AC61-19C10692A4E6}">
@@ -4891,8 +4923,8 @@
       </dsp:nvSpPr>
       <dsp:spPr>
         <a:xfrm rot="10800000">
-          <a:off x="5552958" y="3844922"/>
-          <a:ext cx="401191" cy="446013"/>
+          <a:off x="5729725" y="4023447"/>
+          <a:ext cx="419991" cy="466915"/>
         </a:xfrm>
         <a:prstGeom prst="rightArrow">
           <a:avLst>
@@ -4962,8 +4994,8 @@
         </a:p>
       </dsp:txBody>
       <dsp:txXfrm rot="10800000">
-        <a:off x="5673315" y="3934125"/>
-        <a:ext cx="280834" cy="267607"/>
+        <a:off x="5855722" y="4116830"/>
+        <a:ext cx="293994" cy="280149"/>
       </dsp:txXfrm>
     </dsp:sp>
     <dsp:sp modelId="{5287A144-E8F3-4B85-8F5A-427E7BB75039}">
@@ -4973,8 +5005,8 @@
       </dsp:nvSpPr>
       <dsp:spPr>
         <a:xfrm>
-          <a:off x="3565275" y="3528397"/>
-          <a:ext cx="1798441" cy="1079065"/>
+          <a:off x="3648894" y="3692088"/>
+          <a:ext cx="1882721" cy="1129633"/>
         </a:xfrm>
         <a:prstGeom prst="roundRect">
           <a:avLst>
@@ -5051,8 +5083,8 @@
         </a:p>
       </dsp:txBody>
       <dsp:txXfrm>
-        <a:off x="3596880" y="3560002"/>
-        <a:ext cx="1735231" cy="1015855"/>
+        <a:off x="3681980" y="3725174"/>
+        <a:ext cx="1816549" cy="1063461"/>
       </dsp:txXfrm>
     </dsp:sp>
     <dsp:sp modelId="{32BC61F9-2764-45E0-879F-1C31F79DF982}">
@@ -5062,8 +5094,8 @@
       </dsp:nvSpPr>
       <dsp:spPr>
         <a:xfrm rot="10800005">
-          <a:off x="2996229" y="3844921"/>
-          <a:ext cx="402125" cy="446013"/>
+          <a:off x="3053182" y="4023445"/>
+          <a:ext cx="420969" cy="466915"/>
         </a:xfrm>
         <a:prstGeom prst="rightArrow">
           <a:avLst>
@@ -5133,8 +5165,8 @@
         </a:p>
       </dsp:txBody>
       <dsp:txXfrm rot="10800000">
-        <a:off x="3116866" y="3934124"/>
-        <a:ext cx="281488" cy="267607"/>
+        <a:off x="3179473" y="4116828"/>
+        <a:ext cx="294678" cy="280149"/>
       </dsp:txXfrm>
     </dsp:sp>
     <dsp:sp modelId="{377FB24D-5F1D-45EB-A26B-93BB8DE3EBEF}">
@@ -5144,8 +5176,8 @@
       </dsp:nvSpPr>
       <dsp:spPr>
         <a:xfrm>
-          <a:off x="1008106" y="3528393"/>
-          <a:ext cx="1798441" cy="1079065"/>
+          <a:off x="971889" y="3692084"/>
+          <a:ext cx="1882721" cy="1129633"/>
         </a:xfrm>
         <a:prstGeom prst="roundRect">
           <a:avLst>
@@ -5222,8 +5254,8 @@
         </a:p>
       </dsp:txBody>
       <dsp:txXfrm>
-        <a:off x="1039711" y="3559998"/>
-        <a:ext cx="1735231" cy="1015855"/>
+        <a:off x="1004975" y="3725170"/>
+        <a:ext cx="1816549" cy="1063461"/>
       </dsp:txXfrm>
     </dsp:sp>
     <dsp:sp modelId="{07870DC8-1F2B-41D1-A827-E434A70F28EA}">
@@ -5233,8 +5265,8 @@
       </dsp:nvSpPr>
       <dsp:spPr>
         <a:xfrm rot="16200000">
-          <a:off x="1716225" y="2955634"/>
-          <a:ext cx="382203" cy="446013"/>
+          <a:off x="1713193" y="3092484"/>
+          <a:ext cx="400114" cy="466915"/>
         </a:xfrm>
         <a:prstGeom prst="rightArrow">
           <a:avLst>
@@ -5304,8 +5336,8 @@
         </a:p>
       </dsp:txBody>
       <dsp:txXfrm rot="5400000">
-        <a:off x="1773524" y="3102200"/>
-        <a:ext cx="267607" cy="267542"/>
+        <a:off x="1773176" y="3245918"/>
+        <a:ext cx="280149" cy="280080"/>
       </dsp:txXfrm>
     </dsp:sp>
     <dsp:sp modelId="{529819E6-3267-432B-B9EC-51F57AB738A4}">
@@ -5315,8 +5347,8 @@
       </dsp:nvSpPr>
       <dsp:spPr>
         <a:xfrm>
-          <a:off x="1008106" y="1728189"/>
-          <a:ext cx="1798441" cy="1079065"/>
+          <a:off x="971889" y="1807517"/>
+          <a:ext cx="1882721" cy="1129633"/>
         </a:xfrm>
         <a:prstGeom prst="roundRect">
           <a:avLst>
@@ -5393,8 +5425,8 @@
         </a:p>
       </dsp:txBody>
       <dsp:txXfrm>
-        <a:off x="1039711" y="1759794"/>
-        <a:ext cx="1735231" cy="1015855"/>
+        <a:off x="1004975" y="1840603"/>
+        <a:ext cx="1816549" cy="1063461"/>
       </dsp:txXfrm>
     </dsp:sp>
   </dsp:spTree>
@@ -20068,7 +20100,7 @@
                 <a:buFont typeface="Arial" pitchFamily="34" charset="0"/>
                 <a:buNone/>
               </a:pPr>
-              <a:t>8. März 2019</a:t>
+              <a:t>9. März 2019</a:t>
             </a:fld>
             <a:r>
               <a:rPr kumimoji="0" lang="en-US" sz="1100" b="0" i="0" u="none" strike="noStrike" kern="1200" cap="none" spc="0" normalizeH="0" baseline="0" noProof="0" dirty="0">
@@ -23128,7 +23160,12 @@
             <p:ph type="title"/>
           </p:nvPr>
         </p:nvSpPr>
-        <p:spPr/>
+        <p:spPr>
+          <a:xfrm>
+            <a:off x="251520" y="488950"/>
+            <a:ext cx="6877050" cy="838200"/>
+          </a:xfrm>
+        </p:spPr>
         <p:txBody>
           <a:bodyPr/>
           <a:lstStyle/>
@@ -23164,14 +23201,14 @@
             <p:ph idx="1"/>
             <p:extLst>
               <p:ext uri="{D42A27DB-BD31-4B8C-83A1-F6EECF244321}">
-                <p14:modId xmlns:p14="http://schemas.microsoft.com/office/powerpoint/2010/main" val="2214531670"/>
+                <p14:modId xmlns:p14="http://schemas.microsoft.com/office/powerpoint/2010/main" val="2255194660"/>
               </p:ext>
             </p:extLst>
           </p:nvPr>
         </p:nvGraphicFramePr>
         <p:xfrm>
-          <a:off x="107505" y="1628800"/>
-          <a:ext cx="8928992" cy="4680520"/>
+          <a:off x="-36511" y="1556792"/>
+          <a:ext cx="9180511" cy="4896544"/>
         </p:xfrm>
         <a:graphic>
           <a:graphicData uri="http://schemas.openxmlformats.org/drawingml/2006/diagram">
@@ -23206,8 +23243,8 @@
         </p:blipFill>
         <p:spPr>
           <a:xfrm>
-            <a:off x="3077197" y="3128192"/>
-            <a:ext cx="2989605" cy="1681735"/>
+            <a:off x="3077197" y="3068960"/>
+            <a:ext cx="2989605" cy="1812976"/>
           </a:xfrm>
           <a:prstGeom prst="rect">
             <a:avLst/>
@@ -23616,9 +23653,10 @@
           <a:lstStyle/>
           <a:p>
             <a:r>
-              <a:rPr lang="de-DE" dirty="0"/>
-              <a:t>Fahrspurmarkierung</a:t>
-            </a:r>
+              <a:rPr lang="de-DE" dirty="0" err="1"/>
+              <a:t>Markerpositionierung</a:t>
+            </a:r>
+            <a:endParaRPr lang="de-DE" dirty="0"/>
           </a:p>
         </p:txBody>
       </p:sp>
@@ -23745,6 +23783,147 @@
           </a:prstGeom>
         </p:spPr>
       </p:pic>
+      <p:cxnSp>
+        <p:nvCxnSpPr>
+          <p:cNvPr id="6" name="Gerader Verbinder 5">
+            <a:extLst>
+              <a:ext uri="{FF2B5EF4-FFF2-40B4-BE49-F238E27FC236}">
+                <a16:creationId xmlns:a16="http://schemas.microsoft.com/office/drawing/2014/main" id="{68964FD2-F04D-4D52-9E22-9BCC06F2C73E}"/>
+              </a:ext>
+            </a:extLst>
+          </p:cNvPr>
+          <p:cNvCxnSpPr>
+            <a:cxnSpLocks/>
+          </p:cNvCxnSpPr>
+          <p:nvPr/>
+        </p:nvCxnSpPr>
+        <p:spPr bwMode="auto">
+          <a:xfrm>
+            <a:off x="4862470" y="3717032"/>
+            <a:ext cx="3309930" cy="0"/>
+          </a:xfrm>
+          <a:prstGeom prst="line">
+            <a:avLst/>
+          </a:prstGeom>
+          <a:ln w="9525" cap="flat" cmpd="sng" algn="ctr">
+            <a:solidFill>
+              <a:schemeClr val="accent1"/>
+            </a:solidFill>
+            <a:prstDash val="dash"/>
+            <a:round/>
+            <a:headEnd type="none" w="med" len="med"/>
+            <a:tailEnd type="none" w="med" len="med"/>
+          </a:ln>
+        </p:spPr>
+        <p:style>
+          <a:lnRef idx="0">
+            <a:scrgbClr r="0" g="0" b="0"/>
+          </a:lnRef>
+          <a:fillRef idx="0">
+            <a:scrgbClr r="0" g="0" b="0"/>
+          </a:fillRef>
+          <a:effectRef idx="0">
+            <a:scrgbClr r="0" g="0" b="0"/>
+          </a:effectRef>
+          <a:fontRef idx="minor">
+            <a:schemeClr val="tx1"/>
+          </a:fontRef>
+        </p:style>
+      </p:cxnSp>
+      <p:cxnSp>
+        <p:nvCxnSpPr>
+          <p:cNvPr id="9" name="Gerader Verbinder 8">
+            <a:extLst>
+              <a:ext uri="{FF2B5EF4-FFF2-40B4-BE49-F238E27FC236}">
+                <a16:creationId xmlns:a16="http://schemas.microsoft.com/office/drawing/2014/main" id="{A0AD85E9-071E-4859-9DE3-4A0F5484814E}"/>
+              </a:ext>
+            </a:extLst>
+          </p:cNvPr>
+          <p:cNvCxnSpPr>
+            <a:cxnSpLocks/>
+          </p:cNvCxnSpPr>
+          <p:nvPr/>
+        </p:nvCxnSpPr>
+        <p:spPr bwMode="auto">
+          <a:xfrm>
+            <a:off x="4862470" y="5508000"/>
+            <a:ext cx="3309930" cy="0"/>
+          </a:xfrm>
+          <a:prstGeom prst="line">
+            <a:avLst/>
+          </a:prstGeom>
+          <a:ln w="9525" cap="flat" cmpd="sng" algn="ctr">
+            <a:solidFill>
+              <a:schemeClr val="accent1"/>
+            </a:solidFill>
+            <a:prstDash val="dash"/>
+            <a:round/>
+            <a:headEnd type="none" w="med" len="med"/>
+            <a:tailEnd type="none" w="med" len="med"/>
+          </a:ln>
+        </p:spPr>
+        <p:style>
+          <a:lnRef idx="0">
+            <a:scrgbClr r="0" g="0" b="0"/>
+          </a:lnRef>
+          <a:fillRef idx="0">
+            <a:scrgbClr r="0" g="0" b="0"/>
+          </a:fillRef>
+          <a:effectRef idx="0">
+            <a:scrgbClr r="0" g="0" b="0"/>
+          </a:effectRef>
+          <a:fontRef idx="minor">
+            <a:schemeClr val="tx1"/>
+          </a:fontRef>
+        </p:style>
+      </p:cxnSp>
+      <p:cxnSp>
+        <p:nvCxnSpPr>
+          <p:cNvPr id="10" name="Gerader Verbinder 9">
+            <a:extLst>
+              <a:ext uri="{FF2B5EF4-FFF2-40B4-BE49-F238E27FC236}">
+                <a16:creationId xmlns:a16="http://schemas.microsoft.com/office/drawing/2014/main" id="{8A9A4A67-3A8A-46F7-A07F-13900DE45AFF}"/>
+              </a:ext>
+            </a:extLst>
+          </p:cNvPr>
+          <p:cNvCxnSpPr>
+            <a:cxnSpLocks/>
+          </p:cNvCxnSpPr>
+          <p:nvPr/>
+        </p:nvCxnSpPr>
+        <p:spPr bwMode="auto">
+          <a:xfrm>
+            <a:off x="4862470" y="4581128"/>
+            <a:ext cx="3309930" cy="0"/>
+          </a:xfrm>
+          <a:prstGeom prst="line">
+            <a:avLst/>
+          </a:prstGeom>
+          <a:ln w="9525" cap="flat" cmpd="sng" algn="ctr">
+            <a:solidFill>
+              <a:schemeClr val="accent1"/>
+            </a:solidFill>
+            <a:prstDash val="dash"/>
+            <a:round/>
+            <a:headEnd type="none" w="med" len="med"/>
+            <a:tailEnd type="none" w="med" len="med"/>
+          </a:ln>
+        </p:spPr>
+        <p:style>
+          <a:lnRef idx="0">
+            <a:scrgbClr r="0" g="0" b="0"/>
+          </a:lnRef>
+          <a:fillRef idx="0">
+            <a:scrgbClr r="0" g="0" b="0"/>
+          </a:fillRef>
+          <a:effectRef idx="0">
+            <a:scrgbClr r="0" g="0" b="0"/>
+          </a:effectRef>
+          <a:fontRef idx="minor">
+            <a:schemeClr val="tx1"/>
+          </a:fontRef>
+        </p:style>
+      </p:cxnSp>
     </p:spTree>
     <p:extLst>
       <p:ext uri="{BB962C8B-B14F-4D97-AF65-F5344CB8AC3E}">
@@ -23858,10 +24037,10 @@
       </p:sp>
       <p:pic>
         <p:nvPicPr>
-          <p:cNvPr id="7" name="Grafik 6">
+          <p:cNvPr id="9" name="Grafik 8">
             <a:extLst>
               <a:ext uri="{FF2B5EF4-FFF2-40B4-BE49-F238E27FC236}">
-                <a16:creationId xmlns:a16="http://schemas.microsoft.com/office/drawing/2014/main" id="{A70F3255-4C3A-479B-86B1-C236922D044A}"/>
+                <a16:creationId xmlns:a16="http://schemas.microsoft.com/office/drawing/2014/main" id="{13094981-6F58-490C-B6AE-93B71F105189}"/>
               </a:ext>
             </a:extLst>
           </p:cNvPr>
@@ -23878,47 +24057,12 @@
               </a:ext>
             </a:extLst>
           </a:blip>
-          <a:srcRect l="27386" t="37890" r="39361" b="16683"/>
-          <a:stretch/>
-        </p:blipFill>
-        <p:spPr>
-          <a:xfrm>
-            <a:off x="6012160" y="1531434"/>
-            <a:ext cx="2535555" cy="2041582"/>
-          </a:xfrm>
-          <a:prstGeom prst="rect">
-            <a:avLst/>
-          </a:prstGeom>
-        </p:spPr>
-      </p:pic>
-      <p:pic>
-        <p:nvPicPr>
-          <p:cNvPr id="9" name="Grafik 8">
-            <a:extLst>
-              <a:ext uri="{FF2B5EF4-FFF2-40B4-BE49-F238E27FC236}">
-                <a16:creationId xmlns:a16="http://schemas.microsoft.com/office/drawing/2014/main" id="{13094981-6F58-490C-B6AE-93B71F105189}"/>
-              </a:ext>
-            </a:extLst>
-          </p:cNvPr>
-          <p:cNvPicPr>
-            <a:picLocks noChangeAspect="1"/>
-          </p:cNvPicPr>
-          <p:nvPr/>
-        </p:nvPicPr>
-        <p:blipFill rotWithShape="1">
-          <a:blip r:embed="rId3" cstate="print">
-            <a:extLst>
-              <a:ext uri="{28A0092B-C50C-407E-A947-70E740481C1C}">
-                <a14:useLocalDpi xmlns:a14="http://schemas.microsoft.com/office/drawing/2010/main" val="0"/>
-              </a:ext>
-            </a:extLst>
-          </a:blip>
           <a:srcRect t="11325"/>
           <a:stretch/>
         </p:blipFill>
         <p:spPr>
           <a:xfrm>
-            <a:off x="3304222" y="3717032"/>
+            <a:off x="3304222" y="3827599"/>
             <a:ext cx="2535555" cy="2480657"/>
           </a:xfrm>
           <a:prstGeom prst="rect">
@@ -23941,7 +24085,7 @@
           <p:nvPr/>
         </p:nvPicPr>
         <p:blipFill rotWithShape="1">
-          <a:blip r:embed="rId4" cstate="print">
+          <a:blip r:embed="rId3" cstate="print">
             <a:extLst>
               <a:ext uri="{28A0092B-C50C-407E-A947-70E740481C1C}">
                 <a14:useLocalDpi xmlns:a14="http://schemas.microsoft.com/office/drawing/2010/main" val="0"/>
@@ -23953,7 +24097,7 @@
         </p:blipFill>
         <p:spPr>
           <a:xfrm>
-            <a:off x="611560" y="3718096"/>
+            <a:off x="611560" y="3828663"/>
             <a:ext cx="2535555" cy="2480657"/>
           </a:xfrm>
           <a:prstGeom prst="rect">
@@ -23976,7 +24120,7 @@
           <p:nvPr/>
         </p:nvPicPr>
         <p:blipFill rotWithShape="1">
-          <a:blip r:embed="rId5" cstate="print">
+          <a:blip r:embed="rId4" cstate="print">
             <a:extLst>
               <a:ext uri="{28A0092B-C50C-407E-A947-70E740481C1C}">
                 <a14:useLocalDpi xmlns:a14="http://schemas.microsoft.com/office/drawing/2010/main" val="0"/>
@@ -23988,8 +24132,43 @@
         </p:blipFill>
         <p:spPr>
           <a:xfrm>
-            <a:off x="6012160" y="3717032"/>
+            <a:off x="6012160" y="3827599"/>
             <a:ext cx="2535555" cy="2480657"/>
+          </a:xfrm>
+          <a:prstGeom prst="rect">
+            <a:avLst/>
+          </a:prstGeom>
+        </p:spPr>
+      </p:pic>
+      <p:pic>
+        <p:nvPicPr>
+          <p:cNvPr id="5" name="Grafik 4">
+            <a:extLst>
+              <a:ext uri="{FF2B5EF4-FFF2-40B4-BE49-F238E27FC236}">
+                <a16:creationId xmlns:a16="http://schemas.microsoft.com/office/drawing/2014/main" id="{2C5F48D7-A452-41B4-AC95-A1136AC3005A}"/>
+              </a:ext>
+            </a:extLst>
+          </p:cNvPr>
+          <p:cNvPicPr>
+            <a:picLocks noChangeAspect="1"/>
+          </p:cNvPicPr>
+          <p:nvPr/>
+        </p:nvPicPr>
+        <p:blipFill rotWithShape="1">
+          <a:blip r:embed="rId5">
+            <a:extLst>
+              <a:ext uri="{28A0092B-C50C-407E-A947-70E740481C1C}">
+                <a14:useLocalDpi xmlns:a14="http://schemas.microsoft.com/office/drawing/2010/main" val="0"/>
+              </a:ext>
+            </a:extLst>
+          </a:blip>
+          <a:srcRect l="33206" t="20637" r="5554" b="10573"/>
+          <a:stretch/>
+        </p:blipFill>
+        <p:spPr>
+          <a:xfrm>
+            <a:off x="6015360" y="1556792"/>
+            <a:ext cx="2529154" cy="2160240"/>
           </a:xfrm>
           <a:prstGeom prst="rect">
             <a:avLst/>
